--- a/xlgs-python-excel-copilot-slides.pptx
+++ b/xlgs-python-excel-copilot-slides.pptx
@@ -11689,7 +11689,7 @@
         <p:spPr>
           <a:xfrm>
             <a:off x="520861" y="3191948"/>
-            <a:ext cx="10909139" cy="4154984"/>
+            <a:ext cx="10909139" cy="2308324"/>
           </a:xfrm>
           <a:prstGeom prst="rect">
             <a:avLst/>
@@ -11710,7 +11710,7 @@
               <a:buChar char="•"/>
             </a:pPr>
             <a:r>
-              <a:rPr lang="en-US" sz="8800" dirty="0">
+              <a:rPr lang="en-US" sz="7200" dirty="0">
                 <a:solidFill>
                   <a:srgbClr val="707070"/>
                 </a:solidFill>
@@ -11719,21 +11719,24 @@
               <a:t>Download the resources: </a:t>
             </a:r>
             <a:r>
-              <a:rPr lang="en-US" sz="8800" dirty="0">
+              <a:rPr lang="en-US" sz="7200" dirty="0">
                 <a:solidFill>
                   <a:srgbClr val="707070"/>
                 </a:solidFill>
                 <a:latin typeface="Pragmatica" panose="020B0403040502020204" pitchFamily="34" charset="0"/>
                 <a:hlinkClick r:id="rId2"/>
               </a:rPr>
-              <a:t>https://swiy.co/gxls25 </a:t>
-            </a:r>
-            <a:endParaRPr lang="en-US" sz="8800" dirty="0">
-              <a:solidFill>
-                <a:srgbClr val="707070"/>
-              </a:solidFill>
-              <a:latin typeface="Pragmatica" panose="020B0403040502020204" pitchFamily="34" charset="0"/>
-            </a:endParaRPr>
+              <a:t>https://swiy.co/gxls2025</a:t>
+            </a:r>
+            <a:r>
+              <a:rPr lang="en-US" sz="7200" dirty="0">
+                <a:solidFill>
+                  <a:srgbClr val="707070"/>
+                </a:solidFill>
+                <a:latin typeface="Pragmatica" panose="020B0403040502020204" pitchFamily="34" charset="0"/>
+              </a:rPr>
+              <a:t> </a:t>
+            </a:r>
           </a:p>
         </p:txBody>
       </p:sp>
@@ -11767,6 +11770,42 @@
           <a:xfrm>
             <a:off x="16341036" y="8058429"/>
             <a:ext cx="1942857" cy="2228571"/>
+          </a:xfrm>
+          <a:prstGeom prst="rect">
+            <a:avLst/>
+          </a:prstGeom>
+        </p:spPr>
+      </p:pic>
+      <p:pic>
+        <p:nvPicPr>
+          <p:cNvPr id="4" name="Picture 3" descr="A black background with a black square&#10;&#10;Description automatically generated with medium confidence">
+            <a:extLst>
+              <a:ext uri="{FF2B5EF4-FFF2-40B4-BE49-F238E27FC236}">
+                <a16:creationId xmlns:a16="http://schemas.microsoft.com/office/drawing/2014/main" id="{3A4FE4EE-E8BC-54A0-C7A8-3A7CC22B03FD}"/>
+              </a:ext>
+            </a:extLst>
+          </p:cNvPr>
+          <p:cNvPicPr>
+            <a:picLocks noChangeAspect="1"/>
+          </p:cNvPicPr>
+          <p:nvPr/>
+        </p:nvPicPr>
+        <p:blipFill>
+          <a:blip r:embed="rId4">
+            <a:extLst>
+              <a:ext uri="{28A0092B-C50C-407E-A947-70E740481C1C}">
+                <a14:useLocalDpi xmlns:a14="http://schemas.microsoft.com/office/drawing/2010/main" val="0"/>
+              </a:ext>
+            </a:extLst>
+          </a:blip>
+          <a:stretch>
+            <a:fillRect/>
+          </a:stretch>
+        </p:blipFill>
+        <p:spPr>
+          <a:xfrm>
+            <a:off x="11734800" y="4229100"/>
+            <a:ext cx="4267200" cy="4267200"/>
           </a:xfrm>
           <a:prstGeom prst="rect">
             <a:avLst/>

--- a/xlgs-python-excel-copilot-slides.pptx
+++ b/xlgs-python-excel-copilot-slides.pptx
@@ -5,52 +5,53 @@
     <p:sldMasterId id="2147483648" r:id="rId1"/>
   </p:sldMasterIdLst>
   <p:notesMasterIdLst>
-    <p:notesMasterId r:id="rId35"/>
+    <p:notesMasterId r:id="rId36"/>
   </p:notesMasterIdLst>
   <p:sldIdLst>
     <p:sldId id="256" r:id="rId2"/>
     <p:sldId id="358" r:id="rId3"/>
     <p:sldId id="258" r:id="rId4"/>
     <p:sldId id="425" r:id="rId5"/>
-    <p:sldId id="394" r:id="rId6"/>
-    <p:sldId id="364" r:id="rId7"/>
-    <p:sldId id="378" r:id="rId8"/>
-    <p:sldId id="395" r:id="rId9"/>
-    <p:sldId id="372" r:id="rId10"/>
-    <p:sldId id="396" r:id="rId11"/>
-    <p:sldId id="397" r:id="rId12"/>
-    <p:sldId id="398" r:id="rId13"/>
-    <p:sldId id="387" r:id="rId14"/>
-    <p:sldId id="365" r:id="rId15"/>
-    <p:sldId id="399" r:id="rId16"/>
-    <p:sldId id="400" r:id="rId17"/>
-    <p:sldId id="401" r:id="rId18"/>
-    <p:sldId id="402" r:id="rId19"/>
-    <p:sldId id="403" r:id="rId20"/>
-    <p:sldId id="404" r:id="rId21"/>
-    <p:sldId id="407" r:id="rId22"/>
-    <p:sldId id="424" r:id="rId23"/>
-    <p:sldId id="415" r:id="rId24"/>
-    <p:sldId id="405" r:id="rId25"/>
-    <p:sldId id="412" r:id="rId26"/>
-    <p:sldId id="413" r:id="rId27"/>
-    <p:sldId id="414" r:id="rId28"/>
-    <p:sldId id="406" r:id="rId29"/>
-    <p:sldId id="409" r:id="rId30"/>
-    <p:sldId id="410" r:id="rId31"/>
-    <p:sldId id="416" r:id="rId32"/>
-    <p:sldId id="411" r:id="rId33"/>
-    <p:sldId id="265" r:id="rId34"/>
+    <p:sldId id="426" r:id="rId6"/>
+    <p:sldId id="394" r:id="rId7"/>
+    <p:sldId id="364" r:id="rId8"/>
+    <p:sldId id="378" r:id="rId9"/>
+    <p:sldId id="395" r:id="rId10"/>
+    <p:sldId id="372" r:id="rId11"/>
+    <p:sldId id="396" r:id="rId12"/>
+    <p:sldId id="397" r:id="rId13"/>
+    <p:sldId id="398" r:id="rId14"/>
+    <p:sldId id="387" r:id="rId15"/>
+    <p:sldId id="365" r:id="rId16"/>
+    <p:sldId id="399" r:id="rId17"/>
+    <p:sldId id="400" r:id="rId18"/>
+    <p:sldId id="401" r:id="rId19"/>
+    <p:sldId id="402" r:id="rId20"/>
+    <p:sldId id="403" r:id="rId21"/>
+    <p:sldId id="404" r:id="rId22"/>
+    <p:sldId id="407" r:id="rId23"/>
+    <p:sldId id="424" r:id="rId24"/>
+    <p:sldId id="415" r:id="rId25"/>
+    <p:sldId id="405" r:id="rId26"/>
+    <p:sldId id="412" r:id="rId27"/>
+    <p:sldId id="413" r:id="rId28"/>
+    <p:sldId id="414" r:id="rId29"/>
+    <p:sldId id="406" r:id="rId30"/>
+    <p:sldId id="409" r:id="rId31"/>
+    <p:sldId id="410" r:id="rId32"/>
+    <p:sldId id="416" r:id="rId33"/>
+    <p:sldId id="411" r:id="rId34"/>
+    <p:sldId id="265" r:id="rId35"/>
   </p:sldIdLst>
   <p:sldSz cx="18288000" cy="10287000"/>
   <p:notesSz cx="6858000" cy="9144000"/>
   <p:embeddedFontLst>
     <p:embeddedFont>
       <p:font typeface="Consolas" panose="020B0609020204030204" pitchFamily="49" charset="0"/>
-      <p:regular r:id="rId36"/>
-      <p:bold r:id="rId37"/>
-      <p:italic r:id="rId38"/>
-      <p:boldItalic r:id="rId39"/>
+      <p:regular r:id="rId37"/>
+      <p:bold r:id="rId38"/>
+      <p:italic r:id="rId39"/>
+      <p:boldItalic r:id="rId40"/>
     </p:embeddedFont>
   </p:embeddedFontLst>
   <p:defaultTextStyle>
@@ -731,7 +732,7 @@
           <a:p>
             <a:fld id="{1300335D-9F13-4B80-ADC5-B0EA3E10FF6B}" type="slidenum">
               <a:rPr lang="en-US" smtClean="0"/>
-              <a:t>22</a:t>
+              <a:t>23</a:t>
             </a:fld>
             <a:endParaRPr lang="en-US"/>
           </a:p>
@@ -839,7 +840,7 @@
           <a:p>
             <a:fld id="{1300335D-9F13-4B80-ADC5-B0EA3E10FF6B}" type="slidenum">
               <a:rPr lang="en-US" smtClean="0"/>
-              <a:t>25</a:t>
+              <a:t>26</a:t>
             </a:fld>
             <a:endParaRPr lang="en-US"/>
           </a:p>
@@ -947,7 +948,7 @@
           <a:p>
             <a:fld id="{1300335D-9F13-4B80-ADC5-B0EA3E10FF6B}" type="slidenum">
               <a:rPr lang="en-US" smtClean="0"/>
-              <a:t>26</a:t>
+              <a:t>27</a:t>
             </a:fld>
             <a:endParaRPr lang="en-US"/>
           </a:p>
@@ -1055,7 +1056,7 @@
           <a:p>
             <a:fld id="{1300335D-9F13-4B80-ADC5-B0EA3E10FF6B}" type="slidenum">
               <a:rPr lang="en-US" smtClean="0"/>
-              <a:t>29</a:t>
+              <a:t>30</a:t>
             </a:fld>
             <a:endParaRPr lang="en-US"/>
           </a:p>
@@ -1163,7 +1164,7 @@
           <a:p>
             <a:fld id="{1300335D-9F13-4B80-ADC5-B0EA3E10FF6B}" type="slidenum">
               <a:rPr lang="en-US" smtClean="0"/>
-              <a:t>30</a:t>
+              <a:t>31</a:t>
             </a:fld>
             <a:endParaRPr lang="en-US"/>
           </a:p>
@@ -1271,7 +1272,7 @@
           <a:p>
             <a:fld id="{1300335D-9F13-4B80-ADC5-B0EA3E10FF6B}" type="slidenum">
               <a:rPr lang="en-US" smtClean="0"/>
-              <a:t>32</a:t>
+              <a:t>33</a:t>
             </a:fld>
             <a:endParaRPr lang="en-US"/>
           </a:p>
@@ -1379,7 +1380,7 @@
           <a:p>
             <a:fld id="{1300335D-9F13-4B80-ADC5-B0EA3E10FF6B}" type="slidenum">
               <a:rPr lang="en-US" smtClean="0"/>
-              <a:t>7</a:t>
+              <a:t>8</a:t>
             </a:fld>
             <a:endParaRPr lang="en-US"/>
           </a:p>
@@ -1487,7 +1488,7 @@
           <a:p>
             <a:fld id="{1300335D-9F13-4B80-ADC5-B0EA3E10FF6B}" type="slidenum">
               <a:rPr lang="en-US" smtClean="0"/>
-              <a:t>8</a:t>
+              <a:t>9</a:t>
             </a:fld>
             <a:endParaRPr lang="en-US"/>
           </a:p>
@@ -1595,7 +1596,7 @@
           <a:p>
             <a:fld id="{1300335D-9F13-4B80-ADC5-B0EA3E10FF6B}" type="slidenum">
               <a:rPr lang="en-US" smtClean="0"/>
-              <a:t>11</a:t>
+              <a:t>12</a:t>
             </a:fld>
             <a:endParaRPr lang="en-US"/>
           </a:p>
@@ -1703,7 +1704,7 @@
           <a:p>
             <a:fld id="{1300335D-9F13-4B80-ADC5-B0EA3E10FF6B}" type="slidenum">
               <a:rPr lang="en-US" smtClean="0"/>
-              <a:t>12</a:t>
+              <a:t>13</a:t>
             </a:fld>
             <a:endParaRPr lang="en-US"/>
           </a:p>
@@ -1811,7 +1812,7 @@
           <a:p>
             <a:fld id="{1300335D-9F13-4B80-ADC5-B0EA3E10FF6B}" type="slidenum">
               <a:rPr lang="en-US" smtClean="0"/>
-              <a:t>15</a:t>
+              <a:t>16</a:t>
             </a:fld>
             <a:endParaRPr lang="en-US"/>
           </a:p>
@@ -1919,7 +1920,7 @@
           <a:p>
             <a:fld id="{1300335D-9F13-4B80-ADC5-B0EA3E10FF6B}" type="slidenum">
               <a:rPr lang="en-US" smtClean="0"/>
-              <a:t>16</a:t>
+              <a:t>17</a:t>
             </a:fld>
             <a:endParaRPr lang="en-US"/>
           </a:p>
@@ -2027,7 +2028,7 @@
           <a:p>
             <a:fld id="{1300335D-9F13-4B80-ADC5-B0EA3E10FF6B}" type="slidenum">
               <a:rPr lang="en-US" smtClean="0"/>
-              <a:t>18</a:t>
+              <a:t>19</a:t>
             </a:fld>
             <a:endParaRPr lang="en-US"/>
           </a:p>
@@ -2135,7 +2136,7 @@
           <a:p>
             <a:fld id="{1300335D-9F13-4B80-ADC5-B0EA3E10FF6B}" type="slidenum">
               <a:rPr lang="en-US" smtClean="0"/>
-              <a:t>21</a:t>
+              <a:t>22</a:t>
             </a:fld>
             <a:endParaRPr lang="en-US"/>
           </a:p>
@@ -5289,62 +5290,75 @@
           <a:chExt cx="0" cy="0"/>
         </a:xfrm>
       </p:grpSpPr>
-      <p:sp>
-        <p:nvSpPr>
-          <p:cNvPr id="4" name="Rectangle 3"/>
-          <p:cNvSpPr/>
+      <p:pic>
+        <p:nvPicPr>
+          <p:cNvPr id="10" name="Picture 9"/>
+          <p:cNvPicPr>
+            <a:picLocks noChangeAspect="1"/>
+          </p:cNvPicPr>
           <p:nvPr/>
-        </p:nvSpPr>
-        <p:spPr>
-          <a:xfrm>
-            <a:off x="0" y="0"/>
-            <a:ext cx="18288000" cy="10287000"/>
+        </p:nvPicPr>
+        <p:blipFill rotWithShape="1">
+          <a:blip r:embed="rId2">
+            <a:extLst>
+              <a:ext uri="{28A0092B-C50C-407E-A947-70E740481C1C}">
+                <a14:useLocalDpi xmlns:a14="http://schemas.microsoft.com/office/drawing/2010/main" val="0"/>
+              </a:ext>
+            </a:extLst>
+          </a:blip>
+          <a:srcRect l="50728" t="56371"/>
+          <a:stretch/>
+        </p:blipFill>
+        <p:spPr>
+          <a:xfrm>
+            <a:off x="12204691" y="3316148"/>
+            <a:ext cx="6083309" cy="6970854"/>
           </a:xfrm>
           <a:prstGeom prst="rect">
             <a:avLst/>
           </a:prstGeom>
-          <a:solidFill>
-            <a:srgbClr val="CF3338"/>
-          </a:solidFill>
-          <a:ln>
-            <a:noFill/>
-          </a:ln>
-        </p:spPr>
-        <p:style>
-          <a:lnRef idx="2">
-            <a:schemeClr val="accent1">
-              <a:shade val="50000"/>
-            </a:schemeClr>
-          </a:lnRef>
-          <a:fillRef idx="1">
-            <a:schemeClr val="accent1"/>
-          </a:fillRef>
-          <a:effectRef idx="0">
-            <a:schemeClr val="accent1"/>
-          </a:effectRef>
-          <a:fontRef idx="minor">
-            <a:schemeClr val="lt1"/>
-          </a:fontRef>
-        </p:style>
-        <p:txBody>
-          <a:bodyPr rtlCol="0" anchor="ctr"/>
-          <a:lstStyle/>
-          <a:p>
-            <a:pPr algn="ctr"/>
-            <a:endParaRPr lang="en-US" sz="2700"/>
-          </a:p>
-        </p:txBody>
-      </p:sp>
-      <p:sp>
-        <p:nvSpPr>
-          <p:cNvPr id="5" name="TextBox 4"/>
+        </p:spPr>
+      </p:pic>
+      <p:pic>
+        <p:nvPicPr>
+          <p:cNvPr id="4" name="Picture 3"/>
+          <p:cNvPicPr>
+            <a:picLocks noChangeAspect="1"/>
+          </p:cNvPicPr>
+          <p:nvPr/>
+        </p:nvPicPr>
+        <p:blipFill>
+          <a:blip r:embed="rId3">
+            <a:extLst>
+              <a:ext uri="{28A0092B-C50C-407E-A947-70E740481C1C}">
+                <a14:useLocalDpi xmlns:a14="http://schemas.microsoft.com/office/drawing/2010/main" val="0"/>
+              </a:ext>
+            </a:extLst>
+          </a:blip>
+          <a:stretch>
+            <a:fillRect/>
+          </a:stretch>
+        </p:blipFill>
+        <p:spPr>
+          <a:xfrm>
+            <a:off x="-807744" y="-3724155"/>
+            <a:ext cx="15257208" cy="11189825"/>
+          </a:xfrm>
+          <a:prstGeom prst="rect">
+            <a:avLst/>
+          </a:prstGeom>
+        </p:spPr>
+      </p:pic>
+      <p:sp>
+        <p:nvSpPr>
+          <p:cNvPr id="11" name="TextBox 10"/>
           <p:cNvSpPr txBox="1"/>
           <p:nvPr/>
         </p:nvSpPr>
         <p:spPr>
           <a:xfrm>
-            <a:off x="781292" y="590309"/>
-            <a:ext cx="15486926" cy="3139321"/>
+            <a:off x="486137" y="2531318"/>
+            <a:ext cx="11979797" cy="923330"/>
           </a:xfrm>
           <a:prstGeom prst="rect">
             <a:avLst/>
@@ -5358,21 +5372,56 @@
           <a:lstStyle/>
           <a:p>
             <a:r>
-              <a:rPr lang="en-US" sz="9900" b="1" dirty="0">
-                <a:solidFill>
-                  <a:schemeClr val="bg1"/>
-                </a:solidFill>
-                <a:latin typeface="Normafixed Tryout" panose="00000409000000000000" pitchFamily="49" charset="0"/>
-              </a:rPr>
-              <a:t>2. Data management with Copilot</a:t>
-            </a:r>
-          </a:p>
-        </p:txBody>
-      </p:sp>
+              <a:rPr lang="en-US" sz="5400" b="1" dirty="0">
+                <a:solidFill>
+                  <a:srgbClr val="CF3338"/>
+                </a:solidFill>
+                <a:latin typeface="Pragmatica" panose="020B0403040502020204" pitchFamily="34" charset="0"/>
+              </a:rPr>
+              <a:t>Questions?</a:t>
+            </a:r>
+          </a:p>
+        </p:txBody>
+      </p:sp>
+      <p:pic>
+        <p:nvPicPr>
+          <p:cNvPr id="5" name="Picture 4">
+            <a:extLst>
+              <a:ext uri="{FF2B5EF4-FFF2-40B4-BE49-F238E27FC236}">
+                <a16:creationId xmlns:a16="http://schemas.microsoft.com/office/drawing/2014/main" id="{54A06221-5316-4BCF-9FDA-BDB95FF4A778}"/>
+              </a:ext>
+            </a:extLst>
+          </p:cNvPr>
+          <p:cNvPicPr>
+            <a:picLocks noChangeAspect="1"/>
+          </p:cNvPicPr>
+          <p:nvPr/>
+        </p:nvPicPr>
+        <p:blipFill>
+          <a:blip r:embed="rId4">
+            <a:extLst>
+              <a:ext uri="{28A0092B-C50C-407E-A947-70E740481C1C}">
+                <a14:useLocalDpi xmlns:a14="http://schemas.microsoft.com/office/drawing/2010/main" val="0"/>
+              </a:ext>
+            </a:extLst>
+          </a:blip>
+          <a:srcRect/>
+          <a:stretch/>
+        </p:blipFill>
+        <p:spPr>
+          <a:xfrm>
+            <a:off x="12204691" y="3317239"/>
+            <a:ext cx="6083309" cy="6968672"/>
+          </a:xfrm>
+          <a:prstGeom prst="rect">
+            <a:avLst/>
+          </a:prstGeom>
+        </p:spPr>
+      </p:pic>
     </p:spTree>
     <p:extLst>
       <p:ext uri="{BB962C8B-B14F-4D97-AF65-F5344CB8AC3E}">
-        <p14:creationId xmlns:p14="http://schemas.microsoft.com/office/powerpoint/2010/main" val="3261205573"/>
+        <p14:creationId xmlns:p14="http://schemas.microsoft.com/office/powerpoint/2010/main" val="2683774385"/>
       </p:ext>
     </p:extLst>
   </p:cSld>
@@ -5407,8 +5456,8 @@
         </p:nvSpPr>
         <p:spPr>
           <a:xfrm>
-            <a:off x="9861630" y="0"/>
-            <a:ext cx="8426370" cy="10287000"/>
+            <a:off x="0" y="0"/>
+            <a:ext cx="18288000" cy="10287000"/>
           </a:xfrm>
           <a:prstGeom prst="rect">
             <a:avLst/>
@@ -5445,45 +5494,16 @@
           </a:p>
         </p:txBody>
       </p:sp>
-      <p:pic>
-        <p:nvPicPr>
-          <p:cNvPr id="2" name="Picture 1"/>
-          <p:cNvPicPr>
-            <a:picLocks noChangeAspect="1"/>
-          </p:cNvPicPr>
-          <p:nvPr/>
-        </p:nvPicPr>
-        <p:blipFill rotWithShape="1">
-          <a:blip r:embed="rId3">
-            <a:extLst>
-              <a:ext uri="{28A0092B-C50C-407E-A947-70E740481C1C}">
-                <a14:useLocalDpi xmlns:a14="http://schemas.microsoft.com/office/drawing/2010/main" val="0"/>
-              </a:ext>
-            </a:extLst>
-          </a:blip>
-          <a:srcRect l="69227" t="33418" r="20112" b="50548"/>
-          <a:stretch/>
-        </p:blipFill>
-        <p:spPr>
-          <a:xfrm>
-            <a:off x="15579524" y="7544693"/>
-            <a:ext cx="2708477" cy="2987579"/>
-          </a:xfrm>
-          <a:prstGeom prst="rect">
-            <a:avLst/>
-          </a:prstGeom>
-        </p:spPr>
-      </p:pic>
-      <p:sp>
-        <p:nvSpPr>
-          <p:cNvPr id="3" name="TextBox 2"/>
+      <p:sp>
+        <p:nvSpPr>
+          <p:cNvPr id="5" name="TextBox 4"/>
           <p:cNvSpPr txBox="1"/>
           <p:nvPr/>
         </p:nvSpPr>
         <p:spPr>
           <a:xfrm>
-            <a:off x="260431" y="329879"/>
-            <a:ext cx="8906720" cy="8036559"/>
+            <a:off x="781292" y="590309"/>
+            <a:ext cx="15486926" cy="3139321"/>
           </a:xfrm>
           <a:prstGeom prst="rect">
             <a:avLst/>
@@ -5497,178 +5517,21 @@
           <a:lstStyle/>
           <a:p>
             <a:r>
-              <a:rPr lang="en-US" sz="6000" b="1" dirty="0">
-                <a:solidFill>
-                  <a:srgbClr val="CF3338"/>
-                </a:solidFill>
-                <a:latin typeface="Pragmatica" panose="020B0403040502020204" pitchFamily="34" charset="0"/>
-              </a:rPr>
-              <a:t>Data management with Copilot</a:t>
-            </a:r>
-          </a:p>
-          <a:p>
-            <a:endParaRPr lang="en-US" sz="4200" dirty="0">
-              <a:solidFill>
-                <a:srgbClr val="CF3338"/>
-              </a:solidFill>
-              <a:latin typeface="Pragmatica" panose="020B0403040502020204" pitchFamily="34" charset="0"/>
-            </a:endParaRPr>
-          </a:p>
-          <a:p>
-            <a:pPr marL="685800" indent="-542925">
-              <a:lnSpc>
-                <a:spcPct val="115000"/>
-              </a:lnSpc>
-              <a:spcBef>
-                <a:spcPts val="1125"/>
-              </a:spcBef>
-              <a:buClr>
-                <a:srgbClr val="C00000"/>
-              </a:buClr>
-              <a:buSzPts val="2100"/>
-              <a:buFont typeface="Arial"/>
-              <a:buAutoNum type="arabicPeriod"/>
-            </a:pPr>
-            <a:r>
-              <a:rPr lang="en-US" sz="3600" dirty="0">
-                <a:solidFill>
-                  <a:srgbClr val="C00000"/>
-                </a:solidFill>
-                <a:latin typeface="Pragmatica" panose="020B0403040502020204"/>
-                <a:sym typeface="Consolas"/>
-              </a:rPr>
-              <a:t>Working with formulas and functions</a:t>
-            </a:r>
-          </a:p>
-          <a:p>
-            <a:pPr marL="685800" indent="-542925">
-              <a:lnSpc>
-                <a:spcPct val="115000"/>
-              </a:lnSpc>
-              <a:spcBef>
-                <a:spcPts val="1125"/>
-              </a:spcBef>
-              <a:buClr>
-                <a:srgbClr val="C00000"/>
-              </a:buClr>
-              <a:buSzPts val="2100"/>
-              <a:buFont typeface="Arial"/>
-              <a:buAutoNum type="arabicPeriod"/>
-            </a:pPr>
-            <a:r>
-              <a:rPr lang="en-US" sz="3600" dirty="0">
-                <a:solidFill>
-                  <a:srgbClr val="C00000"/>
-                </a:solidFill>
-                <a:latin typeface="Pragmatica" panose="020B0403040502020204"/>
-                <a:sym typeface="Consolas"/>
-              </a:rPr>
-              <a:t>Data profiling</a:t>
-            </a:r>
-          </a:p>
-          <a:p>
-            <a:pPr marL="685800" indent="-542925">
-              <a:lnSpc>
-                <a:spcPct val="115000"/>
-              </a:lnSpc>
-              <a:spcBef>
-                <a:spcPts val="1125"/>
-              </a:spcBef>
-              <a:buClr>
-                <a:srgbClr val="C00000"/>
-              </a:buClr>
-              <a:buSzPts val="2100"/>
-              <a:buFont typeface="Arial"/>
-              <a:buAutoNum type="arabicPeriod"/>
-            </a:pPr>
-            <a:r>
-              <a:rPr lang="en-US" sz="3600" dirty="0">
-                <a:solidFill>
-                  <a:srgbClr val="C00000"/>
-                </a:solidFill>
-                <a:latin typeface="Pragmatica" panose="020B0403040502020204"/>
-                <a:sym typeface="Consolas"/>
-              </a:rPr>
-              <a:t>Sorting and filtering</a:t>
-            </a:r>
-          </a:p>
-          <a:p>
-            <a:pPr marL="685800" indent="-542925">
-              <a:lnSpc>
-                <a:spcPct val="115000"/>
-              </a:lnSpc>
-              <a:spcBef>
-                <a:spcPts val="1125"/>
-              </a:spcBef>
-              <a:buClr>
-                <a:srgbClr val="C00000"/>
-              </a:buClr>
-              <a:buSzPts val="2100"/>
-              <a:buFont typeface="Arial"/>
-              <a:buAutoNum type="arabicPeriod"/>
-            </a:pPr>
-            <a:endParaRPr lang="en-US" sz="3600" dirty="0">
-              <a:solidFill>
-                <a:srgbClr val="C00000"/>
-              </a:solidFill>
-              <a:latin typeface="Pragmatica" panose="020B0403040502020204"/>
-              <a:sym typeface="Consolas"/>
-            </a:endParaRPr>
-          </a:p>
-          <a:p>
-            <a:pPr marL="142875">
-              <a:lnSpc>
-                <a:spcPct val="115000"/>
-              </a:lnSpc>
-              <a:spcBef>
-                <a:spcPts val="1125"/>
-              </a:spcBef>
-              <a:buClr>
-                <a:srgbClr val="C00000"/>
-              </a:buClr>
-              <a:buSzPts val="2100"/>
-            </a:pPr>
-            <a:r>
-              <a:rPr lang="en-US" sz="3600" dirty="0">
-                <a:solidFill>
-                  <a:srgbClr val="C00000"/>
-                </a:solidFill>
-                <a:latin typeface="Pragmatica" panose="020B0403040502020204"/>
-                <a:sym typeface="Consolas"/>
-              </a:rPr>
-              <a:t>File: </a:t>
-            </a:r>
-            <a:r>
-              <a:rPr lang="en-US" sz="3600" dirty="0">
-                <a:solidFill>
-                  <a:srgbClr val="C00000"/>
-                </a:solidFill>
-                <a:latin typeface="Consolas" panose="020B0609020204030204" pitchFamily="49" charset="0"/>
-                <a:sym typeface="Consolas"/>
-              </a:rPr>
-              <a:t>ai-powered-data-entry-forecasting.xlsx</a:t>
-            </a:r>
-            <a:endParaRPr lang="en-US" sz="6000" dirty="0">
-              <a:solidFill>
-                <a:srgbClr val="CF3338"/>
-              </a:solidFill>
-              <a:latin typeface="Consolas" panose="020B0609020204030204" pitchFamily="49" charset="0"/>
-            </a:endParaRPr>
-          </a:p>
-          <a:p>
-            <a:endParaRPr lang="en-US" sz="6000" dirty="0">
-              <a:solidFill>
-                <a:srgbClr val="CF3338"/>
-              </a:solidFill>
-              <a:latin typeface="Pragmatica" panose="020B0403040502020204" pitchFamily="34" charset="0"/>
-            </a:endParaRPr>
+              <a:rPr lang="en-US" sz="9900" b="1" dirty="0">
+                <a:solidFill>
+                  <a:schemeClr val="bg1"/>
+                </a:solidFill>
+                <a:latin typeface="Normafixed Tryout" panose="00000409000000000000" pitchFamily="49" charset="0"/>
+              </a:rPr>
+              <a:t>2. Data management with Copilot</a:t>
+            </a:r>
           </a:p>
         </p:txBody>
       </p:sp>
     </p:spTree>
     <p:extLst>
       <p:ext uri="{BB962C8B-B14F-4D97-AF65-F5344CB8AC3E}">
-        <p14:creationId xmlns:p14="http://schemas.microsoft.com/office/powerpoint/2010/main" val="3338017956"/>
+        <p14:creationId xmlns:p14="http://schemas.microsoft.com/office/powerpoint/2010/main" val="3261205573"/>
       </p:ext>
     </p:extLst>
   </p:cSld>
@@ -5779,6 +5642,302 @@
         <p:spPr>
           <a:xfrm>
             <a:off x="260431" y="329879"/>
+            <a:ext cx="8906720" cy="8036559"/>
+          </a:xfrm>
+          <a:prstGeom prst="rect">
+            <a:avLst/>
+          </a:prstGeom>
+          <a:noFill/>
+        </p:spPr>
+        <p:txBody>
+          <a:bodyPr wrap="square" rtlCol="0">
+            <a:spAutoFit/>
+          </a:bodyPr>
+          <a:lstStyle/>
+          <a:p>
+            <a:r>
+              <a:rPr lang="en-US" sz="6000" b="1" dirty="0">
+                <a:solidFill>
+                  <a:srgbClr val="CF3338"/>
+                </a:solidFill>
+                <a:latin typeface="Pragmatica" panose="020B0403040502020204" pitchFamily="34" charset="0"/>
+              </a:rPr>
+              <a:t>Data management with Copilot</a:t>
+            </a:r>
+          </a:p>
+          <a:p>
+            <a:endParaRPr lang="en-US" sz="4200" dirty="0">
+              <a:solidFill>
+                <a:srgbClr val="CF3338"/>
+              </a:solidFill>
+              <a:latin typeface="Pragmatica" panose="020B0403040502020204" pitchFamily="34" charset="0"/>
+            </a:endParaRPr>
+          </a:p>
+          <a:p>
+            <a:pPr marL="685800" indent="-542925">
+              <a:lnSpc>
+                <a:spcPct val="115000"/>
+              </a:lnSpc>
+              <a:spcBef>
+                <a:spcPts val="1125"/>
+              </a:spcBef>
+              <a:buClr>
+                <a:srgbClr val="C00000"/>
+              </a:buClr>
+              <a:buSzPts val="2100"/>
+              <a:buFont typeface="Arial"/>
+              <a:buAutoNum type="arabicPeriod"/>
+            </a:pPr>
+            <a:r>
+              <a:rPr lang="en-US" sz="3600" dirty="0">
+                <a:solidFill>
+                  <a:srgbClr val="C00000"/>
+                </a:solidFill>
+                <a:latin typeface="Pragmatica" panose="020B0403040502020204"/>
+                <a:sym typeface="Consolas"/>
+              </a:rPr>
+              <a:t>Working with formulas and functions</a:t>
+            </a:r>
+          </a:p>
+          <a:p>
+            <a:pPr marL="685800" indent="-542925">
+              <a:lnSpc>
+                <a:spcPct val="115000"/>
+              </a:lnSpc>
+              <a:spcBef>
+                <a:spcPts val="1125"/>
+              </a:spcBef>
+              <a:buClr>
+                <a:srgbClr val="C00000"/>
+              </a:buClr>
+              <a:buSzPts val="2100"/>
+              <a:buFont typeface="Arial"/>
+              <a:buAutoNum type="arabicPeriod"/>
+            </a:pPr>
+            <a:r>
+              <a:rPr lang="en-US" sz="3600" dirty="0">
+                <a:solidFill>
+                  <a:srgbClr val="C00000"/>
+                </a:solidFill>
+                <a:latin typeface="Pragmatica" panose="020B0403040502020204"/>
+                <a:sym typeface="Consolas"/>
+              </a:rPr>
+              <a:t>Data profiling</a:t>
+            </a:r>
+          </a:p>
+          <a:p>
+            <a:pPr marL="685800" indent="-542925">
+              <a:lnSpc>
+                <a:spcPct val="115000"/>
+              </a:lnSpc>
+              <a:spcBef>
+                <a:spcPts val="1125"/>
+              </a:spcBef>
+              <a:buClr>
+                <a:srgbClr val="C00000"/>
+              </a:buClr>
+              <a:buSzPts val="2100"/>
+              <a:buFont typeface="Arial"/>
+              <a:buAutoNum type="arabicPeriod"/>
+            </a:pPr>
+            <a:r>
+              <a:rPr lang="en-US" sz="3600" dirty="0">
+                <a:solidFill>
+                  <a:srgbClr val="C00000"/>
+                </a:solidFill>
+                <a:latin typeface="Pragmatica" panose="020B0403040502020204"/>
+                <a:sym typeface="Consolas"/>
+              </a:rPr>
+              <a:t>Sorting and filtering</a:t>
+            </a:r>
+          </a:p>
+          <a:p>
+            <a:pPr marL="685800" indent="-542925">
+              <a:lnSpc>
+                <a:spcPct val="115000"/>
+              </a:lnSpc>
+              <a:spcBef>
+                <a:spcPts val="1125"/>
+              </a:spcBef>
+              <a:buClr>
+                <a:srgbClr val="C00000"/>
+              </a:buClr>
+              <a:buSzPts val="2100"/>
+              <a:buFont typeface="Arial"/>
+              <a:buAutoNum type="arabicPeriod"/>
+            </a:pPr>
+            <a:endParaRPr lang="en-US" sz="3600" dirty="0">
+              <a:solidFill>
+                <a:srgbClr val="C00000"/>
+              </a:solidFill>
+              <a:latin typeface="Pragmatica" panose="020B0403040502020204"/>
+              <a:sym typeface="Consolas"/>
+            </a:endParaRPr>
+          </a:p>
+          <a:p>
+            <a:pPr marL="142875">
+              <a:lnSpc>
+                <a:spcPct val="115000"/>
+              </a:lnSpc>
+              <a:spcBef>
+                <a:spcPts val="1125"/>
+              </a:spcBef>
+              <a:buClr>
+                <a:srgbClr val="C00000"/>
+              </a:buClr>
+              <a:buSzPts val="2100"/>
+            </a:pPr>
+            <a:r>
+              <a:rPr lang="en-US" sz="3600" dirty="0">
+                <a:solidFill>
+                  <a:srgbClr val="C00000"/>
+                </a:solidFill>
+                <a:latin typeface="Pragmatica" panose="020B0403040502020204"/>
+                <a:sym typeface="Consolas"/>
+              </a:rPr>
+              <a:t>File: </a:t>
+            </a:r>
+            <a:r>
+              <a:rPr lang="en-US" sz="3600" dirty="0">
+                <a:solidFill>
+                  <a:srgbClr val="C00000"/>
+                </a:solidFill>
+                <a:latin typeface="Consolas" panose="020B0609020204030204" pitchFamily="49" charset="0"/>
+                <a:sym typeface="Consolas"/>
+              </a:rPr>
+              <a:t>ai-powered-data-entry-forecasting.xlsx</a:t>
+            </a:r>
+            <a:endParaRPr lang="en-US" sz="6000" dirty="0">
+              <a:solidFill>
+                <a:srgbClr val="CF3338"/>
+              </a:solidFill>
+              <a:latin typeface="Consolas" panose="020B0609020204030204" pitchFamily="49" charset="0"/>
+            </a:endParaRPr>
+          </a:p>
+          <a:p>
+            <a:endParaRPr lang="en-US" sz="6000" dirty="0">
+              <a:solidFill>
+                <a:srgbClr val="CF3338"/>
+              </a:solidFill>
+              <a:latin typeface="Pragmatica" panose="020B0403040502020204" pitchFamily="34" charset="0"/>
+            </a:endParaRPr>
+          </a:p>
+        </p:txBody>
+      </p:sp>
+    </p:spTree>
+    <p:extLst>
+      <p:ext uri="{BB962C8B-B14F-4D97-AF65-F5344CB8AC3E}">
+        <p14:creationId xmlns:p14="http://schemas.microsoft.com/office/powerpoint/2010/main" val="3338017956"/>
+      </p:ext>
+    </p:extLst>
+  </p:cSld>
+  <p:clrMapOvr>
+    <a:masterClrMapping/>
+  </p:clrMapOvr>
+</p:sld>
+</file>
+
+<file path=ppt/slides/slide13.xml><?xml version="1.0" encoding="utf-8"?>
+<p:sld xmlns:a="http://schemas.openxmlformats.org/drawingml/2006/main" xmlns:r="http://schemas.openxmlformats.org/officeDocument/2006/relationships" xmlns:p="http://schemas.openxmlformats.org/presentationml/2006/main">
+  <p:cSld>
+    <p:spTree>
+      <p:nvGrpSpPr>
+        <p:cNvPr id="1" name=""/>
+        <p:cNvGrpSpPr/>
+        <p:nvPr/>
+      </p:nvGrpSpPr>
+      <p:grpSpPr>
+        <a:xfrm>
+          <a:off x="0" y="0"/>
+          <a:ext cx="0" cy="0"/>
+          <a:chOff x="0" y="0"/>
+          <a:chExt cx="0" cy="0"/>
+        </a:xfrm>
+      </p:grpSpPr>
+      <p:sp>
+        <p:nvSpPr>
+          <p:cNvPr id="4" name="Rectangle 3"/>
+          <p:cNvSpPr/>
+          <p:nvPr/>
+        </p:nvSpPr>
+        <p:spPr>
+          <a:xfrm>
+            <a:off x="9861630" y="0"/>
+            <a:ext cx="8426370" cy="10287000"/>
+          </a:xfrm>
+          <a:prstGeom prst="rect">
+            <a:avLst/>
+          </a:prstGeom>
+          <a:solidFill>
+            <a:srgbClr val="CF3338"/>
+          </a:solidFill>
+          <a:ln>
+            <a:noFill/>
+          </a:ln>
+        </p:spPr>
+        <p:style>
+          <a:lnRef idx="2">
+            <a:schemeClr val="accent1">
+              <a:shade val="50000"/>
+            </a:schemeClr>
+          </a:lnRef>
+          <a:fillRef idx="1">
+            <a:schemeClr val="accent1"/>
+          </a:fillRef>
+          <a:effectRef idx="0">
+            <a:schemeClr val="accent1"/>
+          </a:effectRef>
+          <a:fontRef idx="minor">
+            <a:schemeClr val="lt1"/>
+          </a:fontRef>
+        </p:style>
+        <p:txBody>
+          <a:bodyPr rtlCol="0" anchor="ctr"/>
+          <a:lstStyle/>
+          <a:p>
+            <a:pPr algn="ctr"/>
+            <a:endParaRPr lang="en-US" sz="2700"/>
+          </a:p>
+        </p:txBody>
+      </p:sp>
+      <p:pic>
+        <p:nvPicPr>
+          <p:cNvPr id="2" name="Picture 1"/>
+          <p:cNvPicPr>
+            <a:picLocks noChangeAspect="1"/>
+          </p:cNvPicPr>
+          <p:nvPr/>
+        </p:nvPicPr>
+        <p:blipFill rotWithShape="1">
+          <a:blip r:embed="rId3">
+            <a:extLst>
+              <a:ext uri="{28A0092B-C50C-407E-A947-70E740481C1C}">
+                <a14:useLocalDpi xmlns:a14="http://schemas.microsoft.com/office/drawing/2010/main" val="0"/>
+              </a:ext>
+            </a:extLst>
+          </a:blip>
+          <a:srcRect l="69227" t="33418" r="20112" b="50548"/>
+          <a:stretch/>
+        </p:blipFill>
+        <p:spPr>
+          <a:xfrm>
+            <a:off x="15579524" y="7544693"/>
+            <a:ext cx="2708477" cy="2987579"/>
+          </a:xfrm>
+          <a:prstGeom prst="rect">
+            <a:avLst/>
+          </a:prstGeom>
+        </p:spPr>
+      </p:pic>
+      <p:sp>
+        <p:nvSpPr>
+          <p:cNvPr id="3" name="TextBox 2"/>
+          <p:cNvSpPr txBox="1"/>
+          <p:nvPr/>
+        </p:nvSpPr>
+        <p:spPr>
+          <a:xfrm>
+            <a:off x="260431" y="329879"/>
             <a:ext cx="8906720" cy="10220747"/>
           </a:xfrm>
           <a:prstGeom prst="rect">
@@ -6051,7 +6210,7 @@
 </p:sld>
 </file>
 
-<file path=ppt/slides/slide13.xml><?xml version="1.0" encoding="utf-8"?>
+<file path=ppt/slides/slide14.xml><?xml version="1.0" encoding="utf-8"?>
 <p:sld xmlns:a="http://schemas.openxmlformats.org/drawingml/2006/main" xmlns:r="http://schemas.openxmlformats.org/officeDocument/2006/relationships" xmlns:p="http://schemas.openxmlformats.org/presentationml/2006/main">
   <p:cSld>
     <p:spTree>
@@ -6209,116 +6368,6 @@
 </p:sld>
 </file>
 
-<file path=ppt/slides/slide14.xml><?xml version="1.0" encoding="utf-8"?>
-<p:sld xmlns:a="http://schemas.openxmlformats.org/drawingml/2006/main" xmlns:r="http://schemas.openxmlformats.org/officeDocument/2006/relationships" xmlns:p="http://schemas.openxmlformats.org/presentationml/2006/main">
-  <p:cSld>
-    <p:spTree>
-      <p:nvGrpSpPr>
-        <p:cNvPr id="1" name=""/>
-        <p:cNvGrpSpPr/>
-        <p:nvPr/>
-      </p:nvGrpSpPr>
-      <p:grpSpPr>
-        <a:xfrm>
-          <a:off x="0" y="0"/>
-          <a:ext cx="0" cy="0"/>
-          <a:chOff x="0" y="0"/>
-          <a:chExt cx="0" cy="0"/>
-        </a:xfrm>
-      </p:grpSpPr>
-      <p:sp>
-        <p:nvSpPr>
-          <p:cNvPr id="4" name="Rectangle 3"/>
-          <p:cNvSpPr/>
-          <p:nvPr/>
-        </p:nvSpPr>
-        <p:spPr>
-          <a:xfrm>
-            <a:off x="0" y="0"/>
-            <a:ext cx="18288000" cy="10287000"/>
-          </a:xfrm>
-          <a:prstGeom prst="rect">
-            <a:avLst/>
-          </a:prstGeom>
-          <a:solidFill>
-            <a:srgbClr val="CF3338"/>
-          </a:solidFill>
-          <a:ln>
-            <a:noFill/>
-          </a:ln>
-        </p:spPr>
-        <p:style>
-          <a:lnRef idx="2">
-            <a:schemeClr val="accent1">
-              <a:shade val="50000"/>
-            </a:schemeClr>
-          </a:lnRef>
-          <a:fillRef idx="1">
-            <a:schemeClr val="accent1"/>
-          </a:fillRef>
-          <a:effectRef idx="0">
-            <a:schemeClr val="accent1"/>
-          </a:effectRef>
-          <a:fontRef idx="minor">
-            <a:schemeClr val="lt1"/>
-          </a:fontRef>
-        </p:style>
-        <p:txBody>
-          <a:bodyPr rtlCol="0" anchor="ctr"/>
-          <a:lstStyle/>
-          <a:p>
-            <a:pPr algn="ctr"/>
-            <a:endParaRPr lang="en-US" sz="2700"/>
-          </a:p>
-        </p:txBody>
-      </p:sp>
-      <p:sp>
-        <p:nvSpPr>
-          <p:cNvPr id="5" name="TextBox 4"/>
-          <p:cNvSpPr txBox="1"/>
-          <p:nvPr/>
-        </p:nvSpPr>
-        <p:spPr>
-          <a:xfrm>
-            <a:off x="781292" y="590309"/>
-            <a:ext cx="15486926" cy="3139321"/>
-          </a:xfrm>
-          <a:prstGeom prst="rect">
-            <a:avLst/>
-          </a:prstGeom>
-          <a:noFill/>
-        </p:spPr>
-        <p:txBody>
-          <a:bodyPr wrap="square" rtlCol="0">
-            <a:spAutoFit/>
-          </a:bodyPr>
-          <a:lstStyle/>
-          <a:p>
-            <a:r>
-              <a:rPr lang="en-US" sz="9900" b="1" dirty="0">
-                <a:solidFill>
-                  <a:schemeClr val="bg1"/>
-                </a:solidFill>
-                <a:latin typeface="Normafixed Tryout" panose="00000409000000000000" pitchFamily="49" charset="0"/>
-              </a:rPr>
-              <a:t>3. Data analysis &amp; visualization with Copilot</a:t>
-            </a:r>
-          </a:p>
-        </p:txBody>
-      </p:sp>
-    </p:spTree>
-    <p:extLst>
-      <p:ext uri="{BB962C8B-B14F-4D97-AF65-F5344CB8AC3E}">
-        <p14:creationId xmlns:p14="http://schemas.microsoft.com/office/powerpoint/2010/main" val="2305170524"/>
-      </p:ext>
-    </p:extLst>
-  </p:cSld>
-  <p:clrMapOvr>
-    <a:masterClrMapping/>
-  </p:clrMapOvr>
-</p:sld>
-</file>
-
 <file path=ppt/slides/slide15.xml><?xml version="1.0" encoding="utf-8"?>
 <p:sld xmlns:a="http://schemas.openxmlformats.org/drawingml/2006/main" xmlns:r="http://schemas.openxmlformats.org/officeDocument/2006/relationships" xmlns:p="http://schemas.openxmlformats.org/presentationml/2006/main">
   <p:cSld>
@@ -6344,8 +6393,8 @@
         </p:nvSpPr>
         <p:spPr>
           <a:xfrm>
-            <a:off x="9861630" y="0"/>
-            <a:ext cx="8426370" cy="10287000"/>
+            <a:off x="0" y="0"/>
+            <a:ext cx="18288000" cy="10287000"/>
           </a:xfrm>
           <a:prstGeom prst="rect">
             <a:avLst/>
@@ -6382,45 +6431,16 @@
           </a:p>
         </p:txBody>
       </p:sp>
-      <p:pic>
-        <p:nvPicPr>
-          <p:cNvPr id="2" name="Picture 1"/>
-          <p:cNvPicPr>
-            <a:picLocks noChangeAspect="1"/>
-          </p:cNvPicPr>
-          <p:nvPr/>
-        </p:nvPicPr>
-        <p:blipFill rotWithShape="1">
-          <a:blip r:embed="rId3">
-            <a:extLst>
-              <a:ext uri="{28A0092B-C50C-407E-A947-70E740481C1C}">
-                <a14:useLocalDpi xmlns:a14="http://schemas.microsoft.com/office/drawing/2010/main" val="0"/>
-              </a:ext>
-            </a:extLst>
-          </a:blip>
-          <a:srcRect l="69227" t="33418" r="20112" b="50548"/>
-          <a:stretch/>
-        </p:blipFill>
-        <p:spPr>
-          <a:xfrm>
-            <a:off x="15579524" y="7544693"/>
-            <a:ext cx="2708477" cy="2987579"/>
-          </a:xfrm>
-          <a:prstGeom prst="rect">
-            <a:avLst/>
-          </a:prstGeom>
-        </p:spPr>
-      </p:pic>
-      <p:sp>
-        <p:nvSpPr>
-          <p:cNvPr id="3" name="TextBox 2"/>
+      <p:sp>
+        <p:nvSpPr>
+          <p:cNvPr id="5" name="TextBox 4"/>
           <p:cNvSpPr txBox="1"/>
           <p:nvPr/>
         </p:nvSpPr>
         <p:spPr>
           <a:xfrm>
-            <a:off x="260431" y="329879"/>
-            <a:ext cx="8906720" cy="8036559"/>
+            <a:off x="781292" y="590309"/>
+            <a:ext cx="15486926" cy="3139321"/>
           </a:xfrm>
           <a:prstGeom prst="rect">
             <a:avLst/>
@@ -6434,176 +6454,21 @@
           <a:lstStyle/>
           <a:p>
             <a:r>
-              <a:rPr lang="en-US" sz="6000" b="1" dirty="0">
-                <a:solidFill>
-                  <a:srgbClr val="CF3338"/>
-                </a:solidFill>
-                <a:latin typeface="Pragmatica" panose="020B0403040502020204" pitchFamily="34" charset="0"/>
-              </a:rPr>
-              <a:t>Data analysis &amp; visualization with Copilot</a:t>
-            </a:r>
-          </a:p>
-          <a:p>
-            <a:endParaRPr lang="en-US" sz="4200" dirty="0">
-              <a:solidFill>
-                <a:srgbClr val="CF3338"/>
-              </a:solidFill>
-              <a:latin typeface="Pragmatica" panose="020B0403040502020204" pitchFamily="34" charset="0"/>
-            </a:endParaRPr>
-          </a:p>
-          <a:p>
-            <a:pPr marL="685800" indent="-542925">
-              <a:lnSpc>
-                <a:spcPct val="115000"/>
-              </a:lnSpc>
-              <a:spcBef>
-                <a:spcPts val="1125"/>
-              </a:spcBef>
-              <a:buClr>
-                <a:srgbClr val="C00000"/>
-              </a:buClr>
-              <a:buSzPts val="2100"/>
-              <a:buFont typeface="Arial"/>
-              <a:buAutoNum type="arabicPeriod"/>
-            </a:pPr>
-            <a:r>
-              <a:rPr lang="en-US" sz="3600" dirty="0">
-                <a:solidFill>
-                  <a:srgbClr val="C00000"/>
-                </a:solidFill>
-                <a:latin typeface="Pragmatica" panose="020B0403040502020204"/>
-                <a:sym typeface="Consolas"/>
-              </a:rPr>
-              <a:t>Conditional formatting</a:t>
-            </a:r>
-          </a:p>
-          <a:p>
-            <a:pPr marL="685800" indent="-542925">
-              <a:lnSpc>
-                <a:spcPct val="115000"/>
-              </a:lnSpc>
-              <a:spcBef>
-                <a:spcPts val="1125"/>
-              </a:spcBef>
-              <a:buClr>
-                <a:srgbClr val="C00000"/>
-              </a:buClr>
-              <a:buSzPts val="2100"/>
-              <a:buFont typeface="Arial"/>
-              <a:buAutoNum type="arabicPeriod"/>
-            </a:pPr>
-            <a:r>
-              <a:rPr lang="en-US" sz="3600" dirty="0">
-                <a:solidFill>
-                  <a:srgbClr val="C00000"/>
-                </a:solidFill>
-                <a:latin typeface="Pragmatica" panose="020B0403040502020204"/>
-                <a:sym typeface="Consolas"/>
-              </a:rPr>
-              <a:t>Data analysis</a:t>
-            </a:r>
-          </a:p>
-          <a:p>
-            <a:pPr marL="685800" indent="-542925">
-              <a:lnSpc>
-                <a:spcPct val="115000"/>
-              </a:lnSpc>
-              <a:spcBef>
-                <a:spcPts val="1125"/>
-              </a:spcBef>
-              <a:buClr>
-                <a:srgbClr val="C00000"/>
-              </a:buClr>
-              <a:buSzPts val="2100"/>
-              <a:buFont typeface="Arial"/>
-              <a:buAutoNum type="arabicPeriod"/>
-            </a:pPr>
-            <a:r>
-              <a:rPr lang="en-US" sz="3600" dirty="0">
-                <a:solidFill>
-                  <a:srgbClr val="C00000"/>
-                </a:solidFill>
-                <a:latin typeface="Pragmatica" panose="020B0403040502020204"/>
-                <a:sym typeface="Consolas"/>
-              </a:rPr>
-              <a:t>Data visualization</a:t>
-            </a:r>
-          </a:p>
-          <a:p>
-            <a:pPr marL="142875">
-              <a:lnSpc>
-                <a:spcPct val="115000"/>
-              </a:lnSpc>
-              <a:spcBef>
-                <a:spcPts val="1125"/>
-              </a:spcBef>
-              <a:buClr>
-                <a:srgbClr val="C00000"/>
-              </a:buClr>
-              <a:buSzPts val="2100"/>
-            </a:pPr>
-            <a:endParaRPr lang="en-US" sz="3600" dirty="0">
-              <a:solidFill>
-                <a:srgbClr val="C00000"/>
-              </a:solidFill>
-              <a:latin typeface="Pragmatica" panose="020B0403040502020204"/>
-              <a:sym typeface="Consolas"/>
-            </a:endParaRPr>
-          </a:p>
-          <a:p>
-            <a:pPr marL="142875">
-              <a:lnSpc>
-                <a:spcPct val="115000"/>
-              </a:lnSpc>
-              <a:spcBef>
-                <a:spcPts val="1125"/>
-              </a:spcBef>
-              <a:buClr>
-                <a:srgbClr val="C00000"/>
-              </a:buClr>
-              <a:buSzPts val="2100"/>
-            </a:pPr>
-            <a:r>
-              <a:rPr lang="en-US" sz="3600" dirty="0">
-                <a:solidFill>
-                  <a:srgbClr val="C00000"/>
-                </a:solidFill>
-                <a:latin typeface="Pragmatica" panose="020B0403040502020204"/>
-                <a:sym typeface="Consolas"/>
-              </a:rPr>
-              <a:t>File: </a:t>
-            </a:r>
-            <a:r>
-              <a:rPr lang="en-US" sz="3600" dirty="0">
-                <a:solidFill>
-                  <a:srgbClr val="C00000"/>
-                </a:solidFill>
-                <a:latin typeface="Consolas" panose="020B0609020204030204" pitchFamily="49" charset="0"/>
-                <a:sym typeface="Consolas"/>
-              </a:rPr>
-              <a:t>copilot-analysis-visualization.xlsx</a:t>
-            </a:r>
-            <a:endParaRPr lang="en-US" sz="6000" dirty="0">
-              <a:solidFill>
-                <a:srgbClr val="CF3338"/>
-              </a:solidFill>
-              <a:latin typeface="Consolas" panose="020B0609020204030204" pitchFamily="49" charset="0"/>
-            </a:endParaRPr>
-          </a:p>
-          <a:p>
-            <a:endParaRPr lang="en-US" sz="6000" dirty="0">
-              <a:solidFill>
-                <a:srgbClr val="CF3338"/>
-              </a:solidFill>
-              <a:latin typeface="Pragmatica" panose="020B0403040502020204" pitchFamily="34" charset="0"/>
-            </a:endParaRPr>
+              <a:rPr lang="en-US" sz="9900" b="1" dirty="0">
+                <a:solidFill>
+                  <a:schemeClr val="bg1"/>
+                </a:solidFill>
+                <a:latin typeface="Normafixed Tryout" panose="00000409000000000000" pitchFamily="49" charset="0"/>
+              </a:rPr>
+              <a:t>3. Data analysis &amp; visualization with Copilot</a:t>
+            </a:r>
           </a:p>
         </p:txBody>
       </p:sp>
     </p:spTree>
     <p:extLst>
       <p:ext uri="{BB962C8B-B14F-4D97-AF65-F5344CB8AC3E}">
-        <p14:creationId xmlns:p14="http://schemas.microsoft.com/office/powerpoint/2010/main" val="3717021490"/>
+        <p14:creationId xmlns:p14="http://schemas.microsoft.com/office/powerpoint/2010/main" val="2305170524"/>
       </p:ext>
     </p:extLst>
   </p:cSld>
@@ -6714,6 +6579,300 @@
         <p:spPr>
           <a:xfrm>
             <a:off x="260431" y="329879"/>
+            <a:ext cx="8906720" cy="8036559"/>
+          </a:xfrm>
+          <a:prstGeom prst="rect">
+            <a:avLst/>
+          </a:prstGeom>
+          <a:noFill/>
+        </p:spPr>
+        <p:txBody>
+          <a:bodyPr wrap="square" rtlCol="0">
+            <a:spAutoFit/>
+          </a:bodyPr>
+          <a:lstStyle/>
+          <a:p>
+            <a:r>
+              <a:rPr lang="en-US" sz="6000" b="1" dirty="0">
+                <a:solidFill>
+                  <a:srgbClr val="CF3338"/>
+                </a:solidFill>
+                <a:latin typeface="Pragmatica" panose="020B0403040502020204" pitchFamily="34" charset="0"/>
+              </a:rPr>
+              <a:t>Data analysis &amp; visualization with Copilot</a:t>
+            </a:r>
+          </a:p>
+          <a:p>
+            <a:endParaRPr lang="en-US" sz="4200" dirty="0">
+              <a:solidFill>
+                <a:srgbClr val="CF3338"/>
+              </a:solidFill>
+              <a:latin typeface="Pragmatica" panose="020B0403040502020204" pitchFamily="34" charset="0"/>
+            </a:endParaRPr>
+          </a:p>
+          <a:p>
+            <a:pPr marL="685800" indent="-542925">
+              <a:lnSpc>
+                <a:spcPct val="115000"/>
+              </a:lnSpc>
+              <a:spcBef>
+                <a:spcPts val="1125"/>
+              </a:spcBef>
+              <a:buClr>
+                <a:srgbClr val="C00000"/>
+              </a:buClr>
+              <a:buSzPts val="2100"/>
+              <a:buFont typeface="Arial"/>
+              <a:buAutoNum type="arabicPeriod"/>
+            </a:pPr>
+            <a:r>
+              <a:rPr lang="en-US" sz="3600" dirty="0">
+                <a:solidFill>
+                  <a:srgbClr val="C00000"/>
+                </a:solidFill>
+                <a:latin typeface="Pragmatica" panose="020B0403040502020204"/>
+                <a:sym typeface="Consolas"/>
+              </a:rPr>
+              <a:t>Conditional formatting</a:t>
+            </a:r>
+          </a:p>
+          <a:p>
+            <a:pPr marL="685800" indent="-542925">
+              <a:lnSpc>
+                <a:spcPct val="115000"/>
+              </a:lnSpc>
+              <a:spcBef>
+                <a:spcPts val="1125"/>
+              </a:spcBef>
+              <a:buClr>
+                <a:srgbClr val="C00000"/>
+              </a:buClr>
+              <a:buSzPts val="2100"/>
+              <a:buFont typeface="Arial"/>
+              <a:buAutoNum type="arabicPeriod"/>
+            </a:pPr>
+            <a:r>
+              <a:rPr lang="en-US" sz="3600" dirty="0">
+                <a:solidFill>
+                  <a:srgbClr val="C00000"/>
+                </a:solidFill>
+                <a:latin typeface="Pragmatica" panose="020B0403040502020204"/>
+                <a:sym typeface="Consolas"/>
+              </a:rPr>
+              <a:t>Data analysis</a:t>
+            </a:r>
+          </a:p>
+          <a:p>
+            <a:pPr marL="685800" indent="-542925">
+              <a:lnSpc>
+                <a:spcPct val="115000"/>
+              </a:lnSpc>
+              <a:spcBef>
+                <a:spcPts val="1125"/>
+              </a:spcBef>
+              <a:buClr>
+                <a:srgbClr val="C00000"/>
+              </a:buClr>
+              <a:buSzPts val="2100"/>
+              <a:buFont typeface="Arial"/>
+              <a:buAutoNum type="arabicPeriod"/>
+            </a:pPr>
+            <a:r>
+              <a:rPr lang="en-US" sz="3600" dirty="0">
+                <a:solidFill>
+                  <a:srgbClr val="C00000"/>
+                </a:solidFill>
+                <a:latin typeface="Pragmatica" panose="020B0403040502020204"/>
+                <a:sym typeface="Consolas"/>
+              </a:rPr>
+              <a:t>Data visualization</a:t>
+            </a:r>
+          </a:p>
+          <a:p>
+            <a:pPr marL="142875">
+              <a:lnSpc>
+                <a:spcPct val="115000"/>
+              </a:lnSpc>
+              <a:spcBef>
+                <a:spcPts val="1125"/>
+              </a:spcBef>
+              <a:buClr>
+                <a:srgbClr val="C00000"/>
+              </a:buClr>
+              <a:buSzPts val="2100"/>
+            </a:pPr>
+            <a:endParaRPr lang="en-US" sz="3600" dirty="0">
+              <a:solidFill>
+                <a:srgbClr val="C00000"/>
+              </a:solidFill>
+              <a:latin typeface="Pragmatica" panose="020B0403040502020204"/>
+              <a:sym typeface="Consolas"/>
+            </a:endParaRPr>
+          </a:p>
+          <a:p>
+            <a:pPr marL="142875">
+              <a:lnSpc>
+                <a:spcPct val="115000"/>
+              </a:lnSpc>
+              <a:spcBef>
+                <a:spcPts val="1125"/>
+              </a:spcBef>
+              <a:buClr>
+                <a:srgbClr val="C00000"/>
+              </a:buClr>
+              <a:buSzPts val="2100"/>
+            </a:pPr>
+            <a:r>
+              <a:rPr lang="en-US" sz="3600" dirty="0">
+                <a:solidFill>
+                  <a:srgbClr val="C00000"/>
+                </a:solidFill>
+                <a:latin typeface="Pragmatica" panose="020B0403040502020204"/>
+                <a:sym typeface="Consolas"/>
+              </a:rPr>
+              <a:t>File: </a:t>
+            </a:r>
+            <a:r>
+              <a:rPr lang="en-US" sz="3600" dirty="0">
+                <a:solidFill>
+                  <a:srgbClr val="C00000"/>
+                </a:solidFill>
+                <a:latin typeface="Consolas" panose="020B0609020204030204" pitchFamily="49" charset="0"/>
+                <a:sym typeface="Consolas"/>
+              </a:rPr>
+              <a:t>copilot-analysis-visualization.xlsx</a:t>
+            </a:r>
+            <a:endParaRPr lang="en-US" sz="6000" dirty="0">
+              <a:solidFill>
+                <a:srgbClr val="CF3338"/>
+              </a:solidFill>
+              <a:latin typeface="Consolas" panose="020B0609020204030204" pitchFamily="49" charset="0"/>
+            </a:endParaRPr>
+          </a:p>
+          <a:p>
+            <a:endParaRPr lang="en-US" sz="6000" dirty="0">
+              <a:solidFill>
+                <a:srgbClr val="CF3338"/>
+              </a:solidFill>
+              <a:latin typeface="Pragmatica" panose="020B0403040502020204" pitchFamily="34" charset="0"/>
+            </a:endParaRPr>
+          </a:p>
+        </p:txBody>
+      </p:sp>
+    </p:spTree>
+    <p:extLst>
+      <p:ext uri="{BB962C8B-B14F-4D97-AF65-F5344CB8AC3E}">
+        <p14:creationId xmlns:p14="http://schemas.microsoft.com/office/powerpoint/2010/main" val="3717021490"/>
+      </p:ext>
+    </p:extLst>
+  </p:cSld>
+  <p:clrMapOvr>
+    <a:masterClrMapping/>
+  </p:clrMapOvr>
+</p:sld>
+</file>
+
+<file path=ppt/slides/slide17.xml><?xml version="1.0" encoding="utf-8"?>
+<p:sld xmlns:a="http://schemas.openxmlformats.org/drawingml/2006/main" xmlns:r="http://schemas.openxmlformats.org/officeDocument/2006/relationships" xmlns:p="http://schemas.openxmlformats.org/presentationml/2006/main">
+  <p:cSld>
+    <p:spTree>
+      <p:nvGrpSpPr>
+        <p:cNvPr id="1" name=""/>
+        <p:cNvGrpSpPr/>
+        <p:nvPr/>
+      </p:nvGrpSpPr>
+      <p:grpSpPr>
+        <a:xfrm>
+          <a:off x="0" y="0"/>
+          <a:ext cx="0" cy="0"/>
+          <a:chOff x="0" y="0"/>
+          <a:chExt cx="0" cy="0"/>
+        </a:xfrm>
+      </p:grpSpPr>
+      <p:sp>
+        <p:nvSpPr>
+          <p:cNvPr id="4" name="Rectangle 3"/>
+          <p:cNvSpPr/>
+          <p:nvPr/>
+        </p:nvSpPr>
+        <p:spPr>
+          <a:xfrm>
+            <a:off x="9861630" y="0"/>
+            <a:ext cx="8426370" cy="10287000"/>
+          </a:xfrm>
+          <a:prstGeom prst="rect">
+            <a:avLst/>
+          </a:prstGeom>
+          <a:solidFill>
+            <a:srgbClr val="CF3338"/>
+          </a:solidFill>
+          <a:ln>
+            <a:noFill/>
+          </a:ln>
+        </p:spPr>
+        <p:style>
+          <a:lnRef idx="2">
+            <a:schemeClr val="accent1">
+              <a:shade val="50000"/>
+            </a:schemeClr>
+          </a:lnRef>
+          <a:fillRef idx="1">
+            <a:schemeClr val="accent1"/>
+          </a:fillRef>
+          <a:effectRef idx="0">
+            <a:schemeClr val="accent1"/>
+          </a:effectRef>
+          <a:fontRef idx="minor">
+            <a:schemeClr val="lt1"/>
+          </a:fontRef>
+        </p:style>
+        <p:txBody>
+          <a:bodyPr rtlCol="0" anchor="ctr"/>
+          <a:lstStyle/>
+          <a:p>
+            <a:pPr algn="ctr"/>
+            <a:endParaRPr lang="en-US" sz="2700"/>
+          </a:p>
+        </p:txBody>
+      </p:sp>
+      <p:pic>
+        <p:nvPicPr>
+          <p:cNvPr id="2" name="Picture 1"/>
+          <p:cNvPicPr>
+            <a:picLocks noChangeAspect="1"/>
+          </p:cNvPicPr>
+          <p:nvPr/>
+        </p:nvPicPr>
+        <p:blipFill rotWithShape="1">
+          <a:blip r:embed="rId3">
+            <a:extLst>
+              <a:ext uri="{28A0092B-C50C-407E-A947-70E740481C1C}">
+                <a14:useLocalDpi xmlns:a14="http://schemas.microsoft.com/office/drawing/2010/main" val="0"/>
+              </a:ext>
+            </a:extLst>
+          </a:blip>
+          <a:srcRect l="69227" t="33418" r="20112" b="50548"/>
+          <a:stretch/>
+        </p:blipFill>
+        <p:spPr>
+          <a:xfrm>
+            <a:off x="15579524" y="7544693"/>
+            <a:ext cx="2708477" cy="2987579"/>
+          </a:xfrm>
+          <a:prstGeom prst="rect">
+            <a:avLst/>
+          </a:prstGeom>
+        </p:spPr>
+      </p:pic>
+      <p:sp>
+        <p:nvSpPr>
+          <p:cNvPr id="3" name="TextBox 2"/>
+          <p:cNvSpPr txBox="1"/>
+          <p:nvPr/>
+        </p:nvSpPr>
+        <p:spPr>
+          <a:xfrm>
+            <a:off x="260431" y="329879"/>
             <a:ext cx="8906720" cy="10224850"/>
           </a:xfrm>
           <a:prstGeom prst="rect">
@@ -6968,7 +7127,7 @@
 </p:sld>
 </file>
 
-<file path=ppt/slides/slide17.xml><?xml version="1.0" encoding="utf-8"?>
+<file path=ppt/slides/slide18.xml><?xml version="1.0" encoding="utf-8"?>
 <p:sld xmlns:a="http://schemas.openxmlformats.org/drawingml/2006/main" xmlns:r="http://schemas.openxmlformats.org/officeDocument/2006/relationships" xmlns:p="http://schemas.openxmlformats.org/presentationml/2006/main">
   <p:cSld>
     <p:spTree>
@@ -7126,7 +7285,7 @@
 </p:sld>
 </file>
 
-<file path=ppt/slides/slide18.xml><?xml version="1.0" encoding="utf-8"?>
+<file path=ppt/slides/slide19.xml><?xml version="1.0" encoding="utf-8"?>
 <p:sld xmlns:a="http://schemas.openxmlformats.org/drawingml/2006/main" xmlns:r="http://schemas.openxmlformats.org/officeDocument/2006/relationships" xmlns:p="http://schemas.openxmlformats.org/presentationml/2006/main">
   <p:cSld>
     <p:spTree>
@@ -7329,118 +7488,6 @@
     <p:extLst>
       <p:ext uri="{BB962C8B-B14F-4D97-AF65-F5344CB8AC3E}">
         <p14:creationId xmlns:p14="http://schemas.microsoft.com/office/powerpoint/2010/main" val="1393172042"/>
-      </p:ext>
-    </p:extLst>
-  </p:cSld>
-  <p:clrMapOvr>
-    <a:masterClrMapping/>
-  </p:clrMapOvr>
-</p:sld>
-</file>
-
-<file path=ppt/slides/slide19.xml><?xml version="1.0" encoding="utf-8"?>
-<p:sld xmlns:a="http://schemas.openxmlformats.org/drawingml/2006/main" xmlns:r="http://schemas.openxmlformats.org/officeDocument/2006/relationships" xmlns:p="http://schemas.openxmlformats.org/presentationml/2006/main">
-  <p:cSld>
-    <p:spTree>
-      <p:nvGrpSpPr>
-        <p:cNvPr id="1" name=""/>
-        <p:cNvGrpSpPr/>
-        <p:nvPr/>
-      </p:nvGrpSpPr>
-      <p:grpSpPr>
-        <a:xfrm>
-          <a:off x="0" y="0"/>
-          <a:ext cx="0" cy="0"/>
-          <a:chOff x="0" y="0"/>
-          <a:chExt cx="0" cy="0"/>
-        </a:xfrm>
-      </p:grpSpPr>
-      <p:sp>
-        <p:nvSpPr>
-          <p:cNvPr id="4" name="Rectangle 3"/>
-          <p:cNvSpPr/>
-          <p:nvPr/>
-        </p:nvSpPr>
-        <p:spPr>
-          <a:xfrm>
-            <a:off x="0" y="0"/>
-            <a:ext cx="18288000" cy="10287000"/>
-          </a:xfrm>
-          <a:prstGeom prst="rect">
-            <a:avLst/>
-          </a:prstGeom>
-          <a:solidFill>
-            <a:schemeClr val="bg1">
-              <a:lumMod val="50000"/>
-            </a:schemeClr>
-          </a:solidFill>
-          <a:ln>
-            <a:noFill/>
-          </a:ln>
-        </p:spPr>
-        <p:style>
-          <a:lnRef idx="2">
-            <a:schemeClr val="accent1">
-              <a:shade val="50000"/>
-            </a:schemeClr>
-          </a:lnRef>
-          <a:fillRef idx="1">
-            <a:schemeClr val="accent1"/>
-          </a:fillRef>
-          <a:effectRef idx="0">
-            <a:schemeClr val="accent1"/>
-          </a:effectRef>
-          <a:fontRef idx="minor">
-            <a:schemeClr val="lt1"/>
-          </a:fontRef>
-        </p:style>
-        <p:txBody>
-          <a:bodyPr rtlCol="0" anchor="ctr"/>
-          <a:lstStyle/>
-          <a:p>
-            <a:pPr algn="ctr"/>
-            <a:endParaRPr lang="en-US" sz="2700"/>
-          </a:p>
-        </p:txBody>
-      </p:sp>
-      <p:sp>
-        <p:nvSpPr>
-          <p:cNvPr id="5" name="TextBox 4"/>
-          <p:cNvSpPr txBox="1"/>
-          <p:nvPr/>
-        </p:nvSpPr>
-        <p:spPr>
-          <a:xfrm>
-            <a:off x="781292" y="590309"/>
-            <a:ext cx="15486926" cy="1615827"/>
-          </a:xfrm>
-          <a:prstGeom prst="rect">
-            <a:avLst/>
-          </a:prstGeom>
-          <a:noFill/>
-        </p:spPr>
-        <p:txBody>
-          <a:bodyPr wrap="square" rtlCol="0">
-            <a:spAutoFit/>
-          </a:bodyPr>
-          <a:lstStyle/>
-          <a:p>
-            <a:r>
-              <a:rPr lang="en-US" sz="9900" b="1" dirty="0">
-                <a:solidFill>
-                  <a:schemeClr val="bg1"/>
-                </a:solidFill>
-                <a:latin typeface="Normafixed Tryout" panose="00000409000000000000"/>
-              </a:rPr>
-              <a:t>Python in Excel</a:t>
-            </a:r>
-          </a:p>
-        </p:txBody>
-      </p:sp>
-    </p:spTree>
-    <p:extLst>
-      <p:ext uri="{BB962C8B-B14F-4D97-AF65-F5344CB8AC3E}">
-        <p14:creationId xmlns:p14="http://schemas.microsoft.com/office/powerpoint/2010/main" val="1246066452"/>
       </p:ext>
     </p:extLst>
   </p:cSld>
@@ -7799,7 +7846,9 @@
             <a:avLst/>
           </a:prstGeom>
           <a:solidFill>
-            <a:srgbClr val="CF3338"/>
+            <a:schemeClr val="bg1">
+              <a:lumMod val="50000"/>
+            </a:schemeClr>
           </a:solidFill>
           <a:ln>
             <a:noFill/>
@@ -7857,9 +7906,9 @@
                 <a:solidFill>
                   <a:schemeClr val="bg1"/>
                 </a:solidFill>
-                <a:latin typeface="Normafixed Tryout" panose="00000409000000000000" pitchFamily="49" charset="0"/>
-              </a:rPr>
-              <a:t>1. Python in Excel: First Steps</a:t>
+                <a:latin typeface="Normafixed Tryout" panose="00000409000000000000"/>
+              </a:rPr>
+              <a:t>Python in Excel</a:t>
             </a:r>
           </a:p>
         </p:txBody>
@@ -7867,7 +7916,7 @@
     </p:spTree>
     <p:extLst>
       <p:ext uri="{BB962C8B-B14F-4D97-AF65-F5344CB8AC3E}">
-        <p14:creationId xmlns:p14="http://schemas.microsoft.com/office/powerpoint/2010/main" val="3953945792"/>
+        <p14:creationId xmlns:p14="http://schemas.microsoft.com/office/powerpoint/2010/main" val="1246066452"/>
       </p:ext>
     </p:extLst>
   </p:cSld>
@@ -7902,6 +7951,116 @@
         </p:nvSpPr>
         <p:spPr>
           <a:xfrm>
+            <a:off x="0" y="0"/>
+            <a:ext cx="18288000" cy="10287000"/>
+          </a:xfrm>
+          <a:prstGeom prst="rect">
+            <a:avLst/>
+          </a:prstGeom>
+          <a:solidFill>
+            <a:srgbClr val="CF3338"/>
+          </a:solidFill>
+          <a:ln>
+            <a:noFill/>
+          </a:ln>
+        </p:spPr>
+        <p:style>
+          <a:lnRef idx="2">
+            <a:schemeClr val="accent1">
+              <a:shade val="50000"/>
+            </a:schemeClr>
+          </a:lnRef>
+          <a:fillRef idx="1">
+            <a:schemeClr val="accent1"/>
+          </a:fillRef>
+          <a:effectRef idx="0">
+            <a:schemeClr val="accent1"/>
+          </a:effectRef>
+          <a:fontRef idx="minor">
+            <a:schemeClr val="lt1"/>
+          </a:fontRef>
+        </p:style>
+        <p:txBody>
+          <a:bodyPr rtlCol="0" anchor="ctr"/>
+          <a:lstStyle/>
+          <a:p>
+            <a:pPr algn="ctr"/>
+            <a:endParaRPr lang="en-US" sz="2700"/>
+          </a:p>
+        </p:txBody>
+      </p:sp>
+      <p:sp>
+        <p:nvSpPr>
+          <p:cNvPr id="5" name="TextBox 4"/>
+          <p:cNvSpPr txBox="1"/>
+          <p:nvPr/>
+        </p:nvSpPr>
+        <p:spPr>
+          <a:xfrm>
+            <a:off x="781292" y="590309"/>
+            <a:ext cx="15486926" cy="1615827"/>
+          </a:xfrm>
+          <a:prstGeom prst="rect">
+            <a:avLst/>
+          </a:prstGeom>
+          <a:noFill/>
+        </p:spPr>
+        <p:txBody>
+          <a:bodyPr wrap="square" rtlCol="0">
+            <a:spAutoFit/>
+          </a:bodyPr>
+          <a:lstStyle/>
+          <a:p>
+            <a:r>
+              <a:rPr lang="en-US" sz="9900" b="1" dirty="0">
+                <a:solidFill>
+                  <a:schemeClr val="bg1"/>
+                </a:solidFill>
+                <a:latin typeface="Normafixed Tryout" panose="00000409000000000000" pitchFamily="49" charset="0"/>
+              </a:rPr>
+              <a:t>1. Python in Excel: First Steps</a:t>
+            </a:r>
+          </a:p>
+        </p:txBody>
+      </p:sp>
+    </p:spTree>
+    <p:extLst>
+      <p:ext uri="{BB962C8B-B14F-4D97-AF65-F5344CB8AC3E}">
+        <p14:creationId xmlns:p14="http://schemas.microsoft.com/office/powerpoint/2010/main" val="3953945792"/>
+      </p:ext>
+    </p:extLst>
+  </p:cSld>
+  <p:clrMapOvr>
+    <a:masterClrMapping/>
+  </p:clrMapOvr>
+</p:sld>
+</file>
+
+<file path=ppt/slides/slide22.xml><?xml version="1.0" encoding="utf-8"?>
+<p:sld xmlns:a="http://schemas.openxmlformats.org/drawingml/2006/main" xmlns:r="http://schemas.openxmlformats.org/officeDocument/2006/relationships" xmlns:p="http://schemas.openxmlformats.org/presentationml/2006/main">
+  <p:cSld>
+    <p:spTree>
+      <p:nvGrpSpPr>
+        <p:cNvPr id="1" name=""/>
+        <p:cNvGrpSpPr/>
+        <p:nvPr/>
+      </p:nvGrpSpPr>
+      <p:grpSpPr>
+        <a:xfrm>
+          <a:off x="0" y="0"/>
+          <a:ext cx="0" cy="0"/>
+          <a:chOff x="0" y="0"/>
+          <a:chExt cx="0" cy="0"/>
+        </a:xfrm>
+      </p:grpSpPr>
+      <p:sp>
+        <p:nvSpPr>
+          <p:cNvPr id="4" name="Rectangle 3"/>
+          <p:cNvSpPr/>
+          <p:nvPr/>
+        </p:nvSpPr>
+        <p:spPr>
+          <a:xfrm>
             <a:off x="9861630" y="0"/>
             <a:ext cx="8426370" cy="10287000"/>
           </a:xfrm>
@@ -8173,7 +8332,7 @@
 </p:sld>
 </file>
 
-<file path=ppt/slides/slide22.xml><?xml version="1.0" encoding="utf-8"?>
+<file path=ppt/slides/slide23.xml><?xml version="1.0" encoding="utf-8"?>
 <p:sld xmlns:a="http://schemas.openxmlformats.org/drawingml/2006/main" xmlns:r="http://schemas.openxmlformats.org/officeDocument/2006/relationships" xmlns:p="http://schemas.openxmlformats.org/presentationml/2006/main">
   <p:cSld>
     <p:spTree>
@@ -8651,7 +8810,7 @@
 </p:sld>
 </file>
 
-<file path=ppt/slides/slide23.xml><?xml version="1.0" encoding="utf-8"?>
+<file path=ppt/slides/slide24.xml><?xml version="1.0" encoding="utf-8"?>
 <p:sld xmlns:a="http://schemas.openxmlformats.org/drawingml/2006/main" xmlns:r="http://schemas.openxmlformats.org/officeDocument/2006/relationships" xmlns:p="http://schemas.openxmlformats.org/presentationml/2006/main">
   <p:cSld>
     <p:spTree>
@@ -8809,116 +8968,6 @@
 </p:sld>
 </file>
 
-<file path=ppt/slides/slide24.xml><?xml version="1.0" encoding="utf-8"?>
-<p:sld xmlns:a="http://schemas.openxmlformats.org/drawingml/2006/main" xmlns:r="http://schemas.openxmlformats.org/officeDocument/2006/relationships" xmlns:p="http://schemas.openxmlformats.org/presentationml/2006/main">
-  <p:cSld>
-    <p:spTree>
-      <p:nvGrpSpPr>
-        <p:cNvPr id="1" name=""/>
-        <p:cNvGrpSpPr/>
-        <p:nvPr/>
-      </p:nvGrpSpPr>
-      <p:grpSpPr>
-        <a:xfrm>
-          <a:off x="0" y="0"/>
-          <a:ext cx="0" cy="0"/>
-          <a:chOff x="0" y="0"/>
-          <a:chExt cx="0" cy="0"/>
-        </a:xfrm>
-      </p:grpSpPr>
-      <p:sp>
-        <p:nvSpPr>
-          <p:cNvPr id="4" name="Rectangle 3"/>
-          <p:cNvSpPr/>
-          <p:nvPr/>
-        </p:nvSpPr>
-        <p:spPr>
-          <a:xfrm>
-            <a:off x="0" y="0"/>
-            <a:ext cx="18288000" cy="10287000"/>
-          </a:xfrm>
-          <a:prstGeom prst="rect">
-            <a:avLst/>
-          </a:prstGeom>
-          <a:solidFill>
-            <a:srgbClr val="CF3338"/>
-          </a:solidFill>
-          <a:ln>
-            <a:noFill/>
-          </a:ln>
-        </p:spPr>
-        <p:style>
-          <a:lnRef idx="2">
-            <a:schemeClr val="accent1">
-              <a:shade val="50000"/>
-            </a:schemeClr>
-          </a:lnRef>
-          <a:fillRef idx="1">
-            <a:schemeClr val="accent1"/>
-          </a:fillRef>
-          <a:effectRef idx="0">
-            <a:schemeClr val="accent1"/>
-          </a:effectRef>
-          <a:fontRef idx="minor">
-            <a:schemeClr val="lt1"/>
-          </a:fontRef>
-        </p:style>
-        <p:txBody>
-          <a:bodyPr rtlCol="0" anchor="ctr"/>
-          <a:lstStyle/>
-          <a:p>
-            <a:pPr algn="ctr"/>
-            <a:endParaRPr lang="en-US" sz="2700"/>
-          </a:p>
-        </p:txBody>
-      </p:sp>
-      <p:sp>
-        <p:nvSpPr>
-          <p:cNvPr id="5" name="TextBox 4"/>
-          <p:cNvSpPr txBox="1"/>
-          <p:nvPr/>
-        </p:nvSpPr>
-        <p:spPr>
-          <a:xfrm>
-            <a:off x="781292" y="590309"/>
-            <a:ext cx="15486926" cy="3139321"/>
-          </a:xfrm>
-          <a:prstGeom prst="rect">
-            <a:avLst/>
-          </a:prstGeom>
-          <a:noFill/>
-        </p:spPr>
-        <p:txBody>
-          <a:bodyPr wrap="square" rtlCol="0">
-            <a:spAutoFit/>
-          </a:bodyPr>
-          <a:lstStyle/>
-          <a:p>
-            <a:r>
-              <a:rPr lang="en-US" sz="9900" b="1" dirty="0">
-                <a:solidFill>
-                  <a:schemeClr val="bg1"/>
-                </a:solidFill>
-                <a:latin typeface="Normafixed Tryout" panose="00000409000000000000" pitchFamily="49" charset="0"/>
-              </a:rPr>
-              <a:t>2. From “that’s hard in Excel” to “that’s easy in Python”</a:t>
-            </a:r>
-          </a:p>
-        </p:txBody>
-      </p:sp>
-    </p:spTree>
-    <p:extLst>
-      <p:ext uri="{BB962C8B-B14F-4D97-AF65-F5344CB8AC3E}">
-        <p14:creationId xmlns:p14="http://schemas.microsoft.com/office/powerpoint/2010/main" val="2491588467"/>
-      </p:ext>
-    </p:extLst>
-  </p:cSld>
-  <p:clrMapOvr>
-    <a:masterClrMapping/>
-  </p:clrMapOvr>
-</p:sld>
-</file>
-
 <file path=ppt/slides/slide25.xml><?xml version="1.0" encoding="utf-8"?>
 <p:sld xmlns:a="http://schemas.openxmlformats.org/drawingml/2006/main" xmlns:r="http://schemas.openxmlformats.org/officeDocument/2006/relationships" xmlns:p="http://schemas.openxmlformats.org/presentationml/2006/main">
   <p:cSld>
@@ -8944,8 +8993,8 @@
         </p:nvSpPr>
         <p:spPr>
           <a:xfrm>
-            <a:off x="9861630" y="0"/>
-            <a:ext cx="8426370" cy="10287000"/>
+            <a:off x="0" y="0"/>
+            <a:ext cx="18288000" cy="10287000"/>
           </a:xfrm>
           <a:prstGeom prst="rect">
             <a:avLst/>
@@ -8982,45 +9031,16 @@
           </a:p>
         </p:txBody>
       </p:sp>
-      <p:pic>
-        <p:nvPicPr>
-          <p:cNvPr id="2" name="Picture 1"/>
-          <p:cNvPicPr>
-            <a:picLocks noChangeAspect="1"/>
-          </p:cNvPicPr>
-          <p:nvPr/>
-        </p:nvPicPr>
-        <p:blipFill rotWithShape="1">
-          <a:blip r:embed="rId3">
-            <a:extLst>
-              <a:ext uri="{28A0092B-C50C-407E-A947-70E740481C1C}">
-                <a14:useLocalDpi xmlns:a14="http://schemas.microsoft.com/office/drawing/2010/main" val="0"/>
-              </a:ext>
-            </a:extLst>
-          </a:blip>
-          <a:srcRect l="69227" t="33418" r="20112" b="50548"/>
-          <a:stretch/>
-        </p:blipFill>
-        <p:spPr>
-          <a:xfrm>
-            <a:off x="15579524" y="7544693"/>
-            <a:ext cx="2708477" cy="2987579"/>
-          </a:xfrm>
-          <a:prstGeom prst="rect">
-            <a:avLst/>
-          </a:prstGeom>
-        </p:spPr>
-      </p:pic>
-      <p:sp>
-        <p:nvSpPr>
-          <p:cNvPr id="3" name="TextBox 2"/>
+      <p:sp>
+        <p:nvSpPr>
+          <p:cNvPr id="5" name="TextBox 4"/>
           <p:cNvSpPr txBox="1"/>
           <p:nvPr/>
         </p:nvSpPr>
         <p:spPr>
           <a:xfrm>
-            <a:off x="260431" y="329879"/>
-            <a:ext cx="8906720" cy="10234084"/>
+            <a:off x="781292" y="590309"/>
+            <a:ext cx="15486926" cy="3139321"/>
           </a:xfrm>
           <a:prstGeom prst="rect">
             <a:avLst/>
@@ -9034,178 +9054,21 @@
           <a:lstStyle/>
           <a:p>
             <a:r>
-              <a:rPr lang="en-US" sz="6000" b="1" dirty="0">
-                <a:solidFill>
-                  <a:srgbClr val="CF3338"/>
-                </a:solidFill>
-                <a:latin typeface="Pragmatica" panose="020B0403040502020204" pitchFamily="34" charset="0"/>
-              </a:rPr>
-              <a:t>From “that’s hard in Excel” to “that’s easy in Python” analysis</a:t>
-            </a:r>
-          </a:p>
-          <a:p>
-            <a:endParaRPr lang="en-US" sz="4200" dirty="0">
-              <a:solidFill>
-                <a:srgbClr val="CF3338"/>
-              </a:solidFill>
-              <a:latin typeface="Pragmatica" panose="020B0403040502020204" pitchFamily="34" charset="0"/>
-            </a:endParaRPr>
-          </a:p>
-          <a:p>
-            <a:pPr marL="685800" indent="-542925">
-              <a:lnSpc>
-                <a:spcPct val="115000"/>
-              </a:lnSpc>
-              <a:spcBef>
-                <a:spcPts val="1125"/>
-              </a:spcBef>
-              <a:buClr>
-                <a:srgbClr val="C00000"/>
-              </a:buClr>
-              <a:buSzPts val="2100"/>
-              <a:buFont typeface="Arial"/>
-              <a:buAutoNum type="arabicPeriod"/>
-            </a:pPr>
-            <a:r>
-              <a:rPr lang="en-US" sz="3600" dirty="0">
-                <a:solidFill>
-                  <a:srgbClr val="C00000"/>
-                </a:solidFill>
-                <a:latin typeface="Pragmatica" panose="020B0403040502020204"/>
-                <a:sym typeface="Consolas"/>
-              </a:rPr>
-              <a:t>Data profiling: What is the shape, size, completeness?</a:t>
-            </a:r>
-          </a:p>
-          <a:p>
-            <a:pPr marL="685800" indent="-542925">
-              <a:lnSpc>
-                <a:spcPct val="115000"/>
-              </a:lnSpc>
-              <a:spcBef>
-                <a:spcPts val="1125"/>
-              </a:spcBef>
-              <a:buClr>
-                <a:srgbClr val="C00000"/>
-              </a:buClr>
-              <a:buSzPts val="2100"/>
-              <a:buFont typeface="Arial"/>
-              <a:buAutoNum type="arabicPeriod"/>
-            </a:pPr>
-            <a:r>
-              <a:rPr lang="en-US" sz="3600" dirty="0">
-                <a:solidFill>
-                  <a:srgbClr val="C00000"/>
-                </a:solidFill>
-                <a:latin typeface="Pragmatica" panose="020B0403040502020204"/>
-                <a:sym typeface="Consolas"/>
-              </a:rPr>
-              <a:t>Time series: pandas for panel data</a:t>
-            </a:r>
-          </a:p>
-          <a:p>
-            <a:pPr marL="685800" indent="-542925">
-              <a:lnSpc>
-                <a:spcPct val="115000"/>
-              </a:lnSpc>
-              <a:spcBef>
-                <a:spcPts val="1125"/>
-              </a:spcBef>
-              <a:buClr>
-                <a:srgbClr val="C00000"/>
-              </a:buClr>
-              <a:buSzPts val="2100"/>
-              <a:buFont typeface="Arial"/>
-              <a:buAutoNum type="arabicPeriod"/>
-            </a:pPr>
-            <a:r>
-              <a:rPr lang="en-US" sz="3600" dirty="0">
-                <a:solidFill>
-                  <a:srgbClr val="C00000"/>
-                </a:solidFill>
-                <a:latin typeface="Pragmatica" panose="020B0403040502020204"/>
-                <a:sym typeface="Consolas"/>
-              </a:rPr>
-              <a:t>Descriptive statistics/EDA: What stories might be told in this data? </a:t>
-            </a:r>
-          </a:p>
-          <a:p>
-            <a:pPr marL="685800" indent="-542925">
-              <a:lnSpc>
-                <a:spcPct val="115000"/>
-              </a:lnSpc>
-              <a:spcBef>
-                <a:spcPts val="1125"/>
-              </a:spcBef>
-              <a:buClr>
-                <a:srgbClr val="C00000"/>
-              </a:buClr>
-              <a:buSzPts val="2100"/>
-              <a:buFont typeface="Arial"/>
-              <a:buAutoNum type="arabicPeriod"/>
-            </a:pPr>
-            <a:endParaRPr lang="en-US" sz="3600" dirty="0">
-              <a:solidFill>
-                <a:srgbClr val="C00000"/>
-              </a:solidFill>
-              <a:latin typeface="Pragmatica" panose="020B0403040502020204"/>
-              <a:sym typeface="Consolas"/>
-            </a:endParaRPr>
-          </a:p>
-          <a:p>
-            <a:pPr marL="142875">
-              <a:lnSpc>
-                <a:spcPct val="115000"/>
-              </a:lnSpc>
-              <a:spcBef>
-                <a:spcPts val="1125"/>
-              </a:spcBef>
-              <a:buClr>
-                <a:srgbClr val="C00000"/>
-              </a:buClr>
-              <a:buSzPts val="2100"/>
-            </a:pPr>
-            <a:r>
-              <a:rPr lang="en-US" sz="3600" dirty="0">
-                <a:solidFill>
-                  <a:srgbClr val="C00000"/>
-                </a:solidFill>
-                <a:latin typeface="Pragmatica" panose="020B0403040502020204"/>
-                <a:sym typeface="Consolas"/>
-              </a:rPr>
-              <a:t>File: </a:t>
-            </a:r>
-            <a:r>
-              <a:rPr lang="en-US" sz="3600" dirty="0">
-                <a:solidFill>
-                  <a:srgbClr val="C00000"/>
-                </a:solidFill>
-                <a:latin typeface="Consolas" panose="020B0609020204030204" pitchFamily="49" charset="0"/>
-                <a:sym typeface="Consolas"/>
-              </a:rPr>
-              <a:t>hard-excel-easy-python-analysis.xlsx</a:t>
-            </a:r>
-            <a:endParaRPr lang="en-US" sz="6000" dirty="0">
-              <a:solidFill>
-                <a:srgbClr val="CF3338"/>
-              </a:solidFill>
-              <a:latin typeface="Consolas" panose="020B0609020204030204" pitchFamily="49" charset="0"/>
-            </a:endParaRPr>
-          </a:p>
-          <a:p>
-            <a:endParaRPr lang="en-US" sz="6000" dirty="0">
-              <a:solidFill>
-                <a:srgbClr val="CF3338"/>
-              </a:solidFill>
-              <a:latin typeface="Pragmatica" panose="020B0403040502020204" pitchFamily="34" charset="0"/>
-            </a:endParaRPr>
+              <a:rPr lang="en-US" sz="9900" b="1" dirty="0">
+                <a:solidFill>
+                  <a:schemeClr val="bg1"/>
+                </a:solidFill>
+                <a:latin typeface="Normafixed Tryout" panose="00000409000000000000" pitchFamily="49" charset="0"/>
+              </a:rPr>
+              <a:t>2. From “that’s hard in Excel” to “that’s easy in Python”</a:t>
+            </a:r>
           </a:p>
         </p:txBody>
       </p:sp>
     </p:spTree>
     <p:extLst>
       <p:ext uri="{BB962C8B-B14F-4D97-AF65-F5344CB8AC3E}">
-        <p14:creationId xmlns:p14="http://schemas.microsoft.com/office/powerpoint/2010/main" val="2505051360"/>
+        <p14:creationId xmlns:p14="http://schemas.microsoft.com/office/powerpoint/2010/main" val="2491588467"/>
       </p:ext>
     </p:extLst>
   </p:cSld>
@@ -9316,7 +9179,7 @@
         <p:spPr>
           <a:xfrm>
             <a:off x="260431" y="329879"/>
-            <a:ext cx="8906720" cy="8950655"/>
+            <a:ext cx="8906720" cy="10234084"/>
           </a:xfrm>
           <a:prstGeom prst="rect">
             <a:avLst/>
@@ -9336,11 +9199,19 @@
                 </a:solidFill>
                 <a:latin typeface="Pragmatica" panose="020B0403040502020204" pitchFamily="34" charset="0"/>
               </a:rPr>
-              <a:t>From “that’s hard in Excel” to “that’s easy in Python” analysis EXERCISE</a:t>
-            </a:r>
-          </a:p>
-          <a:p>
-            <a:pPr marL="142875">
+              <a:t>From “that’s hard in Excel” to “that’s easy in Python” analysis</a:t>
+            </a:r>
+          </a:p>
+          <a:p>
+            <a:endParaRPr lang="en-US" sz="4200" dirty="0">
+              <a:solidFill>
+                <a:srgbClr val="CF3338"/>
+              </a:solidFill>
+              <a:latin typeface="Pragmatica" panose="020B0403040502020204" pitchFamily="34" charset="0"/>
+            </a:endParaRPr>
+          </a:p>
+          <a:p>
+            <a:pPr marL="685800" indent="-542925">
               <a:lnSpc>
                 <a:spcPct val="115000"/>
               </a:lnSpc>
@@ -9351,17 +9222,22 @@
                 <a:srgbClr val="C00000"/>
               </a:buClr>
               <a:buSzPts val="2100"/>
+              <a:buFont typeface="Arial"/>
+              <a:buAutoNum type="arabicPeriod"/>
             </a:pPr>
-            <a:endParaRPr lang="en-US" sz="3600" dirty="0">
-              <a:solidFill>
-                <a:srgbClr val="C00000"/>
-              </a:solidFill>
-              <a:latin typeface="Pragmatica" panose="020B0403040502020204"/>
-              <a:sym typeface="Consolas"/>
-            </a:endParaRPr>
-          </a:p>
-          <a:p>
-            <a:pPr marL="714375" indent="-571500">
+            <a:r>
+              <a:rPr lang="en-US" sz="3600" dirty="0">
+                <a:solidFill>
+                  <a:srgbClr val="C00000"/>
+                </a:solidFill>
+                <a:latin typeface="Pragmatica" panose="020B0403040502020204"/>
+                <a:sym typeface="Consolas"/>
+              </a:rPr>
+              <a:t>Data profiling: What is the shape, size, completeness?</a:t>
+            </a:r>
+          </a:p>
+          <a:p>
+            <a:pPr marL="685800" indent="-542925">
               <a:lnSpc>
                 <a:spcPct val="115000"/>
               </a:lnSpc>
@@ -9372,8 +9248,8 @@
                 <a:srgbClr val="C00000"/>
               </a:buClr>
               <a:buSzPts val="2100"/>
-              <a:buFont typeface="Arial" panose="020B0604020202020204" pitchFamily="34" charset="0"/>
-              <a:buChar char="•"/>
+              <a:buFont typeface="Arial"/>
+              <a:buAutoNum type="arabicPeriod"/>
             </a:pPr>
             <a:r>
               <a:rPr lang="en-US" sz="3600" dirty="0">
@@ -9383,11 +9259,11 @@
                 <a:latin typeface="Pragmatica" panose="020B0403040502020204"/>
                 <a:sym typeface="Consolas"/>
               </a:rPr>
-              <a:t>Explore relationship between sales, temperature, customer count over time</a:t>
-            </a:r>
-          </a:p>
-          <a:p>
-            <a:pPr marL="714375" indent="-571500">
+              <a:t>Time series: pandas for panel data</a:t>
+            </a:r>
+          </a:p>
+          <a:p>
+            <a:pPr marL="685800" indent="-542925">
               <a:lnSpc>
                 <a:spcPct val="115000"/>
               </a:lnSpc>
@@ -9398,8 +9274,8 @@
                 <a:srgbClr val="C00000"/>
               </a:buClr>
               <a:buSzPts val="2100"/>
-              <a:buFont typeface="Arial" panose="020B0604020202020204" pitchFamily="34" charset="0"/>
-              <a:buChar char="•"/>
+              <a:buFont typeface="Arial"/>
+              <a:buAutoNum type="arabicPeriod"/>
             </a:pPr>
             <a:r>
               <a:rPr lang="en-US" sz="3600" dirty="0">
@@ -9409,7 +9285,7 @@
                 <a:latin typeface="Pragmatica" panose="020B0403040502020204"/>
                 <a:sym typeface="Consolas"/>
               </a:rPr>
-              <a:t>Fill in the blanks to complete the code</a:t>
+              <a:t>Descriptive statistics/EDA: What stories might be told in this data? </a:t>
             </a:r>
           </a:p>
           <a:p>
@@ -9466,6 +9342,289 @@
                 <a:latin typeface="Consolas" panose="020B0609020204030204" pitchFamily="49" charset="0"/>
                 <a:sym typeface="Consolas"/>
               </a:rPr>
+              <a:t>hard-excel-easy-python-analysis.xlsx</a:t>
+            </a:r>
+            <a:endParaRPr lang="en-US" sz="6000" dirty="0">
+              <a:solidFill>
+                <a:srgbClr val="CF3338"/>
+              </a:solidFill>
+              <a:latin typeface="Consolas" panose="020B0609020204030204" pitchFamily="49" charset="0"/>
+            </a:endParaRPr>
+          </a:p>
+          <a:p>
+            <a:endParaRPr lang="en-US" sz="6000" dirty="0">
+              <a:solidFill>
+                <a:srgbClr val="CF3338"/>
+              </a:solidFill>
+              <a:latin typeface="Pragmatica" panose="020B0403040502020204" pitchFamily="34" charset="0"/>
+            </a:endParaRPr>
+          </a:p>
+        </p:txBody>
+      </p:sp>
+    </p:spTree>
+    <p:extLst>
+      <p:ext uri="{BB962C8B-B14F-4D97-AF65-F5344CB8AC3E}">
+        <p14:creationId xmlns:p14="http://schemas.microsoft.com/office/powerpoint/2010/main" val="2505051360"/>
+      </p:ext>
+    </p:extLst>
+  </p:cSld>
+  <p:clrMapOvr>
+    <a:masterClrMapping/>
+  </p:clrMapOvr>
+</p:sld>
+</file>
+
+<file path=ppt/slides/slide27.xml><?xml version="1.0" encoding="utf-8"?>
+<p:sld xmlns:a="http://schemas.openxmlformats.org/drawingml/2006/main" xmlns:r="http://schemas.openxmlformats.org/officeDocument/2006/relationships" xmlns:p="http://schemas.openxmlformats.org/presentationml/2006/main">
+  <p:cSld>
+    <p:spTree>
+      <p:nvGrpSpPr>
+        <p:cNvPr id="1" name=""/>
+        <p:cNvGrpSpPr/>
+        <p:nvPr/>
+      </p:nvGrpSpPr>
+      <p:grpSpPr>
+        <a:xfrm>
+          <a:off x="0" y="0"/>
+          <a:ext cx="0" cy="0"/>
+          <a:chOff x="0" y="0"/>
+          <a:chExt cx="0" cy="0"/>
+        </a:xfrm>
+      </p:grpSpPr>
+      <p:sp>
+        <p:nvSpPr>
+          <p:cNvPr id="4" name="Rectangle 3"/>
+          <p:cNvSpPr/>
+          <p:nvPr/>
+        </p:nvSpPr>
+        <p:spPr>
+          <a:xfrm>
+            <a:off x="9861630" y="0"/>
+            <a:ext cx="8426370" cy="10287000"/>
+          </a:xfrm>
+          <a:prstGeom prst="rect">
+            <a:avLst/>
+          </a:prstGeom>
+          <a:solidFill>
+            <a:srgbClr val="CF3338"/>
+          </a:solidFill>
+          <a:ln>
+            <a:noFill/>
+          </a:ln>
+        </p:spPr>
+        <p:style>
+          <a:lnRef idx="2">
+            <a:schemeClr val="accent1">
+              <a:shade val="50000"/>
+            </a:schemeClr>
+          </a:lnRef>
+          <a:fillRef idx="1">
+            <a:schemeClr val="accent1"/>
+          </a:fillRef>
+          <a:effectRef idx="0">
+            <a:schemeClr val="accent1"/>
+          </a:effectRef>
+          <a:fontRef idx="minor">
+            <a:schemeClr val="lt1"/>
+          </a:fontRef>
+        </p:style>
+        <p:txBody>
+          <a:bodyPr rtlCol="0" anchor="ctr"/>
+          <a:lstStyle/>
+          <a:p>
+            <a:pPr algn="ctr"/>
+            <a:endParaRPr lang="en-US" sz="2700"/>
+          </a:p>
+        </p:txBody>
+      </p:sp>
+      <p:pic>
+        <p:nvPicPr>
+          <p:cNvPr id="2" name="Picture 1"/>
+          <p:cNvPicPr>
+            <a:picLocks noChangeAspect="1"/>
+          </p:cNvPicPr>
+          <p:nvPr/>
+        </p:nvPicPr>
+        <p:blipFill rotWithShape="1">
+          <a:blip r:embed="rId3">
+            <a:extLst>
+              <a:ext uri="{28A0092B-C50C-407E-A947-70E740481C1C}">
+                <a14:useLocalDpi xmlns:a14="http://schemas.microsoft.com/office/drawing/2010/main" val="0"/>
+              </a:ext>
+            </a:extLst>
+          </a:blip>
+          <a:srcRect l="69227" t="33418" r="20112" b="50548"/>
+          <a:stretch/>
+        </p:blipFill>
+        <p:spPr>
+          <a:xfrm>
+            <a:off x="15579524" y="7544693"/>
+            <a:ext cx="2708477" cy="2987579"/>
+          </a:xfrm>
+          <a:prstGeom prst="rect">
+            <a:avLst/>
+          </a:prstGeom>
+        </p:spPr>
+      </p:pic>
+      <p:sp>
+        <p:nvSpPr>
+          <p:cNvPr id="3" name="TextBox 2"/>
+          <p:cNvSpPr txBox="1"/>
+          <p:nvPr/>
+        </p:nvSpPr>
+        <p:spPr>
+          <a:xfrm>
+            <a:off x="260431" y="329879"/>
+            <a:ext cx="8906720" cy="8950655"/>
+          </a:xfrm>
+          <a:prstGeom prst="rect">
+            <a:avLst/>
+          </a:prstGeom>
+          <a:noFill/>
+        </p:spPr>
+        <p:txBody>
+          <a:bodyPr wrap="square" rtlCol="0">
+            <a:spAutoFit/>
+          </a:bodyPr>
+          <a:lstStyle/>
+          <a:p>
+            <a:r>
+              <a:rPr lang="en-US" sz="6000" b="1" dirty="0">
+                <a:solidFill>
+                  <a:srgbClr val="CF3338"/>
+                </a:solidFill>
+                <a:latin typeface="Pragmatica" panose="020B0403040502020204" pitchFamily="34" charset="0"/>
+              </a:rPr>
+              <a:t>From “that’s hard in Excel” to “that’s easy in Python” analysis EXERCISE</a:t>
+            </a:r>
+          </a:p>
+          <a:p>
+            <a:pPr marL="142875">
+              <a:lnSpc>
+                <a:spcPct val="115000"/>
+              </a:lnSpc>
+              <a:spcBef>
+                <a:spcPts val="1125"/>
+              </a:spcBef>
+              <a:buClr>
+                <a:srgbClr val="C00000"/>
+              </a:buClr>
+              <a:buSzPts val="2100"/>
+            </a:pPr>
+            <a:endParaRPr lang="en-US" sz="3600" dirty="0">
+              <a:solidFill>
+                <a:srgbClr val="C00000"/>
+              </a:solidFill>
+              <a:latin typeface="Pragmatica" panose="020B0403040502020204"/>
+              <a:sym typeface="Consolas"/>
+            </a:endParaRPr>
+          </a:p>
+          <a:p>
+            <a:pPr marL="714375" indent="-571500">
+              <a:lnSpc>
+                <a:spcPct val="115000"/>
+              </a:lnSpc>
+              <a:spcBef>
+                <a:spcPts val="1125"/>
+              </a:spcBef>
+              <a:buClr>
+                <a:srgbClr val="C00000"/>
+              </a:buClr>
+              <a:buSzPts val="2100"/>
+              <a:buFont typeface="Arial" panose="020B0604020202020204" pitchFamily="34" charset="0"/>
+              <a:buChar char="•"/>
+            </a:pPr>
+            <a:r>
+              <a:rPr lang="en-US" sz="3600" dirty="0">
+                <a:solidFill>
+                  <a:srgbClr val="C00000"/>
+                </a:solidFill>
+                <a:latin typeface="Pragmatica" panose="020B0403040502020204"/>
+                <a:sym typeface="Consolas"/>
+              </a:rPr>
+              <a:t>Explore relationship between sales, temperature, customer count over time</a:t>
+            </a:r>
+          </a:p>
+          <a:p>
+            <a:pPr marL="714375" indent="-571500">
+              <a:lnSpc>
+                <a:spcPct val="115000"/>
+              </a:lnSpc>
+              <a:spcBef>
+                <a:spcPts val="1125"/>
+              </a:spcBef>
+              <a:buClr>
+                <a:srgbClr val="C00000"/>
+              </a:buClr>
+              <a:buSzPts val="2100"/>
+              <a:buFont typeface="Arial" panose="020B0604020202020204" pitchFamily="34" charset="0"/>
+              <a:buChar char="•"/>
+            </a:pPr>
+            <a:r>
+              <a:rPr lang="en-US" sz="3600" dirty="0">
+                <a:solidFill>
+                  <a:srgbClr val="C00000"/>
+                </a:solidFill>
+                <a:latin typeface="Pragmatica" panose="020B0403040502020204"/>
+                <a:sym typeface="Consolas"/>
+              </a:rPr>
+              <a:t>Fill in the blanks to complete the code</a:t>
+            </a:r>
+          </a:p>
+          <a:p>
+            <a:pPr marL="685800" indent="-542925">
+              <a:lnSpc>
+                <a:spcPct val="115000"/>
+              </a:lnSpc>
+              <a:spcBef>
+                <a:spcPts val="1125"/>
+              </a:spcBef>
+              <a:buClr>
+                <a:srgbClr val="C00000"/>
+              </a:buClr>
+              <a:buSzPts val="2100"/>
+              <a:buFont typeface="Arial"/>
+              <a:buAutoNum type="arabicPeriod"/>
+            </a:pPr>
+            <a:endParaRPr lang="en-US" sz="3600" dirty="0">
+              <a:solidFill>
+                <a:srgbClr val="C00000"/>
+              </a:solidFill>
+              <a:latin typeface="Pragmatica" panose="020B0403040502020204"/>
+              <a:sym typeface="Consolas"/>
+            </a:endParaRPr>
+          </a:p>
+          <a:p>
+            <a:pPr marL="142875">
+              <a:lnSpc>
+                <a:spcPct val="115000"/>
+              </a:lnSpc>
+              <a:spcBef>
+                <a:spcPts val="1125"/>
+              </a:spcBef>
+              <a:buClr>
+                <a:srgbClr val="C00000"/>
+              </a:buClr>
+              <a:buSzPts val="2100"/>
+            </a:pPr>
+            <a:r>
+              <a:rPr lang="en-US" sz="3600" dirty="0">
+                <a:solidFill>
+                  <a:srgbClr val="C00000"/>
+                </a:solidFill>
+                <a:latin typeface="Pragmatica" panose="020B0403040502020204"/>
+                <a:sym typeface="Consolas"/>
+              </a:rPr>
+              <a:t>File: </a:t>
+            </a:r>
+            <a:r>
+              <a:rPr lang="en-US" sz="3600" dirty="0">
+                <a:solidFill>
+                  <a:srgbClr val="C00000"/>
+                </a:solidFill>
+                <a:latin typeface="Consolas" panose="020B0609020204030204" pitchFamily="49" charset="0"/>
+                <a:sym typeface="Consolas"/>
+              </a:rPr>
               <a:t>hard-excel-easy-python-analysis-exercise.xlsx</a:t>
             </a:r>
             <a:endParaRPr lang="en-US" sz="6000" dirty="0">
@@ -9498,7 +9657,7 @@
 </p:sld>
 </file>
 
-<file path=ppt/slides/slide27.xml><?xml version="1.0" encoding="utf-8"?>
+<file path=ppt/slides/slide28.xml><?xml version="1.0" encoding="utf-8"?>
 <p:sld xmlns:a="http://schemas.openxmlformats.org/drawingml/2006/main" xmlns:r="http://schemas.openxmlformats.org/officeDocument/2006/relationships" xmlns:p="http://schemas.openxmlformats.org/presentationml/2006/main">
   <p:cSld>
     <p:spTree>
@@ -9656,152 +9815,6 @@
 </p:sld>
 </file>
 
-<file path=ppt/slides/slide28.xml><?xml version="1.0" encoding="utf-8"?>
-<p:sld xmlns:a="http://schemas.openxmlformats.org/drawingml/2006/main" xmlns:r="http://schemas.openxmlformats.org/officeDocument/2006/relationships" xmlns:p="http://schemas.openxmlformats.org/presentationml/2006/main">
-  <p:cSld>
-    <p:spTree>
-      <p:nvGrpSpPr>
-        <p:cNvPr id="1" name=""/>
-        <p:cNvGrpSpPr/>
-        <p:nvPr/>
-      </p:nvGrpSpPr>
-      <p:grpSpPr>
-        <a:xfrm>
-          <a:off x="0" y="0"/>
-          <a:ext cx="0" cy="0"/>
-          <a:chOff x="0" y="0"/>
-          <a:chExt cx="0" cy="0"/>
-        </a:xfrm>
-      </p:grpSpPr>
-      <p:sp>
-        <p:nvSpPr>
-          <p:cNvPr id="4" name="Rectangle 3"/>
-          <p:cNvSpPr/>
-          <p:nvPr/>
-        </p:nvSpPr>
-        <p:spPr>
-          <a:xfrm>
-            <a:off x="0" y="0"/>
-            <a:ext cx="18288000" cy="10287000"/>
-          </a:xfrm>
-          <a:prstGeom prst="rect">
-            <a:avLst/>
-          </a:prstGeom>
-          <a:solidFill>
-            <a:srgbClr val="CF3338"/>
-          </a:solidFill>
-          <a:ln>
-            <a:noFill/>
-          </a:ln>
-        </p:spPr>
-        <p:style>
-          <a:lnRef idx="2">
-            <a:schemeClr val="accent1">
-              <a:shade val="50000"/>
-            </a:schemeClr>
-          </a:lnRef>
-          <a:fillRef idx="1">
-            <a:schemeClr val="accent1"/>
-          </a:fillRef>
-          <a:effectRef idx="0">
-            <a:schemeClr val="accent1"/>
-          </a:effectRef>
-          <a:fontRef idx="minor">
-            <a:schemeClr val="lt1"/>
-          </a:fontRef>
-        </p:style>
-        <p:txBody>
-          <a:bodyPr rtlCol="0" anchor="ctr"/>
-          <a:lstStyle/>
-          <a:p>
-            <a:pPr algn="ctr"/>
-            <a:endParaRPr lang="en-US" sz="2700"/>
-          </a:p>
-        </p:txBody>
-      </p:sp>
-      <p:sp>
-        <p:nvSpPr>
-          <p:cNvPr id="5" name="TextBox 4"/>
-          <p:cNvSpPr txBox="1"/>
-          <p:nvPr/>
-        </p:nvSpPr>
-        <p:spPr>
-          <a:xfrm>
-            <a:off x="781292" y="590309"/>
-            <a:ext cx="15486926" cy="4662815"/>
-          </a:xfrm>
-          <a:prstGeom prst="rect">
-            <a:avLst/>
-          </a:prstGeom>
-          <a:noFill/>
-        </p:spPr>
-        <p:txBody>
-          <a:bodyPr wrap="square" rtlCol="0">
-            <a:spAutoFit/>
-          </a:bodyPr>
-          <a:lstStyle/>
-          <a:p>
-            <a:r>
-              <a:rPr lang="en-US" sz="9900" b="1" dirty="0">
-                <a:solidFill>
-                  <a:schemeClr val="bg1"/>
-                </a:solidFill>
-                <a:latin typeface="Normafixed Tryout" panose="00000409000000000000" pitchFamily="49" charset="0"/>
-              </a:rPr>
-              <a:t>3. There’s more to Python </a:t>
-            </a:r>
-            <a:r>
-              <a:rPr lang="en-US" sz="9900" b="1" i="1" dirty="0">
-                <a:solidFill>
-                  <a:schemeClr val="bg1"/>
-                </a:solidFill>
-                <a:latin typeface="Normafixed Tryout" panose="00000409000000000000" pitchFamily="49" charset="0"/>
-              </a:rPr>
-              <a:t>and </a:t>
-            </a:r>
-            <a:r>
-              <a:rPr lang="en-US" sz="9900" b="1" dirty="0">
-                <a:solidFill>
-                  <a:schemeClr val="bg1"/>
-                </a:solidFill>
-                <a:latin typeface="Normafixed Tryout" panose="00000409000000000000" pitchFamily="49" charset="0"/>
-              </a:rPr>
-              <a:t>Excel than Python </a:t>
-            </a:r>
-            <a:r>
-              <a:rPr lang="en-US" sz="9900" b="1" i="1" dirty="0">
-                <a:solidFill>
-                  <a:schemeClr val="bg1"/>
-                </a:solidFill>
-                <a:latin typeface="Normafixed Tryout" panose="00000409000000000000" pitchFamily="49" charset="0"/>
-              </a:rPr>
-              <a:t>in </a:t>
-            </a:r>
-            <a:r>
-              <a:rPr lang="en-US" sz="9900" b="1" dirty="0">
-                <a:solidFill>
-                  <a:schemeClr val="bg1"/>
-                </a:solidFill>
-                <a:latin typeface="Normafixed Tryout" panose="00000409000000000000" pitchFamily="49" charset="0"/>
-              </a:rPr>
-              <a:t>Excel</a:t>
-            </a:r>
-          </a:p>
-        </p:txBody>
-      </p:sp>
-    </p:spTree>
-    <p:extLst>
-      <p:ext uri="{BB962C8B-B14F-4D97-AF65-F5344CB8AC3E}">
-        <p14:creationId xmlns:p14="http://schemas.microsoft.com/office/powerpoint/2010/main" val="1915421395"/>
-      </p:ext>
-    </p:extLst>
-  </p:cSld>
-  <p:clrMapOvr>
-    <a:masterClrMapping/>
-  </p:clrMapOvr>
-</p:sld>
-</file>
-
 <file path=ppt/slides/slide29.xml><?xml version="1.0" encoding="utf-8"?>
 <p:sld xmlns:a="http://schemas.openxmlformats.org/drawingml/2006/main" xmlns:r="http://schemas.openxmlformats.org/officeDocument/2006/relationships" xmlns:p="http://schemas.openxmlformats.org/presentationml/2006/main">
   <p:cSld>
@@ -9827,8 +9840,8 @@
         </p:nvSpPr>
         <p:spPr>
           <a:xfrm>
-            <a:off x="9861630" y="0"/>
-            <a:ext cx="8426370" cy="10287000"/>
+            <a:off x="0" y="0"/>
+            <a:ext cx="18288000" cy="10287000"/>
           </a:xfrm>
           <a:prstGeom prst="rect">
             <a:avLst/>
@@ -9865,45 +9878,16 @@
           </a:p>
         </p:txBody>
       </p:sp>
-      <p:pic>
-        <p:nvPicPr>
-          <p:cNvPr id="2" name="Picture 1"/>
-          <p:cNvPicPr>
-            <a:picLocks noChangeAspect="1"/>
-          </p:cNvPicPr>
-          <p:nvPr/>
-        </p:nvPicPr>
-        <p:blipFill rotWithShape="1">
-          <a:blip r:embed="rId3">
-            <a:extLst>
-              <a:ext uri="{28A0092B-C50C-407E-A947-70E740481C1C}">
-                <a14:useLocalDpi xmlns:a14="http://schemas.microsoft.com/office/drawing/2010/main" val="0"/>
-              </a:ext>
-            </a:extLst>
-          </a:blip>
-          <a:srcRect l="69227" t="33418" r="20112" b="50548"/>
-          <a:stretch/>
-        </p:blipFill>
-        <p:spPr>
-          <a:xfrm>
-            <a:off x="15579524" y="7544693"/>
-            <a:ext cx="2708477" cy="2987579"/>
-          </a:xfrm>
-          <a:prstGeom prst="rect">
-            <a:avLst/>
-          </a:prstGeom>
-        </p:spPr>
-      </p:pic>
-      <p:sp>
-        <p:nvSpPr>
-          <p:cNvPr id="3" name="TextBox 2"/>
+      <p:sp>
+        <p:nvSpPr>
+          <p:cNvPr id="5" name="TextBox 4"/>
           <p:cNvSpPr txBox="1"/>
           <p:nvPr/>
         </p:nvSpPr>
         <p:spPr>
           <a:xfrm>
-            <a:off x="260431" y="329879"/>
-            <a:ext cx="8906720" cy="9596986"/>
+            <a:off x="781292" y="590309"/>
+            <a:ext cx="15486926" cy="4662815"/>
           </a:xfrm>
           <a:prstGeom prst="rect">
             <a:avLst/>
@@ -9917,214 +9901,57 @@
           <a:lstStyle/>
           <a:p>
             <a:r>
-              <a:rPr lang="en-US" sz="6000" b="1" dirty="0">
-                <a:solidFill>
-                  <a:srgbClr val="CF3338"/>
-                </a:solidFill>
-                <a:latin typeface="Pragmatica" panose="020B0403040502020204" pitchFamily="34" charset="0"/>
-              </a:rPr>
-              <a:t>There’s more to Python </a:t>
-            </a:r>
-            <a:r>
-              <a:rPr lang="en-US" sz="6000" b="1" i="1" dirty="0">
-                <a:solidFill>
-                  <a:srgbClr val="CF3338"/>
-                </a:solidFill>
-                <a:latin typeface="Pragmatica" panose="020B0403040502020204" pitchFamily="34" charset="0"/>
-              </a:rPr>
-              <a:t>and</a:t>
-            </a:r>
-            <a:r>
-              <a:rPr lang="en-US" sz="6000" b="1" dirty="0">
-                <a:solidFill>
-                  <a:srgbClr val="CF3338"/>
-                </a:solidFill>
-                <a:latin typeface="Pragmatica" panose="020B0403040502020204" pitchFamily="34" charset="0"/>
-              </a:rPr>
-              <a:t> Excel than Python </a:t>
-            </a:r>
-            <a:r>
-              <a:rPr lang="en-US" sz="6000" b="1" i="1" dirty="0">
-                <a:solidFill>
-                  <a:srgbClr val="CF3338"/>
-                </a:solidFill>
-                <a:latin typeface="Pragmatica" panose="020B0403040502020204" pitchFamily="34" charset="0"/>
+              <a:rPr lang="en-US" sz="9900" b="1" dirty="0">
+                <a:solidFill>
+                  <a:schemeClr val="bg1"/>
+                </a:solidFill>
+                <a:latin typeface="Normafixed Tryout" panose="00000409000000000000" pitchFamily="49" charset="0"/>
+              </a:rPr>
+              <a:t>3. There’s more to Python </a:t>
+            </a:r>
+            <a:r>
+              <a:rPr lang="en-US" sz="9900" b="1" i="1" dirty="0">
+                <a:solidFill>
+                  <a:schemeClr val="bg1"/>
+                </a:solidFill>
+                <a:latin typeface="Normafixed Tryout" panose="00000409000000000000" pitchFamily="49" charset="0"/>
+              </a:rPr>
+              <a:t>and </a:t>
+            </a:r>
+            <a:r>
+              <a:rPr lang="en-US" sz="9900" b="1" dirty="0">
+                <a:solidFill>
+                  <a:schemeClr val="bg1"/>
+                </a:solidFill>
+                <a:latin typeface="Normafixed Tryout" panose="00000409000000000000" pitchFamily="49" charset="0"/>
+              </a:rPr>
+              <a:t>Excel than Python </a:t>
+            </a:r>
+            <a:r>
+              <a:rPr lang="en-US" sz="9900" b="1" i="1" dirty="0">
+                <a:solidFill>
+                  <a:schemeClr val="bg1"/>
+                </a:solidFill>
+                <a:latin typeface="Normafixed Tryout" panose="00000409000000000000" pitchFamily="49" charset="0"/>
               </a:rPr>
               <a:t>in </a:t>
             </a:r>
             <a:r>
-              <a:rPr lang="en-US" sz="6000" b="1" dirty="0">
-                <a:solidFill>
-                  <a:srgbClr val="CF3338"/>
-                </a:solidFill>
-                <a:latin typeface="Pragmatica" panose="020B0403040502020204" pitchFamily="34" charset="0"/>
+              <a:rPr lang="en-US" sz="9900" b="1" dirty="0">
+                <a:solidFill>
+                  <a:schemeClr val="bg1"/>
+                </a:solidFill>
+                <a:latin typeface="Normafixed Tryout" panose="00000409000000000000" pitchFamily="49" charset="0"/>
               </a:rPr>
               <a:t>Excel</a:t>
             </a:r>
-          </a:p>
-          <a:p>
-            <a:endParaRPr lang="en-US" sz="4200" dirty="0">
-              <a:solidFill>
-                <a:srgbClr val="CF3338"/>
-              </a:solidFill>
-              <a:latin typeface="Pragmatica" panose="020B0403040502020204" pitchFamily="34" charset="0"/>
-            </a:endParaRPr>
-          </a:p>
-          <a:p>
-            <a:pPr marL="685800" indent="-542925">
-              <a:lnSpc>
-                <a:spcPct val="115000"/>
-              </a:lnSpc>
-              <a:spcBef>
-                <a:spcPts val="1125"/>
-              </a:spcBef>
-              <a:buClr>
-                <a:srgbClr val="C00000"/>
-              </a:buClr>
-              <a:buSzPts val="2100"/>
-              <a:buFont typeface="Arial"/>
-              <a:buAutoNum type="arabicPeriod"/>
-            </a:pPr>
-            <a:r>
-              <a:rPr lang="en-US" sz="3600" dirty="0">
-                <a:solidFill>
-                  <a:srgbClr val="C00000"/>
-                </a:solidFill>
-                <a:latin typeface="Pragmatica" panose="020B0403040502020204"/>
-                <a:sym typeface="Consolas"/>
-              </a:rPr>
-              <a:t>Python in Excel is all about data analysis, visualization, statistics &amp; ML</a:t>
-            </a:r>
-          </a:p>
-          <a:p>
-            <a:pPr marL="685800" indent="-542925">
-              <a:lnSpc>
-                <a:spcPct val="115000"/>
-              </a:lnSpc>
-              <a:spcBef>
-                <a:spcPts val="1125"/>
-              </a:spcBef>
-              <a:buClr>
-                <a:srgbClr val="C00000"/>
-              </a:buClr>
-              <a:buSzPts val="2100"/>
-              <a:buFont typeface="Arial"/>
-              <a:buAutoNum type="arabicPeriod"/>
-            </a:pPr>
-            <a:r>
-              <a:rPr lang="en-US" sz="3600" dirty="0">
-                <a:solidFill>
-                  <a:srgbClr val="C00000"/>
-                </a:solidFill>
-                <a:latin typeface="Pragmatica" panose="020B0403040502020204"/>
-                <a:sym typeface="Consolas"/>
-              </a:rPr>
-              <a:t>It lacks Excel automation capabilities</a:t>
-            </a:r>
-          </a:p>
-          <a:p>
-            <a:pPr marL="685800" indent="-542925">
-              <a:lnSpc>
-                <a:spcPct val="115000"/>
-              </a:lnSpc>
-              <a:spcBef>
-                <a:spcPts val="1125"/>
-              </a:spcBef>
-              <a:buClr>
-                <a:srgbClr val="C00000"/>
-              </a:buClr>
-              <a:buSzPts val="2100"/>
-              <a:buFont typeface="Arial"/>
-              <a:buAutoNum type="arabicPeriod"/>
-            </a:pPr>
-            <a:r>
-              <a:rPr lang="en-US" sz="3600" dirty="0">
-                <a:solidFill>
-                  <a:srgbClr val="C00000"/>
-                </a:solidFill>
-                <a:latin typeface="Pragmatica" panose="020B0403040502020204"/>
-                <a:sym typeface="Consolas"/>
-              </a:rPr>
-              <a:t>Let’s automate an entire Excel workbook from Python… without opening Excel!</a:t>
-            </a:r>
-          </a:p>
-          <a:p>
-            <a:pPr marL="685800" indent="-542925">
-              <a:lnSpc>
-                <a:spcPct val="115000"/>
-              </a:lnSpc>
-              <a:spcBef>
-                <a:spcPts val="1125"/>
-              </a:spcBef>
-              <a:buClr>
-                <a:srgbClr val="C00000"/>
-              </a:buClr>
-              <a:buSzPts val="2100"/>
-              <a:buFont typeface="Arial"/>
-              <a:buAutoNum type="arabicPeriod"/>
-            </a:pPr>
-            <a:endParaRPr lang="en-US" sz="3600" dirty="0">
-              <a:solidFill>
-                <a:srgbClr val="C00000"/>
-              </a:solidFill>
-              <a:latin typeface="Pragmatica" panose="020B0403040502020204"/>
-              <a:sym typeface="Consolas"/>
-            </a:endParaRPr>
-          </a:p>
-          <a:p>
-            <a:pPr marL="142875">
-              <a:lnSpc>
-                <a:spcPct val="115000"/>
-              </a:lnSpc>
-              <a:spcBef>
-                <a:spcPts val="1125"/>
-              </a:spcBef>
-              <a:buClr>
-                <a:srgbClr val="C00000"/>
-              </a:buClr>
-              <a:buSzPts val="2100"/>
-            </a:pPr>
-            <a:r>
-              <a:rPr lang="en-US" sz="3600" dirty="0">
-                <a:solidFill>
-                  <a:srgbClr val="C00000"/>
-                </a:solidFill>
-                <a:latin typeface="Pragmatica" panose="020B0403040502020204"/>
-                <a:sym typeface="Consolas"/>
-              </a:rPr>
-              <a:t>File: </a:t>
-            </a:r>
-            <a:r>
-              <a:rPr lang="en-US" sz="3600" dirty="0" err="1">
-                <a:solidFill>
-                  <a:srgbClr val="C00000"/>
-                </a:solidFill>
-                <a:latin typeface="Consolas" panose="020B0609020204030204" pitchFamily="49" charset="0"/>
-                <a:sym typeface="Consolas"/>
-              </a:rPr>
-              <a:t>pae-pie.ipynb</a:t>
-            </a:r>
-            <a:endParaRPr lang="en-US" sz="6000" dirty="0">
-              <a:solidFill>
-                <a:srgbClr val="CF3338"/>
-              </a:solidFill>
-              <a:latin typeface="Consolas" panose="020B0609020204030204" pitchFamily="49" charset="0"/>
-            </a:endParaRPr>
-          </a:p>
-          <a:p>
-            <a:endParaRPr lang="en-US" sz="6000" dirty="0">
-              <a:solidFill>
-                <a:srgbClr val="CF3338"/>
-              </a:solidFill>
-              <a:latin typeface="Pragmatica" panose="020B0403040502020204" pitchFamily="34" charset="0"/>
-            </a:endParaRPr>
           </a:p>
         </p:txBody>
       </p:sp>
     </p:spTree>
     <p:extLst>
       <p:ext uri="{BB962C8B-B14F-4D97-AF65-F5344CB8AC3E}">
-        <p14:creationId xmlns:p14="http://schemas.microsoft.com/office/powerpoint/2010/main" val="2938274525"/>
+        <p14:creationId xmlns:p14="http://schemas.microsoft.com/office/powerpoint/2010/main" val="1915421395"/>
       </p:ext>
     </p:extLst>
   </p:cSld>
@@ -10409,7 +10236,7 @@
         <p:spPr>
           <a:xfrm>
             <a:off x="260431" y="329879"/>
-            <a:ext cx="8906720" cy="8313558"/>
+            <a:ext cx="8906720" cy="9596986"/>
           </a:xfrm>
           <a:prstGeom prst="rect">
             <a:avLst/>
@@ -10465,11 +10292,19 @@
                 </a:solidFill>
                 <a:latin typeface="Pragmatica" panose="020B0403040502020204" pitchFamily="34" charset="0"/>
               </a:rPr>
-              <a:t>Excel EXERCISE</a:t>
-            </a:r>
-          </a:p>
-          <a:p>
-            <a:pPr marL="142875">
+              <a:t>Excel</a:t>
+            </a:r>
+          </a:p>
+          <a:p>
+            <a:endParaRPr lang="en-US" sz="4200" dirty="0">
+              <a:solidFill>
+                <a:srgbClr val="CF3338"/>
+              </a:solidFill>
+              <a:latin typeface="Pragmatica" panose="020B0403040502020204" pitchFamily="34" charset="0"/>
+            </a:endParaRPr>
+          </a:p>
+          <a:p>
+            <a:pPr marL="685800" indent="-542925">
               <a:lnSpc>
                 <a:spcPct val="115000"/>
               </a:lnSpc>
@@ -10480,17 +10315,22 @@
                 <a:srgbClr val="C00000"/>
               </a:buClr>
               <a:buSzPts val="2100"/>
+              <a:buFont typeface="Arial"/>
+              <a:buAutoNum type="arabicPeriod"/>
             </a:pPr>
-            <a:endParaRPr lang="en-US" sz="3600" dirty="0">
-              <a:solidFill>
-                <a:srgbClr val="C00000"/>
-              </a:solidFill>
-              <a:latin typeface="Pragmatica" panose="020B0403040502020204"/>
-              <a:sym typeface="Consolas"/>
-            </a:endParaRPr>
-          </a:p>
-          <a:p>
-            <a:pPr marL="714375" indent="-571500">
+            <a:r>
+              <a:rPr lang="en-US" sz="3600" dirty="0">
+                <a:solidFill>
+                  <a:srgbClr val="C00000"/>
+                </a:solidFill>
+                <a:latin typeface="Pragmatica" panose="020B0403040502020204"/>
+                <a:sym typeface="Consolas"/>
+              </a:rPr>
+              <a:t>Python in Excel is all about data analysis, visualization, statistics &amp; ML</a:t>
+            </a:r>
+          </a:p>
+          <a:p>
+            <a:pPr marL="685800" indent="-542925">
               <a:lnSpc>
                 <a:spcPct val="115000"/>
               </a:lnSpc>
@@ -10501,8 +10341,8 @@
                 <a:srgbClr val="C00000"/>
               </a:buClr>
               <a:buSzPts val="2100"/>
-              <a:buFont typeface="Arial" panose="020B0604020202020204" pitchFamily="34" charset="0"/>
-              <a:buChar char="•"/>
+              <a:buFont typeface="Arial"/>
+              <a:buAutoNum type="arabicPeriod"/>
             </a:pPr>
             <a:r>
               <a:rPr lang="en-US" sz="3600" dirty="0">
@@ -10512,11 +10352,11 @@
                 <a:latin typeface="Pragmatica" panose="020B0403040502020204"/>
                 <a:sym typeface="Consolas"/>
               </a:rPr>
-              <a:t>Automate production of a workbook comparing website visitors versus rating</a:t>
-            </a:r>
-          </a:p>
-          <a:p>
-            <a:pPr marL="714375" indent="-571500">
+              <a:t>It lacks Excel automation capabilities</a:t>
+            </a:r>
+          </a:p>
+          <a:p>
+            <a:pPr marL="685800" indent="-542925">
               <a:lnSpc>
                 <a:spcPct val="115000"/>
               </a:lnSpc>
@@ -10527,8 +10367,8 @@
                 <a:srgbClr val="C00000"/>
               </a:buClr>
               <a:buSzPts val="2100"/>
-              <a:buFont typeface="Arial" panose="020B0604020202020204" pitchFamily="34" charset="0"/>
-              <a:buChar char="•"/>
+              <a:buFont typeface="Arial"/>
+              <a:buAutoNum type="arabicPeriod"/>
             </a:pPr>
             <a:r>
               <a:rPr lang="en-US" sz="3600" dirty="0">
@@ -10538,7 +10378,7 @@
                 <a:latin typeface="Pragmatica" panose="020B0403040502020204"/>
                 <a:sym typeface="Consolas"/>
               </a:rPr>
-              <a:t>Fill in the blanks to create the script</a:t>
+              <a:t>Let’s automate an entire Excel workbook from Python… without opening Excel!</a:t>
             </a:r>
           </a:p>
           <a:p>
@@ -10595,6 +10435,325 @@
                 <a:latin typeface="Consolas" panose="020B0609020204030204" pitchFamily="49" charset="0"/>
                 <a:sym typeface="Consolas"/>
               </a:rPr>
+              <a:t>pae-pie.ipynb</a:t>
+            </a:r>
+            <a:endParaRPr lang="en-US" sz="6000" dirty="0">
+              <a:solidFill>
+                <a:srgbClr val="CF3338"/>
+              </a:solidFill>
+              <a:latin typeface="Consolas" panose="020B0609020204030204" pitchFamily="49" charset="0"/>
+            </a:endParaRPr>
+          </a:p>
+          <a:p>
+            <a:endParaRPr lang="en-US" sz="6000" dirty="0">
+              <a:solidFill>
+                <a:srgbClr val="CF3338"/>
+              </a:solidFill>
+              <a:latin typeface="Pragmatica" panose="020B0403040502020204" pitchFamily="34" charset="0"/>
+            </a:endParaRPr>
+          </a:p>
+        </p:txBody>
+      </p:sp>
+    </p:spTree>
+    <p:extLst>
+      <p:ext uri="{BB962C8B-B14F-4D97-AF65-F5344CB8AC3E}">
+        <p14:creationId xmlns:p14="http://schemas.microsoft.com/office/powerpoint/2010/main" val="2938274525"/>
+      </p:ext>
+    </p:extLst>
+  </p:cSld>
+  <p:clrMapOvr>
+    <a:masterClrMapping/>
+  </p:clrMapOvr>
+</p:sld>
+</file>
+
+<file path=ppt/slides/slide31.xml><?xml version="1.0" encoding="utf-8"?>
+<p:sld xmlns:a="http://schemas.openxmlformats.org/drawingml/2006/main" xmlns:r="http://schemas.openxmlformats.org/officeDocument/2006/relationships" xmlns:p="http://schemas.openxmlformats.org/presentationml/2006/main">
+  <p:cSld>
+    <p:spTree>
+      <p:nvGrpSpPr>
+        <p:cNvPr id="1" name=""/>
+        <p:cNvGrpSpPr/>
+        <p:nvPr/>
+      </p:nvGrpSpPr>
+      <p:grpSpPr>
+        <a:xfrm>
+          <a:off x="0" y="0"/>
+          <a:ext cx="0" cy="0"/>
+          <a:chOff x="0" y="0"/>
+          <a:chExt cx="0" cy="0"/>
+        </a:xfrm>
+      </p:grpSpPr>
+      <p:sp>
+        <p:nvSpPr>
+          <p:cNvPr id="4" name="Rectangle 3"/>
+          <p:cNvSpPr/>
+          <p:nvPr/>
+        </p:nvSpPr>
+        <p:spPr>
+          <a:xfrm>
+            <a:off x="9861630" y="0"/>
+            <a:ext cx="8426370" cy="10287000"/>
+          </a:xfrm>
+          <a:prstGeom prst="rect">
+            <a:avLst/>
+          </a:prstGeom>
+          <a:solidFill>
+            <a:srgbClr val="CF3338"/>
+          </a:solidFill>
+          <a:ln>
+            <a:noFill/>
+          </a:ln>
+        </p:spPr>
+        <p:style>
+          <a:lnRef idx="2">
+            <a:schemeClr val="accent1">
+              <a:shade val="50000"/>
+            </a:schemeClr>
+          </a:lnRef>
+          <a:fillRef idx="1">
+            <a:schemeClr val="accent1"/>
+          </a:fillRef>
+          <a:effectRef idx="0">
+            <a:schemeClr val="accent1"/>
+          </a:effectRef>
+          <a:fontRef idx="minor">
+            <a:schemeClr val="lt1"/>
+          </a:fontRef>
+        </p:style>
+        <p:txBody>
+          <a:bodyPr rtlCol="0" anchor="ctr"/>
+          <a:lstStyle/>
+          <a:p>
+            <a:pPr algn="ctr"/>
+            <a:endParaRPr lang="en-US" sz="2700"/>
+          </a:p>
+        </p:txBody>
+      </p:sp>
+      <p:pic>
+        <p:nvPicPr>
+          <p:cNvPr id="2" name="Picture 1"/>
+          <p:cNvPicPr>
+            <a:picLocks noChangeAspect="1"/>
+          </p:cNvPicPr>
+          <p:nvPr/>
+        </p:nvPicPr>
+        <p:blipFill rotWithShape="1">
+          <a:blip r:embed="rId3">
+            <a:extLst>
+              <a:ext uri="{28A0092B-C50C-407E-A947-70E740481C1C}">
+                <a14:useLocalDpi xmlns:a14="http://schemas.microsoft.com/office/drawing/2010/main" val="0"/>
+              </a:ext>
+            </a:extLst>
+          </a:blip>
+          <a:srcRect l="69227" t="33418" r="20112" b="50548"/>
+          <a:stretch/>
+        </p:blipFill>
+        <p:spPr>
+          <a:xfrm>
+            <a:off x="15579524" y="7544693"/>
+            <a:ext cx="2708477" cy="2987579"/>
+          </a:xfrm>
+          <a:prstGeom prst="rect">
+            <a:avLst/>
+          </a:prstGeom>
+        </p:spPr>
+      </p:pic>
+      <p:sp>
+        <p:nvSpPr>
+          <p:cNvPr id="3" name="TextBox 2"/>
+          <p:cNvSpPr txBox="1"/>
+          <p:nvPr/>
+        </p:nvSpPr>
+        <p:spPr>
+          <a:xfrm>
+            <a:off x="260431" y="329879"/>
+            <a:ext cx="8906720" cy="8313558"/>
+          </a:xfrm>
+          <a:prstGeom prst="rect">
+            <a:avLst/>
+          </a:prstGeom>
+          <a:noFill/>
+        </p:spPr>
+        <p:txBody>
+          <a:bodyPr wrap="square" rtlCol="0">
+            <a:spAutoFit/>
+          </a:bodyPr>
+          <a:lstStyle/>
+          <a:p>
+            <a:r>
+              <a:rPr lang="en-US" sz="6000" b="1" dirty="0">
+                <a:solidFill>
+                  <a:srgbClr val="CF3338"/>
+                </a:solidFill>
+                <a:latin typeface="Pragmatica" panose="020B0403040502020204" pitchFamily="34" charset="0"/>
+              </a:rPr>
+              <a:t>There’s more to Python </a:t>
+            </a:r>
+            <a:r>
+              <a:rPr lang="en-US" sz="6000" b="1" i="1" dirty="0">
+                <a:solidFill>
+                  <a:srgbClr val="CF3338"/>
+                </a:solidFill>
+                <a:latin typeface="Pragmatica" panose="020B0403040502020204" pitchFamily="34" charset="0"/>
+              </a:rPr>
+              <a:t>and</a:t>
+            </a:r>
+            <a:r>
+              <a:rPr lang="en-US" sz="6000" b="1" dirty="0">
+                <a:solidFill>
+                  <a:srgbClr val="CF3338"/>
+                </a:solidFill>
+                <a:latin typeface="Pragmatica" panose="020B0403040502020204" pitchFamily="34" charset="0"/>
+              </a:rPr>
+              <a:t> Excel than Python </a:t>
+            </a:r>
+            <a:r>
+              <a:rPr lang="en-US" sz="6000" b="1" i="1" dirty="0">
+                <a:solidFill>
+                  <a:srgbClr val="CF3338"/>
+                </a:solidFill>
+                <a:latin typeface="Pragmatica" panose="020B0403040502020204" pitchFamily="34" charset="0"/>
+              </a:rPr>
+              <a:t>in </a:t>
+            </a:r>
+            <a:r>
+              <a:rPr lang="en-US" sz="6000" b="1" dirty="0">
+                <a:solidFill>
+                  <a:srgbClr val="CF3338"/>
+                </a:solidFill>
+                <a:latin typeface="Pragmatica" panose="020B0403040502020204" pitchFamily="34" charset="0"/>
+              </a:rPr>
+              <a:t>Excel EXERCISE</a:t>
+            </a:r>
+          </a:p>
+          <a:p>
+            <a:pPr marL="142875">
+              <a:lnSpc>
+                <a:spcPct val="115000"/>
+              </a:lnSpc>
+              <a:spcBef>
+                <a:spcPts val="1125"/>
+              </a:spcBef>
+              <a:buClr>
+                <a:srgbClr val="C00000"/>
+              </a:buClr>
+              <a:buSzPts val="2100"/>
+            </a:pPr>
+            <a:endParaRPr lang="en-US" sz="3600" dirty="0">
+              <a:solidFill>
+                <a:srgbClr val="C00000"/>
+              </a:solidFill>
+              <a:latin typeface="Pragmatica" panose="020B0403040502020204"/>
+              <a:sym typeface="Consolas"/>
+            </a:endParaRPr>
+          </a:p>
+          <a:p>
+            <a:pPr marL="714375" indent="-571500">
+              <a:lnSpc>
+                <a:spcPct val="115000"/>
+              </a:lnSpc>
+              <a:spcBef>
+                <a:spcPts val="1125"/>
+              </a:spcBef>
+              <a:buClr>
+                <a:srgbClr val="C00000"/>
+              </a:buClr>
+              <a:buSzPts val="2100"/>
+              <a:buFont typeface="Arial" panose="020B0604020202020204" pitchFamily="34" charset="0"/>
+              <a:buChar char="•"/>
+            </a:pPr>
+            <a:r>
+              <a:rPr lang="en-US" sz="3600" dirty="0">
+                <a:solidFill>
+                  <a:srgbClr val="C00000"/>
+                </a:solidFill>
+                <a:latin typeface="Pragmatica" panose="020B0403040502020204"/>
+                <a:sym typeface="Consolas"/>
+              </a:rPr>
+              <a:t>Automate production of a workbook comparing website visitors versus rating</a:t>
+            </a:r>
+          </a:p>
+          <a:p>
+            <a:pPr marL="714375" indent="-571500">
+              <a:lnSpc>
+                <a:spcPct val="115000"/>
+              </a:lnSpc>
+              <a:spcBef>
+                <a:spcPts val="1125"/>
+              </a:spcBef>
+              <a:buClr>
+                <a:srgbClr val="C00000"/>
+              </a:buClr>
+              <a:buSzPts val="2100"/>
+              <a:buFont typeface="Arial" panose="020B0604020202020204" pitchFamily="34" charset="0"/>
+              <a:buChar char="•"/>
+            </a:pPr>
+            <a:r>
+              <a:rPr lang="en-US" sz="3600" dirty="0">
+                <a:solidFill>
+                  <a:srgbClr val="C00000"/>
+                </a:solidFill>
+                <a:latin typeface="Pragmatica" panose="020B0403040502020204"/>
+                <a:sym typeface="Consolas"/>
+              </a:rPr>
+              <a:t>Fill in the blanks to create the script</a:t>
+            </a:r>
+          </a:p>
+          <a:p>
+            <a:pPr marL="685800" indent="-542925">
+              <a:lnSpc>
+                <a:spcPct val="115000"/>
+              </a:lnSpc>
+              <a:spcBef>
+                <a:spcPts val="1125"/>
+              </a:spcBef>
+              <a:buClr>
+                <a:srgbClr val="C00000"/>
+              </a:buClr>
+              <a:buSzPts val="2100"/>
+              <a:buFont typeface="Arial"/>
+              <a:buAutoNum type="arabicPeriod"/>
+            </a:pPr>
+            <a:endParaRPr lang="en-US" sz="3600" dirty="0">
+              <a:solidFill>
+                <a:srgbClr val="C00000"/>
+              </a:solidFill>
+              <a:latin typeface="Pragmatica" panose="020B0403040502020204"/>
+              <a:sym typeface="Consolas"/>
+            </a:endParaRPr>
+          </a:p>
+          <a:p>
+            <a:pPr marL="142875">
+              <a:lnSpc>
+                <a:spcPct val="115000"/>
+              </a:lnSpc>
+              <a:spcBef>
+                <a:spcPts val="1125"/>
+              </a:spcBef>
+              <a:buClr>
+                <a:srgbClr val="C00000"/>
+              </a:buClr>
+              <a:buSzPts val="2100"/>
+            </a:pPr>
+            <a:r>
+              <a:rPr lang="en-US" sz="3600" dirty="0">
+                <a:solidFill>
+                  <a:srgbClr val="C00000"/>
+                </a:solidFill>
+                <a:latin typeface="Pragmatica" panose="020B0403040502020204"/>
+                <a:sym typeface="Consolas"/>
+              </a:rPr>
+              <a:t>File: </a:t>
+            </a:r>
+            <a:r>
+              <a:rPr lang="en-US" sz="3600" dirty="0" err="1">
+                <a:solidFill>
+                  <a:srgbClr val="C00000"/>
+                </a:solidFill>
+                <a:latin typeface="Consolas" panose="020B0609020204030204" pitchFamily="49" charset="0"/>
+                <a:sym typeface="Consolas"/>
+              </a:rPr>
               <a:t>pae</a:t>
             </a:r>
             <a:r>
@@ -10647,7 +10806,7 @@
 </p:sld>
 </file>
 
-<file path=ppt/slides/slide31.xml><?xml version="1.0" encoding="utf-8"?>
+<file path=ppt/slides/slide32.xml><?xml version="1.0" encoding="utf-8"?>
 <p:sld xmlns:a="http://schemas.openxmlformats.org/drawingml/2006/main" xmlns:r="http://schemas.openxmlformats.org/officeDocument/2006/relationships" xmlns:p="http://schemas.openxmlformats.org/presentationml/2006/main">
   <p:cSld>
     <p:spTree>
@@ -10805,7 +10964,7 @@
 </p:sld>
 </file>
 
-<file path=ppt/slides/slide32.xml><?xml version="1.0" encoding="utf-8"?>
+<file path=ppt/slides/slide33.xml><?xml version="1.0" encoding="utf-8"?>
 <p:sld xmlns:a="http://schemas.openxmlformats.org/drawingml/2006/main" xmlns:r="http://schemas.openxmlformats.org/officeDocument/2006/relationships" xmlns:p="http://schemas.openxmlformats.org/presentationml/2006/main">
   <p:cSld>
     <p:spTree>
@@ -11031,7 +11190,7 @@
 </p:sld>
 </file>
 
-<file path=ppt/slides/slide33.xml><?xml version="1.0" encoding="utf-8"?>
+<file path=ppt/slides/slide34.xml><?xml version="1.0" encoding="utf-8"?>
 <p:sld xmlns:a="http://schemas.openxmlformats.org/drawingml/2006/main" xmlns:r="http://schemas.openxmlformats.org/officeDocument/2006/relationships" xmlns:p="http://schemas.openxmlformats.org/presentationml/2006/main">
   <p:cSld>
     <p:spTree>
@@ -11658,7 +11817,7 @@
         <p:spPr>
           <a:xfrm>
             <a:off x="520861" y="170082"/>
-            <a:ext cx="11979797" cy="1477328"/>
+            <a:ext cx="16166939" cy="1107996"/>
           </a:xfrm>
           <a:prstGeom prst="rect">
             <a:avLst/>
@@ -11672,6 +11831,223 @@
           <a:lstStyle/>
           <a:p>
             <a:r>
+              <a:rPr lang="en-US" sz="6600" dirty="0">
+                <a:latin typeface="Aliens &amp; cows" panose="00000500000000000000" pitchFamily="2" charset="0"/>
+              </a:rPr>
+              <a:t>The most ambitious crossover event in history</a:t>
+            </a:r>
+          </a:p>
+        </p:txBody>
+      </p:sp>
+      <p:pic>
+        <p:nvPicPr>
+          <p:cNvPr id="15" name="Picture 14" descr="A close up of a sign&#10;&#10;Description automatically generated">
+            <a:extLst>
+              <a:ext uri="{FF2B5EF4-FFF2-40B4-BE49-F238E27FC236}">
+                <a16:creationId xmlns:a16="http://schemas.microsoft.com/office/drawing/2014/main" id="{29761B90-A7DE-4A60-A915-F085BD87CAB4}"/>
+              </a:ext>
+            </a:extLst>
+          </p:cNvPr>
+          <p:cNvPicPr>
+            <a:picLocks noChangeAspect="1"/>
+          </p:cNvPicPr>
+          <p:nvPr/>
+        </p:nvPicPr>
+        <p:blipFill>
+          <a:blip r:embed="rId2">
+            <a:extLst>
+              <a:ext uri="{28A0092B-C50C-407E-A947-70E740481C1C}">
+                <a14:useLocalDpi xmlns:a14="http://schemas.microsoft.com/office/drawing/2010/main" val="0"/>
+              </a:ext>
+            </a:extLst>
+          </a:blip>
+          <a:stretch>
+            <a:fillRect/>
+          </a:stretch>
+        </p:blipFill>
+        <p:spPr>
+          <a:xfrm>
+            <a:off x="16341036" y="8058429"/>
+            <a:ext cx="1942857" cy="2228571"/>
+          </a:xfrm>
+          <a:prstGeom prst="rect">
+            <a:avLst/>
+          </a:prstGeom>
+        </p:spPr>
+      </p:pic>
+      <p:pic>
+        <p:nvPicPr>
+          <p:cNvPr id="6" name="Picture 5" descr="A rainbow colored logo on a black background&#10;&#10;Description automatically generated">
+            <a:extLst>
+              <a:ext uri="{FF2B5EF4-FFF2-40B4-BE49-F238E27FC236}">
+                <a16:creationId xmlns:a16="http://schemas.microsoft.com/office/drawing/2014/main" id="{C2866380-30B4-458B-7A21-7BE3C090840D}"/>
+              </a:ext>
+            </a:extLst>
+          </p:cNvPr>
+          <p:cNvPicPr>
+            <a:picLocks noChangeAspect="1"/>
+          </p:cNvPicPr>
+          <p:nvPr/>
+        </p:nvPicPr>
+        <p:blipFill>
+          <a:blip r:embed="rId3" cstate="print">
+            <a:extLst>
+              <a:ext uri="{28A0092B-C50C-407E-A947-70E740481C1C}">
+                <a14:useLocalDpi xmlns:a14="http://schemas.microsoft.com/office/drawing/2010/main" val="0"/>
+              </a:ext>
+            </a:extLst>
+          </a:blip>
+          <a:stretch>
+            <a:fillRect/>
+          </a:stretch>
+        </p:blipFill>
+        <p:spPr>
+          <a:xfrm>
+            <a:off x="7543800" y="3543300"/>
+            <a:ext cx="6743700" cy="6743700"/>
+          </a:xfrm>
+          <a:prstGeom prst="rect">
+            <a:avLst/>
+          </a:prstGeom>
+        </p:spPr>
+      </p:pic>
+      <p:pic>
+        <p:nvPicPr>
+          <p:cNvPr id="8" name="Picture 7" descr="A green square with a white x on it&#10;&#10;Description automatically generated">
+            <a:extLst>
+              <a:ext uri="{FF2B5EF4-FFF2-40B4-BE49-F238E27FC236}">
+                <a16:creationId xmlns:a16="http://schemas.microsoft.com/office/drawing/2014/main" id="{49A2EDE9-1F8F-3D98-5D90-A473AB91A6F6}"/>
+              </a:ext>
+            </a:extLst>
+          </p:cNvPr>
+          <p:cNvPicPr>
+            <a:picLocks noChangeAspect="1"/>
+          </p:cNvPicPr>
+          <p:nvPr/>
+        </p:nvPicPr>
+        <p:blipFill>
+          <a:blip r:embed="rId4" cstate="print">
+            <a:extLst>
+              <a:ext uri="{28A0092B-C50C-407E-A947-70E740481C1C}">
+                <a14:useLocalDpi xmlns:a14="http://schemas.microsoft.com/office/drawing/2010/main" val="0"/>
+              </a:ext>
+            </a:extLst>
+          </a:blip>
+          <a:stretch>
+            <a:fillRect/>
+          </a:stretch>
+        </p:blipFill>
+        <p:spPr>
+          <a:xfrm>
+            <a:off x="5360175" y="6743700"/>
+            <a:ext cx="2376132" cy="2212162"/>
+          </a:xfrm>
+          <a:prstGeom prst="rect">
+            <a:avLst/>
+          </a:prstGeom>
+        </p:spPr>
+      </p:pic>
+      <p:pic>
+        <p:nvPicPr>
+          <p:cNvPr id="10" name="Picture 9" descr="A blue and yellow snake logo&#10;&#10;Description automatically generated">
+            <a:extLst>
+              <a:ext uri="{FF2B5EF4-FFF2-40B4-BE49-F238E27FC236}">
+                <a16:creationId xmlns:a16="http://schemas.microsoft.com/office/drawing/2014/main" id="{8543FE77-32A7-251C-01A1-46ACB62A469C}"/>
+              </a:ext>
+            </a:extLst>
+          </p:cNvPr>
+          <p:cNvPicPr>
+            <a:picLocks noChangeAspect="1"/>
+          </p:cNvPicPr>
+          <p:nvPr/>
+        </p:nvPicPr>
+        <p:blipFill>
+          <a:blip r:embed="rId5">
+            <a:extLst>
+              <a:ext uri="{28A0092B-C50C-407E-A947-70E740481C1C}">
+                <a14:useLocalDpi xmlns:a14="http://schemas.microsoft.com/office/drawing/2010/main" val="0"/>
+              </a:ext>
+            </a:extLst>
+          </a:blip>
+          <a:stretch>
+            <a:fillRect/>
+          </a:stretch>
+        </p:blipFill>
+        <p:spPr>
+          <a:xfrm>
+            <a:off x="1752600" y="342900"/>
+            <a:ext cx="5445923" cy="5976900"/>
+          </a:xfrm>
+          <a:prstGeom prst="rect">
+            <a:avLst/>
+          </a:prstGeom>
+        </p:spPr>
+      </p:pic>
+    </p:spTree>
+    <p:extLst>
+      <p:ext uri="{BB962C8B-B14F-4D97-AF65-F5344CB8AC3E}">
+        <p14:creationId xmlns:p14="http://schemas.microsoft.com/office/powerpoint/2010/main" val="4278852698"/>
+      </p:ext>
+    </p:extLst>
+  </p:cSld>
+  <p:clrMapOvr>
+    <a:masterClrMapping/>
+  </p:clrMapOvr>
+</p:sld>
+</file>
+
+<file path=ppt/slides/slide5.xml><?xml version="1.0" encoding="utf-8"?>
+<p:sld xmlns:a="http://schemas.openxmlformats.org/drawingml/2006/main" xmlns:r="http://schemas.openxmlformats.org/officeDocument/2006/relationships" xmlns:p="http://schemas.openxmlformats.org/presentationml/2006/main">
+  <p:cSld>
+    <p:spTree>
+      <p:nvGrpSpPr>
+        <p:cNvPr id="1" name="">
+          <a:extLst>
+            <a:ext uri="{FF2B5EF4-FFF2-40B4-BE49-F238E27FC236}">
+              <a16:creationId xmlns:a16="http://schemas.microsoft.com/office/drawing/2014/main" id="{72D4254C-6B9D-608D-E634-413F3EA003EE}"/>
+            </a:ext>
+          </a:extLst>
+        </p:cNvPr>
+        <p:cNvGrpSpPr/>
+        <p:nvPr/>
+      </p:nvGrpSpPr>
+      <p:grpSpPr>
+        <a:xfrm>
+          <a:off x="0" y="0"/>
+          <a:ext cx="0" cy="0"/>
+          <a:chOff x="0" y="0"/>
+          <a:chExt cx="0" cy="0"/>
+        </a:xfrm>
+      </p:grpSpPr>
+      <p:sp>
+        <p:nvSpPr>
+          <p:cNvPr id="11" name="TextBox 10">
+            <a:extLst>
+              <a:ext uri="{FF2B5EF4-FFF2-40B4-BE49-F238E27FC236}">
+                <a16:creationId xmlns:a16="http://schemas.microsoft.com/office/drawing/2014/main" id="{6FCA315D-D94B-9EED-CEC6-CE64C0380740}"/>
+              </a:ext>
+            </a:extLst>
+          </p:cNvPr>
+          <p:cNvSpPr txBox="1"/>
+          <p:nvPr/>
+        </p:nvSpPr>
+        <p:spPr>
+          <a:xfrm>
+            <a:off x="520861" y="170082"/>
+            <a:ext cx="11979797" cy="1477328"/>
+          </a:xfrm>
+          <a:prstGeom prst="rect">
+            <a:avLst/>
+          </a:prstGeom>
+          <a:noFill/>
+        </p:spPr>
+        <p:txBody>
+          <a:bodyPr wrap="square" rtlCol="0">
+            <a:spAutoFit/>
+          </a:bodyPr>
+          <a:lstStyle/>
+          <a:p>
+            <a:r>
               <a:rPr lang="en-US" sz="9000" dirty="0">
                 <a:latin typeface="Aliens &amp; cows" panose="00000500000000000000" pitchFamily="2" charset="0"/>
               </a:rPr>
@@ -11682,7 +12058,13 @@
       </p:sp>
       <p:sp>
         <p:nvSpPr>
-          <p:cNvPr id="3" name="TextBox 2"/>
+          <p:cNvPr id="3" name="TextBox 2">
+            <a:extLst>
+              <a:ext uri="{FF2B5EF4-FFF2-40B4-BE49-F238E27FC236}">
+                <a16:creationId xmlns:a16="http://schemas.microsoft.com/office/drawing/2014/main" id="{4198D969-D329-01AA-E2CD-46095079A146}"/>
+              </a:ext>
+            </a:extLst>
+          </p:cNvPr>
           <p:cNvSpPr txBox="1"/>
           <p:nvPr/>
         </p:nvSpPr>
@@ -11745,7 +12127,7 @@
           <p:cNvPr id="15" name="Picture 14" descr="A close up of a sign&#10;&#10;Description automatically generated">
             <a:extLst>
               <a:ext uri="{FF2B5EF4-FFF2-40B4-BE49-F238E27FC236}">
-                <a16:creationId xmlns:a16="http://schemas.microsoft.com/office/drawing/2014/main" id="{29761B90-A7DE-4A60-A915-F085BD87CAB4}"/>
+                <a16:creationId xmlns:a16="http://schemas.microsoft.com/office/drawing/2014/main" id="{5C8F946F-E552-F110-00DE-C28829A340FA}"/>
               </a:ext>
             </a:extLst>
           </p:cNvPr>
@@ -11781,7 +12163,7 @@
           <p:cNvPr id="4" name="Picture 3" descr="A black background with a black square&#10;&#10;Description automatically generated with medium confidence">
             <a:extLst>
               <a:ext uri="{FF2B5EF4-FFF2-40B4-BE49-F238E27FC236}">
-                <a16:creationId xmlns:a16="http://schemas.microsoft.com/office/drawing/2014/main" id="{3A4FE4EE-E8BC-54A0-C7A8-3A7CC22B03FD}"/>
+                <a16:creationId xmlns:a16="http://schemas.microsoft.com/office/drawing/2014/main" id="{60BE2C2B-F655-E7BD-B514-9FAD21ED6990}"/>
               </a:ext>
             </a:extLst>
           </p:cNvPr>
@@ -11815,119 +12197,7 @@
     </p:spTree>
     <p:extLst>
       <p:ext uri="{BB962C8B-B14F-4D97-AF65-F5344CB8AC3E}">
-        <p14:creationId xmlns:p14="http://schemas.microsoft.com/office/powerpoint/2010/main" val="4278852698"/>
-      </p:ext>
-    </p:extLst>
-  </p:cSld>
-  <p:clrMapOvr>
-    <a:masterClrMapping/>
-  </p:clrMapOvr>
-</p:sld>
-</file>
-
-<file path=ppt/slides/slide5.xml><?xml version="1.0" encoding="utf-8"?>
-<p:sld xmlns:a="http://schemas.openxmlformats.org/drawingml/2006/main" xmlns:r="http://schemas.openxmlformats.org/officeDocument/2006/relationships" xmlns:p="http://schemas.openxmlformats.org/presentationml/2006/main">
-  <p:cSld>
-    <p:spTree>
-      <p:nvGrpSpPr>
-        <p:cNvPr id="1" name=""/>
-        <p:cNvGrpSpPr/>
-        <p:nvPr/>
-      </p:nvGrpSpPr>
-      <p:grpSpPr>
-        <a:xfrm>
-          <a:off x="0" y="0"/>
-          <a:ext cx="0" cy="0"/>
-          <a:chOff x="0" y="0"/>
-          <a:chExt cx="0" cy="0"/>
-        </a:xfrm>
-      </p:grpSpPr>
-      <p:sp>
-        <p:nvSpPr>
-          <p:cNvPr id="4" name="Rectangle 3"/>
-          <p:cNvSpPr/>
-          <p:nvPr/>
-        </p:nvSpPr>
-        <p:spPr>
-          <a:xfrm>
-            <a:off x="0" y="0"/>
-            <a:ext cx="18288000" cy="10287000"/>
-          </a:xfrm>
-          <a:prstGeom prst="rect">
-            <a:avLst/>
-          </a:prstGeom>
-          <a:solidFill>
-            <a:schemeClr val="bg1">
-              <a:lumMod val="50000"/>
-            </a:schemeClr>
-          </a:solidFill>
-          <a:ln>
-            <a:noFill/>
-          </a:ln>
-        </p:spPr>
-        <p:style>
-          <a:lnRef idx="2">
-            <a:schemeClr val="accent1">
-              <a:shade val="50000"/>
-            </a:schemeClr>
-          </a:lnRef>
-          <a:fillRef idx="1">
-            <a:schemeClr val="accent1"/>
-          </a:fillRef>
-          <a:effectRef idx="0">
-            <a:schemeClr val="accent1"/>
-          </a:effectRef>
-          <a:fontRef idx="minor">
-            <a:schemeClr val="lt1"/>
-          </a:fontRef>
-        </p:style>
-        <p:txBody>
-          <a:bodyPr rtlCol="0" anchor="ctr"/>
-          <a:lstStyle/>
-          <a:p>
-            <a:pPr algn="ctr"/>
-            <a:endParaRPr lang="en-US" sz="2700"/>
-          </a:p>
-        </p:txBody>
-      </p:sp>
-      <p:sp>
-        <p:nvSpPr>
-          <p:cNvPr id="5" name="TextBox 4"/>
-          <p:cNvSpPr txBox="1"/>
-          <p:nvPr/>
-        </p:nvSpPr>
-        <p:spPr>
-          <a:xfrm>
-            <a:off x="781292" y="590309"/>
-            <a:ext cx="15486926" cy="1615827"/>
-          </a:xfrm>
-          <a:prstGeom prst="rect">
-            <a:avLst/>
-          </a:prstGeom>
-          <a:noFill/>
-        </p:spPr>
-        <p:txBody>
-          <a:bodyPr wrap="square" rtlCol="0">
-            <a:spAutoFit/>
-          </a:bodyPr>
-          <a:lstStyle/>
-          <a:p>
-            <a:r>
-              <a:rPr lang="en-US" sz="9900" b="1" dirty="0">
-                <a:solidFill>
-                  <a:schemeClr val="bg1"/>
-                </a:solidFill>
-                <a:latin typeface="Normafixed Tryout" panose="00000409000000000000"/>
-              </a:rPr>
-              <a:t>Copilot for Excel</a:t>
-            </a:r>
-          </a:p>
-        </p:txBody>
-      </p:sp>
-    </p:spTree>
-    <p:extLst>
-      <p:ext uri="{BB962C8B-B14F-4D97-AF65-F5344CB8AC3E}">
-        <p14:creationId xmlns:p14="http://schemas.microsoft.com/office/powerpoint/2010/main" val="4027644425"/>
+        <p14:creationId xmlns:p14="http://schemas.microsoft.com/office/powerpoint/2010/main" val="4293474399"/>
       </p:ext>
     </p:extLst>
   </p:cSld>
@@ -11969,7 +12239,9 @@
             <a:avLst/>
           </a:prstGeom>
           <a:solidFill>
-            <a:srgbClr val="CF3338"/>
+            <a:schemeClr val="bg1">
+              <a:lumMod val="50000"/>
+            </a:schemeClr>
           </a:solidFill>
           <a:ln>
             <a:noFill/>
@@ -12009,7 +12281,7 @@
         <p:spPr>
           <a:xfrm>
             <a:off x="781292" y="590309"/>
-            <a:ext cx="15486926" cy="3139321"/>
+            <a:ext cx="15486926" cy="1615827"/>
           </a:xfrm>
           <a:prstGeom prst="rect">
             <a:avLst/>
@@ -12027,9 +12299,9 @@
                 <a:solidFill>
                   <a:schemeClr val="bg1"/>
                 </a:solidFill>
-                <a:latin typeface="Normafixed Tryout" panose="00000409000000000000" pitchFamily="49" charset="0"/>
-              </a:rPr>
-              <a:t>1. Data manipulation with Copilot</a:t>
+                <a:latin typeface="Normafixed Tryout" panose="00000409000000000000"/>
+              </a:rPr>
+              <a:t>Copilot for Excel</a:t>
             </a:r>
           </a:p>
         </p:txBody>
@@ -12037,7 +12309,7 @@
     </p:spTree>
     <p:extLst>
       <p:ext uri="{BB962C8B-B14F-4D97-AF65-F5344CB8AC3E}">
-        <p14:creationId xmlns:p14="http://schemas.microsoft.com/office/powerpoint/2010/main" val="499476257"/>
+        <p14:creationId xmlns:p14="http://schemas.microsoft.com/office/powerpoint/2010/main" val="4027644425"/>
       </p:ext>
     </p:extLst>
   </p:cSld>
@@ -12072,8 +12344,8 @@
         </p:nvSpPr>
         <p:spPr>
           <a:xfrm>
-            <a:off x="9861630" y="0"/>
-            <a:ext cx="8426370" cy="10287000"/>
+            <a:off x="0" y="0"/>
+            <a:ext cx="18288000" cy="10287000"/>
           </a:xfrm>
           <a:prstGeom prst="rect">
             <a:avLst/>
@@ -12110,45 +12382,16 @@
           </a:p>
         </p:txBody>
       </p:sp>
-      <p:pic>
-        <p:nvPicPr>
-          <p:cNvPr id="2" name="Picture 1"/>
-          <p:cNvPicPr>
-            <a:picLocks noChangeAspect="1"/>
-          </p:cNvPicPr>
-          <p:nvPr/>
-        </p:nvPicPr>
-        <p:blipFill rotWithShape="1">
-          <a:blip r:embed="rId3">
-            <a:extLst>
-              <a:ext uri="{28A0092B-C50C-407E-A947-70E740481C1C}">
-                <a14:useLocalDpi xmlns:a14="http://schemas.microsoft.com/office/drawing/2010/main" val="0"/>
-              </a:ext>
-            </a:extLst>
-          </a:blip>
-          <a:srcRect l="69227" t="33418" r="20112" b="50548"/>
-          <a:stretch/>
-        </p:blipFill>
-        <p:spPr>
-          <a:xfrm>
-            <a:off x="15579524" y="7544693"/>
-            <a:ext cx="2708477" cy="2987579"/>
-          </a:xfrm>
-          <a:prstGeom prst="rect">
-            <a:avLst/>
-          </a:prstGeom>
-        </p:spPr>
-      </p:pic>
-      <p:sp>
-        <p:nvSpPr>
-          <p:cNvPr id="3" name="TextBox 2"/>
+      <p:sp>
+        <p:nvSpPr>
+          <p:cNvPr id="5" name="TextBox 4"/>
           <p:cNvSpPr txBox="1"/>
           <p:nvPr/>
         </p:nvSpPr>
         <p:spPr>
           <a:xfrm>
-            <a:off x="260431" y="329879"/>
-            <a:ext cx="8906720" cy="7399462"/>
+            <a:off x="781292" y="590309"/>
+            <a:ext cx="15486926" cy="3139321"/>
           </a:xfrm>
           <a:prstGeom prst="rect">
             <a:avLst/>
@@ -12162,178 +12405,21 @@
           <a:lstStyle/>
           <a:p>
             <a:r>
-              <a:rPr lang="en-US" sz="6000" b="1" dirty="0">
-                <a:solidFill>
-                  <a:srgbClr val="CF3338"/>
-                </a:solidFill>
-                <a:latin typeface="Pragmatica" panose="020B0403040502020204" pitchFamily="34" charset="0"/>
-              </a:rPr>
-              <a:t>Data manipulation with Copilot</a:t>
-            </a:r>
-          </a:p>
-          <a:p>
-            <a:endParaRPr lang="en-US" sz="4200" dirty="0">
-              <a:solidFill>
-                <a:srgbClr val="CF3338"/>
-              </a:solidFill>
-              <a:latin typeface="Pragmatica" panose="020B0403040502020204" pitchFamily="34" charset="0"/>
-            </a:endParaRPr>
-          </a:p>
-          <a:p>
-            <a:pPr marL="685800" indent="-542925">
-              <a:lnSpc>
-                <a:spcPct val="115000"/>
-              </a:lnSpc>
-              <a:spcBef>
-                <a:spcPts val="1125"/>
-              </a:spcBef>
-              <a:buClr>
-                <a:srgbClr val="C00000"/>
-              </a:buClr>
-              <a:buSzPts val="2100"/>
-              <a:buFont typeface="Arial"/>
-              <a:buAutoNum type="arabicPeriod"/>
-            </a:pPr>
-            <a:r>
-              <a:rPr lang="en-US" sz="3600" dirty="0">
-                <a:solidFill>
-                  <a:srgbClr val="C00000"/>
-                </a:solidFill>
-                <a:latin typeface="Pragmatica" panose="020B0403040502020204"/>
-                <a:sym typeface="Consolas"/>
-              </a:rPr>
-              <a:t>Getting data into Copilot</a:t>
-            </a:r>
-          </a:p>
-          <a:p>
-            <a:pPr marL="685800" indent="-542925">
-              <a:lnSpc>
-                <a:spcPct val="115000"/>
-              </a:lnSpc>
-              <a:spcBef>
-                <a:spcPts val="1125"/>
-              </a:spcBef>
-              <a:buClr>
-                <a:srgbClr val="C00000"/>
-              </a:buClr>
-              <a:buSzPts val="2100"/>
-              <a:buFont typeface="Arial"/>
-              <a:buAutoNum type="arabicPeriod"/>
-            </a:pPr>
-            <a:r>
-              <a:rPr lang="en-US" sz="3600" dirty="0">
-                <a:solidFill>
-                  <a:srgbClr val="C00000"/>
-                </a:solidFill>
-                <a:latin typeface="Pragmatica" panose="020B0403040502020204"/>
-                <a:sym typeface="Consolas"/>
-              </a:rPr>
-              <a:t>A tour of the Copilot editor</a:t>
-            </a:r>
-          </a:p>
-          <a:p>
-            <a:pPr marL="685800" indent="-542925">
-              <a:lnSpc>
-                <a:spcPct val="115000"/>
-              </a:lnSpc>
-              <a:spcBef>
-                <a:spcPts val="1125"/>
-              </a:spcBef>
-              <a:buClr>
-                <a:srgbClr val="C00000"/>
-              </a:buClr>
-              <a:buSzPts val="2100"/>
-              <a:buFont typeface="Arial"/>
-              <a:buAutoNum type="arabicPeriod"/>
-            </a:pPr>
-            <a:r>
-              <a:rPr lang="en-US" sz="3600" dirty="0">
-                <a:solidFill>
-                  <a:srgbClr val="C00000"/>
-                </a:solidFill>
-                <a:latin typeface="Pragmatica" panose="020B0403040502020204"/>
-                <a:sym typeface="Consolas"/>
-              </a:rPr>
-              <a:t>Table formatting with Copilot</a:t>
-            </a:r>
-          </a:p>
-          <a:p>
-            <a:pPr marL="685800" indent="-542925">
-              <a:lnSpc>
-                <a:spcPct val="115000"/>
-              </a:lnSpc>
-              <a:spcBef>
-                <a:spcPts val="1125"/>
-              </a:spcBef>
-              <a:buClr>
-                <a:srgbClr val="C00000"/>
-              </a:buClr>
-              <a:buSzPts val="2100"/>
-              <a:buFont typeface="Arial"/>
-              <a:buAutoNum type="arabicPeriod"/>
-            </a:pPr>
-            <a:endParaRPr lang="en-US" sz="3600" dirty="0">
-              <a:solidFill>
-                <a:srgbClr val="C00000"/>
-              </a:solidFill>
-              <a:latin typeface="Pragmatica" panose="020B0403040502020204"/>
-              <a:sym typeface="Consolas"/>
-            </a:endParaRPr>
-          </a:p>
-          <a:p>
-            <a:pPr marL="142875">
-              <a:lnSpc>
-                <a:spcPct val="115000"/>
-              </a:lnSpc>
-              <a:spcBef>
-                <a:spcPts val="1125"/>
-              </a:spcBef>
-              <a:buClr>
-                <a:srgbClr val="C00000"/>
-              </a:buClr>
-              <a:buSzPts val="2100"/>
-            </a:pPr>
-            <a:r>
-              <a:rPr lang="en-US" sz="3600" dirty="0">
-                <a:solidFill>
-                  <a:srgbClr val="C00000"/>
-                </a:solidFill>
-                <a:latin typeface="Pragmatica" panose="020B0403040502020204"/>
-                <a:sym typeface="Consolas"/>
-              </a:rPr>
-              <a:t>File: </a:t>
-            </a:r>
-            <a:r>
-              <a:rPr lang="en-US" sz="3600" dirty="0">
-                <a:solidFill>
-                  <a:srgbClr val="C00000"/>
-                </a:solidFill>
-                <a:latin typeface="Consolas" panose="020B0609020204030204" pitchFamily="49" charset="0"/>
-                <a:sym typeface="Consolas"/>
-              </a:rPr>
-              <a:t>copilot-data-manipulation.xlsx</a:t>
-            </a:r>
-            <a:endParaRPr lang="en-US" sz="6000" dirty="0">
-              <a:solidFill>
-                <a:srgbClr val="CF3338"/>
-              </a:solidFill>
-              <a:latin typeface="Consolas" panose="020B0609020204030204" pitchFamily="49" charset="0"/>
-            </a:endParaRPr>
-          </a:p>
-          <a:p>
-            <a:endParaRPr lang="en-US" sz="6000" dirty="0">
-              <a:solidFill>
-                <a:srgbClr val="CF3338"/>
-              </a:solidFill>
-              <a:latin typeface="Pragmatica" panose="020B0403040502020204" pitchFamily="34" charset="0"/>
-            </a:endParaRPr>
+              <a:rPr lang="en-US" sz="9900" b="1" dirty="0">
+                <a:solidFill>
+                  <a:schemeClr val="bg1"/>
+                </a:solidFill>
+                <a:latin typeface="Normafixed Tryout" panose="00000409000000000000" pitchFamily="49" charset="0"/>
+              </a:rPr>
+              <a:t>1. Data manipulation with Copilot</a:t>
+            </a:r>
           </a:p>
         </p:txBody>
       </p:sp>
     </p:spTree>
     <p:extLst>
       <p:ext uri="{BB962C8B-B14F-4D97-AF65-F5344CB8AC3E}">
-        <p14:creationId xmlns:p14="http://schemas.microsoft.com/office/powerpoint/2010/main" val="2797489597"/>
+        <p14:creationId xmlns:p14="http://schemas.microsoft.com/office/powerpoint/2010/main" val="499476257"/>
       </p:ext>
     </p:extLst>
   </p:cSld>
@@ -12444,7 +12530,7 @@
         <p:spPr>
           <a:xfrm>
             <a:off x="260431" y="329879"/>
-            <a:ext cx="8906720" cy="10867077"/>
+            <a:ext cx="8906720" cy="7399462"/>
           </a:xfrm>
           <a:prstGeom prst="rect">
             <a:avLst/>
@@ -12464,7 +12550,7 @@
                 </a:solidFill>
                 <a:latin typeface="Pragmatica" panose="020B0403040502020204" pitchFamily="34" charset="0"/>
               </a:rPr>
-              <a:t>AI-powered data manipulation EXERCISE</a:t>
+              <a:t>Data manipulation with Copilot</a:t>
             </a:r>
           </a:p>
           <a:p>
@@ -12498,7 +12584,7 @@
                 <a:latin typeface="Pragmatica" panose="020B0403040502020204"/>
                 <a:sym typeface="Consolas"/>
               </a:rPr>
-              <a:t>Set up the data for Copilot </a:t>
+              <a:t>Getting data into Copilot</a:t>
             </a:r>
           </a:p>
           <a:p>
@@ -12524,27 +12610,7 @@
                 <a:latin typeface="Pragmatica" panose="020B0403040502020204"/>
                 <a:sym typeface="Consolas"/>
               </a:rPr>
-              <a:t>Format the date column in mm/dd/</a:t>
-            </a:r>
-            <a:r>
-              <a:rPr lang="en-US" sz="3600" dirty="0" err="1">
-                <a:solidFill>
-                  <a:srgbClr val="C00000"/>
-                </a:solidFill>
-                <a:latin typeface="Pragmatica" panose="020B0403040502020204"/>
-                <a:sym typeface="Consolas"/>
-              </a:rPr>
-              <a:t>yyyy</a:t>
-            </a:r>
-            <a:r>
-              <a:rPr lang="en-US" sz="3600" dirty="0">
-                <a:solidFill>
-                  <a:srgbClr val="C00000"/>
-                </a:solidFill>
-                <a:latin typeface="Pragmatica" panose="020B0403040502020204"/>
-                <a:sym typeface="Consolas"/>
-              </a:rPr>
-              <a:t> format</a:t>
+              <a:t>A tour of the Copilot editor</a:t>
             </a:r>
           </a:p>
           <a:p>
@@ -12570,7 +12636,7 @@
                 <a:latin typeface="Pragmatica" panose="020B0403040502020204"/>
                 <a:sym typeface="Consolas"/>
               </a:rPr>
-              <a:t>Format price and sales columns as currency</a:t>
+              <a:t>Table formatting with Copilot</a:t>
             </a:r>
           </a:p>
           <a:p>
@@ -12588,42 +12654,13 @@
               <a:buFont typeface="Arial"/>
               <a:buAutoNum type="arabicPeriod"/>
             </a:pPr>
-            <a:r>
-              <a:rPr lang="en-US" sz="3600" dirty="0">
-                <a:solidFill>
-                  <a:srgbClr val="C00000"/>
-                </a:solidFill>
-                <a:latin typeface="Pragmatica" panose="020B0403040502020204"/>
-                <a:sym typeface="Consolas"/>
-              </a:rPr>
-              <a:t>Add footer to display total sales</a:t>
-            </a:r>
-          </a:p>
-          <a:p>
-            <a:pPr marL="685800" indent="-542925">
-              <a:lnSpc>
-                <a:spcPct val="115000"/>
-              </a:lnSpc>
-              <a:spcBef>
-                <a:spcPts val="1125"/>
-              </a:spcBef>
-              <a:buClr>
+            <a:endParaRPr lang="en-US" sz="3600" dirty="0">
+              <a:solidFill>
                 <a:srgbClr val="C00000"/>
-              </a:buClr>
-              <a:buSzPts val="2100"/>
-              <a:buFont typeface="Arial"/>
-              <a:buAutoNum type="arabicPeriod"/>
-            </a:pPr>
-            <a:r>
-              <a:rPr lang="en-US" sz="3600" dirty="0">
-                <a:solidFill>
-                  <a:srgbClr val="C00000"/>
-                </a:solidFill>
-                <a:latin typeface="Pragmatica" panose="020B0403040502020204"/>
-                <a:sym typeface="Consolas"/>
-              </a:rPr>
-              <a:t>Set table’s font size to 30</a:t>
-            </a:r>
+              </a:solidFill>
+              <a:latin typeface="Pragmatica" panose="020B0403040502020204"/>
+              <a:sym typeface="Consolas"/>
+            </a:endParaRPr>
           </a:p>
           <a:p>
             <a:pPr marL="142875">
@@ -12638,27 +12675,6 @@
               </a:buClr>
               <a:buSzPts val="2100"/>
             </a:pPr>
-            <a:endParaRPr lang="en-US" sz="3600" dirty="0">
-              <a:solidFill>
-                <a:srgbClr val="C00000"/>
-              </a:solidFill>
-              <a:latin typeface="Pragmatica" panose="020B0403040502020204"/>
-              <a:sym typeface="Consolas"/>
-            </a:endParaRPr>
-          </a:p>
-          <a:p>
-            <a:pPr marL="142875">
-              <a:lnSpc>
-                <a:spcPct val="115000"/>
-              </a:lnSpc>
-              <a:spcBef>
-                <a:spcPts val="1125"/>
-              </a:spcBef>
-              <a:buClr>
-                <a:srgbClr val="C00000"/>
-              </a:buClr>
-              <a:buSzPts val="2100"/>
-            </a:pPr>
             <a:r>
               <a:rPr lang="en-US" sz="3600" dirty="0">
                 <a:solidFill>
@@ -12677,7 +12693,7 @@
                 <a:latin typeface="Consolas" panose="020B0609020204030204" pitchFamily="49" charset="0"/>
                 <a:sym typeface="Consolas"/>
               </a:rPr>
-              <a:t>copilot-data-manipulation-challenge.xlsx</a:t>
+              <a:t>copilot-data-manipulation.xlsx</a:t>
             </a:r>
             <a:endParaRPr lang="en-US" sz="6000" dirty="0">
               <a:solidFill>
@@ -12699,7 +12715,7 @@
     </p:spTree>
     <p:extLst>
       <p:ext uri="{BB962C8B-B14F-4D97-AF65-F5344CB8AC3E}">
-        <p14:creationId xmlns:p14="http://schemas.microsoft.com/office/powerpoint/2010/main" val="1034455944"/>
+        <p14:creationId xmlns:p14="http://schemas.microsoft.com/office/powerpoint/2010/main" val="2797489597"/>
       </p:ext>
     </p:extLst>
   </p:cSld>
@@ -12726,44 +12742,61 @@
           <a:chExt cx="0" cy="0"/>
         </a:xfrm>
       </p:grpSpPr>
+      <p:sp>
+        <p:nvSpPr>
+          <p:cNvPr id="4" name="Rectangle 3"/>
+          <p:cNvSpPr/>
+          <p:nvPr/>
+        </p:nvSpPr>
+        <p:spPr>
+          <a:xfrm>
+            <a:off x="9861630" y="0"/>
+            <a:ext cx="8426370" cy="10287000"/>
+          </a:xfrm>
+          <a:prstGeom prst="rect">
+            <a:avLst/>
+          </a:prstGeom>
+          <a:solidFill>
+            <a:srgbClr val="CF3338"/>
+          </a:solidFill>
+          <a:ln>
+            <a:noFill/>
+          </a:ln>
+        </p:spPr>
+        <p:style>
+          <a:lnRef idx="2">
+            <a:schemeClr val="accent1">
+              <a:shade val="50000"/>
+            </a:schemeClr>
+          </a:lnRef>
+          <a:fillRef idx="1">
+            <a:schemeClr val="accent1"/>
+          </a:fillRef>
+          <a:effectRef idx="0">
+            <a:schemeClr val="accent1"/>
+          </a:effectRef>
+          <a:fontRef idx="minor">
+            <a:schemeClr val="lt1"/>
+          </a:fontRef>
+        </p:style>
+        <p:txBody>
+          <a:bodyPr rtlCol="0" anchor="ctr"/>
+          <a:lstStyle/>
+          <a:p>
+            <a:pPr algn="ctr"/>
+            <a:endParaRPr lang="en-US" sz="2700"/>
+          </a:p>
+        </p:txBody>
+      </p:sp>
       <p:pic>
         <p:nvPicPr>
-          <p:cNvPr id="10" name="Picture 9"/>
+          <p:cNvPr id="2" name="Picture 1"/>
           <p:cNvPicPr>
             <a:picLocks noChangeAspect="1"/>
           </p:cNvPicPr>
           <p:nvPr/>
         </p:nvPicPr>
         <p:blipFill rotWithShape="1">
-          <a:blip r:embed="rId2">
-            <a:extLst>
-              <a:ext uri="{28A0092B-C50C-407E-A947-70E740481C1C}">
-                <a14:useLocalDpi xmlns:a14="http://schemas.microsoft.com/office/drawing/2010/main" val="0"/>
-              </a:ext>
-            </a:extLst>
-          </a:blip>
-          <a:srcRect l="50728" t="56371"/>
-          <a:stretch/>
-        </p:blipFill>
-        <p:spPr>
-          <a:xfrm>
-            <a:off x="12204691" y="3316148"/>
-            <a:ext cx="6083309" cy="6970854"/>
-          </a:xfrm>
-          <a:prstGeom prst="rect">
-            <a:avLst/>
-          </a:prstGeom>
-        </p:spPr>
-      </p:pic>
-      <p:pic>
-        <p:nvPicPr>
-          <p:cNvPr id="4" name="Picture 3"/>
-          <p:cNvPicPr>
-            <a:picLocks noChangeAspect="1"/>
-          </p:cNvPicPr>
-          <p:nvPr/>
-        </p:nvPicPr>
-        <p:blipFill>
           <a:blip r:embed="rId3">
             <a:extLst>
               <a:ext uri="{28A0092B-C50C-407E-A947-70E740481C1C}">
@@ -12771,14 +12804,13 @@
               </a:ext>
             </a:extLst>
           </a:blip>
-          <a:stretch>
-            <a:fillRect/>
-          </a:stretch>
+          <a:srcRect l="69227" t="33418" r="20112" b="50548"/>
+          <a:stretch/>
         </p:blipFill>
         <p:spPr>
           <a:xfrm>
-            <a:off x="-807744" y="-3724155"/>
-            <a:ext cx="15257208" cy="11189825"/>
+            <a:off x="15579524" y="7544693"/>
+            <a:ext cx="2708477" cy="2987579"/>
           </a:xfrm>
           <a:prstGeom prst="rect">
             <a:avLst/>
@@ -12787,14 +12819,14 @@
       </p:pic>
       <p:sp>
         <p:nvSpPr>
-          <p:cNvPr id="11" name="TextBox 10"/>
+          <p:cNvPr id="3" name="TextBox 2"/>
           <p:cNvSpPr txBox="1"/>
           <p:nvPr/>
         </p:nvSpPr>
         <p:spPr>
           <a:xfrm>
-            <a:off x="486137" y="2531318"/>
-            <a:ext cx="11979797" cy="923330"/>
+            <a:off x="260431" y="329879"/>
+            <a:ext cx="8906720" cy="10867077"/>
           </a:xfrm>
           <a:prstGeom prst="rect">
             <a:avLst/>
@@ -12808,56 +12840,248 @@
           <a:lstStyle/>
           <a:p>
             <a:r>
-              <a:rPr lang="en-US" sz="5400" b="1" dirty="0">
+              <a:rPr lang="en-US" sz="6000" b="1" dirty="0">
                 <a:solidFill>
                   <a:srgbClr val="CF3338"/>
                 </a:solidFill>
                 <a:latin typeface="Pragmatica" panose="020B0403040502020204" pitchFamily="34" charset="0"/>
               </a:rPr>
-              <a:t>Questions?</a:t>
-            </a:r>
-          </a:p>
-        </p:txBody>
-      </p:sp>
-      <p:pic>
-        <p:nvPicPr>
-          <p:cNvPr id="5" name="Picture 4">
-            <a:extLst>
-              <a:ext uri="{FF2B5EF4-FFF2-40B4-BE49-F238E27FC236}">
-                <a16:creationId xmlns:a16="http://schemas.microsoft.com/office/drawing/2014/main" id="{54A06221-5316-4BCF-9FDA-BDB95FF4A778}"/>
-              </a:ext>
-            </a:extLst>
-          </p:cNvPr>
-          <p:cNvPicPr>
-            <a:picLocks noChangeAspect="1"/>
-          </p:cNvPicPr>
-          <p:nvPr/>
-        </p:nvPicPr>
-        <p:blipFill>
-          <a:blip r:embed="rId4">
-            <a:extLst>
-              <a:ext uri="{28A0092B-C50C-407E-A947-70E740481C1C}">
-                <a14:useLocalDpi xmlns:a14="http://schemas.microsoft.com/office/drawing/2010/main" val="0"/>
-              </a:ext>
-            </a:extLst>
-          </a:blip>
-          <a:srcRect/>
-          <a:stretch/>
-        </p:blipFill>
-        <p:spPr>
-          <a:xfrm>
-            <a:off x="12204691" y="3317239"/>
-            <a:ext cx="6083309" cy="6968672"/>
-          </a:xfrm>
-          <a:prstGeom prst="rect">
-            <a:avLst/>
-          </a:prstGeom>
-        </p:spPr>
-      </p:pic>
+              <a:t>AI-powered data manipulation EXERCISE</a:t>
+            </a:r>
+          </a:p>
+          <a:p>
+            <a:endParaRPr lang="en-US" sz="4200" dirty="0">
+              <a:solidFill>
+                <a:srgbClr val="CF3338"/>
+              </a:solidFill>
+              <a:latin typeface="Pragmatica" panose="020B0403040502020204" pitchFamily="34" charset="0"/>
+            </a:endParaRPr>
+          </a:p>
+          <a:p>
+            <a:pPr marL="685800" indent="-542925">
+              <a:lnSpc>
+                <a:spcPct val="115000"/>
+              </a:lnSpc>
+              <a:spcBef>
+                <a:spcPts val="1125"/>
+              </a:spcBef>
+              <a:buClr>
+                <a:srgbClr val="C00000"/>
+              </a:buClr>
+              <a:buSzPts val="2100"/>
+              <a:buFont typeface="Arial"/>
+              <a:buAutoNum type="arabicPeriod"/>
+            </a:pPr>
+            <a:r>
+              <a:rPr lang="en-US" sz="3600" dirty="0">
+                <a:solidFill>
+                  <a:srgbClr val="C00000"/>
+                </a:solidFill>
+                <a:latin typeface="Pragmatica" panose="020B0403040502020204"/>
+                <a:sym typeface="Consolas"/>
+              </a:rPr>
+              <a:t>Set up the data for Copilot </a:t>
+            </a:r>
+          </a:p>
+          <a:p>
+            <a:pPr marL="685800" indent="-542925">
+              <a:lnSpc>
+                <a:spcPct val="115000"/>
+              </a:lnSpc>
+              <a:spcBef>
+                <a:spcPts val="1125"/>
+              </a:spcBef>
+              <a:buClr>
+                <a:srgbClr val="C00000"/>
+              </a:buClr>
+              <a:buSzPts val="2100"/>
+              <a:buFont typeface="Arial"/>
+              <a:buAutoNum type="arabicPeriod"/>
+            </a:pPr>
+            <a:r>
+              <a:rPr lang="en-US" sz="3600" dirty="0">
+                <a:solidFill>
+                  <a:srgbClr val="C00000"/>
+                </a:solidFill>
+                <a:latin typeface="Pragmatica" panose="020B0403040502020204"/>
+                <a:sym typeface="Consolas"/>
+              </a:rPr>
+              <a:t>Format the date column in mm/dd/</a:t>
+            </a:r>
+            <a:r>
+              <a:rPr lang="en-US" sz="3600" dirty="0" err="1">
+                <a:solidFill>
+                  <a:srgbClr val="C00000"/>
+                </a:solidFill>
+                <a:latin typeface="Pragmatica" panose="020B0403040502020204"/>
+                <a:sym typeface="Consolas"/>
+              </a:rPr>
+              <a:t>yyyy</a:t>
+            </a:r>
+            <a:r>
+              <a:rPr lang="en-US" sz="3600" dirty="0">
+                <a:solidFill>
+                  <a:srgbClr val="C00000"/>
+                </a:solidFill>
+                <a:latin typeface="Pragmatica" panose="020B0403040502020204"/>
+                <a:sym typeface="Consolas"/>
+              </a:rPr>
+              <a:t> format</a:t>
+            </a:r>
+          </a:p>
+          <a:p>
+            <a:pPr marL="685800" indent="-542925">
+              <a:lnSpc>
+                <a:spcPct val="115000"/>
+              </a:lnSpc>
+              <a:spcBef>
+                <a:spcPts val="1125"/>
+              </a:spcBef>
+              <a:buClr>
+                <a:srgbClr val="C00000"/>
+              </a:buClr>
+              <a:buSzPts val="2100"/>
+              <a:buFont typeface="Arial"/>
+              <a:buAutoNum type="arabicPeriod"/>
+            </a:pPr>
+            <a:r>
+              <a:rPr lang="en-US" sz="3600" dirty="0">
+                <a:solidFill>
+                  <a:srgbClr val="C00000"/>
+                </a:solidFill>
+                <a:latin typeface="Pragmatica" panose="020B0403040502020204"/>
+                <a:sym typeface="Consolas"/>
+              </a:rPr>
+              <a:t>Format price and sales columns as currency</a:t>
+            </a:r>
+          </a:p>
+          <a:p>
+            <a:pPr marL="685800" indent="-542925">
+              <a:lnSpc>
+                <a:spcPct val="115000"/>
+              </a:lnSpc>
+              <a:spcBef>
+                <a:spcPts val="1125"/>
+              </a:spcBef>
+              <a:buClr>
+                <a:srgbClr val="C00000"/>
+              </a:buClr>
+              <a:buSzPts val="2100"/>
+              <a:buFont typeface="Arial"/>
+              <a:buAutoNum type="arabicPeriod"/>
+            </a:pPr>
+            <a:r>
+              <a:rPr lang="en-US" sz="3600" dirty="0">
+                <a:solidFill>
+                  <a:srgbClr val="C00000"/>
+                </a:solidFill>
+                <a:latin typeface="Pragmatica" panose="020B0403040502020204"/>
+                <a:sym typeface="Consolas"/>
+              </a:rPr>
+              <a:t>Add footer to display total sales</a:t>
+            </a:r>
+          </a:p>
+          <a:p>
+            <a:pPr marL="685800" indent="-542925">
+              <a:lnSpc>
+                <a:spcPct val="115000"/>
+              </a:lnSpc>
+              <a:spcBef>
+                <a:spcPts val="1125"/>
+              </a:spcBef>
+              <a:buClr>
+                <a:srgbClr val="C00000"/>
+              </a:buClr>
+              <a:buSzPts val="2100"/>
+              <a:buFont typeface="Arial"/>
+              <a:buAutoNum type="arabicPeriod"/>
+            </a:pPr>
+            <a:r>
+              <a:rPr lang="en-US" sz="3600" dirty="0">
+                <a:solidFill>
+                  <a:srgbClr val="C00000"/>
+                </a:solidFill>
+                <a:latin typeface="Pragmatica" panose="020B0403040502020204"/>
+                <a:sym typeface="Consolas"/>
+              </a:rPr>
+              <a:t>Set table’s font size to 30</a:t>
+            </a:r>
+          </a:p>
+          <a:p>
+            <a:pPr marL="142875">
+              <a:lnSpc>
+                <a:spcPct val="115000"/>
+              </a:lnSpc>
+              <a:spcBef>
+                <a:spcPts val="1125"/>
+              </a:spcBef>
+              <a:buClr>
+                <a:srgbClr val="C00000"/>
+              </a:buClr>
+              <a:buSzPts val="2100"/>
+            </a:pPr>
+            <a:endParaRPr lang="en-US" sz="3600" dirty="0">
+              <a:solidFill>
+                <a:srgbClr val="C00000"/>
+              </a:solidFill>
+              <a:latin typeface="Pragmatica" panose="020B0403040502020204"/>
+              <a:sym typeface="Consolas"/>
+            </a:endParaRPr>
+          </a:p>
+          <a:p>
+            <a:pPr marL="142875">
+              <a:lnSpc>
+                <a:spcPct val="115000"/>
+              </a:lnSpc>
+              <a:spcBef>
+                <a:spcPts val="1125"/>
+              </a:spcBef>
+              <a:buClr>
+                <a:srgbClr val="C00000"/>
+              </a:buClr>
+              <a:buSzPts val="2100"/>
+            </a:pPr>
+            <a:r>
+              <a:rPr lang="en-US" sz="3600" dirty="0">
+                <a:solidFill>
+                  <a:srgbClr val="C00000"/>
+                </a:solidFill>
+                <a:latin typeface="Pragmatica" panose="020B0403040502020204"/>
+                <a:sym typeface="Consolas"/>
+              </a:rPr>
+              <a:t>File: </a:t>
+            </a:r>
+            <a:r>
+              <a:rPr lang="en-US" sz="3600" dirty="0">
+                <a:solidFill>
+                  <a:srgbClr val="C00000"/>
+                </a:solidFill>
+                <a:latin typeface="Consolas" panose="020B0609020204030204" pitchFamily="49" charset="0"/>
+                <a:sym typeface="Consolas"/>
+              </a:rPr>
+              <a:t>copilot-data-manipulation-challenge.xlsx</a:t>
+            </a:r>
+            <a:endParaRPr lang="en-US" sz="6000" dirty="0">
+              <a:solidFill>
+                <a:srgbClr val="CF3338"/>
+              </a:solidFill>
+              <a:latin typeface="Consolas" panose="020B0609020204030204" pitchFamily="49" charset="0"/>
+            </a:endParaRPr>
+          </a:p>
+          <a:p>
+            <a:endParaRPr lang="en-US" sz="6000" dirty="0">
+              <a:solidFill>
+                <a:srgbClr val="CF3338"/>
+              </a:solidFill>
+              <a:latin typeface="Pragmatica" panose="020B0403040502020204" pitchFamily="34" charset="0"/>
+            </a:endParaRPr>
+          </a:p>
+        </p:txBody>
+      </p:sp>
     </p:spTree>
     <p:extLst>
       <p:ext uri="{BB962C8B-B14F-4D97-AF65-F5344CB8AC3E}">
-        <p14:creationId xmlns:p14="http://schemas.microsoft.com/office/powerpoint/2010/main" val="2683774385"/>
+        <p14:creationId xmlns:p14="http://schemas.microsoft.com/office/powerpoint/2010/main" val="1034455944"/>
       </p:ext>
     </p:extLst>
   </p:cSld>

--- a/xlgs-python-excel-copilot-slides.pptx
+++ b/xlgs-python-excel-copilot-slides.pptx
@@ -11,8 +11,8 @@
     <p:sldId id="256" r:id="rId2"/>
     <p:sldId id="358" r:id="rId3"/>
     <p:sldId id="258" r:id="rId4"/>
-    <p:sldId id="425" r:id="rId5"/>
-    <p:sldId id="426" r:id="rId6"/>
+    <p:sldId id="426" r:id="rId5"/>
+    <p:sldId id="425" r:id="rId6"/>
     <p:sldId id="394" r:id="rId7"/>
     <p:sldId id="364" r:id="rId8"/>
     <p:sldId id="378" r:id="rId9"/>
@@ -40,8 +40,8 @@
     <p:sldId id="409" r:id="rId31"/>
     <p:sldId id="410" r:id="rId32"/>
     <p:sldId id="416" r:id="rId33"/>
-    <p:sldId id="411" r:id="rId34"/>
-    <p:sldId id="265" r:id="rId35"/>
+    <p:sldId id="428" r:id="rId34"/>
+    <p:sldId id="427" r:id="rId35"/>
   </p:sldIdLst>
   <p:sldSz cx="18288000" cy="10287000"/>
   <p:notesSz cx="6858000" cy="9144000"/>
@@ -268,7 +268,7 @@
           <a:p>
             <a:fld id="{17A98A70-FA8C-4354-959C-C70678AC9BCF}" type="datetimeFigureOut">
               <a:rPr lang="en-US" smtClean="0"/>
-              <a:t>10/18/2024</a:t>
+              <a:t>1/22/2025</a:t>
             </a:fld>
             <a:endParaRPr lang="en-US"/>
           </a:p>
@@ -1183,114 +1183,6 @@
 </p:notes>
 </file>
 
-<file path=ppt/notesSlides/notesSlide15.xml><?xml version="1.0" encoding="utf-8"?>
-<p:notes xmlns:a="http://schemas.openxmlformats.org/drawingml/2006/main" xmlns:r="http://schemas.openxmlformats.org/officeDocument/2006/relationships" xmlns:p="http://schemas.openxmlformats.org/presentationml/2006/main">
-  <p:cSld>
-    <p:spTree>
-      <p:nvGrpSpPr>
-        <p:cNvPr id="1" name=""/>
-        <p:cNvGrpSpPr/>
-        <p:nvPr/>
-      </p:nvGrpSpPr>
-      <p:grpSpPr>
-        <a:xfrm>
-          <a:off x="0" y="0"/>
-          <a:ext cx="0" cy="0"/>
-          <a:chOff x="0" y="0"/>
-          <a:chExt cx="0" cy="0"/>
-        </a:xfrm>
-      </p:grpSpPr>
-      <p:sp>
-        <p:nvSpPr>
-          <p:cNvPr id="2" name="Slide Image Placeholder 1"/>
-          <p:cNvSpPr>
-            <a:spLocks noGrp="1" noRot="1" noChangeAspect="1"/>
-          </p:cNvSpPr>
-          <p:nvPr>
-            <p:ph type="sldImg"/>
-          </p:nvPr>
-        </p:nvSpPr>
-        <p:spPr/>
-      </p:sp>
-      <p:sp>
-        <p:nvSpPr>
-          <p:cNvPr id="3" name="Notes Placeholder 2"/>
-          <p:cNvSpPr>
-            <a:spLocks noGrp="1"/>
-          </p:cNvSpPr>
-          <p:nvPr>
-            <p:ph type="body" idx="1"/>
-          </p:nvPr>
-        </p:nvSpPr>
-        <p:spPr/>
-        <p:txBody>
-          <a:bodyPr/>
-          <a:lstStyle/>
-          <a:p>
-            <a:pPr marL="228600" indent="-228600">
-              <a:buAutoNum type="arabicPeriod"/>
-            </a:pPr>
-            <a:r>
-              <a:rPr lang="en-US" dirty="0"/>
-              <a:t>False!</a:t>
-            </a:r>
-          </a:p>
-          <a:p>
-            <a:pPr marL="228600" indent="-228600">
-              <a:buAutoNum type="arabicPeriod"/>
-            </a:pPr>
-            <a:r>
-              <a:rPr lang="en-US" dirty="0"/>
-              <a:t>Function, Formula, Function</a:t>
-            </a:r>
-          </a:p>
-          <a:p>
-            <a:pPr marL="228600" indent="-228600">
-              <a:buAutoNum type="arabicPeriod"/>
-            </a:pPr>
-            <a:r>
-              <a:rPr lang="en-US" dirty="0"/>
-              <a:t>Argument</a:t>
-            </a:r>
-          </a:p>
-        </p:txBody>
-      </p:sp>
-      <p:sp>
-        <p:nvSpPr>
-          <p:cNvPr id="4" name="Slide Number Placeholder 3"/>
-          <p:cNvSpPr>
-            <a:spLocks noGrp="1"/>
-          </p:cNvSpPr>
-          <p:nvPr>
-            <p:ph type="sldNum" sz="quarter" idx="5"/>
-          </p:nvPr>
-        </p:nvSpPr>
-        <p:spPr/>
-        <p:txBody>
-          <a:bodyPr/>
-          <a:lstStyle/>
-          <a:p>
-            <a:fld id="{1300335D-9F13-4B80-ADC5-B0EA3E10FF6B}" type="slidenum">
-              <a:rPr lang="en-US" smtClean="0"/>
-              <a:t>33</a:t>
-            </a:fld>
-            <a:endParaRPr lang="en-US"/>
-          </a:p>
-        </p:txBody>
-      </p:sp>
-    </p:spTree>
-    <p:extLst>
-      <p:ext uri="{BB962C8B-B14F-4D97-AF65-F5344CB8AC3E}">
-        <p14:creationId xmlns:p14="http://schemas.microsoft.com/office/powerpoint/2010/main" val="1842224038"/>
-      </p:ext>
-    </p:extLst>
-  </p:cSld>
-  <p:clrMapOvr>
-    <a:masterClrMapping/>
-  </p:clrMapOvr>
-</p:notes>
-</file>
-
 <file path=ppt/notesSlides/notesSlide2.xml><?xml version="1.0" encoding="utf-8"?>
 <p:notes xmlns:a="http://schemas.openxmlformats.org/drawingml/2006/main" xmlns:r="http://schemas.openxmlformats.org/officeDocument/2006/relationships" xmlns:p="http://schemas.openxmlformats.org/presentationml/2006/main">
   <p:cSld>
@@ -2335,7 +2227,7 @@
             <a:fld id="{1D8BD707-D9CF-40AE-B4C6-C98DA3205C09}" type="datetimeFigureOut">
               <a:rPr lang="en-US" smtClean="0"/>
               <a:pPr/>
-              <a:t>10/18/2024</a:t>
+              <a:t>1/22/2025</a:t>
             </a:fld>
             <a:endParaRPr lang="en-US"/>
           </a:p>
@@ -2500,7 +2392,7 @@
             <a:fld id="{1D8BD707-D9CF-40AE-B4C6-C98DA3205C09}" type="datetimeFigureOut">
               <a:rPr lang="en-US" smtClean="0"/>
               <a:pPr/>
-              <a:t>10/18/2024</a:t>
+              <a:t>1/22/2025</a:t>
             </a:fld>
             <a:endParaRPr lang="en-US"/>
           </a:p>
@@ -2675,7 +2567,7 @@
             <a:fld id="{1D8BD707-D9CF-40AE-B4C6-C98DA3205C09}" type="datetimeFigureOut">
               <a:rPr lang="en-US" smtClean="0"/>
               <a:pPr/>
-              <a:t>10/18/2024</a:t>
+              <a:t>1/22/2025</a:t>
             </a:fld>
             <a:endParaRPr lang="en-US"/>
           </a:p>
@@ -2840,7 +2732,7 @@
             <a:fld id="{1D8BD707-D9CF-40AE-B4C6-C98DA3205C09}" type="datetimeFigureOut">
               <a:rPr lang="en-US" smtClean="0"/>
               <a:pPr/>
-              <a:t>10/18/2024</a:t>
+              <a:t>1/22/2025</a:t>
             </a:fld>
             <a:endParaRPr lang="en-US"/>
           </a:p>
@@ -3082,7 +2974,7 @@
             <a:fld id="{1D8BD707-D9CF-40AE-B4C6-C98DA3205C09}" type="datetimeFigureOut">
               <a:rPr lang="en-US" smtClean="0"/>
               <a:pPr/>
-              <a:t>10/18/2024</a:t>
+              <a:t>1/22/2025</a:t>
             </a:fld>
             <a:endParaRPr lang="en-US"/>
           </a:p>
@@ -3364,7 +3256,7 @@
             <a:fld id="{1D8BD707-D9CF-40AE-B4C6-C98DA3205C09}" type="datetimeFigureOut">
               <a:rPr lang="en-US" smtClean="0"/>
               <a:pPr/>
-              <a:t>10/18/2024</a:t>
+              <a:t>1/22/2025</a:t>
             </a:fld>
             <a:endParaRPr lang="en-US"/>
           </a:p>
@@ -3780,7 +3672,7 @@
             <a:fld id="{1D8BD707-D9CF-40AE-B4C6-C98DA3205C09}" type="datetimeFigureOut">
               <a:rPr lang="en-US" smtClean="0"/>
               <a:pPr/>
-              <a:t>10/18/2024</a:t>
+              <a:t>1/22/2025</a:t>
             </a:fld>
             <a:endParaRPr lang="en-US"/>
           </a:p>
@@ -3894,7 +3786,7 @@
             <a:fld id="{1D8BD707-D9CF-40AE-B4C6-C98DA3205C09}" type="datetimeFigureOut">
               <a:rPr lang="en-US" smtClean="0"/>
               <a:pPr/>
-              <a:t>10/18/2024</a:t>
+              <a:t>1/22/2025</a:t>
             </a:fld>
             <a:endParaRPr lang="en-US"/>
           </a:p>
@@ -3986,7 +3878,7 @@
             <a:fld id="{1D8BD707-D9CF-40AE-B4C6-C98DA3205C09}" type="datetimeFigureOut">
               <a:rPr lang="en-US" smtClean="0"/>
               <a:pPr/>
-              <a:t>10/18/2024</a:t>
+              <a:t>1/22/2025</a:t>
             </a:fld>
             <a:endParaRPr lang="en-US"/>
           </a:p>
@@ -4258,7 +4150,7 @@
             <a:fld id="{1D8BD707-D9CF-40AE-B4C6-C98DA3205C09}" type="datetimeFigureOut">
               <a:rPr lang="en-US" smtClean="0"/>
               <a:pPr/>
-              <a:t>10/18/2024</a:t>
+              <a:t>1/22/2025</a:t>
             </a:fld>
             <a:endParaRPr lang="en-US"/>
           </a:p>
@@ -4507,7 +4399,7 @@
             <a:fld id="{1D8BD707-D9CF-40AE-B4C6-C98DA3205C09}" type="datetimeFigureOut">
               <a:rPr lang="en-US" smtClean="0"/>
               <a:pPr/>
-              <a:t>10/18/2024</a:t>
+              <a:t>1/22/2025</a:t>
             </a:fld>
             <a:endParaRPr lang="en-US"/>
           </a:p>
@@ -4720,7 +4612,7 @@
             <a:fld id="{1D8BD707-D9CF-40AE-B4C6-C98DA3205C09}" type="datetimeFigureOut">
               <a:rPr lang="en-US" smtClean="0"/>
               <a:pPr/>
-              <a:t>10/18/2024</a:t>
+              <a:t>1/22/2025</a:t>
             </a:fld>
             <a:endParaRPr lang="en-US"/>
           </a:p>
@@ -5260,6 +5152,36 @@
           </a:p>
         </p:txBody>
       </p:sp>
+      <p:pic>
+        <p:nvPicPr>
+          <p:cNvPr id="12" name="Picture 11">
+            <a:extLst>
+              <a:ext uri="{FF2B5EF4-FFF2-40B4-BE49-F238E27FC236}">
+                <a16:creationId xmlns:a16="http://schemas.microsoft.com/office/drawing/2014/main" id="{C4E18139-6AEB-7E9A-CBE6-01A0633BB2D4}"/>
+              </a:ext>
+            </a:extLst>
+          </p:cNvPr>
+          <p:cNvPicPr>
+            <a:picLocks noChangeAspect="1"/>
+          </p:cNvPicPr>
+          <p:nvPr/>
+        </p:nvPicPr>
+        <p:blipFill>
+          <a:blip r:embed="rId4"/>
+          <a:stretch>
+            <a:fillRect/>
+          </a:stretch>
+        </p:blipFill>
+        <p:spPr>
+          <a:xfrm>
+            <a:off x="17172" y="0"/>
+            <a:ext cx="18288000" cy="10287000"/>
+          </a:xfrm>
+          <a:prstGeom prst="rect">
+            <a:avLst/>
+          </a:prstGeom>
+        </p:spPr>
+      </p:pic>
     </p:spTree>
     <p:extLst>
       <p:ext uri="{BB962C8B-B14F-4D97-AF65-F5344CB8AC3E}">
@@ -10983,204 +10905,178 @@
       </p:grpSpPr>
       <p:sp>
         <p:nvSpPr>
-          <p:cNvPr id="4" name="Rectangle 3"/>
-          <p:cNvSpPr/>
-          <p:nvPr/>
-        </p:nvSpPr>
-        <p:spPr>
-          <a:xfrm>
-            <a:off x="9861630" y="0"/>
-            <a:ext cx="8426370" cy="10287000"/>
-          </a:xfrm>
-          <a:prstGeom prst="rect">
-            <a:avLst/>
-          </a:prstGeom>
-          <a:solidFill>
-            <a:schemeClr val="bg1">
-              <a:lumMod val="50000"/>
-            </a:schemeClr>
-          </a:solidFill>
-          <a:ln>
-            <a:noFill/>
-          </a:ln>
-        </p:spPr>
-        <p:style>
-          <a:lnRef idx="2">
-            <a:schemeClr val="accent1">
-              <a:shade val="50000"/>
-            </a:schemeClr>
-          </a:lnRef>
-          <a:fillRef idx="1">
-            <a:schemeClr val="accent1"/>
-          </a:fillRef>
-          <a:effectRef idx="0">
-            <a:schemeClr val="accent1"/>
-          </a:effectRef>
-          <a:fontRef idx="minor">
-            <a:schemeClr val="lt1"/>
-          </a:fontRef>
-        </p:style>
-        <p:txBody>
-          <a:bodyPr rtlCol="0" anchor="ctr"/>
-          <a:lstStyle/>
-          <a:p>
-            <a:pPr algn="ctr"/>
-            <a:endParaRPr lang="en-US" sz="2700" dirty="0"/>
-          </a:p>
-        </p:txBody>
-      </p:sp>
-      <p:pic>
-        <p:nvPicPr>
-          <p:cNvPr id="2" name="Picture 1"/>
-          <p:cNvPicPr>
-            <a:picLocks noChangeAspect="1"/>
-          </p:cNvPicPr>
-          <p:nvPr/>
-        </p:nvPicPr>
-        <p:blipFill rotWithShape="1">
-          <a:blip r:embed="rId3">
+          <p:cNvPr id="2" name="Title 1">
             <a:extLst>
-              <a:ext uri="{28A0092B-C50C-407E-A947-70E740481C1C}">
-                <a14:useLocalDpi xmlns:a14="http://schemas.microsoft.com/office/drawing/2010/main" val="0"/>
+              <a:ext uri="{FF2B5EF4-FFF2-40B4-BE49-F238E27FC236}">
+                <a16:creationId xmlns:a16="http://schemas.microsoft.com/office/drawing/2014/main" id="{4DD16658-5834-43B4-33C0-4CE280680A2E}"/>
               </a:ext>
             </a:extLst>
-          </a:blip>
-          <a:srcRect l="69227" t="33418" r="20112" b="50548"/>
-          <a:stretch/>
-        </p:blipFill>
-        <p:spPr>
-          <a:xfrm>
-            <a:off x="15579524" y="7544693"/>
-            <a:ext cx="2708477" cy="2987579"/>
-          </a:xfrm>
-          <a:prstGeom prst="rect">
-            <a:avLst/>
-          </a:prstGeom>
-        </p:spPr>
-      </p:pic>
-      <p:sp>
-        <p:nvSpPr>
-          <p:cNvPr id="3" name="TextBox 2"/>
-          <p:cNvSpPr txBox="1"/>
-          <p:nvPr/>
-        </p:nvSpPr>
-        <p:spPr>
-          <a:xfrm>
-            <a:off x="260431" y="329879"/>
-            <a:ext cx="8906720" cy="5870390"/>
-          </a:xfrm>
-          <a:prstGeom prst="rect">
-            <a:avLst/>
-          </a:prstGeom>
-          <a:noFill/>
-        </p:spPr>
-        <p:txBody>
-          <a:bodyPr wrap="square" rtlCol="0">
-            <a:spAutoFit/>
-          </a:bodyPr>
-          <a:lstStyle/>
-          <a:p>
-            <a:r>
-              <a:rPr lang="en-US" sz="6000" b="1" dirty="0">
-                <a:latin typeface="Pragmatica" panose="020B0403040502020204" pitchFamily="34" charset="0"/>
-              </a:rPr>
-              <a:t>Python in Excel RECAP</a:t>
-            </a:r>
-          </a:p>
-          <a:p>
-            <a:endParaRPr lang="en-US" sz="4200" dirty="0">
-              <a:latin typeface="Pragmatica" panose="020B0403040502020204" pitchFamily="34" charset="0"/>
-            </a:endParaRPr>
-          </a:p>
-          <a:p>
-            <a:pPr marL="685800" indent="-542925">
-              <a:lnSpc>
-                <a:spcPct val="115000"/>
-              </a:lnSpc>
-              <a:spcBef>
-                <a:spcPts val="1125"/>
-              </a:spcBef>
-              <a:buClr>
-                <a:srgbClr val="C00000"/>
-              </a:buClr>
-              <a:buSzPts val="2100"/>
-              <a:buFont typeface="Arial"/>
-              <a:buAutoNum type="arabicPeriod"/>
-            </a:pPr>
-            <a:r>
-              <a:rPr lang="en-US" sz="3600" dirty="0">
-                <a:latin typeface="Pragmatica" panose="020B0403040502020204"/>
-                <a:sym typeface="Consolas"/>
-              </a:rPr>
-              <a:t>Python can do some things easier – there’s a reason it’s in Excel now! </a:t>
-            </a:r>
-          </a:p>
-          <a:p>
-            <a:pPr marL="685800" indent="-542925">
-              <a:lnSpc>
-                <a:spcPct val="115000"/>
-              </a:lnSpc>
-              <a:spcBef>
-                <a:spcPts val="1125"/>
-              </a:spcBef>
-              <a:buClr>
-                <a:srgbClr val="C00000"/>
-              </a:buClr>
-              <a:buSzPts val="2100"/>
-              <a:buFont typeface="Arial"/>
-              <a:buAutoNum type="arabicPeriod"/>
-            </a:pPr>
-            <a:r>
-              <a:rPr lang="en-US" sz="3600" dirty="0">
-                <a:latin typeface="Pragmatica" panose="020B0403040502020204"/>
-                <a:sym typeface="Consolas"/>
-              </a:rPr>
-              <a:t>Python in Excel for analysis &amp; visualization; </a:t>
-            </a:r>
-            <a:r>
-              <a:rPr lang="en-US" sz="3600" dirty="0" err="1">
-                <a:latin typeface="Pragmatica" panose="020B0403040502020204"/>
-                <a:sym typeface="Consolas"/>
-              </a:rPr>
-              <a:t>openpyxl</a:t>
-            </a:r>
-            <a:r>
-              <a:rPr lang="en-US" sz="3600" dirty="0">
-                <a:latin typeface="Pragmatica" panose="020B0403040502020204"/>
-                <a:sym typeface="Consolas"/>
-              </a:rPr>
-              <a:t> for everything else </a:t>
-            </a:r>
-          </a:p>
-          <a:p>
-            <a:pPr marL="685800" indent="-542925">
-              <a:lnSpc>
-                <a:spcPct val="115000"/>
-              </a:lnSpc>
-              <a:spcBef>
-                <a:spcPts val="1125"/>
-              </a:spcBef>
-              <a:buClr>
-                <a:srgbClr val="C00000"/>
-              </a:buClr>
-              <a:buSzPts val="2100"/>
-              <a:buFont typeface="Arial"/>
-              <a:buAutoNum type="arabicPeriod"/>
-            </a:pPr>
-            <a:r>
-              <a:rPr lang="en-US" sz="3600" dirty="0">
-                <a:latin typeface="Pragmatica" panose="020B0403040502020204"/>
-                <a:sym typeface="Consolas"/>
-              </a:rPr>
-              <a:t>What about AI-powered, Python-powered Excel? Try Anaconda Toolbox </a:t>
-            </a:r>
-          </a:p>
-        </p:txBody>
-      </p:sp>
+          </p:cNvPr>
+          <p:cNvSpPr>
+            <a:spLocks noGrp="1"/>
+          </p:cNvSpPr>
+          <p:nvPr>
+            <p:ph type="title"/>
+          </p:nvPr>
+        </p:nvSpPr>
+        <p:spPr/>
+        <p:txBody>
+          <a:bodyPr/>
+          <a:lstStyle/>
+          <a:p>
+            <a:endParaRPr lang="en-US"/>
+          </a:p>
+        </p:txBody>
+      </p:sp>
+      <p:sp>
+        <p:nvSpPr>
+          <p:cNvPr id="3" name="Content Placeholder 2">
+            <a:extLst>
+              <a:ext uri="{FF2B5EF4-FFF2-40B4-BE49-F238E27FC236}">
+                <a16:creationId xmlns:a16="http://schemas.microsoft.com/office/drawing/2014/main" id="{5FDBCA7F-B0EB-D548-80DB-AAD7575D8BFA}"/>
+              </a:ext>
+            </a:extLst>
+          </p:cNvPr>
+          <p:cNvSpPr>
+            <a:spLocks noGrp="1"/>
+          </p:cNvSpPr>
+          <p:nvPr>
+            <p:ph idx="1"/>
+          </p:nvPr>
+        </p:nvSpPr>
+        <p:spPr/>
+        <p:txBody>
+          <a:bodyPr/>
+          <a:lstStyle/>
+          <a:p>
+            <a:endParaRPr lang="en-US"/>
+          </a:p>
+        </p:txBody>
+      </p:sp>
+      <mc:AlternateContent xmlns:mc="http://schemas.openxmlformats.org/markup-compatibility/2006">
+        <mc:Choice xmlns:we="http://schemas.microsoft.com/office/webextensions/webextension/2010/11" xmlns:pca="http://schemas.microsoft.com/office/powerpoint/2013/contentapp" Requires="we pca">
+          <p:graphicFrame>
+            <p:nvGraphicFramePr>
+              <p:cNvPr id="4" name="Add-in 3">
+                <a:extLst>
+                  <a:ext uri="{FF2B5EF4-FFF2-40B4-BE49-F238E27FC236}">
+                    <a16:creationId xmlns:a16="http://schemas.microsoft.com/office/drawing/2014/main" id="{4F3D9AAC-3BEE-5979-DDF5-437A9CED20B5}"/>
+                  </a:ext>
+                </a:extLst>
+              </p:cNvPr>
+              <p:cNvGraphicFramePr>
+                <a:graphicFrameLocks noGrp="1"/>
+              </p:cNvGraphicFramePr>
+              <p:nvPr/>
+            </p:nvGraphicFramePr>
+            <p:xfrm>
+              <a:off x="0" y="0"/>
+              <a:ext cx="18288000" cy="10287000"/>
+            </p:xfrm>
+            <a:graphic>
+              <a:graphicData uri="http://schemas.microsoft.com/office/webextensions/webextension/2010/11">
+                <we:webextensionref xmlns:we="http://schemas.microsoft.com/office/webextensions/webextension/2010/11" xmlns:r="http://schemas.openxmlformats.org/officeDocument/2006/relationships" r:id="rId2"/>
+              </a:graphicData>
+            </a:graphic>
+          </p:graphicFrame>
+        </mc:Choice>
+        <mc:Fallback>
+          <p:pic>
+            <p:nvPicPr>
+              <p:cNvPr id="4" name="Add-in 3">
+                <a:extLst>
+                  <a:ext uri="{FF2B5EF4-FFF2-40B4-BE49-F238E27FC236}">
+                    <a16:creationId xmlns:a16="http://schemas.microsoft.com/office/drawing/2014/main" id="{4F3D9AAC-3BEE-5979-DDF5-437A9CED20B5}"/>
+                  </a:ext>
+                </a:extLst>
+              </p:cNvPr>
+              <p:cNvPicPr>
+                <a:picLocks noGrp="1" noRot="1" noChangeAspect="1" noMove="1" noResize="1" noEditPoints="1" noAdjustHandles="1" noChangeArrowheads="1" noChangeShapeType="1"/>
+              </p:cNvPicPr>
+              <p:nvPr/>
+            </p:nvPicPr>
+            <p:blipFill>
+              <a:blip r:embed="rId3"/>
+              <a:stretch>
+                <a:fillRect/>
+              </a:stretch>
+            </p:blipFill>
+            <p:spPr>
+              <a:xfrm>
+                <a:off x="0" y="0"/>
+                <a:ext cx="18288000" cy="10287000"/>
+              </a:xfrm>
+              <a:prstGeom prst="rect">
+                <a:avLst/>
+              </a:prstGeom>
+            </p:spPr>
+          </p:pic>
+        </mc:Fallback>
+      </mc:AlternateContent>
+      <mc:AlternateContent xmlns:mc="http://schemas.openxmlformats.org/markup-compatibility/2006">
+        <mc:Choice xmlns:we="http://schemas.microsoft.com/office/webextensions/webextension/2010/11" xmlns:pca="http://schemas.microsoft.com/office/powerpoint/2013/contentapp" Requires="we pca">
+          <p:graphicFrame>
+            <p:nvGraphicFramePr>
+              <p:cNvPr id="5" name="Add-in 4">
+                <a:extLst>
+                  <a:ext uri="{FF2B5EF4-FFF2-40B4-BE49-F238E27FC236}">
+                    <a16:creationId xmlns:a16="http://schemas.microsoft.com/office/drawing/2014/main" id="{A76B3ABA-448E-2ECE-7650-1ADF3C99FD27}"/>
+                  </a:ext>
+                </a:extLst>
+              </p:cNvPr>
+              <p:cNvGraphicFramePr>
+                <a:graphicFrameLocks noGrp="1"/>
+              </p:cNvGraphicFramePr>
+              <p:nvPr/>
+            </p:nvGraphicFramePr>
+            <p:xfrm>
+              <a:off x="0" y="0"/>
+              <a:ext cx="18288000" cy="10287000"/>
+            </p:xfrm>
+            <a:graphic>
+              <a:graphicData uri="http://schemas.microsoft.com/office/webextensions/webextension/2010/11">
+                <we:webextensionref xmlns:we="http://schemas.microsoft.com/office/webextensions/webextension/2010/11" xmlns:r="http://schemas.openxmlformats.org/officeDocument/2006/relationships" r:id="rId4"/>
+              </a:graphicData>
+            </a:graphic>
+          </p:graphicFrame>
+        </mc:Choice>
+        <mc:Fallback>
+          <p:pic>
+            <p:nvPicPr>
+              <p:cNvPr id="5" name="Add-in 4">
+                <a:extLst>
+                  <a:ext uri="{FF2B5EF4-FFF2-40B4-BE49-F238E27FC236}">
+                    <a16:creationId xmlns:a16="http://schemas.microsoft.com/office/drawing/2014/main" id="{A76B3ABA-448E-2ECE-7650-1ADF3C99FD27}"/>
+                  </a:ext>
+                </a:extLst>
+              </p:cNvPr>
+              <p:cNvPicPr>
+                <a:picLocks noGrp="1" noRot="1" noChangeAspect="1" noMove="1" noResize="1" noEditPoints="1" noAdjustHandles="1" noChangeArrowheads="1" noChangeShapeType="1"/>
+              </p:cNvPicPr>
+              <p:nvPr/>
+            </p:nvPicPr>
+            <p:blipFill>
+              <a:blip r:embed="rId3"/>
+              <a:stretch>
+                <a:fillRect/>
+              </a:stretch>
+            </p:blipFill>
+            <p:spPr>
+              <a:xfrm>
+                <a:off x="0" y="0"/>
+                <a:ext cx="18288000" cy="10287000"/>
+              </a:xfrm>
+              <a:prstGeom prst="rect">
+                <a:avLst/>
+              </a:prstGeom>
+            </p:spPr>
+          </p:pic>
+        </mc:Fallback>
+      </mc:AlternateContent>
     </p:spTree>
     <p:extLst>
       <p:ext uri="{BB962C8B-B14F-4D97-AF65-F5344CB8AC3E}">
-        <p14:creationId xmlns:p14="http://schemas.microsoft.com/office/powerpoint/2010/main" val="2651137654"/>
+        <p14:creationId xmlns:p14="http://schemas.microsoft.com/office/powerpoint/2010/main" val="4023760791"/>
       </p:ext>
     </p:extLst>
   </p:cSld>
@@ -11207,12 +11103,62 @@
           <a:chExt cx="0" cy="0"/>
         </a:xfrm>
       </p:grpSpPr>
+      <p:sp>
+        <p:nvSpPr>
+          <p:cNvPr id="2" name="Title 1">
+            <a:extLst>
+              <a:ext uri="{FF2B5EF4-FFF2-40B4-BE49-F238E27FC236}">
+                <a16:creationId xmlns:a16="http://schemas.microsoft.com/office/drawing/2014/main" id="{02002795-C3F5-78FD-1BD4-D60FAAEE1BEB}"/>
+              </a:ext>
+            </a:extLst>
+          </p:cNvPr>
+          <p:cNvSpPr>
+            <a:spLocks noGrp="1"/>
+          </p:cNvSpPr>
+          <p:nvPr>
+            <p:ph type="title"/>
+          </p:nvPr>
+        </p:nvSpPr>
+        <p:spPr/>
+        <p:txBody>
+          <a:bodyPr/>
+          <a:lstStyle/>
+          <a:p>
+            <a:endParaRPr lang="en-US"/>
+          </a:p>
+        </p:txBody>
+      </p:sp>
+      <p:sp>
+        <p:nvSpPr>
+          <p:cNvPr id="3" name="Content Placeholder 2">
+            <a:extLst>
+              <a:ext uri="{FF2B5EF4-FFF2-40B4-BE49-F238E27FC236}">
+                <a16:creationId xmlns:a16="http://schemas.microsoft.com/office/drawing/2014/main" id="{7A5E93B2-D65D-C25C-63A0-1F9A66C8FF5C}"/>
+              </a:ext>
+            </a:extLst>
+          </p:cNvPr>
+          <p:cNvSpPr>
+            <a:spLocks noGrp="1"/>
+          </p:cNvSpPr>
+          <p:nvPr>
+            <p:ph idx="1"/>
+          </p:nvPr>
+        </p:nvSpPr>
+        <p:spPr/>
+        <p:txBody>
+          <a:bodyPr/>
+          <a:lstStyle/>
+          <a:p>
+            <a:endParaRPr lang="en-US"/>
+          </a:p>
+        </p:txBody>
+      </p:sp>
       <p:pic>
         <p:nvPicPr>
-          <p:cNvPr id="5" name="Picture 4">
+          <p:cNvPr id="4" name="Picture 3">
             <a:extLst>
               <a:ext uri="{FF2B5EF4-FFF2-40B4-BE49-F238E27FC236}">
-                <a16:creationId xmlns:a16="http://schemas.microsoft.com/office/drawing/2014/main" id="{58EB9D66-9CB4-B474-27D6-F594F19E2A76}"/>
+                <a16:creationId xmlns:a16="http://schemas.microsoft.com/office/drawing/2014/main" id="{C253E29A-D905-85AC-CD78-003CC72970D5}"/>
               </a:ext>
             </a:extLst>
           </p:cNvPr>
@@ -11223,565 +11169,24 @@
         </p:nvPicPr>
         <p:blipFill>
           <a:blip r:embed="rId2"/>
-          <a:srcRect/>
-          <a:stretch/>
-        </p:blipFill>
-        <p:spPr>
-          <a:xfrm>
-            <a:off x="0" y="0"/>
-            <a:ext cx="18288000" cy="10287000"/>
-          </a:xfrm>
-          <a:prstGeom prst="rect">
-            <a:avLst/>
-          </a:prstGeom>
-        </p:spPr>
-      </p:pic>
-      <p:sp>
-        <p:nvSpPr>
-          <p:cNvPr id="2" name="Title 1">
-            <a:extLst>
-              <a:ext uri="{FF2B5EF4-FFF2-40B4-BE49-F238E27FC236}">
-                <a16:creationId xmlns:a16="http://schemas.microsoft.com/office/drawing/2014/main" id="{6F578B23-3522-A45E-113D-CFC55209E2C5}"/>
-              </a:ext>
-            </a:extLst>
-          </p:cNvPr>
-          <p:cNvSpPr>
-            <a:spLocks noGrp="1"/>
-          </p:cNvSpPr>
-          <p:nvPr>
-            <p:ph type="ctrTitle"/>
-          </p:nvPr>
-        </p:nvSpPr>
-        <p:spPr>
-          <a:xfrm>
-            <a:off x="2286000" y="2598656"/>
-            <a:ext cx="13716000" cy="3581400"/>
-          </a:xfrm>
-        </p:spPr>
-        <p:txBody>
-          <a:bodyPr>
-            <a:normAutofit/>
-          </a:bodyPr>
-          <a:lstStyle/>
-          <a:p>
-            <a:r>
-              <a:rPr lang="en-BG" sz="9900" b="1" dirty="0">
-                <a:solidFill>
-                  <a:srgbClr val="241F62"/>
-                </a:solidFill>
-                <a:latin typeface="+mn-lt"/>
-              </a:rPr>
-              <a:t>Thank you!</a:t>
-            </a:r>
-          </a:p>
-        </p:txBody>
-      </p:sp>
-      <p:pic>
-        <p:nvPicPr>
-          <p:cNvPr id="7" name="Picture 6" descr="A black and white sign with white text&#10;&#10;Description automatically generated">
-            <a:extLst>
-              <a:ext uri="{FF2B5EF4-FFF2-40B4-BE49-F238E27FC236}">
-                <a16:creationId xmlns:a16="http://schemas.microsoft.com/office/drawing/2014/main" id="{CADADD3B-A58B-45A3-D5DF-D99E4EB05D2C}"/>
-              </a:ext>
-            </a:extLst>
-          </p:cNvPr>
-          <p:cNvPicPr>
-            <a:picLocks noChangeAspect="1"/>
-          </p:cNvPicPr>
-          <p:nvPr/>
-        </p:nvPicPr>
-        <p:blipFill>
-          <a:blip r:embed="rId3"/>
           <a:stretch>
             <a:fillRect/>
           </a:stretch>
         </p:blipFill>
         <p:spPr>
           <a:xfrm>
-            <a:off x="3118754" y="1034024"/>
-            <a:ext cx="1981200" cy="1257300"/>
+            <a:off x="-15711" y="0"/>
+            <a:ext cx="18288000" cy="10287000"/>
           </a:xfrm>
           <a:prstGeom prst="rect">
             <a:avLst/>
           </a:prstGeom>
         </p:spPr>
       </p:pic>
-      <p:cxnSp>
-        <p:nvCxnSpPr>
-          <p:cNvPr id="4" name="Straight Connector 3">
-            <a:extLst>
-              <a:ext uri="{FF2B5EF4-FFF2-40B4-BE49-F238E27FC236}">
-                <a16:creationId xmlns:a16="http://schemas.microsoft.com/office/drawing/2014/main" id="{186E2CA1-16F0-B4E0-64B9-88EB622CDE69}"/>
-              </a:ext>
-            </a:extLst>
-          </p:cNvPr>
-          <p:cNvCxnSpPr>
-            <a:cxnSpLocks/>
-          </p:cNvCxnSpPr>
-          <p:nvPr/>
-        </p:nvCxnSpPr>
-        <p:spPr>
-          <a:xfrm>
-            <a:off x="3118755" y="8784773"/>
-            <a:ext cx="15169245" cy="0"/>
-          </a:xfrm>
-          <a:prstGeom prst="line">
-            <a:avLst/>
-          </a:prstGeom>
-          <a:ln>
-            <a:solidFill>
-              <a:srgbClr val="241F62"/>
-            </a:solidFill>
-          </a:ln>
-        </p:spPr>
-        <p:style>
-          <a:lnRef idx="1">
-            <a:schemeClr val="accent3"/>
-          </a:lnRef>
-          <a:fillRef idx="0">
-            <a:schemeClr val="accent3"/>
-          </a:fillRef>
-          <a:effectRef idx="0">
-            <a:schemeClr val="accent3"/>
-          </a:effectRef>
-          <a:fontRef idx="minor">
-            <a:schemeClr val="tx1"/>
-          </a:fontRef>
-        </p:style>
-      </p:cxnSp>
-      <p:sp>
-        <p:nvSpPr>
-          <p:cNvPr id="8" name="Title 1">
-            <a:extLst>
-              <a:ext uri="{FF2B5EF4-FFF2-40B4-BE49-F238E27FC236}">
-                <a16:creationId xmlns:a16="http://schemas.microsoft.com/office/drawing/2014/main" id="{1A8985E1-8F90-F6B0-F7EC-CDDE7A733DF7}"/>
-              </a:ext>
-            </a:extLst>
-          </p:cNvPr>
-          <p:cNvSpPr txBox="1">
-            <a:spLocks/>
-          </p:cNvSpPr>
-          <p:nvPr/>
-        </p:nvSpPr>
-        <p:spPr>
-          <a:xfrm>
-            <a:off x="3118756" y="6730499"/>
-            <a:ext cx="8204753" cy="1002020"/>
-          </a:xfrm>
-          <a:prstGeom prst="rect">
-            <a:avLst/>
-          </a:prstGeom>
-        </p:spPr>
-        <p:txBody>
-          <a:bodyPr vert="horz" lIns="137160" tIns="68580" rIns="137160" bIns="68580" rtlCol="0" anchor="b">
-            <a:normAutofit/>
-          </a:bodyPr>
-          <a:lstStyle>
-            <a:lvl1pPr algn="ctr" defTabSz="914400" rtl="0" eaLnBrk="1" latinLnBrk="0" hangingPunct="1">
-              <a:lnSpc>
-                <a:spcPct val="90000"/>
-              </a:lnSpc>
-              <a:spcBef>
-                <a:spcPct val="0"/>
-              </a:spcBef>
-              <a:buNone/>
-              <a:defRPr sz="6600" b="1" kern="1200">
-                <a:solidFill>
-                  <a:schemeClr val="bg1"/>
-                </a:solidFill>
-                <a:latin typeface="+mn-lt"/>
-                <a:ea typeface="+mj-ea"/>
-                <a:cs typeface="+mj-cs"/>
-              </a:defRPr>
-            </a:lvl1pPr>
-          </a:lstStyle>
-          <a:p>
-            <a:pPr algn="l"/>
-            <a:r>
-              <a:rPr lang="en-GB" sz="5400" dirty="0">
-                <a:solidFill>
-                  <a:srgbClr val="241F62"/>
-                </a:solidFill>
-              </a:rPr>
-              <a:t>George Mount</a:t>
-            </a:r>
-            <a:endParaRPr lang="en-BG" sz="5400" dirty="0">
-              <a:solidFill>
-                <a:srgbClr val="241F62"/>
-              </a:solidFill>
-            </a:endParaRPr>
-          </a:p>
-        </p:txBody>
-      </p:sp>
-      <p:sp>
-        <p:nvSpPr>
-          <p:cNvPr id="9" name="Title 1">
-            <a:extLst>
-              <a:ext uri="{FF2B5EF4-FFF2-40B4-BE49-F238E27FC236}">
-                <a16:creationId xmlns:a16="http://schemas.microsoft.com/office/drawing/2014/main" id="{98DE1D4A-D586-7074-E50D-A5B56F7BCC15}"/>
-              </a:ext>
-            </a:extLst>
-          </p:cNvPr>
-          <p:cNvSpPr txBox="1">
-            <a:spLocks/>
-          </p:cNvSpPr>
-          <p:nvPr/>
-        </p:nvSpPr>
-        <p:spPr>
-          <a:xfrm>
-            <a:off x="3118754" y="7732518"/>
-            <a:ext cx="8204753" cy="945771"/>
-          </a:xfrm>
-          <a:prstGeom prst="rect">
-            <a:avLst/>
-          </a:prstGeom>
-        </p:spPr>
-        <p:txBody>
-          <a:bodyPr vert="horz" lIns="137160" tIns="68580" rIns="137160" bIns="68580" rtlCol="0" anchor="ctr">
-            <a:normAutofit/>
-          </a:bodyPr>
-          <a:lstStyle>
-            <a:lvl1pPr algn="l" defTabSz="914400" rtl="0" eaLnBrk="1" latinLnBrk="0" hangingPunct="1">
-              <a:lnSpc>
-                <a:spcPct val="90000"/>
-              </a:lnSpc>
-              <a:spcBef>
-                <a:spcPct val="0"/>
-              </a:spcBef>
-              <a:buNone/>
-              <a:defRPr sz="4800" b="1" kern="1200">
-                <a:solidFill>
-                  <a:schemeClr val="bg1"/>
-                </a:solidFill>
-                <a:latin typeface="+mn-lt"/>
-                <a:ea typeface="+mj-ea"/>
-                <a:cs typeface="+mj-cs"/>
-              </a:defRPr>
-            </a:lvl1pPr>
-          </a:lstStyle>
-          <a:p>
-            <a:r>
-              <a:rPr lang="en-GB" sz="4200" dirty="0">
-                <a:solidFill>
-                  <a:srgbClr val="241F62"/>
-                </a:solidFill>
-                <a:latin typeface="+mj-lt"/>
-              </a:rPr>
-              <a:t>Owner, </a:t>
-            </a:r>
-            <a:r>
-              <a:rPr lang="en-GB" sz="4200" dirty="0" err="1">
-                <a:solidFill>
-                  <a:srgbClr val="241F62"/>
-                </a:solidFill>
-                <a:latin typeface="+mj-lt"/>
-              </a:rPr>
-              <a:t>Stringfest</a:t>
-            </a:r>
-            <a:r>
-              <a:rPr lang="en-GB" sz="4200" dirty="0">
-                <a:solidFill>
-                  <a:srgbClr val="241F62"/>
-                </a:solidFill>
-                <a:latin typeface="+mj-lt"/>
-              </a:rPr>
-              <a:t> Analytics</a:t>
-            </a:r>
-            <a:endParaRPr lang="en-BG" sz="4200" dirty="0">
-              <a:solidFill>
-                <a:srgbClr val="241F62"/>
-              </a:solidFill>
-              <a:latin typeface="+mj-lt"/>
-            </a:endParaRPr>
-          </a:p>
-        </p:txBody>
-      </p:sp>
-      <p:sp>
-        <p:nvSpPr>
-          <p:cNvPr id="10" name="Title 1">
-            <a:extLst>
-              <a:ext uri="{FF2B5EF4-FFF2-40B4-BE49-F238E27FC236}">
-                <a16:creationId xmlns:a16="http://schemas.microsoft.com/office/drawing/2014/main" id="{561C295B-FF22-B70D-472D-005A6DA36038}"/>
-              </a:ext>
-            </a:extLst>
-          </p:cNvPr>
-          <p:cNvSpPr txBox="1">
-            <a:spLocks/>
-          </p:cNvSpPr>
-          <p:nvPr/>
-        </p:nvSpPr>
-        <p:spPr>
-          <a:xfrm>
-            <a:off x="3599974" y="9087789"/>
-            <a:ext cx="6368147" cy="945771"/>
-          </a:xfrm>
-          <a:prstGeom prst="rect">
-            <a:avLst/>
-          </a:prstGeom>
-        </p:spPr>
-        <p:txBody>
-          <a:bodyPr vert="horz" lIns="137160" tIns="68580" rIns="137160" bIns="68580" rtlCol="0" anchor="ctr">
-            <a:normAutofit/>
-          </a:bodyPr>
-          <a:lstStyle>
-            <a:lvl1pPr algn="l" defTabSz="914400" rtl="0" eaLnBrk="1" latinLnBrk="0" hangingPunct="1">
-              <a:lnSpc>
-                <a:spcPct val="90000"/>
-              </a:lnSpc>
-              <a:spcBef>
-                <a:spcPct val="0"/>
-              </a:spcBef>
-              <a:buNone/>
-              <a:defRPr sz="4800" b="1" kern="1200">
-                <a:solidFill>
-                  <a:schemeClr val="bg1"/>
-                </a:solidFill>
-                <a:latin typeface="+mn-lt"/>
-                <a:ea typeface="+mj-ea"/>
-                <a:cs typeface="+mj-cs"/>
-              </a:defRPr>
-            </a:lvl1pPr>
-          </a:lstStyle>
-          <a:p>
-            <a:r>
-              <a:rPr lang="en-GB" sz="3200" dirty="0">
-                <a:solidFill>
-                  <a:srgbClr val="241F62"/>
-                </a:solidFill>
-              </a:rPr>
-              <a:t>stringfestanalytics.com</a:t>
-            </a:r>
-            <a:endParaRPr lang="en-BG" sz="3200" dirty="0">
-              <a:solidFill>
-                <a:srgbClr val="241F62"/>
-              </a:solidFill>
-            </a:endParaRPr>
-          </a:p>
-        </p:txBody>
-      </p:sp>
-      <p:sp>
-        <p:nvSpPr>
-          <p:cNvPr id="11" name="Title 1">
-            <a:extLst>
-              <a:ext uri="{FF2B5EF4-FFF2-40B4-BE49-F238E27FC236}">
-                <a16:creationId xmlns:a16="http://schemas.microsoft.com/office/drawing/2014/main" id="{38758F10-53E3-C630-0422-E4789496DCF5}"/>
-              </a:ext>
-            </a:extLst>
-          </p:cNvPr>
-          <p:cNvSpPr txBox="1">
-            <a:spLocks/>
-          </p:cNvSpPr>
-          <p:nvPr/>
-        </p:nvSpPr>
-        <p:spPr>
-          <a:xfrm>
-            <a:off x="8554808" y="9087789"/>
-            <a:ext cx="3372150" cy="945771"/>
-          </a:xfrm>
-          <a:prstGeom prst="rect">
-            <a:avLst/>
-          </a:prstGeom>
-        </p:spPr>
-        <p:txBody>
-          <a:bodyPr vert="horz" lIns="137160" tIns="68580" rIns="137160" bIns="68580" rtlCol="0" anchor="ctr">
-            <a:normAutofit/>
-          </a:bodyPr>
-          <a:lstStyle>
-            <a:lvl1pPr algn="l" defTabSz="914400" rtl="0" eaLnBrk="1" latinLnBrk="0" hangingPunct="1">
-              <a:lnSpc>
-                <a:spcPct val="90000"/>
-              </a:lnSpc>
-              <a:spcBef>
-                <a:spcPct val="0"/>
-              </a:spcBef>
-              <a:buNone/>
-              <a:defRPr sz="4800" b="1" kern="1200">
-                <a:solidFill>
-                  <a:schemeClr val="bg1"/>
-                </a:solidFill>
-                <a:latin typeface="+mn-lt"/>
-                <a:ea typeface="+mj-ea"/>
-                <a:cs typeface="+mj-cs"/>
-              </a:defRPr>
-            </a:lvl1pPr>
-          </a:lstStyle>
-          <a:p>
-            <a:r>
-              <a:rPr lang="en-GB" sz="3600" dirty="0">
-                <a:solidFill>
-                  <a:srgbClr val="241F62"/>
-                </a:solidFill>
-              </a:rPr>
-              <a:t>George Mount</a:t>
-            </a:r>
-            <a:endParaRPr lang="en-BG" sz="3600" dirty="0">
-              <a:solidFill>
-                <a:srgbClr val="241F62"/>
-              </a:solidFill>
-            </a:endParaRPr>
-          </a:p>
-        </p:txBody>
-      </p:sp>
-      <p:pic>
-        <p:nvPicPr>
-          <p:cNvPr id="13" name="Picture 12">
-            <a:extLst>
-              <a:ext uri="{FF2B5EF4-FFF2-40B4-BE49-F238E27FC236}">
-                <a16:creationId xmlns:a16="http://schemas.microsoft.com/office/drawing/2014/main" id="{564B3460-4BA9-3488-F2B8-387A09E6D3DD}"/>
-              </a:ext>
-            </a:extLst>
-          </p:cNvPr>
-          <p:cNvPicPr>
-            <a:picLocks noChangeAspect="1"/>
-          </p:cNvPicPr>
-          <p:nvPr/>
-        </p:nvPicPr>
-        <p:blipFill>
-          <a:blip r:embed="rId4"/>
-          <a:srcRect/>
-          <a:stretch/>
-        </p:blipFill>
-        <p:spPr>
-          <a:xfrm>
-            <a:off x="8073587" y="9379700"/>
-            <a:ext cx="361950" cy="361950"/>
-          </a:xfrm>
-          <a:prstGeom prst="rect">
-            <a:avLst/>
-          </a:prstGeom>
-        </p:spPr>
-      </p:pic>
-      <p:pic>
-        <p:nvPicPr>
-          <p:cNvPr id="15" name="Picture 14">
-            <a:extLst>
-              <a:ext uri="{FF2B5EF4-FFF2-40B4-BE49-F238E27FC236}">
-                <a16:creationId xmlns:a16="http://schemas.microsoft.com/office/drawing/2014/main" id="{669ED92D-10C9-7EA6-C719-CC63A8906E16}"/>
-              </a:ext>
-            </a:extLst>
-          </p:cNvPr>
-          <p:cNvPicPr>
-            <a:picLocks noChangeAspect="1"/>
-          </p:cNvPicPr>
-          <p:nvPr/>
-        </p:nvPicPr>
-        <p:blipFill>
-          <a:blip r:embed="rId5"/>
-          <a:srcRect/>
-          <a:stretch/>
-        </p:blipFill>
-        <p:spPr>
-          <a:xfrm>
-            <a:off x="3118754" y="9354912"/>
-            <a:ext cx="361950" cy="361950"/>
-          </a:xfrm>
-          <a:prstGeom prst="rect">
-            <a:avLst/>
-          </a:prstGeom>
-        </p:spPr>
-      </p:pic>
-      <p:pic>
-        <p:nvPicPr>
-          <p:cNvPr id="17" name="Picture 16">
-            <a:extLst>
-              <a:ext uri="{FF2B5EF4-FFF2-40B4-BE49-F238E27FC236}">
-                <a16:creationId xmlns:a16="http://schemas.microsoft.com/office/drawing/2014/main" id="{E3437C69-0BD3-C2F3-E6CD-963C3E9AE530}"/>
-              </a:ext>
-            </a:extLst>
-          </p:cNvPr>
-          <p:cNvPicPr>
-            <a:picLocks noChangeAspect="1"/>
-          </p:cNvPicPr>
-          <p:nvPr/>
-        </p:nvPicPr>
-        <p:blipFill>
-          <a:blip r:embed="rId6">
-            <a:extLst>
-              <a:ext uri="{28A0092B-C50C-407E-A947-70E740481C1C}">
-                <a14:useLocalDpi xmlns:a14="http://schemas.microsoft.com/office/drawing/2010/main" val="0"/>
-              </a:ext>
-            </a:extLst>
-          </a:blip>
-          <a:srcRect/>
-          <a:stretch/>
-        </p:blipFill>
-        <p:spPr>
-          <a:xfrm>
-            <a:off x="12264561" y="9354912"/>
-            <a:ext cx="361950" cy="361950"/>
-          </a:xfrm>
-          <a:prstGeom prst="rect">
-            <a:avLst/>
-          </a:prstGeom>
-        </p:spPr>
-      </p:pic>
-      <p:sp>
-        <p:nvSpPr>
-          <p:cNvPr id="18" name="Title 1">
-            <a:extLst>
-              <a:ext uri="{FF2B5EF4-FFF2-40B4-BE49-F238E27FC236}">
-                <a16:creationId xmlns:a16="http://schemas.microsoft.com/office/drawing/2014/main" id="{73C888AA-12C8-1F73-16FF-2F8C1826D5F5}"/>
-              </a:ext>
-            </a:extLst>
-          </p:cNvPr>
-          <p:cNvSpPr txBox="1">
-            <a:spLocks/>
-          </p:cNvSpPr>
-          <p:nvPr/>
-        </p:nvSpPr>
-        <p:spPr>
-          <a:xfrm>
-            <a:off x="12755658" y="9087789"/>
-            <a:ext cx="3372150" cy="945771"/>
-          </a:xfrm>
-          <a:prstGeom prst="rect">
-            <a:avLst/>
-          </a:prstGeom>
-        </p:spPr>
-        <p:txBody>
-          <a:bodyPr vert="horz" lIns="137160" tIns="68580" rIns="137160" bIns="68580" rtlCol="0" anchor="ctr">
-            <a:normAutofit/>
-          </a:bodyPr>
-          <a:lstStyle>
-            <a:lvl1pPr algn="l" defTabSz="914400" rtl="0" eaLnBrk="1" latinLnBrk="0" hangingPunct="1">
-              <a:lnSpc>
-                <a:spcPct val="90000"/>
-              </a:lnSpc>
-              <a:spcBef>
-                <a:spcPct val="0"/>
-              </a:spcBef>
-              <a:buNone/>
-              <a:defRPr sz="4800" b="1" kern="1200">
-                <a:solidFill>
-                  <a:schemeClr val="bg1"/>
-                </a:solidFill>
-                <a:latin typeface="+mn-lt"/>
-                <a:ea typeface="+mj-ea"/>
-                <a:cs typeface="+mj-cs"/>
-              </a:defRPr>
-            </a:lvl1pPr>
-          </a:lstStyle>
-          <a:p>
-            <a:r>
-              <a:rPr lang="en-GB" sz="3600" dirty="0">
-                <a:solidFill>
-                  <a:srgbClr val="241F62"/>
-                </a:solidFill>
-              </a:rPr>
-              <a:t>@gjmount</a:t>
-            </a:r>
-            <a:endParaRPr lang="en-BG" sz="3600" dirty="0">
-              <a:solidFill>
-                <a:srgbClr val="241F62"/>
-              </a:solidFill>
-            </a:endParaRPr>
-          </a:p>
-        </p:txBody>
-      </p:sp>
     </p:spTree>
     <p:extLst>
       <p:ext uri="{BB962C8B-B14F-4D97-AF65-F5344CB8AC3E}">
-        <p14:creationId xmlns:p14="http://schemas.microsoft.com/office/powerpoint/2010/main" val="3981852199"/>
+        <p14:creationId xmlns:p14="http://schemas.microsoft.com/office/powerpoint/2010/main" val="1414137271"/>
       </p:ext>
     </p:extLst>
   </p:cSld>
@@ -11792,6 +11197,217 @@
 </file>
 
 <file path=ppt/slides/slide4.xml><?xml version="1.0" encoding="utf-8"?>
+<p:sld xmlns:a="http://schemas.openxmlformats.org/drawingml/2006/main" xmlns:r="http://schemas.openxmlformats.org/officeDocument/2006/relationships" xmlns:p="http://schemas.openxmlformats.org/presentationml/2006/main">
+  <p:cSld>
+    <p:spTree>
+      <p:nvGrpSpPr>
+        <p:cNvPr id="1" name="">
+          <a:extLst>
+            <a:ext uri="{FF2B5EF4-FFF2-40B4-BE49-F238E27FC236}">
+              <a16:creationId xmlns:a16="http://schemas.microsoft.com/office/drawing/2014/main" id="{72D4254C-6B9D-608D-E634-413F3EA003EE}"/>
+            </a:ext>
+          </a:extLst>
+        </p:cNvPr>
+        <p:cNvGrpSpPr/>
+        <p:nvPr/>
+      </p:nvGrpSpPr>
+      <p:grpSpPr>
+        <a:xfrm>
+          <a:off x="0" y="0"/>
+          <a:ext cx="0" cy="0"/>
+          <a:chOff x="0" y="0"/>
+          <a:chExt cx="0" cy="0"/>
+        </a:xfrm>
+      </p:grpSpPr>
+      <p:sp>
+        <p:nvSpPr>
+          <p:cNvPr id="11" name="TextBox 10">
+            <a:extLst>
+              <a:ext uri="{FF2B5EF4-FFF2-40B4-BE49-F238E27FC236}">
+                <a16:creationId xmlns:a16="http://schemas.microsoft.com/office/drawing/2014/main" id="{6FCA315D-D94B-9EED-CEC6-CE64C0380740}"/>
+              </a:ext>
+            </a:extLst>
+          </p:cNvPr>
+          <p:cNvSpPr txBox="1"/>
+          <p:nvPr/>
+        </p:nvSpPr>
+        <p:spPr>
+          <a:xfrm>
+            <a:off x="520861" y="170082"/>
+            <a:ext cx="11979797" cy="1477328"/>
+          </a:xfrm>
+          <a:prstGeom prst="rect">
+            <a:avLst/>
+          </a:prstGeom>
+          <a:noFill/>
+        </p:spPr>
+        <p:txBody>
+          <a:bodyPr wrap="square" rtlCol="0">
+            <a:spAutoFit/>
+          </a:bodyPr>
+          <a:lstStyle/>
+          <a:p>
+            <a:r>
+              <a:rPr lang="en-US" sz="9000" dirty="0">
+                <a:latin typeface="Aliens &amp; cows" panose="00000500000000000000" pitchFamily="2" charset="0"/>
+              </a:rPr>
+              <a:t>Following along</a:t>
+            </a:r>
+          </a:p>
+        </p:txBody>
+      </p:sp>
+      <p:sp>
+        <p:nvSpPr>
+          <p:cNvPr id="3" name="TextBox 2">
+            <a:extLst>
+              <a:ext uri="{FF2B5EF4-FFF2-40B4-BE49-F238E27FC236}">
+                <a16:creationId xmlns:a16="http://schemas.microsoft.com/office/drawing/2014/main" id="{4198D969-D329-01AA-E2CD-46095079A146}"/>
+              </a:ext>
+            </a:extLst>
+          </p:cNvPr>
+          <p:cNvSpPr txBox="1"/>
+          <p:nvPr/>
+        </p:nvSpPr>
+        <p:spPr>
+          <a:xfrm>
+            <a:off x="520861" y="3191948"/>
+            <a:ext cx="10909139" cy="2308324"/>
+          </a:xfrm>
+          <a:prstGeom prst="rect">
+            <a:avLst/>
+          </a:prstGeom>
+          <a:noFill/>
+        </p:spPr>
+        <p:txBody>
+          <a:bodyPr wrap="square" rtlCol="0">
+            <a:spAutoFit/>
+          </a:bodyPr>
+          <a:lstStyle/>
+          <a:p>
+            <a:pPr marL="685800" indent="-685800">
+              <a:buClr>
+                <a:srgbClr val="CF3338"/>
+              </a:buClr>
+              <a:buFont typeface="Arial" panose="020B0604020202020204" pitchFamily="34" charset="0"/>
+              <a:buChar char="•"/>
+            </a:pPr>
+            <a:r>
+              <a:rPr lang="en-US" sz="7200" dirty="0">
+                <a:solidFill>
+                  <a:srgbClr val="707070"/>
+                </a:solidFill>
+                <a:latin typeface="Pragmatica" panose="020B0403040502020204" pitchFamily="34" charset="0"/>
+              </a:rPr>
+              <a:t>Download the resources: </a:t>
+            </a:r>
+            <a:r>
+              <a:rPr lang="en-US" sz="7200" dirty="0">
+                <a:solidFill>
+                  <a:srgbClr val="707070"/>
+                </a:solidFill>
+                <a:latin typeface="Pragmatica" panose="020B0403040502020204" pitchFamily="34" charset="0"/>
+                <a:hlinkClick r:id="rId2"/>
+              </a:rPr>
+              <a:t>https://swiy.co/gxls2025</a:t>
+            </a:r>
+            <a:r>
+              <a:rPr lang="en-US" sz="7200" dirty="0">
+                <a:solidFill>
+                  <a:srgbClr val="707070"/>
+                </a:solidFill>
+                <a:latin typeface="Pragmatica" panose="020B0403040502020204" pitchFamily="34" charset="0"/>
+              </a:rPr>
+              <a:t> </a:t>
+            </a:r>
+          </a:p>
+        </p:txBody>
+      </p:sp>
+      <p:pic>
+        <p:nvPicPr>
+          <p:cNvPr id="15" name="Picture 14" descr="A close up of a sign&#10;&#10;Description automatically generated">
+            <a:extLst>
+              <a:ext uri="{FF2B5EF4-FFF2-40B4-BE49-F238E27FC236}">
+                <a16:creationId xmlns:a16="http://schemas.microsoft.com/office/drawing/2014/main" id="{5C8F946F-E552-F110-00DE-C28829A340FA}"/>
+              </a:ext>
+            </a:extLst>
+          </p:cNvPr>
+          <p:cNvPicPr>
+            <a:picLocks noChangeAspect="1"/>
+          </p:cNvPicPr>
+          <p:nvPr/>
+        </p:nvPicPr>
+        <p:blipFill>
+          <a:blip r:embed="rId3">
+            <a:extLst>
+              <a:ext uri="{28A0092B-C50C-407E-A947-70E740481C1C}">
+                <a14:useLocalDpi xmlns:a14="http://schemas.microsoft.com/office/drawing/2010/main" val="0"/>
+              </a:ext>
+            </a:extLst>
+          </a:blip>
+          <a:stretch>
+            <a:fillRect/>
+          </a:stretch>
+        </p:blipFill>
+        <p:spPr>
+          <a:xfrm>
+            <a:off x="16341036" y="8058429"/>
+            <a:ext cx="1942857" cy="2228571"/>
+          </a:xfrm>
+          <a:prstGeom prst="rect">
+            <a:avLst/>
+          </a:prstGeom>
+        </p:spPr>
+      </p:pic>
+      <p:pic>
+        <p:nvPicPr>
+          <p:cNvPr id="4" name="Picture 3" descr="A black background with a black square&#10;&#10;Description automatically generated with medium confidence">
+            <a:extLst>
+              <a:ext uri="{FF2B5EF4-FFF2-40B4-BE49-F238E27FC236}">
+                <a16:creationId xmlns:a16="http://schemas.microsoft.com/office/drawing/2014/main" id="{60BE2C2B-F655-E7BD-B514-9FAD21ED6990}"/>
+              </a:ext>
+            </a:extLst>
+          </p:cNvPr>
+          <p:cNvPicPr>
+            <a:picLocks noChangeAspect="1"/>
+          </p:cNvPicPr>
+          <p:nvPr/>
+        </p:nvPicPr>
+        <p:blipFill>
+          <a:blip r:embed="rId4">
+            <a:extLst>
+              <a:ext uri="{28A0092B-C50C-407E-A947-70E740481C1C}">
+                <a14:useLocalDpi xmlns:a14="http://schemas.microsoft.com/office/drawing/2010/main" val="0"/>
+              </a:ext>
+            </a:extLst>
+          </a:blip>
+          <a:stretch>
+            <a:fillRect/>
+          </a:stretch>
+        </p:blipFill>
+        <p:spPr>
+          <a:xfrm>
+            <a:off x="11734800" y="4229100"/>
+            <a:ext cx="4267200" cy="4267200"/>
+          </a:xfrm>
+          <a:prstGeom prst="rect">
+            <a:avLst/>
+          </a:prstGeom>
+        </p:spPr>
+      </p:pic>
+    </p:spTree>
+    <p:extLst>
+      <p:ext uri="{BB962C8B-B14F-4D97-AF65-F5344CB8AC3E}">
+        <p14:creationId xmlns:p14="http://schemas.microsoft.com/office/powerpoint/2010/main" val="4293474399"/>
+      </p:ext>
+    </p:extLst>
+  </p:cSld>
+  <p:clrMapOvr>
+    <a:masterClrMapping/>
+  </p:clrMapOvr>
+</p:sld>
+</file>
+
+<file path=ppt/slides/slide5.xml><?xml version="1.0" encoding="utf-8"?>
 <p:sld xmlns:a="http://schemas.openxmlformats.org/drawingml/2006/main" xmlns:r="http://schemas.openxmlformats.org/officeDocument/2006/relationships" xmlns:p="http://schemas.openxmlformats.org/presentationml/2006/main">
   <p:cSld>
     <p:spTree>
@@ -11903,8 +11519,8 @@
         </p:blipFill>
         <p:spPr>
           <a:xfrm>
-            <a:off x="7543800" y="3543300"/>
-            <a:ext cx="6743700" cy="6743700"/>
+            <a:off x="12115800" y="1886685"/>
+            <a:ext cx="5948960" cy="5948960"/>
           </a:xfrm>
           <a:prstGeom prst="rect">
             <a:avLst/>
@@ -11939,8 +11555,8 @@
         </p:blipFill>
         <p:spPr>
           <a:xfrm>
-            <a:off x="5360175" y="6743700"/>
-            <a:ext cx="2376132" cy="2212162"/>
+            <a:off x="5791200" y="2196725"/>
+            <a:ext cx="5932299" cy="5522929"/>
           </a:xfrm>
           <a:prstGeom prst="rect">
             <a:avLst/>
@@ -11975,8 +11591,8 @@
         </p:blipFill>
         <p:spPr>
           <a:xfrm>
-            <a:off x="1752600" y="342900"/>
-            <a:ext cx="5445923" cy="5976900"/>
+            <a:off x="243665" y="2232468"/>
+            <a:ext cx="5105400" cy="5603177"/>
           </a:xfrm>
           <a:prstGeom prst="rect">
             <a:avLst/>
@@ -11987,217 +11603,6 @@
     <p:extLst>
       <p:ext uri="{BB962C8B-B14F-4D97-AF65-F5344CB8AC3E}">
         <p14:creationId xmlns:p14="http://schemas.microsoft.com/office/powerpoint/2010/main" val="4278852698"/>
-      </p:ext>
-    </p:extLst>
-  </p:cSld>
-  <p:clrMapOvr>
-    <a:masterClrMapping/>
-  </p:clrMapOvr>
-</p:sld>
-</file>
-
-<file path=ppt/slides/slide5.xml><?xml version="1.0" encoding="utf-8"?>
-<p:sld xmlns:a="http://schemas.openxmlformats.org/drawingml/2006/main" xmlns:r="http://schemas.openxmlformats.org/officeDocument/2006/relationships" xmlns:p="http://schemas.openxmlformats.org/presentationml/2006/main">
-  <p:cSld>
-    <p:spTree>
-      <p:nvGrpSpPr>
-        <p:cNvPr id="1" name="">
-          <a:extLst>
-            <a:ext uri="{FF2B5EF4-FFF2-40B4-BE49-F238E27FC236}">
-              <a16:creationId xmlns:a16="http://schemas.microsoft.com/office/drawing/2014/main" id="{72D4254C-6B9D-608D-E634-413F3EA003EE}"/>
-            </a:ext>
-          </a:extLst>
-        </p:cNvPr>
-        <p:cNvGrpSpPr/>
-        <p:nvPr/>
-      </p:nvGrpSpPr>
-      <p:grpSpPr>
-        <a:xfrm>
-          <a:off x="0" y="0"/>
-          <a:ext cx="0" cy="0"/>
-          <a:chOff x="0" y="0"/>
-          <a:chExt cx="0" cy="0"/>
-        </a:xfrm>
-      </p:grpSpPr>
-      <p:sp>
-        <p:nvSpPr>
-          <p:cNvPr id="11" name="TextBox 10">
-            <a:extLst>
-              <a:ext uri="{FF2B5EF4-FFF2-40B4-BE49-F238E27FC236}">
-                <a16:creationId xmlns:a16="http://schemas.microsoft.com/office/drawing/2014/main" id="{6FCA315D-D94B-9EED-CEC6-CE64C0380740}"/>
-              </a:ext>
-            </a:extLst>
-          </p:cNvPr>
-          <p:cNvSpPr txBox="1"/>
-          <p:nvPr/>
-        </p:nvSpPr>
-        <p:spPr>
-          <a:xfrm>
-            <a:off x="520861" y="170082"/>
-            <a:ext cx="11979797" cy="1477328"/>
-          </a:xfrm>
-          <a:prstGeom prst="rect">
-            <a:avLst/>
-          </a:prstGeom>
-          <a:noFill/>
-        </p:spPr>
-        <p:txBody>
-          <a:bodyPr wrap="square" rtlCol="0">
-            <a:spAutoFit/>
-          </a:bodyPr>
-          <a:lstStyle/>
-          <a:p>
-            <a:r>
-              <a:rPr lang="en-US" sz="9000" dirty="0">
-                <a:latin typeface="Aliens &amp; cows" panose="00000500000000000000" pitchFamily="2" charset="0"/>
-              </a:rPr>
-              <a:t>Following along</a:t>
-            </a:r>
-          </a:p>
-        </p:txBody>
-      </p:sp>
-      <p:sp>
-        <p:nvSpPr>
-          <p:cNvPr id="3" name="TextBox 2">
-            <a:extLst>
-              <a:ext uri="{FF2B5EF4-FFF2-40B4-BE49-F238E27FC236}">
-                <a16:creationId xmlns:a16="http://schemas.microsoft.com/office/drawing/2014/main" id="{4198D969-D329-01AA-E2CD-46095079A146}"/>
-              </a:ext>
-            </a:extLst>
-          </p:cNvPr>
-          <p:cNvSpPr txBox="1"/>
-          <p:nvPr/>
-        </p:nvSpPr>
-        <p:spPr>
-          <a:xfrm>
-            <a:off x="520861" y="3191948"/>
-            <a:ext cx="10909139" cy="2308324"/>
-          </a:xfrm>
-          <a:prstGeom prst="rect">
-            <a:avLst/>
-          </a:prstGeom>
-          <a:noFill/>
-        </p:spPr>
-        <p:txBody>
-          <a:bodyPr wrap="square" rtlCol="0">
-            <a:spAutoFit/>
-          </a:bodyPr>
-          <a:lstStyle/>
-          <a:p>
-            <a:pPr marL="685800" indent="-685800">
-              <a:buClr>
-                <a:srgbClr val="CF3338"/>
-              </a:buClr>
-              <a:buFont typeface="Arial" panose="020B0604020202020204" pitchFamily="34" charset="0"/>
-              <a:buChar char="•"/>
-            </a:pPr>
-            <a:r>
-              <a:rPr lang="en-US" sz="7200" dirty="0">
-                <a:solidFill>
-                  <a:srgbClr val="707070"/>
-                </a:solidFill>
-                <a:latin typeface="Pragmatica" panose="020B0403040502020204" pitchFamily="34" charset="0"/>
-              </a:rPr>
-              <a:t>Download the resources: </a:t>
-            </a:r>
-            <a:r>
-              <a:rPr lang="en-US" sz="7200" dirty="0">
-                <a:solidFill>
-                  <a:srgbClr val="707070"/>
-                </a:solidFill>
-                <a:latin typeface="Pragmatica" panose="020B0403040502020204" pitchFamily="34" charset="0"/>
-                <a:hlinkClick r:id="rId2"/>
-              </a:rPr>
-              <a:t>https://swiy.co/gxls2025</a:t>
-            </a:r>
-            <a:r>
-              <a:rPr lang="en-US" sz="7200" dirty="0">
-                <a:solidFill>
-                  <a:srgbClr val="707070"/>
-                </a:solidFill>
-                <a:latin typeface="Pragmatica" panose="020B0403040502020204" pitchFamily="34" charset="0"/>
-              </a:rPr>
-              <a:t> </a:t>
-            </a:r>
-          </a:p>
-        </p:txBody>
-      </p:sp>
-      <p:pic>
-        <p:nvPicPr>
-          <p:cNvPr id="15" name="Picture 14" descr="A close up of a sign&#10;&#10;Description automatically generated">
-            <a:extLst>
-              <a:ext uri="{FF2B5EF4-FFF2-40B4-BE49-F238E27FC236}">
-                <a16:creationId xmlns:a16="http://schemas.microsoft.com/office/drawing/2014/main" id="{5C8F946F-E552-F110-00DE-C28829A340FA}"/>
-              </a:ext>
-            </a:extLst>
-          </p:cNvPr>
-          <p:cNvPicPr>
-            <a:picLocks noChangeAspect="1"/>
-          </p:cNvPicPr>
-          <p:nvPr/>
-        </p:nvPicPr>
-        <p:blipFill>
-          <a:blip r:embed="rId3">
-            <a:extLst>
-              <a:ext uri="{28A0092B-C50C-407E-A947-70E740481C1C}">
-                <a14:useLocalDpi xmlns:a14="http://schemas.microsoft.com/office/drawing/2010/main" val="0"/>
-              </a:ext>
-            </a:extLst>
-          </a:blip>
-          <a:stretch>
-            <a:fillRect/>
-          </a:stretch>
-        </p:blipFill>
-        <p:spPr>
-          <a:xfrm>
-            <a:off x="16341036" y="8058429"/>
-            <a:ext cx="1942857" cy="2228571"/>
-          </a:xfrm>
-          <a:prstGeom prst="rect">
-            <a:avLst/>
-          </a:prstGeom>
-        </p:spPr>
-      </p:pic>
-      <p:pic>
-        <p:nvPicPr>
-          <p:cNvPr id="4" name="Picture 3" descr="A black background with a black square&#10;&#10;Description automatically generated with medium confidence">
-            <a:extLst>
-              <a:ext uri="{FF2B5EF4-FFF2-40B4-BE49-F238E27FC236}">
-                <a16:creationId xmlns:a16="http://schemas.microsoft.com/office/drawing/2014/main" id="{60BE2C2B-F655-E7BD-B514-9FAD21ED6990}"/>
-              </a:ext>
-            </a:extLst>
-          </p:cNvPr>
-          <p:cNvPicPr>
-            <a:picLocks noChangeAspect="1"/>
-          </p:cNvPicPr>
-          <p:nvPr/>
-        </p:nvPicPr>
-        <p:blipFill>
-          <a:blip r:embed="rId4">
-            <a:extLst>
-              <a:ext uri="{28A0092B-C50C-407E-A947-70E740481C1C}">
-                <a14:useLocalDpi xmlns:a14="http://schemas.microsoft.com/office/drawing/2010/main" val="0"/>
-              </a:ext>
-            </a:extLst>
-          </a:blip>
-          <a:stretch>
-            <a:fillRect/>
-          </a:stretch>
-        </p:blipFill>
-        <p:spPr>
-          <a:xfrm>
-            <a:off x="11734800" y="4229100"/>
-            <a:ext cx="4267200" cy="4267200"/>
-          </a:xfrm>
-          <a:prstGeom prst="rect">
-            <a:avLst/>
-          </a:prstGeom>
-        </p:spPr>
-      </p:pic>
-    </p:spTree>
-    <p:extLst>
-      <p:ext uri="{BB962C8B-B14F-4D97-AF65-F5344CB8AC3E}">
-        <p14:creationId xmlns:p14="http://schemas.microsoft.com/office/powerpoint/2010/main" val="4293474399"/>
       </p:ext>
     </p:extLst>
   </p:cSld>
@@ -13667,4 +13072,32 @@
     </a:ext>
   </a:extLst>
 </a:theme>
+</file>
+
+<file path=ppt/webextensions/webextension1.xml><?xml version="1.0" encoding="utf-8"?>
+<we:webextension xmlns:we="http://schemas.microsoft.com/office/webextensions/webextension/2010/11" id="{EDA8EE82-6AF8-4E16-A649-7BB4F1E51640}">
+  <we:reference id="wa104381526" version="1.0.0.2" store="en-US" storeType="OMEX"/>
+  <we:alternateReferences>
+    <we:reference id="WA104381526" version="1.0.0.2" store="WA104381526" storeType="OMEX"/>
+  </we:alternateReferences>
+  <we:properties>
+    <we:property name="FormID" value="&quot;cPpWkUv2F0C9kbrTzRR0VwK40CLGr49Luld6hV2Wkn9UNVI0WUgzSUY2S1JDMzBERTE5SDI2NFo5Ty4u#selectmode&quot;"/>
+  </we:properties>
+  <we:bindings/>
+  <we:snapshot xmlns:r="http://schemas.openxmlformats.org/officeDocument/2006/relationships"/>
+</we:webextension>
+</file>
+
+<file path=ppt/webextensions/webextension2.xml><?xml version="1.0" encoding="utf-8"?>
+<we:webextension xmlns:we="http://schemas.microsoft.com/office/webextensions/webextension/2010/11" id="{EBCFBD23-E62E-4547-A22E-520A013CC749}">
+  <we:reference id="wa104381526" version="1.0.0.2" store="en-US" storeType="OMEX"/>
+  <we:alternateReferences>
+    <we:reference id="WA104381526" version="1.0.0.2" store="WA104381526" storeType="OMEX"/>
+  </we:alternateReferences>
+  <we:properties>
+    <we:property name="FormID" value="&quot;cPpWkUv2F0C9kbrTzRR0VwK40CLGr49Luld6hV2Wkn9UNVI0WUgzSUY2S1JDMzBERTE5SDI2NFo5Ty4u#selectmode&quot;"/>
+  </we:properties>
+  <we:bindings/>
+  <we:snapshot xmlns:r="http://schemas.openxmlformats.org/officeDocument/2006/relationships"/>
+</we:webextension>
 </file>
--- a/xlgs-python-excel-copilot-slides.pptx
+++ b/xlgs-python-excel-copilot-slides.pptx
@@ -5,7 +5,7 @@
     <p:sldMasterId id="2147483648" r:id="rId1"/>
   </p:sldMasterIdLst>
   <p:notesMasterIdLst>
-    <p:notesMasterId r:id="rId36"/>
+    <p:notesMasterId r:id="rId37"/>
   </p:notesMasterIdLst>
   <p:sldIdLst>
     <p:sldId id="256" r:id="rId2"/>
@@ -40,18 +40,19 @@
     <p:sldId id="409" r:id="rId31"/>
     <p:sldId id="410" r:id="rId32"/>
     <p:sldId id="416" r:id="rId33"/>
-    <p:sldId id="428" r:id="rId34"/>
-    <p:sldId id="427" r:id="rId35"/>
+    <p:sldId id="429" r:id="rId34"/>
+    <p:sldId id="428" r:id="rId35"/>
+    <p:sldId id="427" r:id="rId36"/>
   </p:sldIdLst>
   <p:sldSz cx="18288000" cy="10287000"/>
   <p:notesSz cx="6858000" cy="9144000"/>
   <p:embeddedFontLst>
     <p:embeddedFont>
       <p:font typeface="Consolas" panose="020B0609020204030204" pitchFamily="49" charset="0"/>
-      <p:regular r:id="rId37"/>
-      <p:bold r:id="rId38"/>
-      <p:italic r:id="rId39"/>
-      <p:boldItalic r:id="rId40"/>
+      <p:regular r:id="rId38"/>
+      <p:bold r:id="rId39"/>
+      <p:italic r:id="rId40"/>
+      <p:boldItalic r:id="rId41"/>
     </p:embeddedFont>
   </p:embeddedFontLst>
   <p:defaultTextStyle>
@@ -624,6 +625,114 @@
   <p:cSld>
     <p:spTree>
       <p:nvGrpSpPr>
+        <p:cNvPr id="1" name=""/>
+        <p:cNvGrpSpPr/>
+        <p:nvPr/>
+      </p:nvGrpSpPr>
+      <p:grpSpPr>
+        <a:xfrm>
+          <a:off x="0" y="0"/>
+          <a:ext cx="0" cy="0"/>
+          <a:chOff x="0" y="0"/>
+          <a:chExt cx="0" cy="0"/>
+        </a:xfrm>
+      </p:grpSpPr>
+      <p:sp>
+        <p:nvSpPr>
+          <p:cNvPr id="2" name="Slide Image Placeholder 1"/>
+          <p:cNvSpPr>
+            <a:spLocks noGrp="1" noRot="1" noChangeAspect="1"/>
+          </p:cNvSpPr>
+          <p:nvPr>
+            <p:ph type="sldImg"/>
+          </p:nvPr>
+        </p:nvSpPr>
+        <p:spPr/>
+      </p:sp>
+      <p:sp>
+        <p:nvSpPr>
+          <p:cNvPr id="3" name="Notes Placeholder 2"/>
+          <p:cNvSpPr>
+            <a:spLocks noGrp="1"/>
+          </p:cNvSpPr>
+          <p:nvPr>
+            <p:ph type="body" idx="1"/>
+          </p:nvPr>
+        </p:nvSpPr>
+        <p:spPr/>
+        <p:txBody>
+          <a:bodyPr/>
+          <a:lstStyle/>
+          <a:p>
+            <a:pPr marL="228600" indent="-228600">
+              <a:buAutoNum type="arabicPeriod"/>
+            </a:pPr>
+            <a:r>
+              <a:rPr lang="en-US" dirty="0"/>
+              <a:t>False!</a:t>
+            </a:r>
+          </a:p>
+          <a:p>
+            <a:pPr marL="228600" indent="-228600">
+              <a:buAutoNum type="arabicPeriod"/>
+            </a:pPr>
+            <a:r>
+              <a:rPr lang="en-US" dirty="0"/>
+              <a:t>Function, Formula, Function</a:t>
+            </a:r>
+          </a:p>
+          <a:p>
+            <a:pPr marL="228600" indent="-228600">
+              <a:buAutoNum type="arabicPeriod"/>
+            </a:pPr>
+            <a:r>
+              <a:rPr lang="en-US" dirty="0"/>
+              <a:t>Argument</a:t>
+            </a:r>
+          </a:p>
+        </p:txBody>
+      </p:sp>
+      <p:sp>
+        <p:nvSpPr>
+          <p:cNvPr id="4" name="Slide Number Placeholder 3"/>
+          <p:cNvSpPr>
+            <a:spLocks noGrp="1"/>
+          </p:cNvSpPr>
+          <p:nvPr>
+            <p:ph type="sldNum" sz="quarter" idx="5"/>
+          </p:nvPr>
+        </p:nvSpPr>
+        <p:spPr/>
+        <p:txBody>
+          <a:bodyPr/>
+          <a:lstStyle/>
+          <a:p>
+            <a:fld id="{1300335D-9F13-4B80-ADC5-B0EA3E10FF6B}" type="slidenum">
+              <a:rPr lang="en-US" smtClean="0"/>
+              <a:t>22</a:t>
+            </a:fld>
+            <a:endParaRPr lang="en-US"/>
+          </a:p>
+        </p:txBody>
+      </p:sp>
+    </p:spTree>
+    <p:extLst>
+      <p:ext uri="{BB962C8B-B14F-4D97-AF65-F5344CB8AC3E}">
+        <p14:creationId xmlns:p14="http://schemas.microsoft.com/office/powerpoint/2010/main" val="624549242"/>
+      </p:ext>
+    </p:extLst>
+  </p:cSld>
+  <p:clrMapOvr>
+    <a:masterClrMapping/>
+  </p:clrMapOvr>
+</p:notes>
+</file>
+
+<file path=ppt/notesSlides/notesSlide11.xml><?xml version="1.0" encoding="utf-8"?>
+<p:notes xmlns:a="http://schemas.openxmlformats.org/drawingml/2006/main" xmlns:r="http://schemas.openxmlformats.org/officeDocument/2006/relationships" xmlns:p="http://schemas.openxmlformats.org/presentationml/2006/main">
+  <p:cSld>
+    <p:spTree>
+      <p:nvGrpSpPr>
         <p:cNvPr id="1" name="">
           <a:extLst>
             <a:ext uri="{FF2B5EF4-FFF2-40B4-BE49-F238E27FC236}">
@@ -742,114 +851,6 @@
     <p:extLst>
       <p:ext uri="{BB962C8B-B14F-4D97-AF65-F5344CB8AC3E}">
         <p14:creationId xmlns:p14="http://schemas.microsoft.com/office/powerpoint/2010/main" val="2906957019"/>
-      </p:ext>
-    </p:extLst>
-  </p:cSld>
-  <p:clrMapOvr>
-    <a:masterClrMapping/>
-  </p:clrMapOvr>
-</p:notes>
-</file>
-
-<file path=ppt/notesSlides/notesSlide11.xml><?xml version="1.0" encoding="utf-8"?>
-<p:notes xmlns:a="http://schemas.openxmlformats.org/drawingml/2006/main" xmlns:r="http://schemas.openxmlformats.org/officeDocument/2006/relationships" xmlns:p="http://schemas.openxmlformats.org/presentationml/2006/main">
-  <p:cSld>
-    <p:spTree>
-      <p:nvGrpSpPr>
-        <p:cNvPr id="1" name=""/>
-        <p:cNvGrpSpPr/>
-        <p:nvPr/>
-      </p:nvGrpSpPr>
-      <p:grpSpPr>
-        <a:xfrm>
-          <a:off x="0" y="0"/>
-          <a:ext cx="0" cy="0"/>
-          <a:chOff x="0" y="0"/>
-          <a:chExt cx="0" cy="0"/>
-        </a:xfrm>
-      </p:grpSpPr>
-      <p:sp>
-        <p:nvSpPr>
-          <p:cNvPr id="2" name="Slide Image Placeholder 1"/>
-          <p:cNvSpPr>
-            <a:spLocks noGrp="1" noRot="1" noChangeAspect="1"/>
-          </p:cNvSpPr>
-          <p:nvPr>
-            <p:ph type="sldImg"/>
-          </p:nvPr>
-        </p:nvSpPr>
-        <p:spPr/>
-      </p:sp>
-      <p:sp>
-        <p:nvSpPr>
-          <p:cNvPr id="3" name="Notes Placeholder 2"/>
-          <p:cNvSpPr>
-            <a:spLocks noGrp="1"/>
-          </p:cNvSpPr>
-          <p:nvPr>
-            <p:ph type="body" idx="1"/>
-          </p:nvPr>
-        </p:nvSpPr>
-        <p:spPr/>
-        <p:txBody>
-          <a:bodyPr/>
-          <a:lstStyle/>
-          <a:p>
-            <a:pPr marL="228600" indent="-228600">
-              <a:buAutoNum type="arabicPeriod"/>
-            </a:pPr>
-            <a:r>
-              <a:rPr lang="en-US" dirty="0"/>
-              <a:t>False!</a:t>
-            </a:r>
-          </a:p>
-          <a:p>
-            <a:pPr marL="228600" indent="-228600">
-              <a:buAutoNum type="arabicPeriod"/>
-            </a:pPr>
-            <a:r>
-              <a:rPr lang="en-US" dirty="0"/>
-              <a:t>Function, Formula, Function</a:t>
-            </a:r>
-          </a:p>
-          <a:p>
-            <a:pPr marL="228600" indent="-228600">
-              <a:buAutoNum type="arabicPeriod"/>
-            </a:pPr>
-            <a:r>
-              <a:rPr lang="en-US" dirty="0"/>
-              <a:t>Argument</a:t>
-            </a:r>
-          </a:p>
-        </p:txBody>
-      </p:sp>
-      <p:sp>
-        <p:nvSpPr>
-          <p:cNvPr id="4" name="Slide Number Placeholder 3"/>
-          <p:cNvSpPr>
-            <a:spLocks noGrp="1"/>
-          </p:cNvSpPr>
-          <p:nvPr>
-            <p:ph type="sldNum" sz="quarter" idx="5"/>
-          </p:nvPr>
-        </p:nvSpPr>
-        <p:spPr/>
-        <p:txBody>
-          <a:bodyPr/>
-          <a:lstStyle/>
-          <a:p>
-            <a:fld id="{1300335D-9F13-4B80-ADC5-B0EA3E10FF6B}" type="slidenum">
-              <a:rPr lang="en-US" smtClean="0"/>
-              <a:t>26</a:t>
-            </a:fld>
-            <a:endParaRPr lang="en-US"/>
-          </a:p>
-        </p:txBody>
-      </p:sp>
-    </p:spTree>
-    <p:extLst>
-      <p:ext uri="{BB962C8B-B14F-4D97-AF65-F5344CB8AC3E}">
-        <p14:creationId xmlns:p14="http://schemas.microsoft.com/office/powerpoint/2010/main" val="1500510141"/>
       </p:ext>
     </p:extLst>
   </p:cSld>
@@ -948,7 +949,7 @@
           <a:p>
             <a:fld id="{1300335D-9F13-4B80-ADC5-B0EA3E10FF6B}" type="slidenum">
               <a:rPr lang="en-US" smtClean="0"/>
-              <a:t>27</a:t>
+              <a:t>26</a:t>
             </a:fld>
             <a:endParaRPr lang="en-US"/>
           </a:p>
@@ -957,7 +958,7 @@
     </p:spTree>
     <p:extLst>
       <p:ext uri="{BB962C8B-B14F-4D97-AF65-F5344CB8AC3E}">
-        <p14:creationId xmlns:p14="http://schemas.microsoft.com/office/powerpoint/2010/main" val="377014208"/>
+        <p14:creationId xmlns:p14="http://schemas.microsoft.com/office/powerpoint/2010/main" val="1500510141"/>
       </p:ext>
     </p:extLst>
   </p:cSld>
@@ -1056,6 +1057,114 @@
           <a:p>
             <a:fld id="{1300335D-9F13-4B80-ADC5-B0EA3E10FF6B}" type="slidenum">
               <a:rPr lang="en-US" smtClean="0"/>
+              <a:t>27</a:t>
+            </a:fld>
+            <a:endParaRPr lang="en-US"/>
+          </a:p>
+        </p:txBody>
+      </p:sp>
+    </p:spTree>
+    <p:extLst>
+      <p:ext uri="{BB962C8B-B14F-4D97-AF65-F5344CB8AC3E}">
+        <p14:creationId xmlns:p14="http://schemas.microsoft.com/office/powerpoint/2010/main" val="377014208"/>
+      </p:ext>
+    </p:extLst>
+  </p:cSld>
+  <p:clrMapOvr>
+    <a:masterClrMapping/>
+  </p:clrMapOvr>
+</p:notes>
+</file>
+
+<file path=ppt/notesSlides/notesSlide14.xml><?xml version="1.0" encoding="utf-8"?>
+<p:notes xmlns:a="http://schemas.openxmlformats.org/drawingml/2006/main" xmlns:r="http://schemas.openxmlformats.org/officeDocument/2006/relationships" xmlns:p="http://schemas.openxmlformats.org/presentationml/2006/main">
+  <p:cSld>
+    <p:spTree>
+      <p:nvGrpSpPr>
+        <p:cNvPr id="1" name=""/>
+        <p:cNvGrpSpPr/>
+        <p:nvPr/>
+      </p:nvGrpSpPr>
+      <p:grpSpPr>
+        <a:xfrm>
+          <a:off x="0" y="0"/>
+          <a:ext cx="0" cy="0"/>
+          <a:chOff x="0" y="0"/>
+          <a:chExt cx="0" cy="0"/>
+        </a:xfrm>
+      </p:grpSpPr>
+      <p:sp>
+        <p:nvSpPr>
+          <p:cNvPr id="2" name="Slide Image Placeholder 1"/>
+          <p:cNvSpPr>
+            <a:spLocks noGrp="1" noRot="1" noChangeAspect="1"/>
+          </p:cNvSpPr>
+          <p:nvPr>
+            <p:ph type="sldImg"/>
+          </p:nvPr>
+        </p:nvSpPr>
+        <p:spPr/>
+      </p:sp>
+      <p:sp>
+        <p:nvSpPr>
+          <p:cNvPr id="3" name="Notes Placeholder 2"/>
+          <p:cNvSpPr>
+            <a:spLocks noGrp="1"/>
+          </p:cNvSpPr>
+          <p:nvPr>
+            <p:ph type="body" idx="1"/>
+          </p:nvPr>
+        </p:nvSpPr>
+        <p:spPr/>
+        <p:txBody>
+          <a:bodyPr/>
+          <a:lstStyle/>
+          <a:p>
+            <a:pPr marL="228600" indent="-228600">
+              <a:buAutoNum type="arabicPeriod"/>
+            </a:pPr>
+            <a:r>
+              <a:rPr lang="en-US" dirty="0"/>
+              <a:t>False!</a:t>
+            </a:r>
+          </a:p>
+          <a:p>
+            <a:pPr marL="228600" indent="-228600">
+              <a:buAutoNum type="arabicPeriod"/>
+            </a:pPr>
+            <a:r>
+              <a:rPr lang="en-US" dirty="0"/>
+              <a:t>Function, Formula, Function</a:t>
+            </a:r>
+          </a:p>
+          <a:p>
+            <a:pPr marL="228600" indent="-228600">
+              <a:buAutoNum type="arabicPeriod"/>
+            </a:pPr>
+            <a:r>
+              <a:rPr lang="en-US" dirty="0"/>
+              <a:t>Argument</a:t>
+            </a:r>
+          </a:p>
+        </p:txBody>
+      </p:sp>
+      <p:sp>
+        <p:nvSpPr>
+          <p:cNvPr id="4" name="Slide Number Placeholder 3"/>
+          <p:cNvSpPr>
+            <a:spLocks noGrp="1"/>
+          </p:cNvSpPr>
+          <p:nvPr>
+            <p:ph type="sldNum" sz="quarter" idx="5"/>
+          </p:nvPr>
+        </p:nvSpPr>
+        <p:spPr/>
+        <p:txBody>
+          <a:bodyPr/>
+          <a:lstStyle/>
+          <a:p>
+            <a:fld id="{1300335D-9F13-4B80-ADC5-B0EA3E10FF6B}" type="slidenum">
+              <a:rPr lang="en-US" smtClean="0"/>
               <a:t>30</a:t>
             </a:fld>
             <a:endParaRPr lang="en-US"/>
@@ -1075,7 +1184,7 @@
 </p:notes>
 </file>
 
-<file path=ppt/notesSlides/notesSlide14.xml><?xml version="1.0" encoding="utf-8"?>
+<file path=ppt/notesSlides/notesSlide15.xml><?xml version="1.0" encoding="utf-8"?>
 <p:notes xmlns:a="http://schemas.openxmlformats.org/drawingml/2006/main" xmlns:r="http://schemas.openxmlformats.org/officeDocument/2006/relationships" xmlns:p="http://schemas.openxmlformats.org/presentationml/2006/main">
   <p:cSld>
     <p:spTree>
@@ -1227,30 +1336,9 @@
           <a:bodyPr/>
           <a:lstStyle/>
           <a:p>
-            <a:pPr marL="228600" indent="-228600">
-              <a:buAutoNum type="arabicPeriod"/>
-            </a:pPr>
             <a:r>
               <a:rPr lang="en-US" dirty="0"/>
-              <a:t>False!</a:t>
-            </a:r>
-          </a:p>
-          <a:p>
-            <a:pPr marL="228600" indent="-228600">
-              <a:buAutoNum type="arabicPeriod"/>
-            </a:pPr>
-            <a:r>
-              <a:rPr lang="en-US" dirty="0"/>
-              <a:t>Function, Formula, Function</a:t>
-            </a:r>
-          </a:p>
-          <a:p>
-            <a:pPr marL="228600" indent="-228600">
-              <a:buAutoNum type="arabicPeriod"/>
-            </a:pPr>
-            <a:r>
-              <a:rPr lang="en-US" dirty="0"/>
-              <a:t>Argument</a:t>
+              <a:t>https://stringfestanalytics.com/the-end-of-dax-and-m-how-ai-and-python-are-transforming-excel/</a:t>
             </a:r>
           </a:p>
         </p:txBody>
@@ -1270,9 +1358,9 @@
           <a:bodyPr/>
           <a:lstStyle/>
           <a:p>
-            <a:fld id="{1300335D-9F13-4B80-ADC5-B0EA3E10FF6B}" type="slidenum">
+            <a:fld id="{FFB500C5-13F7-48FC-8160-C29AECF6C602}" type="slidenum">
               <a:rPr lang="en-US" smtClean="0"/>
-              <a:t>8</a:t>
+              <a:t>6</a:t>
             </a:fld>
             <a:endParaRPr lang="en-US"/>
           </a:p>
@@ -1281,7 +1369,7 @@
     </p:spTree>
     <p:extLst>
       <p:ext uri="{BB962C8B-B14F-4D97-AF65-F5344CB8AC3E}">
-        <p14:creationId xmlns:p14="http://schemas.microsoft.com/office/powerpoint/2010/main" val="2757268264"/>
+        <p14:creationId xmlns:p14="http://schemas.microsoft.com/office/powerpoint/2010/main" val="2469045808"/>
       </p:ext>
     </p:extLst>
   </p:cSld>
@@ -1380,7 +1468,7 @@
           <a:p>
             <a:fld id="{1300335D-9F13-4B80-ADC5-B0EA3E10FF6B}" type="slidenum">
               <a:rPr lang="en-US" smtClean="0"/>
-              <a:t>9</a:t>
+              <a:t>8</a:t>
             </a:fld>
             <a:endParaRPr lang="en-US"/>
           </a:p>
@@ -1389,7 +1477,7 @@
     </p:spTree>
     <p:extLst>
       <p:ext uri="{BB962C8B-B14F-4D97-AF65-F5344CB8AC3E}">
-        <p14:creationId xmlns:p14="http://schemas.microsoft.com/office/powerpoint/2010/main" val="395630260"/>
+        <p14:creationId xmlns:p14="http://schemas.microsoft.com/office/powerpoint/2010/main" val="2757268264"/>
       </p:ext>
     </p:extLst>
   </p:cSld>
@@ -1488,7 +1576,7 @@
           <a:p>
             <a:fld id="{1300335D-9F13-4B80-ADC5-B0EA3E10FF6B}" type="slidenum">
               <a:rPr lang="en-US" smtClean="0"/>
-              <a:t>12</a:t>
+              <a:t>9</a:t>
             </a:fld>
             <a:endParaRPr lang="en-US"/>
           </a:p>
@@ -1497,7 +1585,7 @@
     </p:spTree>
     <p:extLst>
       <p:ext uri="{BB962C8B-B14F-4D97-AF65-F5344CB8AC3E}">
-        <p14:creationId xmlns:p14="http://schemas.microsoft.com/office/powerpoint/2010/main" val="2913293102"/>
+        <p14:creationId xmlns:p14="http://schemas.microsoft.com/office/powerpoint/2010/main" val="395630260"/>
       </p:ext>
     </p:extLst>
   </p:cSld>
@@ -1596,7 +1684,7 @@
           <a:p>
             <a:fld id="{1300335D-9F13-4B80-ADC5-B0EA3E10FF6B}" type="slidenum">
               <a:rPr lang="en-US" smtClean="0"/>
-              <a:t>13</a:t>
+              <a:t>12</a:t>
             </a:fld>
             <a:endParaRPr lang="en-US"/>
           </a:p>
@@ -1605,7 +1693,7 @@
     </p:spTree>
     <p:extLst>
       <p:ext uri="{BB962C8B-B14F-4D97-AF65-F5344CB8AC3E}">
-        <p14:creationId xmlns:p14="http://schemas.microsoft.com/office/powerpoint/2010/main" val="55314337"/>
+        <p14:creationId xmlns:p14="http://schemas.microsoft.com/office/powerpoint/2010/main" val="2913293102"/>
       </p:ext>
     </p:extLst>
   </p:cSld>
@@ -1704,7 +1792,7 @@
           <a:p>
             <a:fld id="{1300335D-9F13-4B80-ADC5-B0EA3E10FF6B}" type="slidenum">
               <a:rPr lang="en-US" smtClean="0"/>
-              <a:t>16</a:t>
+              <a:t>13</a:t>
             </a:fld>
             <a:endParaRPr lang="en-US"/>
           </a:p>
@@ -1713,7 +1801,7 @@
     </p:spTree>
     <p:extLst>
       <p:ext uri="{BB962C8B-B14F-4D97-AF65-F5344CB8AC3E}">
-        <p14:creationId xmlns:p14="http://schemas.microsoft.com/office/powerpoint/2010/main" val="678009514"/>
+        <p14:creationId xmlns:p14="http://schemas.microsoft.com/office/powerpoint/2010/main" val="55314337"/>
       </p:ext>
     </p:extLst>
   </p:cSld>
@@ -1812,7 +1900,7 @@
           <a:p>
             <a:fld id="{1300335D-9F13-4B80-ADC5-B0EA3E10FF6B}" type="slidenum">
               <a:rPr lang="en-US" smtClean="0"/>
-              <a:t>17</a:t>
+              <a:t>16</a:t>
             </a:fld>
             <a:endParaRPr lang="en-US"/>
           </a:p>
@@ -1821,7 +1909,7 @@
     </p:spTree>
     <p:extLst>
       <p:ext uri="{BB962C8B-B14F-4D97-AF65-F5344CB8AC3E}">
-        <p14:creationId xmlns:p14="http://schemas.microsoft.com/office/powerpoint/2010/main" val="358552492"/>
+        <p14:creationId xmlns:p14="http://schemas.microsoft.com/office/powerpoint/2010/main" val="678009514"/>
       </p:ext>
     </p:extLst>
   </p:cSld>
@@ -1920,7 +2008,7 @@
           <a:p>
             <a:fld id="{1300335D-9F13-4B80-ADC5-B0EA3E10FF6B}" type="slidenum">
               <a:rPr lang="en-US" smtClean="0"/>
-              <a:t>19</a:t>
+              <a:t>17</a:t>
             </a:fld>
             <a:endParaRPr lang="en-US"/>
           </a:p>
@@ -1929,7 +2017,7 @@
     </p:spTree>
     <p:extLst>
       <p:ext uri="{BB962C8B-B14F-4D97-AF65-F5344CB8AC3E}">
-        <p14:creationId xmlns:p14="http://schemas.microsoft.com/office/powerpoint/2010/main" val="1308301185"/>
+        <p14:creationId xmlns:p14="http://schemas.microsoft.com/office/powerpoint/2010/main" val="358552492"/>
       </p:ext>
     </p:extLst>
   </p:cSld>
@@ -2028,7 +2116,7 @@
           <a:p>
             <a:fld id="{1300335D-9F13-4B80-ADC5-B0EA3E10FF6B}" type="slidenum">
               <a:rPr lang="en-US" smtClean="0"/>
-              <a:t>22</a:t>
+              <a:t>19</a:t>
             </a:fld>
             <a:endParaRPr lang="en-US"/>
           </a:p>
@@ -2037,7 +2125,7 @@
     </p:spTree>
     <p:extLst>
       <p:ext uri="{BB962C8B-B14F-4D97-AF65-F5344CB8AC3E}">
-        <p14:creationId xmlns:p14="http://schemas.microsoft.com/office/powerpoint/2010/main" val="624549242"/>
+        <p14:creationId xmlns:p14="http://schemas.microsoft.com/office/powerpoint/2010/main" val="1308301185"/>
       </p:ext>
     </p:extLst>
   </p:cSld>
@@ -9909,7 +9997,7 @@
         <p:spPr>
           <a:xfrm>
             <a:off x="520861" y="170082"/>
-            <a:ext cx="11979797" cy="2862322"/>
+            <a:ext cx="14642939" cy="1477328"/>
           </a:xfrm>
           <a:prstGeom prst="rect">
             <a:avLst/>
@@ -9939,8 +10027,8 @@
         </p:nvSpPr>
         <p:spPr>
           <a:xfrm>
-            <a:off x="520861" y="3191948"/>
-            <a:ext cx="14393120" cy="3970318"/>
+            <a:off x="520861" y="2324100"/>
+            <a:ext cx="14393120" cy="4154984"/>
           </a:xfrm>
           <a:prstGeom prst="rect">
             <a:avLst/>
@@ -9961,13 +10049,13 @@
               <a:buChar char="•"/>
             </a:pPr>
             <a:r>
-              <a:rPr lang="en-US" sz="4200" dirty="0">
+              <a:rPr lang="en-US" sz="6600" dirty="0">
                 <a:solidFill>
                   <a:srgbClr val="707070"/>
                 </a:solidFill>
                 <a:latin typeface="Pragmatica" panose="020B0403040502020204" pitchFamily="34" charset="0"/>
               </a:rPr>
-              <a:t>Use current AI-powered features in Excel for data entry, analysis and automation</a:t>
+              <a:t>Integrate Excel, Python, Copilot for data analysis.</a:t>
             </a:r>
           </a:p>
           <a:p>
@@ -9979,13 +10067,13 @@
               <a:buChar char="•"/>
             </a:pPr>
             <a:r>
-              <a:rPr lang="en-US" sz="4200" dirty="0">
+              <a:rPr lang="en-US" sz="6600" dirty="0">
                 <a:solidFill>
                   <a:srgbClr val="707070"/>
                 </a:solidFill>
                 <a:latin typeface="Pragmatica" panose="020B0403040502020204" pitchFamily="34" charset="0"/>
               </a:rPr>
-              <a:t>Augment and automate Excel analysis, visualization and reporting with Python and Python in Excel</a:t>
+              <a:t>Become a citizen data scientist! </a:t>
             </a:r>
           </a:p>
           <a:p>
@@ -9997,13 +10085,13 @@
               <a:buChar char="•"/>
             </a:pPr>
             <a:r>
-              <a:rPr lang="en-US" sz="4200" dirty="0">
+              <a:rPr lang="en-US" sz="6600" dirty="0">
                 <a:solidFill>
                   <a:srgbClr val="707070"/>
                 </a:solidFill>
                 <a:latin typeface="Pragmatica" panose="020B0403040502020204" pitchFamily="34" charset="0"/>
               </a:rPr>
-              <a:t>Take Excel automation to new levels with Power Automate and Office Scripts</a:t>
+              <a:t>Explore the future of Excel… </a:t>
             </a:r>
           </a:p>
         </p:txBody>
@@ -10887,6 +10975,146 @@
 </file>
 
 <file path=ppt/slides/slide33.xml><?xml version="1.0" encoding="utf-8"?>
+<p:sld xmlns:a="http://schemas.openxmlformats.org/drawingml/2006/main" xmlns:r="http://schemas.openxmlformats.org/officeDocument/2006/relationships" xmlns:p="http://schemas.openxmlformats.org/presentationml/2006/main">
+  <p:cSld>
+    <p:spTree>
+      <p:nvGrpSpPr>
+        <p:cNvPr id="1" name=""/>
+        <p:cNvGrpSpPr/>
+        <p:nvPr/>
+      </p:nvGrpSpPr>
+      <p:grpSpPr>
+        <a:xfrm>
+          <a:off x="0" y="0"/>
+          <a:ext cx="0" cy="0"/>
+          <a:chOff x="0" y="0"/>
+          <a:chExt cx="0" cy="0"/>
+        </a:xfrm>
+      </p:grpSpPr>
+      <p:sp>
+        <p:nvSpPr>
+          <p:cNvPr id="2" name="Title 1">
+            <a:extLst>
+              <a:ext uri="{FF2B5EF4-FFF2-40B4-BE49-F238E27FC236}">
+                <a16:creationId xmlns:a16="http://schemas.microsoft.com/office/drawing/2014/main" id="{43942A2F-0236-3C90-83A5-C98ADCC50CAC}"/>
+              </a:ext>
+            </a:extLst>
+          </p:cNvPr>
+          <p:cNvSpPr>
+            <a:spLocks noGrp="1"/>
+          </p:cNvSpPr>
+          <p:nvPr>
+            <p:ph type="title"/>
+          </p:nvPr>
+        </p:nvSpPr>
+        <p:spPr/>
+        <p:txBody>
+          <a:bodyPr/>
+          <a:lstStyle/>
+          <a:p>
+            <a:endParaRPr lang="en-US"/>
+          </a:p>
+        </p:txBody>
+      </p:sp>
+      <p:sp>
+        <p:nvSpPr>
+          <p:cNvPr id="3" name="Content Placeholder 2">
+            <a:extLst>
+              <a:ext uri="{FF2B5EF4-FFF2-40B4-BE49-F238E27FC236}">
+                <a16:creationId xmlns:a16="http://schemas.microsoft.com/office/drawing/2014/main" id="{35443616-125B-1B32-E7C0-F8CA62EE404C}"/>
+              </a:ext>
+            </a:extLst>
+          </p:cNvPr>
+          <p:cNvSpPr>
+            <a:spLocks noGrp="1"/>
+          </p:cNvSpPr>
+          <p:nvPr>
+            <p:ph idx="1"/>
+          </p:nvPr>
+        </p:nvSpPr>
+        <p:spPr/>
+        <p:txBody>
+          <a:bodyPr/>
+          <a:lstStyle/>
+          <a:p>
+            <a:endParaRPr lang="en-US"/>
+          </a:p>
+        </p:txBody>
+      </p:sp>
+      <mc:AlternateContent xmlns:mc="http://schemas.openxmlformats.org/markup-compatibility/2006">
+        <mc:Choice xmlns:we="http://schemas.microsoft.com/office/webextensions/webextension/2010/11" xmlns:pca="http://schemas.microsoft.com/office/powerpoint/2013/contentapp" Requires="we pca">
+          <p:graphicFrame>
+            <p:nvGraphicFramePr>
+              <p:cNvPr id="4" name="Add-in 3">
+                <a:extLst>
+                  <a:ext uri="{FF2B5EF4-FFF2-40B4-BE49-F238E27FC236}">
+                    <a16:creationId xmlns:a16="http://schemas.microsoft.com/office/drawing/2014/main" id="{3EA4D709-E8B6-D503-769E-C2259A61B4C2}"/>
+                  </a:ext>
+                </a:extLst>
+              </p:cNvPr>
+              <p:cNvGraphicFramePr>
+                <a:graphicFrameLocks noGrp="1"/>
+              </p:cNvGraphicFramePr>
+              <p:nvPr/>
+            </p:nvGraphicFramePr>
+            <p:xfrm>
+              <a:off x="0" y="0"/>
+              <a:ext cx="18288000" cy="10287000"/>
+            </p:xfrm>
+            <a:graphic>
+              <a:graphicData uri="http://schemas.microsoft.com/office/webextensions/webextension/2010/11">
+                <we:webextensionref xmlns:we="http://schemas.microsoft.com/office/webextensions/webextension/2010/11" xmlns:r="http://schemas.openxmlformats.org/officeDocument/2006/relationships" r:id="rId2"/>
+              </a:graphicData>
+            </a:graphic>
+          </p:graphicFrame>
+        </mc:Choice>
+        <mc:Fallback>
+          <p:pic>
+            <p:nvPicPr>
+              <p:cNvPr id="4" name="Add-in 3">
+                <a:extLst>
+                  <a:ext uri="{FF2B5EF4-FFF2-40B4-BE49-F238E27FC236}">
+                    <a16:creationId xmlns:a16="http://schemas.microsoft.com/office/drawing/2014/main" id="{3EA4D709-E8B6-D503-769E-C2259A61B4C2}"/>
+                  </a:ext>
+                </a:extLst>
+              </p:cNvPr>
+              <p:cNvPicPr>
+                <a:picLocks noGrp="1" noRot="1" noChangeAspect="1" noMove="1" noResize="1" noEditPoints="1" noAdjustHandles="1" noChangeArrowheads="1" noChangeShapeType="1"/>
+              </p:cNvPicPr>
+              <p:nvPr/>
+            </p:nvPicPr>
+            <p:blipFill>
+              <a:blip r:embed="rId3"/>
+              <a:stretch>
+                <a:fillRect/>
+              </a:stretch>
+            </p:blipFill>
+            <p:spPr>
+              <a:xfrm>
+                <a:off x="0" y="0"/>
+                <a:ext cx="18288000" cy="10287000"/>
+              </a:xfrm>
+              <a:prstGeom prst="rect">
+                <a:avLst/>
+              </a:prstGeom>
+            </p:spPr>
+          </p:pic>
+        </mc:Fallback>
+      </mc:AlternateContent>
+    </p:spTree>
+    <p:extLst>
+      <p:ext uri="{BB962C8B-B14F-4D97-AF65-F5344CB8AC3E}">
+        <p14:creationId xmlns:p14="http://schemas.microsoft.com/office/powerpoint/2010/main" val="1392133467"/>
+      </p:ext>
+    </p:extLst>
+  </p:cSld>
+  <p:clrMapOvr>
+    <a:masterClrMapping/>
+  </p:clrMapOvr>
+</p:sld>
+</file>
+
+<file path=ppt/slides/slide34.xml><?xml version="1.0" encoding="utf-8"?>
 <p:sld xmlns:a="http://schemas.openxmlformats.org/drawingml/2006/main" xmlns:r="http://schemas.openxmlformats.org/officeDocument/2006/relationships" xmlns:p="http://schemas.openxmlformats.org/presentationml/2006/main">
   <p:cSld>
     <p:spTree>
@@ -11086,7 +11314,7 @@
 </p:sld>
 </file>
 
-<file path=ppt/slides/slide34.xml><?xml version="1.0" encoding="utf-8"?>
+<file path=ppt/slides/slide35.xml><?xml version="1.0" encoding="utf-8"?>
 <p:sld xmlns:a="http://schemas.openxmlformats.org/drawingml/2006/main" xmlns:r="http://schemas.openxmlformats.org/officeDocument/2006/relationships" xmlns:p="http://schemas.openxmlformats.org/presentationml/2006/main">
   <p:cSld>
     <p:spTree>
@@ -11519,7 +11747,7 @@
         </p:blipFill>
         <p:spPr>
           <a:xfrm>
-            <a:off x="12115800" y="1886685"/>
+            <a:off x="12053054" y="2754978"/>
             <a:ext cx="5948960" cy="5948960"/>
           </a:xfrm>
           <a:prstGeom prst="rect">
@@ -11555,7 +11783,7 @@
         </p:blipFill>
         <p:spPr>
           <a:xfrm>
-            <a:off x="5791200" y="2196725"/>
+            <a:off x="5786322" y="2967993"/>
             <a:ext cx="5932299" cy="5522929"/>
           </a:xfrm>
           <a:prstGeom prst="rect">
@@ -11591,7 +11819,7 @@
         </p:blipFill>
         <p:spPr>
           <a:xfrm>
-            <a:off x="243665" y="2232468"/>
+            <a:off x="293499" y="3390900"/>
             <a:ext cx="5105400" cy="5603177"/>
           </a:xfrm>
           <a:prstGeom prst="rect">
@@ -11686,7 +11914,7 @@
         <p:spPr>
           <a:xfrm>
             <a:off x="781292" y="590309"/>
-            <a:ext cx="15486926" cy="1615827"/>
+            <a:ext cx="15486926" cy="3139321"/>
           </a:xfrm>
           <a:prstGeom prst="rect">
             <a:avLst/>
@@ -11706,11 +11934,76 @@
                 </a:solidFill>
                 <a:latin typeface="Normafixed Tryout" panose="00000409000000000000"/>
               </a:rPr>
-              <a:t>Copilot for Excel</a:t>
-            </a:r>
-          </a:p>
-        </p:txBody>
-      </p:sp>
+              <a:t>Why Python + Copilot + Excel? </a:t>
+            </a:r>
+          </a:p>
+        </p:txBody>
+      </p:sp>
+      <p:pic>
+        <p:nvPicPr>
+          <p:cNvPr id="3" name="Picture 2" descr="A screenshot of a social media post&#10;&#10;AI-generated content may be incorrect.">
+            <a:extLst>
+              <a:ext uri="{FF2B5EF4-FFF2-40B4-BE49-F238E27FC236}">
+                <a16:creationId xmlns:a16="http://schemas.microsoft.com/office/drawing/2014/main" id="{C7653CFE-9F92-7113-BF61-7DAB94F9A586}"/>
+              </a:ext>
+            </a:extLst>
+          </p:cNvPr>
+          <p:cNvPicPr>
+            <a:picLocks noChangeAspect="1"/>
+          </p:cNvPicPr>
+          <p:nvPr/>
+        </p:nvPicPr>
+        <p:blipFill>
+          <a:blip r:embed="rId3">
+            <a:extLst>
+              <a:ext uri="{28A0092B-C50C-407E-A947-70E740481C1C}">
+                <a14:useLocalDpi xmlns:a14="http://schemas.microsoft.com/office/drawing/2010/main" val="0"/>
+              </a:ext>
+            </a:extLst>
+          </a:blip>
+          <a:srcRect l="11316" t="36253" r="22676" b="33992"/>
+          <a:stretch/>
+        </p:blipFill>
+        <p:spPr>
+          <a:xfrm>
+            <a:off x="1447800" y="7048500"/>
+            <a:ext cx="5449802" cy="2456672"/>
+          </a:xfrm>
+          <a:prstGeom prst="rect">
+            <a:avLst/>
+          </a:prstGeom>
+        </p:spPr>
+      </p:pic>
+      <p:pic>
+        <p:nvPicPr>
+          <p:cNvPr id="7" name="Picture 6">
+            <a:extLst>
+              <a:ext uri="{FF2B5EF4-FFF2-40B4-BE49-F238E27FC236}">
+                <a16:creationId xmlns:a16="http://schemas.microsoft.com/office/drawing/2014/main" id="{80C68F4E-3752-F903-C6B1-76A097DDBBEA}"/>
+              </a:ext>
+            </a:extLst>
+          </p:cNvPr>
+          <p:cNvPicPr>
+            <a:picLocks noChangeAspect="1"/>
+          </p:cNvPicPr>
+          <p:nvPr/>
+        </p:nvPicPr>
+        <p:blipFill>
+          <a:blip r:embed="rId4"/>
+          <a:stretch>
+            <a:fillRect/>
+          </a:stretch>
+        </p:blipFill>
+        <p:spPr>
+          <a:xfrm>
+            <a:off x="7295909" y="2400300"/>
+            <a:ext cx="9982200" cy="5708539"/>
+          </a:xfrm>
+          <a:prstGeom prst="rect">
+            <a:avLst/>
+          </a:prstGeom>
+        </p:spPr>
+      </p:pic>
     </p:spTree>
     <p:extLst>
       <p:ext uri="{BB962C8B-B14F-4D97-AF65-F5344CB8AC3E}">
@@ -13075,6 +13368,20 @@
 </file>
 
 <file path=ppt/webextensions/webextension1.xml><?xml version="1.0" encoding="utf-8"?>
+<we:webextension xmlns:we="http://schemas.microsoft.com/office/webextensions/webextension/2010/11" id="{3F45ED20-C10C-4155-A425-FF0BFD6984EF}">
+  <we:reference id="wa104381526" version="1.0.0.2" store="en-US" storeType="OMEX"/>
+  <we:alternateReferences>
+    <we:reference id="WA104381526" version="1.0.0.2" store="WA104381526" storeType="OMEX"/>
+  </we:alternateReferences>
+  <we:properties>
+    <we:property name="FormID" value="&quot;cPpWkUv2F0C9kbrTzRR0VwK40CLGr49Luld6hV2Wkn9UNVI0WUgzSUY2S1JDMzBERTE5SDI2NFo5Ty4u#selectmode&quot;"/>
+  </we:properties>
+  <we:bindings/>
+  <we:snapshot xmlns:r="http://schemas.openxmlformats.org/officeDocument/2006/relationships"/>
+</we:webextension>
+</file>
+
+<file path=ppt/webextensions/webextension2.xml><?xml version="1.0" encoding="utf-8"?>
 <we:webextension xmlns:we="http://schemas.microsoft.com/office/webextensions/webextension/2010/11" id="{EDA8EE82-6AF8-4E16-A649-7BB4F1E51640}">
   <we:reference id="wa104381526" version="1.0.0.2" store="en-US" storeType="OMEX"/>
   <we:alternateReferences>
@@ -13088,7 +13395,7 @@
 </we:webextension>
 </file>
 
-<file path=ppt/webextensions/webextension2.xml><?xml version="1.0" encoding="utf-8"?>
+<file path=ppt/webextensions/webextension3.xml><?xml version="1.0" encoding="utf-8"?>
 <we:webextension xmlns:we="http://schemas.microsoft.com/office/webextensions/webextension/2010/11" id="{EBCFBD23-E62E-4547-A22E-520A013CC749}">
   <we:reference id="wa104381526" version="1.0.0.2" store="en-US" storeType="OMEX"/>
   <we:alternateReferences>

--- a/xlgs-python-excel-copilot-slides.pptx
+++ b/xlgs-python-excel-copilot-slides.pptx
@@ -5,22 +5,30 @@
     <p:sldMasterId id="2147483648" r:id="rId1"/>
   </p:sldMasterIdLst>
   <p:notesMasterIdLst>
-    <p:notesMasterId r:id="rId15"/>
+    <p:notesMasterId r:id="rId23"/>
   </p:notesMasterIdLst>
   <p:sldIdLst>
     <p:sldId id="256" r:id="rId2"/>
     <p:sldId id="358" r:id="rId3"/>
     <p:sldId id="258" r:id="rId4"/>
     <p:sldId id="426" r:id="rId5"/>
-    <p:sldId id="425" r:id="rId6"/>
-    <p:sldId id="394" r:id="rId7"/>
-    <p:sldId id="364" r:id="rId8"/>
-    <p:sldId id="429" r:id="rId9"/>
-    <p:sldId id="430" r:id="rId10"/>
-    <p:sldId id="432" r:id="rId11"/>
-    <p:sldId id="431" r:id="rId12"/>
-    <p:sldId id="372" r:id="rId13"/>
-    <p:sldId id="427" r:id="rId14"/>
+    <p:sldId id="433" r:id="rId6"/>
+    <p:sldId id="439" r:id="rId7"/>
+    <p:sldId id="434" r:id="rId8"/>
+    <p:sldId id="435" r:id="rId9"/>
+    <p:sldId id="436" r:id="rId10"/>
+    <p:sldId id="441" r:id="rId11"/>
+    <p:sldId id="442" r:id="rId12"/>
+    <p:sldId id="437" r:id="rId13"/>
+    <p:sldId id="425" r:id="rId14"/>
+    <p:sldId id="394" r:id="rId15"/>
+    <p:sldId id="364" r:id="rId16"/>
+    <p:sldId id="429" r:id="rId17"/>
+    <p:sldId id="430" r:id="rId18"/>
+    <p:sldId id="432" r:id="rId19"/>
+    <p:sldId id="431" r:id="rId20"/>
+    <p:sldId id="372" r:id="rId21"/>
+    <p:sldId id="427" r:id="rId22"/>
   </p:sldIdLst>
   <p:sldSz cx="18288000" cy="10287000"/>
   <p:notesSz cx="6858000" cy="9144000"/>
@@ -238,7 +246,7 @@
           <a:p>
             <a:fld id="{17A98A70-FA8C-4354-959C-C70678AC9BCF}" type="datetimeFigureOut">
               <a:rPr lang="en-US" smtClean="0"/>
-              <a:t>1/22/2025</a:t>
+              <a:t>1/27/2025</a:t>
             </a:fld>
             <a:endParaRPr lang="en-US"/>
           </a:p>
@@ -589,6 +597,841 @@
 </p:notes>
 </file>
 
+<file path=ppt/notesSlides/notesSlide10.xml><?xml version="1.0" encoding="utf-8"?>
+<p:notes xmlns:a="http://schemas.openxmlformats.org/drawingml/2006/main" xmlns:r="http://schemas.openxmlformats.org/officeDocument/2006/relationships" xmlns:p="http://schemas.openxmlformats.org/presentationml/2006/main">
+  <p:cSld>
+    <p:spTree>
+      <p:nvGrpSpPr>
+        <p:cNvPr id="1" name=""/>
+        <p:cNvGrpSpPr/>
+        <p:nvPr/>
+      </p:nvGrpSpPr>
+      <p:grpSpPr>
+        <a:xfrm>
+          <a:off x="0" y="0"/>
+          <a:ext cx="0" cy="0"/>
+          <a:chOff x="0" y="0"/>
+          <a:chExt cx="0" cy="0"/>
+        </a:xfrm>
+      </p:grpSpPr>
+      <p:sp>
+        <p:nvSpPr>
+          <p:cNvPr id="2" name="Slide Image Placeholder 1"/>
+          <p:cNvSpPr>
+            <a:spLocks noGrp="1" noRot="1" noChangeAspect="1"/>
+          </p:cNvSpPr>
+          <p:nvPr>
+            <p:ph type="sldImg"/>
+          </p:nvPr>
+        </p:nvSpPr>
+        <p:spPr/>
+      </p:sp>
+      <p:sp>
+        <p:nvSpPr>
+          <p:cNvPr id="3" name="Notes Placeholder 2"/>
+          <p:cNvSpPr>
+            <a:spLocks noGrp="1"/>
+          </p:cNvSpPr>
+          <p:nvPr>
+            <p:ph type="body" idx="1"/>
+          </p:nvPr>
+        </p:nvSpPr>
+        <p:spPr/>
+        <p:txBody>
+          <a:bodyPr/>
+          <a:lstStyle/>
+          <a:p>
+            <a:endParaRPr lang="en-US" dirty="0"/>
+          </a:p>
+        </p:txBody>
+      </p:sp>
+      <p:sp>
+        <p:nvSpPr>
+          <p:cNvPr id="4" name="Slide Number Placeholder 3"/>
+          <p:cNvSpPr>
+            <a:spLocks noGrp="1"/>
+          </p:cNvSpPr>
+          <p:nvPr>
+            <p:ph type="sldNum" sz="quarter" idx="5"/>
+          </p:nvPr>
+        </p:nvSpPr>
+        <p:spPr/>
+        <p:txBody>
+          <a:bodyPr/>
+          <a:lstStyle/>
+          <a:p>
+            <a:fld id="{FFB500C5-13F7-48FC-8160-C29AECF6C602}" type="slidenum">
+              <a:rPr lang="en-US" smtClean="0"/>
+              <a:t>13</a:t>
+            </a:fld>
+            <a:endParaRPr lang="en-US"/>
+          </a:p>
+        </p:txBody>
+      </p:sp>
+    </p:spTree>
+    <p:extLst>
+      <p:ext uri="{BB962C8B-B14F-4D97-AF65-F5344CB8AC3E}">
+        <p14:creationId xmlns:p14="http://schemas.microsoft.com/office/powerpoint/2010/main" val="981337392"/>
+      </p:ext>
+    </p:extLst>
+  </p:cSld>
+  <p:clrMapOvr>
+    <a:masterClrMapping/>
+  </p:clrMapOvr>
+</p:notes>
+</file>
+
+<file path=ppt/notesSlides/notesSlide11.xml><?xml version="1.0" encoding="utf-8"?>
+<p:notes xmlns:a="http://schemas.openxmlformats.org/drawingml/2006/main" xmlns:r="http://schemas.openxmlformats.org/officeDocument/2006/relationships" xmlns:p="http://schemas.openxmlformats.org/presentationml/2006/main">
+  <p:cSld>
+    <p:spTree>
+      <p:nvGrpSpPr>
+        <p:cNvPr id="1" name=""/>
+        <p:cNvGrpSpPr/>
+        <p:nvPr/>
+      </p:nvGrpSpPr>
+      <p:grpSpPr>
+        <a:xfrm>
+          <a:off x="0" y="0"/>
+          <a:ext cx="0" cy="0"/>
+          <a:chOff x="0" y="0"/>
+          <a:chExt cx="0" cy="0"/>
+        </a:xfrm>
+      </p:grpSpPr>
+      <p:sp>
+        <p:nvSpPr>
+          <p:cNvPr id="2" name="Slide Image Placeholder 1"/>
+          <p:cNvSpPr>
+            <a:spLocks noGrp="1" noRot="1" noChangeAspect="1"/>
+          </p:cNvSpPr>
+          <p:nvPr>
+            <p:ph type="sldImg"/>
+          </p:nvPr>
+        </p:nvSpPr>
+        <p:spPr/>
+      </p:sp>
+      <p:sp>
+        <p:nvSpPr>
+          <p:cNvPr id="3" name="Notes Placeholder 2"/>
+          <p:cNvSpPr>
+            <a:spLocks noGrp="1"/>
+          </p:cNvSpPr>
+          <p:nvPr>
+            <p:ph type="body" idx="1"/>
+          </p:nvPr>
+        </p:nvSpPr>
+        <p:spPr/>
+        <p:txBody>
+          <a:bodyPr/>
+          <a:lstStyle/>
+          <a:p>
+            <a:r>
+              <a:rPr lang="en-US" dirty="0"/>
+              <a:t>https://stringfestanalytics.com/the-end-of-dax-and-m-how-ai-and-python-are-transforming-excel/</a:t>
+            </a:r>
+          </a:p>
+          <a:p>
+            <a:endParaRPr lang="en-US" dirty="0"/>
+          </a:p>
+          <a:p>
+            <a:pPr algn="l" rtl="0">
+              <a:lnSpc>
+                <a:spcPts val="1500"/>
+              </a:lnSpc>
+            </a:pPr>
+            <a:br>
+              <a:rPr lang="en-US" b="0" u="none" strike="noStrike" dirty="0">
+                <a:solidFill>
+                  <a:srgbClr val="000000"/>
+                </a:solidFill>
+                <a:effectLst/>
+                <a:latin typeface="Arial" panose="020B0604020202020204" pitchFamily="34" charset="0"/>
+              </a:rPr>
+            </a:br>
+            <a:r>
+              <a:rPr lang="en-US" b="0" u="none" strike="noStrike" dirty="0">
+                <a:solidFill>
+                  <a:srgbClr val="000000"/>
+                </a:solidFill>
+                <a:effectLst/>
+                <a:latin typeface="Arial" panose="020B0604020202020204" pitchFamily="34" charset="0"/>
+              </a:rPr>
+              <a:t>To get started, I want to discuss why the combination of Python, Copilot, and Excel creates such a powerful synergy in data analysis and automation. Python is renowned for its simplicity and readability, making it an excellent 'glue' language. Unlike Excel's complex architecture, Python offers a smooth, snag-free experience for developers. Its syntax is clean and intuitive, which reduces errors and makes code maintenance easier. This simplicity is crucial when integrating different tools and workflows.</a:t>
+            </a:r>
+          </a:p>
+          <a:p>
+            <a:pPr algn="l" rtl="0">
+              <a:lnSpc>
+                <a:spcPts val="1500"/>
+              </a:lnSpc>
+            </a:pPr>
+            <a:br>
+              <a:rPr lang="en-US" dirty="0"/>
+            </a:br>
+            <a:r>
+              <a:rPr lang="en-US" b="0" u="none" strike="noStrike" dirty="0">
+                <a:solidFill>
+                  <a:srgbClr val="000000"/>
+                </a:solidFill>
+                <a:effectLst/>
+                <a:latin typeface="Arial" panose="020B0604020202020204" pitchFamily="34" charset="0"/>
+              </a:rPr>
+              <a:t>Copilot excels at working with Python code because of Python's extensive and well-documented codebase. This vast repository provides a rich learning ground for Copilot's machine learning model. As an AI pair programmer, Copilot leverages this knowledge to suggest code completions, write entire functions, and even help debug Python scripts in real-time, enhancing productivity significantly.</a:t>
+            </a:r>
+          </a:p>
+          <a:p>
+            <a:pPr algn="l" rtl="0">
+              <a:lnSpc>
+                <a:spcPts val="1500"/>
+              </a:lnSpc>
+            </a:pPr>
+            <a:br>
+              <a:rPr lang="en-US" dirty="0"/>
+            </a:br>
+            <a:r>
+              <a:rPr lang="en-US" b="0" u="none" strike="noStrike" dirty="0">
+                <a:solidFill>
+                  <a:srgbClr val="000000"/>
+                </a:solidFill>
+                <a:effectLst/>
+                <a:latin typeface="Arial" panose="020B0604020202020204" pitchFamily="34" charset="0"/>
+              </a:rPr>
+              <a:t>Excel, while powerful, has been the subject of many jokes regarding its data integrity issues. The humor in the slide points out Excel's tendency to misinterpret data, like turning dates into numbers or mixing up different data types. Additionally, Excel's architecture with separate components like Power Query for data transformation, Power Pivot for data modeling, and VBA for automation, creates silos which can be challenging to integrate seamlessly.</a:t>
+            </a:r>
+          </a:p>
+          <a:p>
+            <a:pPr algn="l" rtl="0">
+              <a:lnSpc>
+                <a:spcPts val="1500"/>
+              </a:lnSpc>
+            </a:pPr>
+            <a:br>
+              <a:rPr lang="en-US" dirty="0"/>
+            </a:br>
+            <a:r>
+              <a:rPr lang="en-US" b="0" u="none" strike="noStrike" dirty="0">
+                <a:solidFill>
+                  <a:srgbClr val="000000"/>
+                </a:solidFill>
+                <a:effectLst/>
+                <a:latin typeface="Arial" panose="020B0604020202020204" pitchFamily="34" charset="0"/>
+              </a:rPr>
+              <a:t>Integrating Python with Excel through tools like Python's </a:t>
+            </a:r>
+            <a:r>
+              <a:rPr lang="en-US" sz="1800" b="0" u="none" strike="noStrike" dirty="0">
+                <a:solidFill>
+                  <a:srgbClr val="000000"/>
+                </a:solidFill>
+                <a:effectLst/>
+                <a:latin typeface="Courier New" panose="02070309020205020404" pitchFamily="49" charset="0"/>
+              </a:rPr>
+              <a:t>pandas</a:t>
+            </a:r>
+            <a:r>
+              <a:rPr lang="en-US" b="0" u="none" strike="noStrike" dirty="0">
+                <a:solidFill>
+                  <a:srgbClr val="000000"/>
+                </a:solidFill>
+                <a:effectLst/>
+                <a:latin typeface="Arial" panose="020B0604020202020204" pitchFamily="34" charset="0"/>
+              </a:rPr>
+              <a:t> library or Excel's Python add-ins allows us to leverage Excel's user-friendly interface while overcoming its limitations with Python's robust data handling capabilities. Copilot acts as the bridge, providing intelligent coding assistance in Python, which can then interact with Excel data, making data manipulation, analysis, and visualization more efficient and less error-prone.</a:t>
+            </a:r>
+          </a:p>
+          <a:p>
+            <a:pPr algn="l" rtl="0">
+              <a:lnSpc>
+                <a:spcPts val="1500"/>
+              </a:lnSpc>
+            </a:pPr>
+            <a:br>
+              <a:rPr lang="en-US" dirty="0"/>
+            </a:br>
+            <a:r>
+              <a:rPr lang="en-US" b="0" u="none" strike="noStrike" dirty="0">
+                <a:solidFill>
+                  <a:srgbClr val="000000"/>
+                </a:solidFill>
+                <a:effectLst/>
+                <a:latin typeface="Arial" panose="020B0604020202020204" pitchFamily="34" charset="0"/>
+              </a:rPr>
+              <a:t>Given the trend towards more open, flexible, and integrated tools, the future seems less promising for proprietary languages like Excel's VBA. Python's open-source nature, coupled with AI assistance from tools like Copilot, offers a scalable and future-proof solution. This crossover not only enhances current workflows but also prepares us for future advancements in AI and data science, where Python will likely continue to play a leading role.</a:t>
+            </a:r>
+          </a:p>
+          <a:p>
+            <a:pPr algn="l" rtl="0">
+              <a:lnSpc>
+                <a:spcPts val="1500"/>
+              </a:lnSpc>
+            </a:pPr>
+            <a:br>
+              <a:rPr lang="en-US" dirty="0"/>
+            </a:br>
+            <a:r>
+              <a:rPr lang="en-US" b="0" u="none" strike="noStrike" dirty="0">
+                <a:solidFill>
+                  <a:srgbClr val="000000"/>
+                </a:solidFill>
+                <a:effectLst/>
+                <a:latin typeface="Arial" panose="020B0604020202020204" pitchFamily="34" charset="0"/>
+              </a:rPr>
+              <a:t>In summary, the combination of Python's simplicity, Copilot's AI-driven assistance, and Excel's widespread use creates a dynamic ecosystem. It addresses Excel's weaknesses while capitalizing on Python's strengths, making this trio a formidable force in data-driven environments.</a:t>
+            </a:r>
+          </a:p>
+          <a:p>
+            <a:endParaRPr lang="en-US" dirty="0"/>
+          </a:p>
+        </p:txBody>
+      </p:sp>
+      <p:sp>
+        <p:nvSpPr>
+          <p:cNvPr id="4" name="Slide Number Placeholder 3"/>
+          <p:cNvSpPr>
+            <a:spLocks noGrp="1"/>
+          </p:cNvSpPr>
+          <p:nvPr>
+            <p:ph type="sldNum" sz="quarter" idx="5"/>
+          </p:nvPr>
+        </p:nvSpPr>
+        <p:spPr/>
+        <p:txBody>
+          <a:bodyPr/>
+          <a:lstStyle/>
+          <a:p>
+            <a:fld id="{FFB500C5-13F7-48FC-8160-C29AECF6C602}" type="slidenum">
+              <a:rPr lang="en-US" smtClean="0"/>
+              <a:t>14</a:t>
+            </a:fld>
+            <a:endParaRPr lang="en-US"/>
+          </a:p>
+        </p:txBody>
+      </p:sp>
+    </p:spTree>
+    <p:extLst>
+      <p:ext uri="{BB962C8B-B14F-4D97-AF65-F5344CB8AC3E}">
+        <p14:creationId xmlns:p14="http://schemas.microsoft.com/office/powerpoint/2010/main" val="2469045808"/>
+      </p:ext>
+    </p:extLst>
+  </p:cSld>
+  <p:clrMapOvr>
+    <a:masterClrMapping/>
+  </p:clrMapOvr>
+</p:notes>
+</file>
+
+<file path=ppt/notesSlides/notesSlide12.xml><?xml version="1.0" encoding="utf-8"?>
+<p:notes xmlns:a="http://schemas.openxmlformats.org/drawingml/2006/main" xmlns:r="http://schemas.openxmlformats.org/officeDocument/2006/relationships" xmlns:p="http://schemas.openxmlformats.org/presentationml/2006/main">
+  <p:cSld>
+    <p:spTree>
+      <p:nvGrpSpPr>
+        <p:cNvPr id="1" name=""/>
+        <p:cNvGrpSpPr/>
+        <p:nvPr/>
+      </p:nvGrpSpPr>
+      <p:grpSpPr>
+        <a:xfrm>
+          <a:off x="0" y="0"/>
+          <a:ext cx="0" cy="0"/>
+          <a:chOff x="0" y="0"/>
+          <a:chExt cx="0" cy="0"/>
+        </a:xfrm>
+      </p:grpSpPr>
+      <p:sp>
+        <p:nvSpPr>
+          <p:cNvPr id="2" name="Slide Image Placeholder 1"/>
+          <p:cNvSpPr>
+            <a:spLocks noGrp="1" noRot="1" noChangeAspect="1"/>
+          </p:cNvSpPr>
+          <p:nvPr>
+            <p:ph type="sldImg"/>
+          </p:nvPr>
+        </p:nvSpPr>
+        <p:spPr/>
+      </p:sp>
+      <p:sp>
+        <p:nvSpPr>
+          <p:cNvPr id="3" name="Notes Placeholder 2"/>
+          <p:cNvSpPr>
+            <a:spLocks noGrp="1"/>
+          </p:cNvSpPr>
+          <p:nvPr>
+            <p:ph type="body" idx="1"/>
+          </p:nvPr>
+        </p:nvSpPr>
+        <p:spPr/>
+        <p:txBody>
+          <a:bodyPr/>
+          <a:lstStyle/>
+          <a:p>
+            <a:r>
+              <a:rPr lang="en-US" b="0" i="0" dirty="0">
+                <a:solidFill>
+                  <a:srgbClr val="000000"/>
+                </a:solidFill>
+                <a:effectLst/>
+                <a:latin typeface="Arial" panose="020B0604020202020204" pitchFamily="34" charset="0"/>
+              </a:rPr>
+              <a:t>In our discussion today about the future of Excel, we've focused on the integration of Python for backend data analysis, advanced charting, and machine learning, which offers powerful data manipulation capabilities through libraries like pandas and extensive visualization options with libraries like matplotlib and seaborn. </a:t>
+            </a:r>
+          </a:p>
+          <a:p>
+            <a:endParaRPr lang="en-US" b="0" i="0" dirty="0">
+              <a:solidFill>
+                <a:srgbClr val="000000"/>
+              </a:solidFill>
+              <a:effectLst/>
+              <a:latin typeface="Arial" panose="020B0604020202020204" pitchFamily="34" charset="0"/>
+            </a:endParaRPr>
+          </a:p>
+          <a:p>
+            <a:r>
+              <a:rPr lang="en-US" b="0" i="0" dirty="0">
+                <a:solidFill>
+                  <a:srgbClr val="000000"/>
+                </a:solidFill>
+                <a:effectLst/>
+                <a:latin typeface="Arial" panose="020B0604020202020204" pitchFamily="34" charset="0"/>
+              </a:rPr>
+              <a:t>Excel itself continues to shine with its frontend formatting, usability, and interactive dashboards, providing a user-friendly interface that's well-suited for widespread usage, formatting, and presentation. </a:t>
+            </a:r>
+          </a:p>
+          <a:p>
+            <a:endParaRPr lang="en-US" b="0" i="0" dirty="0">
+              <a:solidFill>
+                <a:srgbClr val="000000"/>
+              </a:solidFill>
+              <a:effectLst/>
+              <a:latin typeface="Arial" panose="020B0604020202020204" pitchFamily="34" charset="0"/>
+            </a:endParaRPr>
+          </a:p>
+          <a:p>
+            <a:r>
+              <a:rPr lang="en-US" b="0" i="0" dirty="0">
+                <a:solidFill>
+                  <a:srgbClr val="000000"/>
+                </a:solidFill>
+                <a:effectLst/>
+                <a:latin typeface="Arial" panose="020B0604020202020204" pitchFamily="34" charset="0"/>
+              </a:rPr>
+              <a:t>Now, although we haven't delved into JavaScript today, it's important to note that JavaScript, along with TypeScript, shares similar advantages to Python but in the realm of building applications, add-ins, and more for Excel. JavaScript and TypeScript enable additional add-ins, enhance interactivity, and facilitate web integration, allowing for the building and integration of more complex functionalities. This expands Excel's capabilities into web and app development, making it a versatile tool not just for data analysis but also for creating sophisticated user experiences within Excel's ecosystem. </a:t>
+            </a:r>
+          </a:p>
+          <a:p>
+            <a:endParaRPr lang="en-US" b="0" i="0" dirty="0">
+              <a:solidFill>
+                <a:srgbClr val="000000"/>
+              </a:solidFill>
+              <a:effectLst/>
+              <a:latin typeface="Arial" panose="020B0604020202020204" pitchFamily="34" charset="0"/>
+            </a:endParaRPr>
+          </a:p>
+          <a:p>
+            <a:r>
+              <a:rPr lang="en-US" b="0" i="0" dirty="0">
+                <a:solidFill>
+                  <a:srgbClr val="000000"/>
+                </a:solidFill>
+                <a:effectLst/>
+                <a:latin typeface="Arial" panose="020B0604020202020204" pitchFamily="34" charset="0"/>
+              </a:rPr>
+              <a:t>This synergy between Python, Excel, and JavaScript/TypeScript paints a promising picture for Excel's future, where it can evolve into a more comprehensive platform for both data professionals and developers.</a:t>
+            </a:r>
+            <a:endParaRPr lang="en-US" dirty="0"/>
+          </a:p>
+        </p:txBody>
+      </p:sp>
+      <p:sp>
+        <p:nvSpPr>
+          <p:cNvPr id="4" name="Slide Number Placeholder 3"/>
+          <p:cNvSpPr>
+            <a:spLocks noGrp="1"/>
+          </p:cNvSpPr>
+          <p:nvPr>
+            <p:ph type="sldNum" sz="quarter" idx="5"/>
+          </p:nvPr>
+        </p:nvSpPr>
+        <p:spPr/>
+        <p:txBody>
+          <a:bodyPr/>
+          <a:lstStyle/>
+          <a:p>
+            <a:fld id="{FFB500C5-13F7-48FC-8160-C29AECF6C602}" type="slidenum">
+              <a:rPr lang="en-US" smtClean="0"/>
+              <a:t>18</a:t>
+            </a:fld>
+            <a:endParaRPr lang="en-US"/>
+          </a:p>
+        </p:txBody>
+      </p:sp>
+    </p:spTree>
+    <p:extLst>
+      <p:ext uri="{BB962C8B-B14F-4D97-AF65-F5344CB8AC3E}">
+        <p14:creationId xmlns:p14="http://schemas.microsoft.com/office/powerpoint/2010/main" val="857960786"/>
+      </p:ext>
+    </p:extLst>
+  </p:cSld>
+  <p:clrMapOvr>
+    <a:masterClrMapping/>
+  </p:clrMapOvr>
+</p:notes>
+</file>
+
+<file path=ppt/notesSlides/notesSlide13.xml><?xml version="1.0" encoding="utf-8"?>
+<p:notes xmlns:a="http://schemas.openxmlformats.org/drawingml/2006/main" xmlns:r="http://schemas.openxmlformats.org/officeDocument/2006/relationships" xmlns:p="http://schemas.openxmlformats.org/presentationml/2006/main">
+  <p:cSld>
+    <p:spTree>
+      <p:nvGrpSpPr>
+        <p:cNvPr id="1" name=""/>
+        <p:cNvGrpSpPr/>
+        <p:nvPr/>
+      </p:nvGrpSpPr>
+      <p:grpSpPr>
+        <a:xfrm>
+          <a:off x="0" y="0"/>
+          <a:ext cx="0" cy="0"/>
+          <a:chOff x="0" y="0"/>
+          <a:chExt cx="0" cy="0"/>
+        </a:xfrm>
+      </p:grpSpPr>
+      <p:sp>
+        <p:nvSpPr>
+          <p:cNvPr id="2" name="Slide Image Placeholder 1"/>
+          <p:cNvSpPr>
+            <a:spLocks noGrp="1" noRot="1" noChangeAspect="1"/>
+          </p:cNvSpPr>
+          <p:nvPr>
+            <p:ph type="sldImg"/>
+          </p:nvPr>
+        </p:nvSpPr>
+        <p:spPr/>
+      </p:sp>
+      <p:sp>
+        <p:nvSpPr>
+          <p:cNvPr id="3" name="Notes Placeholder 2"/>
+          <p:cNvSpPr>
+            <a:spLocks noGrp="1"/>
+          </p:cNvSpPr>
+          <p:nvPr>
+            <p:ph type="body" idx="1"/>
+          </p:nvPr>
+        </p:nvSpPr>
+        <p:spPr/>
+        <p:txBody>
+          <a:bodyPr/>
+          <a:lstStyle/>
+          <a:p>
+            <a:pPr algn="l" rtl="0">
+              <a:lnSpc>
+                <a:spcPts val="1500"/>
+              </a:lnSpc>
+            </a:pPr>
+            <a:br>
+              <a:rPr lang="en-US" b="0" u="none" strike="noStrike" dirty="0">
+                <a:solidFill>
+                  <a:srgbClr val="000000"/>
+                </a:solidFill>
+                <a:effectLst/>
+                <a:latin typeface="Arial" panose="020B0604020202020204" pitchFamily="34" charset="0"/>
+              </a:rPr>
+            </a:br>
+            <a:r>
+              <a:rPr lang="en-US" b="0" u="none" strike="noStrike" dirty="0">
+                <a:solidFill>
+                  <a:srgbClr val="000000"/>
+                </a:solidFill>
+                <a:effectLst/>
+                <a:latin typeface="Arial" panose="020B0604020202020204" pitchFamily="34" charset="0"/>
+              </a:rPr>
+              <a:t>Good afternoon, everyone. Today, we're exploring how Excel has become a powerful tool for transforming everyday professionals into citizen data analysts, scientists, and engineers, especially in the era of AI. Despite concerns about AI potentially rendering Excel skills obsolete, the reality is quite the opposite. Excel, with AI integration, serves as a gateway to advanced analytics, automated workflows, and machine learning, making it more relevant than ever.</a:t>
+            </a:r>
+          </a:p>
+          <a:p>
+            <a:pPr algn="l" rtl="0">
+              <a:lnSpc>
+                <a:spcPts val="1500"/>
+              </a:lnSpc>
+            </a:pPr>
+            <a:br>
+              <a:rPr lang="en-US" dirty="0"/>
+            </a:br>
+            <a:r>
+              <a:rPr lang="en-US" b="0" u="none" strike="noStrike" dirty="0">
+                <a:solidFill>
+                  <a:srgbClr val="000000"/>
+                </a:solidFill>
+                <a:effectLst/>
+                <a:latin typeface="Arial" panose="020B0604020202020204" pitchFamily="34" charset="0"/>
+              </a:rPr>
+              <a:t>First, let's define what a "citizen" data professional is. These are individuals who, without formal data roles, leverage Excel to build analytical models, automate processes, and even engage in predictive modeling from their own PCs. This democratization of data work allows them to bypass traditional IT bottlenecks, enhancing their productivity and agility.</a:t>
+            </a:r>
+          </a:p>
+          <a:p>
+            <a:pPr algn="l" rtl="0">
+              <a:lnSpc>
+                <a:spcPts val="1500"/>
+              </a:lnSpc>
+            </a:pPr>
+            <a:br>
+              <a:rPr lang="en-US" dirty="0"/>
+            </a:br>
+            <a:r>
+              <a:rPr lang="en-US" b="0" u="none" strike="noStrike" dirty="0">
+                <a:solidFill>
+                  <a:srgbClr val="000000"/>
+                </a:solidFill>
+                <a:effectLst/>
+                <a:latin typeface="Arial" panose="020B0604020202020204" pitchFamily="34" charset="0"/>
+              </a:rPr>
+              <a:t>For </a:t>
+            </a:r>
+            <a:r>
+              <a:rPr lang="en-US" b="1" u="none" strike="noStrike" dirty="0">
+                <a:solidFill>
+                  <a:srgbClr val="000000"/>
+                </a:solidFill>
+                <a:effectLst/>
+                <a:latin typeface="Arial" panose="020B0604020202020204" pitchFamily="34" charset="0"/>
+              </a:rPr>
+              <a:t>citizen data analysts</a:t>
+            </a:r>
+            <a:r>
+              <a:rPr lang="en-US" b="0" u="none" strike="noStrike" dirty="0">
+                <a:solidFill>
+                  <a:srgbClr val="000000"/>
+                </a:solidFill>
+                <a:effectLst/>
+                <a:latin typeface="Arial" panose="020B0604020202020204" pitchFamily="34" charset="0"/>
+              </a:rPr>
+              <a:t>, Excel has become a BI powerhouse through tools like Power Query, which automates data transformation from various sources, and Power Pivot, which enables complex data modeling and dynamic dashboard creation. Imagine receiving multiple CSV files each month; with Power Query, you can clean and transform these files effortlessly, then use Power Pivot to model the data, creating relationships and measures that power your interactive reports. This means decisions can be made instantly, without waiting for IT support or expensive BI tools.</a:t>
+            </a:r>
+          </a:p>
+          <a:p>
+            <a:pPr algn="l" rtl="0">
+              <a:lnSpc>
+                <a:spcPts val="1500"/>
+              </a:lnSpc>
+            </a:pPr>
+            <a:br>
+              <a:rPr lang="en-US" dirty="0"/>
+            </a:br>
+            <a:r>
+              <a:rPr lang="en-US" b="0" u="none" strike="noStrike" dirty="0">
+                <a:solidFill>
+                  <a:srgbClr val="000000"/>
+                </a:solidFill>
+                <a:effectLst/>
+                <a:latin typeface="Arial" panose="020B0604020202020204" pitchFamily="34" charset="0"/>
+              </a:rPr>
+              <a:t>Moving to </a:t>
+            </a:r>
+            <a:r>
+              <a:rPr lang="en-US" b="1" u="none" strike="noStrike" dirty="0">
+                <a:solidFill>
+                  <a:srgbClr val="000000"/>
+                </a:solidFill>
+                <a:effectLst/>
+                <a:latin typeface="Arial" panose="020B0604020202020204" pitchFamily="34" charset="0"/>
+              </a:rPr>
+              <a:t>citizen data scientists</a:t>
+            </a:r>
+            <a:r>
+              <a:rPr lang="en-US" b="0" u="none" strike="noStrike" dirty="0">
+                <a:solidFill>
+                  <a:srgbClr val="000000"/>
+                </a:solidFill>
+                <a:effectLst/>
+                <a:latin typeface="Arial" panose="020B0604020202020204" pitchFamily="34" charset="0"/>
+              </a:rPr>
+              <a:t>, Excel's integration with Python, facilitated by tools like LAMBDA(), transforms it into a robust platform for data science. Users can now perform tasks like setting random seeds, exploring statistical distributions, and splitting data for machine learning within Excel. This integration allows for advanced visualizations beyond Excel's native capabilities, making data analysis more intuitive. LAMBDA() further enhances this by allowing the creation of custom, complex formulas, essentially making Excel Turing complete for advanced calculations.</a:t>
+            </a:r>
+          </a:p>
+          <a:p>
+            <a:pPr algn="l" rtl="0">
+              <a:lnSpc>
+                <a:spcPts val="1500"/>
+              </a:lnSpc>
+            </a:pPr>
+            <a:br>
+              <a:rPr lang="en-US" dirty="0"/>
+            </a:br>
+            <a:r>
+              <a:rPr lang="en-US" b="0" u="none" strike="noStrike" dirty="0">
+                <a:solidFill>
+                  <a:srgbClr val="000000"/>
+                </a:solidFill>
+                <a:effectLst/>
+                <a:latin typeface="Arial" panose="020B0604020202020204" pitchFamily="34" charset="0"/>
+              </a:rPr>
+              <a:t>Finally, for </a:t>
+            </a:r>
+            <a:r>
+              <a:rPr lang="en-US" b="1" u="none" strike="noStrike" dirty="0">
+                <a:solidFill>
+                  <a:srgbClr val="000000"/>
+                </a:solidFill>
+                <a:effectLst/>
+                <a:latin typeface="Arial" panose="020B0604020202020204" pitchFamily="34" charset="0"/>
+              </a:rPr>
+              <a:t>citizen data engineers</a:t>
+            </a:r>
+            <a:r>
+              <a:rPr lang="en-US" b="0" u="none" strike="noStrike" dirty="0">
+                <a:solidFill>
+                  <a:srgbClr val="000000"/>
+                </a:solidFill>
+                <a:effectLst/>
+                <a:latin typeface="Arial" panose="020B0604020202020204" pitchFamily="34" charset="0"/>
+              </a:rPr>
+              <a:t>, Excel's capabilities are expanded through Power Automate and Office Scripts. Power Automate connects Excel with various workflows, automating data pipelines and ensuring data flows where it's needed, when it's needed. Office Scripts, a modern alternative to VBA, automates repetitive tasks like data formatting and report generation. For instance, a workflow might involve Power Automate detecting new CSV files in a SharePoint folder, appending them to an Excel workbook, with an Office Script then standardizing the data and updating dashboards, all without manual intervention.</a:t>
+            </a:r>
+          </a:p>
+          <a:p>
+            <a:pPr algn="l" rtl="0">
+              <a:lnSpc>
+                <a:spcPts val="1500"/>
+              </a:lnSpc>
+            </a:pPr>
+            <a:br>
+              <a:rPr lang="en-US" dirty="0"/>
+            </a:br>
+            <a:r>
+              <a:rPr lang="en-US" b="0" u="none" strike="noStrike" dirty="0">
+                <a:solidFill>
+                  <a:srgbClr val="000000"/>
+                </a:solidFill>
+                <a:effectLst/>
+                <a:latin typeface="Arial" panose="020B0604020202020204" pitchFamily="34" charset="0"/>
+              </a:rPr>
+              <a:t>The bridge that ties all these roles together is </a:t>
+            </a:r>
+            <a:r>
+              <a:rPr lang="en-US" b="1" u="none" strike="noStrike" dirty="0">
+                <a:solidFill>
+                  <a:srgbClr val="000000"/>
+                </a:solidFill>
+                <a:effectLst/>
+                <a:latin typeface="Arial" panose="020B0604020202020204" pitchFamily="34" charset="0"/>
+              </a:rPr>
+              <a:t>AI</a:t>
+            </a:r>
+            <a:r>
+              <a:rPr lang="en-US" b="0" u="none" strike="noStrike" dirty="0">
+                <a:solidFill>
+                  <a:srgbClr val="000000"/>
+                </a:solidFill>
+                <a:effectLst/>
+                <a:latin typeface="Arial" panose="020B0604020202020204" pitchFamily="34" charset="0"/>
+              </a:rPr>
+              <a:t>, particularly through Microsoft’s Copilot. For analysts, Copilot can construct complex PivotTables or dashboards from natural language commands, streamlining data interpretation. Data scientists can use Copilot for real-time Python code assistance within Excel, from model training to debugging. For engineers, Copilot simplifies setting up data workflows, making sophisticated automation accessible through simple descriptions.</a:t>
+            </a:r>
+          </a:p>
+          <a:p>
+            <a:pPr algn="l" rtl="0">
+              <a:lnSpc>
+                <a:spcPts val="1500"/>
+              </a:lnSpc>
+            </a:pPr>
+            <a:br>
+              <a:rPr lang="en-US" dirty="0"/>
+            </a:br>
+            <a:r>
+              <a:rPr lang="en-US" b="0" u="none" strike="noStrike" dirty="0">
+                <a:solidFill>
+                  <a:srgbClr val="000000"/>
+                </a:solidFill>
+                <a:effectLst/>
+                <a:latin typeface="Arial" panose="020B0604020202020204" pitchFamily="34" charset="0"/>
+              </a:rPr>
+              <a:t>In summary, Excel, powered by AI, enables a wide range of professionals to engage in data roles traditionally requiring specialized skills. This not only boosts productivity but also fosters a data-driven culture across organizations. As we conclude, I encourage you to think about which of these roles excites you the most, how AI integration can enhance your workflow, and what new skills you're eager to develop with Excel's evolving capabilities. Please share your thoughts and questions below.</a:t>
+            </a:r>
+          </a:p>
+          <a:p>
+            <a:pPr algn="l" rtl="0">
+              <a:lnSpc>
+                <a:spcPts val="1500"/>
+              </a:lnSpc>
+            </a:pPr>
+            <a:endParaRPr lang="en-US" b="0" u="none" strike="noStrike" dirty="0">
+              <a:solidFill>
+                <a:srgbClr val="000000"/>
+              </a:solidFill>
+              <a:effectLst/>
+              <a:latin typeface="Arial" panose="020B0604020202020204" pitchFamily="34" charset="0"/>
+            </a:endParaRPr>
+          </a:p>
+          <a:p>
+            <a:pPr algn="l" rtl="0">
+              <a:lnSpc>
+                <a:spcPts val="1500"/>
+              </a:lnSpc>
+            </a:pPr>
+            <a:endParaRPr lang="en-US" b="0" u="none" strike="noStrike" dirty="0">
+              <a:solidFill>
+                <a:srgbClr val="000000"/>
+              </a:solidFill>
+              <a:effectLst/>
+              <a:latin typeface="Arial" panose="020B0604020202020204" pitchFamily="34" charset="0"/>
+            </a:endParaRPr>
+          </a:p>
+          <a:p>
+            <a:pPr algn="l" rtl="0">
+              <a:lnSpc>
+                <a:spcPts val="1500"/>
+              </a:lnSpc>
+            </a:pPr>
+            <a:r>
+              <a:rPr lang="en-US" b="0" u="none" strike="noStrike" dirty="0">
+                <a:solidFill>
+                  <a:srgbClr val="000000"/>
+                </a:solidFill>
+                <a:effectLst/>
+                <a:latin typeface="Arial" panose="020B0604020202020204" pitchFamily="34" charset="0"/>
+              </a:rPr>
+              <a:t>https://gist.github.com/summerofgeorge/c8fff44d39519c56daf31a6176005034#file-citizen-da-ds-de-md</a:t>
+            </a:r>
+          </a:p>
+          <a:p>
+            <a:endParaRPr lang="en-US" dirty="0"/>
+          </a:p>
+        </p:txBody>
+      </p:sp>
+      <p:sp>
+        <p:nvSpPr>
+          <p:cNvPr id="4" name="Slide Number Placeholder 3"/>
+          <p:cNvSpPr>
+            <a:spLocks noGrp="1"/>
+          </p:cNvSpPr>
+          <p:nvPr>
+            <p:ph type="sldNum" sz="quarter" idx="5"/>
+          </p:nvPr>
+        </p:nvSpPr>
+        <p:spPr/>
+        <p:txBody>
+          <a:bodyPr/>
+          <a:lstStyle/>
+          <a:p>
+            <a:fld id="{FFB500C5-13F7-48FC-8160-C29AECF6C602}" type="slidenum">
+              <a:rPr lang="en-US" smtClean="0"/>
+              <a:t>19</a:t>
+            </a:fld>
+            <a:endParaRPr lang="en-US"/>
+          </a:p>
+        </p:txBody>
+      </p:sp>
+    </p:spTree>
+    <p:extLst>
+      <p:ext uri="{BB962C8B-B14F-4D97-AF65-F5344CB8AC3E}">
+        <p14:creationId xmlns:p14="http://schemas.microsoft.com/office/powerpoint/2010/main" val="2016499028"/>
+      </p:ext>
+    </p:extLst>
+  </p:cSld>
+  <p:clrMapOvr>
+    <a:masterClrMapping/>
+  </p:clrMapOvr>
+</p:notes>
+</file>
+
 <file path=ppt/notesSlides/notesSlide2.xml><?xml version="1.0" encoding="utf-8"?>
 <p:notes xmlns:a="http://schemas.openxmlformats.org/drawingml/2006/main" xmlns:r="http://schemas.openxmlformats.org/officeDocument/2006/relationships" xmlns:p="http://schemas.openxmlformats.org/presentationml/2006/main">
   <p:cSld>
@@ -633,7 +1476,13 @@
           <a:bodyPr/>
           <a:lstStyle/>
           <a:p>
-            <a:endParaRPr lang="en-US" dirty="0"/>
+            <a:r>
+              <a:rPr lang="en-US" sz="1200" dirty="0">
+                <a:hlinkClick r:id="rId3"/>
+              </a:rPr>
+              <a:t>https://swiy.co/TLlN</a:t>
+            </a:r>
+            <a:endParaRPr lang="en-US" sz="1200" dirty="0"/>
           </a:p>
         </p:txBody>
       </p:sp>
@@ -663,7 +1512,7 @@
     </p:spTree>
     <p:extLst>
       <p:ext uri="{BB962C8B-B14F-4D97-AF65-F5344CB8AC3E}">
-        <p14:creationId xmlns:p14="http://schemas.microsoft.com/office/powerpoint/2010/main" val="981337392"/>
+        <p14:creationId xmlns:p14="http://schemas.microsoft.com/office/powerpoint/2010/main" val="1680611763"/>
       </p:ext>
     </p:extLst>
   </p:cSld>
@@ -678,7 +1527,13 @@
   <p:cSld>
     <p:spTree>
       <p:nvGrpSpPr>
-        <p:cNvPr id="1" name=""/>
+        <p:cNvPr id="1" name="">
+          <a:extLst>
+            <a:ext uri="{FF2B5EF4-FFF2-40B4-BE49-F238E27FC236}">
+              <a16:creationId xmlns:a16="http://schemas.microsoft.com/office/drawing/2014/main" id="{5E61782F-E789-FD67-66AA-208C18823DD8}"/>
+            </a:ext>
+          </a:extLst>
+        </p:cNvPr>
         <p:cNvGrpSpPr/>
         <p:nvPr/>
       </p:nvGrpSpPr>
@@ -692,7 +1547,13 @@
       </p:grpSpPr>
       <p:sp>
         <p:nvSpPr>
-          <p:cNvPr id="2" name="Slide Image Placeholder 1"/>
+          <p:cNvPr id="2" name="Slide Image Placeholder 1">
+            <a:extLst>
+              <a:ext uri="{FF2B5EF4-FFF2-40B4-BE49-F238E27FC236}">
+                <a16:creationId xmlns:a16="http://schemas.microsoft.com/office/drawing/2014/main" id="{07945024-7F88-4DFB-E198-AFA2968C8317}"/>
+              </a:ext>
+            </a:extLst>
+          </p:cNvPr>
           <p:cNvSpPr>
             <a:spLocks noGrp="1" noRot="1" noChangeAspect="1"/>
           </p:cNvSpPr>
@@ -704,7 +1565,13 @@
       </p:sp>
       <p:sp>
         <p:nvSpPr>
-          <p:cNvPr id="3" name="Notes Placeholder 2"/>
+          <p:cNvPr id="3" name="Notes Placeholder 2">
+            <a:extLst>
+              <a:ext uri="{FF2B5EF4-FFF2-40B4-BE49-F238E27FC236}">
+                <a16:creationId xmlns:a16="http://schemas.microsoft.com/office/drawing/2014/main" id="{185206D0-587F-189D-6080-627072CF91E3}"/>
+              </a:ext>
+            </a:extLst>
+          </p:cNvPr>
           <p:cNvSpPr>
             <a:spLocks noGrp="1"/>
           </p:cNvSpPr>
@@ -718,167 +1585,24 @@
           <a:lstStyle/>
           <a:p>
             <a:r>
-              <a:rPr lang="en-US" dirty="0"/>
-              <a:t>https://stringfestanalytics.com/the-end-of-dax-and-m-how-ai-and-python-are-transforming-excel/</a:t>
-            </a:r>
-          </a:p>
-          <a:p>
-            <a:endParaRPr lang="en-US" dirty="0"/>
-          </a:p>
-          <a:p>
-            <a:pPr algn="l" rtl="0">
-              <a:lnSpc>
-                <a:spcPts val="1500"/>
-              </a:lnSpc>
-            </a:pPr>
-            <a:br>
-              <a:rPr lang="en-US" b="0" u="none" strike="noStrike" dirty="0">
-                <a:solidFill>
-                  <a:srgbClr val="000000"/>
-                </a:solidFill>
-                <a:effectLst/>
-                <a:latin typeface="Arial" panose="020B0604020202020204" pitchFamily="34" charset="0"/>
+              <a:rPr lang="en-US" sz="1200" dirty="0">
+                <a:hlinkClick r:id="rId3"/>
               </a:rPr>
-            </a:br>
-            <a:r>
-              <a:rPr lang="en-US" b="0" u="none" strike="noStrike" dirty="0">
-                <a:solidFill>
-                  <a:srgbClr val="000000"/>
-                </a:solidFill>
-                <a:effectLst/>
-                <a:latin typeface="Arial" panose="020B0604020202020204" pitchFamily="34" charset="0"/>
-              </a:rPr>
-              <a:t>To get started, I want to discuss why the combination of Python, Copilot, and Excel creates such a powerful synergy in data analysis and automation. Python is renowned for its simplicity and readability, making it an excellent 'glue' language. Unlike Excel's complex architecture, Python offers a smooth, snag-free experience for developers. Its syntax is clean and intuitive, which reduces errors and makes code maintenance easier. This simplicity is crucial when integrating different tools and workflows.</a:t>
-            </a:r>
-          </a:p>
-          <a:p>
-            <a:pPr algn="l" rtl="0">
-              <a:lnSpc>
-                <a:spcPts val="1500"/>
-              </a:lnSpc>
-            </a:pPr>
-            <a:br>
-              <a:rPr lang="en-US" dirty="0"/>
-            </a:br>
-            <a:r>
-              <a:rPr lang="en-US" b="0" u="none" strike="noStrike" dirty="0">
-                <a:solidFill>
-                  <a:srgbClr val="000000"/>
-                </a:solidFill>
-                <a:effectLst/>
-                <a:latin typeface="Arial" panose="020B0604020202020204" pitchFamily="34" charset="0"/>
-              </a:rPr>
-              <a:t>Copilot excels at working with Python code because of Python's extensive and well-documented codebase. This vast repository provides a rich learning ground for Copilot's machine learning model. As an AI pair programmer, Copilot leverages this knowledge to suggest code completions, write entire functions, and even help debug Python scripts in real-time, enhancing productivity significantly.</a:t>
-            </a:r>
-          </a:p>
-          <a:p>
-            <a:pPr algn="l" rtl="0">
-              <a:lnSpc>
-                <a:spcPts val="1500"/>
-              </a:lnSpc>
-            </a:pPr>
-            <a:br>
-              <a:rPr lang="en-US" dirty="0"/>
-            </a:br>
-            <a:r>
-              <a:rPr lang="en-US" b="0" u="none" strike="noStrike" dirty="0">
-                <a:solidFill>
-                  <a:srgbClr val="000000"/>
-                </a:solidFill>
-                <a:effectLst/>
-                <a:latin typeface="Arial" panose="020B0604020202020204" pitchFamily="34" charset="0"/>
-              </a:rPr>
-              <a:t>Excel, while powerful, has been the subject of many jokes regarding its data integrity issues. The humor in the slide points out Excel's tendency to misinterpret data, like turning dates into numbers or mixing up different data types. Additionally, Excel's architecture with separate components like Power Query for data transformation, Power Pivot for data modeling, and VBA for automation, creates silos which can be challenging to integrate seamlessly.</a:t>
-            </a:r>
-          </a:p>
-          <a:p>
-            <a:pPr algn="l" rtl="0">
-              <a:lnSpc>
-                <a:spcPts val="1500"/>
-              </a:lnSpc>
-            </a:pPr>
-            <a:br>
-              <a:rPr lang="en-US" dirty="0"/>
-            </a:br>
-            <a:r>
-              <a:rPr lang="en-US" b="0" u="none" strike="noStrike" dirty="0">
-                <a:solidFill>
-                  <a:srgbClr val="000000"/>
-                </a:solidFill>
-                <a:effectLst/>
-                <a:latin typeface="Arial" panose="020B0604020202020204" pitchFamily="34" charset="0"/>
-              </a:rPr>
-              <a:t>Integrating Python with Excel through tools like Python's </a:t>
-            </a:r>
-            <a:r>
-              <a:rPr lang="en-US" sz="1800" b="0" u="none" strike="noStrike" dirty="0">
-                <a:solidFill>
-                  <a:srgbClr val="000000"/>
-                </a:solidFill>
-                <a:effectLst/>
-                <a:latin typeface="Courier New" panose="02070309020205020404" pitchFamily="49" charset="0"/>
-              </a:rPr>
-              <a:t>pandas</a:t>
-            </a:r>
-            <a:r>
-              <a:rPr lang="en-US" b="0" u="none" strike="noStrike" dirty="0">
-                <a:solidFill>
-                  <a:srgbClr val="000000"/>
-                </a:solidFill>
-                <a:effectLst/>
-                <a:latin typeface="Arial" panose="020B0604020202020204" pitchFamily="34" charset="0"/>
-              </a:rPr>
-              <a:t> library or Excel's Python add-ins allows us to leverage Excel's user-friendly interface while overcoming its limitations with Python's robust data handling capabilities. Copilot acts as the bridge, providing intelligent coding assistance in Python, which can then interact with Excel data, making data manipulation, analysis, and visualization more efficient and less error-prone.</a:t>
-            </a:r>
-          </a:p>
-          <a:p>
-            <a:pPr algn="l" rtl="0">
-              <a:lnSpc>
-                <a:spcPts val="1500"/>
-              </a:lnSpc>
-            </a:pPr>
-            <a:br>
-              <a:rPr lang="en-US" dirty="0"/>
-            </a:br>
-            <a:r>
-              <a:rPr lang="en-US" b="0" u="none" strike="noStrike" dirty="0">
-                <a:solidFill>
-                  <a:srgbClr val="000000"/>
-                </a:solidFill>
-                <a:effectLst/>
-                <a:latin typeface="Arial" panose="020B0604020202020204" pitchFamily="34" charset="0"/>
-              </a:rPr>
-              <a:t>Given the trend towards more open, flexible, and integrated tools, the future seems less promising for proprietary languages like Excel's VBA. Python's open-source nature, coupled with AI assistance from tools like Copilot, offers a scalable and future-proof solution. This crossover not only enhances current workflows but also prepares us for future advancements in AI and data science, where Python will likely continue to play a leading role.</a:t>
-            </a:r>
-          </a:p>
-          <a:p>
-            <a:pPr algn="l" rtl="0">
-              <a:lnSpc>
-                <a:spcPts val="1500"/>
-              </a:lnSpc>
-            </a:pPr>
-            <a:br>
-              <a:rPr lang="en-US" dirty="0"/>
-            </a:br>
-            <a:r>
-              <a:rPr lang="en-US" b="0" u="none" strike="noStrike" dirty="0">
-                <a:solidFill>
-                  <a:srgbClr val="000000"/>
-                </a:solidFill>
-                <a:effectLst/>
-                <a:latin typeface="Arial" panose="020B0604020202020204" pitchFamily="34" charset="0"/>
-              </a:rPr>
-              <a:t>In summary, the combination of Python's simplicity, Copilot's AI-driven assistance, and Excel's widespread use creates a dynamic ecosystem. It addresses Excel's weaknesses while capitalizing on Python's strengths, making this trio a formidable force in data-driven environments.</a:t>
-            </a:r>
-          </a:p>
-          <a:p>
-            <a:endParaRPr lang="en-US" dirty="0"/>
-          </a:p>
-        </p:txBody>
-      </p:sp>
-      <p:sp>
-        <p:nvSpPr>
-          <p:cNvPr id="4" name="Slide Number Placeholder 3"/>
+              <a:t>https://swiy.co/TLlN</a:t>
+            </a:r>
+            <a:endParaRPr lang="en-US" sz="1200" dirty="0"/>
+          </a:p>
+        </p:txBody>
+      </p:sp>
+      <p:sp>
+        <p:nvSpPr>
+          <p:cNvPr id="4" name="Slide Number Placeholder 3">
+            <a:extLst>
+              <a:ext uri="{FF2B5EF4-FFF2-40B4-BE49-F238E27FC236}">
+                <a16:creationId xmlns:a16="http://schemas.microsoft.com/office/drawing/2014/main" id="{FF83B263-179A-2D8A-629B-E25FB52F65DB}"/>
+              </a:ext>
+            </a:extLst>
+          </p:cNvPr>
           <p:cNvSpPr>
             <a:spLocks noGrp="1"/>
           </p:cNvSpPr>
@@ -902,7 +1626,7 @@
     </p:spTree>
     <p:extLst>
       <p:ext uri="{BB962C8B-B14F-4D97-AF65-F5344CB8AC3E}">
-        <p14:creationId xmlns:p14="http://schemas.microsoft.com/office/powerpoint/2010/main" val="2469045808"/>
+        <p14:creationId xmlns:p14="http://schemas.microsoft.com/office/powerpoint/2010/main" val="3908729631"/>
       </p:ext>
     </p:extLst>
   </p:cSld>
@@ -917,7 +1641,13 @@
   <p:cSld>
     <p:spTree>
       <p:nvGrpSpPr>
-        <p:cNvPr id="1" name=""/>
+        <p:cNvPr id="1" name="">
+          <a:extLst>
+            <a:ext uri="{FF2B5EF4-FFF2-40B4-BE49-F238E27FC236}">
+              <a16:creationId xmlns:a16="http://schemas.microsoft.com/office/drawing/2014/main" id="{CFBEE56D-9F07-2C97-FB09-1261DC4313A3}"/>
+            </a:ext>
+          </a:extLst>
+        </p:cNvPr>
         <p:cNvGrpSpPr/>
         <p:nvPr/>
       </p:nvGrpSpPr>
@@ -931,7 +1661,13 @@
       </p:grpSpPr>
       <p:sp>
         <p:nvSpPr>
-          <p:cNvPr id="2" name="Slide Image Placeholder 1"/>
+          <p:cNvPr id="2" name="Slide Image Placeholder 1">
+            <a:extLst>
+              <a:ext uri="{FF2B5EF4-FFF2-40B4-BE49-F238E27FC236}">
+                <a16:creationId xmlns:a16="http://schemas.microsoft.com/office/drawing/2014/main" id="{8B5EF0E8-0A46-5B4D-D99F-2A8DBEFC2117}"/>
+              </a:ext>
+            </a:extLst>
+          </p:cNvPr>
           <p:cNvSpPr>
             <a:spLocks noGrp="1" noRot="1" noChangeAspect="1"/>
           </p:cNvSpPr>
@@ -943,7 +1679,13 @@
       </p:sp>
       <p:sp>
         <p:nvSpPr>
-          <p:cNvPr id="3" name="Notes Placeholder 2"/>
+          <p:cNvPr id="3" name="Notes Placeholder 2">
+            <a:extLst>
+              <a:ext uri="{FF2B5EF4-FFF2-40B4-BE49-F238E27FC236}">
+                <a16:creationId xmlns:a16="http://schemas.microsoft.com/office/drawing/2014/main" id="{E81327C7-1735-B7C1-D8F5-F2D50E586073}"/>
+              </a:ext>
+            </a:extLst>
+          </p:cNvPr>
           <p:cNvSpPr>
             <a:spLocks noGrp="1"/>
           </p:cNvSpPr>
@@ -957,85 +1699,24 @@
           <a:lstStyle/>
           <a:p>
             <a:r>
-              <a:rPr lang="en-US" b="0" i="0" dirty="0">
-                <a:solidFill>
-                  <a:srgbClr val="000000"/>
-                </a:solidFill>
-                <a:effectLst/>
-                <a:latin typeface="Arial" panose="020B0604020202020204" pitchFamily="34" charset="0"/>
+              <a:rPr lang="en-US" sz="1200" dirty="0">
+                <a:hlinkClick r:id="rId3"/>
               </a:rPr>
-              <a:t>In our discussion today about the future of Excel, we've focused on the integration of Python for backend data analysis, advanced charting, and machine learning, which offers powerful data manipulation capabilities through libraries like pandas and extensive visualization options with libraries like matplotlib and seaborn. </a:t>
-            </a:r>
-          </a:p>
-          <a:p>
-            <a:endParaRPr lang="en-US" b="0" i="0" dirty="0">
-              <a:solidFill>
-                <a:srgbClr val="000000"/>
-              </a:solidFill>
-              <a:effectLst/>
-              <a:latin typeface="Arial" panose="020B0604020202020204" pitchFamily="34" charset="0"/>
-            </a:endParaRPr>
-          </a:p>
-          <a:p>
-            <a:r>
-              <a:rPr lang="en-US" b="0" i="0" dirty="0">
-                <a:solidFill>
-                  <a:srgbClr val="000000"/>
-                </a:solidFill>
-                <a:effectLst/>
-                <a:latin typeface="Arial" panose="020B0604020202020204" pitchFamily="34" charset="0"/>
-              </a:rPr>
-              <a:t>Excel itself continues to shine with its frontend formatting, usability, and interactive dashboards, providing a user-friendly interface that's well-suited for widespread usage, formatting, and presentation. </a:t>
-            </a:r>
-          </a:p>
-          <a:p>
-            <a:endParaRPr lang="en-US" b="0" i="0" dirty="0">
-              <a:solidFill>
-                <a:srgbClr val="000000"/>
-              </a:solidFill>
-              <a:effectLst/>
-              <a:latin typeface="Arial" panose="020B0604020202020204" pitchFamily="34" charset="0"/>
-            </a:endParaRPr>
-          </a:p>
-          <a:p>
-            <a:r>
-              <a:rPr lang="en-US" b="0" i="0" dirty="0">
-                <a:solidFill>
-                  <a:srgbClr val="000000"/>
-                </a:solidFill>
-                <a:effectLst/>
-                <a:latin typeface="Arial" panose="020B0604020202020204" pitchFamily="34" charset="0"/>
-              </a:rPr>
-              <a:t>Now, although we haven't delved into JavaScript today, it's important to note that JavaScript, along with TypeScript, shares similar advantages to Python but in the realm of building applications, add-ins, and more for Excel. JavaScript and TypeScript enable additional add-ins, enhance interactivity, and facilitate web integration, allowing for the building and integration of more complex functionalities. This expands Excel's capabilities into web and app development, making it a versatile tool not just for data analysis but also for creating sophisticated user experiences within Excel's ecosystem. </a:t>
-            </a:r>
-          </a:p>
-          <a:p>
-            <a:endParaRPr lang="en-US" b="0" i="0" dirty="0">
-              <a:solidFill>
-                <a:srgbClr val="000000"/>
-              </a:solidFill>
-              <a:effectLst/>
-              <a:latin typeface="Arial" panose="020B0604020202020204" pitchFamily="34" charset="0"/>
-            </a:endParaRPr>
-          </a:p>
-          <a:p>
-            <a:r>
-              <a:rPr lang="en-US" b="0" i="0" dirty="0">
-                <a:solidFill>
-                  <a:srgbClr val="000000"/>
-                </a:solidFill>
-                <a:effectLst/>
-                <a:latin typeface="Arial" panose="020B0604020202020204" pitchFamily="34" charset="0"/>
-              </a:rPr>
-              <a:t>This synergy between Python, Excel, and JavaScript/TypeScript paints a promising picture for Excel's future, where it can evolve into a more comprehensive platform for both data professionals and developers.</a:t>
-            </a:r>
-            <a:endParaRPr lang="en-US" dirty="0"/>
-          </a:p>
-        </p:txBody>
-      </p:sp>
-      <p:sp>
-        <p:nvSpPr>
-          <p:cNvPr id="4" name="Slide Number Placeholder 3"/>
+              <a:t>https://swiy.co/TLlN</a:t>
+            </a:r>
+            <a:endParaRPr lang="en-US" sz="1200" dirty="0"/>
+          </a:p>
+        </p:txBody>
+      </p:sp>
+      <p:sp>
+        <p:nvSpPr>
+          <p:cNvPr id="4" name="Slide Number Placeholder 3">
+            <a:extLst>
+              <a:ext uri="{FF2B5EF4-FFF2-40B4-BE49-F238E27FC236}">
+                <a16:creationId xmlns:a16="http://schemas.microsoft.com/office/drawing/2014/main" id="{2BB854A2-D544-8B70-F126-16379C5C205F}"/>
+              </a:ext>
+            </a:extLst>
+          </p:cNvPr>
           <p:cNvSpPr>
             <a:spLocks noGrp="1"/>
           </p:cNvSpPr>
@@ -1050,7 +1731,7 @@
           <a:p>
             <a:fld id="{FFB500C5-13F7-48FC-8160-C29AECF6C602}" type="slidenum">
               <a:rPr lang="en-US" smtClean="0"/>
-              <a:t>10</a:t>
+              <a:t>7</a:t>
             </a:fld>
             <a:endParaRPr lang="en-US"/>
           </a:p>
@@ -1059,7 +1740,7 @@
     </p:spTree>
     <p:extLst>
       <p:ext uri="{BB962C8B-B14F-4D97-AF65-F5344CB8AC3E}">
-        <p14:creationId xmlns:p14="http://schemas.microsoft.com/office/powerpoint/2010/main" val="857960786"/>
+        <p14:creationId xmlns:p14="http://schemas.microsoft.com/office/powerpoint/2010/main" val="2749568745"/>
       </p:ext>
     </p:extLst>
   </p:cSld>
@@ -1074,7 +1755,13 @@
   <p:cSld>
     <p:spTree>
       <p:nvGrpSpPr>
-        <p:cNvPr id="1" name=""/>
+        <p:cNvPr id="1" name="">
+          <a:extLst>
+            <a:ext uri="{FF2B5EF4-FFF2-40B4-BE49-F238E27FC236}">
+              <a16:creationId xmlns:a16="http://schemas.microsoft.com/office/drawing/2014/main" id="{18183593-C92C-41C2-CC82-57B557F469C4}"/>
+            </a:ext>
+          </a:extLst>
+        </p:cNvPr>
         <p:cNvGrpSpPr/>
         <p:nvPr/>
       </p:nvGrpSpPr>
@@ -1088,7 +1775,13 @@
       </p:grpSpPr>
       <p:sp>
         <p:nvSpPr>
-          <p:cNvPr id="2" name="Slide Image Placeholder 1"/>
+          <p:cNvPr id="2" name="Slide Image Placeholder 1">
+            <a:extLst>
+              <a:ext uri="{FF2B5EF4-FFF2-40B4-BE49-F238E27FC236}">
+                <a16:creationId xmlns:a16="http://schemas.microsoft.com/office/drawing/2014/main" id="{552588BC-B962-368F-2275-751A7390CA0A}"/>
+              </a:ext>
+            </a:extLst>
+          </p:cNvPr>
           <p:cNvSpPr>
             <a:spLocks noGrp="1" noRot="1" noChangeAspect="1"/>
           </p:cNvSpPr>
@@ -1100,7 +1793,13 @@
       </p:sp>
       <p:sp>
         <p:nvSpPr>
-          <p:cNvPr id="3" name="Notes Placeholder 2"/>
+          <p:cNvPr id="3" name="Notes Placeholder 2">
+            <a:extLst>
+              <a:ext uri="{FF2B5EF4-FFF2-40B4-BE49-F238E27FC236}">
+                <a16:creationId xmlns:a16="http://schemas.microsoft.com/office/drawing/2014/main" id="{7C3B4E52-86C3-9FFA-7389-09CB66B89F08}"/>
+              </a:ext>
+            </a:extLst>
+          </p:cNvPr>
           <p:cNvSpPr>
             <a:spLocks noGrp="1"/>
           </p:cNvSpPr>
@@ -1113,284 +1812,367 @@
           <a:bodyPr/>
           <a:lstStyle/>
           <a:p>
-            <a:pPr algn="l" rtl="0">
-              <a:lnSpc>
-                <a:spcPts val="1500"/>
-              </a:lnSpc>
-            </a:pPr>
-            <a:br>
-              <a:rPr lang="en-US" b="0" u="none" strike="noStrike" dirty="0">
-                <a:solidFill>
-                  <a:srgbClr val="000000"/>
-                </a:solidFill>
-                <a:effectLst/>
-                <a:latin typeface="Arial" panose="020B0604020202020204" pitchFamily="34" charset="0"/>
+            <a:r>
+              <a:rPr lang="en-US" sz="1200" dirty="0">
+                <a:hlinkClick r:id="rId3"/>
               </a:rPr>
-            </a:br>
-            <a:r>
-              <a:rPr lang="en-US" b="0" u="none" strike="noStrike" dirty="0">
-                <a:solidFill>
-                  <a:srgbClr val="000000"/>
-                </a:solidFill>
-                <a:effectLst/>
-                <a:latin typeface="Arial" panose="020B0604020202020204" pitchFamily="34" charset="0"/>
+              <a:t>https://swiy.co/TLlN</a:t>
+            </a:r>
+            <a:endParaRPr lang="en-US" sz="1200" dirty="0"/>
+          </a:p>
+        </p:txBody>
+      </p:sp>
+      <p:sp>
+        <p:nvSpPr>
+          <p:cNvPr id="4" name="Slide Number Placeholder 3">
+            <a:extLst>
+              <a:ext uri="{FF2B5EF4-FFF2-40B4-BE49-F238E27FC236}">
+                <a16:creationId xmlns:a16="http://schemas.microsoft.com/office/drawing/2014/main" id="{89980446-2628-B553-851F-32B92509F2F4}"/>
+              </a:ext>
+            </a:extLst>
+          </p:cNvPr>
+          <p:cNvSpPr>
+            <a:spLocks noGrp="1"/>
+          </p:cNvSpPr>
+          <p:nvPr>
+            <p:ph type="sldNum" sz="quarter" idx="5"/>
+          </p:nvPr>
+        </p:nvSpPr>
+        <p:spPr/>
+        <p:txBody>
+          <a:bodyPr/>
+          <a:lstStyle/>
+          <a:p>
+            <a:fld id="{FFB500C5-13F7-48FC-8160-C29AECF6C602}" type="slidenum">
+              <a:rPr lang="en-US" smtClean="0"/>
+              <a:t>8</a:t>
+            </a:fld>
+            <a:endParaRPr lang="en-US"/>
+          </a:p>
+        </p:txBody>
+      </p:sp>
+    </p:spTree>
+    <p:extLst>
+      <p:ext uri="{BB962C8B-B14F-4D97-AF65-F5344CB8AC3E}">
+        <p14:creationId xmlns:p14="http://schemas.microsoft.com/office/powerpoint/2010/main" val="3802025982"/>
+      </p:ext>
+    </p:extLst>
+  </p:cSld>
+  <p:clrMapOvr>
+    <a:masterClrMapping/>
+  </p:clrMapOvr>
+</p:notes>
+</file>
+
+<file path=ppt/notesSlides/notesSlide6.xml><?xml version="1.0" encoding="utf-8"?>
+<p:notes xmlns:a="http://schemas.openxmlformats.org/drawingml/2006/main" xmlns:r="http://schemas.openxmlformats.org/officeDocument/2006/relationships" xmlns:p="http://schemas.openxmlformats.org/presentationml/2006/main">
+  <p:cSld>
+    <p:spTree>
+      <p:nvGrpSpPr>
+        <p:cNvPr id="1" name="">
+          <a:extLst>
+            <a:ext uri="{FF2B5EF4-FFF2-40B4-BE49-F238E27FC236}">
+              <a16:creationId xmlns:a16="http://schemas.microsoft.com/office/drawing/2014/main" id="{8F475349-AC08-97E4-F710-BE9CD2605907}"/>
+            </a:ext>
+          </a:extLst>
+        </p:cNvPr>
+        <p:cNvGrpSpPr/>
+        <p:nvPr/>
+      </p:nvGrpSpPr>
+      <p:grpSpPr>
+        <a:xfrm>
+          <a:off x="0" y="0"/>
+          <a:ext cx="0" cy="0"/>
+          <a:chOff x="0" y="0"/>
+          <a:chExt cx="0" cy="0"/>
+        </a:xfrm>
+      </p:grpSpPr>
+      <p:sp>
+        <p:nvSpPr>
+          <p:cNvPr id="2" name="Slide Image Placeholder 1">
+            <a:extLst>
+              <a:ext uri="{FF2B5EF4-FFF2-40B4-BE49-F238E27FC236}">
+                <a16:creationId xmlns:a16="http://schemas.microsoft.com/office/drawing/2014/main" id="{28F36B26-E188-4126-69F0-296D7297F34C}"/>
+              </a:ext>
+            </a:extLst>
+          </p:cNvPr>
+          <p:cNvSpPr>
+            <a:spLocks noGrp="1" noRot="1" noChangeAspect="1"/>
+          </p:cNvSpPr>
+          <p:nvPr>
+            <p:ph type="sldImg"/>
+          </p:nvPr>
+        </p:nvSpPr>
+        <p:spPr/>
+      </p:sp>
+      <p:sp>
+        <p:nvSpPr>
+          <p:cNvPr id="3" name="Notes Placeholder 2">
+            <a:extLst>
+              <a:ext uri="{FF2B5EF4-FFF2-40B4-BE49-F238E27FC236}">
+                <a16:creationId xmlns:a16="http://schemas.microsoft.com/office/drawing/2014/main" id="{A6AA7AC3-C9CF-27BD-C7EC-39881DE97C9A}"/>
+              </a:ext>
+            </a:extLst>
+          </p:cNvPr>
+          <p:cNvSpPr>
+            <a:spLocks noGrp="1"/>
+          </p:cNvSpPr>
+          <p:nvPr>
+            <p:ph type="body" idx="1"/>
+          </p:nvPr>
+        </p:nvSpPr>
+        <p:spPr/>
+        <p:txBody>
+          <a:bodyPr/>
+          <a:lstStyle/>
+          <a:p>
+            <a:r>
+              <a:rPr lang="en-US" sz="1200" dirty="0">
+                <a:hlinkClick r:id="rId3"/>
               </a:rPr>
-              <a:t>Good afternoon, everyone. Today, we're exploring how Excel has become a powerful tool for transforming everyday professionals into citizen data analysts, scientists, and engineers, especially in the era of AI. Despite concerns about AI potentially rendering Excel skills obsolete, the reality is quite the opposite. Excel, with AI integration, serves as a gateway to advanced analytics, automated workflows, and machine learning, making it more relevant than ever.</a:t>
-            </a:r>
-          </a:p>
-          <a:p>
-            <a:pPr algn="l" rtl="0">
-              <a:lnSpc>
-                <a:spcPts val="1500"/>
-              </a:lnSpc>
-            </a:pPr>
-            <a:br>
-              <a:rPr lang="en-US" dirty="0"/>
-            </a:br>
-            <a:r>
-              <a:rPr lang="en-US" b="0" u="none" strike="noStrike" dirty="0">
-                <a:solidFill>
-                  <a:srgbClr val="000000"/>
-                </a:solidFill>
-                <a:effectLst/>
-                <a:latin typeface="Arial" panose="020B0604020202020204" pitchFamily="34" charset="0"/>
+              <a:t>https://swiy.co/TLlN</a:t>
+            </a:r>
+            <a:endParaRPr lang="en-US" sz="1200" dirty="0"/>
+          </a:p>
+        </p:txBody>
+      </p:sp>
+      <p:sp>
+        <p:nvSpPr>
+          <p:cNvPr id="4" name="Slide Number Placeholder 3">
+            <a:extLst>
+              <a:ext uri="{FF2B5EF4-FFF2-40B4-BE49-F238E27FC236}">
+                <a16:creationId xmlns:a16="http://schemas.microsoft.com/office/drawing/2014/main" id="{DA06E20B-3916-2836-A9EE-1EB610EA2927}"/>
+              </a:ext>
+            </a:extLst>
+          </p:cNvPr>
+          <p:cNvSpPr>
+            <a:spLocks noGrp="1"/>
+          </p:cNvSpPr>
+          <p:nvPr>
+            <p:ph type="sldNum" sz="quarter" idx="5"/>
+          </p:nvPr>
+        </p:nvSpPr>
+        <p:spPr/>
+        <p:txBody>
+          <a:bodyPr/>
+          <a:lstStyle/>
+          <a:p>
+            <a:fld id="{FFB500C5-13F7-48FC-8160-C29AECF6C602}" type="slidenum">
+              <a:rPr lang="en-US" smtClean="0"/>
+              <a:t>9</a:t>
+            </a:fld>
+            <a:endParaRPr lang="en-US"/>
+          </a:p>
+        </p:txBody>
+      </p:sp>
+    </p:spTree>
+    <p:extLst>
+      <p:ext uri="{BB962C8B-B14F-4D97-AF65-F5344CB8AC3E}">
+        <p14:creationId xmlns:p14="http://schemas.microsoft.com/office/powerpoint/2010/main" val="4235046938"/>
+      </p:ext>
+    </p:extLst>
+  </p:cSld>
+  <p:clrMapOvr>
+    <a:masterClrMapping/>
+  </p:clrMapOvr>
+</p:notes>
+</file>
+
+<file path=ppt/notesSlides/notesSlide7.xml><?xml version="1.0" encoding="utf-8"?>
+<p:notes xmlns:a="http://schemas.openxmlformats.org/drawingml/2006/main" xmlns:r="http://schemas.openxmlformats.org/officeDocument/2006/relationships" xmlns:p="http://schemas.openxmlformats.org/presentationml/2006/main">
+  <p:cSld>
+    <p:spTree>
+      <p:nvGrpSpPr>
+        <p:cNvPr id="1" name="">
+          <a:extLst>
+            <a:ext uri="{FF2B5EF4-FFF2-40B4-BE49-F238E27FC236}">
+              <a16:creationId xmlns:a16="http://schemas.microsoft.com/office/drawing/2014/main" id="{A84FF6A5-DE04-2F18-E8B4-E2492038DE71}"/>
+            </a:ext>
+          </a:extLst>
+        </p:cNvPr>
+        <p:cNvGrpSpPr/>
+        <p:nvPr/>
+      </p:nvGrpSpPr>
+      <p:grpSpPr>
+        <a:xfrm>
+          <a:off x="0" y="0"/>
+          <a:ext cx="0" cy="0"/>
+          <a:chOff x="0" y="0"/>
+          <a:chExt cx="0" cy="0"/>
+        </a:xfrm>
+      </p:grpSpPr>
+      <p:sp>
+        <p:nvSpPr>
+          <p:cNvPr id="2" name="Slide Image Placeholder 1">
+            <a:extLst>
+              <a:ext uri="{FF2B5EF4-FFF2-40B4-BE49-F238E27FC236}">
+                <a16:creationId xmlns:a16="http://schemas.microsoft.com/office/drawing/2014/main" id="{60A3A61D-7694-BFA4-F196-0443BDCB8944}"/>
+              </a:ext>
+            </a:extLst>
+          </p:cNvPr>
+          <p:cNvSpPr>
+            <a:spLocks noGrp="1" noRot="1" noChangeAspect="1"/>
+          </p:cNvSpPr>
+          <p:nvPr>
+            <p:ph type="sldImg"/>
+          </p:nvPr>
+        </p:nvSpPr>
+        <p:spPr/>
+      </p:sp>
+      <p:sp>
+        <p:nvSpPr>
+          <p:cNvPr id="3" name="Notes Placeholder 2">
+            <a:extLst>
+              <a:ext uri="{FF2B5EF4-FFF2-40B4-BE49-F238E27FC236}">
+                <a16:creationId xmlns:a16="http://schemas.microsoft.com/office/drawing/2014/main" id="{E06AB5AC-0F1D-0CE9-D0B3-959527E83FE5}"/>
+              </a:ext>
+            </a:extLst>
+          </p:cNvPr>
+          <p:cNvSpPr>
+            <a:spLocks noGrp="1"/>
+          </p:cNvSpPr>
+          <p:nvPr>
+            <p:ph type="body" idx="1"/>
+          </p:nvPr>
+        </p:nvSpPr>
+        <p:spPr/>
+        <p:txBody>
+          <a:bodyPr/>
+          <a:lstStyle/>
+          <a:p>
+            <a:r>
+              <a:rPr lang="en-US" sz="1200" dirty="0">
+                <a:hlinkClick r:id="rId3"/>
               </a:rPr>
-              <a:t>First, let's define what a "citizen" data professional is. These are individuals who, without formal data roles, leverage Excel to build analytical models, automate processes, and even engage in predictive modeling from their own PCs. This democratization of data work allows them to bypass traditional IT bottlenecks, enhancing their productivity and agility.</a:t>
-            </a:r>
-          </a:p>
-          <a:p>
-            <a:pPr algn="l" rtl="0">
-              <a:lnSpc>
-                <a:spcPts val="1500"/>
-              </a:lnSpc>
-            </a:pPr>
-            <a:br>
-              <a:rPr lang="en-US" dirty="0"/>
-            </a:br>
-            <a:r>
-              <a:rPr lang="en-US" b="0" u="none" strike="noStrike" dirty="0">
-                <a:solidFill>
-                  <a:srgbClr val="000000"/>
-                </a:solidFill>
-                <a:effectLst/>
-                <a:latin typeface="Arial" panose="020B0604020202020204" pitchFamily="34" charset="0"/>
+              <a:t>https://swiy.co/TLlN</a:t>
+            </a:r>
+            <a:endParaRPr lang="en-US" sz="1200" dirty="0"/>
+          </a:p>
+        </p:txBody>
+      </p:sp>
+      <p:sp>
+        <p:nvSpPr>
+          <p:cNvPr id="4" name="Slide Number Placeholder 3">
+            <a:extLst>
+              <a:ext uri="{FF2B5EF4-FFF2-40B4-BE49-F238E27FC236}">
+                <a16:creationId xmlns:a16="http://schemas.microsoft.com/office/drawing/2014/main" id="{F9805565-4861-B99F-F587-A45D52FF94FC}"/>
+              </a:ext>
+            </a:extLst>
+          </p:cNvPr>
+          <p:cNvSpPr>
+            <a:spLocks noGrp="1"/>
+          </p:cNvSpPr>
+          <p:nvPr>
+            <p:ph type="sldNum" sz="quarter" idx="5"/>
+          </p:nvPr>
+        </p:nvSpPr>
+        <p:spPr/>
+        <p:txBody>
+          <a:bodyPr/>
+          <a:lstStyle/>
+          <a:p>
+            <a:fld id="{FFB500C5-13F7-48FC-8160-C29AECF6C602}" type="slidenum">
+              <a:rPr lang="en-US" smtClean="0"/>
+              <a:t>10</a:t>
+            </a:fld>
+            <a:endParaRPr lang="en-US"/>
+          </a:p>
+        </p:txBody>
+      </p:sp>
+    </p:spTree>
+    <p:extLst>
+      <p:ext uri="{BB962C8B-B14F-4D97-AF65-F5344CB8AC3E}">
+        <p14:creationId xmlns:p14="http://schemas.microsoft.com/office/powerpoint/2010/main" val="768928067"/>
+      </p:ext>
+    </p:extLst>
+  </p:cSld>
+  <p:clrMapOvr>
+    <a:masterClrMapping/>
+  </p:clrMapOvr>
+</p:notes>
+</file>
+
+<file path=ppt/notesSlides/notesSlide8.xml><?xml version="1.0" encoding="utf-8"?>
+<p:notes xmlns:a="http://schemas.openxmlformats.org/drawingml/2006/main" xmlns:r="http://schemas.openxmlformats.org/officeDocument/2006/relationships" xmlns:p="http://schemas.openxmlformats.org/presentationml/2006/main">
+  <p:cSld>
+    <p:spTree>
+      <p:nvGrpSpPr>
+        <p:cNvPr id="1" name="">
+          <a:extLst>
+            <a:ext uri="{FF2B5EF4-FFF2-40B4-BE49-F238E27FC236}">
+              <a16:creationId xmlns:a16="http://schemas.microsoft.com/office/drawing/2014/main" id="{3C7FE384-ED9D-F099-2625-F249B7322ECA}"/>
+            </a:ext>
+          </a:extLst>
+        </p:cNvPr>
+        <p:cNvGrpSpPr/>
+        <p:nvPr/>
+      </p:nvGrpSpPr>
+      <p:grpSpPr>
+        <a:xfrm>
+          <a:off x="0" y="0"/>
+          <a:ext cx="0" cy="0"/>
+          <a:chOff x="0" y="0"/>
+          <a:chExt cx="0" cy="0"/>
+        </a:xfrm>
+      </p:grpSpPr>
+      <p:sp>
+        <p:nvSpPr>
+          <p:cNvPr id="2" name="Slide Image Placeholder 1">
+            <a:extLst>
+              <a:ext uri="{FF2B5EF4-FFF2-40B4-BE49-F238E27FC236}">
+                <a16:creationId xmlns:a16="http://schemas.microsoft.com/office/drawing/2014/main" id="{6318BEA4-9348-DC99-91C1-4432ECB0667F}"/>
+              </a:ext>
+            </a:extLst>
+          </p:cNvPr>
+          <p:cNvSpPr>
+            <a:spLocks noGrp="1" noRot="1" noChangeAspect="1"/>
+          </p:cNvSpPr>
+          <p:nvPr>
+            <p:ph type="sldImg"/>
+          </p:nvPr>
+        </p:nvSpPr>
+        <p:spPr/>
+      </p:sp>
+      <p:sp>
+        <p:nvSpPr>
+          <p:cNvPr id="3" name="Notes Placeholder 2">
+            <a:extLst>
+              <a:ext uri="{FF2B5EF4-FFF2-40B4-BE49-F238E27FC236}">
+                <a16:creationId xmlns:a16="http://schemas.microsoft.com/office/drawing/2014/main" id="{AABFB7A9-B2FB-1134-EFEC-83457A12CFB6}"/>
+              </a:ext>
+            </a:extLst>
+          </p:cNvPr>
+          <p:cNvSpPr>
+            <a:spLocks noGrp="1"/>
+          </p:cNvSpPr>
+          <p:nvPr>
+            <p:ph type="body" idx="1"/>
+          </p:nvPr>
+        </p:nvSpPr>
+        <p:spPr/>
+        <p:txBody>
+          <a:bodyPr/>
+          <a:lstStyle/>
+          <a:p>
+            <a:r>
+              <a:rPr lang="en-US" sz="1200" dirty="0">
+                <a:hlinkClick r:id="rId3"/>
               </a:rPr>
-              <a:t>For </a:t>
-            </a:r>
-            <a:r>
-              <a:rPr lang="en-US" b="1" u="none" strike="noStrike" dirty="0">
-                <a:solidFill>
-                  <a:srgbClr val="000000"/>
-                </a:solidFill>
-                <a:effectLst/>
-                <a:latin typeface="Arial" panose="020B0604020202020204" pitchFamily="34" charset="0"/>
-              </a:rPr>
-              <a:t>citizen data analysts</a:t>
-            </a:r>
-            <a:r>
-              <a:rPr lang="en-US" b="0" u="none" strike="noStrike" dirty="0">
-                <a:solidFill>
-                  <a:srgbClr val="000000"/>
-                </a:solidFill>
-                <a:effectLst/>
-                <a:latin typeface="Arial" panose="020B0604020202020204" pitchFamily="34" charset="0"/>
-              </a:rPr>
-              <a:t>, Excel has become a BI powerhouse through tools like Power Query, which automates data transformation from various sources, and Power Pivot, which enables complex data modeling and dynamic dashboard creation. Imagine receiving multiple CSV files each month; with Power Query, you can clean and transform these files effortlessly, then use Power Pivot to model the data, creating relationships and measures that power your interactive reports. This means decisions can be made instantly, without waiting for IT support or expensive BI tools.</a:t>
-            </a:r>
-          </a:p>
-          <a:p>
-            <a:pPr algn="l" rtl="0">
-              <a:lnSpc>
-                <a:spcPts val="1500"/>
-              </a:lnSpc>
-            </a:pPr>
-            <a:br>
-              <a:rPr lang="en-US" dirty="0"/>
-            </a:br>
-            <a:r>
-              <a:rPr lang="en-US" b="0" u="none" strike="noStrike" dirty="0">
-                <a:solidFill>
-                  <a:srgbClr val="000000"/>
-                </a:solidFill>
-                <a:effectLst/>
-                <a:latin typeface="Arial" panose="020B0604020202020204" pitchFamily="34" charset="0"/>
-              </a:rPr>
-              <a:t>Moving to </a:t>
-            </a:r>
-            <a:r>
-              <a:rPr lang="en-US" b="1" u="none" strike="noStrike" dirty="0">
-                <a:solidFill>
-                  <a:srgbClr val="000000"/>
-                </a:solidFill>
-                <a:effectLst/>
-                <a:latin typeface="Arial" panose="020B0604020202020204" pitchFamily="34" charset="0"/>
-              </a:rPr>
-              <a:t>citizen data scientists</a:t>
-            </a:r>
-            <a:r>
-              <a:rPr lang="en-US" b="0" u="none" strike="noStrike" dirty="0">
-                <a:solidFill>
-                  <a:srgbClr val="000000"/>
-                </a:solidFill>
-                <a:effectLst/>
-                <a:latin typeface="Arial" panose="020B0604020202020204" pitchFamily="34" charset="0"/>
-              </a:rPr>
-              <a:t>, Excel's integration with Python, facilitated by tools like LAMBDA(), transforms it into a robust platform for data science. Users can now perform tasks like setting random seeds, exploring statistical distributions, and splitting data for machine learning within Excel. This integration allows for advanced visualizations beyond Excel's native capabilities, making data analysis more intuitive. LAMBDA() further enhances this by allowing the creation of custom, complex formulas, essentially making Excel Turing complete for advanced calculations.</a:t>
-            </a:r>
-          </a:p>
-          <a:p>
-            <a:pPr algn="l" rtl="0">
-              <a:lnSpc>
-                <a:spcPts val="1500"/>
-              </a:lnSpc>
-            </a:pPr>
-            <a:br>
-              <a:rPr lang="en-US" dirty="0"/>
-            </a:br>
-            <a:r>
-              <a:rPr lang="en-US" b="0" u="none" strike="noStrike" dirty="0">
-                <a:solidFill>
-                  <a:srgbClr val="000000"/>
-                </a:solidFill>
-                <a:effectLst/>
-                <a:latin typeface="Arial" panose="020B0604020202020204" pitchFamily="34" charset="0"/>
-              </a:rPr>
-              <a:t>Finally, for </a:t>
-            </a:r>
-            <a:r>
-              <a:rPr lang="en-US" b="1" u="none" strike="noStrike" dirty="0">
-                <a:solidFill>
-                  <a:srgbClr val="000000"/>
-                </a:solidFill>
-                <a:effectLst/>
-                <a:latin typeface="Arial" panose="020B0604020202020204" pitchFamily="34" charset="0"/>
-              </a:rPr>
-              <a:t>citizen data engineers</a:t>
-            </a:r>
-            <a:r>
-              <a:rPr lang="en-US" b="0" u="none" strike="noStrike" dirty="0">
-                <a:solidFill>
-                  <a:srgbClr val="000000"/>
-                </a:solidFill>
-                <a:effectLst/>
-                <a:latin typeface="Arial" panose="020B0604020202020204" pitchFamily="34" charset="0"/>
-              </a:rPr>
-              <a:t>, Excel's capabilities are expanded through Power Automate and Office Scripts. Power Automate connects Excel with various workflows, automating data pipelines and ensuring data flows where it's needed, when it's needed. Office Scripts, a modern alternative to VBA, automates repetitive tasks like data formatting and report generation. For instance, a workflow might involve Power Automate detecting new CSV files in a SharePoint folder, appending them to an Excel workbook, with an Office Script then standardizing the data and updating dashboards, all without manual intervention.</a:t>
-            </a:r>
-          </a:p>
-          <a:p>
-            <a:pPr algn="l" rtl="0">
-              <a:lnSpc>
-                <a:spcPts val="1500"/>
-              </a:lnSpc>
-            </a:pPr>
-            <a:br>
-              <a:rPr lang="en-US" dirty="0"/>
-            </a:br>
-            <a:r>
-              <a:rPr lang="en-US" b="0" u="none" strike="noStrike" dirty="0">
-                <a:solidFill>
-                  <a:srgbClr val="000000"/>
-                </a:solidFill>
-                <a:effectLst/>
-                <a:latin typeface="Arial" panose="020B0604020202020204" pitchFamily="34" charset="0"/>
-              </a:rPr>
-              <a:t>The bridge that ties all these roles together is </a:t>
-            </a:r>
-            <a:r>
-              <a:rPr lang="en-US" b="1" u="none" strike="noStrike" dirty="0">
-                <a:solidFill>
-                  <a:srgbClr val="000000"/>
-                </a:solidFill>
-                <a:effectLst/>
-                <a:latin typeface="Arial" panose="020B0604020202020204" pitchFamily="34" charset="0"/>
-              </a:rPr>
-              <a:t>AI</a:t>
-            </a:r>
-            <a:r>
-              <a:rPr lang="en-US" b="0" u="none" strike="noStrike" dirty="0">
-                <a:solidFill>
-                  <a:srgbClr val="000000"/>
-                </a:solidFill>
-                <a:effectLst/>
-                <a:latin typeface="Arial" panose="020B0604020202020204" pitchFamily="34" charset="0"/>
-              </a:rPr>
-              <a:t>, particularly through Microsoft’s Copilot. For analysts, Copilot can construct complex PivotTables or dashboards from natural language commands, streamlining data interpretation. Data scientists can use Copilot for real-time Python code assistance within Excel, from model training to debugging. For engineers, Copilot simplifies setting up data workflows, making sophisticated automation accessible through simple descriptions.</a:t>
-            </a:r>
-          </a:p>
-          <a:p>
-            <a:pPr algn="l" rtl="0">
-              <a:lnSpc>
-                <a:spcPts val="1500"/>
-              </a:lnSpc>
-            </a:pPr>
-            <a:br>
-              <a:rPr lang="en-US" dirty="0"/>
-            </a:br>
-            <a:r>
-              <a:rPr lang="en-US" b="0" u="none" strike="noStrike" dirty="0">
-                <a:solidFill>
-                  <a:srgbClr val="000000"/>
-                </a:solidFill>
-                <a:effectLst/>
-                <a:latin typeface="Arial" panose="020B0604020202020204" pitchFamily="34" charset="0"/>
-              </a:rPr>
-              <a:t>In summary, Excel, powered by AI, enables a wide range of professionals to engage in data roles traditionally requiring specialized skills. This not only boosts productivity but also fosters a data-driven culture across organizations. As we conclude, I encourage you to think about which of these roles excites you the most, how AI integration can enhance your workflow, and what new skills you're eager to develop with Excel's evolving capabilities. Please share your thoughts and questions below.</a:t>
-            </a:r>
-          </a:p>
-          <a:p>
-            <a:pPr algn="l" rtl="0">
-              <a:lnSpc>
-                <a:spcPts val="1500"/>
-              </a:lnSpc>
-            </a:pPr>
-            <a:endParaRPr lang="en-US" b="0" u="none" strike="noStrike" dirty="0">
-              <a:solidFill>
-                <a:srgbClr val="000000"/>
-              </a:solidFill>
-              <a:effectLst/>
-              <a:latin typeface="Arial" panose="020B0604020202020204" pitchFamily="34" charset="0"/>
-            </a:endParaRPr>
-          </a:p>
-          <a:p>
-            <a:pPr algn="l" rtl="0">
-              <a:lnSpc>
-                <a:spcPts val="1500"/>
-              </a:lnSpc>
-            </a:pPr>
-            <a:endParaRPr lang="en-US" b="0" u="none" strike="noStrike" dirty="0">
-              <a:solidFill>
-                <a:srgbClr val="000000"/>
-              </a:solidFill>
-              <a:effectLst/>
-              <a:latin typeface="Arial" panose="020B0604020202020204" pitchFamily="34" charset="0"/>
-            </a:endParaRPr>
-          </a:p>
-          <a:p>
-            <a:pPr algn="l" rtl="0">
-              <a:lnSpc>
-                <a:spcPts val="1500"/>
-              </a:lnSpc>
-            </a:pPr>
-            <a:r>
-              <a:rPr lang="en-US" b="0" u="none" strike="noStrike" dirty="0">
-                <a:solidFill>
-                  <a:srgbClr val="000000"/>
-                </a:solidFill>
-                <a:effectLst/>
-                <a:latin typeface="Arial" panose="020B0604020202020204" pitchFamily="34" charset="0"/>
-              </a:rPr>
-              <a:t>https://gist.github.com/summerofgeorge/c8fff44d39519c56daf31a6176005034#file-citizen-da-ds-de-md</a:t>
-            </a:r>
-          </a:p>
-          <a:p>
-            <a:endParaRPr lang="en-US" dirty="0"/>
-          </a:p>
-        </p:txBody>
-      </p:sp>
-      <p:sp>
-        <p:nvSpPr>
-          <p:cNvPr id="4" name="Slide Number Placeholder 3"/>
+              <a:t>https://swiy.co/TLlN</a:t>
+            </a:r>
+            <a:endParaRPr lang="en-US" sz="1200" dirty="0"/>
+          </a:p>
+        </p:txBody>
+      </p:sp>
+      <p:sp>
+        <p:nvSpPr>
+          <p:cNvPr id="4" name="Slide Number Placeholder 3">
+            <a:extLst>
+              <a:ext uri="{FF2B5EF4-FFF2-40B4-BE49-F238E27FC236}">
+                <a16:creationId xmlns:a16="http://schemas.microsoft.com/office/drawing/2014/main" id="{CE75A1F4-14C1-8D20-2EC2-E00087F09518}"/>
+              </a:ext>
+            </a:extLst>
+          </p:cNvPr>
           <p:cNvSpPr>
             <a:spLocks noGrp="1"/>
           </p:cNvSpPr>
@@ -1414,7 +2196,121 @@
     </p:spTree>
     <p:extLst>
       <p:ext uri="{BB962C8B-B14F-4D97-AF65-F5344CB8AC3E}">
-        <p14:creationId xmlns:p14="http://schemas.microsoft.com/office/powerpoint/2010/main" val="2016499028"/>
+        <p14:creationId xmlns:p14="http://schemas.microsoft.com/office/powerpoint/2010/main" val="3579210169"/>
+      </p:ext>
+    </p:extLst>
+  </p:cSld>
+  <p:clrMapOvr>
+    <a:masterClrMapping/>
+  </p:clrMapOvr>
+</p:notes>
+</file>
+
+<file path=ppt/notesSlides/notesSlide9.xml><?xml version="1.0" encoding="utf-8"?>
+<p:notes xmlns:a="http://schemas.openxmlformats.org/drawingml/2006/main" xmlns:r="http://schemas.openxmlformats.org/officeDocument/2006/relationships" xmlns:p="http://schemas.openxmlformats.org/presentationml/2006/main">
+  <p:cSld>
+    <p:spTree>
+      <p:nvGrpSpPr>
+        <p:cNvPr id="1" name="">
+          <a:extLst>
+            <a:ext uri="{FF2B5EF4-FFF2-40B4-BE49-F238E27FC236}">
+              <a16:creationId xmlns:a16="http://schemas.microsoft.com/office/drawing/2014/main" id="{31B50553-01DF-6603-C71C-6763C69F12CF}"/>
+            </a:ext>
+          </a:extLst>
+        </p:cNvPr>
+        <p:cNvGrpSpPr/>
+        <p:nvPr/>
+      </p:nvGrpSpPr>
+      <p:grpSpPr>
+        <a:xfrm>
+          <a:off x="0" y="0"/>
+          <a:ext cx="0" cy="0"/>
+          <a:chOff x="0" y="0"/>
+          <a:chExt cx="0" cy="0"/>
+        </a:xfrm>
+      </p:grpSpPr>
+      <p:sp>
+        <p:nvSpPr>
+          <p:cNvPr id="2" name="Slide Image Placeholder 1">
+            <a:extLst>
+              <a:ext uri="{FF2B5EF4-FFF2-40B4-BE49-F238E27FC236}">
+                <a16:creationId xmlns:a16="http://schemas.microsoft.com/office/drawing/2014/main" id="{30CDEF0F-C78E-B7DE-A27A-E63201464A34}"/>
+              </a:ext>
+            </a:extLst>
+          </p:cNvPr>
+          <p:cNvSpPr>
+            <a:spLocks noGrp="1" noRot="1" noChangeAspect="1"/>
+          </p:cNvSpPr>
+          <p:nvPr>
+            <p:ph type="sldImg"/>
+          </p:nvPr>
+        </p:nvSpPr>
+        <p:spPr/>
+      </p:sp>
+      <p:sp>
+        <p:nvSpPr>
+          <p:cNvPr id="3" name="Notes Placeholder 2">
+            <a:extLst>
+              <a:ext uri="{FF2B5EF4-FFF2-40B4-BE49-F238E27FC236}">
+                <a16:creationId xmlns:a16="http://schemas.microsoft.com/office/drawing/2014/main" id="{FC3EF3B0-ABEE-7591-CF4F-69DE9BDA5779}"/>
+              </a:ext>
+            </a:extLst>
+          </p:cNvPr>
+          <p:cNvSpPr>
+            <a:spLocks noGrp="1"/>
+          </p:cNvSpPr>
+          <p:nvPr>
+            <p:ph type="body" idx="1"/>
+          </p:nvPr>
+        </p:nvSpPr>
+        <p:spPr/>
+        <p:txBody>
+          <a:bodyPr/>
+          <a:lstStyle/>
+          <a:p>
+            <a:r>
+              <a:rPr lang="en-US" sz="1200" dirty="0">
+                <a:hlinkClick r:id="rId3"/>
+              </a:rPr>
+              <a:t>https://swiy.co/TLlN</a:t>
+            </a:r>
+            <a:endParaRPr lang="en-US" sz="1200" dirty="0"/>
+          </a:p>
+        </p:txBody>
+      </p:sp>
+      <p:sp>
+        <p:nvSpPr>
+          <p:cNvPr id="4" name="Slide Number Placeholder 3">
+            <a:extLst>
+              <a:ext uri="{FF2B5EF4-FFF2-40B4-BE49-F238E27FC236}">
+                <a16:creationId xmlns:a16="http://schemas.microsoft.com/office/drawing/2014/main" id="{7F12B534-4385-DC2A-43F8-AE7ADBDAF196}"/>
+              </a:ext>
+            </a:extLst>
+          </p:cNvPr>
+          <p:cNvSpPr>
+            <a:spLocks noGrp="1"/>
+          </p:cNvSpPr>
+          <p:nvPr>
+            <p:ph type="sldNum" sz="quarter" idx="5"/>
+          </p:nvPr>
+        </p:nvSpPr>
+        <p:spPr/>
+        <p:txBody>
+          <a:bodyPr/>
+          <a:lstStyle/>
+          <a:p>
+            <a:fld id="{FFB500C5-13F7-48FC-8160-C29AECF6C602}" type="slidenum">
+              <a:rPr lang="en-US" smtClean="0"/>
+              <a:t>12</a:t>
+            </a:fld>
+            <a:endParaRPr lang="en-US"/>
+          </a:p>
+        </p:txBody>
+      </p:sp>
+    </p:spTree>
+    <p:extLst>
+      <p:ext uri="{BB962C8B-B14F-4D97-AF65-F5344CB8AC3E}">
+        <p14:creationId xmlns:p14="http://schemas.microsoft.com/office/powerpoint/2010/main" val="4200641320"/>
       </p:ext>
     </p:extLst>
   </p:cSld>
@@ -1604,7 +2500,7 @@
             <a:fld id="{1D8BD707-D9CF-40AE-B4C6-C98DA3205C09}" type="datetimeFigureOut">
               <a:rPr lang="en-US" smtClean="0"/>
               <a:pPr/>
-              <a:t>1/22/2025</a:t>
+              <a:t>1/27/2025</a:t>
             </a:fld>
             <a:endParaRPr lang="en-US"/>
           </a:p>
@@ -1769,7 +2665,7 @@
             <a:fld id="{1D8BD707-D9CF-40AE-B4C6-C98DA3205C09}" type="datetimeFigureOut">
               <a:rPr lang="en-US" smtClean="0"/>
               <a:pPr/>
-              <a:t>1/22/2025</a:t>
+              <a:t>1/27/2025</a:t>
             </a:fld>
             <a:endParaRPr lang="en-US"/>
           </a:p>
@@ -1944,7 +2840,7 @@
             <a:fld id="{1D8BD707-D9CF-40AE-B4C6-C98DA3205C09}" type="datetimeFigureOut">
               <a:rPr lang="en-US" smtClean="0"/>
               <a:pPr/>
-              <a:t>1/22/2025</a:t>
+              <a:t>1/27/2025</a:t>
             </a:fld>
             <a:endParaRPr lang="en-US"/>
           </a:p>
@@ -2109,7 +3005,7 @@
             <a:fld id="{1D8BD707-D9CF-40AE-B4C6-C98DA3205C09}" type="datetimeFigureOut">
               <a:rPr lang="en-US" smtClean="0"/>
               <a:pPr/>
-              <a:t>1/22/2025</a:t>
+              <a:t>1/27/2025</a:t>
             </a:fld>
             <a:endParaRPr lang="en-US"/>
           </a:p>
@@ -2351,7 +3247,7 @@
             <a:fld id="{1D8BD707-D9CF-40AE-B4C6-C98DA3205C09}" type="datetimeFigureOut">
               <a:rPr lang="en-US" smtClean="0"/>
               <a:pPr/>
-              <a:t>1/22/2025</a:t>
+              <a:t>1/27/2025</a:t>
             </a:fld>
             <a:endParaRPr lang="en-US"/>
           </a:p>
@@ -2633,7 +3529,7 @@
             <a:fld id="{1D8BD707-D9CF-40AE-B4C6-C98DA3205C09}" type="datetimeFigureOut">
               <a:rPr lang="en-US" smtClean="0"/>
               <a:pPr/>
-              <a:t>1/22/2025</a:t>
+              <a:t>1/27/2025</a:t>
             </a:fld>
             <a:endParaRPr lang="en-US"/>
           </a:p>
@@ -3049,7 +3945,7 @@
             <a:fld id="{1D8BD707-D9CF-40AE-B4C6-C98DA3205C09}" type="datetimeFigureOut">
               <a:rPr lang="en-US" smtClean="0"/>
               <a:pPr/>
-              <a:t>1/22/2025</a:t>
+              <a:t>1/27/2025</a:t>
             </a:fld>
             <a:endParaRPr lang="en-US"/>
           </a:p>
@@ -3163,7 +4059,7 @@
             <a:fld id="{1D8BD707-D9CF-40AE-B4C6-C98DA3205C09}" type="datetimeFigureOut">
               <a:rPr lang="en-US" smtClean="0"/>
               <a:pPr/>
-              <a:t>1/22/2025</a:t>
+              <a:t>1/27/2025</a:t>
             </a:fld>
             <a:endParaRPr lang="en-US"/>
           </a:p>
@@ -3255,7 +4151,7 @@
             <a:fld id="{1D8BD707-D9CF-40AE-B4C6-C98DA3205C09}" type="datetimeFigureOut">
               <a:rPr lang="en-US" smtClean="0"/>
               <a:pPr/>
-              <a:t>1/22/2025</a:t>
+              <a:t>1/27/2025</a:t>
             </a:fld>
             <a:endParaRPr lang="en-US"/>
           </a:p>
@@ -3527,7 +4423,7 @@
             <a:fld id="{1D8BD707-D9CF-40AE-B4C6-C98DA3205C09}" type="datetimeFigureOut">
               <a:rPr lang="en-US" smtClean="0"/>
               <a:pPr/>
-              <a:t>1/22/2025</a:t>
+              <a:t>1/27/2025</a:t>
             </a:fld>
             <a:endParaRPr lang="en-US"/>
           </a:p>
@@ -3776,7 +4672,7 @@
             <a:fld id="{1D8BD707-D9CF-40AE-B4C6-C98DA3205C09}" type="datetimeFigureOut">
               <a:rPr lang="en-US" smtClean="0"/>
               <a:pPr/>
-              <a:t>1/22/2025</a:t>
+              <a:t>1/27/2025</a:t>
             </a:fld>
             <a:endParaRPr lang="en-US"/>
           </a:p>
@@ -3989,7 +4885,7 @@
             <a:fld id="{1D8BD707-D9CF-40AE-B4C6-C98DA3205C09}" type="datetimeFigureOut">
               <a:rPr lang="en-US" smtClean="0"/>
               <a:pPr/>
-              <a:t>1/22/2025</a:t>
+              <a:t>1/27/2025</a:t>
             </a:fld>
             <a:endParaRPr lang="en-US"/>
           </a:p>
@@ -4573,6 +5469,2002 @@
 </file>
 
 <file path=ppt/slides/slide10.xml><?xml version="1.0" encoding="utf-8"?>
+<p:sld xmlns:a="http://schemas.openxmlformats.org/drawingml/2006/main" xmlns:r="http://schemas.openxmlformats.org/officeDocument/2006/relationships" xmlns:p="http://schemas.openxmlformats.org/presentationml/2006/main">
+  <p:cSld>
+    <p:spTree>
+      <p:nvGrpSpPr>
+        <p:cNvPr id="1" name="">
+          <a:extLst>
+            <a:ext uri="{FF2B5EF4-FFF2-40B4-BE49-F238E27FC236}">
+              <a16:creationId xmlns:a16="http://schemas.microsoft.com/office/drawing/2014/main" id="{72E7D943-63A2-369D-4888-2572CDA55123}"/>
+            </a:ext>
+          </a:extLst>
+        </p:cNvPr>
+        <p:cNvGrpSpPr/>
+        <p:nvPr/>
+      </p:nvGrpSpPr>
+      <p:grpSpPr>
+        <a:xfrm>
+          <a:off x="0" y="0"/>
+          <a:ext cx="0" cy="0"/>
+          <a:chOff x="0" y="0"/>
+          <a:chExt cx="0" cy="0"/>
+        </a:xfrm>
+      </p:grpSpPr>
+      <p:sp>
+        <p:nvSpPr>
+          <p:cNvPr id="11" name="TextBox 10">
+            <a:extLst>
+              <a:ext uri="{FF2B5EF4-FFF2-40B4-BE49-F238E27FC236}">
+                <a16:creationId xmlns:a16="http://schemas.microsoft.com/office/drawing/2014/main" id="{264AEF68-FD01-1C85-3D05-28F0B7991F75}"/>
+              </a:ext>
+            </a:extLst>
+          </p:cNvPr>
+          <p:cNvSpPr txBox="1"/>
+          <p:nvPr/>
+        </p:nvSpPr>
+        <p:spPr>
+          <a:xfrm>
+            <a:off x="520861" y="170082"/>
+            <a:ext cx="17309939" cy="1477328"/>
+          </a:xfrm>
+          <a:prstGeom prst="rect">
+            <a:avLst/>
+          </a:prstGeom>
+          <a:noFill/>
+        </p:spPr>
+        <p:txBody>
+          <a:bodyPr wrap="square" rtlCol="0">
+            <a:spAutoFit/>
+          </a:bodyPr>
+          <a:lstStyle/>
+          <a:p>
+            <a:r>
+              <a:rPr lang="en-US" sz="9000" dirty="0">
+                <a:latin typeface="Aliens &amp; cows" panose="00000500000000000000" pitchFamily="2" charset="0"/>
+              </a:rPr>
+              <a:t>Copilot in Excel… not enough? </a:t>
+            </a:r>
+          </a:p>
+        </p:txBody>
+      </p:sp>
+      <p:pic>
+        <p:nvPicPr>
+          <p:cNvPr id="15" name="Picture 14" descr="A close up of a sign&#10;&#10;Description automatically generated">
+            <a:extLst>
+              <a:ext uri="{FF2B5EF4-FFF2-40B4-BE49-F238E27FC236}">
+                <a16:creationId xmlns:a16="http://schemas.microsoft.com/office/drawing/2014/main" id="{B561A415-3EBA-7B80-CC0D-AE44E97BCB42}"/>
+              </a:ext>
+            </a:extLst>
+          </p:cNvPr>
+          <p:cNvPicPr>
+            <a:picLocks noChangeAspect="1"/>
+          </p:cNvPicPr>
+          <p:nvPr/>
+        </p:nvPicPr>
+        <p:blipFill>
+          <a:blip r:embed="rId3">
+            <a:extLst>
+              <a:ext uri="{28A0092B-C50C-407E-A947-70E740481C1C}">
+                <a14:useLocalDpi xmlns:a14="http://schemas.microsoft.com/office/drawing/2010/main" val="0"/>
+              </a:ext>
+            </a:extLst>
+          </a:blip>
+          <a:stretch>
+            <a:fillRect/>
+          </a:stretch>
+        </p:blipFill>
+        <p:spPr>
+          <a:xfrm>
+            <a:off x="16341036" y="8058429"/>
+            <a:ext cx="1942857" cy="2228571"/>
+          </a:xfrm>
+          <a:prstGeom prst="rect">
+            <a:avLst/>
+          </a:prstGeom>
+        </p:spPr>
+      </p:pic>
+      <p:pic>
+        <p:nvPicPr>
+          <p:cNvPr id="9" name="Picture 8">
+            <a:extLst>
+              <a:ext uri="{FF2B5EF4-FFF2-40B4-BE49-F238E27FC236}">
+                <a16:creationId xmlns:a16="http://schemas.microsoft.com/office/drawing/2014/main" id="{D5353FD7-35AA-E98D-D5C7-5A021A478D11}"/>
+              </a:ext>
+            </a:extLst>
+          </p:cNvPr>
+          <p:cNvPicPr>
+            <a:picLocks noChangeAspect="1"/>
+          </p:cNvPicPr>
+          <p:nvPr/>
+        </p:nvPicPr>
+        <p:blipFill>
+          <a:blip r:embed="rId4"/>
+          <a:stretch>
+            <a:fillRect/>
+          </a:stretch>
+        </p:blipFill>
+        <p:spPr>
+          <a:xfrm>
+            <a:off x="1143000" y="1535139"/>
+            <a:ext cx="14685399" cy="8581779"/>
+          </a:xfrm>
+          <a:prstGeom prst="rect">
+            <a:avLst/>
+          </a:prstGeom>
+        </p:spPr>
+      </p:pic>
+      <p:sp>
+        <p:nvSpPr>
+          <p:cNvPr id="2" name="TextBox 1">
+            <a:extLst>
+              <a:ext uri="{FF2B5EF4-FFF2-40B4-BE49-F238E27FC236}">
+                <a16:creationId xmlns:a16="http://schemas.microsoft.com/office/drawing/2014/main" id="{B4B1D4C4-51A6-6297-F2C8-AC6249954C81}"/>
+              </a:ext>
+            </a:extLst>
+          </p:cNvPr>
+          <p:cNvSpPr txBox="1"/>
+          <p:nvPr/>
+        </p:nvSpPr>
+        <p:spPr>
+          <a:xfrm>
+            <a:off x="10287000" y="5520898"/>
+            <a:ext cx="2400837" cy="646331"/>
+          </a:xfrm>
+          <a:prstGeom prst="rect">
+            <a:avLst/>
+          </a:prstGeom>
+          <a:noFill/>
+        </p:spPr>
+        <p:txBody>
+          <a:bodyPr wrap="square" rtlCol="0">
+            <a:spAutoFit/>
+          </a:bodyPr>
+          <a:lstStyle/>
+          <a:p>
+            <a:r>
+              <a:rPr lang="en-US" b="1" dirty="0"/>
+              <a:t>Python in Excel announcement</a:t>
+            </a:r>
+          </a:p>
+        </p:txBody>
+      </p:sp>
+      <p:cxnSp>
+        <p:nvCxnSpPr>
+          <p:cNvPr id="4" name="Straight Arrow Connector 3">
+            <a:extLst>
+              <a:ext uri="{FF2B5EF4-FFF2-40B4-BE49-F238E27FC236}">
+                <a16:creationId xmlns:a16="http://schemas.microsoft.com/office/drawing/2014/main" id="{844AD7FE-C1F7-71D1-AE24-C187B34DE005}"/>
+              </a:ext>
+            </a:extLst>
+          </p:cNvPr>
+          <p:cNvCxnSpPr/>
+          <p:nvPr/>
+        </p:nvCxnSpPr>
+        <p:spPr>
+          <a:xfrm>
+            <a:off x="10896600" y="6134100"/>
+            <a:ext cx="304800" cy="457200"/>
+          </a:xfrm>
+          <a:prstGeom prst="straightConnector1">
+            <a:avLst/>
+          </a:prstGeom>
+          <a:ln>
+            <a:tailEnd type="triangle"/>
+          </a:ln>
+        </p:spPr>
+        <p:style>
+          <a:lnRef idx="1">
+            <a:schemeClr val="accent1"/>
+          </a:lnRef>
+          <a:fillRef idx="0">
+            <a:schemeClr val="accent1"/>
+          </a:fillRef>
+          <a:effectRef idx="0">
+            <a:schemeClr val="accent1"/>
+          </a:effectRef>
+          <a:fontRef idx="minor">
+            <a:schemeClr val="tx1"/>
+          </a:fontRef>
+        </p:style>
+      </p:cxnSp>
+      <p:sp>
+        <p:nvSpPr>
+          <p:cNvPr id="3" name="TextBox 2">
+            <a:extLst>
+              <a:ext uri="{FF2B5EF4-FFF2-40B4-BE49-F238E27FC236}">
+                <a16:creationId xmlns:a16="http://schemas.microsoft.com/office/drawing/2014/main" id="{9A18BC56-DAEA-7FA6-08F6-9FA84FFDB897}"/>
+              </a:ext>
+            </a:extLst>
+          </p:cNvPr>
+          <p:cNvSpPr txBox="1"/>
+          <p:nvPr/>
+        </p:nvSpPr>
+        <p:spPr>
+          <a:xfrm>
+            <a:off x="11823539" y="6580031"/>
+            <a:ext cx="2400837" cy="646331"/>
+          </a:xfrm>
+          <a:prstGeom prst="rect">
+            <a:avLst/>
+          </a:prstGeom>
+          <a:noFill/>
+        </p:spPr>
+        <p:txBody>
+          <a:bodyPr wrap="square" rtlCol="0">
+            <a:spAutoFit/>
+          </a:bodyPr>
+          <a:lstStyle/>
+          <a:p>
+            <a:r>
+              <a:rPr lang="en-US" b="1" dirty="0"/>
+              <a:t>Copilot in Excel announcement</a:t>
+            </a:r>
+          </a:p>
+        </p:txBody>
+      </p:sp>
+      <p:cxnSp>
+        <p:nvCxnSpPr>
+          <p:cNvPr id="7" name="Straight Arrow Connector 6">
+            <a:extLst>
+              <a:ext uri="{FF2B5EF4-FFF2-40B4-BE49-F238E27FC236}">
+                <a16:creationId xmlns:a16="http://schemas.microsoft.com/office/drawing/2014/main" id="{AE7B6FF5-DC89-11DE-01F8-1DE6CACB2730}"/>
+              </a:ext>
+            </a:extLst>
+          </p:cNvPr>
+          <p:cNvCxnSpPr>
+            <a:cxnSpLocks/>
+          </p:cNvCxnSpPr>
+          <p:nvPr/>
+        </p:nvCxnSpPr>
+        <p:spPr>
+          <a:xfrm>
+            <a:off x="12535437" y="7155307"/>
+            <a:ext cx="266163" cy="376979"/>
+          </a:xfrm>
+          <a:prstGeom prst="straightConnector1">
+            <a:avLst/>
+          </a:prstGeom>
+          <a:ln>
+            <a:tailEnd type="triangle"/>
+          </a:ln>
+        </p:spPr>
+        <p:style>
+          <a:lnRef idx="1">
+            <a:schemeClr val="accent1"/>
+          </a:lnRef>
+          <a:fillRef idx="0">
+            <a:schemeClr val="accent1"/>
+          </a:fillRef>
+          <a:effectRef idx="0">
+            <a:schemeClr val="accent1"/>
+          </a:effectRef>
+          <a:fontRef idx="minor">
+            <a:schemeClr val="tx1"/>
+          </a:fontRef>
+        </p:style>
+      </p:cxnSp>
+    </p:spTree>
+    <p:extLst>
+      <p:ext uri="{BB962C8B-B14F-4D97-AF65-F5344CB8AC3E}">
+        <p14:creationId xmlns:p14="http://schemas.microsoft.com/office/powerpoint/2010/main" val="2040530002"/>
+      </p:ext>
+    </p:extLst>
+  </p:cSld>
+  <p:clrMapOvr>
+    <a:masterClrMapping/>
+  </p:clrMapOvr>
+</p:sld>
+</file>
+
+<file path=ppt/slides/slide11.xml><?xml version="1.0" encoding="utf-8"?>
+<p:sld xmlns:a="http://schemas.openxmlformats.org/drawingml/2006/main" xmlns:r="http://schemas.openxmlformats.org/officeDocument/2006/relationships" xmlns:p="http://schemas.openxmlformats.org/presentationml/2006/main">
+  <p:cSld>
+    <p:spTree>
+      <p:nvGrpSpPr>
+        <p:cNvPr id="1" name="">
+          <a:extLst>
+            <a:ext uri="{FF2B5EF4-FFF2-40B4-BE49-F238E27FC236}">
+              <a16:creationId xmlns:a16="http://schemas.microsoft.com/office/drawing/2014/main" id="{EEEF133C-E5BD-541A-B3AA-8182E93A3ACA}"/>
+            </a:ext>
+          </a:extLst>
+        </p:cNvPr>
+        <p:cNvGrpSpPr/>
+        <p:nvPr/>
+      </p:nvGrpSpPr>
+      <p:grpSpPr>
+        <a:xfrm>
+          <a:off x="0" y="0"/>
+          <a:ext cx="0" cy="0"/>
+          <a:chOff x="0" y="0"/>
+          <a:chExt cx="0" cy="0"/>
+        </a:xfrm>
+      </p:grpSpPr>
+      <p:sp>
+        <p:nvSpPr>
+          <p:cNvPr id="11" name="TextBox 10">
+            <a:extLst>
+              <a:ext uri="{FF2B5EF4-FFF2-40B4-BE49-F238E27FC236}">
+                <a16:creationId xmlns:a16="http://schemas.microsoft.com/office/drawing/2014/main" id="{221AF4CF-35CA-4567-25FB-93E0537A6042}"/>
+              </a:ext>
+            </a:extLst>
+          </p:cNvPr>
+          <p:cNvSpPr txBox="1"/>
+          <p:nvPr/>
+        </p:nvSpPr>
+        <p:spPr>
+          <a:xfrm>
+            <a:off x="520861" y="170082"/>
+            <a:ext cx="17309939" cy="1477328"/>
+          </a:xfrm>
+          <a:prstGeom prst="rect">
+            <a:avLst/>
+          </a:prstGeom>
+          <a:noFill/>
+        </p:spPr>
+        <p:txBody>
+          <a:bodyPr wrap="square" rtlCol="0">
+            <a:spAutoFit/>
+          </a:bodyPr>
+          <a:lstStyle/>
+          <a:p>
+            <a:r>
+              <a:rPr lang="en-US" sz="9000" dirty="0">
+                <a:latin typeface="Aliens &amp; cows" panose="00000500000000000000" pitchFamily="2" charset="0"/>
+              </a:rPr>
+              <a:t>Copilot in Excel… not enough? </a:t>
+            </a:r>
+          </a:p>
+        </p:txBody>
+      </p:sp>
+      <p:pic>
+        <p:nvPicPr>
+          <p:cNvPr id="15" name="Picture 14" descr="A close up of a sign&#10;&#10;Description automatically generated">
+            <a:extLst>
+              <a:ext uri="{FF2B5EF4-FFF2-40B4-BE49-F238E27FC236}">
+                <a16:creationId xmlns:a16="http://schemas.microsoft.com/office/drawing/2014/main" id="{FF3A19E3-A606-CAF8-9058-3132CBBE8375}"/>
+              </a:ext>
+            </a:extLst>
+          </p:cNvPr>
+          <p:cNvPicPr>
+            <a:picLocks noChangeAspect="1"/>
+          </p:cNvPicPr>
+          <p:nvPr/>
+        </p:nvPicPr>
+        <p:blipFill>
+          <a:blip r:embed="rId3">
+            <a:extLst>
+              <a:ext uri="{28A0092B-C50C-407E-A947-70E740481C1C}">
+                <a14:useLocalDpi xmlns:a14="http://schemas.microsoft.com/office/drawing/2010/main" val="0"/>
+              </a:ext>
+            </a:extLst>
+          </a:blip>
+          <a:stretch>
+            <a:fillRect/>
+          </a:stretch>
+        </p:blipFill>
+        <p:spPr>
+          <a:xfrm>
+            <a:off x="16341036" y="8058429"/>
+            <a:ext cx="1942857" cy="2228571"/>
+          </a:xfrm>
+          <a:prstGeom prst="rect">
+            <a:avLst/>
+          </a:prstGeom>
+        </p:spPr>
+      </p:pic>
+      <p:pic>
+        <p:nvPicPr>
+          <p:cNvPr id="6" name="Picture 5" descr="A screenshot of a cellphone&#10;&#10;AI-generated content may be incorrect.">
+            <a:extLst>
+              <a:ext uri="{FF2B5EF4-FFF2-40B4-BE49-F238E27FC236}">
+                <a16:creationId xmlns:a16="http://schemas.microsoft.com/office/drawing/2014/main" id="{4531194C-E8C5-5067-6303-257FF9F1948D}"/>
+              </a:ext>
+            </a:extLst>
+          </p:cNvPr>
+          <p:cNvPicPr>
+            <a:picLocks noChangeAspect="1"/>
+          </p:cNvPicPr>
+          <p:nvPr/>
+        </p:nvPicPr>
+        <p:blipFill>
+          <a:blip r:embed="rId4">
+            <a:extLst>
+              <a:ext uri="{28A0092B-C50C-407E-A947-70E740481C1C}">
+                <a14:useLocalDpi xmlns:a14="http://schemas.microsoft.com/office/drawing/2010/main" val="0"/>
+              </a:ext>
+            </a:extLst>
+          </a:blip>
+          <a:srcRect t="6296" b="7037"/>
+          <a:stretch/>
+        </p:blipFill>
+        <p:spPr>
+          <a:xfrm>
+            <a:off x="3810000" y="1866900"/>
+            <a:ext cx="9187342" cy="7962363"/>
+          </a:xfrm>
+          <a:prstGeom prst="rect">
+            <a:avLst/>
+          </a:prstGeom>
+        </p:spPr>
+      </p:pic>
+    </p:spTree>
+    <p:extLst>
+      <p:ext uri="{BB962C8B-B14F-4D97-AF65-F5344CB8AC3E}">
+        <p14:creationId xmlns:p14="http://schemas.microsoft.com/office/powerpoint/2010/main" val="363398084"/>
+      </p:ext>
+    </p:extLst>
+  </p:cSld>
+  <p:clrMapOvr>
+    <a:masterClrMapping/>
+  </p:clrMapOvr>
+</p:sld>
+</file>
+
+<file path=ppt/slides/slide12.xml><?xml version="1.0" encoding="utf-8"?>
+<p:sld xmlns:a="http://schemas.openxmlformats.org/drawingml/2006/main" xmlns:r="http://schemas.openxmlformats.org/officeDocument/2006/relationships" xmlns:p="http://schemas.openxmlformats.org/presentationml/2006/main">
+  <p:cSld>
+    <p:spTree>
+      <p:nvGrpSpPr>
+        <p:cNvPr id="1" name="">
+          <a:extLst>
+            <a:ext uri="{FF2B5EF4-FFF2-40B4-BE49-F238E27FC236}">
+              <a16:creationId xmlns:a16="http://schemas.microsoft.com/office/drawing/2014/main" id="{2873BA01-E420-EE6D-4CC4-16C13000F659}"/>
+            </a:ext>
+          </a:extLst>
+        </p:cNvPr>
+        <p:cNvGrpSpPr/>
+        <p:nvPr/>
+      </p:nvGrpSpPr>
+      <p:grpSpPr>
+        <a:xfrm>
+          <a:off x="0" y="0"/>
+          <a:ext cx="0" cy="0"/>
+          <a:chOff x="0" y="0"/>
+          <a:chExt cx="0" cy="0"/>
+        </a:xfrm>
+      </p:grpSpPr>
+      <p:sp>
+        <p:nvSpPr>
+          <p:cNvPr id="11" name="TextBox 10">
+            <a:extLst>
+              <a:ext uri="{FF2B5EF4-FFF2-40B4-BE49-F238E27FC236}">
+                <a16:creationId xmlns:a16="http://schemas.microsoft.com/office/drawing/2014/main" id="{CA54BF7A-F039-9B3E-AAD5-C4E5D73E1F68}"/>
+              </a:ext>
+            </a:extLst>
+          </p:cNvPr>
+          <p:cNvSpPr txBox="1"/>
+          <p:nvPr/>
+        </p:nvSpPr>
+        <p:spPr>
+          <a:xfrm>
+            <a:off x="520861" y="170082"/>
+            <a:ext cx="17309939" cy="1477328"/>
+          </a:xfrm>
+          <a:prstGeom prst="rect">
+            <a:avLst/>
+          </a:prstGeom>
+          <a:noFill/>
+        </p:spPr>
+        <p:txBody>
+          <a:bodyPr wrap="square" rtlCol="0">
+            <a:spAutoFit/>
+          </a:bodyPr>
+          <a:lstStyle/>
+          <a:p>
+            <a:r>
+              <a:rPr lang="en-US" sz="9000" dirty="0">
+                <a:latin typeface="Aliens &amp; cows" panose="00000500000000000000" pitchFamily="2" charset="0"/>
+              </a:rPr>
+              <a:t>Copilot in Excel… not enough? </a:t>
+            </a:r>
+          </a:p>
+        </p:txBody>
+      </p:sp>
+      <p:pic>
+        <p:nvPicPr>
+          <p:cNvPr id="15" name="Picture 14" descr="A close up of a sign&#10;&#10;Description automatically generated">
+            <a:extLst>
+              <a:ext uri="{FF2B5EF4-FFF2-40B4-BE49-F238E27FC236}">
+                <a16:creationId xmlns:a16="http://schemas.microsoft.com/office/drawing/2014/main" id="{3DEB4C2E-B2C1-C94C-AD83-9DEC6C38FA9C}"/>
+              </a:ext>
+            </a:extLst>
+          </p:cNvPr>
+          <p:cNvPicPr>
+            <a:picLocks noChangeAspect="1"/>
+          </p:cNvPicPr>
+          <p:nvPr/>
+        </p:nvPicPr>
+        <p:blipFill>
+          <a:blip r:embed="rId3">
+            <a:extLst>
+              <a:ext uri="{28A0092B-C50C-407E-A947-70E740481C1C}">
+                <a14:useLocalDpi xmlns:a14="http://schemas.microsoft.com/office/drawing/2010/main" val="0"/>
+              </a:ext>
+            </a:extLst>
+          </a:blip>
+          <a:stretch>
+            <a:fillRect/>
+          </a:stretch>
+        </p:blipFill>
+        <p:spPr>
+          <a:xfrm>
+            <a:off x="16341036" y="8058429"/>
+            <a:ext cx="1942857" cy="2228571"/>
+          </a:xfrm>
+          <a:prstGeom prst="rect">
+            <a:avLst/>
+          </a:prstGeom>
+        </p:spPr>
+      </p:pic>
+      <p:pic>
+        <p:nvPicPr>
+          <p:cNvPr id="6" name="Picture 5">
+            <a:extLst>
+              <a:ext uri="{FF2B5EF4-FFF2-40B4-BE49-F238E27FC236}">
+                <a16:creationId xmlns:a16="http://schemas.microsoft.com/office/drawing/2014/main" id="{0D55C19C-DEE9-3CDC-3928-99A92BC233BC}"/>
+              </a:ext>
+            </a:extLst>
+          </p:cNvPr>
+          <p:cNvPicPr>
+            <a:picLocks noChangeAspect="1"/>
+          </p:cNvPicPr>
+          <p:nvPr/>
+        </p:nvPicPr>
+        <p:blipFill>
+          <a:blip r:embed="rId4"/>
+          <a:stretch>
+            <a:fillRect/>
+          </a:stretch>
+        </p:blipFill>
+        <p:spPr>
+          <a:xfrm>
+            <a:off x="914400" y="1624026"/>
+            <a:ext cx="14282800" cy="8483769"/>
+          </a:xfrm>
+          <a:prstGeom prst="rect">
+            <a:avLst/>
+          </a:prstGeom>
+        </p:spPr>
+      </p:pic>
+      <p:sp>
+        <p:nvSpPr>
+          <p:cNvPr id="2" name="TextBox 1">
+            <a:extLst>
+              <a:ext uri="{FF2B5EF4-FFF2-40B4-BE49-F238E27FC236}">
+                <a16:creationId xmlns:a16="http://schemas.microsoft.com/office/drawing/2014/main" id="{0AAEBBDD-2DB8-E423-0257-2C26EE4EBCC7}"/>
+              </a:ext>
+            </a:extLst>
+          </p:cNvPr>
+          <p:cNvSpPr txBox="1"/>
+          <p:nvPr/>
+        </p:nvSpPr>
+        <p:spPr>
+          <a:xfrm>
+            <a:off x="10287000" y="5520898"/>
+            <a:ext cx="2400837" cy="646331"/>
+          </a:xfrm>
+          <a:prstGeom prst="rect">
+            <a:avLst/>
+          </a:prstGeom>
+          <a:noFill/>
+        </p:spPr>
+        <p:txBody>
+          <a:bodyPr wrap="square" rtlCol="0">
+            <a:spAutoFit/>
+          </a:bodyPr>
+          <a:lstStyle/>
+          <a:p>
+            <a:r>
+              <a:rPr lang="en-US" b="1" dirty="0"/>
+              <a:t>Python in Excel announcement</a:t>
+            </a:r>
+          </a:p>
+        </p:txBody>
+      </p:sp>
+      <p:cxnSp>
+        <p:nvCxnSpPr>
+          <p:cNvPr id="4" name="Straight Arrow Connector 3">
+            <a:extLst>
+              <a:ext uri="{FF2B5EF4-FFF2-40B4-BE49-F238E27FC236}">
+                <a16:creationId xmlns:a16="http://schemas.microsoft.com/office/drawing/2014/main" id="{FB673B21-36D0-FE8A-F2A2-52B589D98DA1}"/>
+              </a:ext>
+            </a:extLst>
+          </p:cNvPr>
+          <p:cNvCxnSpPr/>
+          <p:nvPr/>
+        </p:nvCxnSpPr>
+        <p:spPr>
+          <a:xfrm>
+            <a:off x="10896600" y="6134100"/>
+            <a:ext cx="304800" cy="457200"/>
+          </a:xfrm>
+          <a:prstGeom prst="straightConnector1">
+            <a:avLst/>
+          </a:prstGeom>
+          <a:ln>
+            <a:tailEnd type="triangle"/>
+          </a:ln>
+        </p:spPr>
+        <p:style>
+          <a:lnRef idx="1">
+            <a:schemeClr val="accent1"/>
+          </a:lnRef>
+          <a:fillRef idx="0">
+            <a:schemeClr val="accent1"/>
+          </a:fillRef>
+          <a:effectRef idx="0">
+            <a:schemeClr val="accent1"/>
+          </a:effectRef>
+          <a:fontRef idx="minor">
+            <a:schemeClr val="tx1"/>
+          </a:fontRef>
+        </p:style>
+      </p:cxnSp>
+      <p:sp>
+        <p:nvSpPr>
+          <p:cNvPr id="3" name="TextBox 2">
+            <a:extLst>
+              <a:ext uri="{FF2B5EF4-FFF2-40B4-BE49-F238E27FC236}">
+                <a16:creationId xmlns:a16="http://schemas.microsoft.com/office/drawing/2014/main" id="{AEC4F492-0FF8-F3A6-74A9-E497AB29CDF0}"/>
+              </a:ext>
+            </a:extLst>
+          </p:cNvPr>
+          <p:cNvSpPr txBox="1"/>
+          <p:nvPr/>
+        </p:nvSpPr>
+        <p:spPr>
+          <a:xfrm>
+            <a:off x="11823539" y="6580031"/>
+            <a:ext cx="2400837" cy="646331"/>
+          </a:xfrm>
+          <a:prstGeom prst="rect">
+            <a:avLst/>
+          </a:prstGeom>
+          <a:noFill/>
+        </p:spPr>
+        <p:txBody>
+          <a:bodyPr wrap="square" rtlCol="0">
+            <a:spAutoFit/>
+          </a:bodyPr>
+          <a:lstStyle/>
+          <a:p>
+            <a:r>
+              <a:rPr lang="en-US" b="1" dirty="0"/>
+              <a:t>Copilot in Excel announcement</a:t>
+            </a:r>
+          </a:p>
+        </p:txBody>
+      </p:sp>
+      <p:cxnSp>
+        <p:nvCxnSpPr>
+          <p:cNvPr id="7" name="Straight Arrow Connector 6">
+            <a:extLst>
+              <a:ext uri="{FF2B5EF4-FFF2-40B4-BE49-F238E27FC236}">
+                <a16:creationId xmlns:a16="http://schemas.microsoft.com/office/drawing/2014/main" id="{A2107CB3-8BE7-DF12-AC98-FF886271F1A9}"/>
+              </a:ext>
+            </a:extLst>
+          </p:cNvPr>
+          <p:cNvCxnSpPr>
+            <a:cxnSpLocks/>
+          </p:cNvCxnSpPr>
+          <p:nvPr/>
+        </p:nvCxnSpPr>
+        <p:spPr>
+          <a:xfrm>
+            <a:off x="12535437" y="7155307"/>
+            <a:ext cx="266163" cy="376979"/>
+          </a:xfrm>
+          <a:prstGeom prst="straightConnector1">
+            <a:avLst/>
+          </a:prstGeom>
+          <a:ln>
+            <a:tailEnd type="triangle"/>
+          </a:ln>
+        </p:spPr>
+        <p:style>
+          <a:lnRef idx="1">
+            <a:schemeClr val="accent1"/>
+          </a:lnRef>
+          <a:fillRef idx="0">
+            <a:schemeClr val="accent1"/>
+          </a:fillRef>
+          <a:effectRef idx="0">
+            <a:schemeClr val="accent1"/>
+          </a:effectRef>
+          <a:fontRef idx="minor">
+            <a:schemeClr val="tx1"/>
+          </a:fontRef>
+        </p:style>
+      </p:cxnSp>
+    </p:spTree>
+    <p:extLst>
+      <p:ext uri="{BB962C8B-B14F-4D97-AF65-F5344CB8AC3E}">
+        <p14:creationId xmlns:p14="http://schemas.microsoft.com/office/powerpoint/2010/main" val="3123897086"/>
+      </p:ext>
+    </p:extLst>
+  </p:cSld>
+  <p:clrMapOvr>
+    <a:masterClrMapping/>
+  </p:clrMapOvr>
+</p:sld>
+</file>
+
+<file path=ppt/slides/slide13.xml><?xml version="1.0" encoding="utf-8"?>
+<p:sld xmlns:a="http://schemas.openxmlformats.org/drawingml/2006/main" xmlns:r="http://schemas.openxmlformats.org/officeDocument/2006/relationships" xmlns:p="http://schemas.openxmlformats.org/presentationml/2006/main">
+  <p:cSld>
+    <p:spTree>
+      <p:nvGrpSpPr>
+        <p:cNvPr id="1" name=""/>
+        <p:cNvGrpSpPr/>
+        <p:nvPr/>
+      </p:nvGrpSpPr>
+      <p:grpSpPr>
+        <a:xfrm>
+          <a:off x="0" y="0"/>
+          <a:ext cx="0" cy="0"/>
+          <a:chOff x="0" y="0"/>
+          <a:chExt cx="0" cy="0"/>
+        </a:xfrm>
+      </p:grpSpPr>
+      <p:sp>
+        <p:nvSpPr>
+          <p:cNvPr id="11" name="TextBox 10"/>
+          <p:cNvSpPr txBox="1"/>
+          <p:nvPr/>
+        </p:nvSpPr>
+        <p:spPr>
+          <a:xfrm>
+            <a:off x="520861" y="170082"/>
+            <a:ext cx="16166939" cy="1107996"/>
+          </a:xfrm>
+          <a:prstGeom prst="rect">
+            <a:avLst/>
+          </a:prstGeom>
+          <a:noFill/>
+        </p:spPr>
+        <p:txBody>
+          <a:bodyPr wrap="square" rtlCol="0">
+            <a:spAutoFit/>
+          </a:bodyPr>
+          <a:lstStyle/>
+          <a:p>
+            <a:r>
+              <a:rPr lang="en-US" sz="6600" dirty="0">
+                <a:latin typeface="Aliens &amp; cows" panose="00000500000000000000" pitchFamily="2" charset="0"/>
+              </a:rPr>
+              <a:t>The most ambitious crossover event in history</a:t>
+            </a:r>
+          </a:p>
+        </p:txBody>
+      </p:sp>
+      <p:pic>
+        <p:nvPicPr>
+          <p:cNvPr id="15" name="Picture 14" descr="A close up of a sign&#10;&#10;Description automatically generated">
+            <a:extLst>
+              <a:ext uri="{FF2B5EF4-FFF2-40B4-BE49-F238E27FC236}">
+                <a16:creationId xmlns:a16="http://schemas.microsoft.com/office/drawing/2014/main" id="{29761B90-A7DE-4A60-A915-F085BD87CAB4}"/>
+              </a:ext>
+            </a:extLst>
+          </p:cNvPr>
+          <p:cNvPicPr>
+            <a:picLocks noChangeAspect="1"/>
+          </p:cNvPicPr>
+          <p:nvPr/>
+        </p:nvPicPr>
+        <p:blipFill>
+          <a:blip r:embed="rId3">
+            <a:extLst>
+              <a:ext uri="{28A0092B-C50C-407E-A947-70E740481C1C}">
+                <a14:useLocalDpi xmlns:a14="http://schemas.microsoft.com/office/drawing/2010/main" val="0"/>
+              </a:ext>
+            </a:extLst>
+          </a:blip>
+          <a:stretch>
+            <a:fillRect/>
+          </a:stretch>
+        </p:blipFill>
+        <p:spPr>
+          <a:xfrm>
+            <a:off x="16341036" y="8058429"/>
+            <a:ext cx="1942857" cy="2228571"/>
+          </a:xfrm>
+          <a:prstGeom prst="rect">
+            <a:avLst/>
+          </a:prstGeom>
+        </p:spPr>
+      </p:pic>
+      <p:pic>
+        <p:nvPicPr>
+          <p:cNvPr id="6" name="Picture 5" descr="A rainbow colored logo on a black background&#10;&#10;Description automatically generated">
+            <a:extLst>
+              <a:ext uri="{FF2B5EF4-FFF2-40B4-BE49-F238E27FC236}">
+                <a16:creationId xmlns:a16="http://schemas.microsoft.com/office/drawing/2014/main" id="{C2866380-30B4-458B-7A21-7BE3C090840D}"/>
+              </a:ext>
+            </a:extLst>
+          </p:cNvPr>
+          <p:cNvPicPr>
+            <a:picLocks noChangeAspect="1"/>
+          </p:cNvPicPr>
+          <p:nvPr/>
+        </p:nvPicPr>
+        <p:blipFill>
+          <a:blip r:embed="rId4" cstate="print">
+            <a:extLst>
+              <a:ext uri="{28A0092B-C50C-407E-A947-70E740481C1C}">
+                <a14:useLocalDpi xmlns:a14="http://schemas.microsoft.com/office/drawing/2010/main" val="0"/>
+              </a:ext>
+            </a:extLst>
+          </a:blip>
+          <a:stretch>
+            <a:fillRect/>
+          </a:stretch>
+        </p:blipFill>
+        <p:spPr>
+          <a:xfrm>
+            <a:off x="12053054" y="2754978"/>
+            <a:ext cx="5948960" cy="5948960"/>
+          </a:xfrm>
+          <a:prstGeom prst="rect">
+            <a:avLst/>
+          </a:prstGeom>
+        </p:spPr>
+      </p:pic>
+      <p:pic>
+        <p:nvPicPr>
+          <p:cNvPr id="8" name="Picture 7" descr="A green square with a white x on it&#10;&#10;Description automatically generated">
+            <a:extLst>
+              <a:ext uri="{FF2B5EF4-FFF2-40B4-BE49-F238E27FC236}">
+                <a16:creationId xmlns:a16="http://schemas.microsoft.com/office/drawing/2014/main" id="{49A2EDE9-1F8F-3D98-5D90-A473AB91A6F6}"/>
+              </a:ext>
+            </a:extLst>
+          </p:cNvPr>
+          <p:cNvPicPr>
+            <a:picLocks noChangeAspect="1"/>
+          </p:cNvPicPr>
+          <p:nvPr/>
+        </p:nvPicPr>
+        <p:blipFill>
+          <a:blip r:embed="rId5" cstate="print">
+            <a:extLst>
+              <a:ext uri="{28A0092B-C50C-407E-A947-70E740481C1C}">
+                <a14:useLocalDpi xmlns:a14="http://schemas.microsoft.com/office/drawing/2010/main" val="0"/>
+              </a:ext>
+            </a:extLst>
+          </a:blip>
+          <a:stretch>
+            <a:fillRect/>
+          </a:stretch>
+        </p:blipFill>
+        <p:spPr>
+          <a:xfrm>
+            <a:off x="5786322" y="2967993"/>
+            <a:ext cx="5932299" cy="5522929"/>
+          </a:xfrm>
+          <a:prstGeom prst="rect">
+            <a:avLst/>
+          </a:prstGeom>
+        </p:spPr>
+      </p:pic>
+      <p:pic>
+        <p:nvPicPr>
+          <p:cNvPr id="10" name="Picture 9" descr="A blue and yellow snake logo&#10;&#10;Description automatically generated">
+            <a:extLst>
+              <a:ext uri="{FF2B5EF4-FFF2-40B4-BE49-F238E27FC236}">
+                <a16:creationId xmlns:a16="http://schemas.microsoft.com/office/drawing/2014/main" id="{8543FE77-32A7-251C-01A1-46ACB62A469C}"/>
+              </a:ext>
+            </a:extLst>
+          </p:cNvPr>
+          <p:cNvPicPr>
+            <a:picLocks noChangeAspect="1"/>
+          </p:cNvPicPr>
+          <p:nvPr/>
+        </p:nvPicPr>
+        <p:blipFill>
+          <a:blip r:embed="rId6">
+            <a:extLst>
+              <a:ext uri="{28A0092B-C50C-407E-A947-70E740481C1C}">
+                <a14:useLocalDpi xmlns:a14="http://schemas.microsoft.com/office/drawing/2010/main" val="0"/>
+              </a:ext>
+            </a:extLst>
+          </a:blip>
+          <a:stretch>
+            <a:fillRect/>
+          </a:stretch>
+        </p:blipFill>
+        <p:spPr>
+          <a:xfrm>
+            <a:off x="293499" y="3390900"/>
+            <a:ext cx="5105400" cy="5603177"/>
+          </a:xfrm>
+          <a:prstGeom prst="rect">
+            <a:avLst/>
+          </a:prstGeom>
+        </p:spPr>
+      </p:pic>
+    </p:spTree>
+    <p:extLst>
+      <p:ext uri="{BB962C8B-B14F-4D97-AF65-F5344CB8AC3E}">
+        <p14:creationId xmlns:p14="http://schemas.microsoft.com/office/powerpoint/2010/main" val="4278852698"/>
+      </p:ext>
+    </p:extLst>
+  </p:cSld>
+  <p:clrMapOvr>
+    <a:masterClrMapping/>
+  </p:clrMapOvr>
+</p:sld>
+</file>
+
+<file path=ppt/slides/slide14.xml><?xml version="1.0" encoding="utf-8"?>
+<p:sld xmlns:a="http://schemas.openxmlformats.org/drawingml/2006/main" xmlns:r="http://schemas.openxmlformats.org/officeDocument/2006/relationships" xmlns:p="http://schemas.openxmlformats.org/presentationml/2006/main">
+  <p:cSld>
+    <p:spTree>
+      <p:nvGrpSpPr>
+        <p:cNvPr id="1" name=""/>
+        <p:cNvGrpSpPr/>
+        <p:nvPr/>
+      </p:nvGrpSpPr>
+      <p:grpSpPr>
+        <a:xfrm>
+          <a:off x="0" y="0"/>
+          <a:ext cx="0" cy="0"/>
+          <a:chOff x="0" y="0"/>
+          <a:chExt cx="0" cy="0"/>
+        </a:xfrm>
+      </p:grpSpPr>
+      <p:sp>
+        <p:nvSpPr>
+          <p:cNvPr id="4" name="Rectangle 3"/>
+          <p:cNvSpPr/>
+          <p:nvPr/>
+        </p:nvSpPr>
+        <p:spPr>
+          <a:xfrm>
+            <a:off x="0" y="0"/>
+            <a:ext cx="18288000" cy="10287000"/>
+          </a:xfrm>
+          <a:prstGeom prst="rect">
+            <a:avLst/>
+          </a:prstGeom>
+          <a:solidFill>
+            <a:schemeClr val="bg1">
+              <a:lumMod val="50000"/>
+            </a:schemeClr>
+          </a:solidFill>
+          <a:ln>
+            <a:noFill/>
+          </a:ln>
+        </p:spPr>
+        <p:style>
+          <a:lnRef idx="2">
+            <a:schemeClr val="accent1">
+              <a:shade val="50000"/>
+            </a:schemeClr>
+          </a:lnRef>
+          <a:fillRef idx="1">
+            <a:schemeClr val="accent1"/>
+          </a:fillRef>
+          <a:effectRef idx="0">
+            <a:schemeClr val="accent1"/>
+          </a:effectRef>
+          <a:fontRef idx="minor">
+            <a:schemeClr val="lt1"/>
+          </a:fontRef>
+        </p:style>
+        <p:txBody>
+          <a:bodyPr rtlCol="0" anchor="ctr"/>
+          <a:lstStyle/>
+          <a:p>
+            <a:pPr algn="ctr"/>
+            <a:endParaRPr lang="en-US" sz="2700"/>
+          </a:p>
+        </p:txBody>
+      </p:sp>
+      <p:sp>
+        <p:nvSpPr>
+          <p:cNvPr id="5" name="TextBox 4"/>
+          <p:cNvSpPr txBox="1"/>
+          <p:nvPr/>
+        </p:nvSpPr>
+        <p:spPr>
+          <a:xfrm>
+            <a:off x="781292" y="590309"/>
+            <a:ext cx="15486926" cy="3139321"/>
+          </a:xfrm>
+          <a:prstGeom prst="rect">
+            <a:avLst/>
+          </a:prstGeom>
+          <a:noFill/>
+        </p:spPr>
+        <p:txBody>
+          <a:bodyPr wrap="square" rtlCol="0">
+            <a:spAutoFit/>
+          </a:bodyPr>
+          <a:lstStyle/>
+          <a:p>
+            <a:r>
+              <a:rPr lang="en-US" sz="9900" b="1" dirty="0">
+                <a:solidFill>
+                  <a:schemeClr val="bg1"/>
+                </a:solidFill>
+                <a:latin typeface="Normafixed Tryout" panose="00000409000000000000"/>
+              </a:rPr>
+              <a:t>Why Python + Copilot + Excel? </a:t>
+            </a:r>
+          </a:p>
+        </p:txBody>
+      </p:sp>
+      <p:pic>
+        <p:nvPicPr>
+          <p:cNvPr id="3" name="Picture 2" descr="A screenshot of a social media post&#10;&#10;AI-generated content may be incorrect.">
+            <a:extLst>
+              <a:ext uri="{FF2B5EF4-FFF2-40B4-BE49-F238E27FC236}">
+                <a16:creationId xmlns:a16="http://schemas.microsoft.com/office/drawing/2014/main" id="{C7653CFE-9F92-7113-BF61-7DAB94F9A586}"/>
+              </a:ext>
+            </a:extLst>
+          </p:cNvPr>
+          <p:cNvPicPr>
+            <a:picLocks noChangeAspect="1"/>
+          </p:cNvPicPr>
+          <p:nvPr/>
+        </p:nvPicPr>
+        <p:blipFill>
+          <a:blip r:embed="rId3">
+            <a:extLst>
+              <a:ext uri="{28A0092B-C50C-407E-A947-70E740481C1C}">
+                <a14:useLocalDpi xmlns:a14="http://schemas.microsoft.com/office/drawing/2010/main" val="0"/>
+              </a:ext>
+            </a:extLst>
+          </a:blip>
+          <a:srcRect l="11316" t="36253" r="22676" b="33992"/>
+          <a:stretch/>
+        </p:blipFill>
+        <p:spPr>
+          <a:xfrm>
+            <a:off x="1447800" y="7048500"/>
+            <a:ext cx="5449802" cy="2456672"/>
+          </a:xfrm>
+          <a:prstGeom prst="rect">
+            <a:avLst/>
+          </a:prstGeom>
+        </p:spPr>
+      </p:pic>
+      <p:pic>
+        <p:nvPicPr>
+          <p:cNvPr id="7" name="Picture 6">
+            <a:extLst>
+              <a:ext uri="{FF2B5EF4-FFF2-40B4-BE49-F238E27FC236}">
+                <a16:creationId xmlns:a16="http://schemas.microsoft.com/office/drawing/2014/main" id="{80C68F4E-3752-F903-C6B1-76A097DDBBEA}"/>
+              </a:ext>
+            </a:extLst>
+          </p:cNvPr>
+          <p:cNvPicPr>
+            <a:picLocks noChangeAspect="1"/>
+          </p:cNvPicPr>
+          <p:nvPr/>
+        </p:nvPicPr>
+        <p:blipFill>
+          <a:blip r:embed="rId4"/>
+          <a:stretch>
+            <a:fillRect/>
+          </a:stretch>
+        </p:blipFill>
+        <p:spPr>
+          <a:xfrm>
+            <a:off x="7295909" y="2400300"/>
+            <a:ext cx="9982200" cy="5708539"/>
+          </a:xfrm>
+          <a:prstGeom prst="rect">
+            <a:avLst/>
+          </a:prstGeom>
+        </p:spPr>
+      </p:pic>
+    </p:spTree>
+    <p:extLst>
+      <p:ext uri="{BB962C8B-B14F-4D97-AF65-F5344CB8AC3E}">
+        <p14:creationId xmlns:p14="http://schemas.microsoft.com/office/powerpoint/2010/main" val="4027644425"/>
+      </p:ext>
+    </p:extLst>
+  </p:cSld>
+  <p:clrMapOvr>
+    <a:masterClrMapping/>
+  </p:clrMapOvr>
+</p:sld>
+</file>
+
+<file path=ppt/slides/slide15.xml><?xml version="1.0" encoding="utf-8"?>
+<p:sld xmlns:a="http://schemas.openxmlformats.org/drawingml/2006/main" xmlns:r="http://schemas.openxmlformats.org/officeDocument/2006/relationships" xmlns:p="http://schemas.openxmlformats.org/presentationml/2006/main">
+  <p:cSld>
+    <p:spTree>
+      <p:nvGrpSpPr>
+        <p:cNvPr id="1" name=""/>
+        <p:cNvGrpSpPr/>
+        <p:nvPr/>
+      </p:nvGrpSpPr>
+      <p:grpSpPr>
+        <a:xfrm>
+          <a:off x="0" y="0"/>
+          <a:ext cx="0" cy="0"/>
+          <a:chOff x="0" y="0"/>
+          <a:chExt cx="0" cy="0"/>
+        </a:xfrm>
+      </p:grpSpPr>
+      <p:sp>
+        <p:nvSpPr>
+          <p:cNvPr id="4" name="Rectangle 3"/>
+          <p:cNvSpPr/>
+          <p:nvPr/>
+        </p:nvSpPr>
+        <p:spPr>
+          <a:xfrm>
+            <a:off x="0" y="0"/>
+            <a:ext cx="18288000" cy="10287000"/>
+          </a:xfrm>
+          <a:prstGeom prst="rect">
+            <a:avLst/>
+          </a:prstGeom>
+          <a:solidFill>
+            <a:srgbClr val="CF3338"/>
+          </a:solidFill>
+          <a:ln>
+            <a:noFill/>
+          </a:ln>
+        </p:spPr>
+        <p:style>
+          <a:lnRef idx="2">
+            <a:schemeClr val="accent1">
+              <a:shade val="50000"/>
+            </a:schemeClr>
+          </a:lnRef>
+          <a:fillRef idx="1">
+            <a:schemeClr val="accent1"/>
+          </a:fillRef>
+          <a:effectRef idx="0">
+            <a:schemeClr val="accent1"/>
+          </a:effectRef>
+          <a:fontRef idx="minor">
+            <a:schemeClr val="lt1"/>
+          </a:fontRef>
+        </p:style>
+        <p:txBody>
+          <a:bodyPr rtlCol="0" anchor="ctr"/>
+          <a:lstStyle/>
+          <a:p>
+            <a:pPr algn="ctr"/>
+            <a:endParaRPr lang="en-US" sz="2700"/>
+          </a:p>
+        </p:txBody>
+      </p:sp>
+      <p:sp>
+        <p:nvSpPr>
+          <p:cNvPr id="5" name="TextBox 4"/>
+          <p:cNvSpPr txBox="1"/>
+          <p:nvPr/>
+        </p:nvSpPr>
+        <p:spPr>
+          <a:xfrm>
+            <a:off x="781292" y="590309"/>
+            <a:ext cx="15486926" cy="1615827"/>
+          </a:xfrm>
+          <a:prstGeom prst="rect">
+            <a:avLst/>
+          </a:prstGeom>
+          <a:noFill/>
+        </p:spPr>
+        <p:txBody>
+          <a:bodyPr wrap="square" rtlCol="0">
+            <a:spAutoFit/>
+          </a:bodyPr>
+          <a:lstStyle/>
+          <a:p>
+            <a:r>
+              <a:rPr lang="en-US" sz="9900" b="1" dirty="0">
+                <a:solidFill>
+                  <a:schemeClr val="bg1"/>
+                </a:solidFill>
+                <a:latin typeface="Normafixed Tryout" panose="00000409000000000000" pitchFamily="49" charset="0"/>
+              </a:rPr>
+              <a:t>Time for a demo….</a:t>
+            </a:r>
+          </a:p>
+        </p:txBody>
+      </p:sp>
+    </p:spTree>
+    <p:extLst>
+      <p:ext uri="{BB962C8B-B14F-4D97-AF65-F5344CB8AC3E}">
+        <p14:creationId xmlns:p14="http://schemas.microsoft.com/office/powerpoint/2010/main" val="499476257"/>
+      </p:ext>
+    </p:extLst>
+  </p:cSld>
+  <p:clrMapOvr>
+    <a:masterClrMapping/>
+  </p:clrMapOvr>
+</p:sld>
+</file>
+
+<file path=ppt/slides/slide16.xml><?xml version="1.0" encoding="utf-8"?>
+<p:sld xmlns:a="http://schemas.openxmlformats.org/drawingml/2006/main" xmlns:r="http://schemas.openxmlformats.org/officeDocument/2006/relationships" xmlns:p="http://schemas.openxmlformats.org/presentationml/2006/main">
+  <p:cSld>
+    <p:spTree>
+      <p:nvGrpSpPr>
+        <p:cNvPr id="1" name=""/>
+        <p:cNvGrpSpPr/>
+        <p:nvPr/>
+      </p:nvGrpSpPr>
+      <p:grpSpPr>
+        <a:xfrm>
+          <a:off x="0" y="0"/>
+          <a:ext cx="0" cy="0"/>
+          <a:chOff x="0" y="0"/>
+          <a:chExt cx="0" cy="0"/>
+        </a:xfrm>
+      </p:grpSpPr>
+      <p:sp>
+        <p:nvSpPr>
+          <p:cNvPr id="2" name="Title 1">
+            <a:extLst>
+              <a:ext uri="{FF2B5EF4-FFF2-40B4-BE49-F238E27FC236}">
+                <a16:creationId xmlns:a16="http://schemas.microsoft.com/office/drawing/2014/main" id="{43942A2F-0236-3C90-83A5-C98ADCC50CAC}"/>
+              </a:ext>
+            </a:extLst>
+          </p:cNvPr>
+          <p:cNvSpPr>
+            <a:spLocks noGrp="1"/>
+          </p:cNvSpPr>
+          <p:nvPr>
+            <p:ph type="title"/>
+          </p:nvPr>
+        </p:nvSpPr>
+        <p:spPr/>
+        <p:txBody>
+          <a:bodyPr/>
+          <a:lstStyle/>
+          <a:p>
+            <a:endParaRPr lang="en-US"/>
+          </a:p>
+        </p:txBody>
+      </p:sp>
+      <p:sp>
+        <p:nvSpPr>
+          <p:cNvPr id="3" name="Content Placeholder 2">
+            <a:extLst>
+              <a:ext uri="{FF2B5EF4-FFF2-40B4-BE49-F238E27FC236}">
+                <a16:creationId xmlns:a16="http://schemas.microsoft.com/office/drawing/2014/main" id="{35443616-125B-1B32-E7C0-F8CA62EE404C}"/>
+              </a:ext>
+            </a:extLst>
+          </p:cNvPr>
+          <p:cNvSpPr>
+            <a:spLocks noGrp="1"/>
+          </p:cNvSpPr>
+          <p:nvPr>
+            <p:ph idx="1"/>
+          </p:nvPr>
+        </p:nvSpPr>
+        <p:spPr/>
+        <p:txBody>
+          <a:bodyPr/>
+          <a:lstStyle/>
+          <a:p>
+            <a:endParaRPr lang="en-US"/>
+          </a:p>
+        </p:txBody>
+      </p:sp>
+      <mc:AlternateContent xmlns:mc="http://schemas.openxmlformats.org/markup-compatibility/2006">
+        <mc:Choice xmlns:we="http://schemas.microsoft.com/office/webextensions/webextension/2010/11" xmlns:pca="http://schemas.microsoft.com/office/powerpoint/2013/contentapp" Requires="we pca">
+          <p:graphicFrame>
+            <p:nvGraphicFramePr>
+              <p:cNvPr id="4" name="Add-in 3">
+                <a:extLst>
+                  <a:ext uri="{FF2B5EF4-FFF2-40B4-BE49-F238E27FC236}">
+                    <a16:creationId xmlns:a16="http://schemas.microsoft.com/office/drawing/2014/main" id="{3EA4D709-E8B6-D503-769E-C2259A61B4C2}"/>
+                  </a:ext>
+                </a:extLst>
+              </p:cNvPr>
+              <p:cNvGraphicFramePr>
+                <a:graphicFrameLocks noGrp="1"/>
+              </p:cNvGraphicFramePr>
+              <p:nvPr/>
+            </p:nvGraphicFramePr>
+            <p:xfrm>
+              <a:off x="0" y="0"/>
+              <a:ext cx="18288000" cy="10287000"/>
+            </p:xfrm>
+            <a:graphic>
+              <a:graphicData uri="http://schemas.microsoft.com/office/webextensions/webextension/2010/11">
+                <we:webextensionref xmlns:we="http://schemas.microsoft.com/office/webextensions/webextension/2010/11" xmlns:r="http://schemas.openxmlformats.org/officeDocument/2006/relationships" r:id="rId2"/>
+              </a:graphicData>
+            </a:graphic>
+          </p:graphicFrame>
+        </mc:Choice>
+        <mc:Fallback>
+          <p:pic>
+            <p:nvPicPr>
+              <p:cNvPr id="4" name="Add-in 3">
+                <a:extLst>
+                  <a:ext uri="{FF2B5EF4-FFF2-40B4-BE49-F238E27FC236}">
+                    <a16:creationId xmlns:a16="http://schemas.microsoft.com/office/drawing/2014/main" id="{3EA4D709-E8B6-D503-769E-C2259A61B4C2}"/>
+                  </a:ext>
+                </a:extLst>
+              </p:cNvPr>
+              <p:cNvPicPr>
+                <a:picLocks noGrp="1" noRot="1" noChangeAspect="1" noMove="1" noResize="1" noEditPoints="1" noAdjustHandles="1" noChangeArrowheads="1" noChangeShapeType="1"/>
+              </p:cNvPicPr>
+              <p:nvPr/>
+            </p:nvPicPr>
+            <p:blipFill>
+              <a:blip r:embed="rId3"/>
+              <a:stretch>
+                <a:fillRect/>
+              </a:stretch>
+            </p:blipFill>
+            <p:spPr>
+              <a:xfrm>
+                <a:off x="0" y="0"/>
+                <a:ext cx="18288000" cy="10287000"/>
+              </a:xfrm>
+              <a:prstGeom prst="rect">
+                <a:avLst/>
+              </a:prstGeom>
+            </p:spPr>
+          </p:pic>
+        </mc:Fallback>
+      </mc:AlternateContent>
+    </p:spTree>
+    <p:extLst>
+      <p:ext uri="{BB962C8B-B14F-4D97-AF65-F5344CB8AC3E}">
+        <p14:creationId xmlns:p14="http://schemas.microsoft.com/office/powerpoint/2010/main" val="2267041405"/>
+      </p:ext>
+    </p:extLst>
+  </p:cSld>
+  <p:clrMapOvr>
+    <a:masterClrMapping/>
+  </p:clrMapOvr>
+</p:sld>
+</file>
+
+<file path=ppt/slides/slide17.xml><?xml version="1.0" encoding="utf-8"?>
+<p:sld xmlns:a="http://schemas.openxmlformats.org/drawingml/2006/main" xmlns:r="http://schemas.openxmlformats.org/officeDocument/2006/relationships" xmlns:p="http://schemas.openxmlformats.org/presentationml/2006/main">
+  <p:cSld>
+    <p:spTree>
+      <p:nvGrpSpPr>
+        <p:cNvPr id="1" name="">
+          <a:extLst>
+            <a:ext uri="{FF2B5EF4-FFF2-40B4-BE49-F238E27FC236}">
+              <a16:creationId xmlns:a16="http://schemas.microsoft.com/office/drawing/2014/main" id="{0440A484-D799-E7C5-746B-5D4186690A7C}"/>
+            </a:ext>
+          </a:extLst>
+        </p:cNvPr>
+        <p:cNvGrpSpPr/>
+        <p:nvPr/>
+      </p:nvGrpSpPr>
+      <p:grpSpPr>
+        <a:xfrm>
+          <a:off x="0" y="0"/>
+          <a:ext cx="0" cy="0"/>
+          <a:chOff x="0" y="0"/>
+          <a:chExt cx="0" cy="0"/>
+        </a:xfrm>
+      </p:grpSpPr>
+      <p:sp>
+        <p:nvSpPr>
+          <p:cNvPr id="11" name="TextBox 10">
+            <a:extLst>
+              <a:ext uri="{FF2B5EF4-FFF2-40B4-BE49-F238E27FC236}">
+                <a16:creationId xmlns:a16="http://schemas.microsoft.com/office/drawing/2014/main" id="{90FB1869-0BB6-A5E1-C306-E3FCC05D0AF0}"/>
+              </a:ext>
+            </a:extLst>
+          </p:cNvPr>
+          <p:cNvSpPr txBox="1"/>
+          <p:nvPr/>
+        </p:nvSpPr>
+        <p:spPr>
+          <a:xfrm>
+            <a:off x="520861" y="170082"/>
+            <a:ext cx="11979797" cy="1477328"/>
+          </a:xfrm>
+          <a:prstGeom prst="rect">
+            <a:avLst/>
+          </a:prstGeom>
+          <a:noFill/>
+        </p:spPr>
+        <p:txBody>
+          <a:bodyPr wrap="square" rtlCol="0">
+            <a:spAutoFit/>
+          </a:bodyPr>
+          <a:lstStyle/>
+          <a:p>
+            <a:r>
+              <a:rPr lang="en-US" sz="9000" dirty="0">
+                <a:latin typeface="Aliens &amp; cows" panose="00000500000000000000" pitchFamily="2" charset="0"/>
+              </a:rPr>
+              <a:t>The future of Excel?</a:t>
+            </a:r>
+          </a:p>
+        </p:txBody>
+      </p:sp>
+      <p:pic>
+        <p:nvPicPr>
+          <p:cNvPr id="15" name="Picture 14" descr="A close up of a sign&#10;&#10;Description automatically generated">
+            <a:extLst>
+              <a:ext uri="{FF2B5EF4-FFF2-40B4-BE49-F238E27FC236}">
+                <a16:creationId xmlns:a16="http://schemas.microsoft.com/office/drawing/2014/main" id="{5C3FC969-6967-08A2-5253-5B1B6302B7F5}"/>
+              </a:ext>
+            </a:extLst>
+          </p:cNvPr>
+          <p:cNvPicPr>
+            <a:picLocks noChangeAspect="1"/>
+          </p:cNvPicPr>
+          <p:nvPr/>
+        </p:nvPicPr>
+        <p:blipFill>
+          <a:blip r:embed="rId2">
+            <a:extLst>
+              <a:ext uri="{28A0092B-C50C-407E-A947-70E740481C1C}">
+                <a14:useLocalDpi xmlns:a14="http://schemas.microsoft.com/office/drawing/2010/main" val="0"/>
+              </a:ext>
+            </a:extLst>
+          </a:blip>
+          <a:stretch>
+            <a:fillRect/>
+          </a:stretch>
+        </p:blipFill>
+        <p:spPr>
+          <a:xfrm>
+            <a:off x="16341036" y="8058429"/>
+            <a:ext cx="1942857" cy="2228571"/>
+          </a:xfrm>
+          <a:prstGeom prst="rect">
+            <a:avLst/>
+          </a:prstGeom>
+        </p:spPr>
+      </p:pic>
+      <p:graphicFrame>
+        <p:nvGraphicFramePr>
+          <p:cNvPr id="5" name="Table 4">
+            <a:extLst>
+              <a:ext uri="{FF2B5EF4-FFF2-40B4-BE49-F238E27FC236}">
+                <a16:creationId xmlns:a16="http://schemas.microsoft.com/office/drawing/2014/main" id="{92345F00-ADBC-88B3-7317-DF9E88D416ED}"/>
+              </a:ext>
+            </a:extLst>
+          </p:cNvPr>
+          <p:cNvGraphicFramePr>
+            <a:graphicFrameLocks noGrp="1"/>
+          </p:cNvGraphicFramePr>
+          <p:nvPr>
+            <p:extLst>
+              <p:ext uri="{D42A27DB-BD31-4B8C-83A1-F6EECF244321}">
+                <p14:modId xmlns:p14="http://schemas.microsoft.com/office/powerpoint/2010/main" val="2513387097"/>
+              </p:ext>
+            </p:extLst>
+          </p:nvPr>
+        </p:nvGraphicFramePr>
+        <p:xfrm>
+          <a:off x="228600" y="2139278"/>
+          <a:ext cx="16112436" cy="4968405"/>
+        </p:xfrm>
+        <a:graphic>
+          <a:graphicData uri="http://schemas.openxmlformats.org/drawingml/2006/table">
+            <a:tbl>
+              <a:tblPr>
+                <a:tableStyleId>{2D5ABB26-0587-4C30-8999-92F81FD0307C}</a:tableStyleId>
+              </a:tblPr>
+              <a:tblGrid>
+                <a:gridCol w="2829502">
+                  <a:extLst>
+                    <a:ext uri="{9D8B030D-6E8A-4147-A177-3AD203B41FA5}">
+                      <a16:colId xmlns:a16="http://schemas.microsoft.com/office/drawing/2014/main" val="1525359229"/>
+                    </a:ext>
+                  </a:extLst>
+                </a:gridCol>
+                <a:gridCol w="7912122">
+                  <a:extLst>
+                    <a:ext uri="{9D8B030D-6E8A-4147-A177-3AD203B41FA5}">
+                      <a16:colId xmlns:a16="http://schemas.microsoft.com/office/drawing/2014/main" val="2538730899"/>
+                    </a:ext>
+                  </a:extLst>
+                </a:gridCol>
+                <a:gridCol w="5370812">
+                  <a:extLst>
+                    <a:ext uri="{9D8B030D-6E8A-4147-A177-3AD203B41FA5}">
+                      <a16:colId xmlns:a16="http://schemas.microsoft.com/office/drawing/2014/main" val="3469586132"/>
+                    </a:ext>
+                  </a:extLst>
+                </a:gridCol>
+              </a:tblGrid>
+              <a:tr h="410762">
+                <a:tc>
+                  <a:txBody>
+                    <a:bodyPr/>
+                    <a:lstStyle/>
+                    <a:p>
+                      <a:r>
+                        <a:rPr lang="en-US" sz="2800" b="1"/>
+                        <a:t>Tool</a:t>
+                      </a:r>
+                      <a:endParaRPr lang="en-US" sz="2800"/>
+                    </a:p>
+                  </a:txBody>
+                  <a:tcPr marL="59552" marR="59552" marT="29776" marB="29776" anchor="ctr">
+                    <a:lnL w="12700" cap="flat" cmpd="sng" algn="ctr">
+                      <a:solidFill>
+                        <a:schemeClr val="tx1"/>
+                      </a:solidFill>
+                      <a:prstDash val="solid"/>
+                      <a:round/>
+                      <a:headEnd type="none" w="med" len="med"/>
+                      <a:tailEnd type="none" w="med" len="med"/>
+                    </a:lnL>
+                    <a:lnR w="12700" cap="flat" cmpd="sng" algn="ctr">
+                      <a:solidFill>
+                        <a:schemeClr val="tx1"/>
+                      </a:solidFill>
+                      <a:prstDash val="solid"/>
+                      <a:round/>
+                      <a:headEnd type="none" w="med" len="med"/>
+                      <a:tailEnd type="none" w="med" len="med"/>
+                    </a:lnR>
+                    <a:lnT w="12700" cap="flat" cmpd="sng" algn="ctr">
+                      <a:solidFill>
+                        <a:schemeClr val="tx1"/>
+                      </a:solidFill>
+                      <a:prstDash val="solid"/>
+                      <a:round/>
+                      <a:headEnd type="none" w="med" len="med"/>
+                      <a:tailEnd type="none" w="med" len="med"/>
+                    </a:lnT>
+                    <a:lnB w="12700" cap="flat" cmpd="sng" algn="ctr">
+                      <a:solidFill>
+                        <a:schemeClr val="tx1"/>
+                      </a:solidFill>
+                      <a:prstDash val="solid"/>
+                      <a:round/>
+                      <a:headEnd type="none" w="med" len="med"/>
+                      <a:tailEnd type="none" w="med" len="med"/>
+                    </a:lnB>
+                  </a:tcPr>
+                </a:tc>
+                <a:tc>
+                  <a:txBody>
+                    <a:bodyPr/>
+                    <a:lstStyle/>
+                    <a:p>
+                      <a:r>
+                        <a:rPr lang="en-US" sz="2800" b="1"/>
+                        <a:t>Primary Functions</a:t>
+                      </a:r>
+                      <a:endParaRPr lang="en-US" sz="2800"/>
+                    </a:p>
+                  </a:txBody>
+                  <a:tcPr marL="59552" marR="59552" marT="29776" marB="29776" anchor="ctr">
+                    <a:lnL w="12700" cap="flat" cmpd="sng" algn="ctr">
+                      <a:solidFill>
+                        <a:schemeClr val="tx1"/>
+                      </a:solidFill>
+                      <a:prstDash val="solid"/>
+                      <a:round/>
+                      <a:headEnd type="none" w="med" len="med"/>
+                      <a:tailEnd type="none" w="med" len="med"/>
+                    </a:lnL>
+                    <a:lnR w="12700" cap="flat" cmpd="sng" algn="ctr">
+                      <a:solidFill>
+                        <a:schemeClr val="tx1"/>
+                      </a:solidFill>
+                      <a:prstDash val="solid"/>
+                      <a:round/>
+                      <a:headEnd type="none" w="med" len="med"/>
+                      <a:tailEnd type="none" w="med" len="med"/>
+                    </a:lnR>
+                    <a:lnT w="12700" cap="flat" cmpd="sng" algn="ctr">
+                      <a:solidFill>
+                        <a:schemeClr val="tx1"/>
+                      </a:solidFill>
+                      <a:prstDash val="solid"/>
+                      <a:round/>
+                      <a:headEnd type="none" w="med" len="med"/>
+                      <a:tailEnd type="none" w="med" len="med"/>
+                    </a:lnT>
+                    <a:lnB w="12700" cap="flat" cmpd="sng" algn="ctr">
+                      <a:solidFill>
+                        <a:schemeClr val="tx1"/>
+                      </a:solidFill>
+                      <a:prstDash val="solid"/>
+                      <a:round/>
+                      <a:headEnd type="none" w="med" len="med"/>
+                      <a:tailEnd type="none" w="med" len="med"/>
+                    </a:lnB>
+                  </a:tcPr>
+                </a:tc>
+                <a:tc>
+                  <a:txBody>
+                    <a:bodyPr/>
+                    <a:lstStyle/>
+                    <a:p>
+                      <a:r>
+                        <a:rPr lang="en-US" sz="2800" b="1"/>
+                        <a:t>Strengths</a:t>
+                      </a:r>
+                      <a:endParaRPr lang="en-US" sz="2800"/>
+                    </a:p>
+                  </a:txBody>
+                  <a:tcPr marL="59552" marR="59552" marT="29776" marB="29776" anchor="ctr">
+                    <a:lnL w="12700" cap="flat" cmpd="sng" algn="ctr">
+                      <a:solidFill>
+                        <a:schemeClr val="tx1"/>
+                      </a:solidFill>
+                      <a:prstDash val="solid"/>
+                      <a:round/>
+                      <a:headEnd type="none" w="med" len="med"/>
+                      <a:tailEnd type="none" w="med" len="med"/>
+                    </a:lnL>
+                    <a:lnR w="12700" cap="flat" cmpd="sng" algn="ctr">
+                      <a:solidFill>
+                        <a:schemeClr val="tx1"/>
+                      </a:solidFill>
+                      <a:prstDash val="solid"/>
+                      <a:round/>
+                      <a:headEnd type="none" w="med" len="med"/>
+                      <a:tailEnd type="none" w="med" len="med"/>
+                    </a:lnR>
+                    <a:lnT w="12700" cap="flat" cmpd="sng" algn="ctr">
+                      <a:solidFill>
+                        <a:schemeClr val="tx1"/>
+                      </a:solidFill>
+                      <a:prstDash val="solid"/>
+                      <a:round/>
+                      <a:headEnd type="none" w="med" len="med"/>
+                      <a:tailEnd type="none" w="med" len="med"/>
+                    </a:lnT>
+                    <a:lnB w="12700" cap="flat" cmpd="sng" algn="ctr">
+                      <a:solidFill>
+                        <a:schemeClr val="tx1"/>
+                      </a:solidFill>
+                      <a:prstDash val="solid"/>
+                      <a:round/>
+                      <a:headEnd type="none" w="med" len="med"/>
+                      <a:tailEnd type="none" w="med" len="med"/>
+                    </a:lnB>
+                  </a:tcPr>
+                </a:tc>
+                <a:extLst>
+                  <a:ext uri="{0D108BD9-81ED-4DB2-BD59-A6C34878D82A}">
+                    <a16:rowId xmlns:a16="http://schemas.microsoft.com/office/drawing/2014/main" val="2831305640"/>
+                  </a:ext>
+                </a:extLst>
+              </a:tr>
+              <a:tr h="2607127">
+                <a:tc>
+                  <a:txBody>
+                    <a:bodyPr/>
+                    <a:lstStyle/>
+                    <a:p>
+                      <a:r>
+                        <a:rPr lang="en-US" sz="2800" b="1" dirty="0"/>
+                        <a:t>Python</a:t>
+                      </a:r>
+                      <a:endParaRPr lang="en-US" sz="2800" dirty="0"/>
+                    </a:p>
+                  </a:txBody>
+                  <a:tcPr marL="59552" marR="59552" marT="29776" marB="29776" anchor="ctr">
+                    <a:lnL w="12700" cap="flat" cmpd="sng" algn="ctr">
+                      <a:solidFill>
+                        <a:schemeClr val="tx1"/>
+                      </a:solidFill>
+                      <a:prstDash val="solid"/>
+                      <a:round/>
+                      <a:headEnd type="none" w="med" len="med"/>
+                      <a:tailEnd type="none" w="med" len="med"/>
+                    </a:lnL>
+                    <a:lnR w="12700" cap="flat" cmpd="sng" algn="ctr">
+                      <a:solidFill>
+                        <a:schemeClr val="tx1"/>
+                      </a:solidFill>
+                      <a:prstDash val="solid"/>
+                      <a:round/>
+                      <a:headEnd type="none" w="med" len="med"/>
+                      <a:tailEnd type="none" w="med" len="med"/>
+                    </a:lnR>
+                    <a:lnT w="12700" cap="flat" cmpd="sng" algn="ctr">
+                      <a:solidFill>
+                        <a:schemeClr val="tx1"/>
+                      </a:solidFill>
+                      <a:prstDash val="solid"/>
+                      <a:round/>
+                      <a:headEnd type="none" w="med" len="med"/>
+                      <a:tailEnd type="none" w="med" len="med"/>
+                    </a:lnT>
+                    <a:lnB w="12700" cap="flat" cmpd="sng" algn="ctr">
+                      <a:solidFill>
+                        <a:schemeClr val="tx1"/>
+                      </a:solidFill>
+                      <a:prstDash val="solid"/>
+                      <a:round/>
+                      <a:headEnd type="none" w="med" len="med"/>
+                      <a:tailEnd type="none" w="med" len="med"/>
+                    </a:lnB>
+                  </a:tcPr>
+                </a:tc>
+                <a:tc>
+                  <a:txBody>
+                    <a:bodyPr/>
+                    <a:lstStyle/>
+                    <a:p>
+                      <a:r>
+                        <a:rPr lang="en-US" sz="2800" dirty="0"/>
+                        <a:t>Backend data analysis, advanced charting, machine learning</a:t>
+                      </a:r>
+                    </a:p>
+                  </a:txBody>
+                  <a:tcPr marL="59552" marR="59552" marT="29776" marB="29776" anchor="ctr">
+                    <a:lnL w="12700" cap="flat" cmpd="sng" algn="ctr">
+                      <a:solidFill>
+                        <a:schemeClr val="tx1"/>
+                      </a:solidFill>
+                      <a:prstDash val="solid"/>
+                      <a:round/>
+                      <a:headEnd type="none" w="med" len="med"/>
+                      <a:tailEnd type="none" w="med" len="med"/>
+                    </a:lnL>
+                    <a:lnR w="12700" cap="flat" cmpd="sng" algn="ctr">
+                      <a:solidFill>
+                        <a:schemeClr val="tx1"/>
+                      </a:solidFill>
+                      <a:prstDash val="solid"/>
+                      <a:round/>
+                      <a:headEnd type="none" w="med" len="med"/>
+                      <a:tailEnd type="none" w="med" len="med"/>
+                    </a:lnR>
+                    <a:lnT w="12700" cap="flat" cmpd="sng" algn="ctr">
+                      <a:solidFill>
+                        <a:schemeClr val="tx1"/>
+                      </a:solidFill>
+                      <a:prstDash val="solid"/>
+                      <a:round/>
+                      <a:headEnd type="none" w="med" len="med"/>
+                      <a:tailEnd type="none" w="med" len="med"/>
+                    </a:lnT>
+                    <a:lnB w="12700" cap="flat" cmpd="sng" algn="ctr">
+                      <a:solidFill>
+                        <a:schemeClr val="tx1"/>
+                      </a:solidFill>
+                      <a:prstDash val="solid"/>
+                      <a:round/>
+                      <a:headEnd type="none" w="med" len="med"/>
+                      <a:tailEnd type="none" w="med" len="med"/>
+                    </a:lnB>
+                  </a:tcPr>
+                </a:tc>
+                <a:tc>
+                  <a:txBody>
+                    <a:bodyPr/>
+                    <a:lstStyle/>
+                    <a:p>
+                      <a:r>
+                        <a:rPr lang="en-US" sz="2800" dirty="0"/>
+                        <a:t>Powerful data manipulation with libraries like pandas, extensive visualization options with libraries like matplotlib and seaborn</a:t>
+                      </a:r>
+                    </a:p>
+                  </a:txBody>
+                  <a:tcPr marL="59552" marR="59552" marT="29776" marB="29776" anchor="ctr">
+                    <a:lnL w="12700" cap="flat" cmpd="sng" algn="ctr">
+                      <a:solidFill>
+                        <a:schemeClr val="tx1"/>
+                      </a:solidFill>
+                      <a:prstDash val="solid"/>
+                      <a:round/>
+                      <a:headEnd type="none" w="med" len="med"/>
+                      <a:tailEnd type="none" w="med" len="med"/>
+                    </a:lnL>
+                    <a:lnR w="12700" cap="flat" cmpd="sng" algn="ctr">
+                      <a:solidFill>
+                        <a:schemeClr val="tx1"/>
+                      </a:solidFill>
+                      <a:prstDash val="solid"/>
+                      <a:round/>
+                      <a:headEnd type="none" w="med" len="med"/>
+                      <a:tailEnd type="none" w="med" len="med"/>
+                    </a:lnR>
+                    <a:lnT w="12700" cap="flat" cmpd="sng" algn="ctr">
+                      <a:solidFill>
+                        <a:schemeClr val="tx1"/>
+                      </a:solidFill>
+                      <a:prstDash val="solid"/>
+                      <a:round/>
+                      <a:headEnd type="none" w="med" len="med"/>
+                      <a:tailEnd type="none" w="med" len="med"/>
+                    </a:lnT>
+                    <a:lnB w="12700" cap="flat" cmpd="sng" algn="ctr">
+                      <a:solidFill>
+                        <a:schemeClr val="tx1"/>
+                      </a:solidFill>
+                      <a:prstDash val="solid"/>
+                      <a:round/>
+                      <a:headEnd type="none" w="med" len="med"/>
+                      <a:tailEnd type="none" w="med" len="med"/>
+                    </a:lnB>
+                  </a:tcPr>
+                </a:tc>
+                <a:extLst>
+                  <a:ext uri="{0D108BD9-81ED-4DB2-BD59-A6C34878D82A}">
+                    <a16:rowId xmlns:a16="http://schemas.microsoft.com/office/drawing/2014/main" val="47735761"/>
+                  </a:ext>
+                </a:extLst>
+              </a:tr>
+              <a:tr h="1875006">
+                <a:tc>
+                  <a:txBody>
+                    <a:bodyPr/>
+                    <a:lstStyle/>
+                    <a:p>
+                      <a:r>
+                        <a:rPr lang="en-US" sz="2800" b="1"/>
+                        <a:t>Excel</a:t>
+                      </a:r>
+                      <a:endParaRPr lang="en-US" sz="2800"/>
+                    </a:p>
+                  </a:txBody>
+                  <a:tcPr marL="59552" marR="59552" marT="29776" marB="29776" anchor="ctr">
+                    <a:lnL w="12700" cap="flat" cmpd="sng" algn="ctr">
+                      <a:solidFill>
+                        <a:schemeClr val="tx1"/>
+                      </a:solidFill>
+                      <a:prstDash val="solid"/>
+                      <a:round/>
+                      <a:headEnd type="none" w="med" len="med"/>
+                      <a:tailEnd type="none" w="med" len="med"/>
+                    </a:lnL>
+                    <a:lnR w="12700" cap="flat" cmpd="sng" algn="ctr">
+                      <a:solidFill>
+                        <a:schemeClr val="tx1"/>
+                      </a:solidFill>
+                      <a:prstDash val="solid"/>
+                      <a:round/>
+                      <a:headEnd type="none" w="med" len="med"/>
+                      <a:tailEnd type="none" w="med" len="med"/>
+                    </a:lnR>
+                    <a:lnT w="12700" cap="flat" cmpd="sng" algn="ctr">
+                      <a:solidFill>
+                        <a:schemeClr val="tx1"/>
+                      </a:solidFill>
+                      <a:prstDash val="solid"/>
+                      <a:round/>
+                      <a:headEnd type="none" w="med" len="med"/>
+                      <a:tailEnd type="none" w="med" len="med"/>
+                    </a:lnT>
+                    <a:lnB w="12700" cap="flat" cmpd="sng" algn="ctr">
+                      <a:solidFill>
+                        <a:schemeClr val="tx1"/>
+                      </a:solidFill>
+                      <a:prstDash val="solid"/>
+                      <a:round/>
+                      <a:headEnd type="none" w="med" len="med"/>
+                      <a:tailEnd type="none" w="med" len="med"/>
+                    </a:lnB>
+                  </a:tcPr>
+                </a:tc>
+                <a:tc>
+                  <a:txBody>
+                    <a:bodyPr/>
+                    <a:lstStyle/>
+                    <a:p>
+                      <a:r>
+                        <a:rPr lang="en-US" sz="2800" dirty="0"/>
+                        <a:t>Frontend formatting, usability, interactive dashboards</a:t>
+                      </a:r>
+                    </a:p>
+                  </a:txBody>
+                  <a:tcPr marL="59552" marR="59552" marT="29776" marB="29776" anchor="ctr">
+                    <a:lnL w="12700" cap="flat" cmpd="sng" algn="ctr">
+                      <a:solidFill>
+                        <a:schemeClr val="tx1"/>
+                      </a:solidFill>
+                      <a:prstDash val="solid"/>
+                      <a:round/>
+                      <a:headEnd type="none" w="med" len="med"/>
+                      <a:tailEnd type="none" w="med" len="med"/>
+                    </a:lnL>
+                    <a:lnR w="12700" cap="flat" cmpd="sng" algn="ctr">
+                      <a:solidFill>
+                        <a:schemeClr val="tx1"/>
+                      </a:solidFill>
+                      <a:prstDash val="solid"/>
+                      <a:round/>
+                      <a:headEnd type="none" w="med" len="med"/>
+                      <a:tailEnd type="none" w="med" len="med"/>
+                    </a:lnR>
+                    <a:lnT w="12700" cap="flat" cmpd="sng" algn="ctr">
+                      <a:solidFill>
+                        <a:schemeClr val="tx1"/>
+                      </a:solidFill>
+                      <a:prstDash val="solid"/>
+                      <a:round/>
+                      <a:headEnd type="none" w="med" len="med"/>
+                      <a:tailEnd type="none" w="med" len="med"/>
+                    </a:lnT>
+                    <a:lnB w="12700" cap="flat" cmpd="sng" algn="ctr">
+                      <a:solidFill>
+                        <a:schemeClr val="tx1"/>
+                      </a:solidFill>
+                      <a:prstDash val="solid"/>
+                      <a:round/>
+                      <a:headEnd type="none" w="med" len="med"/>
+                      <a:tailEnd type="none" w="med" len="med"/>
+                    </a:lnB>
+                  </a:tcPr>
+                </a:tc>
+                <a:tc>
+                  <a:txBody>
+                    <a:bodyPr/>
+                    <a:lstStyle/>
+                    <a:p>
+                      <a:r>
+                        <a:rPr lang="en-US" sz="2800" dirty="0"/>
+                        <a:t>User-friendly interface, widespread usage, well-suited for formatting and presentation</a:t>
+                      </a:r>
+                    </a:p>
+                  </a:txBody>
+                  <a:tcPr marL="59552" marR="59552" marT="29776" marB="29776" anchor="ctr">
+                    <a:lnL w="12700" cap="flat" cmpd="sng" algn="ctr">
+                      <a:solidFill>
+                        <a:schemeClr val="tx1"/>
+                      </a:solidFill>
+                      <a:prstDash val="solid"/>
+                      <a:round/>
+                      <a:headEnd type="none" w="med" len="med"/>
+                      <a:tailEnd type="none" w="med" len="med"/>
+                    </a:lnL>
+                    <a:lnR w="12700" cap="flat" cmpd="sng" algn="ctr">
+                      <a:solidFill>
+                        <a:schemeClr val="tx1"/>
+                      </a:solidFill>
+                      <a:prstDash val="solid"/>
+                      <a:round/>
+                      <a:headEnd type="none" w="med" len="med"/>
+                      <a:tailEnd type="none" w="med" len="med"/>
+                    </a:lnR>
+                    <a:lnT w="12700" cap="flat" cmpd="sng" algn="ctr">
+                      <a:solidFill>
+                        <a:schemeClr val="tx1"/>
+                      </a:solidFill>
+                      <a:prstDash val="solid"/>
+                      <a:round/>
+                      <a:headEnd type="none" w="med" len="med"/>
+                      <a:tailEnd type="none" w="med" len="med"/>
+                    </a:lnT>
+                    <a:lnB w="12700" cap="flat" cmpd="sng" algn="ctr">
+                      <a:solidFill>
+                        <a:schemeClr val="tx1"/>
+                      </a:solidFill>
+                      <a:prstDash val="solid"/>
+                      <a:round/>
+                      <a:headEnd type="none" w="med" len="med"/>
+                      <a:tailEnd type="none" w="med" len="med"/>
+                    </a:lnB>
+                  </a:tcPr>
+                </a:tc>
+                <a:extLst>
+                  <a:ext uri="{0D108BD9-81ED-4DB2-BD59-A6C34878D82A}">
+                    <a16:rowId xmlns:a16="http://schemas.microsoft.com/office/drawing/2014/main" val="715534459"/>
+                  </a:ext>
+                </a:extLst>
+              </a:tr>
+            </a:tbl>
+          </a:graphicData>
+        </a:graphic>
+      </p:graphicFrame>
+    </p:spTree>
+    <p:extLst>
+      <p:ext uri="{BB962C8B-B14F-4D97-AF65-F5344CB8AC3E}">
+        <p14:creationId xmlns:p14="http://schemas.microsoft.com/office/powerpoint/2010/main" val="401551492"/>
+      </p:ext>
+    </p:extLst>
+  </p:cSld>
+  <p:clrMapOvr>
+    <a:masterClrMapping/>
+  </p:clrMapOvr>
+</p:sld>
+</file>
+
+<file path=ppt/slides/slide18.xml><?xml version="1.0" encoding="utf-8"?>
 <p:sld xmlns:a="http://schemas.openxmlformats.org/drawingml/2006/main" xmlns:r="http://schemas.openxmlformats.org/officeDocument/2006/relationships" xmlns:p="http://schemas.openxmlformats.org/presentationml/2006/main">
   <p:cSld>
     <p:spTree>
@@ -5366,7 +8258,7 @@
 </p:sld>
 </file>
 
-<file path=ppt/slides/slide11.xml><?xml version="1.0" encoding="utf-8"?>
+<file path=ppt/slides/slide19.xml><?xml version="1.0" encoding="utf-8"?>
 <p:sld xmlns:a="http://schemas.openxmlformats.org/drawingml/2006/main" xmlns:r="http://schemas.openxmlformats.org/officeDocument/2006/relationships" xmlns:p="http://schemas.openxmlformats.org/presentationml/2006/main">
   <p:cSld>
     <p:spTree>
@@ -5489,8 +8381,43 @@
         </p:blipFill>
         <p:spPr>
           <a:xfrm>
-            <a:off x="3733800" y="2286000"/>
-            <a:ext cx="10287000" cy="7045890"/>
+            <a:off x="8465561" y="1998907"/>
+            <a:ext cx="8846903" cy="6059522"/>
+          </a:xfrm>
+          <a:prstGeom prst="rect">
+            <a:avLst/>
+          </a:prstGeom>
+        </p:spPr>
+      </p:pic>
+      <p:pic>
+        <p:nvPicPr>
+          <p:cNvPr id="4" name="Picture 3" descr="A screenshot of a social media post&#10;&#10;AI-generated content may be incorrect.">
+            <a:extLst>
+              <a:ext uri="{FF2B5EF4-FFF2-40B4-BE49-F238E27FC236}">
+                <a16:creationId xmlns:a16="http://schemas.microsoft.com/office/drawing/2014/main" id="{C5251441-C26D-F630-CD1A-6EC223323C9D}"/>
+              </a:ext>
+            </a:extLst>
+          </p:cNvPr>
+          <p:cNvPicPr>
+            <a:picLocks noChangeAspect="1"/>
+          </p:cNvPicPr>
+          <p:nvPr/>
+        </p:nvPicPr>
+        <p:blipFill>
+          <a:blip r:embed="rId5">
+            <a:extLst>
+              <a:ext uri="{28A0092B-C50C-407E-A947-70E740481C1C}">
+                <a14:useLocalDpi xmlns:a14="http://schemas.microsoft.com/office/drawing/2010/main" val="0"/>
+              </a:ext>
+            </a:extLst>
+          </a:blip>
+          <a:srcRect t="21852" b="21664"/>
+          <a:stretch/>
+        </p:blipFill>
+        <p:spPr>
+          <a:xfrm>
+            <a:off x="314269" y="5154769"/>
+            <a:ext cx="7672968" cy="4334014"/>
           </a:xfrm>
           <a:prstGeom prst="rect">
             <a:avLst/>
@@ -5510,7 +8437,371 @@
 </p:sld>
 </file>
 
-<file path=ppt/slides/slide12.xml><?xml version="1.0" encoding="utf-8"?>
+<file path=ppt/slides/slide2.xml><?xml version="1.0" encoding="utf-8"?>
+<p:sld xmlns:a="http://schemas.openxmlformats.org/drawingml/2006/main" xmlns:r="http://schemas.openxmlformats.org/officeDocument/2006/relationships" xmlns:p="http://schemas.openxmlformats.org/presentationml/2006/main">
+  <p:cSld>
+    <p:spTree>
+      <p:nvGrpSpPr>
+        <p:cNvPr id="1" name=""/>
+        <p:cNvGrpSpPr/>
+        <p:nvPr/>
+      </p:nvGrpSpPr>
+      <p:grpSpPr>
+        <a:xfrm>
+          <a:off x="0" y="0"/>
+          <a:ext cx="0" cy="0"/>
+          <a:chOff x="0" y="0"/>
+          <a:chExt cx="0" cy="0"/>
+        </a:xfrm>
+      </p:grpSpPr>
+      <p:sp>
+        <p:nvSpPr>
+          <p:cNvPr id="4" name="Rectangle 3"/>
+          <p:cNvSpPr/>
+          <p:nvPr/>
+        </p:nvSpPr>
+        <p:spPr>
+          <a:xfrm>
+            <a:off x="0" y="0"/>
+            <a:ext cx="18288000" cy="10287000"/>
+          </a:xfrm>
+          <a:prstGeom prst="rect">
+            <a:avLst/>
+          </a:prstGeom>
+          <a:solidFill>
+            <a:srgbClr val="CF3338"/>
+          </a:solidFill>
+          <a:ln>
+            <a:noFill/>
+          </a:ln>
+        </p:spPr>
+        <p:style>
+          <a:lnRef idx="2">
+            <a:schemeClr val="accent1">
+              <a:shade val="50000"/>
+            </a:schemeClr>
+          </a:lnRef>
+          <a:fillRef idx="1">
+            <a:schemeClr val="accent1"/>
+          </a:fillRef>
+          <a:effectRef idx="0">
+            <a:schemeClr val="accent1"/>
+          </a:effectRef>
+          <a:fontRef idx="minor">
+            <a:schemeClr val="lt1"/>
+          </a:fontRef>
+        </p:style>
+        <p:txBody>
+          <a:bodyPr rtlCol="0" anchor="ctr"/>
+          <a:lstStyle/>
+          <a:p>
+            <a:pPr algn="ctr"/>
+            <a:endParaRPr lang="en-US" sz="2700"/>
+          </a:p>
+        </p:txBody>
+      </p:sp>
+      <p:sp>
+        <p:nvSpPr>
+          <p:cNvPr id="5" name="TextBox 4"/>
+          <p:cNvSpPr txBox="1"/>
+          <p:nvPr/>
+        </p:nvSpPr>
+        <p:spPr>
+          <a:xfrm>
+            <a:off x="781292" y="590309"/>
+            <a:ext cx="15486926" cy="1615827"/>
+          </a:xfrm>
+          <a:prstGeom prst="rect">
+            <a:avLst/>
+          </a:prstGeom>
+          <a:noFill/>
+        </p:spPr>
+        <p:txBody>
+          <a:bodyPr wrap="square" rtlCol="0">
+            <a:spAutoFit/>
+          </a:bodyPr>
+          <a:lstStyle/>
+          <a:p>
+            <a:r>
+              <a:rPr lang="en-US" sz="9900" b="1" dirty="0">
+                <a:solidFill>
+                  <a:schemeClr val="bg1"/>
+                </a:solidFill>
+                <a:latin typeface="Normafixed Tryout" panose="00000409000000000000" pitchFamily="49" charset="0"/>
+              </a:rPr>
+              <a:t>Hi, I’m George</a:t>
+            </a:r>
+          </a:p>
+        </p:txBody>
+      </p:sp>
+      <p:pic>
+        <p:nvPicPr>
+          <p:cNvPr id="3" name="Picture 4" descr="Advancing into Analytics Cover Image">
+            <a:extLst>
+              <a:ext uri="{FF2B5EF4-FFF2-40B4-BE49-F238E27FC236}">
+                <a16:creationId xmlns:a16="http://schemas.microsoft.com/office/drawing/2014/main" id="{588F684B-18EF-D76C-5F7B-15E4BAD60643}"/>
+              </a:ext>
+            </a:extLst>
+          </p:cNvPr>
+          <p:cNvPicPr>
+            <a:picLocks noChangeAspect="1" noChangeArrowheads="1"/>
+          </p:cNvPicPr>
+          <p:nvPr/>
+        </p:nvPicPr>
+        <p:blipFill>
+          <a:blip r:embed="rId3" cstate="print">
+            <a:extLst>
+              <a:ext uri="{28A0092B-C50C-407E-A947-70E740481C1C}">
+                <a14:useLocalDpi xmlns:a14="http://schemas.microsoft.com/office/drawing/2010/main" val="0"/>
+              </a:ext>
+            </a:extLst>
+          </a:blip>
+          <a:srcRect/>
+          <a:stretch>
+            <a:fillRect/>
+          </a:stretch>
+        </p:blipFill>
+        <p:spPr bwMode="auto">
+          <a:xfrm>
+            <a:off x="14060913" y="456356"/>
+            <a:ext cx="3646936" cy="4763344"/>
+          </a:xfrm>
+          <a:prstGeom prst="rect">
+            <a:avLst/>
+          </a:prstGeom>
+          <a:noFill/>
+          <a:extLst>
+            <a:ext uri="{909E8E84-426E-40DD-AFC4-6F175D3DCCD1}">
+              <a14:hiddenFill xmlns:a14="http://schemas.microsoft.com/office/drawing/2010/main">
+                <a:solidFill>
+                  <a:srgbClr val="FFFFFF"/>
+                </a:solidFill>
+              </a14:hiddenFill>
+            </a:ext>
+          </a:extLst>
+        </p:spPr>
+      </p:pic>
+      <p:pic>
+        <p:nvPicPr>
+          <p:cNvPr id="6" name="Picture 6" descr="Free photos of Cleveland">
+            <a:extLst>
+              <a:ext uri="{FF2B5EF4-FFF2-40B4-BE49-F238E27FC236}">
+                <a16:creationId xmlns:a16="http://schemas.microsoft.com/office/drawing/2014/main" id="{CBA53EEE-E3E1-D99E-A4DC-1C4DD2E6CE4A}"/>
+              </a:ext>
+            </a:extLst>
+          </p:cNvPr>
+          <p:cNvPicPr>
+            <a:picLocks noChangeAspect="1" noChangeArrowheads="1"/>
+          </p:cNvPicPr>
+          <p:nvPr/>
+        </p:nvPicPr>
+        <p:blipFill>
+          <a:blip r:embed="rId4" cstate="print">
+            <a:extLst>
+              <a:ext uri="{28A0092B-C50C-407E-A947-70E740481C1C}">
+                <a14:useLocalDpi xmlns:a14="http://schemas.microsoft.com/office/drawing/2010/main" val="0"/>
+              </a:ext>
+            </a:extLst>
+          </a:blip>
+          <a:srcRect/>
+          <a:stretch>
+            <a:fillRect/>
+          </a:stretch>
+        </p:blipFill>
+        <p:spPr bwMode="auto">
+          <a:xfrm>
+            <a:off x="1719601" y="2636893"/>
+            <a:ext cx="7531585" cy="5013211"/>
+          </a:xfrm>
+          <a:prstGeom prst="rect">
+            <a:avLst/>
+          </a:prstGeom>
+          <a:noFill/>
+          <a:extLst>
+            <a:ext uri="{909E8E84-426E-40DD-AFC4-6F175D3DCCD1}">
+              <a14:hiddenFill xmlns:a14="http://schemas.microsoft.com/office/drawing/2010/main">
+                <a:solidFill>
+                  <a:srgbClr val="FFFFFF"/>
+                </a:solidFill>
+              </a14:hiddenFill>
+            </a:ext>
+          </a:extLst>
+        </p:spPr>
+      </p:pic>
+      <p:pic>
+        <p:nvPicPr>
+          <p:cNvPr id="8" name="Picture 7" descr="Logo&#10;&#10;Description automatically generated">
+            <a:extLst>
+              <a:ext uri="{FF2B5EF4-FFF2-40B4-BE49-F238E27FC236}">
+                <a16:creationId xmlns:a16="http://schemas.microsoft.com/office/drawing/2014/main" id="{97E0F267-87DF-961E-1FAA-47FD4F27A5C6}"/>
+              </a:ext>
+            </a:extLst>
+          </p:cNvPr>
+          <p:cNvPicPr>
+            <a:picLocks noChangeAspect="1"/>
+          </p:cNvPicPr>
+          <p:nvPr/>
+        </p:nvPicPr>
+        <p:blipFill>
+          <a:blip r:embed="rId5" cstate="print">
+            <a:extLst>
+              <a:ext uri="{28A0092B-C50C-407E-A947-70E740481C1C}">
+                <a14:useLocalDpi xmlns:a14="http://schemas.microsoft.com/office/drawing/2010/main" val="0"/>
+              </a:ext>
+            </a:extLst>
+          </a:blip>
+          <a:stretch>
+            <a:fillRect/>
+          </a:stretch>
+        </p:blipFill>
+        <p:spPr>
+          <a:xfrm>
+            <a:off x="10336758" y="6210300"/>
+            <a:ext cx="7448309" cy="5462681"/>
+          </a:xfrm>
+          <a:prstGeom prst="rect">
+            <a:avLst/>
+          </a:prstGeom>
+        </p:spPr>
+      </p:pic>
+      <p:pic>
+        <p:nvPicPr>
+          <p:cNvPr id="1026" name="Picture 2" descr="Excel MVP Led Training - The Best Way to Learn Excel.">
+            <a:extLst>
+              <a:ext uri="{FF2B5EF4-FFF2-40B4-BE49-F238E27FC236}">
+                <a16:creationId xmlns:a16="http://schemas.microsoft.com/office/drawing/2014/main" id="{1541E3A8-702A-355A-01A5-FFB43F9DE736}"/>
+              </a:ext>
+            </a:extLst>
+          </p:cNvPr>
+          <p:cNvPicPr>
+            <a:picLocks noChangeAspect="1" noChangeArrowheads="1"/>
+          </p:cNvPicPr>
+          <p:nvPr/>
+        </p:nvPicPr>
+        <p:blipFill>
+          <a:blip r:embed="rId6">
+            <a:extLst>
+              <a:ext uri="{28A0092B-C50C-407E-A947-70E740481C1C}">
+                <a14:useLocalDpi xmlns:a14="http://schemas.microsoft.com/office/drawing/2010/main" val="0"/>
+              </a:ext>
+            </a:extLst>
+          </a:blip>
+          <a:srcRect/>
+          <a:stretch>
+            <a:fillRect/>
+          </a:stretch>
+        </p:blipFill>
+        <p:spPr bwMode="auto">
+          <a:xfrm>
+            <a:off x="1095268" y="8334375"/>
+            <a:ext cx="4028188" cy="1615827"/>
+          </a:xfrm>
+          <a:prstGeom prst="rect">
+            <a:avLst/>
+          </a:prstGeom>
+          <a:noFill/>
+          <a:extLst>
+            <a:ext uri="{909E8E84-426E-40DD-AFC4-6F175D3DCCD1}">
+              <a14:hiddenFill xmlns:a14="http://schemas.microsoft.com/office/drawing/2010/main">
+                <a:solidFill>
+                  <a:srgbClr val="FFFFFF"/>
+                </a:solidFill>
+              </a14:hiddenFill>
+            </a:ext>
+          </a:extLst>
+        </p:spPr>
+      </p:pic>
+      <p:pic>
+        <p:nvPicPr>
+          <p:cNvPr id="2" name="Picture 1">
+            <a:extLst>
+              <a:ext uri="{FF2B5EF4-FFF2-40B4-BE49-F238E27FC236}">
+                <a16:creationId xmlns:a16="http://schemas.microsoft.com/office/drawing/2014/main" id="{50A242DB-4587-B99F-C771-FCE1A2F66CC2}"/>
+              </a:ext>
+            </a:extLst>
+          </p:cNvPr>
+          <p:cNvPicPr>
+            <a:picLocks noChangeAspect="1"/>
+          </p:cNvPicPr>
+          <p:nvPr/>
+        </p:nvPicPr>
+        <p:blipFill>
+          <a:blip r:embed="rId7"/>
+          <a:stretch>
+            <a:fillRect/>
+          </a:stretch>
+        </p:blipFill>
+        <p:spPr>
+          <a:xfrm>
+            <a:off x="10023998" y="2990000"/>
+            <a:ext cx="3553241" cy="4660104"/>
+          </a:xfrm>
+          <a:prstGeom prst="rect">
+            <a:avLst/>
+          </a:prstGeom>
+        </p:spPr>
+      </p:pic>
+      <p:pic>
+        <p:nvPicPr>
+          <p:cNvPr id="7" name="Picture 2" descr="Thais Cooke on LinkedIn ...">
+            <a:extLst>
+              <a:ext uri="{FF2B5EF4-FFF2-40B4-BE49-F238E27FC236}">
+                <a16:creationId xmlns:a16="http://schemas.microsoft.com/office/drawing/2014/main" id="{E04F7C46-C954-2867-35E4-FB4F6E251CEC}"/>
+              </a:ext>
+            </a:extLst>
+          </p:cNvPr>
+          <p:cNvPicPr>
+            <a:picLocks noChangeAspect="1" noChangeArrowheads="1"/>
+          </p:cNvPicPr>
+          <p:nvPr/>
+        </p:nvPicPr>
+        <p:blipFill>
+          <a:blip r:embed="rId8">
+            <a:extLst>
+              <a:ext uri="{28A0092B-C50C-407E-A947-70E740481C1C}">
+                <a14:useLocalDpi xmlns:a14="http://schemas.microsoft.com/office/drawing/2010/main" val="0"/>
+              </a:ext>
+            </a:extLst>
+          </a:blip>
+          <a:srcRect/>
+          <a:stretch>
+            <a:fillRect/>
+          </a:stretch>
+        </p:blipFill>
+        <p:spPr bwMode="auto">
+          <a:xfrm>
+            <a:off x="14264054" y="6129068"/>
+            <a:ext cx="3333750" cy="1371600"/>
+          </a:xfrm>
+          <a:prstGeom prst="rect">
+            <a:avLst/>
+          </a:prstGeom>
+          <a:noFill/>
+          <a:extLst>
+            <a:ext uri="{909E8E84-426E-40DD-AFC4-6F175D3DCCD1}">
+              <a14:hiddenFill xmlns:a14="http://schemas.microsoft.com/office/drawing/2010/main">
+                <a:solidFill>
+                  <a:srgbClr val="FFFFFF"/>
+                </a:solidFill>
+              </a14:hiddenFill>
+            </a:ext>
+          </a:extLst>
+        </p:spPr>
+      </p:pic>
+    </p:spTree>
+    <p:extLst>
+      <p:ext uri="{BB962C8B-B14F-4D97-AF65-F5344CB8AC3E}">
+        <p14:creationId xmlns:p14="http://schemas.microsoft.com/office/powerpoint/2010/main" val="166785523"/>
+      </p:ext>
+    </p:extLst>
+  </p:cSld>
+  <p:clrMapOvr>
+    <a:masterClrMapping/>
+  </p:clrMapOvr>
+</p:sld>
+</file>
+
+<file path=ppt/slides/slide20.xml><?xml version="1.0" encoding="utf-8"?>
 <p:sld xmlns:a="http://schemas.openxmlformats.org/drawingml/2006/main" xmlns:r="http://schemas.openxmlformats.org/officeDocument/2006/relationships" xmlns:p="http://schemas.openxmlformats.org/presentationml/2006/main">
   <p:cSld>
     <p:spTree>
@@ -5668,7 +8959,7 @@
 </p:sld>
 </file>
 
-<file path=ppt/slides/slide13.xml><?xml version="1.0" encoding="utf-8"?>
+<file path=ppt/slides/slide21.xml><?xml version="1.0" encoding="utf-8"?>
 <p:sld xmlns:a="http://schemas.openxmlformats.org/drawingml/2006/main" xmlns:r="http://schemas.openxmlformats.org/officeDocument/2006/relationships" xmlns:p="http://schemas.openxmlformats.org/presentationml/2006/main">
   <p:cSld>
     <p:spTree>
@@ -5769,323 +9060,6 @@
     <p:extLst>
       <p:ext uri="{BB962C8B-B14F-4D97-AF65-F5344CB8AC3E}">
         <p14:creationId xmlns:p14="http://schemas.microsoft.com/office/powerpoint/2010/main" val="1414137271"/>
-      </p:ext>
-    </p:extLst>
-  </p:cSld>
-  <p:clrMapOvr>
-    <a:masterClrMapping/>
-  </p:clrMapOvr>
-</p:sld>
-</file>
-
-<file path=ppt/slides/slide2.xml><?xml version="1.0" encoding="utf-8"?>
-<p:sld xmlns:a="http://schemas.openxmlformats.org/drawingml/2006/main" xmlns:r="http://schemas.openxmlformats.org/officeDocument/2006/relationships" xmlns:p="http://schemas.openxmlformats.org/presentationml/2006/main">
-  <p:cSld>
-    <p:spTree>
-      <p:nvGrpSpPr>
-        <p:cNvPr id="1" name=""/>
-        <p:cNvGrpSpPr/>
-        <p:nvPr/>
-      </p:nvGrpSpPr>
-      <p:grpSpPr>
-        <a:xfrm>
-          <a:off x="0" y="0"/>
-          <a:ext cx="0" cy="0"/>
-          <a:chOff x="0" y="0"/>
-          <a:chExt cx="0" cy="0"/>
-        </a:xfrm>
-      </p:grpSpPr>
-      <p:sp>
-        <p:nvSpPr>
-          <p:cNvPr id="4" name="Rectangle 3"/>
-          <p:cNvSpPr/>
-          <p:nvPr/>
-        </p:nvSpPr>
-        <p:spPr>
-          <a:xfrm>
-            <a:off x="0" y="0"/>
-            <a:ext cx="18288000" cy="10287000"/>
-          </a:xfrm>
-          <a:prstGeom prst="rect">
-            <a:avLst/>
-          </a:prstGeom>
-          <a:solidFill>
-            <a:srgbClr val="CF3338"/>
-          </a:solidFill>
-          <a:ln>
-            <a:noFill/>
-          </a:ln>
-        </p:spPr>
-        <p:style>
-          <a:lnRef idx="2">
-            <a:schemeClr val="accent1">
-              <a:shade val="50000"/>
-            </a:schemeClr>
-          </a:lnRef>
-          <a:fillRef idx="1">
-            <a:schemeClr val="accent1"/>
-          </a:fillRef>
-          <a:effectRef idx="0">
-            <a:schemeClr val="accent1"/>
-          </a:effectRef>
-          <a:fontRef idx="minor">
-            <a:schemeClr val="lt1"/>
-          </a:fontRef>
-        </p:style>
-        <p:txBody>
-          <a:bodyPr rtlCol="0" anchor="ctr"/>
-          <a:lstStyle/>
-          <a:p>
-            <a:pPr algn="ctr"/>
-            <a:endParaRPr lang="en-US" sz="2700"/>
-          </a:p>
-        </p:txBody>
-      </p:sp>
-      <p:sp>
-        <p:nvSpPr>
-          <p:cNvPr id="5" name="TextBox 4"/>
-          <p:cNvSpPr txBox="1"/>
-          <p:nvPr/>
-        </p:nvSpPr>
-        <p:spPr>
-          <a:xfrm>
-            <a:off x="781292" y="590309"/>
-            <a:ext cx="15486926" cy="1615827"/>
-          </a:xfrm>
-          <a:prstGeom prst="rect">
-            <a:avLst/>
-          </a:prstGeom>
-          <a:noFill/>
-        </p:spPr>
-        <p:txBody>
-          <a:bodyPr wrap="square" rtlCol="0">
-            <a:spAutoFit/>
-          </a:bodyPr>
-          <a:lstStyle/>
-          <a:p>
-            <a:r>
-              <a:rPr lang="en-US" sz="9900" b="1" dirty="0">
-                <a:solidFill>
-                  <a:schemeClr val="bg1"/>
-                </a:solidFill>
-                <a:latin typeface="Normafixed Tryout" panose="00000409000000000000" pitchFamily="49" charset="0"/>
-              </a:rPr>
-              <a:t>Hi, I’m George</a:t>
-            </a:r>
-          </a:p>
-        </p:txBody>
-      </p:sp>
-      <p:pic>
-        <p:nvPicPr>
-          <p:cNvPr id="3" name="Picture 4" descr="Advancing into Analytics Cover Image">
-            <a:extLst>
-              <a:ext uri="{FF2B5EF4-FFF2-40B4-BE49-F238E27FC236}">
-                <a16:creationId xmlns:a16="http://schemas.microsoft.com/office/drawing/2014/main" id="{588F684B-18EF-D76C-5F7B-15E4BAD60643}"/>
-              </a:ext>
-            </a:extLst>
-          </p:cNvPr>
-          <p:cNvPicPr>
-            <a:picLocks noChangeAspect="1" noChangeArrowheads="1"/>
-          </p:cNvPicPr>
-          <p:nvPr/>
-        </p:nvPicPr>
-        <p:blipFill>
-          <a:blip r:embed="rId3" cstate="print">
-            <a:extLst>
-              <a:ext uri="{28A0092B-C50C-407E-A947-70E740481C1C}">
-                <a14:useLocalDpi xmlns:a14="http://schemas.microsoft.com/office/drawing/2010/main" val="0"/>
-              </a:ext>
-            </a:extLst>
-          </a:blip>
-          <a:srcRect/>
-          <a:stretch>
-            <a:fillRect/>
-          </a:stretch>
-        </p:blipFill>
-        <p:spPr bwMode="auto">
-          <a:xfrm>
-            <a:off x="14060913" y="456356"/>
-            <a:ext cx="3646936" cy="4763344"/>
-          </a:xfrm>
-          <a:prstGeom prst="rect">
-            <a:avLst/>
-          </a:prstGeom>
-          <a:noFill/>
-          <a:extLst>
-            <a:ext uri="{909E8E84-426E-40DD-AFC4-6F175D3DCCD1}">
-              <a14:hiddenFill xmlns:a14="http://schemas.microsoft.com/office/drawing/2010/main">
-                <a:solidFill>
-                  <a:srgbClr val="FFFFFF"/>
-                </a:solidFill>
-              </a14:hiddenFill>
-            </a:ext>
-          </a:extLst>
-        </p:spPr>
-      </p:pic>
-      <p:pic>
-        <p:nvPicPr>
-          <p:cNvPr id="6" name="Picture 6" descr="Free photos of Cleveland">
-            <a:extLst>
-              <a:ext uri="{FF2B5EF4-FFF2-40B4-BE49-F238E27FC236}">
-                <a16:creationId xmlns:a16="http://schemas.microsoft.com/office/drawing/2014/main" id="{CBA53EEE-E3E1-D99E-A4DC-1C4DD2E6CE4A}"/>
-              </a:ext>
-            </a:extLst>
-          </p:cNvPr>
-          <p:cNvPicPr>
-            <a:picLocks noChangeAspect="1" noChangeArrowheads="1"/>
-          </p:cNvPicPr>
-          <p:nvPr/>
-        </p:nvPicPr>
-        <p:blipFill>
-          <a:blip r:embed="rId4" cstate="print">
-            <a:extLst>
-              <a:ext uri="{28A0092B-C50C-407E-A947-70E740481C1C}">
-                <a14:useLocalDpi xmlns:a14="http://schemas.microsoft.com/office/drawing/2010/main" val="0"/>
-              </a:ext>
-            </a:extLst>
-          </a:blip>
-          <a:srcRect/>
-          <a:stretch>
-            <a:fillRect/>
-          </a:stretch>
-        </p:blipFill>
-        <p:spPr bwMode="auto">
-          <a:xfrm>
-            <a:off x="1719601" y="2636893"/>
-            <a:ext cx="7531585" cy="5013211"/>
-          </a:xfrm>
-          <a:prstGeom prst="rect">
-            <a:avLst/>
-          </a:prstGeom>
-          <a:noFill/>
-          <a:extLst>
-            <a:ext uri="{909E8E84-426E-40DD-AFC4-6F175D3DCCD1}">
-              <a14:hiddenFill xmlns:a14="http://schemas.microsoft.com/office/drawing/2010/main">
-                <a:solidFill>
-                  <a:srgbClr val="FFFFFF"/>
-                </a:solidFill>
-              </a14:hiddenFill>
-            </a:ext>
-          </a:extLst>
-        </p:spPr>
-      </p:pic>
-      <p:pic>
-        <p:nvPicPr>
-          <p:cNvPr id="8" name="Picture 7" descr="Logo&#10;&#10;Description automatically generated">
-            <a:extLst>
-              <a:ext uri="{FF2B5EF4-FFF2-40B4-BE49-F238E27FC236}">
-                <a16:creationId xmlns:a16="http://schemas.microsoft.com/office/drawing/2014/main" id="{97E0F267-87DF-961E-1FAA-47FD4F27A5C6}"/>
-              </a:ext>
-            </a:extLst>
-          </p:cNvPr>
-          <p:cNvPicPr>
-            <a:picLocks noChangeAspect="1"/>
-          </p:cNvPicPr>
-          <p:nvPr/>
-        </p:nvPicPr>
-        <p:blipFill>
-          <a:blip r:embed="rId5" cstate="print">
-            <a:extLst>
-              <a:ext uri="{28A0092B-C50C-407E-A947-70E740481C1C}">
-                <a14:useLocalDpi xmlns:a14="http://schemas.microsoft.com/office/drawing/2010/main" val="0"/>
-              </a:ext>
-            </a:extLst>
-          </a:blip>
-          <a:stretch>
-            <a:fillRect/>
-          </a:stretch>
-        </p:blipFill>
-        <p:spPr>
-          <a:xfrm>
-            <a:off x="10336758" y="6210300"/>
-            <a:ext cx="7448309" cy="5462681"/>
-          </a:xfrm>
-          <a:prstGeom prst="rect">
-            <a:avLst/>
-          </a:prstGeom>
-        </p:spPr>
-      </p:pic>
-      <p:pic>
-        <p:nvPicPr>
-          <p:cNvPr id="1026" name="Picture 2" descr="Excel MVP Led Training - The Best Way to Learn Excel.">
-            <a:extLst>
-              <a:ext uri="{FF2B5EF4-FFF2-40B4-BE49-F238E27FC236}">
-                <a16:creationId xmlns:a16="http://schemas.microsoft.com/office/drawing/2014/main" id="{1541E3A8-702A-355A-01A5-FFB43F9DE736}"/>
-              </a:ext>
-            </a:extLst>
-          </p:cNvPr>
-          <p:cNvPicPr>
-            <a:picLocks noChangeAspect="1" noChangeArrowheads="1"/>
-          </p:cNvPicPr>
-          <p:nvPr/>
-        </p:nvPicPr>
-        <p:blipFill>
-          <a:blip r:embed="rId6">
-            <a:extLst>
-              <a:ext uri="{28A0092B-C50C-407E-A947-70E740481C1C}">
-                <a14:useLocalDpi xmlns:a14="http://schemas.microsoft.com/office/drawing/2010/main" val="0"/>
-              </a:ext>
-            </a:extLst>
-          </a:blip>
-          <a:srcRect/>
-          <a:stretch>
-            <a:fillRect/>
-          </a:stretch>
-        </p:blipFill>
-        <p:spPr bwMode="auto">
-          <a:xfrm>
-            <a:off x="1095268" y="8334375"/>
-            <a:ext cx="4028188" cy="1615827"/>
-          </a:xfrm>
-          <a:prstGeom prst="rect">
-            <a:avLst/>
-          </a:prstGeom>
-          <a:noFill/>
-          <a:extLst>
-            <a:ext uri="{909E8E84-426E-40DD-AFC4-6F175D3DCCD1}">
-              <a14:hiddenFill xmlns:a14="http://schemas.microsoft.com/office/drawing/2010/main">
-                <a:solidFill>
-                  <a:srgbClr val="FFFFFF"/>
-                </a:solidFill>
-              </a14:hiddenFill>
-            </a:ext>
-          </a:extLst>
-        </p:spPr>
-      </p:pic>
-      <p:pic>
-        <p:nvPicPr>
-          <p:cNvPr id="2" name="Picture 1">
-            <a:extLst>
-              <a:ext uri="{FF2B5EF4-FFF2-40B4-BE49-F238E27FC236}">
-                <a16:creationId xmlns:a16="http://schemas.microsoft.com/office/drawing/2014/main" id="{50A242DB-4587-B99F-C771-FCE1A2F66CC2}"/>
-              </a:ext>
-            </a:extLst>
-          </p:cNvPr>
-          <p:cNvPicPr>
-            <a:picLocks noChangeAspect="1"/>
-          </p:cNvPicPr>
-          <p:nvPr/>
-        </p:nvPicPr>
-        <p:blipFill>
-          <a:blip r:embed="rId7"/>
-          <a:stretch>
-            <a:fillRect/>
-          </a:stretch>
-        </p:blipFill>
-        <p:spPr>
-          <a:xfrm>
-            <a:off x="10023998" y="2990000"/>
-            <a:ext cx="3553241" cy="4660104"/>
-          </a:xfrm>
-          <a:prstGeom prst="rect">
-            <a:avLst/>
-          </a:prstGeom>
-        </p:spPr>
-      </p:pic>
-    </p:spTree>
-    <p:extLst>
-      <p:ext uri="{BB962C8B-B14F-4D97-AF65-F5344CB8AC3E}">
-        <p14:creationId xmlns:p14="http://schemas.microsoft.com/office/powerpoint/2010/main" val="166785523"/>
       </p:ext>
     </p:extLst>
   </p:cSld>
@@ -6485,7 +9459,13 @@
   <p:cSld>
     <p:spTree>
       <p:nvGrpSpPr>
-        <p:cNvPr id="1" name=""/>
+        <p:cNvPr id="1" name="">
+          <a:extLst>
+            <a:ext uri="{FF2B5EF4-FFF2-40B4-BE49-F238E27FC236}">
+              <a16:creationId xmlns:a16="http://schemas.microsoft.com/office/drawing/2014/main" id="{EEC02740-28AD-460F-A211-577657C48845}"/>
+            </a:ext>
+          </a:extLst>
+        </p:cNvPr>
         <p:cNvGrpSpPr/>
         <p:nvPr/>
       </p:nvGrpSpPr>
@@ -6499,14 +9479,20 @@
       </p:grpSpPr>
       <p:sp>
         <p:nvSpPr>
-          <p:cNvPr id="11" name="TextBox 10"/>
+          <p:cNvPr id="11" name="TextBox 10">
+            <a:extLst>
+              <a:ext uri="{FF2B5EF4-FFF2-40B4-BE49-F238E27FC236}">
+                <a16:creationId xmlns:a16="http://schemas.microsoft.com/office/drawing/2014/main" id="{2E1E712E-B9C6-FA0C-A9B2-CBE72927C96B}"/>
+              </a:ext>
+            </a:extLst>
+          </p:cNvPr>
           <p:cNvSpPr txBox="1"/>
           <p:nvPr/>
         </p:nvSpPr>
         <p:spPr>
           <a:xfrm>
             <a:off x="520861" y="170082"/>
-            <a:ext cx="16166939" cy="1107996"/>
+            <a:ext cx="17309939" cy="1477328"/>
           </a:xfrm>
           <a:prstGeom prst="rect">
             <a:avLst/>
@@ -6520,10 +9506,10 @@
           <a:lstStyle/>
           <a:p>
             <a:r>
-              <a:rPr lang="en-US" sz="6600" dirty="0">
+              <a:rPr lang="en-US" sz="9000" dirty="0">
                 <a:latin typeface="Aliens &amp; cows" panose="00000500000000000000" pitchFamily="2" charset="0"/>
               </a:rPr>
-              <a:t>The most ambitious crossover event in history</a:t>
+              <a:t>Python in Excel… not enough? </a:t>
             </a:r>
           </a:p>
         </p:txBody>
@@ -6533,7 +9519,7 @@
           <p:cNvPr id="15" name="Picture 14" descr="A close up of a sign&#10;&#10;Description automatically generated">
             <a:extLst>
               <a:ext uri="{FF2B5EF4-FFF2-40B4-BE49-F238E27FC236}">
-                <a16:creationId xmlns:a16="http://schemas.microsoft.com/office/drawing/2014/main" id="{29761B90-A7DE-4A60-A915-F085BD87CAB4}"/>
+                <a16:creationId xmlns:a16="http://schemas.microsoft.com/office/drawing/2014/main" id="{9B757948-7491-D3F2-54E1-C41EF5F541DD}"/>
               </a:ext>
             </a:extLst>
           </p:cNvPr>
@@ -6566,10 +9552,10 @@
       </p:pic>
       <p:pic>
         <p:nvPicPr>
-          <p:cNvPr id="6" name="Picture 5" descr="A rainbow colored logo on a black background&#10;&#10;Description automatically generated">
+          <p:cNvPr id="9" name="Picture 8">
             <a:extLst>
               <a:ext uri="{FF2B5EF4-FFF2-40B4-BE49-F238E27FC236}">
-                <a16:creationId xmlns:a16="http://schemas.microsoft.com/office/drawing/2014/main" id="{C2866380-30B4-458B-7A21-7BE3C090840D}"/>
+                <a16:creationId xmlns:a16="http://schemas.microsoft.com/office/drawing/2014/main" id="{4BFF9A4A-56CB-5A9E-6204-498BF4CC30E1}"/>
               </a:ext>
             </a:extLst>
           </p:cNvPr>
@@ -6579,93 +9565,15 @@
           <p:nvPr/>
         </p:nvPicPr>
         <p:blipFill>
-          <a:blip r:embed="rId4" cstate="print">
-            <a:extLst>
-              <a:ext uri="{28A0092B-C50C-407E-A947-70E740481C1C}">
-                <a14:useLocalDpi xmlns:a14="http://schemas.microsoft.com/office/drawing/2010/main" val="0"/>
-              </a:ext>
-            </a:extLst>
-          </a:blip>
+          <a:blip r:embed="rId4"/>
           <a:stretch>
             <a:fillRect/>
           </a:stretch>
         </p:blipFill>
         <p:spPr>
           <a:xfrm>
-            <a:off x="12053054" y="2754978"/>
-            <a:ext cx="5948960" cy="5948960"/>
-          </a:xfrm>
-          <a:prstGeom prst="rect">
-            <a:avLst/>
-          </a:prstGeom>
-        </p:spPr>
-      </p:pic>
-      <p:pic>
-        <p:nvPicPr>
-          <p:cNvPr id="8" name="Picture 7" descr="A green square with a white x on it&#10;&#10;Description automatically generated">
-            <a:extLst>
-              <a:ext uri="{FF2B5EF4-FFF2-40B4-BE49-F238E27FC236}">
-                <a16:creationId xmlns:a16="http://schemas.microsoft.com/office/drawing/2014/main" id="{49A2EDE9-1F8F-3D98-5D90-A473AB91A6F6}"/>
-              </a:ext>
-            </a:extLst>
-          </p:cNvPr>
-          <p:cNvPicPr>
-            <a:picLocks noChangeAspect="1"/>
-          </p:cNvPicPr>
-          <p:nvPr/>
-        </p:nvPicPr>
-        <p:blipFill>
-          <a:blip r:embed="rId5" cstate="print">
-            <a:extLst>
-              <a:ext uri="{28A0092B-C50C-407E-A947-70E740481C1C}">
-                <a14:useLocalDpi xmlns:a14="http://schemas.microsoft.com/office/drawing/2010/main" val="0"/>
-              </a:ext>
-            </a:extLst>
-          </a:blip>
-          <a:stretch>
-            <a:fillRect/>
-          </a:stretch>
-        </p:blipFill>
-        <p:spPr>
-          <a:xfrm>
-            <a:off x="5786322" y="2967993"/>
-            <a:ext cx="5932299" cy="5522929"/>
-          </a:xfrm>
-          <a:prstGeom prst="rect">
-            <a:avLst/>
-          </a:prstGeom>
-        </p:spPr>
-      </p:pic>
-      <p:pic>
-        <p:nvPicPr>
-          <p:cNvPr id="10" name="Picture 9" descr="A blue and yellow snake logo&#10;&#10;Description automatically generated">
-            <a:extLst>
-              <a:ext uri="{FF2B5EF4-FFF2-40B4-BE49-F238E27FC236}">
-                <a16:creationId xmlns:a16="http://schemas.microsoft.com/office/drawing/2014/main" id="{8543FE77-32A7-251C-01A1-46ACB62A469C}"/>
-              </a:ext>
-            </a:extLst>
-          </p:cNvPr>
-          <p:cNvPicPr>
-            <a:picLocks noChangeAspect="1"/>
-          </p:cNvPicPr>
-          <p:nvPr/>
-        </p:nvPicPr>
-        <p:blipFill>
-          <a:blip r:embed="rId6">
-            <a:extLst>
-              <a:ext uri="{28A0092B-C50C-407E-A947-70E740481C1C}">
-                <a14:useLocalDpi xmlns:a14="http://schemas.microsoft.com/office/drawing/2010/main" val="0"/>
-              </a:ext>
-            </a:extLst>
-          </a:blip>
-          <a:stretch>
-            <a:fillRect/>
-          </a:stretch>
-        </p:blipFill>
-        <p:spPr>
-          <a:xfrm>
-            <a:off x="293499" y="3390900"/>
-            <a:ext cx="5105400" cy="5603177"/>
+            <a:off x="1143000" y="1535139"/>
+            <a:ext cx="14685399" cy="8581779"/>
           </a:xfrm>
           <a:prstGeom prst="rect">
             <a:avLst/>
@@ -6675,7 +9583,7 @@
     </p:spTree>
     <p:extLst>
       <p:ext uri="{BB962C8B-B14F-4D97-AF65-F5344CB8AC3E}">
-        <p14:creationId xmlns:p14="http://schemas.microsoft.com/office/powerpoint/2010/main" val="4278852698"/>
+        <p14:creationId xmlns:p14="http://schemas.microsoft.com/office/powerpoint/2010/main" val="309856791"/>
       </p:ext>
     </p:extLst>
   </p:cSld>
@@ -6690,7 +9598,13 @@
   <p:cSld>
     <p:spTree>
       <p:nvGrpSpPr>
-        <p:cNvPr id="1" name=""/>
+        <p:cNvPr id="1" name="">
+          <a:extLst>
+            <a:ext uri="{FF2B5EF4-FFF2-40B4-BE49-F238E27FC236}">
+              <a16:creationId xmlns:a16="http://schemas.microsoft.com/office/drawing/2014/main" id="{091CEEB3-2C34-A0F9-1ABF-D9CB59C6521E}"/>
+            </a:ext>
+          </a:extLst>
+        </p:cNvPr>
         <p:cNvGrpSpPr/>
         <p:nvPr/>
       </p:nvGrpSpPr>
@@ -6704,62 +9618,20 @@
       </p:grpSpPr>
       <p:sp>
         <p:nvSpPr>
-          <p:cNvPr id="4" name="Rectangle 3"/>
-          <p:cNvSpPr/>
-          <p:nvPr/>
-        </p:nvSpPr>
-        <p:spPr>
-          <a:xfrm>
-            <a:off x="0" y="0"/>
-            <a:ext cx="18288000" cy="10287000"/>
-          </a:xfrm>
-          <a:prstGeom prst="rect">
-            <a:avLst/>
-          </a:prstGeom>
-          <a:solidFill>
-            <a:schemeClr val="bg1">
-              <a:lumMod val="50000"/>
-            </a:schemeClr>
-          </a:solidFill>
-          <a:ln>
-            <a:noFill/>
-          </a:ln>
-        </p:spPr>
-        <p:style>
-          <a:lnRef idx="2">
-            <a:schemeClr val="accent1">
-              <a:shade val="50000"/>
-            </a:schemeClr>
-          </a:lnRef>
-          <a:fillRef idx="1">
-            <a:schemeClr val="accent1"/>
-          </a:fillRef>
-          <a:effectRef idx="0">
-            <a:schemeClr val="accent1"/>
-          </a:effectRef>
-          <a:fontRef idx="minor">
-            <a:schemeClr val="lt1"/>
-          </a:fontRef>
-        </p:style>
-        <p:txBody>
-          <a:bodyPr rtlCol="0" anchor="ctr"/>
-          <a:lstStyle/>
-          <a:p>
-            <a:pPr algn="ctr"/>
-            <a:endParaRPr lang="en-US" sz="2700"/>
-          </a:p>
-        </p:txBody>
-      </p:sp>
-      <p:sp>
-        <p:nvSpPr>
-          <p:cNvPr id="5" name="TextBox 4"/>
+          <p:cNvPr id="11" name="TextBox 10">
+            <a:extLst>
+              <a:ext uri="{FF2B5EF4-FFF2-40B4-BE49-F238E27FC236}">
+                <a16:creationId xmlns:a16="http://schemas.microsoft.com/office/drawing/2014/main" id="{9D45D45D-6A62-2FCB-690F-9458780F61D9}"/>
+              </a:ext>
+            </a:extLst>
+          </p:cNvPr>
           <p:cNvSpPr txBox="1"/>
           <p:nvPr/>
         </p:nvSpPr>
         <p:spPr>
           <a:xfrm>
-            <a:off x="781292" y="590309"/>
-            <a:ext cx="15486926" cy="3139321"/>
+            <a:off x="520861" y="170082"/>
+            <a:ext cx="17309939" cy="1477328"/>
           </a:xfrm>
           <a:prstGeom prst="rect">
             <a:avLst/>
@@ -6773,23 +9645,20 @@
           <a:lstStyle/>
           <a:p>
             <a:r>
-              <a:rPr lang="en-US" sz="9900" b="1" dirty="0">
-                <a:solidFill>
-                  <a:schemeClr val="bg1"/>
-                </a:solidFill>
-                <a:latin typeface="Normafixed Tryout" panose="00000409000000000000"/>
+              <a:rPr lang="en-US" sz="9000" dirty="0">
+                <a:latin typeface="Aliens &amp; cows" panose="00000500000000000000" pitchFamily="2" charset="0"/>
               </a:rPr>
-              <a:t>Why Python + Copilot + Excel? </a:t>
+              <a:t>Python in Excel… not enough? </a:t>
             </a:r>
           </a:p>
         </p:txBody>
       </p:sp>
       <p:pic>
         <p:nvPicPr>
-          <p:cNvPr id="3" name="Picture 2" descr="A screenshot of a social media post&#10;&#10;AI-generated content may be incorrect.">
+          <p:cNvPr id="15" name="Picture 14" descr="A close up of a sign&#10;&#10;Description automatically generated">
             <a:extLst>
               <a:ext uri="{FF2B5EF4-FFF2-40B4-BE49-F238E27FC236}">
-                <a16:creationId xmlns:a16="http://schemas.microsoft.com/office/drawing/2014/main" id="{C7653CFE-9F92-7113-BF61-7DAB94F9A586}"/>
+                <a16:creationId xmlns:a16="http://schemas.microsoft.com/office/drawing/2014/main" id="{B35A100B-4E0B-69D0-8339-1C212377B0EA}"/>
               </a:ext>
             </a:extLst>
           </p:cNvPr>
@@ -6806,13 +9675,14 @@
               </a:ext>
             </a:extLst>
           </a:blip>
-          <a:srcRect l="11316" t="36253" r="22676" b="33992"/>
-          <a:stretch/>
+          <a:stretch>
+            <a:fillRect/>
+          </a:stretch>
         </p:blipFill>
         <p:spPr>
           <a:xfrm>
-            <a:off x="1447800" y="7048500"/>
-            <a:ext cx="5449802" cy="2456672"/>
+            <a:off x="16341036" y="8058429"/>
+            <a:ext cx="1942857" cy="2228571"/>
           </a:xfrm>
           <a:prstGeom prst="rect">
             <a:avLst/>
@@ -6821,10 +9691,10 @@
       </p:pic>
       <p:pic>
         <p:nvPicPr>
-          <p:cNvPr id="7" name="Picture 6">
+          <p:cNvPr id="5" name="Content Placeholder 4" descr="A screenshot of a computer&#10;&#10;AI-generated content may be incorrect.">
             <a:extLst>
               <a:ext uri="{FF2B5EF4-FFF2-40B4-BE49-F238E27FC236}">
-                <a16:creationId xmlns:a16="http://schemas.microsoft.com/office/drawing/2014/main" id="{80C68F4E-3752-F903-C6B1-76A097DDBBEA}"/>
+                <a16:creationId xmlns:a16="http://schemas.microsoft.com/office/drawing/2014/main" id="{9B083A41-822E-24E2-B244-F70D3EA0F905}"/>
               </a:ext>
             </a:extLst>
           </p:cNvPr>
@@ -6834,15 +9704,20 @@
           <p:nvPr/>
         </p:nvPicPr>
         <p:blipFill>
-          <a:blip r:embed="rId4"/>
-          <a:stretch>
-            <a:fillRect/>
-          </a:stretch>
+          <a:blip r:embed="rId4">
+            <a:extLst>
+              <a:ext uri="{28A0092B-C50C-407E-A947-70E740481C1C}">
+                <a14:useLocalDpi xmlns:a14="http://schemas.microsoft.com/office/drawing/2010/main" val="0"/>
+              </a:ext>
+            </a:extLst>
+          </a:blip>
+          <a:srcRect t="20604" b="21301"/>
+          <a:stretch/>
         </p:blipFill>
         <p:spPr>
           <a:xfrm>
-            <a:off x="7295909" y="2400300"/>
-            <a:ext cx="9982200" cy="5708539"/>
+            <a:off x="2743200" y="2095500"/>
+            <a:ext cx="12115800" cy="7038703"/>
           </a:xfrm>
           <a:prstGeom prst="rect">
             <a:avLst/>
@@ -6852,7 +9727,7 @@
     </p:spTree>
     <p:extLst>
       <p:ext uri="{BB962C8B-B14F-4D97-AF65-F5344CB8AC3E}">
-        <p14:creationId xmlns:p14="http://schemas.microsoft.com/office/powerpoint/2010/main" val="4027644425"/>
+        <p14:creationId xmlns:p14="http://schemas.microsoft.com/office/powerpoint/2010/main" val="2446553207"/>
       </p:ext>
     </p:extLst>
   </p:cSld>
@@ -6867,7 +9742,13 @@
   <p:cSld>
     <p:spTree>
       <p:nvGrpSpPr>
-        <p:cNvPr id="1" name=""/>
+        <p:cNvPr id="1" name="">
+          <a:extLst>
+            <a:ext uri="{FF2B5EF4-FFF2-40B4-BE49-F238E27FC236}">
+              <a16:creationId xmlns:a16="http://schemas.microsoft.com/office/drawing/2014/main" id="{4C3292F4-83A3-1C6F-5664-DBAAF91DE021}"/>
+            </a:ext>
+          </a:extLst>
+        </p:cNvPr>
         <p:cNvGrpSpPr/>
         <p:nvPr/>
       </p:nvGrpSpPr>
@@ -6881,88 +9762,185 @@
       </p:grpSpPr>
       <p:sp>
         <p:nvSpPr>
-          <p:cNvPr id="4" name="Rectangle 3"/>
-          <p:cNvSpPr/>
+          <p:cNvPr id="11" name="TextBox 10">
+            <a:extLst>
+              <a:ext uri="{FF2B5EF4-FFF2-40B4-BE49-F238E27FC236}">
+                <a16:creationId xmlns:a16="http://schemas.microsoft.com/office/drawing/2014/main" id="{9D5F29C7-0C01-750E-23AF-E6AB785C720B}"/>
+              </a:ext>
+            </a:extLst>
+          </p:cNvPr>
+          <p:cNvSpPr txBox="1"/>
           <p:nvPr/>
         </p:nvSpPr>
         <p:spPr>
           <a:xfrm>
-            <a:off x="0" y="0"/>
-            <a:ext cx="18288000" cy="10287000"/>
+            <a:off x="520861" y="170082"/>
+            <a:ext cx="17309939" cy="1477328"/>
           </a:xfrm>
           <a:prstGeom prst="rect">
             <a:avLst/>
           </a:prstGeom>
-          <a:solidFill>
-            <a:srgbClr val="CF3338"/>
-          </a:solidFill>
+          <a:noFill/>
+        </p:spPr>
+        <p:txBody>
+          <a:bodyPr wrap="square" rtlCol="0">
+            <a:spAutoFit/>
+          </a:bodyPr>
+          <a:lstStyle/>
+          <a:p>
+            <a:r>
+              <a:rPr lang="en-US" sz="9000" dirty="0">
+                <a:latin typeface="Aliens &amp; cows" panose="00000500000000000000" pitchFamily="2" charset="0"/>
+              </a:rPr>
+              <a:t>Python in Excel… not enough? </a:t>
+            </a:r>
+          </a:p>
+        </p:txBody>
+      </p:sp>
+      <p:pic>
+        <p:nvPicPr>
+          <p:cNvPr id="15" name="Picture 14" descr="A close up of a sign&#10;&#10;Description automatically generated">
+            <a:extLst>
+              <a:ext uri="{FF2B5EF4-FFF2-40B4-BE49-F238E27FC236}">
+                <a16:creationId xmlns:a16="http://schemas.microsoft.com/office/drawing/2014/main" id="{1A6AE21C-E781-26C7-550B-6295B1F44958}"/>
+              </a:ext>
+            </a:extLst>
+          </p:cNvPr>
+          <p:cNvPicPr>
+            <a:picLocks noChangeAspect="1"/>
+          </p:cNvPicPr>
+          <p:nvPr/>
+        </p:nvPicPr>
+        <p:blipFill>
+          <a:blip r:embed="rId3">
+            <a:extLst>
+              <a:ext uri="{28A0092B-C50C-407E-A947-70E740481C1C}">
+                <a14:useLocalDpi xmlns:a14="http://schemas.microsoft.com/office/drawing/2010/main" val="0"/>
+              </a:ext>
+            </a:extLst>
+          </a:blip>
+          <a:stretch>
+            <a:fillRect/>
+          </a:stretch>
+        </p:blipFill>
+        <p:spPr>
+          <a:xfrm>
+            <a:off x="16341036" y="8058429"/>
+            <a:ext cx="1942857" cy="2228571"/>
+          </a:xfrm>
+          <a:prstGeom prst="rect">
+            <a:avLst/>
+          </a:prstGeom>
+        </p:spPr>
+      </p:pic>
+      <p:pic>
+        <p:nvPicPr>
+          <p:cNvPr id="9" name="Picture 8">
+            <a:extLst>
+              <a:ext uri="{FF2B5EF4-FFF2-40B4-BE49-F238E27FC236}">
+                <a16:creationId xmlns:a16="http://schemas.microsoft.com/office/drawing/2014/main" id="{1525273F-47DE-8F83-6D97-844CA34B1589}"/>
+              </a:ext>
+            </a:extLst>
+          </p:cNvPr>
+          <p:cNvPicPr>
+            <a:picLocks noChangeAspect="1"/>
+          </p:cNvPicPr>
+          <p:nvPr/>
+        </p:nvPicPr>
+        <p:blipFill>
+          <a:blip r:embed="rId4"/>
+          <a:stretch>
+            <a:fillRect/>
+          </a:stretch>
+        </p:blipFill>
+        <p:spPr>
+          <a:xfrm>
+            <a:off x="1143000" y="1535139"/>
+            <a:ext cx="14685399" cy="8581779"/>
+          </a:xfrm>
+          <a:prstGeom prst="rect">
+            <a:avLst/>
+          </a:prstGeom>
+        </p:spPr>
+      </p:pic>
+      <p:sp>
+        <p:nvSpPr>
+          <p:cNvPr id="2" name="TextBox 1">
+            <a:extLst>
+              <a:ext uri="{FF2B5EF4-FFF2-40B4-BE49-F238E27FC236}">
+                <a16:creationId xmlns:a16="http://schemas.microsoft.com/office/drawing/2014/main" id="{8F3ABE0A-8844-18DC-2637-915FDFA719E9}"/>
+              </a:ext>
+            </a:extLst>
+          </p:cNvPr>
+          <p:cNvSpPr txBox="1"/>
+          <p:nvPr/>
+        </p:nvSpPr>
+        <p:spPr>
+          <a:xfrm>
+            <a:off x="10287000" y="5520898"/>
+            <a:ext cx="2400837" cy="646331"/>
+          </a:xfrm>
+          <a:prstGeom prst="rect">
+            <a:avLst/>
+          </a:prstGeom>
+          <a:noFill/>
+        </p:spPr>
+        <p:txBody>
+          <a:bodyPr wrap="square" rtlCol="0">
+            <a:spAutoFit/>
+          </a:bodyPr>
+          <a:lstStyle/>
+          <a:p>
+            <a:r>
+              <a:rPr lang="en-US" b="1" dirty="0"/>
+              <a:t>Python in Excel announcement</a:t>
+            </a:r>
+          </a:p>
+        </p:txBody>
+      </p:sp>
+      <p:cxnSp>
+        <p:nvCxnSpPr>
+          <p:cNvPr id="4" name="Straight Arrow Connector 3">
+            <a:extLst>
+              <a:ext uri="{FF2B5EF4-FFF2-40B4-BE49-F238E27FC236}">
+                <a16:creationId xmlns:a16="http://schemas.microsoft.com/office/drawing/2014/main" id="{A28A3768-E5BE-DEB2-F0A4-DA385E8201F0}"/>
+              </a:ext>
+            </a:extLst>
+          </p:cNvPr>
+          <p:cNvCxnSpPr/>
+          <p:nvPr/>
+        </p:nvCxnSpPr>
+        <p:spPr>
+          <a:xfrm>
+            <a:off x="10896600" y="6134100"/>
+            <a:ext cx="304800" cy="457200"/>
+          </a:xfrm>
+          <a:prstGeom prst="straightConnector1">
+            <a:avLst/>
+          </a:prstGeom>
           <a:ln>
-            <a:noFill/>
+            <a:tailEnd type="triangle"/>
           </a:ln>
         </p:spPr>
         <p:style>
-          <a:lnRef idx="2">
-            <a:schemeClr val="accent1">
-              <a:shade val="50000"/>
-            </a:schemeClr>
+          <a:lnRef idx="1">
+            <a:schemeClr val="accent1"/>
           </a:lnRef>
-          <a:fillRef idx="1">
+          <a:fillRef idx="0">
             <a:schemeClr val="accent1"/>
           </a:fillRef>
           <a:effectRef idx="0">
             <a:schemeClr val="accent1"/>
           </a:effectRef>
           <a:fontRef idx="minor">
-            <a:schemeClr val="lt1"/>
+            <a:schemeClr val="tx1"/>
           </a:fontRef>
         </p:style>
-        <p:txBody>
-          <a:bodyPr rtlCol="0" anchor="ctr"/>
-          <a:lstStyle/>
-          <a:p>
-            <a:pPr algn="ctr"/>
-            <a:endParaRPr lang="en-US" sz="2700"/>
-          </a:p>
-        </p:txBody>
-      </p:sp>
-      <p:sp>
-        <p:nvSpPr>
-          <p:cNvPr id="5" name="TextBox 4"/>
-          <p:cNvSpPr txBox="1"/>
-          <p:nvPr/>
-        </p:nvSpPr>
-        <p:spPr>
-          <a:xfrm>
-            <a:off x="781292" y="590309"/>
-            <a:ext cx="15486926" cy="1615827"/>
-          </a:xfrm>
-          <a:prstGeom prst="rect">
-            <a:avLst/>
-          </a:prstGeom>
-          <a:noFill/>
-        </p:spPr>
-        <p:txBody>
-          <a:bodyPr wrap="square" rtlCol="0">
-            <a:spAutoFit/>
-          </a:bodyPr>
-          <a:lstStyle/>
-          <a:p>
-            <a:r>
-              <a:rPr lang="en-US" sz="9900" b="1" dirty="0">
-                <a:solidFill>
-                  <a:schemeClr val="bg1"/>
-                </a:solidFill>
-                <a:latin typeface="Normafixed Tryout" panose="00000409000000000000" pitchFamily="49" charset="0"/>
-              </a:rPr>
-              <a:t>Time for a demo….</a:t>
-            </a:r>
-          </a:p>
-        </p:txBody>
-      </p:sp>
+      </p:cxnSp>
     </p:spTree>
     <p:extLst>
       <p:ext uri="{BB962C8B-B14F-4D97-AF65-F5344CB8AC3E}">
-        <p14:creationId xmlns:p14="http://schemas.microsoft.com/office/powerpoint/2010/main" val="499476257"/>
+        <p14:creationId xmlns:p14="http://schemas.microsoft.com/office/powerpoint/2010/main" val="1222409867"/>
       </p:ext>
     </p:extLst>
   </p:cSld>
@@ -6977,7 +9955,13 @@
   <p:cSld>
     <p:spTree>
       <p:nvGrpSpPr>
-        <p:cNvPr id="1" name=""/>
+        <p:cNvPr id="1" name="">
+          <a:extLst>
+            <a:ext uri="{FF2B5EF4-FFF2-40B4-BE49-F238E27FC236}">
+              <a16:creationId xmlns:a16="http://schemas.microsoft.com/office/drawing/2014/main" id="{269EEF0D-65B5-C717-1024-9E62CF831FC1}"/>
+            </a:ext>
+          </a:extLst>
+        </p:cNvPr>
         <p:cNvGrpSpPr/>
         <p:nvPr/>
       </p:nvGrpSpPr>
@@ -6991,118 +9975,261 @@
       </p:grpSpPr>
       <p:sp>
         <p:nvSpPr>
-          <p:cNvPr id="2" name="Title 1">
+          <p:cNvPr id="11" name="TextBox 10">
             <a:extLst>
               <a:ext uri="{FF2B5EF4-FFF2-40B4-BE49-F238E27FC236}">
-                <a16:creationId xmlns:a16="http://schemas.microsoft.com/office/drawing/2014/main" id="{43942A2F-0236-3C90-83A5-C98ADCC50CAC}"/>
+                <a16:creationId xmlns:a16="http://schemas.microsoft.com/office/drawing/2014/main" id="{5111F9C3-190F-1BCC-B97C-ADCC61A9325B}"/>
               </a:ext>
             </a:extLst>
           </p:cNvPr>
-          <p:cNvSpPr>
-            <a:spLocks noGrp="1"/>
-          </p:cNvSpPr>
-          <p:nvPr>
-            <p:ph type="title"/>
-          </p:nvPr>
-        </p:nvSpPr>
-        <p:spPr/>
-        <p:txBody>
-          <a:bodyPr/>
+          <p:cNvSpPr txBox="1"/>
+          <p:nvPr/>
+        </p:nvSpPr>
+        <p:spPr>
+          <a:xfrm>
+            <a:off x="520861" y="170082"/>
+            <a:ext cx="17309939" cy="1477328"/>
+          </a:xfrm>
+          <a:prstGeom prst="rect">
+            <a:avLst/>
+          </a:prstGeom>
+          <a:noFill/>
+        </p:spPr>
+        <p:txBody>
+          <a:bodyPr wrap="square" rtlCol="0">
+            <a:spAutoFit/>
+          </a:bodyPr>
           <a:lstStyle/>
           <a:p>
-            <a:endParaRPr lang="en-US"/>
-          </a:p>
-        </p:txBody>
-      </p:sp>
-      <p:sp>
-        <p:nvSpPr>
-          <p:cNvPr id="3" name="Content Placeholder 2">
+            <a:r>
+              <a:rPr lang="en-US" sz="9000" dirty="0">
+                <a:latin typeface="Aliens &amp; cows" panose="00000500000000000000" pitchFamily="2" charset="0"/>
+              </a:rPr>
+              <a:t>Python in Excel… not enough? </a:t>
+            </a:r>
+          </a:p>
+        </p:txBody>
+      </p:sp>
+      <p:pic>
+        <p:nvPicPr>
+          <p:cNvPr id="15" name="Picture 14" descr="A close up of a sign&#10;&#10;Description automatically generated">
             <a:extLst>
               <a:ext uri="{FF2B5EF4-FFF2-40B4-BE49-F238E27FC236}">
-                <a16:creationId xmlns:a16="http://schemas.microsoft.com/office/drawing/2014/main" id="{35443616-125B-1B32-E7C0-F8CA62EE404C}"/>
+                <a16:creationId xmlns:a16="http://schemas.microsoft.com/office/drawing/2014/main" id="{9B05DFC7-9065-3C94-1F22-BF47A6D694C8}"/>
               </a:ext>
             </a:extLst>
           </p:cNvPr>
-          <p:cNvSpPr>
-            <a:spLocks noGrp="1"/>
-          </p:cNvSpPr>
-          <p:nvPr>
-            <p:ph idx="1"/>
-          </p:nvPr>
-        </p:nvSpPr>
-        <p:spPr/>
-        <p:txBody>
-          <a:bodyPr/>
+          <p:cNvPicPr>
+            <a:picLocks noChangeAspect="1"/>
+          </p:cNvPicPr>
+          <p:nvPr/>
+        </p:nvPicPr>
+        <p:blipFill>
+          <a:blip r:embed="rId3">
+            <a:extLst>
+              <a:ext uri="{28A0092B-C50C-407E-A947-70E740481C1C}">
+                <a14:useLocalDpi xmlns:a14="http://schemas.microsoft.com/office/drawing/2010/main" val="0"/>
+              </a:ext>
+            </a:extLst>
+          </a:blip>
+          <a:stretch>
+            <a:fillRect/>
+          </a:stretch>
+        </p:blipFill>
+        <p:spPr>
+          <a:xfrm>
+            <a:off x="16341036" y="8058429"/>
+            <a:ext cx="1942857" cy="2228571"/>
+          </a:xfrm>
+          <a:prstGeom prst="rect">
+            <a:avLst/>
+          </a:prstGeom>
+        </p:spPr>
+      </p:pic>
+      <p:pic>
+        <p:nvPicPr>
+          <p:cNvPr id="9" name="Picture 8">
+            <a:extLst>
+              <a:ext uri="{FF2B5EF4-FFF2-40B4-BE49-F238E27FC236}">
+                <a16:creationId xmlns:a16="http://schemas.microsoft.com/office/drawing/2014/main" id="{5B7695D6-105D-AB05-B34C-F2F4327B3BCC}"/>
+              </a:ext>
+            </a:extLst>
+          </p:cNvPr>
+          <p:cNvPicPr>
+            <a:picLocks noChangeAspect="1"/>
+          </p:cNvPicPr>
+          <p:nvPr/>
+        </p:nvPicPr>
+        <p:blipFill>
+          <a:blip r:embed="rId4"/>
+          <a:stretch>
+            <a:fillRect/>
+          </a:stretch>
+        </p:blipFill>
+        <p:spPr>
+          <a:xfrm>
+            <a:off x="1143000" y="1535139"/>
+            <a:ext cx="14685399" cy="8581779"/>
+          </a:xfrm>
+          <a:prstGeom prst="rect">
+            <a:avLst/>
+          </a:prstGeom>
+        </p:spPr>
+      </p:pic>
+      <p:sp>
+        <p:nvSpPr>
+          <p:cNvPr id="2" name="TextBox 1">
+            <a:extLst>
+              <a:ext uri="{FF2B5EF4-FFF2-40B4-BE49-F238E27FC236}">
+                <a16:creationId xmlns:a16="http://schemas.microsoft.com/office/drawing/2014/main" id="{3C260E65-EC0D-81C7-FC57-AB785A85477C}"/>
+              </a:ext>
+            </a:extLst>
+          </p:cNvPr>
+          <p:cNvSpPr txBox="1"/>
+          <p:nvPr/>
+        </p:nvSpPr>
+        <p:spPr>
+          <a:xfrm>
+            <a:off x="10287000" y="5520898"/>
+            <a:ext cx="2400837" cy="646331"/>
+          </a:xfrm>
+          <a:prstGeom prst="rect">
+            <a:avLst/>
+          </a:prstGeom>
+          <a:noFill/>
+        </p:spPr>
+        <p:txBody>
+          <a:bodyPr wrap="square" rtlCol="0">
+            <a:spAutoFit/>
+          </a:bodyPr>
           <a:lstStyle/>
           <a:p>
-            <a:endParaRPr lang="en-US"/>
-          </a:p>
-        </p:txBody>
-      </p:sp>
-      <mc:AlternateContent xmlns:mc="http://schemas.openxmlformats.org/markup-compatibility/2006">
-        <mc:Choice xmlns:we="http://schemas.microsoft.com/office/webextensions/webextension/2010/11" xmlns:pca="http://schemas.microsoft.com/office/powerpoint/2013/contentapp" Requires="we pca">
-          <p:graphicFrame>
-            <p:nvGraphicFramePr>
-              <p:cNvPr id="4" name="Add-in 3">
-                <a:extLst>
-                  <a:ext uri="{FF2B5EF4-FFF2-40B4-BE49-F238E27FC236}">
-                    <a16:creationId xmlns:a16="http://schemas.microsoft.com/office/drawing/2014/main" id="{3EA4D709-E8B6-D503-769E-C2259A61B4C2}"/>
-                  </a:ext>
-                </a:extLst>
-              </p:cNvPr>
-              <p:cNvGraphicFramePr>
-                <a:graphicFrameLocks noGrp="1"/>
-              </p:cNvGraphicFramePr>
-              <p:nvPr/>
-            </p:nvGraphicFramePr>
-            <p:xfrm>
-              <a:off x="0" y="0"/>
-              <a:ext cx="18288000" cy="10287000"/>
-            </p:xfrm>
-            <a:graphic>
-              <a:graphicData uri="http://schemas.microsoft.com/office/webextensions/webextension/2010/11">
-                <we:webextensionref xmlns:we="http://schemas.microsoft.com/office/webextensions/webextension/2010/11" xmlns:r="http://schemas.openxmlformats.org/officeDocument/2006/relationships" r:id="rId2"/>
-              </a:graphicData>
-            </a:graphic>
-          </p:graphicFrame>
-        </mc:Choice>
-        <mc:Fallback>
-          <p:pic>
-            <p:nvPicPr>
-              <p:cNvPr id="4" name="Add-in 3">
-                <a:extLst>
-                  <a:ext uri="{FF2B5EF4-FFF2-40B4-BE49-F238E27FC236}">
-                    <a16:creationId xmlns:a16="http://schemas.microsoft.com/office/drawing/2014/main" id="{3EA4D709-E8B6-D503-769E-C2259A61B4C2}"/>
-                  </a:ext>
-                </a:extLst>
-              </p:cNvPr>
-              <p:cNvPicPr>
-                <a:picLocks noGrp="1" noRot="1" noChangeAspect="1" noMove="1" noResize="1" noEditPoints="1" noAdjustHandles="1" noChangeArrowheads="1" noChangeShapeType="1"/>
-              </p:cNvPicPr>
-              <p:nvPr/>
-            </p:nvPicPr>
-            <p:blipFill>
-              <a:blip r:embed="rId3"/>
-              <a:stretch>
-                <a:fillRect/>
-              </a:stretch>
-            </p:blipFill>
-            <p:spPr>
-              <a:xfrm>
-                <a:off x="0" y="0"/>
-                <a:ext cx="18288000" cy="10287000"/>
-              </a:xfrm>
-              <a:prstGeom prst="rect">
-                <a:avLst/>
-              </a:prstGeom>
-            </p:spPr>
-          </p:pic>
-        </mc:Fallback>
-      </mc:AlternateContent>
+            <a:r>
+              <a:rPr lang="en-US" b="1" dirty="0"/>
+              <a:t>Python in Excel announcement</a:t>
+            </a:r>
+          </a:p>
+        </p:txBody>
+      </p:sp>
+      <p:cxnSp>
+        <p:nvCxnSpPr>
+          <p:cNvPr id="4" name="Straight Arrow Connector 3">
+            <a:extLst>
+              <a:ext uri="{FF2B5EF4-FFF2-40B4-BE49-F238E27FC236}">
+                <a16:creationId xmlns:a16="http://schemas.microsoft.com/office/drawing/2014/main" id="{5F68EF36-39DD-CCEC-F2D3-B88B8F4D8CE9}"/>
+              </a:ext>
+            </a:extLst>
+          </p:cNvPr>
+          <p:cNvCxnSpPr/>
+          <p:nvPr/>
+        </p:nvCxnSpPr>
+        <p:spPr>
+          <a:xfrm>
+            <a:off x="10896600" y="6134100"/>
+            <a:ext cx="304800" cy="457200"/>
+          </a:xfrm>
+          <a:prstGeom prst="straightConnector1">
+            <a:avLst/>
+          </a:prstGeom>
+          <a:ln>
+            <a:tailEnd type="triangle"/>
+          </a:ln>
+        </p:spPr>
+        <p:style>
+          <a:lnRef idx="1">
+            <a:schemeClr val="accent1"/>
+          </a:lnRef>
+          <a:fillRef idx="0">
+            <a:schemeClr val="accent1"/>
+          </a:fillRef>
+          <a:effectRef idx="0">
+            <a:schemeClr val="accent1"/>
+          </a:effectRef>
+          <a:fontRef idx="minor">
+            <a:schemeClr val="tx1"/>
+          </a:fontRef>
+        </p:style>
+      </p:cxnSp>
+      <p:sp>
+        <p:nvSpPr>
+          <p:cNvPr id="3" name="TextBox 2">
+            <a:extLst>
+              <a:ext uri="{FF2B5EF4-FFF2-40B4-BE49-F238E27FC236}">
+                <a16:creationId xmlns:a16="http://schemas.microsoft.com/office/drawing/2014/main" id="{FCF6F5AA-1362-9E0A-E65F-E9991991C318}"/>
+              </a:ext>
+            </a:extLst>
+          </p:cNvPr>
+          <p:cNvSpPr txBox="1"/>
+          <p:nvPr/>
+        </p:nvSpPr>
+        <p:spPr>
+          <a:xfrm>
+            <a:off x="11823539" y="6580031"/>
+            <a:ext cx="2400837" cy="646331"/>
+          </a:xfrm>
+          <a:prstGeom prst="rect">
+            <a:avLst/>
+          </a:prstGeom>
+          <a:noFill/>
+        </p:spPr>
+        <p:txBody>
+          <a:bodyPr wrap="square" rtlCol="0">
+            <a:spAutoFit/>
+          </a:bodyPr>
+          <a:lstStyle/>
+          <a:p>
+            <a:r>
+              <a:rPr lang="en-US" b="1" dirty="0"/>
+              <a:t>Copilot in Excel announcement</a:t>
+            </a:r>
+          </a:p>
+        </p:txBody>
+      </p:sp>
+      <p:cxnSp>
+        <p:nvCxnSpPr>
+          <p:cNvPr id="7" name="Straight Arrow Connector 6">
+            <a:extLst>
+              <a:ext uri="{FF2B5EF4-FFF2-40B4-BE49-F238E27FC236}">
+                <a16:creationId xmlns:a16="http://schemas.microsoft.com/office/drawing/2014/main" id="{D87C07B4-6C8B-41AC-DF91-B2D65092E87C}"/>
+              </a:ext>
+            </a:extLst>
+          </p:cNvPr>
+          <p:cNvCxnSpPr>
+            <a:cxnSpLocks/>
+          </p:cNvCxnSpPr>
+          <p:nvPr/>
+        </p:nvCxnSpPr>
+        <p:spPr>
+          <a:xfrm>
+            <a:off x="12535437" y="7155307"/>
+            <a:ext cx="266163" cy="376979"/>
+          </a:xfrm>
+          <a:prstGeom prst="straightConnector1">
+            <a:avLst/>
+          </a:prstGeom>
+          <a:ln>
+            <a:tailEnd type="triangle"/>
+          </a:ln>
+        </p:spPr>
+        <p:style>
+          <a:lnRef idx="1">
+            <a:schemeClr val="accent1"/>
+          </a:lnRef>
+          <a:fillRef idx="0">
+            <a:schemeClr val="accent1"/>
+          </a:fillRef>
+          <a:effectRef idx="0">
+            <a:schemeClr val="accent1"/>
+          </a:effectRef>
+          <a:fontRef idx="minor">
+            <a:schemeClr val="tx1"/>
+          </a:fontRef>
+        </p:style>
+      </p:cxnSp>
     </p:spTree>
     <p:extLst>
       <p:ext uri="{BB962C8B-B14F-4D97-AF65-F5344CB8AC3E}">
-        <p14:creationId xmlns:p14="http://schemas.microsoft.com/office/powerpoint/2010/main" val="2267041405"/>
+        <p14:creationId xmlns:p14="http://schemas.microsoft.com/office/powerpoint/2010/main" val="1303434416"/>
       </p:ext>
     </p:extLst>
   </p:cSld>
@@ -7120,7 +10247,7 @@
         <p:cNvPr id="1" name="">
           <a:extLst>
             <a:ext uri="{FF2B5EF4-FFF2-40B4-BE49-F238E27FC236}">
-              <a16:creationId xmlns:a16="http://schemas.microsoft.com/office/drawing/2014/main" id="{0440A484-D799-E7C5-746B-5D4186690A7C}"/>
+              <a16:creationId xmlns:a16="http://schemas.microsoft.com/office/drawing/2014/main" id="{7CB57E0C-CD5D-1F66-D78F-85F7AD37178E}"/>
             </a:ext>
           </a:extLst>
         </p:cNvPr>
@@ -7140,7 +10267,7 @@
           <p:cNvPr id="11" name="TextBox 10">
             <a:extLst>
               <a:ext uri="{FF2B5EF4-FFF2-40B4-BE49-F238E27FC236}">
-                <a16:creationId xmlns:a16="http://schemas.microsoft.com/office/drawing/2014/main" id="{90FB1869-0BB6-A5E1-C306-E3FCC05D0AF0}"/>
+                <a16:creationId xmlns:a16="http://schemas.microsoft.com/office/drawing/2014/main" id="{3CBAD0C8-3388-B55E-06C7-A57EAB05E6EE}"/>
               </a:ext>
             </a:extLst>
           </p:cNvPr>
@@ -7150,7 +10277,7 @@
         <p:spPr>
           <a:xfrm>
             <a:off x="520861" y="170082"/>
-            <a:ext cx="11979797" cy="1477328"/>
+            <a:ext cx="17309939" cy="1477328"/>
           </a:xfrm>
           <a:prstGeom prst="rect">
             <a:avLst/>
@@ -7167,7 +10294,7 @@
               <a:rPr lang="en-US" sz="9000" dirty="0">
                 <a:latin typeface="Aliens &amp; cows" panose="00000500000000000000" pitchFamily="2" charset="0"/>
               </a:rPr>
-              <a:t>The future of Excel?</a:t>
+              <a:t>Copilot in Excel… not enough? </a:t>
             </a:r>
           </a:p>
         </p:txBody>
@@ -7177,7 +10304,7 @@
           <p:cNvPr id="15" name="Picture 14" descr="A close up of a sign&#10;&#10;Description automatically generated">
             <a:extLst>
               <a:ext uri="{FF2B5EF4-FFF2-40B4-BE49-F238E27FC236}">
-                <a16:creationId xmlns:a16="http://schemas.microsoft.com/office/drawing/2014/main" id="{5C3FC969-6967-08A2-5253-5B1B6302B7F5}"/>
+                <a16:creationId xmlns:a16="http://schemas.microsoft.com/office/drawing/2014/main" id="{660E875A-F3EB-CB08-8ABE-3C1C328FC93C}"/>
               </a:ext>
             </a:extLst>
           </p:cNvPr>
@@ -7187,7 +10314,7 @@
           <p:nvPr/>
         </p:nvPicPr>
         <p:blipFill>
-          <a:blip r:embed="rId2">
+          <a:blip r:embed="rId3">
             <a:extLst>
               <a:ext uri="{28A0092B-C50C-407E-A947-70E740481C1C}">
                 <a14:useLocalDpi xmlns:a14="http://schemas.microsoft.com/office/drawing/2010/main" val="0"/>
@@ -7208,543 +10335,190 @@
           </a:prstGeom>
         </p:spPr>
       </p:pic>
-      <p:graphicFrame>
-        <p:nvGraphicFramePr>
-          <p:cNvPr id="5" name="Table 4">
+      <p:pic>
+        <p:nvPicPr>
+          <p:cNvPr id="9" name="Picture 8">
             <a:extLst>
               <a:ext uri="{FF2B5EF4-FFF2-40B4-BE49-F238E27FC236}">
-                <a16:creationId xmlns:a16="http://schemas.microsoft.com/office/drawing/2014/main" id="{92345F00-ADBC-88B3-7317-DF9E88D416ED}"/>
+                <a16:creationId xmlns:a16="http://schemas.microsoft.com/office/drawing/2014/main" id="{15E75768-63D2-8089-E93C-2E2FF0B471E0}"/>
               </a:ext>
             </a:extLst>
           </p:cNvPr>
-          <p:cNvGraphicFramePr>
-            <a:graphicFrameLocks noGrp="1"/>
-          </p:cNvGraphicFramePr>
-          <p:nvPr>
-            <p:extLst>
-              <p:ext uri="{D42A27DB-BD31-4B8C-83A1-F6EECF244321}">
-                <p14:modId xmlns:p14="http://schemas.microsoft.com/office/powerpoint/2010/main" val="2513387097"/>
-              </p:ext>
-            </p:extLst>
-          </p:nvPr>
-        </p:nvGraphicFramePr>
-        <p:xfrm>
-          <a:off x="228600" y="2139278"/>
-          <a:ext cx="16112436" cy="4968405"/>
-        </p:xfrm>
-        <a:graphic>
-          <a:graphicData uri="http://schemas.openxmlformats.org/drawingml/2006/table">
-            <a:tbl>
-              <a:tblPr>
-                <a:tableStyleId>{2D5ABB26-0587-4C30-8999-92F81FD0307C}</a:tableStyleId>
-              </a:tblPr>
-              <a:tblGrid>
-                <a:gridCol w="2829502">
-                  <a:extLst>
-                    <a:ext uri="{9D8B030D-6E8A-4147-A177-3AD203B41FA5}">
-                      <a16:colId xmlns:a16="http://schemas.microsoft.com/office/drawing/2014/main" val="1525359229"/>
-                    </a:ext>
-                  </a:extLst>
-                </a:gridCol>
-                <a:gridCol w="7912122">
-                  <a:extLst>
-                    <a:ext uri="{9D8B030D-6E8A-4147-A177-3AD203B41FA5}">
-                      <a16:colId xmlns:a16="http://schemas.microsoft.com/office/drawing/2014/main" val="2538730899"/>
-                    </a:ext>
-                  </a:extLst>
-                </a:gridCol>
-                <a:gridCol w="5370812">
-                  <a:extLst>
-                    <a:ext uri="{9D8B030D-6E8A-4147-A177-3AD203B41FA5}">
-                      <a16:colId xmlns:a16="http://schemas.microsoft.com/office/drawing/2014/main" val="3469586132"/>
-                    </a:ext>
-                  </a:extLst>
-                </a:gridCol>
-              </a:tblGrid>
-              <a:tr h="410762">
-                <a:tc>
-                  <a:txBody>
-                    <a:bodyPr/>
-                    <a:lstStyle/>
-                    <a:p>
-                      <a:r>
-                        <a:rPr lang="en-US" sz="2800" b="1"/>
-                        <a:t>Tool</a:t>
-                      </a:r>
-                      <a:endParaRPr lang="en-US" sz="2800"/>
-                    </a:p>
-                  </a:txBody>
-                  <a:tcPr marL="59552" marR="59552" marT="29776" marB="29776" anchor="ctr">
-                    <a:lnL w="12700" cap="flat" cmpd="sng" algn="ctr">
-                      <a:solidFill>
-                        <a:schemeClr val="tx1"/>
-                      </a:solidFill>
-                      <a:prstDash val="solid"/>
-                      <a:round/>
-                      <a:headEnd type="none" w="med" len="med"/>
-                      <a:tailEnd type="none" w="med" len="med"/>
-                    </a:lnL>
-                    <a:lnR w="12700" cap="flat" cmpd="sng" algn="ctr">
-                      <a:solidFill>
-                        <a:schemeClr val="tx1"/>
-                      </a:solidFill>
-                      <a:prstDash val="solid"/>
-                      <a:round/>
-                      <a:headEnd type="none" w="med" len="med"/>
-                      <a:tailEnd type="none" w="med" len="med"/>
-                    </a:lnR>
-                    <a:lnT w="12700" cap="flat" cmpd="sng" algn="ctr">
-                      <a:solidFill>
-                        <a:schemeClr val="tx1"/>
-                      </a:solidFill>
-                      <a:prstDash val="solid"/>
-                      <a:round/>
-                      <a:headEnd type="none" w="med" len="med"/>
-                      <a:tailEnd type="none" w="med" len="med"/>
-                    </a:lnT>
-                    <a:lnB w="12700" cap="flat" cmpd="sng" algn="ctr">
-                      <a:solidFill>
-                        <a:schemeClr val="tx1"/>
-                      </a:solidFill>
-                      <a:prstDash val="solid"/>
-                      <a:round/>
-                      <a:headEnd type="none" w="med" len="med"/>
-                      <a:tailEnd type="none" w="med" len="med"/>
-                    </a:lnB>
-                  </a:tcPr>
-                </a:tc>
-                <a:tc>
-                  <a:txBody>
-                    <a:bodyPr/>
-                    <a:lstStyle/>
-                    <a:p>
-                      <a:r>
-                        <a:rPr lang="en-US" sz="2800" b="1"/>
-                        <a:t>Primary Functions</a:t>
-                      </a:r>
-                      <a:endParaRPr lang="en-US" sz="2800"/>
-                    </a:p>
-                  </a:txBody>
-                  <a:tcPr marL="59552" marR="59552" marT="29776" marB="29776" anchor="ctr">
-                    <a:lnL w="12700" cap="flat" cmpd="sng" algn="ctr">
-                      <a:solidFill>
-                        <a:schemeClr val="tx1"/>
-                      </a:solidFill>
-                      <a:prstDash val="solid"/>
-                      <a:round/>
-                      <a:headEnd type="none" w="med" len="med"/>
-                      <a:tailEnd type="none" w="med" len="med"/>
-                    </a:lnL>
-                    <a:lnR w="12700" cap="flat" cmpd="sng" algn="ctr">
-                      <a:solidFill>
-                        <a:schemeClr val="tx1"/>
-                      </a:solidFill>
-                      <a:prstDash val="solid"/>
-                      <a:round/>
-                      <a:headEnd type="none" w="med" len="med"/>
-                      <a:tailEnd type="none" w="med" len="med"/>
-                    </a:lnR>
-                    <a:lnT w="12700" cap="flat" cmpd="sng" algn="ctr">
-                      <a:solidFill>
-                        <a:schemeClr val="tx1"/>
-                      </a:solidFill>
-                      <a:prstDash val="solid"/>
-                      <a:round/>
-                      <a:headEnd type="none" w="med" len="med"/>
-                      <a:tailEnd type="none" w="med" len="med"/>
-                    </a:lnT>
-                    <a:lnB w="12700" cap="flat" cmpd="sng" algn="ctr">
-                      <a:solidFill>
-                        <a:schemeClr val="tx1"/>
-                      </a:solidFill>
-                      <a:prstDash val="solid"/>
-                      <a:round/>
-                      <a:headEnd type="none" w="med" len="med"/>
-                      <a:tailEnd type="none" w="med" len="med"/>
-                    </a:lnB>
-                  </a:tcPr>
-                </a:tc>
-                <a:tc>
-                  <a:txBody>
-                    <a:bodyPr/>
-                    <a:lstStyle/>
-                    <a:p>
-                      <a:r>
-                        <a:rPr lang="en-US" sz="2800" b="1"/>
-                        <a:t>Strengths</a:t>
-                      </a:r>
-                      <a:endParaRPr lang="en-US" sz="2800"/>
-                    </a:p>
-                  </a:txBody>
-                  <a:tcPr marL="59552" marR="59552" marT="29776" marB="29776" anchor="ctr">
-                    <a:lnL w="12700" cap="flat" cmpd="sng" algn="ctr">
-                      <a:solidFill>
-                        <a:schemeClr val="tx1"/>
-                      </a:solidFill>
-                      <a:prstDash val="solid"/>
-                      <a:round/>
-                      <a:headEnd type="none" w="med" len="med"/>
-                      <a:tailEnd type="none" w="med" len="med"/>
-                    </a:lnL>
-                    <a:lnR w="12700" cap="flat" cmpd="sng" algn="ctr">
-                      <a:solidFill>
-                        <a:schemeClr val="tx1"/>
-                      </a:solidFill>
-                      <a:prstDash val="solid"/>
-                      <a:round/>
-                      <a:headEnd type="none" w="med" len="med"/>
-                      <a:tailEnd type="none" w="med" len="med"/>
-                    </a:lnR>
-                    <a:lnT w="12700" cap="flat" cmpd="sng" algn="ctr">
-                      <a:solidFill>
-                        <a:schemeClr val="tx1"/>
-                      </a:solidFill>
-                      <a:prstDash val="solid"/>
-                      <a:round/>
-                      <a:headEnd type="none" w="med" len="med"/>
-                      <a:tailEnd type="none" w="med" len="med"/>
-                    </a:lnT>
-                    <a:lnB w="12700" cap="flat" cmpd="sng" algn="ctr">
-                      <a:solidFill>
-                        <a:schemeClr val="tx1"/>
-                      </a:solidFill>
-                      <a:prstDash val="solid"/>
-                      <a:round/>
-                      <a:headEnd type="none" w="med" len="med"/>
-                      <a:tailEnd type="none" w="med" len="med"/>
-                    </a:lnB>
-                  </a:tcPr>
-                </a:tc>
-                <a:extLst>
-                  <a:ext uri="{0D108BD9-81ED-4DB2-BD59-A6C34878D82A}">
-                    <a16:rowId xmlns:a16="http://schemas.microsoft.com/office/drawing/2014/main" val="2831305640"/>
-                  </a:ext>
-                </a:extLst>
-              </a:tr>
-              <a:tr h="2607127">
-                <a:tc>
-                  <a:txBody>
-                    <a:bodyPr/>
-                    <a:lstStyle/>
-                    <a:p>
-                      <a:r>
-                        <a:rPr lang="en-US" sz="2800" b="1" dirty="0"/>
-                        <a:t>Python</a:t>
-                      </a:r>
-                      <a:endParaRPr lang="en-US" sz="2800" dirty="0"/>
-                    </a:p>
-                  </a:txBody>
-                  <a:tcPr marL="59552" marR="59552" marT="29776" marB="29776" anchor="ctr">
-                    <a:lnL w="12700" cap="flat" cmpd="sng" algn="ctr">
-                      <a:solidFill>
-                        <a:schemeClr val="tx1"/>
-                      </a:solidFill>
-                      <a:prstDash val="solid"/>
-                      <a:round/>
-                      <a:headEnd type="none" w="med" len="med"/>
-                      <a:tailEnd type="none" w="med" len="med"/>
-                    </a:lnL>
-                    <a:lnR w="12700" cap="flat" cmpd="sng" algn="ctr">
-                      <a:solidFill>
-                        <a:schemeClr val="tx1"/>
-                      </a:solidFill>
-                      <a:prstDash val="solid"/>
-                      <a:round/>
-                      <a:headEnd type="none" w="med" len="med"/>
-                      <a:tailEnd type="none" w="med" len="med"/>
-                    </a:lnR>
-                    <a:lnT w="12700" cap="flat" cmpd="sng" algn="ctr">
-                      <a:solidFill>
-                        <a:schemeClr val="tx1"/>
-                      </a:solidFill>
-                      <a:prstDash val="solid"/>
-                      <a:round/>
-                      <a:headEnd type="none" w="med" len="med"/>
-                      <a:tailEnd type="none" w="med" len="med"/>
-                    </a:lnT>
-                    <a:lnB w="12700" cap="flat" cmpd="sng" algn="ctr">
-                      <a:solidFill>
-                        <a:schemeClr val="tx1"/>
-                      </a:solidFill>
-                      <a:prstDash val="solid"/>
-                      <a:round/>
-                      <a:headEnd type="none" w="med" len="med"/>
-                      <a:tailEnd type="none" w="med" len="med"/>
-                    </a:lnB>
-                  </a:tcPr>
-                </a:tc>
-                <a:tc>
-                  <a:txBody>
-                    <a:bodyPr/>
-                    <a:lstStyle/>
-                    <a:p>
-                      <a:r>
-                        <a:rPr lang="en-US" sz="2800" dirty="0"/>
-                        <a:t>Backend data analysis, advanced charting, machine learning</a:t>
-                      </a:r>
-                    </a:p>
-                  </a:txBody>
-                  <a:tcPr marL="59552" marR="59552" marT="29776" marB="29776" anchor="ctr">
-                    <a:lnL w="12700" cap="flat" cmpd="sng" algn="ctr">
-                      <a:solidFill>
-                        <a:schemeClr val="tx1"/>
-                      </a:solidFill>
-                      <a:prstDash val="solid"/>
-                      <a:round/>
-                      <a:headEnd type="none" w="med" len="med"/>
-                      <a:tailEnd type="none" w="med" len="med"/>
-                    </a:lnL>
-                    <a:lnR w="12700" cap="flat" cmpd="sng" algn="ctr">
-                      <a:solidFill>
-                        <a:schemeClr val="tx1"/>
-                      </a:solidFill>
-                      <a:prstDash val="solid"/>
-                      <a:round/>
-                      <a:headEnd type="none" w="med" len="med"/>
-                      <a:tailEnd type="none" w="med" len="med"/>
-                    </a:lnR>
-                    <a:lnT w="12700" cap="flat" cmpd="sng" algn="ctr">
-                      <a:solidFill>
-                        <a:schemeClr val="tx1"/>
-                      </a:solidFill>
-                      <a:prstDash val="solid"/>
-                      <a:round/>
-                      <a:headEnd type="none" w="med" len="med"/>
-                      <a:tailEnd type="none" w="med" len="med"/>
-                    </a:lnT>
-                    <a:lnB w="12700" cap="flat" cmpd="sng" algn="ctr">
-                      <a:solidFill>
-                        <a:schemeClr val="tx1"/>
-                      </a:solidFill>
-                      <a:prstDash val="solid"/>
-                      <a:round/>
-                      <a:headEnd type="none" w="med" len="med"/>
-                      <a:tailEnd type="none" w="med" len="med"/>
-                    </a:lnB>
-                  </a:tcPr>
-                </a:tc>
-                <a:tc>
-                  <a:txBody>
-                    <a:bodyPr/>
-                    <a:lstStyle/>
-                    <a:p>
-                      <a:r>
-                        <a:rPr lang="en-US" sz="2800" dirty="0"/>
-                        <a:t>Powerful data manipulation with libraries like pandas, extensive visualization options with libraries like matplotlib and seaborn</a:t>
-                      </a:r>
-                    </a:p>
-                  </a:txBody>
-                  <a:tcPr marL="59552" marR="59552" marT="29776" marB="29776" anchor="ctr">
-                    <a:lnL w="12700" cap="flat" cmpd="sng" algn="ctr">
-                      <a:solidFill>
-                        <a:schemeClr val="tx1"/>
-                      </a:solidFill>
-                      <a:prstDash val="solid"/>
-                      <a:round/>
-                      <a:headEnd type="none" w="med" len="med"/>
-                      <a:tailEnd type="none" w="med" len="med"/>
-                    </a:lnL>
-                    <a:lnR w="12700" cap="flat" cmpd="sng" algn="ctr">
-                      <a:solidFill>
-                        <a:schemeClr val="tx1"/>
-                      </a:solidFill>
-                      <a:prstDash val="solid"/>
-                      <a:round/>
-                      <a:headEnd type="none" w="med" len="med"/>
-                      <a:tailEnd type="none" w="med" len="med"/>
-                    </a:lnR>
-                    <a:lnT w="12700" cap="flat" cmpd="sng" algn="ctr">
-                      <a:solidFill>
-                        <a:schemeClr val="tx1"/>
-                      </a:solidFill>
-                      <a:prstDash val="solid"/>
-                      <a:round/>
-                      <a:headEnd type="none" w="med" len="med"/>
-                      <a:tailEnd type="none" w="med" len="med"/>
-                    </a:lnT>
-                    <a:lnB w="12700" cap="flat" cmpd="sng" algn="ctr">
-                      <a:solidFill>
-                        <a:schemeClr val="tx1"/>
-                      </a:solidFill>
-                      <a:prstDash val="solid"/>
-                      <a:round/>
-                      <a:headEnd type="none" w="med" len="med"/>
-                      <a:tailEnd type="none" w="med" len="med"/>
-                    </a:lnB>
-                  </a:tcPr>
-                </a:tc>
-                <a:extLst>
-                  <a:ext uri="{0D108BD9-81ED-4DB2-BD59-A6C34878D82A}">
-                    <a16:rowId xmlns:a16="http://schemas.microsoft.com/office/drawing/2014/main" val="47735761"/>
-                  </a:ext>
-                </a:extLst>
-              </a:tr>
-              <a:tr h="1875006">
-                <a:tc>
-                  <a:txBody>
-                    <a:bodyPr/>
-                    <a:lstStyle/>
-                    <a:p>
-                      <a:r>
-                        <a:rPr lang="en-US" sz="2800" b="1"/>
-                        <a:t>Excel</a:t>
-                      </a:r>
-                      <a:endParaRPr lang="en-US" sz="2800"/>
-                    </a:p>
-                  </a:txBody>
-                  <a:tcPr marL="59552" marR="59552" marT="29776" marB="29776" anchor="ctr">
-                    <a:lnL w="12700" cap="flat" cmpd="sng" algn="ctr">
-                      <a:solidFill>
-                        <a:schemeClr val="tx1"/>
-                      </a:solidFill>
-                      <a:prstDash val="solid"/>
-                      <a:round/>
-                      <a:headEnd type="none" w="med" len="med"/>
-                      <a:tailEnd type="none" w="med" len="med"/>
-                    </a:lnL>
-                    <a:lnR w="12700" cap="flat" cmpd="sng" algn="ctr">
-                      <a:solidFill>
-                        <a:schemeClr val="tx1"/>
-                      </a:solidFill>
-                      <a:prstDash val="solid"/>
-                      <a:round/>
-                      <a:headEnd type="none" w="med" len="med"/>
-                      <a:tailEnd type="none" w="med" len="med"/>
-                    </a:lnR>
-                    <a:lnT w="12700" cap="flat" cmpd="sng" algn="ctr">
-                      <a:solidFill>
-                        <a:schemeClr val="tx1"/>
-                      </a:solidFill>
-                      <a:prstDash val="solid"/>
-                      <a:round/>
-                      <a:headEnd type="none" w="med" len="med"/>
-                      <a:tailEnd type="none" w="med" len="med"/>
-                    </a:lnT>
-                    <a:lnB w="12700" cap="flat" cmpd="sng" algn="ctr">
-                      <a:solidFill>
-                        <a:schemeClr val="tx1"/>
-                      </a:solidFill>
-                      <a:prstDash val="solid"/>
-                      <a:round/>
-                      <a:headEnd type="none" w="med" len="med"/>
-                      <a:tailEnd type="none" w="med" len="med"/>
-                    </a:lnB>
-                  </a:tcPr>
-                </a:tc>
-                <a:tc>
-                  <a:txBody>
-                    <a:bodyPr/>
-                    <a:lstStyle/>
-                    <a:p>
-                      <a:r>
-                        <a:rPr lang="en-US" sz="2800" dirty="0"/>
-                        <a:t>Frontend formatting, usability, interactive dashboards</a:t>
-                      </a:r>
-                    </a:p>
-                  </a:txBody>
-                  <a:tcPr marL="59552" marR="59552" marT="29776" marB="29776" anchor="ctr">
-                    <a:lnL w="12700" cap="flat" cmpd="sng" algn="ctr">
-                      <a:solidFill>
-                        <a:schemeClr val="tx1"/>
-                      </a:solidFill>
-                      <a:prstDash val="solid"/>
-                      <a:round/>
-                      <a:headEnd type="none" w="med" len="med"/>
-                      <a:tailEnd type="none" w="med" len="med"/>
-                    </a:lnL>
-                    <a:lnR w="12700" cap="flat" cmpd="sng" algn="ctr">
-                      <a:solidFill>
-                        <a:schemeClr val="tx1"/>
-                      </a:solidFill>
-                      <a:prstDash val="solid"/>
-                      <a:round/>
-                      <a:headEnd type="none" w="med" len="med"/>
-                      <a:tailEnd type="none" w="med" len="med"/>
-                    </a:lnR>
-                    <a:lnT w="12700" cap="flat" cmpd="sng" algn="ctr">
-                      <a:solidFill>
-                        <a:schemeClr val="tx1"/>
-                      </a:solidFill>
-                      <a:prstDash val="solid"/>
-                      <a:round/>
-                      <a:headEnd type="none" w="med" len="med"/>
-                      <a:tailEnd type="none" w="med" len="med"/>
-                    </a:lnT>
-                    <a:lnB w="12700" cap="flat" cmpd="sng" algn="ctr">
-                      <a:solidFill>
-                        <a:schemeClr val="tx1"/>
-                      </a:solidFill>
-                      <a:prstDash val="solid"/>
-                      <a:round/>
-                      <a:headEnd type="none" w="med" len="med"/>
-                      <a:tailEnd type="none" w="med" len="med"/>
-                    </a:lnB>
-                  </a:tcPr>
-                </a:tc>
-                <a:tc>
-                  <a:txBody>
-                    <a:bodyPr/>
-                    <a:lstStyle/>
-                    <a:p>
-                      <a:r>
-                        <a:rPr lang="en-US" sz="2800" dirty="0"/>
-                        <a:t>User-friendly interface, widespread usage, well-suited for formatting and presentation</a:t>
-                      </a:r>
-                    </a:p>
-                  </a:txBody>
-                  <a:tcPr marL="59552" marR="59552" marT="29776" marB="29776" anchor="ctr">
-                    <a:lnL w="12700" cap="flat" cmpd="sng" algn="ctr">
-                      <a:solidFill>
-                        <a:schemeClr val="tx1"/>
-                      </a:solidFill>
-                      <a:prstDash val="solid"/>
-                      <a:round/>
-                      <a:headEnd type="none" w="med" len="med"/>
-                      <a:tailEnd type="none" w="med" len="med"/>
-                    </a:lnL>
-                    <a:lnR w="12700" cap="flat" cmpd="sng" algn="ctr">
-                      <a:solidFill>
-                        <a:schemeClr val="tx1"/>
-                      </a:solidFill>
-                      <a:prstDash val="solid"/>
-                      <a:round/>
-                      <a:headEnd type="none" w="med" len="med"/>
-                      <a:tailEnd type="none" w="med" len="med"/>
-                    </a:lnR>
-                    <a:lnT w="12700" cap="flat" cmpd="sng" algn="ctr">
-                      <a:solidFill>
-                        <a:schemeClr val="tx1"/>
-                      </a:solidFill>
-                      <a:prstDash val="solid"/>
-                      <a:round/>
-                      <a:headEnd type="none" w="med" len="med"/>
-                      <a:tailEnd type="none" w="med" len="med"/>
-                    </a:lnT>
-                    <a:lnB w="12700" cap="flat" cmpd="sng" algn="ctr">
-                      <a:solidFill>
-                        <a:schemeClr val="tx1"/>
-                      </a:solidFill>
-                      <a:prstDash val="solid"/>
-                      <a:round/>
-                      <a:headEnd type="none" w="med" len="med"/>
-                      <a:tailEnd type="none" w="med" len="med"/>
-                    </a:lnB>
-                  </a:tcPr>
-                </a:tc>
-                <a:extLst>
-                  <a:ext uri="{0D108BD9-81ED-4DB2-BD59-A6C34878D82A}">
-                    <a16:rowId xmlns:a16="http://schemas.microsoft.com/office/drawing/2014/main" val="715534459"/>
-                  </a:ext>
-                </a:extLst>
-              </a:tr>
-            </a:tbl>
-          </a:graphicData>
-        </a:graphic>
-      </p:graphicFrame>
+          <p:cNvPicPr>
+            <a:picLocks noChangeAspect="1"/>
+          </p:cNvPicPr>
+          <p:nvPr/>
+        </p:nvPicPr>
+        <p:blipFill>
+          <a:blip r:embed="rId4"/>
+          <a:stretch>
+            <a:fillRect/>
+          </a:stretch>
+        </p:blipFill>
+        <p:spPr>
+          <a:xfrm>
+            <a:off x="1143000" y="1535139"/>
+            <a:ext cx="14685399" cy="8581779"/>
+          </a:xfrm>
+          <a:prstGeom prst="rect">
+            <a:avLst/>
+          </a:prstGeom>
+        </p:spPr>
+      </p:pic>
+      <p:sp>
+        <p:nvSpPr>
+          <p:cNvPr id="2" name="TextBox 1">
+            <a:extLst>
+              <a:ext uri="{FF2B5EF4-FFF2-40B4-BE49-F238E27FC236}">
+                <a16:creationId xmlns:a16="http://schemas.microsoft.com/office/drawing/2014/main" id="{C9835A31-0C61-2CEC-1717-D5C068DC818A}"/>
+              </a:ext>
+            </a:extLst>
+          </p:cNvPr>
+          <p:cNvSpPr txBox="1"/>
+          <p:nvPr/>
+        </p:nvSpPr>
+        <p:spPr>
+          <a:xfrm>
+            <a:off x="10287000" y="5520898"/>
+            <a:ext cx="2400837" cy="646331"/>
+          </a:xfrm>
+          <a:prstGeom prst="rect">
+            <a:avLst/>
+          </a:prstGeom>
+          <a:noFill/>
+        </p:spPr>
+        <p:txBody>
+          <a:bodyPr wrap="square" rtlCol="0">
+            <a:spAutoFit/>
+          </a:bodyPr>
+          <a:lstStyle/>
+          <a:p>
+            <a:r>
+              <a:rPr lang="en-US" b="1" dirty="0"/>
+              <a:t>Python in Excel announcement</a:t>
+            </a:r>
+          </a:p>
+        </p:txBody>
+      </p:sp>
+      <p:cxnSp>
+        <p:nvCxnSpPr>
+          <p:cNvPr id="4" name="Straight Arrow Connector 3">
+            <a:extLst>
+              <a:ext uri="{FF2B5EF4-FFF2-40B4-BE49-F238E27FC236}">
+                <a16:creationId xmlns:a16="http://schemas.microsoft.com/office/drawing/2014/main" id="{256CF122-B316-E520-902C-0716878356A5}"/>
+              </a:ext>
+            </a:extLst>
+          </p:cNvPr>
+          <p:cNvCxnSpPr/>
+          <p:nvPr/>
+        </p:nvCxnSpPr>
+        <p:spPr>
+          <a:xfrm>
+            <a:off x="10896600" y="6134100"/>
+            <a:ext cx="304800" cy="457200"/>
+          </a:xfrm>
+          <a:prstGeom prst="straightConnector1">
+            <a:avLst/>
+          </a:prstGeom>
+          <a:ln>
+            <a:tailEnd type="triangle"/>
+          </a:ln>
+        </p:spPr>
+        <p:style>
+          <a:lnRef idx="1">
+            <a:schemeClr val="accent1"/>
+          </a:lnRef>
+          <a:fillRef idx="0">
+            <a:schemeClr val="accent1"/>
+          </a:fillRef>
+          <a:effectRef idx="0">
+            <a:schemeClr val="accent1"/>
+          </a:effectRef>
+          <a:fontRef idx="minor">
+            <a:schemeClr val="tx1"/>
+          </a:fontRef>
+        </p:style>
+      </p:cxnSp>
+      <p:sp>
+        <p:nvSpPr>
+          <p:cNvPr id="3" name="TextBox 2">
+            <a:extLst>
+              <a:ext uri="{FF2B5EF4-FFF2-40B4-BE49-F238E27FC236}">
+                <a16:creationId xmlns:a16="http://schemas.microsoft.com/office/drawing/2014/main" id="{8BA6DE4C-BB91-2685-4042-C8BDAFCE9836}"/>
+              </a:ext>
+            </a:extLst>
+          </p:cNvPr>
+          <p:cNvSpPr txBox="1"/>
+          <p:nvPr/>
+        </p:nvSpPr>
+        <p:spPr>
+          <a:xfrm>
+            <a:off x="11823539" y="6580031"/>
+            <a:ext cx="2400837" cy="646331"/>
+          </a:xfrm>
+          <a:prstGeom prst="rect">
+            <a:avLst/>
+          </a:prstGeom>
+          <a:noFill/>
+        </p:spPr>
+        <p:txBody>
+          <a:bodyPr wrap="square" rtlCol="0">
+            <a:spAutoFit/>
+          </a:bodyPr>
+          <a:lstStyle/>
+          <a:p>
+            <a:r>
+              <a:rPr lang="en-US" b="1" dirty="0"/>
+              <a:t>Copilot in Excel announcement</a:t>
+            </a:r>
+          </a:p>
+        </p:txBody>
+      </p:sp>
+      <p:cxnSp>
+        <p:nvCxnSpPr>
+          <p:cNvPr id="7" name="Straight Arrow Connector 6">
+            <a:extLst>
+              <a:ext uri="{FF2B5EF4-FFF2-40B4-BE49-F238E27FC236}">
+                <a16:creationId xmlns:a16="http://schemas.microsoft.com/office/drawing/2014/main" id="{51179C2B-2680-AB00-2288-9DEED8DD48A9}"/>
+              </a:ext>
+            </a:extLst>
+          </p:cNvPr>
+          <p:cNvCxnSpPr>
+            <a:cxnSpLocks/>
+          </p:cNvCxnSpPr>
+          <p:nvPr/>
+        </p:nvCxnSpPr>
+        <p:spPr>
+          <a:xfrm>
+            <a:off x="12535437" y="7155307"/>
+            <a:ext cx="266163" cy="376979"/>
+          </a:xfrm>
+          <a:prstGeom prst="straightConnector1">
+            <a:avLst/>
+          </a:prstGeom>
+          <a:ln>
+            <a:tailEnd type="triangle"/>
+          </a:ln>
+        </p:spPr>
+        <p:style>
+          <a:lnRef idx="1">
+            <a:schemeClr val="accent1"/>
+          </a:lnRef>
+          <a:fillRef idx="0">
+            <a:schemeClr val="accent1"/>
+          </a:fillRef>
+          <a:effectRef idx="0">
+            <a:schemeClr val="accent1"/>
+          </a:effectRef>
+          <a:fontRef idx="minor">
+            <a:schemeClr val="tx1"/>
+          </a:fontRef>
+        </p:style>
+      </p:cxnSp>
     </p:spTree>
     <p:extLst>
       <p:ext uri="{BB962C8B-B14F-4D97-AF65-F5344CB8AC3E}">
-        <p14:creationId xmlns:p14="http://schemas.microsoft.com/office/powerpoint/2010/main" val="401551492"/>
+        <p14:creationId xmlns:p14="http://schemas.microsoft.com/office/powerpoint/2010/main" val="1652374029"/>
       </p:ext>
     </p:extLst>
   </p:cSld>

--- a/xlgs-python-excel-copilot-slides.pptx
+++ b/xlgs-python-excel-copilot-slides.pptx
@@ -5,7 +5,7 @@
     <p:sldMasterId id="2147483648" r:id="rId1"/>
   </p:sldMasterIdLst>
   <p:notesMasterIdLst>
-    <p:notesMasterId r:id="rId23"/>
+    <p:notesMasterId r:id="rId21"/>
   </p:notesMasterIdLst>
   <p:sldIdLst>
     <p:sldId id="256" r:id="rId2"/>
@@ -15,20 +15,18 @@
     <p:sldId id="433" r:id="rId6"/>
     <p:sldId id="439" r:id="rId7"/>
     <p:sldId id="434" r:id="rId8"/>
-    <p:sldId id="435" r:id="rId9"/>
-    <p:sldId id="436" r:id="rId10"/>
-    <p:sldId id="441" r:id="rId11"/>
-    <p:sldId id="442" r:id="rId12"/>
-    <p:sldId id="437" r:id="rId13"/>
-    <p:sldId id="425" r:id="rId14"/>
-    <p:sldId id="394" r:id="rId15"/>
-    <p:sldId id="364" r:id="rId16"/>
-    <p:sldId id="429" r:id="rId17"/>
-    <p:sldId id="430" r:id="rId18"/>
-    <p:sldId id="432" r:id="rId19"/>
-    <p:sldId id="431" r:id="rId20"/>
-    <p:sldId id="372" r:id="rId21"/>
-    <p:sldId id="427" r:id="rId22"/>
+    <p:sldId id="436" r:id="rId9"/>
+    <p:sldId id="442" r:id="rId10"/>
+    <p:sldId id="437" r:id="rId11"/>
+    <p:sldId id="425" r:id="rId12"/>
+    <p:sldId id="394" r:id="rId13"/>
+    <p:sldId id="364" r:id="rId14"/>
+    <p:sldId id="429" r:id="rId15"/>
+    <p:sldId id="430" r:id="rId16"/>
+    <p:sldId id="432" r:id="rId17"/>
+    <p:sldId id="431" r:id="rId18"/>
+    <p:sldId id="372" r:id="rId19"/>
+    <p:sldId id="427" r:id="rId20"/>
   </p:sldIdLst>
   <p:sldSz cx="18288000" cy="10287000"/>
   <p:notesSz cx="6858000" cy="9144000"/>
@@ -641,6 +639,79 @@
           <a:bodyPr/>
           <a:lstStyle/>
           <a:p>
+            <a:r>
+              <a:rPr lang="en-US" b="0" i="0" dirty="0">
+                <a:solidFill>
+                  <a:srgbClr val="000000"/>
+                </a:solidFill>
+                <a:effectLst/>
+                <a:latin typeface="Arial" panose="020B0604020202020204" pitchFamily="34" charset="0"/>
+              </a:rPr>
+              <a:t>In our discussion today about the future of Excel, we've focused on the integration of Python for backend data analysis, advanced charting, and machine learning, which offers powerful data manipulation capabilities through libraries like pandas and extensive visualization options with libraries like matplotlib and seaborn. </a:t>
+            </a:r>
+          </a:p>
+          <a:p>
+            <a:endParaRPr lang="en-US" b="0" i="0" dirty="0">
+              <a:solidFill>
+                <a:srgbClr val="000000"/>
+              </a:solidFill>
+              <a:effectLst/>
+              <a:latin typeface="Arial" panose="020B0604020202020204" pitchFamily="34" charset="0"/>
+            </a:endParaRPr>
+          </a:p>
+          <a:p>
+            <a:r>
+              <a:rPr lang="en-US" b="0" i="0" dirty="0">
+                <a:solidFill>
+                  <a:srgbClr val="000000"/>
+                </a:solidFill>
+                <a:effectLst/>
+                <a:latin typeface="Arial" panose="020B0604020202020204" pitchFamily="34" charset="0"/>
+              </a:rPr>
+              <a:t>Excel itself continues to shine with its frontend formatting, usability, and interactive dashboards, providing a user-friendly interface that's well-suited for widespread usage, formatting, and presentation. </a:t>
+            </a:r>
+          </a:p>
+          <a:p>
+            <a:endParaRPr lang="en-US" b="0" i="0" dirty="0">
+              <a:solidFill>
+                <a:srgbClr val="000000"/>
+              </a:solidFill>
+              <a:effectLst/>
+              <a:latin typeface="Arial" panose="020B0604020202020204" pitchFamily="34" charset="0"/>
+            </a:endParaRPr>
+          </a:p>
+          <a:p>
+            <a:r>
+              <a:rPr lang="en-US" b="0" i="0" dirty="0">
+                <a:solidFill>
+                  <a:srgbClr val="000000"/>
+                </a:solidFill>
+                <a:effectLst/>
+                <a:latin typeface="Arial" panose="020B0604020202020204" pitchFamily="34" charset="0"/>
+              </a:rPr>
+              <a:t>Now, although we haven't delved into JavaScript today, it's important to note that JavaScript, along with TypeScript, shares similar advantages to Python but in the realm of building applications, add-ins, and more for Excel. JavaScript and TypeScript enable additional add-ins, enhance interactivity, and facilitate web integration, allowing for the building and integration of more complex functionalities. This expands Excel's capabilities into web and app development, making it a versatile tool not just for data analysis but also for creating sophisticated user experiences within Excel's ecosystem. </a:t>
+            </a:r>
+          </a:p>
+          <a:p>
+            <a:endParaRPr lang="en-US" b="0" i="0" dirty="0">
+              <a:solidFill>
+                <a:srgbClr val="000000"/>
+              </a:solidFill>
+              <a:effectLst/>
+              <a:latin typeface="Arial" panose="020B0604020202020204" pitchFamily="34" charset="0"/>
+            </a:endParaRPr>
+          </a:p>
+          <a:p>
+            <a:r>
+              <a:rPr lang="en-US" b="0" i="0" dirty="0">
+                <a:solidFill>
+                  <a:srgbClr val="000000"/>
+                </a:solidFill>
+                <a:effectLst/>
+                <a:latin typeface="Arial" panose="020B0604020202020204" pitchFamily="34" charset="0"/>
+              </a:rPr>
+              <a:t>This synergy between Python, Excel, and JavaScript/TypeScript paints a promising picture for Excel's future, where it can evolve into a more comprehensive platform for both data professionals and developers.</a:t>
+            </a:r>
             <a:endParaRPr lang="en-US" dirty="0"/>
           </a:p>
         </p:txBody>
@@ -662,7 +733,7 @@
           <a:p>
             <a:fld id="{FFB500C5-13F7-48FC-8160-C29AECF6C602}" type="slidenum">
               <a:rPr lang="en-US" smtClean="0"/>
-              <a:t>13</a:t>
+              <a:t>16</a:t>
             </a:fld>
             <a:endParaRPr lang="en-US"/>
           </a:p>
@@ -671,7 +742,7 @@
     </p:spTree>
     <p:extLst>
       <p:ext uri="{BB962C8B-B14F-4D97-AF65-F5344CB8AC3E}">
-        <p14:creationId xmlns:p14="http://schemas.microsoft.com/office/powerpoint/2010/main" val="981337392"/>
+        <p14:creationId xmlns:p14="http://schemas.microsoft.com/office/powerpoint/2010/main" val="857960786"/>
       </p:ext>
     </p:extLst>
   </p:cSld>
@@ -725,15 +796,6 @@
           <a:bodyPr/>
           <a:lstStyle/>
           <a:p>
-            <a:r>
-              <a:rPr lang="en-US" dirty="0"/>
-              <a:t>https://stringfestanalytics.com/the-end-of-dax-and-m-how-ai-and-python-are-transforming-excel/</a:t>
-            </a:r>
-          </a:p>
-          <a:p>
-            <a:endParaRPr lang="en-US" dirty="0"/>
-          </a:p>
-          <a:p>
             <a:pPr algn="l" rtl="0">
               <a:lnSpc>
                 <a:spcPts val="1500"/>
@@ -756,393 +818,6 @@
                 <a:effectLst/>
                 <a:latin typeface="Arial" panose="020B0604020202020204" pitchFamily="34" charset="0"/>
               </a:rPr>
-              <a:t>To get started, I want to discuss why the combination of Python, Copilot, and Excel creates such a powerful synergy in data analysis and automation. Python is renowned for its simplicity and readability, making it an excellent 'glue' language. Unlike Excel's complex architecture, Python offers a smooth, snag-free experience for developers. Its syntax is clean and intuitive, which reduces errors and makes code maintenance easier. This simplicity is crucial when integrating different tools and workflows.</a:t>
-            </a:r>
-          </a:p>
-          <a:p>
-            <a:pPr algn="l" rtl="0">
-              <a:lnSpc>
-                <a:spcPts val="1500"/>
-              </a:lnSpc>
-            </a:pPr>
-            <a:br>
-              <a:rPr lang="en-US" dirty="0"/>
-            </a:br>
-            <a:r>
-              <a:rPr lang="en-US" b="0" u="none" strike="noStrike" dirty="0">
-                <a:solidFill>
-                  <a:srgbClr val="000000"/>
-                </a:solidFill>
-                <a:effectLst/>
-                <a:latin typeface="Arial" panose="020B0604020202020204" pitchFamily="34" charset="0"/>
-              </a:rPr>
-              <a:t>Copilot excels at working with Python code because of Python's extensive and well-documented codebase. This vast repository provides a rich learning ground for Copilot's machine learning model. As an AI pair programmer, Copilot leverages this knowledge to suggest code completions, write entire functions, and even help debug Python scripts in real-time, enhancing productivity significantly.</a:t>
-            </a:r>
-          </a:p>
-          <a:p>
-            <a:pPr algn="l" rtl="0">
-              <a:lnSpc>
-                <a:spcPts val="1500"/>
-              </a:lnSpc>
-            </a:pPr>
-            <a:br>
-              <a:rPr lang="en-US" dirty="0"/>
-            </a:br>
-            <a:r>
-              <a:rPr lang="en-US" b="0" u="none" strike="noStrike" dirty="0">
-                <a:solidFill>
-                  <a:srgbClr val="000000"/>
-                </a:solidFill>
-                <a:effectLst/>
-                <a:latin typeface="Arial" panose="020B0604020202020204" pitchFamily="34" charset="0"/>
-              </a:rPr>
-              <a:t>Excel, while powerful, has been the subject of many jokes regarding its data integrity issues. The humor in the slide points out Excel's tendency to misinterpret data, like turning dates into numbers or mixing up different data types. Additionally, Excel's architecture with separate components like Power Query for data transformation, Power Pivot for data modeling, and VBA for automation, creates silos which can be challenging to integrate seamlessly.</a:t>
-            </a:r>
-          </a:p>
-          <a:p>
-            <a:pPr algn="l" rtl="0">
-              <a:lnSpc>
-                <a:spcPts val="1500"/>
-              </a:lnSpc>
-            </a:pPr>
-            <a:br>
-              <a:rPr lang="en-US" dirty="0"/>
-            </a:br>
-            <a:r>
-              <a:rPr lang="en-US" b="0" u="none" strike="noStrike" dirty="0">
-                <a:solidFill>
-                  <a:srgbClr val="000000"/>
-                </a:solidFill>
-                <a:effectLst/>
-                <a:latin typeface="Arial" panose="020B0604020202020204" pitchFamily="34" charset="0"/>
-              </a:rPr>
-              <a:t>Integrating Python with Excel through tools like Python's </a:t>
-            </a:r>
-            <a:r>
-              <a:rPr lang="en-US" sz="1800" b="0" u="none" strike="noStrike" dirty="0">
-                <a:solidFill>
-                  <a:srgbClr val="000000"/>
-                </a:solidFill>
-                <a:effectLst/>
-                <a:latin typeface="Courier New" panose="02070309020205020404" pitchFamily="49" charset="0"/>
-              </a:rPr>
-              <a:t>pandas</a:t>
-            </a:r>
-            <a:r>
-              <a:rPr lang="en-US" b="0" u="none" strike="noStrike" dirty="0">
-                <a:solidFill>
-                  <a:srgbClr val="000000"/>
-                </a:solidFill>
-                <a:effectLst/>
-                <a:latin typeface="Arial" panose="020B0604020202020204" pitchFamily="34" charset="0"/>
-              </a:rPr>
-              <a:t> library or Excel's Python add-ins allows us to leverage Excel's user-friendly interface while overcoming its limitations with Python's robust data handling capabilities. Copilot acts as the bridge, providing intelligent coding assistance in Python, which can then interact with Excel data, making data manipulation, analysis, and visualization more efficient and less error-prone.</a:t>
-            </a:r>
-          </a:p>
-          <a:p>
-            <a:pPr algn="l" rtl="0">
-              <a:lnSpc>
-                <a:spcPts val="1500"/>
-              </a:lnSpc>
-            </a:pPr>
-            <a:br>
-              <a:rPr lang="en-US" dirty="0"/>
-            </a:br>
-            <a:r>
-              <a:rPr lang="en-US" b="0" u="none" strike="noStrike" dirty="0">
-                <a:solidFill>
-                  <a:srgbClr val="000000"/>
-                </a:solidFill>
-                <a:effectLst/>
-                <a:latin typeface="Arial" panose="020B0604020202020204" pitchFamily="34" charset="0"/>
-              </a:rPr>
-              <a:t>Given the trend towards more open, flexible, and integrated tools, the future seems less promising for proprietary languages like Excel's VBA. Python's open-source nature, coupled with AI assistance from tools like Copilot, offers a scalable and future-proof solution. This crossover not only enhances current workflows but also prepares us for future advancements in AI and data science, where Python will likely continue to play a leading role.</a:t>
-            </a:r>
-          </a:p>
-          <a:p>
-            <a:pPr algn="l" rtl="0">
-              <a:lnSpc>
-                <a:spcPts val="1500"/>
-              </a:lnSpc>
-            </a:pPr>
-            <a:br>
-              <a:rPr lang="en-US" dirty="0"/>
-            </a:br>
-            <a:r>
-              <a:rPr lang="en-US" b="0" u="none" strike="noStrike" dirty="0">
-                <a:solidFill>
-                  <a:srgbClr val="000000"/>
-                </a:solidFill>
-                <a:effectLst/>
-                <a:latin typeface="Arial" panose="020B0604020202020204" pitchFamily="34" charset="0"/>
-              </a:rPr>
-              <a:t>In summary, the combination of Python's simplicity, Copilot's AI-driven assistance, and Excel's widespread use creates a dynamic ecosystem. It addresses Excel's weaknesses while capitalizing on Python's strengths, making this trio a formidable force in data-driven environments.</a:t>
-            </a:r>
-          </a:p>
-          <a:p>
-            <a:endParaRPr lang="en-US" dirty="0"/>
-          </a:p>
-        </p:txBody>
-      </p:sp>
-      <p:sp>
-        <p:nvSpPr>
-          <p:cNvPr id="4" name="Slide Number Placeholder 3"/>
-          <p:cNvSpPr>
-            <a:spLocks noGrp="1"/>
-          </p:cNvSpPr>
-          <p:nvPr>
-            <p:ph type="sldNum" sz="quarter" idx="5"/>
-          </p:nvPr>
-        </p:nvSpPr>
-        <p:spPr/>
-        <p:txBody>
-          <a:bodyPr/>
-          <a:lstStyle/>
-          <a:p>
-            <a:fld id="{FFB500C5-13F7-48FC-8160-C29AECF6C602}" type="slidenum">
-              <a:rPr lang="en-US" smtClean="0"/>
-              <a:t>14</a:t>
-            </a:fld>
-            <a:endParaRPr lang="en-US"/>
-          </a:p>
-        </p:txBody>
-      </p:sp>
-    </p:spTree>
-    <p:extLst>
-      <p:ext uri="{BB962C8B-B14F-4D97-AF65-F5344CB8AC3E}">
-        <p14:creationId xmlns:p14="http://schemas.microsoft.com/office/powerpoint/2010/main" val="2469045808"/>
-      </p:ext>
-    </p:extLst>
-  </p:cSld>
-  <p:clrMapOvr>
-    <a:masterClrMapping/>
-  </p:clrMapOvr>
-</p:notes>
-</file>
-
-<file path=ppt/notesSlides/notesSlide12.xml><?xml version="1.0" encoding="utf-8"?>
-<p:notes xmlns:a="http://schemas.openxmlformats.org/drawingml/2006/main" xmlns:r="http://schemas.openxmlformats.org/officeDocument/2006/relationships" xmlns:p="http://schemas.openxmlformats.org/presentationml/2006/main">
-  <p:cSld>
-    <p:spTree>
-      <p:nvGrpSpPr>
-        <p:cNvPr id="1" name=""/>
-        <p:cNvGrpSpPr/>
-        <p:nvPr/>
-      </p:nvGrpSpPr>
-      <p:grpSpPr>
-        <a:xfrm>
-          <a:off x="0" y="0"/>
-          <a:ext cx="0" cy="0"/>
-          <a:chOff x="0" y="0"/>
-          <a:chExt cx="0" cy="0"/>
-        </a:xfrm>
-      </p:grpSpPr>
-      <p:sp>
-        <p:nvSpPr>
-          <p:cNvPr id="2" name="Slide Image Placeholder 1"/>
-          <p:cNvSpPr>
-            <a:spLocks noGrp="1" noRot="1" noChangeAspect="1"/>
-          </p:cNvSpPr>
-          <p:nvPr>
-            <p:ph type="sldImg"/>
-          </p:nvPr>
-        </p:nvSpPr>
-        <p:spPr/>
-      </p:sp>
-      <p:sp>
-        <p:nvSpPr>
-          <p:cNvPr id="3" name="Notes Placeholder 2"/>
-          <p:cNvSpPr>
-            <a:spLocks noGrp="1"/>
-          </p:cNvSpPr>
-          <p:nvPr>
-            <p:ph type="body" idx="1"/>
-          </p:nvPr>
-        </p:nvSpPr>
-        <p:spPr/>
-        <p:txBody>
-          <a:bodyPr/>
-          <a:lstStyle/>
-          <a:p>
-            <a:r>
-              <a:rPr lang="en-US" b="0" i="0" dirty="0">
-                <a:solidFill>
-                  <a:srgbClr val="000000"/>
-                </a:solidFill>
-                <a:effectLst/>
-                <a:latin typeface="Arial" panose="020B0604020202020204" pitchFamily="34" charset="0"/>
-              </a:rPr>
-              <a:t>In our discussion today about the future of Excel, we've focused on the integration of Python for backend data analysis, advanced charting, and machine learning, which offers powerful data manipulation capabilities through libraries like pandas and extensive visualization options with libraries like matplotlib and seaborn. </a:t>
-            </a:r>
-          </a:p>
-          <a:p>
-            <a:endParaRPr lang="en-US" b="0" i="0" dirty="0">
-              <a:solidFill>
-                <a:srgbClr val="000000"/>
-              </a:solidFill>
-              <a:effectLst/>
-              <a:latin typeface="Arial" panose="020B0604020202020204" pitchFamily="34" charset="0"/>
-            </a:endParaRPr>
-          </a:p>
-          <a:p>
-            <a:r>
-              <a:rPr lang="en-US" b="0" i="0" dirty="0">
-                <a:solidFill>
-                  <a:srgbClr val="000000"/>
-                </a:solidFill>
-                <a:effectLst/>
-                <a:latin typeface="Arial" panose="020B0604020202020204" pitchFamily="34" charset="0"/>
-              </a:rPr>
-              <a:t>Excel itself continues to shine with its frontend formatting, usability, and interactive dashboards, providing a user-friendly interface that's well-suited for widespread usage, formatting, and presentation. </a:t>
-            </a:r>
-          </a:p>
-          <a:p>
-            <a:endParaRPr lang="en-US" b="0" i="0" dirty="0">
-              <a:solidFill>
-                <a:srgbClr val="000000"/>
-              </a:solidFill>
-              <a:effectLst/>
-              <a:latin typeface="Arial" panose="020B0604020202020204" pitchFamily="34" charset="0"/>
-            </a:endParaRPr>
-          </a:p>
-          <a:p>
-            <a:r>
-              <a:rPr lang="en-US" b="0" i="0" dirty="0">
-                <a:solidFill>
-                  <a:srgbClr val="000000"/>
-                </a:solidFill>
-                <a:effectLst/>
-                <a:latin typeface="Arial" panose="020B0604020202020204" pitchFamily="34" charset="0"/>
-              </a:rPr>
-              <a:t>Now, although we haven't delved into JavaScript today, it's important to note that JavaScript, along with TypeScript, shares similar advantages to Python but in the realm of building applications, add-ins, and more for Excel. JavaScript and TypeScript enable additional add-ins, enhance interactivity, and facilitate web integration, allowing for the building and integration of more complex functionalities. This expands Excel's capabilities into web and app development, making it a versatile tool not just for data analysis but also for creating sophisticated user experiences within Excel's ecosystem. </a:t>
-            </a:r>
-          </a:p>
-          <a:p>
-            <a:endParaRPr lang="en-US" b="0" i="0" dirty="0">
-              <a:solidFill>
-                <a:srgbClr val="000000"/>
-              </a:solidFill>
-              <a:effectLst/>
-              <a:latin typeface="Arial" panose="020B0604020202020204" pitchFamily="34" charset="0"/>
-            </a:endParaRPr>
-          </a:p>
-          <a:p>
-            <a:r>
-              <a:rPr lang="en-US" b="0" i="0" dirty="0">
-                <a:solidFill>
-                  <a:srgbClr val="000000"/>
-                </a:solidFill>
-                <a:effectLst/>
-                <a:latin typeface="Arial" panose="020B0604020202020204" pitchFamily="34" charset="0"/>
-              </a:rPr>
-              <a:t>This synergy between Python, Excel, and JavaScript/TypeScript paints a promising picture for Excel's future, where it can evolve into a more comprehensive platform for both data professionals and developers.</a:t>
-            </a:r>
-            <a:endParaRPr lang="en-US" dirty="0"/>
-          </a:p>
-        </p:txBody>
-      </p:sp>
-      <p:sp>
-        <p:nvSpPr>
-          <p:cNvPr id="4" name="Slide Number Placeholder 3"/>
-          <p:cNvSpPr>
-            <a:spLocks noGrp="1"/>
-          </p:cNvSpPr>
-          <p:nvPr>
-            <p:ph type="sldNum" sz="quarter" idx="5"/>
-          </p:nvPr>
-        </p:nvSpPr>
-        <p:spPr/>
-        <p:txBody>
-          <a:bodyPr/>
-          <a:lstStyle/>
-          <a:p>
-            <a:fld id="{FFB500C5-13F7-48FC-8160-C29AECF6C602}" type="slidenum">
-              <a:rPr lang="en-US" smtClean="0"/>
-              <a:t>18</a:t>
-            </a:fld>
-            <a:endParaRPr lang="en-US"/>
-          </a:p>
-        </p:txBody>
-      </p:sp>
-    </p:spTree>
-    <p:extLst>
-      <p:ext uri="{BB962C8B-B14F-4D97-AF65-F5344CB8AC3E}">
-        <p14:creationId xmlns:p14="http://schemas.microsoft.com/office/powerpoint/2010/main" val="857960786"/>
-      </p:ext>
-    </p:extLst>
-  </p:cSld>
-  <p:clrMapOvr>
-    <a:masterClrMapping/>
-  </p:clrMapOvr>
-</p:notes>
-</file>
-
-<file path=ppt/notesSlides/notesSlide13.xml><?xml version="1.0" encoding="utf-8"?>
-<p:notes xmlns:a="http://schemas.openxmlformats.org/drawingml/2006/main" xmlns:r="http://schemas.openxmlformats.org/officeDocument/2006/relationships" xmlns:p="http://schemas.openxmlformats.org/presentationml/2006/main">
-  <p:cSld>
-    <p:spTree>
-      <p:nvGrpSpPr>
-        <p:cNvPr id="1" name=""/>
-        <p:cNvGrpSpPr/>
-        <p:nvPr/>
-      </p:nvGrpSpPr>
-      <p:grpSpPr>
-        <a:xfrm>
-          <a:off x="0" y="0"/>
-          <a:ext cx="0" cy="0"/>
-          <a:chOff x="0" y="0"/>
-          <a:chExt cx="0" cy="0"/>
-        </a:xfrm>
-      </p:grpSpPr>
-      <p:sp>
-        <p:nvSpPr>
-          <p:cNvPr id="2" name="Slide Image Placeholder 1"/>
-          <p:cNvSpPr>
-            <a:spLocks noGrp="1" noRot="1" noChangeAspect="1"/>
-          </p:cNvSpPr>
-          <p:nvPr>
-            <p:ph type="sldImg"/>
-          </p:nvPr>
-        </p:nvSpPr>
-        <p:spPr/>
-      </p:sp>
-      <p:sp>
-        <p:nvSpPr>
-          <p:cNvPr id="3" name="Notes Placeholder 2"/>
-          <p:cNvSpPr>
-            <a:spLocks noGrp="1"/>
-          </p:cNvSpPr>
-          <p:nvPr>
-            <p:ph type="body" idx="1"/>
-          </p:nvPr>
-        </p:nvSpPr>
-        <p:spPr/>
-        <p:txBody>
-          <a:bodyPr/>
-          <a:lstStyle/>
-          <a:p>
-            <a:pPr algn="l" rtl="0">
-              <a:lnSpc>
-                <a:spcPts val="1500"/>
-              </a:lnSpc>
-            </a:pPr>
-            <a:br>
-              <a:rPr lang="en-US" b="0" u="none" strike="noStrike" dirty="0">
-                <a:solidFill>
-                  <a:srgbClr val="000000"/>
-                </a:solidFill>
-                <a:effectLst/>
-                <a:latin typeface="Arial" panose="020B0604020202020204" pitchFamily="34" charset="0"/>
-              </a:rPr>
-            </a:br>
-            <a:r>
-              <a:rPr lang="en-US" b="0" u="none" strike="noStrike" dirty="0">
-                <a:solidFill>
-                  <a:srgbClr val="000000"/>
-                </a:solidFill>
-                <a:effectLst/>
-                <a:latin typeface="Arial" panose="020B0604020202020204" pitchFamily="34" charset="0"/>
-              </a:rPr>
               <a:t>Good afternoon, everyone. Today, we're exploring how Excel has become a powerful tool for transforming everyday professionals into citizen data analysts, scientists, and engineers, especially in the era of AI. Despite concerns about AI potentially rendering Excel skills obsolete, the reality is quite the opposite. Excel, with AI integration, serves as a gateway to advanced analytics, automated workflows, and machine learning, making it more relevant than ever.</a:t>
             </a:r>
           </a:p>
@@ -1413,7 +1088,7 @@
           <a:p>
             <a:fld id="{FFB500C5-13F7-48FC-8160-C29AECF6C602}" type="slidenum">
               <a:rPr lang="en-US" smtClean="0"/>
-              <a:t>19</a:t>
+              <a:t>17</a:t>
             </a:fld>
             <a:endParaRPr lang="en-US"/>
           </a:p>
@@ -1758,120 +1433,6 @@
         <p:cNvPr id="1" name="">
           <a:extLst>
             <a:ext uri="{FF2B5EF4-FFF2-40B4-BE49-F238E27FC236}">
-              <a16:creationId xmlns:a16="http://schemas.microsoft.com/office/drawing/2014/main" id="{18183593-C92C-41C2-CC82-57B557F469C4}"/>
-            </a:ext>
-          </a:extLst>
-        </p:cNvPr>
-        <p:cNvGrpSpPr/>
-        <p:nvPr/>
-      </p:nvGrpSpPr>
-      <p:grpSpPr>
-        <a:xfrm>
-          <a:off x="0" y="0"/>
-          <a:ext cx="0" cy="0"/>
-          <a:chOff x="0" y="0"/>
-          <a:chExt cx="0" cy="0"/>
-        </a:xfrm>
-      </p:grpSpPr>
-      <p:sp>
-        <p:nvSpPr>
-          <p:cNvPr id="2" name="Slide Image Placeholder 1">
-            <a:extLst>
-              <a:ext uri="{FF2B5EF4-FFF2-40B4-BE49-F238E27FC236}">
-                <a16:creationId xmlns:a16="http://schemas.microsoft.com/office/drawing/2014/main" id="{552588BC-B962-368F-2275-751A7390CA0A}"/>
-              </a:ext>
-            </a:extLst>
-          </p:cNvPr>
-          <p:cNvSpPr>
-            <a:spLocks noGrp="1" noRot="1" noChangeAspect="1"/>
-          </p:cNvSpPr>
-          <p:nvPr>
-            <p:ph type="sldImg"/>
-          </p:nvPr>
-        </p:nvSpPr>
-        <p:spPr/>
-      </p:sp>
-      <p:sp>
-        <p:nvSpPr>
-          <p:cNvPr id="3" name="Notes Placeholder 2">
-            <a:extLst>
-              <a:ext uri="{FF2B5EF4-FFF2-40B4-BE49-F238E27FC236}">
-                <a16:creationId xmlns:a16="http://schemas.microsoft.com/office/drawing/2014/main" id="{7C3B4E52-86C3-9FFA-7389-09CB66B89F08}"/>
-              </a:ext>
-            </a:extLst>
-          </p:cNvPr>
-          <p:cNvSpPr>
-            <a:spLocks noGrp="1"/>
-          </p:cNvSpPr>
-          <p:nvPr>
-            <p:ph type="body" idx="1"/>
-          </p:nvPr>
-        </p:nvSpPr>
-        <p:spPr/>
-        <p:txBody>
-          <a:bodyPr/>
-          <a:lstStyle/>
-          <a:p>
-            <a:r>
-              <a:rPr lang="en-US" sz="1200" dirty="0">
-                <a:hlinkClick r:id="rId3"/>
-              </a:rPr>
-              <a:t>https://swiy.co/TLlN</a:t>
-            </a:r>
-            <a:endParaRPr lang="en-US" sz="1200" dirty="0"/>
-          </a:p>
-        </p:txBody>
-      </p:sp>
-      <p:sp>
-        <p:nvSpPr>
-          <p:cNvPr id="4" name="Slide Number Placeholder 3">
-            <a:extLst>
-              <a:ext uri="{FF2B5EF4-FFF2-40B4-BE49-F238E27FC236}">
-                <a16:creationId xmlns:a16="http://schemas.microsoft.com/office/drawing/2014/main" id="{89980446-2628-B553-851F-32B92509F2F4}"/>
-              </a:ext>
-            </a:extLst>
-          </p:cNvPr>
-          <p:cNvSpPr>
-            <a:spLocks noGrp="1"/>
-          </p:cNvSpPr>
-          <p:nvPr>
-            <p:ph type="sldNum" sz="quarter" idx="5"/>
-          </p:nvPr>
-        </p:nvSpPr>
-        <p:spPr/>
-        <p:txBody>
-          <a:bodyPr/>
-          <a:lstStyle/>
-          <a:p>
-            <a:fld id="{FFB500C5-13F7-48FC-8160-C29AECF6C602}" type="slidenum">
-              <a:rPr lang="en-US" smtClean="0"/>
-              <a:t>8</a:t>
-            </a:fld>
-            <a:endParaRPr lang="en-US"/>
-          </a:p>
-        </p:txBody>
-      </p:sp>
-    </p:spTree>
-    <p:extLst>
-      <p:ext uri="{BB962C8B-B14F-4D97-AF65-F5344CB8AC3E}">
-        <p14:creationId xmlns:p14="http://schemas.microsoft.com/office/powerpoint/2010/main" val="3802025982"/>
-      </p:ext>
-    </p:extLst>
-  </p:cSld>
-  <p:clrMapOvr>
-    <a:masterClrMapping/>
-  </p:clrMapOvr>
-</p:notes>
-</file>
-
-<file path=ppt/notesSlides/notesSlide6.xml><?xml version="1.0" encoding="utf-8"?>
-<p:notes xmlns:a="http://schemas.openxmlformats.org/drawingml/2006/main" xmlns:r="http://schemas.openxmlformats.org/officeDocument/2006/relationships" xmlns:p="http://schemas.openxmlformats.org/presentationml/2006/main">
-  <p:cSld>
-    <p:spTree>
-      <p:nvGrpSpPr>
-        <p:cNvPr id="1" name="">
-          <a:extLst>
-            <a:ext uri="{FF2B5EF4-FFF2-40B4-BE49-F238E27FC236}">
               <a16:creationId xmlns:a16="http://schemas.microsoft.com/office/drawing/2014/main" id="{8F475349-AC08-97E4-F710-BE9CD2605907}"/>
             </a:ext>
           </a:extLst>
@@ -1959,7 +1520,7 @@
           <a:p>
             <a:fld id="{FFB500C5-13F7-48FC-8160-C29AECF6C602}" type="slidenum">
               <a:rPr lang="en-US" smtClean="0"/>
-              <a:t>9</a:t>
+              <a:t>8</a:t>
             </a:fld>
             <a:endParaRPr lang="en-US"/>
           </a:p>
@@ -1978,121 +1539,7 @@
 </p:notes>
 </file>
 
-<file path=ppt/notesSlides/notesSlide7.xml><?xml version="1.0" encoding="utf-8"?>
-<p:notes xmlns:a="http://schemas.openxmlformats.org/drawingml/2006/main" xmlns:r="http://schemas.openxmlformats.org/officeDocument/2006/relationships" xmlns:p="http://schemas.openxmlformats.org/presentationml/2006/main">
-  <p:cSld>
-    <p:spTree>
-      <p:nvGrpSpPr>
-        <p:cNvPr id="1" name="">
-          <a:extLst>
-            <a:ext uri="{FF2B5EF4-FFF2-40B4-BE49-F238E27FC236}">
-              <a16:creationId xmlns:a16="http://schemas.microsoft.com/office/drawing/2014/main" id="{A84FF6A5-DE04-2F18-E8B4-E2492038DE71}"/>
-            </a:ext>
-          </a:extLst>
-        </p:cNvPr>
-        <p:cNvGrpSpPr/>
-        <p:nvPr/>
-      </p:nvGrpSpPr>
-      <p:grpSpPr>
-        <a:xfrm>
-          <a:off x="0" y="0"/>
-          <a:ext cx="0" cy="0"/>
-          <a:chOff x="0" y="0"/>
-          <a:chExt cx="0" cy="0"/>
-        </a:xfrm>
-      </p:grpSpPr>
-      <p:sp>
-        <p:nvSpPr>
-          <p:cNvPr id="2" name="Slide Image Placeholder 1">
-            <a:extLst>
-              <a:ext uri="{FF2B5EF4-FFF2-40B4-BE49-F238E27FC236}">
-                <a16:creationId xmlns:a16="http://schemas.microsoft.com/office/drawing/2014/main" id="{60A3A61D-7694-BFA4-F196-0443BDCB8944}"/>
-              </a:ext>
-            </a:extLst>
-          </p:cNvPr>
-          <p:cNvSpPr>
-            <a:spLocks noGrp="1" noRot="1" noChangeAspect="1"/>
-          </p:cNvSpPr>
-          <p:nvPr>
-            <p:ph type="sldImg"/>
-          </p:nvPr>
-        </p:nvSpPr>
-        <p:spPr/>
-      </p:sp>
-      <p:sp>
-        <p:nvSpPr>
-          <p:cNvPr id="3" name="Notes Placeholder 2">
-            <a:extLst>
-              <a:ext uri="{FF2B5EF4-FFF2-40B4-BE49-F238E27FC236}">
-                <a16:creationId xmlns:a16="http://schemas.microsoft.com/office/drawing/2014/main" id="{E06AB5AC-0F1D-0CE9-D0B3-959527E83FE5}"/>
-              </a:ext>
-            </a:extLst>
-          </p:cNvPr>
-          <p:cNvSpPr>
-            <a:spLocks noGrp="1"/>
-          </p:cNvSpPr>
-          <p:nvPr>
-            <p:ph type="body" idx="1"/>
-          </p:nvPr>
-        </p:nvSpPr>
-        <p:spPr/>
-        <p:txBody>
-          <a:bodyPr/>
-          <a:lstStyle/>
-          <a:p>
-            <a:r>
-              <a:rPr lang="en-US" sz="1200" dirty="0">
-                <a:hlinkClick r:id="rId3"/>
-              </a:rPr>
-              <a:t>https://swiy.co/TLlN</a:t>
-            </a:r>
-            <a:endParaRPr lang="en-US" sz="1200" dirty="0"/>
-          </a:p>
-        </p:txBody>
-      </p:sp>
-      <p:sp>
-        <p:nvSpPr>
-          <p:cNvPr id="4" name="Slide Number Placeholder 3">
-            <a:extLst>
-              <a:ext uri="{FF2B5EF4-FFF2-40B4-BE49-F238E27FC236}">
-                <a16:creationId xmlns:a16="http://schemas.microsoft.com/office/drawing/2014/main" id="{F9805565-4861-B99F-F587-A45D52FF94FC}"/>
-              </a:ext>
-            </a:extLst>
-          </p:cNvPr>
-          <p:cNvSpPr>
-            <a:spLocks noGrp="1"/>
-          </p:cNvSpPr>
-          <p:nvPr>
-            <p:ph type="sldNum" sz="quarter" idx="5"/>
-          </p:nvPr>
-        </p:nvSpPr>
-        <p:spPr/>
-        <p:txBody>
-          <a:bodyPr/>
-          <a:lstStyle/>
-          <a:p>
-            <a:fld id="{FFB500C5-13F7-48FC-8160-C29AECF6C602}" type="slidenum">
-              <a:rPr lang="en-US" smtClean="0"/>
-              <a:t>10</a:t>
-            </a:fld>
-            <a:endParaRPr lang="en-US"/>
-          </a:p>
-        </p:txBody>
-      </p:sp>
-    </p:spTree>
-    <p:extLst>
-      <p:ext uri="{BB962C8B-B14F-4D97-AF65-F5344CB8AC3E}">
-        <p14:creationId xmlns:p14="http://schemas.microsoft.com/office/powerpoint/2010/main" val="768928067"/>
-      </p:ext>
-    </p:extLst>
-  </p:cSld>
-  <p:clrMapOvr>
-    <a:masterClrMapping/>
-  </p:clrMapOvr>
-</p:notes>
-</file>
-
-<file path=ppt/notesSlides/notesSlide8.xml><?xml version="1.0" encoding="utf-8"?>
+<file path=ppt/notesSlides/notesSlide6.xml><?xml version="1.0" encoding="utf-8"?>
 <p:notes xmlns:a="http://schemas.openxmlformats.org/drawingml/2006/main" xmlns:r="http://schemas.openxmlformats.org/officeDocument/2006/relationships" xmlns:p="http://schemas.openxmlformats.org/presentationml/2006/main">
   <p:cSld>
     <p:spTree>
@@ -2187,7 +1634,7 @@
           <a:p>
             <a:fld id="{FFB500C5-13F7-48FC-8160-C29AECF6C602}" type="slidenum">
               <a:rPr lang="en-US" smtClean="0"/>
-              <a:t>11</a:t>
+              <a:t>9</a:t>
             </a:fld>
             <a:endParaRPr lang="en-US"/>
           </a:p>
@@ -2206,7 +1653,7 @@
 </p:notes>
 </file>
 
-<file path=ppt/notesSlides/notesSlide9.xml><?xml version="1.0" encoding="utf-8"?>
+<file path=ppt/notesSlides/notesSlide7.xml><?xml version="1.0" encoding="utf-8"?>
 <p:notes xmlns:a="http://schemas.openxmlformats.org/drawingml/2006/main" xmlns:r="http://schemas.openxmlformats.org/officeDocument/2006/relationships" xmlns:p="http://schemas.openxmlformats.org/presentationml/2006/main">
   <p:cSld>
     <p:spTree>
@@ -2301,7 +1748,7 @@
           <a:p>
             <a:fld id="{FFB500C5-13F7-48FC-8160-C29AECF6C602}" type="slidenum">
               <a:rPr lang="en-US" smtClean="0"/>
-              <a:t>12</a:t>
+              <a:t>10</a:t>
             </a:fld>
             <a:endParaRPr lang="en-US"/>
           </a:p>
@@ -2311,6 +1758,329 @@
     <p:extLst>
       <p:ext uri="{BB962C8B-B14F-4D97-AF65-F5344CB8AC3E}">
         <p14:creationId xmlns:p14="http://schemas.microsoft.com/office/powerpoint/2010/main" val="4200641320"/>
+      </p:ext>
+    </p:extLst>
+  </p:cSld>
+  <p:clrMapOvr>
+    <a:masterClrMapping/>
+  </p:clrMapOvr>
+</p:notes>
+</file>
+
+<file path=ppt/notesSlides/notesSlide8.xml><?xml version="1.0" encoding="utf-8"?>
+<p:notes xmlns:a="http://schemas.openxmlformats.org/drawingml/2006/main" xmlns:r="http://schemas.openxmlformats.org/officeDocument/2006/relationships" xmlns:p="http://schemas.openxmlformats.org/presentationml/2006/main">
+  <p:cSld>
+    <p:spTree>
+      <p:nvGrpSpPr>
+        <p:cNvPr id="1" name=""/>
+        <p:cNvGrpSpPr/>
+        <p:nvPr/>
+      </p:nvGrpSpPr>
+      <p:grpSpPr>
+        <a:xfrm>
+          <a:off x="0" y="0"/>
+          <a:ext cx="0" cy="0"/>
+          <a:chOff x="0" y="0"/>
+          <a:chExt cx="0" cy="0"/>
+        </a:xfrm>
+      </p:grpSpPr>
+      <p:sp>
+        <p:nvSpPr>
+          <p:cNvPr id="2" name="Slide Image Placeholder 1"/>
+          <p:cNvSpPr>
+            <a:spLocks noGrp="1" noRot="1" noChangeAspect="1"/>
+          </p:cNvSpPr>
+          <p:nvPr>
+            <p:ph type="sldImg"/>
+          </p:nvPr>
+        </p:nvSpPr>
+        <p:spPr/>
+      </p:sp>
+      <p:sp>
+        <p:nvSpPr>
+          <p:cNvPr id="3" name="Notes Placeholder 2"/>
+          <p:cNvSpPr>
+            <a:spLocks noGrp="1"/>
+          </p:cNvSpPr>
+          <p:nvPr>
+            <p:ph type="body" idx="1"/>
+          </p:nvPr>
+        </p:nvSpPr>
+        <p:spPr/>
+        <p:txBody>
+          <a:bodyPr/>
+          <a:lstStyle/>
+          <a:p>
+            <a:endParaRPr lang="en-US" dirty="0"/>
+          </a:p>
+        </p:txBody>
+      </p:sp>
+      <p:sp>
+        <p:nvSpPr>
+          <p:cNvPr id="4" name="Slide Number Placeholder 3"/>
+          <p:cNvSpPr>
+            <a:spLocks noGrp="1"/>
+          </p:cNvSpPr>
+          <p:nvPr>
+            <p:ph type="sldNum" sz="quarter" idx="5"/>
+          </p:nvPr>
+        </p:nvSpPr>
+        <p:spPr/>
+        <p:txBody>
+          <a:bodyPr/>
+          <a:lstStyle/>
+          <a:p>
+            <a:fld id="{FFB500C5-13F7-48FC-8160-C29AECF6C602}" type="slidenum">
+              <a:rPr lang="en-US" smtClean="0"/>
+              <a:t>11</a:t>
+            </a:fld>
+            <a:endParaRPr lang="en-US"/>
+          </a:p>
+        </p:txBody>
+      </p:sp>
+    </p:spTree>
+    <p:extLst>
+      <p:ext uri="{BB962C8B-B14F-4D97-AF65-F5344CB8AC3E}">
+        <p14:creationId xmlns:p14="http://schemas.microsoft.com/office/powerpoint/2010/main" val="981337392"/>
+      </p:ext>
+    </p:extLst>
+  </p:cSld>
+  <p:clrMapOvr>
+    <a:masterClrMapping/>
+  </p:clrMapOvr>
+</p:notes>
+</file>
+
+<file path=ppt/notesSlides/notesSlide9.xml><?xml version="1.0" encoding="utf-8"?>
+<p:notes xmlns:a="http://schemas.openxmlformats.org/drawingml/2006/main" xmlns:r="http://schemas.openxmlformats.org/officeDocument/2006/relationships" xmlns:p="http://schemas.openxmlformats.org/presentationml/2006/main">
+  <p:cSld>
+    <p:spTree>
+      <p:nvGrpSpPr>
+        <p:cNvPr id="1" name=""/>
+        <p:cNvGrpSpPr/>
+        <p:nvPr/>
+      </p:nvGrpSpPr>
+      <p:grpSpPr>
+        <a:xfrm>
+          <a:off x="0" y="0"/>
+          <a:ext cx="0" cy="0"/>
+          <a:chOff x="0" y="0"/>
+          <a:chExt cx="0" cy="0"/>
+        </a:xfrm>
+      </p:grpSpPr>
+      <p:sp>
+        <p:nvSpPr>
+          <p:cNvPr id="2" name="Slide Image Placeholder 1"/>
+          <p:cNvSpPr>
+            <a:spLocks noGrp="1" noRot="1" noChangeAspect="1"/>
+          </p:cNvSpPr>
+          <p:nvPr>
+            <p:ph type="sldImg"/>
+          </p:nvPr>
+        </p:nvSpPr>
+        <p:spPr/>
+      </p:sp>
+      <p:sp>
+        <p:nvSpPr>
+          <p:cNvPr id="3" name="Notes Placeholder 2"/>
+          <p:cNvSpPr>
+            <a:spLocks noGrp="1"/>
+          </p:cNvSpPr>
+          <p:nvPr>
+            <p:ph type="body" idx="1"/>
+          </p:nvPr>
+        </p:nvSpPr>
+        <p:spPr/>
+        <p:txBody>
+          <a:bodyPr/>
+          <a:lstStyle/>
+          <a:p>
+            <a:r>
+              <a:rPr lang="en-US" dirty="0"/>
+              <a:t>https://stringfestanalytics.com/the-end-of-dax-and-m-how-ai-and-python-are-transforming-excel/</a:t>
+            </a:r>
+          </a:p>
+          <a:p>
+            <a:endParaRPr lang="en-US" dirty="0"/>
+          </a:p>
+          <a:p>
+            <a:pPr algn="l" rtl="0">
+              <a:lnSpc>
+                <a:spcPts val="1500"/>
+              </a:lnSpc>
+            </a:pPr>
+            <a:br>
+              <a:rPr lang="en-US" b="0" u="none" strike="noStrike" dirty="0">
+                <a:solidFill>
+                  <a:srgbClr val="000000"/>
+                </a:solidFill>
+                <a:effectLst/>
+                <a:latin typeface="Arial" panose="020B0604020202020204" pitchFamily="34" charset="0"/>
+              </a:rPr>
+            </a:br>
+            <a:r>
+              <a:rPr lang="en-US" b="0" u="none" strike="noStrike" dirty="0">
+                <a:solidFill>
+                  <a:srgbClr val="000000"/>
+                </a:solidFill>
+                <a:effectLst/>
+                <a:latin typeface="Arial" panose="020B0604020202020204" pitchFamily="34" charset="0"/>
+              </a:rPr>
+              <a:t>To get started, I want to discuss why the combination of Python, Copilot, and Excel creates such a powerful synergy in data analysis and automation. Python is renowned for its simplicity and readability, making it an excellent 'glue' language. Unlike Excel's complex architecture, Python offers a smooth, snag-free experience for developers. Its syntax is clean and intuitive, which reduces errors and makes code maintenance easier. This simplicity is crucial when integrating different tools and workflows.</a:t>
+            </a:r>
+          </a:p>
+          <a:p>
+            <a:pPr algn="l" rtl="0">
+              <a:lnSpc>
+                <a:spcPts val="1500"/>
+              </a:lnSpc>
+            </a:pPr>
+            <a:br>
+              <a:rPr lang="en-US" dirty="0"/>
+            </a:br>
+            <a:r>
+              <a:rPr lang="en-US" b="0" u="none" strike="noStrike" dirty="0">
+                <a:solidFill>
+                  <a:srgbClr val="000000"/>
+                </a:solidFill>
+                <a:effectLst/>
+                <a:latin typeface="Arial" panose="020B0604020202020204" pitchFamily="34" charset="0"/>
+              </a:rPr>
+              <a:t>Copilot excels at working with Python code because of Python's extensive and well-documented codebase. This vast repository provides a rich learning ground for Copilot's machine learning model. As an AI pair programmer, Copilot leverages this knowledge to suggest code completions, write entire functions, and even help debug Python scripts in real-time, enhancing productivity significantly.</a:t>
+            </a:r>
+          </a:p>
+          <a:p>
+            <a:pPr algn="l" rtl="0">
+              <a:lnSpc>
+                <a:spcPts val="1500"/>
+              </a:lnSpc>
+            </a:pPr>
+            <a:br>
+              <a:rPr lang="en-US" dirty="0"/>
+            </a:br>
+            <a:r>
+              <a:rPr lang="en-US" b="0" u="none" strike="noStrike" dirty="0">
+                <a:solidFill>
+                  <a:srgbClr val="000000"/>
+                </a:solidFill>
+                <a:effectLst/>
+                <a:latin typeface="Arial" panose="020B0604020202020204" pitchFamily="34" charset="0"/>
+              </a:rPr>
+              <a:t>Excel, while powerful, has been the subject of many jokes regarding its data integrity issues. The humor in the slide points out Excel's tendency to misinterpret data, like turning dates into numbers or mixing up different data types. Additionally, Excel's architecture with separate components like Power Query for data transformation, Power Pivot for data modeling, and VBA for automation, creates silos which can be challenging to integrate seamlessly.</a:t>
+            </a:r>
+          </a:p>
+          <a:p>
+            <a:pPr algn="l" rtl="0">
+              <a:lnSpc>
+                <a:spcPts val="1500"/>
+              </a:lnSpc>
+            </a:pPr>
+            <a:br>
+              <a:rPr lang="en-US" dirty="0"/>
+            </a:br>
+            <a:r>
+              <a:rPr lang="en-US" b="0" u="none" strike="noStrike" dirty="0">
+                <a:solidFill>
+                  <a:srgbClr val="000000"/>
+                </a:solidFill>
+                <a:effectLst/>
+                <a:latin typeface="Arial" panose="020B0604020202020204" pitchFamily="34" charset="0"/>
+              </a:rPr>
+              <a:t>Integrating Python with Excel through tools like Python's </a:t>
+            </a:r>
+            <a:r>
+              <a:rPr lang="en-US" sz="1800" b="0" u="none" strike="noStrike" dirty="0">
+                <a:solidFill>
+                  <a:srgbClr val="000000"/>
+                </a:solidFill>
+                <a:effectLst/>
+                <a:latin typeface="Courier New" panose="02070309020205020404" pitchFamily="49" charset="0"/>
+              </a:rPr>
+              <a:t>pandas</a:t>
+            </a:r>
+            <a:r>
+              <a:rPr lang="en-US" b="0" u="none" strike="noStrike" dirty="0">
+                <a:solidFill>
+                  <a:srgbClr val="000000"/>
+                </a:solidFill>
+                <a:effectLst/>
+                <a:latin typeface="Arial" panose="020B0604020202020204" pitchFamily="34" charset="0"/>
+              </a:rPr>
+              <a:t> library or Excel's Python add-ins allows us to leverage Excel's user-friendly interface while overcoming its limitations with Python's robust data handling capabilities. Copilot acts as the bridge, providing intelligent coding assistance in Python, which can then interact with Excel data, making data manipulation, analysis, and visualization more efficient and less error-prone.</a:t>
+            </a:r>
+          </a:p>
+          <a:p>
+            <a:pPr algn="l" rtl="0">
+              <a:lnSpc>
+                <a:spcPts val="1500"/>
+              </a:lnSpc>
+            </a:pPr>
+            <a:br>
+              <a:rPr lang="en-US" dirty="0"/>
+            </a:br>
+            <a:r>
+              <a:rPr lang="en-US" b="0" u="none" strike="noStrike" dirty="0">
+                <a:solidFill>
+                  <a:srgbClr val="000000"/>
+                </a:solidFill>
+                <a:effectLst/>
+                <a:latin typeface="Arial" panose="020B0604020202020204" pitchFamily="34" charset="0"/>
+              </a:rPr>
+              <a:t>Given the trend towards more open, flexible, and integrated tools, the future seems less promising for proprietary languages like Excel's VBA. Python's open-source nature, coupled with AI assistance from tools like Copilot, offers a scalable and future-proof solution. This crossover not only enhances current workflows but also prepares us for future advancements in AI and data science, where Python will likely continue to play a leading role.</a:t>
+            </a:r>
+          </a:p>
+          <a:p>
+            <a:pPr algn="l" rtl="0">
+              <a:lnSpc>
+                <a:spcPts val="1500"/>
+              </a:lnSpc>
+            </a:pPr>
+            <a:br>
+              <a:rPr lang="en-US" dirty="0"/>
+            </a:br>
+            <a:r>
+              <a:rPr lang="en-US" b="0" u="none" strike="noStrike" dirty="0">
+                <a:solidFill>
+                  <a:srgbClr val="000000"/>
+                </a:solidFill>
+                <a:effectLst/>
+                <a:latin typeface="Arial" panose="020B0604020202020204" pitchFamily="34" charset="0"/>
+              </a:rPr>
+              <a:t>In summary, the combination of Python's simplicity, Copilot's AI-driven assistance, and Excel's widespread use creates a dynamic ecosystem. It addresses Excel's weaknesses while capitalizing on Python's strengths, making this trio a formidable force in data-driven environments.</a:t>
+            </a:r>
+          </a:p>
+          <a:p>
+            <a:endParaRPr lang="en-US" dirty="0"/>
+          </a:p>
+        </p:txBody>
+      </p:sp>
+      <p:sp>
+        <p:nvSpPr>
+          <p:cNvPr id="4" name="Slide Number Placeholder 3"/>
+          <p:cNvSpPr>
+            <a:spLocks noGrp="1"/>
+          </p:cNvSpPr>
+          <p:nvPr>
+            <p:ph type="sldNum" sz="quarter" idx="5"/>
+          </p:nvPr>
+        </p:nvSpPr>
+        <p:spPr/>
+        <p:txBody>
+          <a:bodyPr/>
+          <a:lstStyle/>
+          <a:p>
+            <a:fld id="{FFB500C5-13F7-48FC-8160-C29AECF6C602}" type="slidenum">
+              <a:rPr lang="en-US" smtClean="0"/>
+              <a:t>12</a:t>
+            </a:fld>
+            <a:endParaRPr lang="en-US"/>
+          </a:p>
+        </p:txBody>
+      </p:sp>
+    </p:spTree>
+    <p:extLst>
+      <p:ext uri="{BB962C8B-B14F-4D97-AF65-F5344CB8AC3E}">
+        <p14:creationId xmlns:p14="http://schemas.microsoft.com/office/powerpoint/2010/main" val="2469045808"/>
       </p:ext>
     </p:extLst>
   </p:cSld>
@@ -5476,439 +5246,6 @@
         <p:cNvPr id="1" name="">
           <a:extLst>
             <a:ext uri="{FF2B5EF4-FFF2-40B4-BE49-F238E27FC236}">
-              <a16:creationId xmlns:a16="http://schemas.microsoft.com/office/drawing/2014/main" id="{72E7D943-63A2-369D-4888-2572CDA55123}"/>
-            </a:ext>
-          </a:extLst>
-        </p:cNvPr>
-        <p:cNvGrpSpPr/>
-        <p:nvPr/>
-      </p:nvGrpSpPr>
-      <p:grpSpPr>
-        <a:xfrm>
-          <a:off x="0" y="0"/>
-          <a:ext cx="0" cy="0"/>
-          <a:chOff x="0" y="0"/>
-          <a:chExt cx="0" cy="0"/>
-        </a:xfrm>
-      </p:grpSpPr>
-      <p:sp>
-        <p:nvSpPr>
-          <p:cNvPr id="11" name="TextBox 10">
-            <a:extLst>
-              <a:ext uri="{FF2B5EF4-FFF2-40B4-BE49-F238E27FC236}">
-                <a16:creationId xmlns:a16="http://schemas.microsoft.com/office/drawing/2014/main" id="{264AEF68-FD01-1C85-3D05-28F0B7991F75}"/>
-              </a:ext>
-            </a:extLst>
-          </p:cNvPr>
-          <p:cNvSpPr txBox="1"/>
-          <p:nvPr/>
-        </p:nvSpPr>
-        <p:spPr>
-          <a:xfrm>
-            <a:off x="520861" y="170082"/>
-            <a:ext cx="17309939" cy="1477328"/>
-          </a:xfrm>
-          <a:prstGeom prst="rect">
-            <a:avLst/>
-          </a:prstGeom>
-          <a:noFill/>
-        </p:spPr>
-        <p:txBody>
-          <a:bodyPr wrap="square" rtlCol="0">
-            <a:spAutoFit/>
-          </a:bodyPr>
-          <a:lstStyle/>
-          <a:p>
-            <a:r>
-              <a:rPr lang="en-US" sz="9000" dirty="0">
-                <a:latin typeface="Aliens &amp; cows" panose="00000500000000000000" pitchFamily="2" charset="0"/>
-              </a:rPr>
-              <a:t>Copilot in Excel… not enough? </a:t>
-            </a:r>
-          </a:p>
-        </p:txBody>
-      </p:sp>
-      <p:pic>
-        <p:nvPicPr>
-          <p:cNvPr id="15" name="Picture 14" descr="A close up of a sign&#10;&#10;Description automatically generated">
-            <a:extLst>
-              <a:ext uri="{FF2B5EF4-FFF2-40B4-BE49-F238E27FC236}">
-                <a16:creationId xmlns:a16="http://schemas.microsoft.com/office/drawing/2014/main" id="{B561A415-3EBA-7B80-CC0D-AE44E97BCB42}"/>
-              </a:ext>
-            </a:extLst>
-          </p:cNvPr>
-          <p:cNvPicPr>
-            <a:picLocks noChangeAspect="1"/>
-          </p:cNvPicPr>
-          <p:nvPr/>
-        </p:nvPicPr>
-        <p:blipFill>
-          <a:blip r:embed="rId3">
-            <a:extLst>
-              <a:ext uri="{28A0092B-C50C-407E-A947-70E740481C1C}">
-                <a14:useLocalDpi xmlns:a14="http://schemas.microsoft.com/office/drawing/2010/main" val="0"/>
-              </a:ext>
-            </a:extLst>
-          </a:blip>
-          <a:stretch>
-            <a:fillRect/>
-          </a:stretch>
-        </p:blipFill>
-        <p:spPr>
-          <a:xfrm>
-            <a:off x="16341036" y="8058429"/>
-            <a:ext cx="1942857" cy="2228571"/>
-          </a:xfrm>
-          <a:prstGeom prst="rect">
-            <a:avLst/>
-          </a:prstGeom>
-        </p:spPr>
-      </p:pic>
-      <p:pic>
-        <p:nvPicPr>
-          <p:cNvPr id="9" name="Picture 8">
-            <a:extLst>
-              <a:ext uri="{FF2B5EF4-FFF2-40B4-BE49-F238E27FC236}">
-                <a16:creationId xmlns:a16="http://schemas.microsoft.com/office/drawing/2014/main" id="{D5353FD7-35AA-E98D-D5C7-5A021A478D11}"/>
-              </a:ext>
-            </a:extLst>
-          </p:cNvPr>
-          <p:cNvPicPr>
-            <a:picLocks noChangeAspect="1"/>
-          </p:cNvPicPr>
-          <p:nvPr/>
-        </p:nvPicPr>
-        <p:blipFill>
-          <a:blip r:embed="rId4"/>
-          <a:stretch>
-            <a:fillRect/>
-          </a:stretch>
-        </p:blipFill>
-        <p:spPr>
-          <a:xfrm>
-            <a:off x="1143000" y="1535139"/>
-            <a:ext cx="14685399" cy="8581779"/>
-          </a:xfrm>
-          <a:prstGeom prst="rect">
-            <a:avLst/>
-          </a:prstGeom>
-        </p:spPr>
-      </p:pic>
-      <p:sp>
-        <p:nvSpPr>
-          <p:cNvPr id="2" name="TextBox 1">
-            <a:extLst>
-              <a:ext uri="{FF2B5EF4-FFF2-40B4-BE49-F238E27FC236}">
-                <a16:creationId xmlns:a16="http://schemas.microsoft.com/office/drawing/2014/main" id="{B4B1D4C4-51A6-6297-F2C8-AC6249954C81}"/>
-              </a:ext>
-            </a:extLst>
-          </p:cNvPr>
-          <p:cNvSpPr txBox="1"/>
-          <p:nvPr/>
-        </p:nvSpPr>
-        <p:spPr>
-          <a:xfrm>
-            <a:off x="10287000" y="5520898"/>
-            <a:ext cx="2400837" cy="646331"/>
-          </a:xfrm>
-          <a:prstGeom prst="rect">
-            <a:avLst/>
-          </a:prstGeom>
-          <a:noFill/>
-        </p:spPr>
-        <p:txBody>
-          <a:bodyPr wrap="square" rtlCol="0">
-            <a:spAutoFit/>
-          </a:bodyPr>
-          <a:lstStyle/>
-          <a:p>
-            <a:r>
-              <a:rPr lang="en-US" b="1" dirty="0"/>
-              <a:t>Python in Excel announcement</a:t>
-            </a:r>
-          </a:p>
-        </p:txBody>
-      </p:sp>
-      <p:cxnSp>
-        <p:nvCxnSpPr>
-          <p:cNvPr id="4" name="Straight Arrow Connector 3">
-            <a:extLst>
-              <a:ext uri="{FF2B5EF4-FFF2-40B4-BE49-F238E27FC236}">
-                <a16:creationId xmlns:a16="http://schemas.microsoft.com/office/drawing/2014/main" id="{844AD7FE-C1F7-71D1-AE24-C187B34DE005}"/>
-              </a:ext>
-            </a:extLst>
-          </p:cNvPr>
-          <p:cNvCxnSpPr/>
-          <p:nvPr/>
-        </p:nvCxnSpPr>
-        <p:spPr>
-          <a:xfrm>
-            <a:off x="10896600" y="6134100"/>
-            <a:ext cx="304800" cy="457200"/>
-          </a:xfrm>
-          <a:prstGeom prst="straightConnector1">
-            <a:avLst/>
-          </a:prstGeom>
-          <a:ln>
-            <a:tailEnd type="triangle"/>
-          </a:ln>
-        </p:spPr>
-        <p:style>
-          <a:lnRef idx="1">
-            <a:schemeClr val="accent1"/>
-          </a:lnRef>
-          <a:fillRef idx="0">
-            <a:schemeClr val="accent1"/>
-          </a:fillRef>
-          <a:effectRef idx="0">
-            <a:schemeClr val="accent1"/>
-          </a:effectRef>
-          <a:fontRef idx="minor">
-            <a:schemeClr val="tx1"/>
-          </a:fontRef>
-        </p:style>
-      </p:cxnSp>
-      <p:sp>
-        <p:nvSpPr>
-          <p:cNvPr id="3" name="TextBox 2">
-            <a:extLst>
-              <a:ext uri="{FF2B5EF4-FFF2-40B4-BE49-F238E27FC236}">
-                <a16:creationId xmlns:a16="http://schemas.microsoft.com/office/drawing/2014/main" id="{9A18BC56-DAEA-7FA6-08F6-9FA84FFDB897}"/>
-              </a:ext>
-            </a:extLst>
-          </p:cNvPr>
-          <p:cNvSpPr txBox="1"/>
-          <p:nvPr/>
-        </p:nvSpPr>
-        <p:spPr>
-          <a:xfrm>
-            <a:off x="11823539" y="6580031"/>
-            <a:ext cx="2400837" cy="646331"/>
-          </a:xfrm>
-          <a:prstGeom prst="rect">
-            <a:avLst/>
-          </a:prstGeom>
-          <a:noFill/>
-        </p:spPr>
-        <p:txBody>
-          <a:bodyPr wrap="square" rtlCol="0">
-            <a:spAutoFit/>
-          </a:bodyPr>
-          <a:lstStyle/>
-          <a:p>
-            <a:r>
-              <a:rPr lang="en-US" b="1" dirty="0"/>
-              <a:t>Copilot in Excel announcement</a:t>
-            </a:r>
-          </a:p>
-        </p:txBody>
-      </p:sp>
-      <p:cxnSp>
-        <p:nvCxnSpPr>
-          <p:cNvPr id="7" name="Straight Arrow Connector 6">
-            <a:extLst>
-              <a:ext uri="{FF2B5EF4-FFF2-40B4-BE49-F238E27FC236}">
-                <a16:creationId xmlns:a16="http://schemas.microsoft.com/office/drawing/2014/main" id="{AE7B6FF5-DC89-11DE-01F8-1DE6CACB2730}"/>
-              </a:ext>
-            </a:extLst>
-          </p:cNvPr>
-          <p:cNvCxnSpPr>
-            <a:cxnSpLocks/>
-          </p:cNvCxnSpPr>
-          <p:nvPr/>
-        </p:nvCxnSpPr>
-        <p:spPr>
-          <a:xfrm>
-            <a:off x="12535437" y="7155307"/>
-            <a:ext cx="266163" cy="376979"/>
-          </a:xfrm>
-          <a:prstGeom prst="straightConnector1">
-            <a:avLst/>
-          </a:prstGeom>
-          <a:ln>
-            <a:tailEnd type="triangle"/>
-          </a:ln>
-        </p:spPr>
-        <p:style>
-          <a:lnRef idx="1">
-            <a:schemeClr val="accent1"/>
-          </a:lnRef>
-          <a:fillRef idx="0">
-            <a:schemeClr val="accent1"/>
-          </a:fillRef>
-          <a:effectRef idx="0">
-            <a:schemeClr val="accent1"/>
-          </a:effectRef>
-          <a:fontRef idx="minor">
-            <a:schemeClr val="tx1"/>
-          </a:fontRef>
-        </p:style>
-      </p:cxnSp>
-    </p:spTree>
-    <p:extLst>
-      <p:ext uri="{BB962C8B-B14F-4D97-AF65-F5344CB8AC3E}">
-        <p14:creationId xmlns:p14="http://schemas.microsoft.com/office/powerpoint/2010/main" val="2040530002"/>
-      </p:ext>
-    </p:extLst>
-  </p:cSld>
-  <p:clrMapOvr>
-    <a:masterClrMapping/>
-  </p:clrMapOvr>
-</p:sld>
-</file>
-
-<file path=ppt/slides/slide11.xml><?xml version="1.0" encoding="utf-8"?>
-<p:sld xmlns:a="http://schemas.openxmlformats.org/drawingml/2006/main" xmlns:r="http://schemas.openxmlformats.org/officeDocument/2006/relationships" xmlns:p="http://schemas.openxmlformats.org/presentationml/2006/main">
-  <p:cSld>
-    <p:spTree>
-      <p:nvGrpSpPr>
-        <p:cNvPr id="1" name="">
-          <a:extLst>
-            <a:ext uri="{FF2B5EF4-FFF2-40B4-BE49-F238E27FC236}">
-              <a16:creationId xmlns:a16="http://schemas.microsoft.com/office/drawing/2014/main" id="{EEEF133C-E5BD-541A-B3AA-8182E93A3ACA}"/>
-            </a:ext>
-          </a:extLst>
-        </p:cNvPr>
-        <p:cNvGrpSpPr/>
-        <p:nvPr/>
-      </p:nvGrpSpPr>
-      <p:grpSpPr>
-        <a:xfrm>
-          <a:off x="0" y="0"/>
-          <a:ext cx="0" cy="0"/>
-          <a:chOff x="0" y="0"/>
-          <a:chExt cx="0" cy="0"/>
-        </a:xfrm>
-      </p:grpSpPr>
-      <p:sp>
-        <p:nvSpPr>
-          <p:cNvPr id="11" name="TextBox 10">
-            <a:extLst>
-              <a:ext uri="{FF2B5EF4-FFF2-40B4-BE49-F238E27FC236}">
-                <a16:creationId xmlns:a16="http://schemas.microsoft.com/office/drawing/2014/main" id="{221AF4CF-35CA-4567-25FB-93E0537A6042}"/>
-              </a:ext>
-            </a:extLst>
-          </p:cNvPr>
-          <p:cNvSpPr txBox="1"/>
-          <p:nvPr/>
-        </p:nvSpPr>
-        <p:spPr>
-          <a:xfrm>
-            <a:off x="520861" y="170082"/>
-            <a:ext cx="17309939" cy="1477328"/>
-          </a:xfrm>
-          <a:prstGeom prst="rect">
-            <a:avLst/>
-          </a:prstGeom>
-          <a:noFill/>
-        </p:spPr>
-        <p:txBody>
-          <a:bodyPr wrap="square" rtlCol="0">
-            <a:spAutoFit/>
-          </a:bodyPr>
-          <a:lstStyle/>
-          <a:p>
-            <a:r>
-              <a:rPr lang="en-US" sz="9000" dirty="0">
-                <a:latin typeface="Aliens &amp; cows" panose="00000500000000000000" pitchFamily="2" charset="0"/>
-              </a:rPr>
-              <a:t>Copilot in Excel… not enough? </a:t>
-            </a:r>
-          </a:p>
-        </p:txBody>
-      </p:sp>
-      <p:pic>
-        <p:nvPicPr>
-          <p:cNvPr id="15" name="Picture 14" descr="A close up of a sign&#10;&#10;Description automatically generated">
-            <a:extLst>
-              <a:ext uri="{FF2B5EF4-FFF2-40B4-BE49-F238E27FC236}">
-                <a16:creationId xmlns:a16="http://schemas.microsoft.com/office/drawing/2014/main" id="{FF3A19E3-A606-CAF8-9058-3132CBBE8375}"/>
-              </a:ext>
-            </a:extLst>
-          </p:cNvPr>
-          <p:cNvPicPr>
-            <a:picLocks noChangeAspect="1"/>
-          </p:cNvPicPr>
-          <p:nvPr/>
-        </p:nvPicPr>
-        <p:blipFill>
-          <a:blip r:embed="rId3">
-            <a:extLst>
-              <a:ext uri="{28A0092B-C50C-407E-A947-70E740481C1C}">
-                <a14:useLocalDpi xmlns:a14="http://schemas.microsoft.com/office/drawing/2010/main" val="0"/>
-              </a:ext>
-            </a:extLst>
-          </a:blip>
-          <a:stretch>
-            <a:fillRect/>
-          </a:stretch>
-        </p:blipFill>
-        <p:spPr>
-          <a:xfrm>
-            <a:off x="16341036" y="8058429"/>
-            <a:ext cx="1942857" cy="2228571"/>
-          </a:xfrm>
-          <a:prstGeom prst="rect">
-            <a:avLst/>
-          </a:prstGeom>
-        </p:spPr>
-      </p:pic>
-      <p:pic>
-        <p:nvPicPr>
-          <p:cNvPr id="6" name="Picture 5" descr="A screenshot of a cellphone&#10;&#10;AI-generated content may be incorrect.">
-            <a:extLst>
-              <a:ext uri="{FF2B5EF4-FFF2-40B4-BE49-F238E27FC236}">
-                <a16:creationId xmlns:a16="http://schemas.microsoft.com/office/drawing/2014/main" id="{4531194C-E8C5-5067-6303-257FF9F1948D}"/>
-              </a:ext>
-            </a:extLst>
-          </p:cNvPr>
-          <p:cNvPicPr>
-            <a:picLocks noChangeAspect="1"/>
-          </p:cNvPicPr>
-          <p:nvPr/>
-        </p:nvPicPr>
-        <p:blipFill>
-          <a:blip r:embed="rId4">
-            <a:extLst>
-              <a:ext uri="{28A0092B-C50C-407E-A947-70E740481C1C}">
-                <a14:useLocalDpi xmlns:a14="http://schemas.microsoft.com/office/drawing/2010/main" val="0"/>
-              </a:ext>
-            </a:extLst>
-          </a:blip>
-          <a:srcRect t="6296" b="7037"/>
-          <a:stretch/>
-        </p:blipFill>
-        <p:spPr>
-          <a:xfrm>
-            <a:off x="3810000" y="1866900"/>
-            <a:ext cx="9187342" cy="7962363"/>
-          </a:xfrm>
-          <a:prstGeom prst="rect">
-            <a:avLst/>
-          </a:prstGeom>
-        </p:spPr>
-      </p:pic>
-    </p:spTree>
-    <p:extLst>
-      <p:ext uri="{BB962C8B-B14F-4D97-AF65-F5344CB8AC3E}">
-        <p14:creationId xmlns:p14="http://schemas.microsoft.com/office/powerpoint/2010/main" val="363398084"/>
-      </p:ext>
-    </p:extLst>
-  </p:cSld>
-  <p:clrMapOvr>
-    <a:masterClrMapping/>
-  </p:clrMapOvr>
-</p:sld>
-</file>
-
-<file path=ppt/slides/slide12.xml><?xml version="1.0" encoding="utf-8"?>
-<p:sld xmlns:a="http://schemas.openxmlformats.org/drawingml/2006/main" xmlns:r="http://schemas.openxmlformats.org/officeDocument/2006/relationships" xmlns:p="http://schemas.openxmlformats.org/presentationml/2006/main">
-  <p:cSld>
-    <p:spTree>
-      <p:nvGrpSpPr>
-        <p:cNvPr id="1" name="">
-          <a:extLst>
-            <a:ext uri="{FF2B5EF4-FFF2-40B4-BE49-F238E27FC236}">
               <a16:creationId xmlns:a16="http://schemas.microsoft.com/office/drawing/2014/main" id="{2873BA01-E420-EE6D-4CC4-16C13000F659}"/>
             </a:ext>
           </a:extLst>
@@ -6190,7 +5527,7 @@
 </p:sld>
 </file>
 
-<file path=ppt/slides/slide13.xml><?xml version="1.0" encoding="utf-8"?>
+<file path=ppt/slides/slide11.xml><?xml version="1.0" encoding="utf-8"?>
 <p:sld xmlns:a="http://schemas.openxmlformats.org/drawingml/2006/main" xmlns:r="http://schemas.openxmlformats.org/officeDocument/2006/relationships" xmlns:p="http://schemas.openxmlformats.org/presentationml/2006/main">
   <p:cSld>
     <p:spTree>
@@ -6395,7 +5732,7 @@
 </p:sld>
 </file>
 
-<file path=ppt/slides/slide14.xml><?xml version="1.0" encoding="utf-8"?>
+<file path=ppt/slides/slide12.xml><?xml version="1.0" encoding="utf-8"?>
 <p:sld xmlns:a="http://schemas.openxmlformats.org/drawingml/2006/main" xmlns:r="http://schemas.openxmlformats.org/officeDocument/2006/relationships" xmlns:p="http://schemas.openxmlformats.org/presentationml/2006/main">
   <p:cSld>
     <p:spTree>
@@ -6572,7 +5909,7 @@
 </p:sld>
 </file>
 
-<file path=ppt/slides/slide15.xml><?xml version="1.0" encoding="utf-8"?>
+<file path=ppt/slides/slide13.xml><?xml version="1.0" encoding="utf-8"?>
 <p:sld xmlns:a="http://schemas.openxmlformats.org/drawingml/2006/main" xmlns:r="http://schemas.openxmlformats.org/officeDocument/2006/relationships" xmlns:p="http://schemas.openxmlformats.org/presentationml/2006/main">
   <p:cSld>
     <p:spTree>
@@ -6682,7 +6019,7 @@
 </p:sld>
 </file>
 
-<file path=ppt/slides/slide16.xml><?xml version="1.0" encoding="utf-8"?>
+<file path=ppt/slides/slide14.xml><?xml version="1.0" encoding="utf-8"?>
 <p:sld xmlns:a="http://schemas.openxmlformats.org/drawingml/2006/main" xmlns:r="http://schemas.openxmlformats.org/officeDocument/2006/relationships" xmlns:p="http://schemas.openxmlformats.org/presentationml/2006/main">
   <p:cSld>
     <p:spTree>
@@ -6822,7 +6159,7 @@
 </p:sld>
 </file>
 
-<file path=ppt/slides/slide17.xml><?xml version="1.0" encoding="utf-8"?>
+<file path=ppt/slides/slide15.xml><?xml version="1.0" encoding="utf-8"?>
 <p:sld xmlns:a="http://schemas.openxmlformats.org/drawingml/2006/main" xmlns:r="http://schemas.openxmlformats.org/officeDocument/2006/relationships" xmlns:p="http://schemas.openxmlformats.org/presentationml/2006/main">
   <p:cSld>
     <p:spTree>
@@ -7464,7 +6801,7 @@
 </p:sld>
 </file>
 
-<file path=ppt/slides/slide18.xml><?xml version="1.0" encoding="utf-8"?>
+<file path=ppt/slides/slide16.xml><?xml version="1.0" encoding="utf-8"?>
 <p:sld xmlns:a="http://schemas.openxmlformats.org/drawingml/2006/main" xmlns:r="http://schemas.openxmlformats.org/officeDocument/2006/relationships" xmlns:p="http://schemas.openxmlformats.org/presentationml/2006/main">
   <p:cSld>
     <p:spTree>
@@ -8258,7 +7595,7 @@
 </p:sld>
 </file>
 
-<file path=ppt/slides/slide19.xml><?xml version="1.0" encoding="utf-8"?>
+<file path=ppt/slides/slide17.xml><?xml version="1.0" encoding="utf-8"?>
 <p:sld xmlns:a="http://schemas.openxmlformats.org/drawingml/2006/main" xmlns:r="http://schemas.openxmlformats.org/officeDocument/2006/relationships" xmlns:p="http://schemas.openxmlformats.org/presentationml/2006/main">
   <p:cSld>
     <p:spTree>
@@ -8428,6 +7765,274 @@
     <p:extLst>
       <p:ext uri="{BB962C8B-B14F-4D97-AF65-F5344CB8AC3E}">
         <p14:creationId xmlns:p14="http://schemas.microsoft.com/office/powerpoint/2010/main" val="2273543048"/>
+      </p:ext>
+    </p:extLst>
+  </p:cSld>
+  <p:clrMapOvr>
+    <a:masterClrMapping/>
+  </p:clrMapOvr>
+</p:sld>
+</file>
+
+<file path=ppt/slides/slide18.xml><?xml version="1.0" encoding="utf-8"?>
+<p:sld xmlns:a="http://schemas.openxmlformats.org/drawingml/2006/main" xmlns:r="http://schemas.openxmlformats.org/officeDocument/2006/relationships" xmlns:p="http://schemas.openxmlformats.org/presentationml/2006/main">
+  <p:cSld>
+    <p:spTree>
+      <p:nvGrpSpPr>
+        <p:cNvPr id="1" name=""/>
+        <p:cNvGrpSpPr/>
+        <p:nvPr/>
+      </p:nvGrpSpPr>
+      <p:grpSpPr>
+        <a:xfrm>
+          <a:off x="0" y="0"/>
+          <a:ext cx="0" cy="0"/>
+          <a:chOff x="0" y="0"/>
+          <a:chExt cx="0" cy="0"/>
+        </a:xfrm>
+      </p:grpSpPr>
+      <p:pic>
+        <p:nvPicPr>
+          <p:cNvPr id="10" name="Picture 9"/>
+          <p:cNvPicPr>
+            <a:picLocks noChangeAspect="1"/>
+          </p:cNvPicPr>
+          <p:nvPr/>
+        </p:nvPicPr>
+        <p:blipFill rotWithShape="1">
+          <a:blip r:embed="rId2">
+            <a:extLst>
+              <a:ext uri="{28A0092B-C50C-407E-A947-70E740481C1C}">
+                <a14:useLocalDpi xmlns:a14="http://schemas.microsoft.com/office/drawing/2010/main" val="0"/>
+              </a:ext>
+            </a:extLst>
+          </a:blip>
+          <a:srcRect l="50728" t="56371"/>
+          <a:stretch/>
+        </p:blipFill>
+        <p:spPr>
+          <a:xfrm>
+            <a:off x="12204691" y="3316148"/>
+            <a:ext cx="6083309" cy="6970854"/>
+          </a:xfrm>
+          <a:prstGeom prst="rect">
+            <a:avLst/>
+          </a:prstGeom>
+        </p:spPr>
+      </p:pic>
+      <p:pic>
+        <p:nvPicPr>
+          <p:cNvPr id="4" name="Picture 3"/>
+          <p:cNvPicPr>
+            <a:picLocks noChangeAspect="1"/>
+          </p:cNvPicPr>
+          <p:nvPr/>
+        </p:nvPicPr>
+        <p:blipFill>
+          <a:blip r:embed="rId3">
+            <a:extLst>
+              <a:ext uri="{28A0092B-C50C-407E-A947-70E740481C1C}">
+                <a14:useLocalDpi xmlns:a14="http://schemas.microsoft.com/office/drawing/2010/main" val="0"/>
+              </a:ext>
+            </a:extLst>
+          </a:blip>
+          <a:stretch>
+            <a:fillRect/>
+          </a:stretch>
+        </p:blipFill>
+        <p:spPr>
+          <a:xfrm>
+            <a:off x="-807744" y="-3724155"/>
+            <a:ext cx="15257208" cy="11189825"/>
+          </a:xfrm>
+          <a:prstGeom prst="rect">
+            <a:avLst/>
+          </a:prstGeom>
+        </p:spPr>
+      </p:pic>
+      <p:sp>
+        <p:nvSpPr>
+          <p:cNvPr id="11" name="TextBox 10"/>
+          <p:cNvSpPr txBox="1"/>
+          <p:nvPr/>
+        </p:nvSpPr>
+        <p:spPr>
+          <a:xfrm>
+            <a:off x="486137" y="2531318"/>
+            <a:ext cx="11979797" cy="923330"/>
+          </a:xfrm>
+          <a:prstGeom prst="rect">
+            <a:avLst/>
+          </a:prstGeom>
+          <a:noFill/>
+        </p:spPr>
+        <p:txBody>
+          <a:bodyPr wrap="square" rtlCol="0">
+            <a:spAutoFit/>
+          </a:bodyPr>
+          <a:lstStyle/>
+          <a:p>
+            <a:r>
+              <a:rPr lang="en-US" sz="5400" b="1" dirty="0">
+                <a:solidFill>
+                  <a:srgbClr val="CF3338"/>
+                </a:solidFill>
+                <a:latin typeface="Pragmatica" panose="020B0403040502020204" pitchFamily="34" charset="0"/>
+              </a:rPr>
+              <a:t>Questions?</a:t>
+            </a:r>
+          </a:p>
+        </p:txBody>
+      </p:sp>
+      <p:pic>
+        <p:nvPicPr>
+          <p:cNvPr id="5" name="Picture 4">
+            <a:extLst>
+              <a:ext uri="{FF2B5EF4-FFF2-40B4-BE49-F238E27FC236}">
+                <a16:creationId xmlns:a16="http://schemas.microsoft.com/office/drawing/2014/main" id="{54A06221-5316-4BCF-9FDA-BDB95FF4A778}"/>
+              </a:ext>
+            </a:extLst>
+          </p:cNvPr>
+          <p:cNvPicPr>
+            <a:picLocks noChangeAspect="1"/>
+          </p:cNvPicPr>
+          <p:nvPr/>
+        </p:nvPicPr>
+        <p:blipFill>
+          <a:blip r:embed="rId4">
+            <a:extLst>
+              <a:ext uri="{28A0092B-C50C-407E-A947-70E740481C1C}">
+                <a14:useLocalDpi xmlns:a14="http://schemas.microsoft.com/office/drawing/2010/main" val="0"/>
+              </a:ext>
+            </a:extLst>
+          </a:blip>
+          <a:srcRect/>
+          <a:stretch/>
+        </p:blipFill>
+        <p:spPr>
+          <a:xfrm>
+            <a:off x="12204691" y="3317239"/>
+            <a:ext cx="6083309" cy="6968672"/>
+          </a:xfrm>
+          <a:prstGeom prst="rect">
+            <a:avLst/>
+          </a:prstGeom>
+        </p:spPr>
+      </p:pic>
+    </p:spTree>
+    <p:extLst>
+      <p:ext uri="{BB962C8B-B14F-4D97-AF65-F5344CB8AC3E}">
+        <p14:creationId xmlns:p14="http://schemas.microsoft.com/office/powerpoint/2010/main" val="2683774385"/>
+      </p:ext>
+    </p:extLst>
+  </p:cSld>
+  <p:clrMapOvr>
+    <a:masterClrMapping/>
+  </p:clrMapOvr>
+</p:sld>
+</file>
+
+<file path=ppt/slides/slide19.xml><?xml version="1.0" encoding="utf-8"?>
+<p:sld xmlns:a="http://schemas.openxmlformats.org/drawingml/2006/main" xmlns:r="http://schemas.openxmlformats.org/officeDocument/2006/relationships" xmlns:p="http://schemas.openxmlformats.org/presentationml/2006/main">
+  <p:cSld>
+    <p:spTree>
+      <p:nvGrpSpPr>
+        <p:cNvPr id="1" name=""/>
+        <p:cNvGrpSpPr/>
+        <p:nvPr/>
+      </p:nvGrpSpPr>
+      <p:grpSpPr>
+        <a:xfrm>
+          <a:off x="0" y="0"/>
+          <a:ext cx="0" cy="0"/>
+          <a:chOff x="0" y="0"/>
+          <a:chExt cx="0" cy="0"/>
+        </a:xfrm>
+      </p:grpSpPr>
+      <p:sp>
+        <p:nvSpPr>
+          <p:cNvPr id="2" name="Title 1">
+            <a:extLst>
+              <a:ext uri="{FF2B5EF4-FFF2-40B4-BE49-F238E27FC236}">
+                <a16:creationId xmlns:a16="http://schemas.microsoft.com/office/drawing/2014/main" id="{02002795-C3F5-78FD-1BD4-D60FAAEE1BEB}"/>
+              </a:ext>
+            </a:extLst>
+          </p:cNvPr>
+          <p:cNvSpPr>
+            <a:spLocks noGrp="1"/>
+          </p:cNvSpPr>
+          <p:nvPr>
+            <p:ph type="title"/>
+          </p:nvPr>
+        </p:nvSpPr>
+        <p:spPr/>
+        <p:txBody>
+          <a:bodyPr/>
+          <a:lstStyle/>
+          <a:p>
+            <a:endParaRPr lang="en-US"/>
+          </a:p>
+        </p:txBody>
+      </p:sp>
+      <p:sp>
+        <p:nvSpPr>
+          <p:cNvPr id="3" name="Content Placeholder 2">
+            <a:extLst>
+              <a:ext uri="{FF2B5EF4-FFF2-40B4-BE49-F238E27FC236}">
+                <a16:creationId xmlns:a16="http://schemas.microsoft.com/office/drawing/2014/main" id="{7A5E93B2-D65D-C25C-63A0-1F9A66C8FF5C}"/>
+              </a:ext>
+            </a:extLst>
+          </p:cNvPr>
+          <p:cNvSpPr>
+            <a:spLocks noGrp="1"/>
+          </p:cNvSpPr>
+          <p:nvPr>
+            <p:ph idx="1"/>
+          </p:nvPr>
+        </p:nvSpPr>
+        <p:spPr/>
+        <p:txBody>
+          <a:bodyPr/>
+          <a:lstStyle/>
+          <a:p>
+            <a:endParaRPr lang="en-US"/>
+          </a:p>
+        </p:txBody>
+      </p:sp>
+      <p:pic>
+        <p:nvPicPr>
+          <p:cNvPr id="4" name="Picture 3">
+            <a:extLst>
+              <a:ext uri="{FF2B5EF4-FFF2-40B4-BE49-F238E27FC236}">
+                <a16:creationId xmlns:a16="http://schemas.microsoft.com/office/drawing/2014/main" id="{C253E29A-D905-85AC-CD78-003CC72970D5}"/>
+              </a:ext>
+            </a:extLst>
+          </p:cNvPr>
+          <p:cNvPicPr>
+            <a:picLocks noChangeAspect="1"/>
+          </p:cNvPicPr>
+          <p:nvPr/>
+        </p:nvPicPr>
+        <p:blipFill>
+          <a:blip r:embed="rId2"/>
+          <a:stretch>
+            <a:fillRect/>
+          </a:stretch>
+        </p:blipFill>
+        <p:spPr>
+          <a:xfrm>
+            <a:off x="-15711" y="0"/>
+            <a:ext cx="18288000" cy="10287000"/>
+          </a:xfrm>
+          <a:prstGeom prst="rect">
+            <a:avLst/>
+          </a:prstGeom>
+        </p:spPr>
+      </p:pic>
+    </p:spTree>
+    <p:extLst>
+      <p:ext uri="{BB962C8B-B14F-4D97-AF65-F5344CB8AC3E}">
+        <p14:creationId xmlns:p14="http://schemas.microsoft.com/office/powerpoint/2010/main" val="1414137271"/>
       </p:ext>
     </p:extLst>
   </p:cSld>
@@ -8792,274 +8397,6 @@
     <p:extLst>
       <p:ext uri="{BB962C8B-B14F-4D97-AF65-F5344CB8AC3E}">
         <p14:creationId xmlns:p14="http://schemas.microsoft.com/office/powerpoint/2010/main" val="166785523"/>
-      </p:ext>
-    </p:extLst>
-  </p:cSld>
-  <p:clrMapOvr>
-    <a:masterClrMapping/>
-  </p:clrMapOvr>
-</p:sld>
-</file>
-
-<file path=ppt/slides/slide20.xml><?xml version="1.0" encoding="utf-8"?>
-<p:sld xmlns:a="http://schemas.openxmlformats.org/drawingml/2006/main" xmlns:r="http://schemas.openxmlformats.org/officeDocument/2006/relationships" xmlns:p="http://schemas.openxmlformats.org/presentationml/2006/main">
-  <p:cSld>
-    <p:spTree>
-      <p:nvGrpSpPr>
-        <p:cNvPr id="1" name=""/>
-        <p:cNvGrpSpPr/>
-        <p:nvPr/>
-      </p:nvGrpSpPr>
-      <p:grpSpPr>
-        <a:xfrm>
-          <a:off x="0" y="0"/>
-          <a:ext cx="0" cy="0"/>
-          <a:chOff x="0" y="0"/>
-          <a:chExt cx="0" cy="0"/>
-        </a:xfrm>
-      </p:grpSpPr>
-      <p:pic>
-        <p:nvPicPr>
-          <p:cNvPr id="10" name="Picture 9"/>
-          <p:cNvPicPr>
-            <a:picLocks noChangeAspect="1"/>
-          </p:cNvPicPr>
-          <p:nvPr/>
-        </p:nvPicPr>
-        <p:blipFill rotWithShape="1">
-          <a:blip r:embed="rId2">
-            <a:extLst>
-              <a:ext uri="{28A0092B-C50C-407E-A947-70E740481C1C}">
-                <a14:useLocalDpi xmlns:a14="http://schemas.microsoft.com/office/drawing/2010/main" val="0"/>
-              </a:ext>
-            </a:extLst>
-          </a:blip>
-          <a:srcRect l="50728" t="56371"/>
-          <a:stretch/>
-        </p:blipFill>
-        <p:spPr>
-          <a:xfrm>
-            <a:off x="12204691" y="3316148"/>
-            <a:ext cx="6083309" cy="6970854"/>
-          </a:xfrm>
-          <a:prstGeom prst="rect">
-            <a:avLst/>
-          </a:prstGeom>
-        </p:spPr>
-      </p:pic>
-      <p:pic>
-        <p:nvPicPr>
-          <p:cNvPr id="4" name="Picture 3"/>
-          <p:cNvPicPr>
-            <a:picLocks noChangeAspect="1"/>
-          </p:cNvPicPr>
-          <p:nvPr/>
-        </p:nvPicPr>
-        <p:blipFill>
-          <a:blip r:embed="rId3">
-            <a:extLst>
-              <a:ext uri="{28A0092B-C50C-407E-A947-70E740481C1C}">
-                <a14:useLocalDpi xmlns:a14="http://schemas.microsoft.com/office/drawing/2010/main" val="0"/>
-              </a:ext>
-            </a:extLst>
-          </a:blip>
-          <a:stretch>
-            <a:fillRect/>
-          </a:stretch>
-        </p:blipFill>
-        <p:spPr>
-          <a:xfrm>
-            <a:off x="-807744" y="-3724155"/>
-            <a:ext cx="15257208" cy="11189825"/>
-          </a:xfrm>
-          <a:prstGeom prst="rect">
-            <a:avLst/>
-          </a:prstGeom>
-        </p:spPr>
-      </p:pic>
-      <p:sp>
-        <p:nvSpPr>
-          <p:cNvPr id="11" name="TextBox 10"/>
-          <p:cNvSpPr txBox="1"/>
-          <p:nvPr/>
-        </p:nvSpPr>
-        <p:spPr>
-          <a:xfrm>
-            <a:off x="486137" y="2531318"/>
-            <a:ext cx="11979797" cy="923330"/>
-          </a:xfrm>
-          <a:prstGeom prst="rect">
-            <a:avLst/>
-          </a:prstGeom>
-          <a:noFill/>
-        </p:spPr>
-        <p:txBody>
-          <a:bodyPr wrap="square" rtlCol="0">
-            <a:spAutoFit/>
-          </a:bodyPr>
-          <a:lstStyle/>
-          <a:p>
-            <a:r>
-              <a:rPr lang="en-US" sz="5400" b="1" dirty="0">
-                <a:solidFill>
-                  <a:srgbClr val="CF3338"/>
-                </a:solidFill>
-                <a:latin typeface="Pragmatica" panose="020B0403040502020204" pitchFamily="34" charset="0"/>
-              </a:rPr>
-              <a:t>Questions?</a:t>
-            </a:r>
-          </a:p>
-        </p:txBody>
-      </p:sp>
-      <p:pic>
-        <p:nvPicPr>
-          <p:cNvPr id="5" name="Picture 4">
-            <a:extLst>
-              <a:ext uri="{FF2B5EF4-FFF2-40B4-BE49-F238E27FC236}">
-                <a16:creationId xmlns:a16="http://schemas.microsoft.com/office/drawing/2014/main" id="{54A06221-5316-4BCF-9FDA-BDB95FF4A778}"/>
-              </a:ext>
-            </a:extLst>
-          </p:cNvPr>
-          <p:cNvPicPr>
-            <a:picLocks noChangeAspect="1"/>
-          </p:cNvPicPr>
-          <p:nvPr/>
-        </p:nvPicPr>
-        <p:blipFill>
-          <a:blip r:embed="rId4">
-            <a:extLst>
-              <a:ext uri="{28A0092B-C50C-407E-A947-70E740481C1C}">
-                <a14:useLocalDpi xmlns:a14="http://schemas.microsoft.com/office/drawing/2010/main" val="0"/>
-              </a:ext>
-            </a:extLst>
-          </a:blip>
-          <a:srcRect/>
-          <a:stretch/>
-        </p:blipFill>
-        <p:spPr>
-          <a:xfrm>
-            <a:off x="12204691" y="3317239"/>
-            <a:ext cx="6083309" cy="6968672"/>
-          </a:xfrm>
-          <a:prstGeom prst="rect">
-            <a:avLst/>
-          </a:prstGeom>
-        </p:spPr>
-      </p:pic>
-    </p:spTree>
-    <p:extLst>
-      <p:ext uri="{BB962C8B-B14F-4D97-AF65-F5344CB8AC3E}">
-        <p14:creationId xmlns:p14="http://schemas.microsoft.com/office/powerpoint/2010/main" val="2683774385"/>
-      </p:ext>
-    </p:extLst>
-  </p:cSld>
-  <p:clrMapOvr>
-    <a:masterClrMapping/>
-  </p:clrMapOvr>
-</p:sld>
-</file>
-
-<file path=ppt/slides/slide21.xml><?xml version="1.0" encoding="utf-8"?>
-<p:sld xmlns:a="http://schemas.openxmlformats.org/drawingml/2006/main" xmlns:r="http://schemas.openxmlformats.org/officeDocument/2006/relationships" xmlns:p="http://schemas.openxmlformats.org/presentationml/2006/main">
-  <p:cSld>
-    <p:spTree>
-      <p:nvGrpSpPr>
-        <p:cNvPr id="1" name=""/>
-        <p:cNvGrpSpPr/>
-        <p:nvPr/>
-      </p:nvGrpSpPr>
-      <p:grpSpPr>
-        <a:xfrm>
-          <a:off x="0" y="0"/>
-          <a:ext cx="0" cy="0"/>
-          <a:chOff x="0" y="0"/>
-          <a:chExt cx="0" cy="0"/>
-        </a:xfrm>
-      </p:grpSpPr>
-      <p:sp>
-        <p:nvSpPr>
-          <p:cNvPr id="2" name="Title 1">
-            <a:extLst>
-              <a:ext uri="{FF2B5EF4-FFF2-40B4-BE49-F238E27FC236}">
-                <a16:creationId xmlns:a16="http://schemas.microsoft.com/office/drawing/2014/main" id="{02002795-C3F5-78FD-1BD4-D60FAAEE1BEB}"/>
-              </a:ext>
-            </a:extLst>
-          </p:cNvPr>
-          <p:cNvSpPr>
-            <a:spLocks noGrp="1"/>
-          </p:cNvSpPr>
-          <p:nvPr>
-            <p:ph type="title"/>
-          </p:nvPr>
-        </p:nvSpPr>
-        <p:spPr/>
-        <p:txBody>
-          <a:bodyPr/>
-          <a:lstStyle/>
-          <a:p>
-            <a:endParaRPr lang="en-US"/>
-          </a:p>
-        </p:txBody>
-      </p:sp>
-      <p:sp>
-        <p:nvSpPr>
-          <p:cNvPr id="3" name="Content Placeholder 2">
-            <a:extLst>
-              <a:ext uri="{FF2B5EF4-FFF2-40B4-BE49-F238E27FC236}">
-                <a16:creationId xmlns:a16="http://schemas.microsoft.com/office/drawing/2014/main" id="{7A5E93B2-D65D-C25C-63A0-1F9A66C8FF5C}"/>
-              </a:ext>
-            </a:extLst>
-          </p:cNvPr>
-          <p:cNvSpPr>
-            <a:spLocks noGrp="1"/>
-          </p:cNvSpPr>
-          <p:nvPr>
-            <p:ph idx="1"/>
-          </p:nvPr>
-        </p:nvSpPr>
-        <p:spPr/>
-        <p:txBody>
-          <a:bodyPr/>
-          <a:lstStyle/>
-          <a:p>
-            <a:endParaRPr lang="en-US"/>
-          </a:p>
-        </p:txBody>
-      </p:sp>
-      <p:pic>
-        <p:nvPicPr>
-          <p:cNvPr id="4" name="Picture 3">
-            <a:extLst>
-              <a:ext uri="{FF2B5EF4-FFF2-40B4-BE49-F238E27FC236}">
-                <a16:creationId xmlns:a16="http://schemas.microsoft.com/office/drawing/2014/main" id="{C253E29A-D905-85AC-CD78-003CC72970D5}"/>
-              </a:ext>
-            </a:extLst>
-          </p:cNvPr>
-          <p:cNvPicPr>
-            <a:picLocks noChangeAspect="1"/>
-          </p:cNvPicPr>
-          <p:nvPr/>
-        </p:nvPicPr>
-        <p:blipFill>
-          <a:blip r:embed="rId2"/>
-          <a:stretch>
-            <a:fillRect/>
-          </a:stretch>
-        </p:blipFill>
-        <p:spPr>
-          <a:xfrm>
-            <a:off x="-15711" y="0"/>
-            <a:ext cx="18288000" cy="10287000"/>
-          </a:xfrm>
-          <a:prstGeom prst="rect">
-            <a:avLst/>
-          </a:prstGeom>
-        </p:spPr>
-      </p:pic>
-    </p:spTree>
-    <p:extLst>
-      <p:ext uri="{BB962C8B-B14F-4D97-AF65-F5344CB8AC3E}">
-        <p14:creationId xmlns:p14="http://schemas.microsoft.com/office/powerpoint/2010/main" val="1414137271"/>
       </p:ext>
     </p:extLst>
   </p:cSld>
@@ -9958,295 +9295,6 @@
         <p:cNvPr id="1" name="">
           <a:extLst>
             <a:ext uri="{FF2B5EF4-FFF2-40B4-BE49-F238E27FC236}">
-              <a16:creationId xmlns:a16="http://schemas.microsoft.com/office/drawing/2014/main" id="{269EEF0D-65B5-C717-1024-9E62CF831FC1}"/>
-            </a:ext>
-          </a:extLst>
-        </p:cNvPr>
-        <p:cNvGrpSpPr/>
-        <p:nvPr/>
-      </p:nvGrpSpPr>
-      <p:grpSpPr>
-        <a:xfrm>
-          <a:off x="0" y="0"/>
-          <a:ext cx="0" cy="0"/>
-          <a:chOff x="0" y="0"/>
-          <a:chExt cx="0" cy="0"/>
-        </a:xfrm>
-      </p:grpSpPr>
-      <p:sp>
-        <p:nvSpPr>
-          <p:cNvPr id="11" name="TextBox 10">
-            <a:extLst>
-              <a:ext uri="{FF2B5EF4-FFF2-40B4-BE49-F238E27FC236}">
-                <a16:creationId xmlns:a16="http://schemas.microsoft.com/office/drawing/2014/main" id="{5111F9C3-190F-1BCC-B97C-ADCC61A9325B}"/>
-              </a:ext>
-            </a:extLst>
-          </p:cNvPr>
-          <p:cNvSpPr txBox="1"/>
-          <p:nvPr/>
-        </p:nvSpPr>
-        <p:spPr>
-          <a:xfrm>
-            <a:off x="520861" y="170082"/>
-            <a:ext cx="17309939" cy="1477328"/>
-          </a:xfrm>
-          <a:prstGeom prst="rect">
-            <a:avLst/>
-          </a:prstGeom>
-          <a:noFill/>
-        </p:spPr>
-        <p:txBody>
-          <a:bodyPr wrap="square" rtlCol="0">
-            <a:spAutoFit/>
-          </a:bodyPr>
-          <a:lstStyle/>
-          <a:p>
-            <a:r>
-              <a:rPr lang="en-US" sz="9000" dirty="0">
-                <a:latin typeface="Aliens &amp; cows" panose="00000500000000000000" pitchFamily="2" charset="0"/>
-              </a:rPr>
-              <a:t>Python in Excel… not enough? </a:t>
-            </a:r>
-          </a:p>
-        </p:txBody>
-      </p:sp>
-      <p:pic>
-        <p:nvPicPr>
-          <p:cNvPr id="15" name="Picture 14" descr="A close up of a sign&#10;&#10;Description automatically generated">
-            <a:extLst>
-              <a:ext uri="{FF2B5EF4-FFF2-40B4-BE49-F238E27FC236}">
-                <a16:creationId xmlns:a16="http://schemas.microsoft.com/office/drawing/2014/main" id="{9B05DFC7-9065-3C94-1F22-BF47A6D694C8}"/>
-              </a:ext>
-            </a:extLst>
-          </p:cNvPr>
-          <p:cNvPicPr>
-            <a:picLocks noChangeAspect="1"/>
-          </p:cNvPicPr>
-          <p:nvPr/>
-        </p:nvPicPr>
-        <p:blipFill>
-          <a:blip r:embed="rId3">
-            <a:extLst>
-              <a:ext uri="{28A0092B-C50C-407E-A947-70E740481C1C}">
-                <a14:useLocalDpi xmlns:a14="http://schemas.microsoft.com/office/drawing/2010/main" val="0"/>
-              </a:ext>
-            </a:extLst>
-          </a:blip>
-          <a:stretch>
-            <a:fillRect/>
-          </a:stretch>
-        </p:blipFill>
-        <p:spPr>
-          <a:xfrm>
-            <a:off x="16341036" y="8058429"/>
-            <a:ext cx="1942857" cy="2228571"/>
-          </a:xfrm>
-          <a:prstGeom prst="rect">
-            <a:avLst/>
-          </a:prstGeom>
-        </p:spPr>
-      </p:pic>
-      <p:pic>
-        <p:nvPicPr>
-          <p:cNvPr id="9" name="Picture 8">
-            <a:extLst>
-              <a:ext uri="{FF2B5EF4-FFF2-40B4-BE49-F238E27FC236}">
-                <a16:creationId xmlns:a16="http://schemas.microsoft.com/office/drawing/2014/main" id="{5B7695D6-105D-AB05-B34C-F2F4327B3BCC}"/>
-              </a:ext>
-            </a:extLst>
-          </p:cNvPr>
-          <p:cNvPicPr>
-            <a:picLocks noChangeAspect="1"/>
-          </p:cNvPicPr>
-          <p:nvPr/>
-        </p:nvPicPr>
-        <p:blipFill>
-          <a:blip r:embed="rId4"/>
-          <a:stretch>
-            <a:fillRect/>
-          </a:stretch>
-        </p:blipFill>
-        <p:spPr>
-          <a:xfrm>
-            <a:off x="1143000" y="1535139"/>
-            <a:ext cx="14685399" cy="8581779"/>
-          </a:xfrm>
-          <a:prstGeom prst="rect">
-            <a:avLst/>
-          </a:prstGeom>
-        </p:spPr>
-      </p:pic>
-      <p:sp>
-        <p:nvSpPr>
-          <p:cNvPr id="2" name="TextBox 1">
-            <a:extLst>
-              <a:ext uri="{FF2B5EF4-FFF2-40B4-BE49-F238E27FC236}">
-                <a16:creationId xmlns:a16="http://schemas.microsoft.com/office/drawing/2014/main" id="{3C260E65-EC0D-81C7-FC57-AB785A85477C}"/>
-              </a:ext>
-            </a:extLst>
-          </p:cNvPr>
-          <p:cNvSpPr txBox="1"/>
-          <p:nvPr/>
-        </p:nvSpPr>
-        <p:spPr>
-          <a:xfrm>
-            <a:off x="10287000" y="5520898"/>
-            <a:ext cx="2400837" cy="646331"/>
-          </a:xfrm>
-          <a:prstGeom prst="rect">
-            <a:avLst/>
-          </a:prstGeom>
-          <a:noFill/>
-        </p:spPr>
-        <p:txBody>
-          <a:bodyPr wrap="square" rtlCol="0">
-            <a:spAutoFit/>
-          </a:bodyPr>
-          <a:lstStyle/>
-          <a:p>
-            <a:r>
-              <a:rPr lang="en-US" b="1" dirty="0"/>
-              <a:t>Python in Excel announcement</a:t>
-            </a:r>
-          </a:p>
-        </p:txBody>
-      </p:sp>
-      <p:cxnSp>
-        <p:nvCxnSpPr>
-          <p:cNvPr id="4" name="Straight Arrow Connector 3">
-            <a:extLst>
-              <a:ext uri="{FF2B5EF4-FFF2-40B4-BE49-F238E27FC236}">
-                <a16:creationId xmlns:a16="http://schemas.microsoft.com/office/drawing/2014/main" id="{5F68EF36-39DD-CCEC-F2D3-B88B8F4D8CE9}"/>
-              </a:ext>
-            </a:extLst>
-          </p:cNvPr>
-          <p:cNvCxnSpPr/>
-          <p:nvPr/>
-        </p:nvCxnSpPr>
-        <p:spPr>
-          <a:xfrm>
-            <a:off x="10896600" y="6134100"/>
-            <a:ext cx="304800" cy="457200"/>
-          </a:xfrm>
-          <a:prstGeom prst="straightConnector1">
-            <a:avLst/>
-          </a:prstGeom>
-          <a:ln>
-            <a:tailEnd type="triangle"/>
-          </a:ln>
-        </p:spPr>
-        <p:style>
-          <a:lnRef idx="1">
-            <a:schemeClr val="accent1"/>
-          </a:lnRef>
-          <a:fillRef idx="0">
-            <a:schemeClr val="accent1"/>
-          </a:fillRef>
-          <a:effectRef idx="0">
-            <a:schemeClr val="accent1"/>
-          </a:effectRef>
-          <a:fontRef idx="minor">
-            <a:schemeClr val="tx1"/>
-          </a:fontRef>
-        </p:style>
-      </p:cxnSp>
-      <p:sp>
-        <p:nvSpPr>
-          <p:cNvPr id="3" name="TextBox 2">
-            <a:extLst>
-              <a:ext uri="{FF2B5EF4-FFF2-40B4-BE49-F238E27FC236}">
-                <a16:creationId xmlns:a16="http://schemas.microsoft.com/office/drawing/2014/main" id="{FCF6F5AA-1362-9E0A-E65F-E9991991C318}"/>
-              </a:ext>
-            </a:extLst>
-          </p:cNvPr>
-          <p:cNvSpPr txBox="1"/>
-          <p:nvPr/>
-        </p:nvSpPr>
-        <p:spPr>
-          <a:xfrm>
-            <a:off x="11823539" y="6580031"/>
-            <a:ext cx="2400837" cy="646331"/>
-          </a:xfrm>
-          <a:prstGeom prst="rect">
-            <a:avLst/>
-          </a:prstGeom>
-          <a:noFill/>
-        </p:spPr>
-        <p:txBody>
-          <a:bodyPr wrap="square" rtlCol="0">
-            <a:spAutoFit/>
-          </a:bodyPr>
-          <a:lstStyle/>
-          <a:p>
-            <a:r>
-              <a:rPr lang="en-US" b="1" dirty="0"/>
-              <a:t>Copilot in Excel announcement</a:t>
-            </a:r>
-          </a:p>
-        </p:txBody>
-      </p:sp>
-      <p:cxnSp>
-        <p:nvCxnSpPr>
-          <p:cNvPr id="7" name="Straight Arrow Connector 6">
-            <a:extLst>
-              <a:ext uri="{FF2B5EF4-FFF2-40B4-BE49-F238E27FC236}">
-                <a16:creationId xmlns:a16="http://schemas.microsoft.com/office/drawing/2014/main" id="{D87C07B4-6C8B-41AC-DF91-B2D65092E87C}"/>
-              </a:ext>
-            </a:extLst>
-          </p:cNvPr>
-          <p:cNvCxnSpPr>
-            <a:cxnSpLocks/>
-          </p:cNvCxnSpPr>
-          <p:nvPr/>
-        </p:nvCxnSpPr>
-        <p:spPr>
-          <a:xfrm>
-            <a:off x="12535437" y="7155307"/>
-            <a:ext cx="266163" cy="376979"/>
-          </a:xfrm>
-          <a:prstGeom prst="straightConnector1">
-            <a:avLst/>
-          </a:prstGeom>
-          <a:ln>
-            <a:tailEnd type="triangle"/>
-          </a:ln>
-        </p:spPr>
-        <p:style>
-          <a:lnRef idx="1">
-            <a:schemeClr val="accent1"/>
-          </a:lnRef>
-          <a:fillRef idx="0">
-            <a:schemeClr val="accent1"/>
-          </a:fillRef>
-          <a:effectRef idx="0">
-            <a:schemeClr val="accent1"/>
-          </a:effectRef>
-          <a:fontRef idx="minor">
-            <a:schemeClr val="tx1"/>
-          </a:fontRef>
-        </p:style>
-      </p:cxnSp>
-    </p:spTree>
-    <p:extLst>
-      <p:ext uri="{BB962C8B-B14F-4D97-AF65-F5344CB8AC3E}">
-        <p14:creationId xmlns:p14="http://schemas.microsoft.com/office/powerpoint/2010/main" val="1303434416"/>
-      </p:ext>
-    </p:extLst>
-  </p:cSld>
-  <p:clrMapOvr>
-    <a:masterClrMapping/>
-  </p:clrMapOvr>
-</p:sld>
-</file>
-
-<file path=ppt/slides/slide9.xml><?xml version="1.0" encoding="utf-8"?>
-<p:sld xmlns:a="http://schemas.openxmlformats.org/drawingml/2006/main" xmlns:r="http://schemas.openxmlformats.org/officeDocument/2006/relationships" xmlns:p="http://schemas.openxmlformats.org/presentationml/2006/main">
-  <p:cSld>
-    <p:spTree>
-      <p:nvGrpSpPr>
-        <p:cNvPr id="1" name="">
-          <a:extLst>
-            <a:ext uri="{FF2B5EF4-FFF2-40B4-BE49-F238E27FC236}">
               <a16:creationId xmlns:a16="http://schemas.microsoft.com/office/drawing/2014/main" id="{7CB57E0C-CD5D-1F66-D78F-85F7AD37178E}"/>
             </a:ext>
           </a:extLst>
@@ -10519,6 +9567,150 @@
     <p:extLst>
       <p:ext uri="{BB962C8B-B14F-4D97-AF65-F5344CB8AC3E}">
         <p14:creationId xmlns:p14="http://schemas.microsoft.com/office/powerpoint/2010/main" val="1652374029"/>
+      </p:ext>
+    </p:extLst>
+  </p:cSld>
+  <p:clrMapOvr>
+    <a:masterClrMapping/>
+  </p:clrMapOvr>
+</p:sld>
+</file>
+
+<file path=ppt/slides/slide9.xml><?xml version="1.0" encoding="utf-8"?>
+<p:sld xmlns:a="http://schemas.openxmlformats.org/drawingml/2006/main" xmlns:r="http://schemas.openxmlformats.org/officeDocument/2006/relationships" xmlns:p="http://schemas.openxmlformats.org/presentationml/2006/main">
+  <p:cSld>
+    <p:spTree>
+      <p:nvGrpSpPr>
+        <p:cNvPr id="1" name="">
+          <a:extLst>
+            <a:ext uri="{FF2B5EF4-FFF2-40B4-BE49-F238E27FC236}">
+              <a16:creationId xmlns:a16="http://schemas.microsoft.com/office/drawing/2014/main" id="{EEEF133C-E5BD-541A-B3AA-8182E93A3ACA}"/>
+            </a:ext>
+          </a:extLst>
+        </p:cNvPr>
+        <p:cNvGrpSpPr/>
+        <p:nvPr/>
+      </p:nvGrpSpPr>
+      <p:grpSpPr>
+        <a:xfrm>
+          <a:off x="0" y="0"/>
+          <a:ext cx="0" cy="0"/>
+          <a:chOff x="0" y="0"/>
+          <a:chExt cx="0" cy="0"/>
+        </a:xfrm>
+      </p:grpSpPr>
+      <p:sp>
+        <p:nvSpPr>
+          <p:cNvPr id="11" name="TextBox 10">
+            <a:extLst>
+              <a:ext uri="{FF2B5EF4-FFF2-40B4-BE49-F238E27FC236}">
+                <a16:creationId xmlns:a16="http://schemas.microsoft.com/office/drawing/2014/main" id="{221AF4CF-35CA-4567-25FB-93E0537A6042}"/>
+              </a:ext>
+            </a:extLst>
+          </p:cNvPr>
+          <p:cNvSpPr txBox="1"/>
+          <p:nvPr/>
+        </p:nvSpPr>
+        <p:spPr>
+          <a:xfrm>
+            <a:off x="520861" y="170082"/>
+            <a:ext cx="17309939" cy="1477328"/>
+          </a:xfrm>
+          <a:prstGeom prst="rect">
+            <a:avLst/>
+          </a:prstGeom>
+          <a:noFill/>
+        </p:spPr>
+        <p:txBody>
+          <a:bodyPr wrap="square" rtlCol="0">
+            <a:spAutoFit/>
+          </a:bodyPr>
+          <a:lstStyle/>
+          <a:p>
+            <a:r>
+              <a:rPr lang="en-US" sz="9000" dirty="0">
+                <a:latin typeface="Aliens &amp; cows" panose="00000500000000000000" pitchFamily="2" charset="0"/>
+              </a:rPr>
+              <a:t>Copilot in Excel… not enough? </a:t>
+            </a:r>
+          </a:p>
+        </p:txBody>
+      </p:sp>
+      <p:pic>
+        <p:nvPicPr>
+          <p:cNvPr id="15" name="Picture 14" descr="A close up of a sign&#10;&#10;Description automatically generated">
+            <a:extLst>
+              <a:ext uri="{FF2B5EF4-FFF2-40B4-BE49-F238E27FC236}">
+                <a16:creationId xmlns:a16="http://schemas.microsoft.com/office/drawing/2014/main" id="{FF3A19E3-A606-CAF8-9058-3132CBBE8375}"/>
+              </a:ext>
+            </a:extLst>
+          </p:cNvPr>
+          <p:cNvPicPr>
+            <a:picLocks noChangeAspect="1"/>
+          </p:cNvPicPr>
+          <p:nvPr/>
+        </p:nvPicPr>
+        <p:blipFill>
+          <a:blip r:embed="rId3">
+            <a:extLst>
+              <a:ext uri="{28A0092B-C50C-407E-A947-70E740481C1C}">
+                <a14:useLocalDpi xmlns:a14="http://schemas.microsoft.com/office/drawing/2010/main" val="0"/>
+              </a:ext>
+            </a:extLst>
+          </a:blip>
+          <a:stretch>
+            <a:fillRect/>
+          </a:stretch>
+        </p:blipFill>
+        <p:spPr>
+          <a:xfrm>
+            <a:off x="16341036" y="8058429"/>
+            <a:ext cx="1942857" cy="2228571"/>
+          </a:xfrm>
+          <a:prstGeom prst="rect">
+            <a:avLst/>
+          </a:prstGeom>
+        </p:spPr>
+      </p:pic>
+      <p:pic>
+        <p:nvPicPr>
+          <p:cNvPr id="6" name="Picture 5" descr="A screenshot of a cellphone&#10;&#10;AI-generated content may be incorrect.">
+            <a:extLst>
+              <a:ext uri="{FF2B5EF4-FFF2-40B4-BE49-F238E27FC236}">
+                <a16:creationId xmlns:a16="http://schemas.microsoft.com/office/drawing/2014/main" id="{4531194C-E8C5-5067-6303-257FF9F1948D}"/>
+              </a:ext>
+            </a:extLst>
+          </p:cNvPr>
+          <p:cNvPicPr>
+            <a:picLocks noChangeAspect="1"/>
+          </p:cNvPicPr>
+          <p:nvPr/>
+        </p:nvPicPr>
+        <p:blipFill>
+          <a:blip r:embed="rId4">
+            <a:extLst>
+              <a:ext uri="{28A0092B-C50C-407E-A947-70E740481C1C}">
+                <a14:useLocalDpi xmlns:a14="http://schemas.microsoft.com/office/drawing/2010/main" val="0"/>
+              </a:ext>
+            </a:extLst>
+          </a:blip>
+          <a:srcRect t="6296" b="7037"/>
+          <a:stretch/>
+        </p:blipFill>
+        <p:spPr>
+          <a:xfrm>
+            <a:off x="3810000" y="1866900"/>
+            <a:ext cx="9187342" cy="7962363"/>
+          </a:xfrm>
+          <a:prstGeom prst="rect">
+            <a:avLst/>
+          </a:prstGeom>
+        </p:spPr>
+      </p:pic>
+    </p:spTree>
+    <p:extLst>
+      <p:ext uri="{BB962C8B-B14F-4D97-AF65-F5344CB8AC3E}">
+        <p14:creationId xmlns:p14="http://schemas.microsoft.com/office/powerpoint/2010/main" val="363398084"/>
       </p:ext>
     </p:extLst>
   </p:cSld>

--- a/xlgs-python-excel-copilot-slides.pptx
+++ b/xlgs-python-excel-copilot-slides.pptx
@@ -5,28 +5,29 @@
     <p:sldMasterId id="2147483648" r:id="rId1"/>
   </p:sldMasterIdLst>
   <p:notesMasterIdLst>
-    <p:notesMasterId r:id="rId21"/>
+    <p:notesMasterId r:id="rId22"/>
   </p:notesMasterIdLst>
   <p:sldIdLst>
     <p:sldId id="256" r:id="rId2"/>
     <p:sldId id="358" r:id="rId3"/>
     <p:sldId id="258" r:id="rId4"/>
     <p:sldId id="426" r:id="rId5"/>
-    <p:sldId id="433" r:id="rId6"/>
-    <p:sldId id="439" r:id="rId7"/>
-    <p:sldId id="434" r:id="rId8"/>
-    <p:sldId id="436" r:id="rId9"/>
-    <p:sldId id="442" r:id="rId10"/>
-    <p:sldId id="437" r:id="rId11"/>
-    <p:sldId id="425" r:id="rId12"/>
-    <p:sldId id="394" r:id="rId13"/>
-    <p:sldId id="364" r:id="rId14"/>
-    <p:sldId id="429" r:id="rId15"/>
-    <p:sldId id="430" r:id="rId16"/>
-    <p:sldId id="432" r:id="rId17"/>
-    <p:sldId id="431" r:id="rId18"/>
-    <p:sldId id="372" r:id="rId19"/>
-    <p:sldId id="427" r:id="rId20"/>
+    <p:sldId id="439" r:id="rId6"/>
+    <p:sldId id="434" r:id="rId7"/>
+    <p:sldId id="436" r:id="rId8"/>
+    <p:sldId id="442" r:id="rId9"/>
+    <p:sldId id="437" r:id="rId10"/>
+    <p:sldId id="443" r:id="rId11"/>
+    <p:sldId id="444" r:id="rId12"/>
+    <p:sldId id="425" r:id="rId13"/>
+    <p:sldId id="394" r:id="rId14"/>
+    <p:sldId id="364" r:id="rId15"/>
+    <p:sldId id="429" r:id="rId16"/>
+    <p:sldId id="430" r:id="rId17"/>
+    <p:sldId id="432" r:id="rId18"/>
+    <p:sldId id="431" r:id="rId19"/>
+    <p:sldId id="372" r:id="rId20"/>
+    <p:sldId id="427" r:id="rId21"/>
   </p:sldIdLst>
   <p:sldSz cx="18288000" cy="10287000"/>
   <p:notesSz cx="6858000" cy="9144000"/>
@@ -640,78 +641,160 @@
           <a:lstStyle/>
           <a:p>
             <a:r>
-              <a:rPr lang="en-US" b="0" i="0" dirty="0">
+              <a:rPr lang="en-US" dirty="0"/>
+              <a:t>https://stringfestanalytics.com/the-end-of-dax-and-m-how-ai-and-python-are-transforming-excel/</a:t>
+            </a:r>
+          </a:p>
+          <a:p>
+            <a:endParaRPr lang="en-US" dirty="0"/>
+          </a:p>
+          <a:p>
+            <a:pPr algn="l" rtl="0">
+              <a:lnSpc>
+                <a:spcPts val="1500"/>
+              </a:lnSpc>
+            </a:pPr>
+            <a:br>
+              <a:rPr lang="en-US" b="0" u="none" strike="noStrike" dirty="0">
                 <a:solidFill>
                   <a:srgbClr val="000000"/>
                 </a:solidFill>
                 <a:effectLst/>
                 <a:latin typeface="Arial" panose="020B0604020202020204" pitchFamily="34" charset="0"/>
               </a:rPr>
-              <a:t>In our discussion today about the future of Excel, we've focused on the integration of Python for backend data analysis, advanced charting, and machine learning, which offers powerful data manipulation capabilities through libraries like pandas and extensive visualization options with libraries like matplotlib and seaborn. </a:t>
-            </a:r>
-          </a:p>
-          <a:p>
-            <a:endParaRPr lang="en-US" b="0" i="0" dirty="0">
-              <a:solidFill>
-                <a:srgbClr val="000000"/>
-              </a:solidFill>
-              <a:effectLst/>
-              <a:latin typeface="Arial" panose="020B0604020202020204" pitchFamily="34" charset="0"/>
-            </a:endParaRPr>
-          </a:p>
-          <a:p>
-            <a:r>
-              <a:rPr lang="en-US" b="0" i="0" dirty="0">
+            </a:br>
+            <a:r>
+              <a:rPr lang="en-US" b="0" u="none" strike="noStrike" dirty="0">
                 <a:solidFill>
                   <a:srgbClr val="000000"/>
                 </a:solidFill>
                 <a:effectLst/>
                 <a:latin typeface="Arial" panose="020B0604020202020204" pitchFamily="34" charset="0"/>
               </a:rPr>
-              <a:t>Excel itself continues to shine with its frontend formatting, usability, and interactive dashboards, providing a user-friendly interface that's well-suited for widespread usage, formatting, and presentation. </a:t>
-            </a:r>
-          </a:p>
-          <a:p>
-            <a:endParaRPr lang="en-US" b="0" i="0" dirty="0">
-              <a:solidFill>
-                <a:srgbClr val="000000"/>
-              </a:solidFill>
-              <a:effectLst/>
-              <a:latin typeface="Arial" panose="020B0604020202020204" pitchFamily="34" charset="0"/>
-            </a:endParaRPr>
-          </a:p>
-          <a:p>
-            <a:r>
-              <a:rPr lang="en-US" b="0" i="0" dirty="0">
+              <a:t>To get started, I want to discuss why the combination of Python, Copilot, and Excel creates such a powerful synergy in data analysis and automation. Python is renowned for its simplicity and readability, making it an excellent 'glue' language. Unlike Excel's complex architecture, Python offers a smooth, snag-free experience for developers. Its syntax is clean and intuitive, which reduces errors and makes code maintenance easier. This simplicity is crucial when integrating different tools and workflows.</a:t>
+            </a:r>
+          </a:p>
+          <a:p>
+            <a:pPr algn="l" rtl="0">
+              <a:lnSpc>
+                <a:spcPts val="1500"/>
+              </a:lnSpc>
+            </a:pPr>
+            <a:br>
+              <a:rPr lang="en-US" dirty="0"/>
+            </a:br>
+            <a:r>
+              <a:rPr lang="en-US" b="0" u="none" strike="noStrike" dirty="0">
                 <a:solidFill>
                   <a:srgbClr val="000000"/>
                 </a:solidFill>
                 <a:effectLst/>
                 <a:latin typeface="Arial" panose="020B0604020202020204" pitchFamily="34" charset="0"/>
               </a:rPr>
-              <a:t>Now, although we haven't delved into JavaScript today, it's important to note that JavaScript, along with TypeScript, shares similar advantages to Python but in the realm of building applications, add-ins, and more for Excel. JavaScript and TypeScript enable additional add-ins, enhance interactivity, and facilitate web integration, allowing for the building and integration of more complex functionalities. This expands Excel's capabilities into web and app development, making it a versatile tool not just for data analysis but also for creating sophisticated user experiences within Excel's ecosystem. </a:t>
-            </a:r>
-          </a:p>
-          <a:p>
-            <a:endParaRPr lang="en-US" b="0" i="0" dirty="0">
-              <a:solidFill>
-                <a:srgbClr val="000000"/>
-              </a:solidFill>
-              <a:effectLst/>
-              <a:latin typeface="Arial" panose="020B0604020202020204" pitchFamily="34" charset="0"/>
-            </a:endParaRPr>
-          </a:p>
-          <a:p>
-            <a:r>
-              <a:rPr lang="en-US" b="0" i="0" dirty="0">
+              <a:t>Copilot excels at working with Python code because of Python's extensive and well-documented codebase. This vast repository provides a rich learning ground for Copilot's machine learning model. As an AI pair programmer, Copilot leverages this knowledge to suggest code completions, write entire functions, and even help debug Python scripts in real-time, enhancing productivity significantly.</a:t>
+            </a:r>
+          </a:p>
+          <a:p>
+            <a:pPr algn="l" rtl="0">
+              <a:lnSpc>
+                <a:spcPts val="1500"/>
+              </a:lnSpc>
+            </a:pPr>
+            <a:br>
+              <a:rPr lang="en-US" dirty="0"/>
+            </a:br>
+            <a:r>
+              <a:rPr lang="en-US" b="0" u="none" strike="noStrike" dirty="0">
                 <a:solidFill>
                   <a:srgbClr val="000000"/>
                 </a:solidFill>
                 <a:effectLst/>
                 <a:latin typeface="Arial" panose="020B0604020202020204" pitchFamily="34" charset="0"/>
               </a:rPr>
-              <a:t>This synergy between Python, Excel, and JavaScript/TypeScript paints a promising picture for Excel's future, where it can evolve into a more comprehensive platform for both data professionals and developers.</a:t>
-            </a:r>
+              <a:t>Excel, while powerful, has been the subject of many jokes regarding its data integrity issues. The humor in the slide points out Excel's tendency to misinterpret data, like turning dates into numbers or mixing up different data types. Additionally, Excel's architecture with separate components like Power Query for data transformation, Power Pivot for data modeling, and VBA for automation, creates silos which can be challenging to integrate seamlessly.</a:t>
+            </a:r>
+          </a:p>
+          <a:p>
+            <a:pPr algn="l" rtl="0">
+              <a:lnSpc>
+                <a:spcPts val="1500"/>
+              </a:lnSpc>
+            </a:pPr>
+            <a:br>
+              <a:rPr lang="en-US" dirty="0"/>
+            </a:br>
+            <a:r>
+              <a:rPr lang="en-US" b="0" u="none" strike="noStrike" dirty="0">
+                <a:solidFill>
+                  <a:srgbClr val="000000"/>
+                </a:solidFill>
+                <a:effectLst/>
+                <a:latin typeface="Arial" panose="020B0604020202020204" pitchFamily="34" charset="0"/>
+              </a:rPr>
+              <a:t>Integrating Python with Excel through tools like Python's </a:t>
+            </a:r>
+            <a:r>
+              <a:rPr lang="en-US" sz="1800" b="0" u="none" strike="noStrike" dirty="0">
+                <a:solidFill>
+                  <a:srgbClr val="000000"/>
+                </a:solidFill>
+                <a:effectLst/>
+                <a:latin typeface="Courier New" panose="02070309020205020404" pitchFamily="49" charset="0"/>
+              </a:rPr>
+              <a:t>pandas</a:t>
+            </a:r>
+            <a:r>
+              <a:rPr lang="en-US" b="0" u="none" strike="noStrike" dirty="0">
+                <a:solidFill>
+                  <a:srgbClr val="000000"/>
+                </a:solidFill>
+                <a:effectLst/>
+                <a:latin typeface="Arial" panose="020B0604020202020204" pitchFamily="34" charset="0"/>
+              </a:rPr>
+              <a:t> library or Excel's Python add-ins allows us to leverage Excel's user-friendly interface while overcoming its limitations with Python's robust data handling capabilities. Copilot acts as the bridge, providing intelligent coding assistance in Python, which can then interact with Excel data, making data manipulation, analysis, and visualization more efficient and less error-prone.</a:t>
+            </a:r>
+          </a:p>
+          <a:p>
+            <a:pPr algn="l" rtl="0">
+              <a:lnSpc>
+                <a:spcPts val="1500"/>
+              </a:lnSpc>
+            </a:pPr>
+            <a:br>
+              <a:rPr lang="en-US" dirty="0"/>
+            </a:br>
+            <a:r>
+              <a:rPr lang="en-US" b="0" u="none" strike="noStrike" dirty="0">
+                <a:solidFill>
+                  <a:srgbClr val="000000"/>
+                </a:solidFill>
+                <a:effectLst/>
+                <a:latin typeface="Arial" panose="020B0604020202020204" pitchFamily="34" charset="0"/>
+              </a:rPr>
+              <a:t>Given the trend towards more open, flexible, and integrated tools, the future seems less promising for proprietary languages like Excel's VBA. Python's open-source nature, coupled with AI assistance from tools like Copilot, offers a scalable and future-proof solution. This crossover not only enhances current workflows but also prepares us for future advancements in AI and data science, where Python will likely continue to play a leading role.</a:t>
+            </a:r>
+          </a:p>
+          <a:p>
+            <a:pPr algn="l" rtl="0">
+              <a:lnSpc>
+                <a:spcPts val="1500"/>
+              </a:lnSpc>
+            </a:pPr>
+            <a:br>
+              <a:rPr lang="en-US" dirty="0"/>
+            </a:br>
+            <a:r>
+              <a:rPr lang="en-US" b="0" u="none" strike="noStrike" dirty="0">
+                <a:solidFill>
+                  <a:srgbClr val="000000"/>
+                </a:solidFill>
+                <a:effectLst/>
+                <a:latin typeface="Arial" panose="020B0604020202020204" pitchFamily="34" charset="0"/>
+              </a:rPr>
+              <a:t>In summary, the combination of Python's simplicity, Copilot's AI-driven assistance, and Excel's widespread use creates a dynamic ecosystem. It addresses Excel's weaknesses while capitalizing on Python's strengths, making this trio a formidable force in data-driven environments.</a:t>
+            </a:r>
+          </a:p>
+          <a:p>
             <a:endParaRPr lang="en-US" dirty="0"/>
           </a:p>
         </p:txBody>
@@ -733,7 +816,7 @@
           <a:p>
             <a:fld id="{FFB500C5-13F7-48FC-8160-C29AECF6C602}" type="slidenum">
               <a:rPr lang="en-US" smtClean="0"/>
-              <a:t>16</a:t>
+              <a:t>13</a:t>
             </a:fld>
             <a:endParaRPr lang="en-US"/>
           </a:p>
@@ -742,7 +825,7 @@
     </p:spTree>
     <p:extLst>
       <p:ext uri="{BB962C8B-B14F-4D97-AF65-F5344CB8AC3E}">
-        <p14:creationId xmlns:p14="http://schemas.microsoft.com/office/powerpoint/2010/main" val="857960786"/>
+        <p14:creationId xmlns:p14="http://schemas.microsoft.com/office/powerpoint/2010/main" val="2469045808"/>
       </p:ext>
     </p:extLst>
   </p:cSld>
@@ -796,277 +879,79 @@
           <a:bodyPr/>
           <a:lstStyle/>
           <a:p>
-            <a:pPr algn="l" rtl="0">
-              <a:lnSpc>
-                <a:spcPts val="1500"/>
-              </a:lnSpc>
-            </a:pPr>
-            <a:br>
-              <a:rPr lang="en-US" b="0" u="none" strike="noStrike" dirty="0">
+            <a:r>
+              <a:rPr lang="en-US" b="0" i="0" dirty="0">
                 <a:solidFill>
                   <a:srgbClr val="000000"/>
                 </a:solidFill>
                 <a:effectLst/>
                 <a:latin typeface="Arial" panose="020B0604020202020204" pitchFamily="34" charset="0"/>
               </a:rPr>
-            </a:br>
-            <a:r>
-              <a:rPr lang="en-US" b="0" u="none" strike="noStrike" dirty="0">
+              <a:t>In our discussion today about the future of Excel, we've focused on the integration of Python for backend data analysis, advanced charting, and machine learning, which offers powerful data manipulation capabilities through libraries like pandas and extensive visualization options with libraries like matplotlib and seaborn. </a:t>
+            </a:r>
+          </a:p>
+          <a:p>
+            <a:endParaRPr lang="en-US" b="0" i="0" dirty="0">
+              <a:solidFill>
+                <a:srgbClr val="000000"/>
+              </a:solidFill>
+              <a:effectLst/>
+              <a:latin typeface="Arial" panose="020B0604020202020204" pitchFamily="34" charset="0"/>
+            </a:endParaRPr>
+          </a:p>
+          <a:p>
+            <a:r>
+              <a:rPr lang="en-US" b="0" i="0" dirty="0">
                 <a:solidFill>
                   <a:srgbClr val="000000"/>
                 </a:solidFill>
                 <a:effectLst/>
                 <a:latin typeface="Arial" panose="020B0604020202020204" pitchFamily="34" charset="0"/>
               </a:rPr>
-              <a:t>Good afternoon, everyone. Today, we're exploring how Excel has become a powerful tool for transforming everyday professionals into citizen data analysts, scientists, and engineers, especially in the era of AI. Despite concerns about AI potentially rendering Excel skills obsolete, the reality is quite the opposite. Excel, with AI integration, serves as a gateway to advanced analytics, automated workflows, and machine learning, making it more relevant than ever.</a:t>
-            </a:r>
-          </a:p>
-          <a:p>
-            <a:pPr algn="l" rtl="0">
-              <a:lnSpc>
-                <a:spcPts val="1500"/>
-              </a:lnSpc>
-            </a:pPr>
-            <a:br>
-              <a:rPr lang="en-US" dirty="0"/>
-            </a:br>
-            <a:r>
-              <a:rPr lang="en-US" b="0" u="none" strike="noStrike" dirty="0">
+              <a:t>Excel itself continues to shine with its frontend formatting, usability, and interactive dashboards, providing a user-friendly interface that's well-suited for widespread usage, formatting, and presentation. </a:t>
+            </a:r>
+          </a:p>
+          <a:p>
+            <a:endParaRPr lang="en-US" b="0" i="0" dirty="0">
+              <a:solidFill>
+                <a:srgbClr val="000000"/>
+              </a:solidFill>
+              <a:effectLst/>
+              <a:latin typeface="Arial" panose="020B0604020202020204" pitchFamily="34" charset="0"/>
+            </a:endParaRPr>
+          </a:p>
+          <a:p>
+            <a:r>
+              <a:rPr lang="en-US" b="0" i="0" dirty="0">
                 <a:solidFill>
                   <a:srgbClr val="000000"/>
                 </a:solidFill>
                 <a:effectLst/>
                 <a:latin typeface="Arial" panose="020B0604020202020204" pitchFamily="34" charset="0"/>
               </a:rPr>
-              <a:t>First, let's define what a "citizen" data professional is. These are individuals who, without formal data roles, leverage Excel to build analytical models, automate processes, and even engage in predictive modeling from their own PCs. This democratization of data work allows them to bypass traditional IT bottlenecks, enhancing their productivity and agility.</a:t>
-            </a:r>
-          </a:p>
-          <a:p>
-            <a:pPr algn="l" rtl="0">
-              <a:lnSpc>
-                <a:spcPts val="1500"/>
-              </a:lnSpc>
-            </a:pPr>
-            <a:br>
-              <a:rPr lang="en-US" dirty="0"/>
-            </a:br>
-            <a:r>
-              <a:rPr lang="en-US" b="0" u="none" strike="noStrike" dirty="0">
+              <a:t>Now, although we haven't delved into JavaScript today, it's important to note that JavaScript, along with TypeScript, shares similar advantages to Python but in the realm of building applications, add-ins, and more for Excel. JavaScript and TypeScript enable additional add-ins, enhance interactivity, and facilitate web integration, allowing for the building and integration of more complex functionalities. This expands Excel's capabilities into web and app development, making it a versatile tool not just for data analysis but also for creating sophisticated user experiences within Excel's ecosystem. </a:t>
+            </a:r>
+          </a:p>
+          <a:p>
+            <a:endParaRPr lang="en-US" b="0" i="0" dirty="0">
+              <a:solidFill>
+                <a:srgbClr val="000000"/>
+              </a:solidFill>
+              <a:effectLst/>
+              <a:latin typeface="Arial" panose="020B0604020202020204" pitchFamily="34" charset="0"/>
+            </a:endParaRPr>
+          </a:p>
+          <a:p>
+            <a:r>
+              <a:rPr lang="en-US" b="0" i="0" dirty="0">
                 <a:solidFill>
                   <a:srgbClr val="000000"/>
                 </a:solidFill>
                 <a:effectLst/>
                 <a:latin typeface="Arial" panose="020B0604020202020204" pitchFamily="34" charset="0"/>
               </a:rPr>
-              <a:t>For </a:t>
-            </a:r>
-            <a:r>
-              <a:rPr lang="en-US" b="1" u="none" strike="noStrike" dirty="0">
-                <a:solidFill>
-                  <a:srgbClr val="000000"/>
-                </a:solidFill>
-                <a:effectLst/>
-                <a:latin typeface="Arial" panose="020B0604020202020204" pitchFamily="34" charset="0"/>
-              </a:rPr>
-              <a:t>citizen data analysts</a:t>
-            </a:r>
-            <a:r>
-              <a:rPr lang="en-US" b="0" u="none" strike="noStrike" dirty="0">
-                <a:solidFill>
-                  <a:srgbClr val="000000"/>
-                </a:solidFill>
-                <a:effectLst/>
-                <a:latin typeface="Arial" panose="020B0604020202020204" pitchFamily="34" charset="0"/>
-              </a:rPr>
-              <a:t>, Excel has become a BI powerhouse through tools like Power Query, which automates data transformation from various sources, and Power Pivot, which enables complex data modeling and dynamic dashboard creation. Imagine receiving multiple CSV files each month; with Power Query, you can clean and transform these files effortlessly, then use Power Pivot to model the data, creating relationships and measures that power your interactive reports. This means decisions can be made instantly, without waiting for IT support or expensive BI tools.</a:t>
-            </a:r>
-          </a:p>
-          <a:p>
-            <a:pPr algn="l" rtl="0">
-              <a:lnSpc>
-                <a:spcPts val="1500"/>
-              </a:lnSpc>
-            </a:pPr>
-            <a:br>
-              <a:rPr lang="en-US" dirty="0"/>
-            </a:br>
-            <a:r>
-              <a:rPr lang="en-US" b="0" u="none" strike="noStrike" dirty="0">
-                <a:solidFill>
-                  <a:srgbClr val="000000"/>
-                </a:solidFill>
-                <a:effectLst/>
-                <a:latin typeface="Arial" panose="020B0604020202020204" pitchFamily="34" charset="0"/>
-              </a:rPr>
-              <a:t>Moving to </a:t>
-            </a:r>
-            <a:r>
-              <a:rPr lang="en-US" b="1" u="none" strike="noStrike" dirty="0">
-                <a:solidFill>
-                  <a:srgbClr val="000000"/>
-                </a:solidFill>
-                <a:effectLst/>
-                <a:latin typeface="Arial" panose="020B0604020202020204" pitchFamily="34" charset="0"/>
-              </a:rPr>
-              <a:t>citizen data scientists</a:t>
-            </a:r>
-            <a:r>
-              <a:rPr lang="en-US" b="0" u="none" strike="noStrike" dirty="0">
-                <a:solidFill>
-                  <a:srgbClr val="000000"/>
-                </a:solidFill>
-                <a:effectLst/>
-                <a:latin typeface="Arial" panose="020B0604020202020204" pitchFamily="34" charset="0"/>
-              </a:rPr>
-              <a:t>, Excel's integration with Python, facilitated by tools like LAMBDA(), transforms it into a robust platform for data science. Users can now perform tasks like setting random seeds, exploring statistical distributions, and splitting data for machine learning within Excel. This integration allows for advanced visualizations beyond Excel's native capabilities, making data analysis more intuitive. LAMBDA() further enhances this by allowing the creation of custom, complex formulas, essentially making Excel Turing complete for advanced calculations.</a:t>
-            </a:r>
-          </a:p>
-          <a:p>
-            <a:pPr algn="l" rtl="0">
-              <a:lnSpc>
-                <a:spcPts val="1500"/>
-              </a:lnSpc>
-            </a:pPr>
-            <a:br>
-              <a:rPr lang="en-US" dirty="0"/>
-            </a:br>
-            <a:r>
-              <a:rPr lang="en-US" b="0" u="none" strike="noStrike" dirty="0">
-                <a:solidFill>
-                  <a:srgbClr val="000000"/>
-                </a:solidFill>
-                <a:effectLst/>
-                <a:latin typeface="Arial" panose="020B0604020202020204" pitchFamily="34" charset="0"/>
-              </a:rPr>
-              <a:t>Finally, for </a:t>
-            </a:r>
-            <a:r>
-              <a:rPr lang="en-US" b="1" u="none" strike="noStrike" dirty="0">
-                <a:solidFill>
-                  <a:srgbClr val="000000"/>
-                </a:solidFill>
-                <a:effectLst/>
-                <a:latin typeface="Arial" panose="020B0604020202020204" pitchFamily="34" charset="0"/>
-              </a:rPr>
-              <a:t>citizen data engineers</a:t>
-            </a:r>
-            <a:r>
-              <a:rPr lang="en-US" b="0" u="none" strike="noStrike" dirty="0">
-                <a:solidFill>
-                  <a:srgbClr val="000000"/>
-                </a:solidFill>
-                <a:effectLst/>
-                <a:latin typeface="Arial" panose="020B0604020202020204" pitchFamily="34" charset="0"/>
-              </a:rPr>
-              <a:t>, Excel's capabilities are expanded through Power Automate and Office Scripts. Power Automate connects Excel with various workflows, automating data pipelines and ensuring data flows where it's needed, when it's needed. Office Scripts, a modern alternative to VBA, automates repetitive tasks like data formatting and report generation. For instance, a workflow might involve Power Automate detecting new CSV files in a SharePoint folder, appending them to an Excel workbook, with an Office Script then standardizing the data and updating dashboards, all without manual intervention.</a:t>
-            </a:r>
-          </a:p>
-          <a:p>
-            <a:pPr algn="l" rtl="0">
-              <a:lnSpc>
-                <a:spcPts val="1500"/>
-              </a:lnSpc>
-            </a:pPr>
-            <a:br>
-              <a:rPr lang="en-US" dirty="0"/>
-            </a:br>
-            <a:r>
-              <a:rPr lang="en-US" b="0" u="none" strike="noStrike" dirty="0">
-                <a:solidFill>
-                  <a:srgbClr val="000000"/>
-                </a:solidFill>
-                <a:effectLst/>
-                <a:latin typeface="Arial" panose="020B0604020202020204" pitchFamily="34" charset="0"/>
-              </a:rPr>
-              <a:t>The bridge that ties all these roles together is </a:t>
-            </a:r>
-            <a:r>
-              <a:rPr lang="en-US" b="1" u="none" strike="noStrike" dirty="0">
-                <a:solidFill>
-                  <a:srgbClr val="000000"/>
-                </a:solidFill>
-                <a:effectLst/>
-                <a:latin typeface="Arial" panose="020B0604020202020204" pitchFamily="34" charset="0"/>
-              </a:rPr>
-              <a:t>AI</a:t>
-            </a:r>
-            <a:r>
-              <a:rPr lang="en-US" b="0" u="none" strike="noStrike" dirty="0">
-                <a:solidFill>
-                  <a:srgbClr val="000000"/>
-                </a:solidFill>
-                <a:effectLst/>
-                <a:latin typeface="Arial" panose="020B0604020202020204" pitchFamily="34" charset="0"/>
-              </a:rPr>
-              <a:t>, particularly through Microsoft’s Copilot. For analysts, Copilot can construct complex PivotTables or dashboards from natural language commands, streamlining data interpretation. Data scientists can use Copilot for real-time Python code assistance within Excel, from model training to debugging. For engineers, Copilot simplifies setting up data workflows, making sophisticated automation accessible through simple descriptions.</a:t>
-            </a:r>
-          </a:p>
-          <a:p>
-            <a:pPr algn="l" rtl="0">
-              <a:lnSpc>
-                <a:spcPts val="1500"/>
-              </a:lnSpc>
-            </a:pPr>
-            <a:br>
-              <a:rPr lang="en-US" dirty="0"/>
-            </a:br>
-            <a:r>
-              <a:rPr lang="en-US" b="0" u="none" strike="noStrike" dirty="0">
-                <a:solidFill>
-                  <a:srgbClr val="000000"/>
-                </a:solidFill>
-                <a:effectLst/>
-                <a:latin typeface="Arial" panose="020B0604020202020204" pitchFamily="34" charset="0"/>
-              </a:rPr>
-              <a:t>In summary, Excel, powered by AI, enables a wide range of professionals to engage in data roles traditionally requiring specialized skills. This not only boosts productivity but also fosters a data-driven culture across organizations. As we conclude, I encourage you to think about which of these roles excites you the most, how AI integration can enhance your workflow, and what new skills you're eager to develop with Excel's evolving capabilities. Please share your thoughts and questions below.</a:t>
-            </a:r>
-          </a:p>
-          <a:p>
-            <a:pPr algn="l" rtl="0">
-              <a:lnSpc>
-                <a:spcPts val="1500"/>
-              </a:lnSpc>
-            </a:pPr>
-            <a:endParaRPr lang="en-US" b="0" u="none" strike="noStrike" dirty="0">
-              <a:solidFill>
-                <a:srgbClr val="000000"/>
-              </a:solidFill>
-              <a:effectLst/>
-              <a:latin typeface="Arial" panose="020B0604020202020204" pitchFamily="34" charset="0"/>
-            </a:endParaRPr>
-          </a:p>
-          <a:p>
-            <a:pPr algn="l" rtl="0">
-              <a:lnSpc>
-                <a:spcPts val="1500"/>
-              </a:lnSpc>
-            </a:pPr>
-            <a:endParaRPr lang="en-US" b="0" u="none" strike="noStrike" dirty="0">
-              <a:solidFill>
-                <a:srgbClr val="000000"/>
-              </a:solidFill>
-              <a:effectLst/>
-              <a:latin typeface="Arial" panose="020B0604020202020204" pitchFamily="34" charset="0"/>
-            </a:endParaRPr>
-          </a:p>
-          <a:p>
-            <a:pPr algn="l" rtl="0">
-              <a:lnSpc>
-                <a:spcPts val="1500"/>
-              </a:lnSpc>
-            </a:pPr>
-            <a:r>
-              <a:rPr lang="en-US" b="0" u="none" strike="noStrike" dirty="0">
-                <a:solidFill>
-                  <a:srgbClr val="000000"/>
-                </a:solidFill>
-                <a:effectLst/>
-                <a:latin typeface="Arial" panose="020B0604020202020204" pitchFamily="34" charset="0"/>
-              </a:rPr>
-              <a:t>https://gist.github.com/summerofgeorge/c8fff44d39519c56daf31a6176005034#file-citizen-da-ds-de-md</a:t>
-            </a:r>
-          </a:p>
-          <a:p>
+              <a:t>This synergy between Python, Excel, and JavaScript/TypeScript paints a promising picture for Excel's future, where it can evolve into a more comprehensive platform for both data professionals and developers.</a:t>
+            </a:r>
             <a:endParaRPr lang="en-US" dirty="0"/>
           </a:p>
         </p:txBody>
@@ -1097,7 +982,7 @@
     </p:spTree>
     <p:extLst>
       <p:ext uri="{BB962C8B-B14F-4D97-AF65-F5344CB8AC3E}">
-        <p14:creationId xmlns:p14="http://schemas.microsoft.com/office/powerpoint/2010/main" val="2016499028"/>
+        <p14:creationId xmlns:p14="http://schemas.microsoft.com/office/powerpoint/2010/main" val="857960786"/>
       </p:ext>
     </p:extLst>
   </p:cSld>
@@ -1107,7 +992,7 @@
 </p:notes>
 </file>
 
-<file path=ppt/notesSlides/notesSlide2.xml><?xml version="1.0" encoding="utf-8"?>
+<file path=ppt/notesSlides/notesSlide12.xml><?xml version="1.0" encoding="utf-8"?>
 <p:notes xmlns:a="http://schemas.openxmlformats.org/drawingml/2006/main" xmlns:r="http://schemas.openxmlformats.org/officeDocument/2006/relationships" xmlns:p="http://schemas.openxmlformats.org/presentationml/2006/main">
   <p:cSld>
     <p:spTree>
@@ -1151,13 +1036,278 @@
           <a:bodyPr/>
           <a:lstStyle/>
           <a:p>
-            <a:r>
-              <a:rPr lang="en-US" sz="1200" dirty="0">
-                <a:hlinkClick r:id="rId3"/>
+            <a:pPr algn="l" rtl="0">
+              <a:lnSpc>
+                <a:spcPts val="1500"/>
+              </a:lnSpc>
+            </a:pPr>
+            <a:br>
+              <a:rPr lang="en-US" b="0" u="none" strike="noStrike" dirty="0">
+                <a:solidFill>
+                  <a:srgbClr val="000000"/>
+                </a:solidFill>
+                <a:effectLst/>
+                <a:latin typeface="Arial" panose="020B0604020202020204" pitchFamily="34" charset="0"/>
               </a:rPr>
-              <a:t>https://swiy.co/TLlN</a:t>
-            </a:r>
-            <a:endParaRPr lang="en-US" sz="1200" dirty="0"/>
+            </a:br>
+            <a:r>
+              <a:rPr lang="en-US" b="0" u="none" strike="noStrike" dirty="0">
+                <a:solidFill>
+                  <a:srgbClr val="000000"/>
+                </a:solidFill>
+                <a:effectLst/>
+                <a:latin typeface="Arial" panose="020B0604020202020204" pitchFamily="34" charset="0"/>
+              </a:rPr>
+              <a:t>Good afternoon, everyone. Today, we're exploring how Excel has become a powerful tool for transforming everyday professionals into citizen data analysts, scientists, and engineers, especially in the era of AI. Despite concerns about AI potentially rendering Excel skills obsolete, the reality is quite the opposite. Excel, with AI integration, serves as a gateway to advanced analytics, automated workflows, and machine learning, making it more relevant than ever.</a:t>
+            </a:r>
+          </a:p>
+          <a:p>
+            <a:pPr algn="l" rtl="0">
+              <a:lnSpc>
+                <a:spcPts val="1500"/>
+              </a:lnSpc>
+            </a:pPr>
+            <a:br>
+              <a:rPr lang="en-US" dirty="0"/>
+            </a:br>
+            <a:r>
+              <a:rPr lang="en-US" b="0" u="none" strike="noStrike" dirty="0">
+                <a:solidFill>
+                  <a:srgbClr val="000000"/>
+                </a:solidFill>
+                <a:effectLst/>
+                <a:latin typeface="Arial" panose="020B0604020202020204" pitchFamily="34" charset="0"/>
+              </a:rPr>
+              <a:t>First, let's define what a "citizen" data professional is. These are individuals who, without formal data roles, leverage Excel to build analytical models, automate processes, and even engage in predictive modeling from their own PCs. This democratization of data work allows them to bypass traditional IT bottlenecks, enhancing their productivity and agility.</a:t>
+            </a:r>
+          </a:p>
+          <a:p>
+            <a:pPr algn="l" rtl="0">
+              <a:lnSpc>
+                <a:spcPts val="1500"/>
+              </a:lnSpc>
+            </a:pPr>
+            <a:br>
+              <a:rPr lang="en-US" dirty="0"/>
+            </a:br>
+            <a:r>
+              <a:rPr lang="en-US" b="0" u="none" strike="noStrike" dirty="0">
+                <a:solidFill>
+                  <a:srgbClr val="000000"/>
+                </a:solidFill>
+                <a:effectLst/>
+                <a:latin typeface="Arial" panose="020B0604020202020204" pitchFamily="34" charset="0"/>
+              </a:rPr>
+              <a:t>For </a:t>
+            </a:r>
+            <a:r>
+              <a:rPr lang="en-US" b="1" u="none" strike="noStrike" dirty="0">
+                <a:solidFill>
+                  <a:srgbClr val="000000"/>
+                </a:solidFill>
+                <a:effectLst/>
+                <a:latin typeface="Arial" panose="020B0604020202020204" pitchFamily="34" charset="0"/>
+              </a:rPr>
+              <a:t>citizen data analysts</a:t>
+            </a:r>
+            <a:r>
+              <a:rPr lang="en-US" b="0" u="none" strike="noStrike" dirty="0">
+                <a:solidFill>
+                  <a:srgbClr val="000000"/>
+                </a:solidFill>
+                <a:effectLst/>
+                <a:latin typeface="Arial" panose="020B0604020202020204" pitchFamily="34" charset="0"/>
+              </a:rPr>
+              <a:t>, Excel has become a BI powerhouse through tools like Power Query, which automates data transformation from various sources, and Power Pivot, which enables complex data modeling and dynamic dashboard creation. Imagine receiving multiple CSV files each month; with Power Query, you can clean and transform these files effortlessly, then use Power Pivot to model the data, creating relationships and measures that power your interactive reports. This means decisions can be made instantly, without waiting for IT support or expensive BI tools.</a:t>
+            </a:r>
+          </a:p>
+          <a:p>
+            <a:pPr algn="l" rtl="0">
+              <a:lnSpc>
+                <a:spcPts val="1500"/>
+              </a:lnSpc>
+            </a:pPr>
+            <a:br>
+              <a:rPr lang="en-US" dirty="0"/>
+            </a:br>
+            <a:r>
+              <a:rPr lang="en-US" b="0" u="none" strike="noStrike" dirty="0">
+                <a:solidFill>
+                  <a:srgbClr val="000000"/>
+                </a:solidFill>
+                <a:effectLst/>
+                <a:latin typeface="Arial" panose="020B0604020202020204" pitchFamily="34" charset="0"/>
+              </a:rPr>
+              <a:t>Moving to </a:t>
+            </a:r>
+            <a:r>
+              <a:rPr lang="en-US" b="1" u="none" strike="noStrike" dirty="0">
+                <a:solidFill>
+                  <a:srgbClr val="000000"/>
+                </a:solidFill>
+                <a:effectLst/>
+                <a:latin typeface="Arial" panose="020B0604020202020204" pitchFamily="34" charset="0"/>
+              </a:rPr>
+              <a:t>citizen data scientists</a:t>
+            </a:r>
+            <a:r>
+              <a:rPr lang="en-US" b="0" u="none" strike="noStrike" dirty="0">
+                <a:solidFill>
+                  <a:srgbClr val="000000"/>
+                </a:solidFill>
+                <a:effectLst/>
+                <a:latin typeface="Arial" panose="020B0604020202020204" pitchFamily="34" charset="0"/>
+              </a:rPr>
+              <a:t>, Excel's integration with Python, facilitated by tools like LAMBDA(), transforms it into a robust platform for data science. Users can now perform tasks like setting random seeds, exploring statistical distributions, and splitting data for machine learning within Excel. This integration allows for advanced visualizations beyond Excel's native capabilities, making data analysis more intuitive. LAMBDA() further enhances this by allowing the creation of custom, complex formulas, essentially making Excel Turing complete for advanced calculations.</a:t>
+            </a:r>
+          </a:p>
+          <a:p>
+            <a:pPr algn="l" rtl="0">
+              <a:lnSpc>
+                <a:spcPts val="1500"/>
+              </a:lnSpc>
+            </a:pPr>
+            <a:br>
+              <a:rPr lang="en-US" dirty="0"/>
+            </a:br>
+            <a:r>
+              <a:rPr lang="en-US" b="0" u="none" strike="noStrike" dirty="0">
+                <a:solidFill>
+                  <a:srgbClr val="000000"/>
+                </a:solidFill>
+                <a:effectLst/>
+                <a:latin typeface="Arial" panose="020B0604020202020204" pitchFamily="34" charset="0"/>
+              </a:rPr>
+              <a:t>Finally, for </a:t>
+            </a:r>
+            <a:r>
+              <a:rPr lang="en-US" b="1" u="none" strike="noStrike" dirty="0">
+                <a:solidFill>
+                  <a:srgbClr val="000000"/>
+                </a:solidFill>
+                <a:effectLst/>
+                <a:latin typeface="Arial" panose="020B0604020202020204" pitchFamily="34" charset="0"/>
+              </a:rPr>
+              <a:t>citizen data engineers</a:t>
+            </a:r>
+            <a:r>
+              <a:rPr lang="en-US" b="0" u="none" strike="noStrike" dirty="0">
+                <a:solidFill>
+                  <a:srgbClr val="000000"/>
+                </a:solidFill>
+                <a:effectLst/>
+                <a:latin typeface="Arial" panose="020B0604020202020204" pitchFamily="34" charset="0"/>
+              </a:rPr>
+              <a:t>, Excel's capabilities are expanded through Power Automate and Office Scripts. Power Automate connects Excel with various workflows, automating data pipelines and ensuring data flows where it's needed, when it's needed. Office Scripts, a modern alternative to VBA, automates repetitive tasks like data formatting and report generation. For instance, a workflow might involve Power Automate detecting new CSV files in a SharePoint folder, appending them to an Excel workbook, with an Office Script then standardizing the data and updating dashboards, all without manual intervention.</a:t>
+            </a:r>
+          </a:p>
+          <a:p>
+            <a:pPr algn="l" rtl="0">
+              <a:lnSpc>
+                <a:spcPts val="1500"/>
+              </a:lnSpc>
+            </a:pPr>
+            <a:br>
+              <a:rPr lang="en-US" dirty="0"/>
+            </a:br>
+            <a:r>
+              <a:rPr lang="en-US" b="0" u="none" strike="noStrike" dirty="0">
+                <a:solidFill>
+                  <a:srgbClr val="000000"/>
+                </a:solidFill>
+                <a:effectLst/>
+                <a:latin typeface="Arial" panose="020B0604020202020204" pitchFamily="34" charset="0"/>
+              </a:rPr>
+              <a:t>The bridge that ties all these roles together is </a:t>
+            </a:r>
+            <a:r>
+              <a:rPr lang="en-US" b="1" u="none" strike="noStrike" dirty="0">
+                <a:solidFill>
+                  <a:srgbClr val="000000"/>
+                </a:solidFill>
+                <a:effectLst/>
+                <a:latin typeface="Arial" panose="020B0604020202020204" pitchFamily="34" charset="0"/>
+              </a:rPr>
+              <a:t>AI</a:t>
+            </a:r>
+            <a:r>
+              <a:rPr lang="en-US" b="0" u="none" strike="noStrike" dirty="0">
+                <a:solidFill>
+                  <a:srgbClr val="000000"/>
+                </a:solidFill>
+                <a:effectLst/>
+                <a:latin typeface="Arial" panose="020B0604020202020204" pitchFamily="34" charset="0"/>
+              </a:rPr>
+              <a:t>, particularly through Microsoft’s Copilot. For analysts, Copilot can construct complex PivotTables or dashboards from natural language commands, streamlining data interpretation. Data scientists can use Copilot for real-time Python code assistance within Excel, from model training to debugging. For engineers, Copilot simplifies setting up data workflows, making sophisticated automation accessible through simple descriptions.</a:t>
+            </a:r>
+          </a:p>
+          <a:p>
+            <a:pPr algn="l" rtl="0">
+              <a:lnSpc>
+                <a:spcPts val="1500"/>
+              </a:lnSpc>
+            </a:pPr>
+            <a:br>
+              <a:rPr lang="en-US" dirty="0"/>
+            </a:br>
+            <a:r>
+              <a:rPr lang="en-US" b="0" u="none" strike="noStrike" dirty="0">
+                <a:solidFill>
+                  <a:srgbClr val="000000"/>
+                </a:solidFill>
+                <a:effectLst/>
+                <a:latin typeface="Arial" panose="020B0604020202020204" pitchFamily="34" charset="0"/>
+              </a:rPr>
+              <a:t>In summary, Excel, powered by AI, enables a wide range of professionals to engage in data roles traditionally requiring specialized skills. This not only boosts productivity but also fosters a data-driven culture across organizations. As we conclude, I encourage you to think about which of these roles excites you the most, how AI integration can enhance your workflow, and what new skills you're eager to develop with Excel's evolving capabilities. Please share your thoughts and questions below.</a:t>
+            </a:r>
+          </a:p>
+          <a:p>
+            <a:pPr algn="l" rtl="0">
+              <a:lnSpc>
+                <a:spcPts val="1500"/>
+              </a:lnSpc>
+            </a:pPr>
+            <a:endParaRPr lang="en-US" b="0" u="none" strike="noStrike" dirty="0">
+              <a:solidFill>
+                <a:srgbClr val="000000"/>
+              </a:solidFill>
+              <a:effectLst/>
+              <a:latin typeface="Arial" panose="020B0604020202020204" pitchFamily="34" charset="0"/>
+            </a:endParaRPr>
+          </a:p>
+          <a:p>
+            <a:pPr algn="l" rtl="0">
+              <a:lnSpc>
+                <a:spcPts val="1500"/>
+              </a:lnSpc>
+            </a:pPr>
+            <a:endParaRPr lang="en-US" b="0" u="none" strike="noStrike" dirty="0">
+              <a:solidFill>
+                <a:srgbClr val="000000"/>
+              </a:solidFill>
+              <a:effectLst/>
+              <a:latin typeface="Arial" panose="020B0604020202020204" pitchFamily="34" charset="0"/>
+            </a:endParaRPr>
+          </a:p>
+          <a:p>
+            <a:pPr algn="l" rtl="0">
+              <a:lnSpc>
+                <a:spcPts val="1500"/>
+              </a:lnSpc>
+            </a:pPr>
+            <a:r>
+              <a:rPr lang="en-US" b="0" u="none" strike="noStrike" dirty="0">
+                <a:solidFill>
+                  <a:srgbClr val="000000"/>
+                </a:solidFill>
+                <a:effectLst/>
+                <a:latin typeface="Arial" panose="020B0604020202020204" pitchFamily="34" charset="0"/>
+              </a:rPr>
+              <a:t>https://gist.github.com/summerofgeorge/c8fff44d39519c56daf31a6176005034#file-citizen-da-ds-de-md</a:t>
+            </a:r>
+          </a:p>
+          <a:p>
+            <a:endParaRPr lang="en-US" dirty="0"/>
           </a:p>
         </p:txBody>
       </p:sp>
@@ -1178,7 +1328,7 @@
           <a:p>
             <a:fld id="{FFB500C5-13F7-48FC-8160-C29AECF6C602}" type="slidenum">
               <a:rPr lang="en-US" smtClean="0"/>
-              <a:t>5</a:t>
+              <a:t>18</a:t>
             </a:fld>
             <a:endParaRPr lang="en-US"/>
           </a:p>
@@ -1187,7 +1337,7 @@
     </p:spTree>
     <p:extLst>
       <p:ext uri="{BB962C8B-B14F-4D97-AF65-F5344CB8AC3E}">
-        <p14:creationId xmlns:p14="http://schemas.microsoft.com/office/powerpoint/2010/main" val="1680611763"/>
+        <p14:creationId xmlns:p14="http://schemas.microsoft.com/office/powerpoint/2010/main" val="2016499028"/>
       </p:ext>
     </p:extLst>
   </p:cSld>
@@ -1197,7 +1347,7 @@
 </p:notes>
 </file>
 
-<file path=ppt/notesSlides/notesSlide3.xml><?xml version="1.0" encoding="utf-8"?>
+<file path=ppt/notesSlides/notesSlide2.xml><?xml version="1.0" encoding="utf-8"?>
 <p:notes xmlns:a="http://schemas.openxmlformats.org/drawingml/2006/main" xmlns:r="http://schemas.openxmlformats.org/officeDocument/2006/relationships" xmlns:p="http://schemas.openxmlformats.org/presentationml/2006/main">
   <p:cSld>
     <p:spTree>
@@ -1260,12 +1410,9 @@
           <a:lstStyle/>
           <a:p>
             <a:r>
-              <a:rPr lang="en-US" sz="1200" dirty="0">
-                <a:hlinkClick r:id="rId3"/>
-              </a:rPr>
-              <a:t>https://swiy.co/TLlN</a:t>
-            </a:r>
-            <a:endParaRPr lang="en-US" sz="1200" dirty="0"/>
+              <a:rPr lang="en-US" sz="1200" dirty="0"/>
+              <a:t>A lot of hostility, but some interest… </a:t>
+            </a:r>
           </a:p>
         </p:txBody>
       </p:sp>
@@ -1292,7 +1439,7 @@
           <a:p>
             <a:fld id="{FFB500C5-13F7-48FC-8160-C29AECF6C602}" type="slidenum">
               <a:rPr lang="en-US" smtClean="0"/>
-              <a:t>6</a:t>
+              <a:t>5</a:t>
             </a:fld>
             <a:endParaRPr lang="en-US"/>
           </a:p>
@@ -1311,7 +1458,7 @@
 </p:notes>
 </file>
 
-<file path=ppt/notesSlides/notesSlide4.xml><?xml version="1.0" encoding="utf-8"?>
+<file path=ppt/notesSlides/notesSlide3.xml><?xml version="1.0" encoding="utf-8"?>
 <p:notes xmlns:a="http://schemas.openxmlformats.org/drawingml/2006/main" xmlns:r="http://schemas.openxmlformats.org/officeDocument/2006/relationships" xmlns:p="http://schemas.openxmlformats.org/presentationml/2006/main">
   <p:cSld>
     <p:spTree>
@@ -1374,12 +1521,17 @@
           <a:lstStyle/>
           <a:p>
             <a:r>
-              <a:rPr lang="en-US" sz="1200" dirty="0">
-                <a:hlinkClick r:id="rId3"/>
-              </a:rPr>
-              <a:t>https://swiy.co/TLlN</a:t>
-            </a:r>
-            <a:endParaRPr lang="en-US" sz="1200" dirty="0"/>
+              <a:rPr lang="en-US" sz="1200" dirty="0"/>
+              <a:t>A quick honeymoon period for </a:t>
+            </a:r>
+            <a:r>
+              <a:rPr lang="en-US" sz="1200" dirty="0" err="1"/>
+              <a:t>Pytohn</a:t>
+            </a:r>
+            <a:r>
+              <a:rPr lang="en-US" sz="1200" dirty="0"/>
+              <a:t> in Excel, what happened? </a:t>
+            </a:r>
           </a:p>
         </p:txBody>
       </p:sp>
@@ -1406,7 +1558,7 @@
           <a:p>
             <a:fld id="{FFB500C5-13F7-48FC-8160-C29AECF6C602}" type="slidenum">
               <a:rPr lang="en-US" smtClean="0"/>
-              <a:t>7</a:t>
+              <a:t>6</a:t>
             </a:fld>
             <a:endParaRPr lang="en-US"/>
           </a:p>
@@ -1425,7 +1577,7 @@
 </p:notes>
 </file>
 
-<file path=ppt/notesSlides/notesSlide5.xml><?xml version="1.0" encoding="utf-8"?>
+<file path=ppt/notesSlides/notesSlide4.xml><?xml version="1.0" encoding="utf-8"?>
 <p:notes xmlns:a="http://schemas.openxmlformats.org/drawingml/2006/main" xmlns:r="http://schemas.openxmlformats.org/officeDocument/2006/relationships" xmlns:p="http://schemas.openxmlformats.org/presentationml/2006/main">
   <p:cSld>
     <p:spTree>
@@ -1488,12 +1640,9 @@
           <a:lstStyle/>
           <a:p>
             <a:r>
-              <a:rPr lang="en-US" sz="1200" dirty="0">
-                <a:hlinkClick r:id="rId3"/>
-              </a:rPr>
-              <a:t>https://swiy.co/TLlN</a:t>
-            </a:r>
-            <a:endParaRPr lang="en-US" sz="1200" dirty="0"/>
+              <a:rPr lang="en-US" sz="1200" dirty="0"/>
+              <a:t>Was it AI? I don’t know. Most people hated Copilot in Excel </a:t>
+            </a:r>
           </a:p>
         </p:txBody>
       </p:sp>
@@ -1520,7 +1669,7 @@
           <a:p>
             <a:fld id="{FFB500C5-13F7-48FC-8160-C29AECF6C602}" type="slidenum">
               <a:rPr lang="en-US" smtClean="0"/>
-              <a:t>8</a:t>
+              <a:t>7</a:t>
             </a:fld>
             <a:endParaRPr lang="en-US"/>
           </a:p>
@@ -1539,7 +1688,7 @@
 </p:notes>
 </file>
 
-<file path=ppt/notesSlides/notesSlide6.xml><?xml version="1.0" encoding="utf-8"?>
+<file path=ppt/notesSlides/notesSlide5.xml><?xml version="1.0" encoding="utf-8"?>
 <p:notes xmlns:a="http://schemas.openxmlformats.org/drawingml/2006/main" xmlns:r="http://schemas.openxmlformats.org/officeDocument/2006/relationships" xmlns:p="http://schemas.openxmlformats.org/presentationml/2006/main">
   <p:cSld>
     <p:spTree>
@@ -1602,12 +1751,9 @@
           <a:lstStyle/>
           <a:p>
             <a:r>
-              <a:rPr lang="en-US" sz="1200" dirty="0">
-                <a:hlinkClick r:id="rId3"/>
-              </a:rPr>
-              <a:t>https://swiy.co/TLlN</a:t>
-            </a:r>
-            <a:endParaRPr lang="en-US" sz="1200" dirty="0"/>
+              <a:rPr lang="en-US" sz="1200" dirty="0"/>
+              <a:t>Not singling Wyn out, I think most people thought that! </a:t>
+            </a:r>
           </a:p>
         </p:txBody>
       </p:sp>
@@ -1634,7 +1780,7 @@
           <a:p>
             <a:fld id="{FFB500C5-13F7-48FC-8160-C29AECF6C602}" type="slidenum">
               <a:rPr lang="en-US" smtClean="0"/>
-              <a:t>9</a:t>
+              <a:t>8</a:t>
             </a:fld>
             <a:endParaRPr lang="en-US"/>
           </a:p>
@@ -1653,7 +1799,7 @@
 </p:notes>
 </file>
 
-<file path=ppt/notesSlides/notesSlide7.xml><?xml version="1.0" encoding="utf-8"?>
+<file path=ppt/notesSlides/notesSlide6.xml><?xml version="1.0" encoding="utf-8"?>
 <p:notes xmlns:a="http://schemas.openxmlformats.org/drawingml/2006/main" xmlns:r="http://schemas.openxmlformats.org/officeDocument/2006/relationships" xmlns:p="http://schemas.openxmlformats.org/presentationml/2006/main">
   <p:cSld>
     <p:spTree>
@@ -1716,12 +1862,9 @@
           <a:lstStyle/>
           <a:p>
             <a:r>
-              <a:rPr lang="en-US" sz="1200" dirty="0">
-                <a:hlinkClick r:id="rId3"/>
-              </a:rPr>
-              <a:t>https://swiy.co/TLlN</a:t>
-            </a:r>
-            <a:endParaRPr lang="en-US" sz="1200" dirty="0"/>
+              <a:rPr lang="en-US" sz="1200" dirty="0"/>
+              <a:t>So Copilot is slowly growing in interest</a:t>
+            </a:r>
           </a:p>
         </p:txBody>
       </p:sp>
@@ -1731,6 +1874,117 @@
             <a:extLst>
               <a:ext uri="{FF2B5EF4-FFF2-40B4-BE49-F238E27FC236}">
                 <a16:creationId xmlns:a16="http://schemas.microsoft.com/office/drawing/2014/main" id="{7F12B534-4385-DC2A-43F8-AE7ADBDAF196}"/>
+              </a:ext>
+            </a:extLst>
+          </p:cNvPr>
+          <p:cNvSpPr>
+            <a:spLocks noGrp="1"/>
+          </p:cNvSpPr>
+          <p:nvPr>
+            <p:ph type="sldNum" sz="quarter" idx="5"/>
+          </p:nvPr>
+        </p:nvSpPr>
+        <p:spPr/>
+        <p:txBody>
+          <a:bodyPr/>
+          <a:lstStyle/>
+          <a:p>
+            <a:fld id="{FFB500C5-13F7-48FC-8160-C29AECF6C602}" type="slidenum">
+              <a:rPr lang="en-US" smtClean="0"/>
+              <a:t>9</a:t>
+            </a:fld>
+            <a:endParaRPr lang="en-US"/>
+          </a:p>
+        </p:txBody>
+      </p:sp>
+    </p:spTree>
+    <p:extLst>
+      <p:ext uri="{BB962C8B-B14F-4D97-AF65-F5344CB8AC3E}">
+        <p14:creationId xmlns:p14="http://schemas.microsoft.com/office/powerpoint/2010/main" val="4200641320"/>
+      </p:ext>
+    </p:extLst>
+  </p:cSld>
+  <p:clrMapOvr>
+    <a:masterClrMapping/>
+  </p:clrMapOvr>
+</p:notes>
+</file>
+
+<file path=ppt/notesSlides/notesSlide7.xml><?xml version="1.0" encoding="utf-8"?>
+<p:notes xmlns:a="http://schemas.openxmlformats.org/drawingml/2006/main" xmlns:r="http://schemas.openxmlformats.org/officeDocument/2006/relationships" xmlns:p="http://schemas.openxmlformats.org/presentationml/2006/main">
+  <p:cSld>
+    <p:spTree>
+      <p:nvGrpSpPr>
+        <p:cNvPr id="1" name="">
+          <a:extLst>
+            <a:ext uri="{FF2B5EF4-FFF2-40B4-BE49-F238E27FC236}">
+              <a16:creationId xmlns:a16="http://schemas.microsoft.com/office/drawing/2014/main" id="{26FD1329-B53D-B527-77B1-E7FE0A8EF827}"/>
+            </a:ext>
+          </a:extLst>
+        </p:cNvPr>
+        <p:cNvGrpSpPr/>
+        <p:nvPr/>
+      </p:nvGrpSpPr>
+      <p:grpSpPr>
+        <a:xfrm>
+          <a:off x="0" y="0"/>
+          <a:ext cx="0" cy="0"/>
+          <a:chOff x="0" y="0"/>
+          <a:chExt cx="0" cy="0"/>
+        </a:xfrm>
+      </p:grpSpPr>
+      <p:sp>
+        <p:nvSpPr>
+          <p:cNvPr id="2" name="Slide Image Placeholder 1">
+            <a:extLst>
+              <a:ext uri="{FF2B5EF4-FFF2-40B4-BE49-F238E27FC236}">
+                <a16:creationId xmlns:a16="http://schemas.microsoft.com/office/drawing/2014/main" id="{CDE82CC2-E04D-E180-C96B-636027D28D74}"/>
+              </a:ext>
+            </a:extLst>
+          </p:cNvPr>
+          <p:cNvSpPr>
+            <a:spLocks noGrp="1" noRot="1" noChangeAspect="1"/>
+          </p:cNvSpPr>
+          <p:nvPr>
+            <p:ph type="sldImg"/>
+          </p:nvPr>
+        </p:nvSpPr>
+        <p:spPr/>
+      </p:sp>
+      <p:sp>
+        <p:nvSpPr>
+          <p:cNvPr id="3" name="Notes Placeholder 2">
+            <a:extLst>
+              <a:ext uri="{FF2B5EF4-FFF2-40B4-BE49-F238E27FC236}">
+                <a16:creationId xmlns:a16="http://schemas.microsoft.com/office/drawing/2014/main" id="{8124481D-2901-7ABF-4A56-E1D6FBDEC716}"/>
+              </a:ext>
+            </a:extLst>
+          </p:cNvPr>
+          <p:cNvSpPr>
+            <a:spLocks noGrp="1"/>
+          </p:cNvSpPr>
+          <p:nvPr>
+            <p:ph type="body" idx="1"/>
+          </p:nvPr>
+        </p:nvSpPr>
+        <p:spPr/>
+        <p:txBody>
+          <a:bodyPr/>
+          <a:lstStyle/>
+          <a:p>
+            <a:r>
+              <a:rPr lang="en-US" sz="1200" dirty="0"/>
+              <a:t>So Copilot is slowly growing in interest</a:t>
+            </a:r>
+          </a:p>
+        </p:txBody>
+      </p:sp>
+      <p:sp>
+        <p:nvSpPr>
+          <p:cNvPr id="4" name="Slide Number Placeholder 3">
+            <a:extLst>
+              <a:ext uri="{FF2B5EF4-FFF2-40B4-BE49-F238E27FC236}">
+                <a16:creationId xmlns:a16="http://schemas.microsoft.com/office/drawing/2014/main" id="{405C8E6C-9A8D-AFE6-CDC9-C6CA84CA59F7}"/>
               </a:ext>
             </a:extLst>
           </p:cNvPr>
@@ -1757,7 +2011,7 @@
     </p:spTree>
     <p:extLst>
       <p:ext uri="{BB962C8B-B14F-4D97-AF65-F5344CB8AC3E}">
-        <p14:creationId xmlns:p14="http://schemas.microsoft.com/office/powerpoint/2010/main" val="4200641320"/>
+        <p14:creationId xmlns:p14="http://schemas.microsoft.com/office/powerpoint/2010/main" val="314935284"/>
       </p:ext>
     </p:extLst>
   </p:cSld>
@@ -1772,7 +2026,13 @@
   <p:cSld>
     <p:spTree>
       <p:nvGrpSpPr>
-        <p:cNvPr id="1" name=""/>
+        <p:cNvPr id="1" name="">
+          <a:extLst>
+            <a:ext uri="{FF2B5EF4-FFF2-40B4-BE49-F238E27FC236}">
+              <a16:creationId xmlns:a16="http://schemas.microsoft.com/office/drawing/2014/main" id="{96809ADF-BA39-B6EE-ACDA-68EA88A7A5F6}"/>
+            </a:ext>
+          </a:extLst>
+        </p:cNvPr>
         <p:cNvGrpSpPr/>
         <p:nvPr/>
       </p:nvGrpSpPr>
@@ -1786,7 +2046,13 @@
       </p:grpSpPr>
       <p:sp>
         <p:nvSpPr>
-          <p:cNvPr id="2" name="Slide Image Placeholder 1"/>
+          <p:cNvPr id="2" name="Slide Image Placeholder 1">
+            <a:extLst>
+              <a:ext uri="{FF2B5EF4-FFF2-40B4-BE49-F238E27FC236}">
+                <a16:creationId xmlns:a16="http://schemas.microsoft.com/office/drawing/2014/main" id="{2607418B-A48D-262A-E402-89F35E091FA8}"/>
+              </a:ext>
+            </a:extLst>
+          </p:cNvPr>
           <p:cNvSpPr>
             <a:spLocks noGrp="1" noRot="1" noChangeAspect="1"/>
           </p:cNvSpPr>
@@ -1798,7 +2064,13 @@
       </p:sp>
       <p:sp>
         <p:nvSpPr>
-          <p:cNvPr id="3" name="Notes Placeholder 2"/>
+          <p:cNvPr id="3" name="Notes Placeholder 2">
+            <a:extLst>
+              <a:ext uri="{FF2B5EF4-FFF2-40B4-BE49-F238E27FC236}">
+                <a16:creationId xmlns:a16="http://schemas.microsoft.com/office/drawing/2014/main" id="{472658AE-D81C-FC4E-C8FF-C1C81EF1CCDC}"/>
+              </a:ext>
+            </a:extLst>
+          </p:cNvPr>
           <p:cNvSpPr>
             <a:spLocks noGrp="1"/>
           </p:cNvSpPr>
@@ -1811,13 +2083,22 @@
           <a:bodyPr/>
           <a:lstStyle/>
           <a:p>
-            <a:endParaRPr lang="en-US" dirty="0"/>
-          </a:p>
-        </p:txBody>
-      </p:sp>
-      <p:sp>
-        <p:nvSpPr>
-          <p:cNvPr id="4" name="Slide Number Placeholder 3"/>
+            <a:r>
+              <a:rPr lang="en-US" sz="1200" dirty="0"/>
+              <a:t>So Copilot is slowly growing in interest</a:t>
+            </a:r>
+          </a:p>
+        </p:txBody>
+      </p:sp>
+      <p:sp>
+        <p:nvSpPr>
+          <p:cNvPr id="4" name="Slide Number Placeholder 3">
+            <a:extLst>
+              <a:ext uri="{FF2B5EF4-FFF2-40B4-BE49-F238E27FC236}">
+                <a16:creationId xmlns:a16="http://schemas.microsoft.com/office/drawing/2014/main" id="{2C833359-47DE-FB07-B43C-98FBA5A4B9F6}"/>
+              </a:ext>
+            </a:extLst>
+          </p:cNvPr>
           <p:cNvSpPr>
             <a:spLocks noGrp="1"/>
           </p:cNvSpPr>
@@ -1841,7 +2122,7 @@
     </p:spTree>
     <p:extLst>
       <p:ext uri="{BB962C8B-B14F-4D97-AF65-F5344CB8AC3E}">
-        <p14:creationId xmlns:p14="http://schemas.microsoft.com/office/powerpoint/2010/main" val="981337392"/>
+        <p14:creationId xmlns:p14="http://schemas.microsoft.com/office/powerpoint/2010/main" val="4039744354"/>
       </p:ext>
     </p:extLst>
   </p:cSld>
@@ -1895,161 +2176,6 @@
           <a:bodyPr/>
           <a:lstStyle/>
           <a:p>
-            <a:r>
-              <a:rPr lang="en-US" dirty="0"/>
-              <a:t>https://stringfestanalytics.com/the-end-of-dax-and-m-how-ai-and-python-are-transforming-excel/</a:t>
-            </a:r>
-          </a:p>
-          <a:p>
-            <a:endParaRPr lang="en-US" dirty="0"/>
-          </a:p>
-          <a:p>
-            <a:pPr algn="l" rtl="0">
-              <a:lnSpc>
-                <a:spcPts val="1500"/>
-              </a:lnSpc>
-            </a:pPr>
-            <a:br>
-              <a:rPr lang="en-US" b="0" u="none" strike="noStrike" dirty="0">
-                <a:solidFill>
-                  <a:srgbClr val="000000"/>
-                </a:solidFill>
-                <a:effectLst/>
-                <a:latin typeface="Arial" panose="020B0604020202020204" pitchFamily="34" charset="0"/>
-              </a:rPr>
-            </a:br>
-            <a:r>
-              <a:rPr lang="en-US" b="0" u="none" strike="noStrike" dirty="0">
-                <a:solidFill>
-                  <a:srgbClr val="000000"/>
-                </a:solidFill>
-                <a:effectLst/>
-                <a:latin typeface="Arial" panose="020B0604020202020204" pitchFamily="34" charset="0"/>
-              </a:rPr>
-              <a:t>To get started, I want to discuss why the combination of Python, Copilot, and Excel creates such a powerful synergy in data analysis and automation. Python is renowned for its simplicity and readability, making it an excellent 'glue' language. Unlike Excel's complex architecture, Python offers a smooth, snag-free experience for developers. Its syntax is clean and intuitive, which reduces errors and makes code maintenance easier. This simplicity is crucial when integrating different tools and workflows.</a:t>
-            </a:r>
-          </a:p>
-          <a:p>
-            <a:pPr algn="l" rtl="0">
-              <a:lnSpc>
-                <a:spcPts val="1500"/>
-              </a:lnSpc>
-            </a:pPr>
-            <a:br>
-              <a:rPr lang="en-US" dirty="0"/>
-            </a:br>
-            <a:r>
-              <a:rPr lang="en-US" b="0" u="none" strike="noStrike" dirty="0">
-                <a:solidFill>
-                  <a:srgbClr val="000000"/>
-                </a:solidFill>
-                <a:effectLst/>
-                <a:latin typeface="Arial" panose="020B0604020202020204" pitchFamily="34" charset="0"/>
-              </a:rPr>
-              <a:t>Copilot excels at working with Python code because of Python's extensive and well-documented codebase. This vast repository provides a rich learning ground for Copilot's machine learning model. As an AI pair programmer, Copilot leverages this knowledge to suggest code completions, write entire functions, and even help debug Python scripts in real-time, enhancing productivity significantly.</a:t>
-            </a:r>
-          </a:p>
-          <a:p>
-            <a:pPr algn="l" rtl="0">
-              <a:lnSpc>
-                <a:spcPts val="1500"/>
-              </a:lnSpc>
-            </a:pPr>
-            <a:br>
-              <a:rPr lang="en-US" dirty="0"/>
-            </a:br>
-            <a:r>
-              <a:rPr lang="en-US" b="0" u="none" strike="noStrike" dirty="0">
-                <a:solidFill>
-                  <a:srgbClr val="000000"/>
-                </a:solidFill>
-                <a:effectLst/>
-                <a:latin typeface="Arial" panose="020B0604020202020204" pitchFamily="34" charset="0"/>
-              </a:rPr>
-              <a:t>Excel, while powerful, has been the subject of many jokes regarding its data integrity issues. The humor in the slide points out Excel's tendency to misinterpret data, like turning dates into numbers or mixing up different data types. Additionally, Excel's architecture with separate components like Power Query for data transformation, Power Pivot for data modeling, and VBA for automation, creates silos which can be challenging to integrate seamlessly.</a:t>
-            </a:r>
-          </a:p>
-          <a:p>
-            <a:pPr algn="l" rtl="0">
-              <a:lnSpc>
-                <a:spcPts val="1500"/>
-              </a:lnSpc>
-            </a:pPr>
-            <a:br>
-              <a:rPr lang="en-US" dirty="0"/>
-            </a:br>
-            <a:r>
-              <a:rPr lang="en-US" b="0" u="none" strike="noStrike" dirty="0">
-                <a:solidFill>
-                  <a:srgbClr val="000000"/>
-                </a:solidFill>
-                <a:effectLst/>
-                <a:latin typeface="Arial" panose="020B0604020202020204" pitchFamily="34" charset="0"/>
-              </a:rPr>
-              <a:t>Integrating Python with Excel through tools like Python's </a:t>
-            </a:r>
-            <a:r>
-              <a:rPr lang="en-US" sz="1800" b="0" u="none" strike="noStrike" dirty="0">
-                <a:solidFill>
-                  <a:srgbClr val="000000"/>
-                </a:solidFill>
-                <a:effectLst/>
-                <a:latin typeface="Courier New" panose="02070309020205020404" pitchFamily="49" charset="0"/>
-              </a:rPr>
-              <a:t>pandas</a:t>
-            </a:r>
-            <a:r>
-              <a:rPr lang="en-US" b="0" u="none" strike="noStrike" dirty="0">
-                <a:solidFill>
-                  <a:srgbClr val="000000"/>
-                </a:solidFill>
-                <a:effectLst/>
-                <a:latin typeface="Arial" panose="020B0604020202020204" pitchFamily="34" charset="0"/>
-              </a:rPr>
-              <a:t> library or Excel's Python add-ins allows us to leverage Excel's user-friendly interface while overcoming its limitations with Python's robust data handling capabilities. Copilot acts as the bridge, providing intelligent coding assistance in Python, which can then interact with Excel data, making data manipulation, analysis, and visualization more efficient and less error-prone.</a:t>
-            </a:r>
-          </a:p>
-          <a:p>
-            <a:pPr algn="l" rtl="0">
-              <a:lnSpc>
-                <a:spcPts val="1500"/>
-              </a:lnSpc>
-            </a:pPr>
-            <a:br>
-              <a:rPr lang="en-US" dirty="0"/>
-            </a:br>
-            <a:r>
-              <a:rPr lang="en-US" b="0" u="none" strike="noStrike" dirty="0">
-                <a:solidFill>
-                  <a:srgbClr val="000000"/>
-                </a:solidFill>
-                <a:effectLst/>
-                <a:latin typeface="Arial" panose="020B0604020202020204" pitchFamily="34" charset="0"/>
-              </a:rPr>
-              <a:t>Given the trend towards more open, flexible, and integrated tools, the future seems less promising for proprietary languages like Excel's VBA. Python's open-source nature, coupled with AI assistance from tools like Copilot, offers a scalable and future-proof solution. This crossover not only enhances current workflows but also prepares us for future advancements in AI and data science, where Python will likely continue to play a leading role.</a:t>
-            </a:r>
-          </a:p>
-          <a:p>
-            <a:pPr algn="l" rtl="0">
-              <a:lnSpc>
-                <a:spcPts val="1500"/>
-              </a:lnSpc>
-            </a:pPr>
-            <a:br>
-              <a:rPr lang="en-US" dirty="0"/>
-            </a:br>
-            <a:r>
-              <a:rPr lang="en-US" b="0" u="none" strike="noStrike" dirty="0">
-                <a:solidFill>
-                  <a:srgbClr val="000000"/>
-                </a:solidFill>
-                <a:effectLst/>
-                <a:latin typeface="Arial" panose="020B0604020202020204" pitchFamily="34" charset="0"/>
-              </a:rPr>
-              <a:t>In summary, the combination of Python's simplicity, Copilot's AI-driven assistance, and Excel's widespread use creates a dynamic ecosystem. It addresses Excel's weaknesses while capitalizing on Python's strengths, making this trio a formidable force in data-driven environments.</a:t>
-            </a:r>
-          </a:p>
-          <a:p>
             <a:endParaRPr lang="en-US" dirty="0"/>
           </a:p>
         </p:txBody>
@@ -2080,7 +2206,7 @@
     </p:spTree>
     <p:extLst>
       <p:ext uri="{BB962C8B-B14F-4D97-AF65-F5344CB8AC3E}">
-        <p14:creationId xmlns:p14="http://schemas.microsoft.com/office/powerpoint/2010/main" val="2469045808"/>
+        <p14:creationId xmlns:p14="http://schemas.microsoft.com/office/powerpoint/2010/main" val="981337392"/>
       </p:ext>
     </p:extLst>
   </p:cSld>
@@ -5246,7 +5372,7 @@
         <p:cNvPr id="1" name="">
           <a:extLst>
             <a:ext uri="{FF2B5EF4-FFF2-40B4-BE49-F238E27FC236}">
-              <a16:creationId xmlns:a16="http://schemas.microsoft.com/office/drawing/2014/main" id="{2873BA01-E420-EE6D-4CC4-16C13000F659}"/>
+              <a16:creationId xmlns:a16="http://schemas.microsoft.com/office/drawing/2014/main" id="{42253E35-051A-680A-90BC-C14A09843006}"/>
             </a:ext>
           </a:extLst>
         </p:cNvPr>
@@ -5266,7 +5392,7 @@
           <p:cNvPr id="11" name="TextBox 10">
             <a:extLst>
               <a:ext uri="{FF2B5EF4-FFF2-40B4-BE49-F238E27FC236}">
-                <a16:creationId xmlns:a16="http://schemas.microsoft.com/office/drawing/2014/main" id="{CA54BF7A-F039-9B3E-AAD5-C4E5D73E1F68}"/>
+                <a16:creationId xmlns:a16="http://schemas.microsoft.com/office/drawing/2014/main" id="{E318004C-0D8C-1626-E347-267A099E271A}"/>
               </a:ext>
             </a:extLst>
           </p:cNvPr>
@@ -5303,7 +5429,7 @@
           <p:cNvPr id="15" name="Picture 14" descr="A close up of a sign&#10;&#10;Description automatically generated">
             <a:extLst>
               <a:ext uri="{FF2B5EF4-FFF2-40B4-BE49-F238E27FC236}">
-                <a16:creationId xmlns:a16="http://schemas.microsoft.com/office/drawing/2014/main" id="{3DEB4C2E-B2C1-C94C-AD83-9DEC6C38FA9C}"/>
+                <a16:creationId xmlns:a16="http://schemas.microsoft.com/office/drawing/2014/main" id="{8C115F9F-74F5-B7D5-FE05-F06B7FE6F57B}"/>
               </a:ext>
             </a:extLst>
           </p:cNvPr>
@@ -5339,7 +5465,7 @@
           <p:cNvPr id="6" name="Picture 5">
             <a:extLst>
               <a:ext uri="{FF2B5EF4-FFF2-40B4-BE49-F238E27FC236}">
-                <a16:creationId xmlns:a16="http://schemas.microsoft.com/office/drawing/2014/main" id="{0D55C19C-DEE9-3CDC-3928-99A92BC233BC}"/>
+                <a16:creationId xmlns:a16="http://schemas.microsoft.com/office/drawing/2014/main" id="{7F575523-0676-7198-86C8-C6D3F1D50049}"/>
               </a:ext>
             </a:extLst>
           </p:cNvPr>
@@ -5369,7 +5495,7 @@
           <p:cNvPr id="2" name="TextBox 1">
             <a:extLst>
               <a:ext uri="{FF2B5EF4-FFF2-40B4-BE49-F238E27FC236}">
-                <a16:creationId xmlns:a16="http://schemas.microsoft.com/office/drawing/2014/main" id="{0AAEBBDD-2DB8-E423-0257-2C26EE4EBCC7}"/>
+                <a16:creationId xmlns:a16="http://schemas.microsoft.com/office/drawing/2014/main" id="{BB00A7B5-1E76-E25C-F9F9-59C6F2E5A72B}"/>
               </a:ext>
             </a:extLst>
           </p:cNvPr>
@@ -5404,7 +5530,7 @@
           <p:cNvPr id="4" name="Straight Arrow Connector 3">
             <a:extLst>
               <a:ext uri="{FF2B5EF4-FFF2-40B4-BE49-F238E27FC236}">
-                <a16:creationId xmlns:a16="http://schemas.microsoft.com/office/drawing/2014/main" id="{FB673B21-36D0-FE8A-F2A2-52B589D98DA1}"/>
+                <a16:creationId xmlns:a16="http://schemas.microsoft.com/office/drawing/2014/main" id="{DD440242-641B-7A7F-EC49-5B7CA3A17167}"/>
               </a:ext>
             </a:extLst>
           </p:cNvPr>
@@ -5443,7 +5569,7 @@
           <p:cNvPr id="3" name="TextBox 2">
             <a:extLst>
               <a:ext uri="{FF2B5EF4-FFF2-40B4-BE49-F238E27FC236}">
-                <a16:creationId xmlns:a16="http://schemas.microsoft.com/office/drawing/2014/main" id="{AEC4F492-0FF8-F3A6-74A9-E497AB29CDF0}"/>
+                <a16:creationId xmlns:a16="http://schemas.microsoft.com/office/drawing/2014/main" id="{784C1E97-5743-C667-632B-E1EAA980DAE8}"/>
               </a:ext>
             </a:extLst>
           </p:cNvPr>
@@ -5478,7 +5604,7 @@
           <p:cNvPr id="7" name="Straight Arrow Connector 6">
             <a:extLst>
               <a:ext uri="{FF2B5EF4-FFF2-40B4-BE49-F238E27FC236}">
-                <a16:creationId xmlns:a16="http://schemas.microsoft.com/office/drawing/2014/main" id="{A2107CB3-8BE7-DF12-AC98-FF886271F1A9}"/>
+                <a16:creationId xmlns:a16="http://schemas.microsoft.com/office/drawing/2014/main" id="{5A67BACA-6DDA-92DA-9F1B-E150A8A11372}"/>
               </a:ext>
             </a:extLst>
           </p:cNvPr>
@@ -5517,7 +5643,7 @@
     </p:spTree>
     <p:extLst>
       <p:ext uri="{BB962C8B-B14F-4D97-AF65-F5344CB8AC3E}">
-        <p14:creationId xmlns:p14="http://schemas.microsoft.com/office/powerpoint/2010/main" val="3123897086"/>
+        <p14:creationId xmlns:p14="http://schemas.microsoft.com/office/powerpoint/2010/main" val="393743864"/>
       </p:ext>
     </p:extLst>
   </p:cSld>
@@ -5532,7 +5658,13 @@
   <p:cSld>
     <p:spTree>
       <p:nvGrpSpPr>
-        <p:cNvPr id="1" name=""/>
+        <p:cNvPr id="1" name="">
+          <a:extLst>
+            <a:ext uri="{FF2B5EF4-FFF2-40B4-BE49-F238E27FC236}">
+              <a16:creationId xmlns:a16="http://schemas.microsoft.com/office/drawing/2014/main" id="{77B78123-507D-6B5F-0800-E1DC90528AEB}"/>
+            </a:ext>
+          </a:extLst>
+        </p:cNvPr>
         <p:cNvGrpSpPr/>
         <p:nvPr/>
       </p:nvGrpSpPr>
@@ -5546,14 +5678,20 @@
       </p:grpSpPr>
       <p:sp>
         <p:nvSpPr>
-          <p:cNvPr id="11" name="TextBox 10"/>
+          <p:cNvPr id="11" name="TextBox 10">
+            <a:extLst>
+              <a:ext uri="{FF2B5EF4-FFF2-40B4-BE49-F238E27FC236}">
+                <a16:creationId xmlns:a16="http://schemas.microsoft.com/office/drawing/2014/main" id="{E61B5300-DEB6-F0C9-2121-EF9147664403}"/>
+              </a:ext>
+            </a:extLst>
+          </p:cNvPr>
           <p:cNvSpPr txBox="1"/>
           <p:nvPr/>
         </p:nvSpPr>
         <p:spPr>
           <a:xfrm>
             <a:off x="520861" y="170082"/>
-            <a:ext cx="16166939" cy="1107996"/>
+            <a:ext cx="17309939" cy="1200329"/>
           </a:xfrm>
           <a:prstGeom prst="rect">
             <a:avLst/>
@@ -5567,10 +5705,10 @@
           <a:lstStyle/>
           <a:p>
             <a:r>
-              <a:rPr lang="en-US" sz="6600" dirty="0">
+              <a:rPr lang="en-US" sz="7200" dirty="0">
                 <a:latin typeface="Aliens &amp; cows" panose="00000500000000000000" pitchFamily="2" charset="0"/>
               </a:rPr>
-              <a:t>The most ambitious crossover event in history</a:t>
+              <a:t>Copilot + Python + Excel… maybe enough?</a:t>
             </a:r>
           </a:p>
         </p:txBody>
@@ -5580,7 +5718,7 @@
           <p:cNvPr id="15" name="Picture 14" descr="A close up of a sign&#10;&#10;Description automatically generated">
             <a:extLst>
               <a:ext uri="{FF2B5EF4-FFF2-40B4-BE49-F238E27FC236}">
-                <a16:creationId xmlns:a16="http://schemas.microsoft.com/office/drawing/2014/main" id="{29761B90-A7DE-4A60-A915-F085BD87CAB4}"/>
+                <a16:creationId xmlns:a16="http://schemas.microsoft.com/office/drawing/2014/main" id="{2260B8B6-C693-019A-1480-F10AF61F07DC}"/>
               </a:ext>
             </a:extLst>
           </p:cNvPr>
@@ -5613,10 +5751,10 @@
       </p:pic>
       <p:pic>
         <p:nvPicPr>
-          <p:cNvPr id="6" name="Picture 5" descr="A rainbow colored logo on a black background&#10;&#10;Description automatically generated">
+          <p:cNvPr id="6" name="Picture 5">
             <a:extLst>
               <a:ext uri="{FF2B5EF4-FFF2-40B4-BE49-F238E27FC236}">
-                <a16:creationId xmlns:a16="http://schemas.microsoft.com/office/drawing/2014/main" id="{C2866380-30B4-458B-7A21-7BE3C090840D}"/>
+                <a16:creationId xmlns:a16="http://schemas.microsoft.com/office/drawing/2014/main" id="{EA7714DD-E083-9DEB-B7B9-BA5DAD276560}"/>
               </a:ext>
             </a:extLst>
           </p:cNvPr>
@@ -5626,103 +5764,251 @@
           <p:nvPr/>
         </p:nvPicPr>
         <p:blipFill>
-          <a:blip r:embed="rId4" cstate="print">
-            <a:extLst>
-              <a:ext uri="{28A0092B-C50C-407E-A947-70E740481C1C}">
-                <a14:useLocalDpi xmlns:a14="http://schemas.microsoft.com/office/drawing/2010/main" val="0"/>
-              </a:ext>
-            </a:extLst>
-          </a:blip>
+          <a:blip r:embed="rId4"/>
           <a:stretch>
             <a:fillRect/>
           </a:stretch>
         </p:blipFill>
         <p:spPr>
           <a:xfrm>
-            <a:off x="12053054" y="2754978"/>
-            <a:ext cx="5948960" cy="5948960"/>
+            <a:off x="914400" y="1624026"/>
+            <a:ext cx="14282800" cy="8483769"/>
           </a:xfrm>
           <a:prstGeom prst="rect">
             <a:avLst/>
           </a:prstGeom>
         </p:spPr>
       </p:pic>
-      <p:pic>
-        <p:nvPicPr>
-          <p:cNvPr id="8" name="Picture 7" descr="A green square with a white x on it&#10;&#10;Description automatically generated">
+      <p:sp>
+        <p:nvSpPr>
+          <p:cNvPr id="2" name="TextBox 1">
             <a:extLst>
               <a:ext uri="{FF2B5EF4-FFF2-40B4-BE49-F238E27FC236}">
-                <a16:creationId xmlns:a16="http://schemas.microsoft.com/office/drawing/2014/main" id="{49A2EDE9-1F8F-3D98-5D90-A473AB91A6F6}"/>
+                <a16:creationId xmlns:a16="http://schemas.microsoft.com/office/drawing/2014/main" id="{2BFEC1D7-5AC9-47C4-5B80-8A58473EF02B}"/>
               </a:ext>
             </a:extLst>
           </p:cNvPr>
-          <p:cNvPicPr>
-            <a:picLocks noChangeAspect="1"/>
-          </p:cNvPicPr>
+          <p:cNvSpPr txBox="1"/>
           <p:nvPr/>
-        </p:nvPicPr>
-        <p:blipFill>
-          <a:blip r:embed="rId5" cstate="print">
-            <a:extLst>
-              <a:ext uri="{28A0092B-C50C-407E-A947-70E740481C1C}">
-                <a14:useLocalDpi xmlns:a14="http://schemas.microsoft.com/office/drawing/2010/main" val="0"/>
-              </a:ext>
-            </a:extLst>
-          </a:blip>
-          <a:stretch>
-            <a:fillRect/>
-          </a:stretch>
-        </p:blipFill>
+        </p:nvSpPr>
         <p:spPr>
           <a:xfrm>
-            <a:off x="5786322" y="2967993"/>
-            <a:ext cx="5932299" cy="5522929"/>
+            <a:off x="10287000" y="5520898"/>
+            <a:ext cx="2400837" cy="646331"/>
           </a:xfrm>
           <a:prstGeom prst="rect">
             <a:avLst/>
           </a:prstGeom>
-        </p:spPr>
-      </p:pic>
-      <p:pic>
-        <p:nvPicPr>
-          <p:cNvPr id="10" name="Picture 9" descr="A blue and yellow snake logo&#10;&#10;Description automatically generated">
+          <a:noFill/>
+        </p:spPr>
+        <p:txBody>
+          <a:bodyPr wrap="square" rtlCol="0">
+            <a:spAutoFit/>
+          </a:bodyPr>
+          <a:lstStyle/>
+          <a:p>
+            <a:r>
+              <a:rPr lang="en-US" b="1" dirty="0"/>
+              <a:t>Python in Excel announcement</a:t>
+            </a:r>
+          </a:p>
+        </p:txBody>
+      </p:sp>
+      <p:cxnSp>
+        <p:nvCxnSpPr>
+          <p:cNvPr id="4" name="Straight Arrow Connector 3">
             <a:extLst>
               <a:ext uri="{FF2B5EF4-FFF2-40B4-BE49-F238E27FC236}">
-                <a16:creationId xmlns:a16="http://schemas.microsoft.com/office/drawing/2014/main" id="{8543FE77-32A7-251C-01A1-46ACB62A469C}"/>
+                <a16:creationId xmlns:a16="http://schemas.microsoft.com/office/drawing/2014/main" id="{5F3D1EAD-B0C0-5704-2220-9D0AF0AE3C08}"/>
               </a:ext>
             </a:extLst>
           </p:cNvPr>
-          <p:cNvPicPr>
-            <a:picLocks noChangeAspect="1"/>
-          </p:cNvPicPr>
+          <p:cNvCxnSpPr/>
           <p:nvPr/>
-        </p:nvPicPr>
-        <p:blipFill>
-          <a:blip r:embed="rId6">
-            <a:extLst>
-              <a:ext uri="{28A0092B-C50C-407E-A947-70E740481C1C}">
-                <a14:useLocalDpi xmlns:a14="http://schemas.microsoft.com/office/drawing/2010/main" val="0"/>
-              </a:ext>
-            </a:extLst>
-          </a:blip>
-          <a:stretch>
-            <a:fillRect/>
-          </a:stretch>
-        </p:blipFill>
+        </p:nvCxnSpPr>
         <p:spPr>
           <a:xfrm>
-            <a:off x="293499" y="3390900"/>
-            <a:ext cx="5105400" cy="5603177"/>
+            <a:off x="10896600" y="6134100"/>
+            <a:ext cx="304800" cy="457200"/>
+          </a:xfrm>
+          <a:prstGeom prst="straightConnector1">
+            <a:avLst/>
+          </a:prstGeom>
+          <a:ln>
+            <a:tailEnd type="triangle"/>
+          </a:ln>
+        </p:spPr>
+        <p:style>
+          <a:lnRef idx="1">
+            <a:schemeClr val="accent1"/>
+          </a:lnRef>
+          <a:fillRef idx="0">
+            <a:schemeClr val="accent1"/>
+          </a:fillRef>
+          <a:effectRef idx="0">
+            <a:schemeClr val="accent1"/>
+          </a:effectRef>
+          <a:fontRef idx="minor">
+            <a:schemeClr val="tx1"/>
+          </a:fontRef>
+        </p:style>
+      </p:cxnSp>
+      <p:sp>
+        <p:nvSpPr>
+          <p:cNvPr id="3" name="TextBox 2">
+            <a:extLst>
+              <a:ext uri="{FF2B5EF4-FFF2-40B4-BE49-F238E27FC236}">
+                <a16:creationId xmlns:a16="http://schemas.microsoft.com/office/drawing/2014/main" id="{7B76556A-FF82-2D94-3CFE-AB0EB0649797}"/>
+              </a:ext>
+            </a:extLst>
+          </p:cNvPr>
+          <p:cNvSpPr txBox="1"/>
+          <p:nvPr/>
+        </p:nvSpPr>
+        <p:spPr>
+          <a:xfrm>
+            <a:off x="11823539" y="6580031"/>
+            <a:ext cx="2400837" cy="646331"/>
           </a:xfrm>
           <a:prstGeom prst="rect">
             <a:avLst/>
           </a:prstGeom>
-        </p:spPr>
-      </p:pic>
+          <a:noFill/>
+        </p:spPr>
+        <p:txBody>
+          <a:bodyPr wrap="square" rtlCol="0">
+            <a:spAutoFit/>
+          </a:bodyPr>
+          <a:lstStyle/>
+          <a:p>
+            <a:r>
+              <a:rPr lang="en-US" b="1" dirty="0"/>
+              <a:t>Copilot in Excel announcement</a:t>
+            </a:r>
+          </a:p>
+        </p:txBody>
+      </p:sp>
+      <p:cxnSp>
+        <p:nvCxnSpPr>
+          <p:cNvPr id="7" name="Straight Arrow Connector 6">
+            <a:extLst>
+              <a:ext uri="{FF2B5EF4-FFF2-40B4-BE49-F238E27FC236}">
+                <a16:creationId xmlns:a16="http://schemas.microsoft.com/office/drawing/2014/main" id="{EFB3075B-E8F6-C4F4-481E-7E4EF41B935E}"/>
+              </a:ext>
+            </a:extLst>
+          </p:cNvPr>
+          <p:cNvCxnSpPr>
+            <a:cxnSpLocks/>
+          </p:cNvCxnSpPr>
+          <p:nvPr/>
+        </p:nvCxnSpPr>
+        <p:spPr>
+          <a:xfrm>
+            <a:off x="12535437" y="7155307"/>
+            <a:ext cx="266163" cy="376979"/>
+          </a:xfrm>
+          <a:prstGeom prst="straightConnector1">
+            <a:avLst/>
+          </a:prstGeom>
+          <a:ln>
+            <a:tailEnd type="triangle"/>
+          </a:ln>
+        </p:spPr>
+        <p:style>
+          <a:lnRef idx="1">
+            <a:schemeClr val="accent1"/>
+          </a:lnRef>
+          <a:fillRef idx="0">
+            <a:schemeClr val="accent1"/>
+          </a:fillRef>
+          <a:effectRef idx="0">
+            <a:schemeClr val="accent1"/>
+          </a:effectRef>
+          <a:fontRef idx="minor">
+            <a:schemeClr val="tx1"/>
+          </a:fontRef>
+        </p:style>
+      </p:cxnSp>
+      <p:sp>
+        <p:nvSpPr>
+          <p:cNvPr id="5" name="TextBox 4">
+            <a:extLst>
+              <a:ext uri="{FF2B5EF4-FFF2-40B4-BE49-F238E27FC236}">
+                <a16:creationId xmlns:a16="http://schemas.microsoft.com/office/drawing/2014/main" id="{BF6BA304-2BA1-CB82-5ADB-3AD0D9A80AEB}"/>
+              </a:ext>
+            </a:extLst>
+          </p:cNvPr>
+          <p:cNvSpPr txBox="1"/>
+          <p:nvPr/>
+        </p:nvSpPr>
+        <p:spPr>
+          <a:xfrm>
+            <a:off x="12439381" y="9029700"/>
+            <a:ext cx="2400837" cy="923330"/>
+          </a:xfrm>
+          <a:prstGeom prst="rect">
+            <a:avLst/>
+          </a:prstGeom>
+          <a:noFill/>
+        </p:spPr>
+        <p:txBody>
+          <a:bodyPr wrap="square" rtlCol="0">
+            <a:spAutoFit/>
+          </a:bodyPr>
+          <a:lstStyle/>
+          <a:p>
+            <a:r>
+              <a:rPr lang="en-US" b="1" dirty="0"/>
+              <a:t>Advanced Analysis with Copilot announcement</a:t>
+            </a:r>
+          </a:p>
+        </p:txBody>
+      </p:sp>
+      <p:cxnSp>
+        <p:nvCxnSpPr>
+          <p:cNvPr id="8" name="Straight Arrow Connector 7">
+            <a:extLst>
+              <a:ext uri="{FF2B5EF4-FFF2-40B4-BE49-F238E27FC236}">
+                <a16:creationId xmlns:a16="http://schemas.microsoft.com/office/drawing/2014/main" id="{DB26DA8E-0D29-D68C-CB02-24333E19BDA1}"/>
+              </a:ext>
+            </a:extLst>
+          </p:cNvPr>
+          <p:cNvCxnSpPr>
+            <a:cxnSpLocks/>
+          </p:cNvCxnSpPr>
+          <p:nvPr/>
+        </p:nvCxnSpPr>
+        <p:spPr>
+          <a:xfrm flipV="1">
+            <a:off x="13639800" y="8805565"/>
+            <a:ext cx="202502" cy="270476"/>
+          </a:xfrm>
+          <a:prstGeom prst="straightConnector1">
+            <a:avLst/>
+          </a:prstGeom>
+          <a:ln>
+            <a:tailEnd type="triangle"/>
+          </a:ln>
+        </p:spPr>
+        <p:style>
+          <a:lnRef idx="1">
+            <a:schemeClr val="accent1"/>
+          </a:lnRef>
+          <a:fillRef idx="0">
+            <a:schemeClr val="accent1"/>
+          </a:fillRef>
+          <a:effectRef idx="0">
+            <a:schemeClr val="accent1"/>
+          </a:effectRef>
+          <a:fontRef idx="minor">
+            <a:schemeClr val="tx1"/>
+          </a:fontRef>
+        </p:style>
+      </p:cxnSp>
     </p:spTree>
     <p:extLst>
       <p:ext uri="{BB962C8B-B14F-4D97-AF65-F5344CB8AC3E}">
-        <p14:creationId xmlns:p14="http://schemas.microsoft.com/office/powerpoint/2010/main" val="4278852698"/>
+        <p14:creationId xmlns:p14="http://schemas.microsoft.com/office/powerpoint/2010/main" val="3016591975"/>
       </p:ext>
     </p:extLst>
   </p:cSld>
@@ -5751,62 +6037,14 @@
       </p:grpSpPr>
       <p:sp>
         <p:nvSpPr>
-          <p:cNvPr id="4" name="Rectangle 3"/>
-          <p:cNvSpPr/>
-          <p:nvPr/>
-        </p:nvSpPr>
-        <p:spPr>
-          <a:xfrm>
-            <a:off x="0" y="0"/>
-            <a:ext cx="18288000" cy="10287000"/>
-          </a:xfrm>
-          <a:prstGeom prst="rect">
-            <a:avLst/>
-          </a:prstGeom>
-          <a:solidFill>
-            <a:schemeClr val="bg1">
-              <a:lumMod val="50000"/>
-            </a:schemeClr>
-          </a:solidFill>
-          <a:ln>
-            <a:noFill/>
-          </a:ln>
-        </p:spPr>
-        <p:style>
-          <a:lnRef idx="2">
-            <a:schemeClr val="accent1">
-              <a:shade val="50000"/>
-            </a:schemeClr>
-          </a:lnRef>
-          <a:fillRef idx="1">
-            <a:schemeClr val="accent1"/>
-          </a:fillRef>
-          <a:effectRef idx="0">
-            <a:schemeClr val="accent1"/>
-          </a:effectRef>
-          <a:fontRef idx="minor">
-            <a:schemeClr val="lt1"/>
-          </a:fontRef>
-        </p:style>
-        <p:txBody>
-          <a:bodyPr rtlCol="0" anchor="ctr"/>
-          <a:lstStyle/>
-          <a:p>
-            <a:pPr algn="ctr"/>
-            <a:endParaRPr lang="en-US" sz="2700"/>
-          </a:p>
-        </p:txBody>
-      </p:sp>
-      <p:sp>
-        <p:nvSpPr>
-          <p:cNvPr id="5" name="TextBox 4"/>
+          <p:cNvPr id="11" name="TextBox 10"/>
           <p:cNvSpPr txBox="1"/>
           <p:nvPr/>
         </p:nvSpPr>
         <p:spPr>
           <a:xfrm>
-            <a:off x="781292" y="590309"/>
-            <a:ext cx="15486926" cy="3139321"/>
+            <a:off x="520861" y="170082"/>
+            <a:ext cx="16166939" cy="1107996"/>
           </a:xfrm>
           <a:prstGeom prst="rect">
             <a:avLst/>
@@ -5820,23 +6058,20 @@
           <a:lstStyle/>
           <a:p>
             <a:r>
-              <a:rPr lang="en-US" sz="9900" b="1" dirty="0">
-                <a:solidFill>
-                  <a:schemeClr val="bg1"/>
-                </a:solidFill>
-                <a:latin typeface="Normafixed Tryout" panose="00000409000000000000"/>
+              <a:rPr lang="en-US" sz="6600" dirty="0">
+                <a:latin typeface="Aliens &amp; cows" panose="00000500000000000000" pitchFamily="2" charset="0"/>
               </a:rPr>
-              <a:t>Why Python + Copilot + Excel? </a:t>
+              <a:t>The most ambitious crossover event in history</a:t>
             </a:r>
           </a:p>
         </p:txBody>
       </p:sp>
       <p:pic>
         <p:nvPicPr>
-          <p:cNvPr id="3" name="Picture 2" descr="A screenshot of a social media post&#10;&#10;AI-generated content may be incorrect.">
+          <p:cNvPr id="15" name="Picture 14" descr="A close up of a sign&#10;&#10;Description automatically generated">
             <a:extLst>
               <a:ext uri="{FF2B5EF4-FFF2-40B4-BE49-F238E27FC236}">
-                <a16:creationId xmlns:a16="http://schemas.microsoft.com/office/drawing/2014/main" id="{C7653CFE-9F92-7113-BF61-7DAB94F9A586}"/>
+                <a16:creationId xmlns:a16="http://schemas.microsoft.com/office/drawing/2014/main" id="{29761B90-A7DE-4A60-A915-F085BD87CAB4}"/>
               </a:ext>
             </a:extLst>
           </p:cNvPr>
@@ -5853,13 +6088,14 @@
               </a:ext>
             </a:extLst>
           </a:blip>
-          <a:srcRect l="11316" t="36253" r="22676" b="33992"/>
-          <a:stretch/>
+          <a:stretch>
+            <a:fillRect/>
+          </a:stretch>
         </p:blipFill>
         <p:spPr>
           <a:xfrm>
-            <a:off x="1447800" y="7048500"/>
-            <a:ext cx="5449802" cy="2456672"/>
+            <a:off x="16341036" y="8058429"/>
+            <a:ext cx="1942857" cy="2228571"/>
           </a:xfrm>
           <a:prstGeom prst="rect">
             <a:avLst/>
@@ -5868,10 +6104,10 @@
       </p:pic>
       <p:pic>
         <p:nvPicPr>
-          <p:cNvPr id="7" name="Picture 6">
+          <p:cNvPr id="6" name="Picture 5" descr="A rainbow colored logo on a black background&#10;&#10;Description automatically generated">
             <a:extLst>
               <a:ext uri="{FF2B5EF4-FFF2-40B4-BE49-F238E27FC236}">
-                <a16:creationId xmlns:a16="http://schemas.microsoft.com/office/drawing/2014/main" id="{80C68F4E-3752-F903-C6B1-76A097DDBBEA}"/>
+                <a16:creationId xmlns:a16="http://schemas.microsoft.com/office/drawing/2014/main" id="{C2866380-30B4-458B-7A21-7BE3C090840D}"/>
               </a:ext>
             </a:extLst>
           </p:cNvPr>
@@ -5881,15 +6117,93 @@
           <p:nvPr/>
         </p:nvPicPr>
         <p:blipFill>
-          <a:blip r:embed="rId4"/>
+          <a:blip r:embed="rId4" cstate="print">
+            <a:extLst>
+              <a:ext uri="{28A0092B-C50C-407E-A947-70E740481C1C}">
+                <a14:useLocalDpi xmlns:a14="http://schemas.microsoft.com/office/drawing/2010/main" val="0"/>
+              </a:ext>
+            </a:extLst>
+          </a:blip>
           <a:stretch>
             <a:fillRect/>
           </a:stretch>
         </p:blipFill>
         <p:spPr>
           <a:xfrm>
-            <a:off x="7295909" y="2400300"/>
-            <a:ext cx="9982200" cy="5708539"/>
+            <a:off x="12053054" y="2754978"/>
+            <a:ext cx="5948960" cy="5948960"/>
+          </a:xfrm>
+          <a:prstGeom prst="rect">
+            <a:avLst/>
+          </a:prstGeom>
+        </p:spPr>
+      </p:pic>
+      <p:pic>
+        <p:nvPicPr>
+          <p:cNvPr id="8" name="Picture 7" descr="A green square with a white x on it&#10;&#10;Description automatically generated">
+            <a:extLst>
+              <a:ext uri="{FF2B5EF4-FFF2-40B4-BE49-F238E27FC236}">
+                <a16:creationId xmlns:a16="http://schemas.microsoft.com/office/drawing/2014/main" id="{49A2EDE9-1F8F-3D98-5D90-A473AB91A6F6}"/>
+              </a:ext>
+            </a:extLst>
+          </p:cNvPr>
+          <p:cNvPicPr>
+            <a:picLocks noChangeAspect="1"/>
+          </p:cNvPicPr>
+          <p:nvPr/>
+        </p:nvPicPr>
+        <p:blipFill>
+          <a:blip r:embed="rId5" cstate="print">
+            <a:extLst>
+              <a:ext uri="{28A0092B-C50C-407E-A947-70E740481C1C}">
+                <a14:useLocalDpi xmlns:a14="http://schemas.microsoft.com/office/drawing/2010/main" val="0"/>
+              </a:ext>
+            </a:extLst>
+          </a:blip>
+          <a:stretch>
+            <a:fillRect/>
+          </a:stretch>
+        </p:blipFill>
+        <p:spPr>
+          <a:xfrm>
+            <a:off x="5786322" y="2967993"/>
+            <a:ext cx="5932299" cy="5522929"/>
+          </a:xfrm>
+          <a:prstGeom prst="rect">
+            <a:avLst/>
+          </a:prstGeom>
+        </p:spPr>
+      </p:pic>
+      <p:pic>
+        <p:nvPicPr>
+          <p:cNvPr id="10" name="Picture 9" descr="A blue and yellow snake logo&#10;&#10;Description automatically generated">
+            <a:extLst>
+              <a:ext uri="{FF2B5EF4-FFF2-40B4-BE49-F238E27FC236}">
+                <a16:creationId xmlns:a16="http://schemas.microsoft.com/office/drawing/2014/main" id="{8543FE77-32A7-251C-01A1-46ACB62A469C}"/>
+              </a:ext>
+            </a:extLst>
+          </p:cNvPr>
+          <p:cNvPicPr>
+            <a:picLocks noChangeAspect="1"/>
+          </p:cNvPicPr>
+          <p:nvPr/>
+        </p:nvPicPr>
+        <p:blipFill>
+          <a:blip r:embed="rId6">
+            <a:extLst>
+              <a:ext uri="{28A0092B-C50C-407E-A947-70E740481C1C}">
+                <a14:useLocalDpi xmlns:a14="http://schemas.microsoft.com/office/drawing/2010/main" val="0"/>
+              </a:ext>
+            </a:extLst>
+          </a:blip>
+          <a:stretch>
+            <a:fillRect/>
+          </a:stretch>
+        </p:blipFill>
+        <p:spPr>
+          <a:xfrm>
+            <a:off x="293499" y="3390900"/>
+            <a:ext cx="5105400" cy="5603177"/>
           </a:xfrm>
           <a:prstGeom prst="rect">
             <a:avLst/>
@@ -5899,7 +6213,7 @@
     </p:spTree>
     <p:extLst>
       <p:ext uri="{BB962C8B-B14F-4D97-AF65-F5344CB8AC3E}">
-        <p14:creationId xmlns:p14="http://schemas.microsoft.com/office/powerpoint/2010/main" val="4027644425"/>
+        <p14:creationId xmlns:p14="http://schemas.microsoft.com/office/powerpoint/2010/main" val="4278852698"/>
       </p:ext>
     </p:extLst>
   </p:cSld>
@@ -5941,7 +6255,9 @@
             <a:avLst/>
           </a:prstGeom>
           <a:solidFill>
-            <a:srgbClr val="CF3338"/>
+            <a:schemeClr val="bg1">
+              <a:lumMod val="50000"/>
+            </a:schemeClr>
           </a:solidFill>
           <a:ln>
             <a:noFill/>
@@ -5981,6 +6297,181 @@
         <p:spPr>
           <a:xfrm>
             <a:off x="781292" y="590309"/>
+            <a:ext cx="15486926" cy="3139321"/>
+          </a:xfrm>
+          <a:prstGeom prst="rect">
+            <a:avLst/>
+          </a:prstGeom>
+          <a:noFill/>
+        </p:spPr>
+        <p:txBody>
+          <a:bodyPr wrap="square" rtlCol="0">
+            <a:spAutoFit/>
+          </a:bodyPr>
+          <a:lstStyle/>
+          <a:p>
+            <a:r>
+              <a:rPr lang="en-US" sz="9900" b="1" dirty="0">
+                <a:solidFill>
+                  <a:schemeClr val="bg1"/>
+                </a:solidFill>
+                <a:latin typeface="Normafixed Tryout" panose="00000409000000000000"/>
+              </a:rPr>
+              <a:t>Why Python + Copilot + Excel? </a:t>
+            </a:r>
+          </a:p>
+        </p:txBody>
+      </p:sp>
+      <p:pic>
+        <p:nvPicPr>
+          <p:cNvPr id="3" name="Picture 2" descr="A screenshot of a social media post&#10;&#10;AI-generated content may be incorrect.">
+            <a:extLst>
+              <a:ext uri="{FF2B5EF4-FFF2-40B4-BE49-F238E27FC236}">
+                <a16:creationId xmlns:a16="http://schemas.microsoft.com/office/drawing/2014/main" id="{C7653CFE-9F92-7113-BF61-7DAB94F9A586}"/>
+              </a:ext>
+            </a:extLst>
+          </p:cNvPr>
+          <p:cNvPicPr>
+            <a:picLocks noChangeAspect="1"/>
+          </p:cNvPicPr>
+          <p:nvPr/>
+        </p:nvPicPr>
+        <p:blipFill>
+          <a:blip r:embed="rId3">
+            <a:extLst>
+              <a:ext uri="{28A0092B-C50C-407E-A947-70E740481C1C}">
+                <a14:useLocalDpi xmlns:a14="http://schemas.microsoft.com/office/drawing/2010/main" val="0"/>
+              </a:ext>
+            </a:extLst>
+          </a:blip>
+          <a:srcRect l="11316" t="36253" r="22676" b="33992"/>
+          <a:stretch/>
+        </p:blipFill>
+        <p:spPr>
+          <a:xfrm>
+            <a:off x="12496800" y="6057900"/>
+            <a:ext cx="5449802" cy="2456672"/>
+          </a:xfrm>
+          <a:prstGeom prst="rect">
+            <a:avLst/>
+          </a:prstGeom>
+        </p:spPr>
+      </p:pic>
+      <p:pic>
+        <p:nvPicPr>
+          <p:cNvPr id="7" name="Picture 6">
+            <a:extLst>
+              <a:ext uri="{FF2B5EF4-FFF2-40B4-BE49-F238E27FC236}">
+                <a16:creationId xmlns:a16="http://schemas.microsoft.com/office/drawing/2014/main" id="{80C68F4E-3752-F903-C6B1-76A097DDBBEA}"/>
+              </a:ext>
+            </a:extLst>
+          </p:cNvPr>
+          <p:cNvPicPr>
+            <a:picLocks noChangeAspect="1"/>
+          </p:cNvPicPr>
+          <p:nvPr/>
+        </p:nvPicPr>
+        <p:blipFill>
+          <a:blip r:embed="rId4"/>
+          <a:stretch>
+            <a:fillRect/>
+          </a:stretch>
+        </p:blipFill>
+        <p:spPr>
+          <a:xfrm>
+            <a:off x="990600" y="4076700"/>
+            <a:ext cx="9982200" cy="5708539"/>
+          </a:xfrm>
+          <a:prstGeom prst="rect">
+            <a:avLst/>
+          </a:prstGeom>
+        </p:spPr>
+      </p:pic>
+    </p:spTree>
+    <p:extLst>
+      <p:ext uri="{BB962C8B-B14F-4D97-AF65-F5344CB8AC3E}">
+        <p14:creationId xmlns:p14="http://schemas.microsoft.com/office/powerpoint/2010/main" val="4027644425"/>
+      </p:ext>
+    </p:extLst>
+  </p:cSld>
+  <p:clrMapOvr>
+    <a:masterClrMapping/>
+  </p:clrMapOvr>
+</p:sld>
+</file>
+
+<file path=ppt/slides/slide14.xml><?xml version="1.0" encoding="utf-8"?>
+<p:sld xmlns:a="http://schemas.openxmlformats.org/drawingml/2006/main" xmlns:r="http://schemas.openxmlformats.org/officeDocument/2006/relationships" xmlns:p="http://schemas.openxmlformats.org/presentationml/2006/main">
+  <p:cSld>
+    <p:spTree>
+      <p:nvGrpSpPr>
+        <p:cNvPr id="1" name=""/>
+        <p:cNvGrpSpPr/>
+        <p:nvPr/>
+      </p:nvGrpSpPr>
+      <p:grpSpPr>
+        <a:xfrm>
+          <a:off x="0" y="0"/>
+          <a:ext cx="0" cy="0"/>
+          <a:chOff x="0" y="0"/>
+          <a:chExt cx="0" cy="0"/>
+        </a:xfrm>
+      </p:grpSpPr>
+      <p:sp>
+        <p:nvSpPr>
+          <p:cNvPr id="4" name="Rectangle 3"/>
+          <p:cNvSpPr/>
+          <p:nvPr/>
+        </p:nvSpPr>
+        <p:spPr>
+          <a:xfrm>
+            <a:off x="0" y="0"/>
+            <a:ext cx="18288000" cy="10287000"/>
+          </a:xfrm>
+          <a:prstGeom prst="rect">
+            <a:avLst/>
+          </a:prstGeom>
+          <a:solidFill>
+            <a:srgbClr val="CF3338"/>
+          </a:solidFill>
+          <a:ln>
+            <a:noFill/>
+          </a:ln>
+        </p:spPr>
+        <p:style>
+          <a:lnRef idx="2">
+            <a:schemeClr val="accent1">
+              <a:shade val="50000"/>
+            </a:schemeClr>
+          </a:lnRef>
+          <a:fillRef idx="1">
+            <a:schemeClr val="accent1"/>
+          </a:fillRef>
+          <a:effectRef idx="0">
+            <a:schemeClr val="accent1"/>
+          </a:effectRef>
+          <a:fontRef idx="minor">
+            <a:schemeClr val="lt1"/>
+          </a:fontRef>
+        </p:style>
+        <p:txBody>
+          <a:bodyPr rtlCol="0" anchor="ctr"/>
+          <a:lstStyle/>
+          <a:p>
+            <a:pPr algn="ctr"/>
+            <a:endParaRPr lang="en-US" sz="2700"/>
+          </a:p>
+        </p:txBody>
+      </p:sp>
+      <p:sp>
+        <p:nvSpPr>
+          <p:cNvPr id="5" name="TextBox 4"/>
+          <p:cNvSpPr txBox="1"/>
+          <p:nvPr/>
+        </p:nvSpPr>
+        <p:spPr>
+          <a:xfrm>
+            <a:off x="781292" y="590309"/>
             <a:ext cx="15486926" cy="1615827"/>
           </a:xfrm>
           <a:prstGeom prst="rect">
@@ -6019,7 +6510,7 @@
 </p:sld>
 </file>
 
-<file path=ppt/slides/slide14.xml><?xml version="1.0" encoding="utf-8"?>
+<file path=ppt/slides/slide15.xml><?xml version="1.0" encoding="utf-8"?>
 <p:sld xmlns:a="http://schemas.openxmlformats.org/drawingml/2006/main" xmlns:r="http://schemas.openxmlformats.org/officeDocument/2006/relationships" xmlns:p="http://schemas.openxmlformats.org/presentationml/2006/main">
   <p:cSld>
     <p:spTree>
@@ -6159,7 +6650,7 @@
 </p:sld>
 </file>
 
-<file path=ppt/slides/slide15.xml><?xml version="1.0" encoding="utf-8"?>
+<file path=ppt/slides/slide16.xml><?xml version="1.0" encoding="utf-8"?>
 <p:sld xmlns:a="http://schemas.openxmlformats.org/drawingml/2006/main" xmlns:r="http://schemas.openxmlformats.org/officeDocument/2006/relationships" xmlns:p="http://schemas.openxmlformats.org/presentationml/2006/main">
   <p:cSld>
     <p:spTree>
@@ -6801,7 +7292,7 @@
 </p:sld>
 </file>
 
-<file path=ppt/slides/slide16.xml><?xml version="1.0" encoding="utf-8"?>
+<file path=ppt/slides/slide17.xml><?xml version="1.0" encoding="utf-8"?>
 <p:sld xmlns:a="http://schemas.openxmlformats.org/drawingml/2006/main" xmlns:r="http://schemas.openxmlformats.org/officeDocument/2006/relationships" xmlns:p="http://schemas.openxmlformats.org/presentationml/2006/main">
   <p:cSld>
     <p:spTree>
@@ -7595,7 +8086,7 @@
 </p:sld>
 </file>
 
-<file path=ppt/slides/slide17.xml><?xml version="1.0" encoding="utf-8"?>
+<file path=ppt/slides/slide18.xml><?xml version="1.0" encoding="utf-8"?>
 <p:sld xmlns:a="http://schemas.openxmlformats.org/drawingml/2006/main" xmlns:r="http://schemas.openxmlformats.org/officeDocument/2006/relationships" xmlns:p="http://schemas.openxmlformats.org/presentationml/2006/main">
   <p:cSld>
     <p:spTree>
@@ -7774,7 +8265,7 @@
 </p:sld>
 </file>
 
-<file path=ppt/slides/slide18.xml><?xml version="1.0" encoding="utf-8"?>
+<file path=ppt/slides/slide19.xml><?xml version="1.0" encoding="utf-8"?>
 <p:sld xmlns:a="http://schemas.openxmlformats.org/drawingml/2006/main" xmlns:r="http://schemas.openxmlformats.org/officeDocument/2006/relationships" xmlns:p="http://schemas.openxmlformats.org/presentationml/2006/main">
   <p:cSld>
     <p:spTree>
@@ -7932,116 +8423,6 @@
 </p:sld>
 </file>
 
-<file path=ppt/slides/slide19.xml><?xml version="1.0" encoding="utf-8"?>
-<p:sld xmlns:a="http://schemas.openxmlformats.org/drawingml/2006/main" xmlns:r="http://schemas.openxmlformats.org/officeDocument/2006/relationships" xmlns:p="http://schemas.openxmlformats.org/presentationml/2006/main">
-  <p:cSld>
-    <p:spTree>
-      <p:nvGrpSpPr>
-        <p:cNvPr id="1" name=""/>
-        <p:cNvGrpSpPr/>
-        <p:nvPr/>
-      </p:nvGrpSpPr>
-      <p:grpSpPr>
-        <a:xfrm>
-          <a:off x="0" y="0"/>
-          <a:ext cx="0" cy="0"/>
-          <a:chOff x="0" y="0"/>
-          <a:chExt cx="0" cy="0"/>
-        </a:xfrm>
-      </p:grpSpPr>
-      <p:sp>
-        <p:nvSpPr>
-          <p:cNvPr id="2" name="Title 1">
-            <a:extLst>
-              <a:ext uri="{FF2B5EF4-FFF2-40B4-BE49-F238E27FC236}">
-                <a16:creationId xmlns:a16="http://schemas.microsoft.com/office/drawing/2014/main" id="{02002795-C3F5-78FD-1BD4-D60FAAEE1BEB}"/>
-              </a:ext>
-            </a:extLst>
-          </p:cNvPr>
-          <p:cNvSpPr>
-            <a:spLocks noGrp="1"/>
-          </p:cNvSpPr>
-          <p:nvPr>
-            <p:ph type="title"/>
-          </p:nvPr>
-        </p:nvSpPr>
-        <p:spPr/>
-        <p:txBody>
-          <a:bodyPr/>
-          <a:lstStyle/>
-          <a:p>
-            <a:endParaRPr lang="en-US"/>
-          </a:p>
-        </p:txBody>
-      </p:sp>
-      <p:sp>
-        <p:nvSpPr>
-          <p:cNvPr id="3" name="Content Placeholder 2">
-            <a:extLst>
-              <a:ext uri="{FF2B5EF4-FFF2-40B4-BE49-F238E27FC236}">
-                <a16:creationId xmlns:a16="http://schemas.microsoft.com/office/drawing/2014/main" id="{7A5E93B2-D65D-C25C-63A0-1F9A66C8FF5C}"/>
-              </a:ext>
-            </a:extLst>
-          </p:cNvPr>
-          <p:cNvSpPr>
-            <a:spLocks noGrp="1"/>
-          </p:cNvSpPr>
-          <p:nvPr>
-            <p:ph idx="1"/>
-          </p:nvPr>
-        </p:nvSpPr>
-        <p:spPr/>
-        <p:txBody>
-          <a:bodyPr/>
-          <a:lstStyle/>
-          <a:p>
-            <a:endParaRPr lang="en-US"/>
-          </a:p>
-        </p:txBody>
-      </p:sp>
-      <p:pic>
-        <p:nvPicPr>
-          <p:cNvPr id="4" name="Picture 3">
-            <a:extLst>
-              <a:ext uri="{FF2B5EF4-FFF2-40B4-BE49-F238E27FC236}">
-                <a16:creationId xmlns:a16="http://schemas.microsoft.com/office/drawing/2014/main" id="{C253E29A-D905-85AC-CD78-003CC72970D5}"/>
-              </a:ext>
-            </a:extLst>
-          </p:cNvPr>
-          <p:cNvPicPr>
-            <a:picLocks noChangeAspect="1"/>
-          </p:cNvPicPr>
-          <p:nvPr/>
-        </p:nvPicPr>
-        <p:blipFill>
-          <a:blip r:embed="rId2"/>
-          <a:stretch>
-            <a:fillRect/>
-          </a:stretch>
-        </p:blipFill>
-        <p:spPr>
-          <a:xfrm>
-            <a:off x="-15711" y="0"/>
-            <a:ext cx="18288000" cy="10287000"/>
-          </a:xfrm>
-          <a:prstGeom prst="rect">
-            <a:avLst/>
-          </a:prstGeom>
-        </p:spPr>
-      </p:pic>
-    </p:spTree>
-    <p:extLst>
-      <p:ext uri="{BB962C8B-B14F-4D97-AF65-F5344CB8AC3E}">
-        <p14:creationId xmlns:p14="http://schemas.microsoft.com/office/powerpoint/2010/main" val="1414137271"/>
-      </p:ext>
-    </p:extLst>
-  </p:cSld>
-  <p:clrMapOvr>
-    <a:masterClrMapping/>
-  </p:clrMapOvr>
-</p:sld>
-</file>
-
 <file path=ppt/slides/slide2.xml><?xml version="1.0" encoding="utf-8"?>
 <p:sld xmlns:a="http://schemas.openxmlformats.org/drawingml/2006/main" xmlns:r="http://schemas.openxmlformats.org/officeDocument/2006/relationships" xmlns:p="http://schemas.openxmlformats.org/presentationml/2006/main">
   <p:cSld>
@@ -8397,6 +8778,116 @@
     <p:extLst>
       <p:ext uri="{BB962C8B-B14F-4D97-AF65-F5344CB8AC3E}">
         <p14:creationId xmlns:p14="http://schemas.microsoft.com/office/powerpoint/2010/main" val="166785523"/>
+      </p:ext>
+    </p:extLst>
+  </p:cSld>
+  <p:clrMapOvr>
+    <a:masterClrMapping/>
+  </p:clrMapOvr>
+</p:sld>
+</file>
+
+<file path=ppt/slides/slide20.xml><?xml version="1.0" encoding="utf-8"?>
+<p:sld xmlns:a="http://schemas.openxmlformats.org/drawingml/2006/main" xmlns:r="http://schemas.openxmlformats.org/officeDocument/2006/relationships" xmlns:p="http://schemas.openxmlformats.org/presentationml/2006/main">
+  <p:cSld>
+    <p:spTree>
+      <p:nvGrpSpPr>
+        <p:cNvPr id="1" name=""/>
+        <p:cNvGrpSpPr/>
+        <p:nvPr/>
+      </p:nvGrpSpPr>
+      <p:grpSpPr>
+        <a:xfrm>
+          <a:off x="0" y="0"/>
+          <a:ext cx="0" cy="0"/>
+          <a:chOff x="0" y="0"/>
+          <a:chExt cx="0" cy="0"/>
+        </a:xfrm>
+      </p:grpSpPr>
+      <p:sp>
+        <p:nvSpPr>
+          <p:cNvPr id="2" name="Title 1">
+            <a:extLst>
+              <a:ext uri="{FF2B5EF4-FFF2-40B4-BE49-F238E27FC236}">
+                <a16:creationId xmlns:a16="http://schemas.microsoft.com/office/drawing/2014/main" id="{02002795-C3F5-78FD-1BD4-D60FAAEE1BEB}"/>
+              </a:ext>
+            </a:extLst>
+          </p:cNvPr>
+          <p:cNvSpPr>
+            <a:spLocks noGrp="1"/>
+          </p:cNvSpPr>
+          <p:nvPr>
+            <p:ph type="title"/>
+          </p:nvPr>
+        </p:nvSpPr>
+        <p:spPr/>
+        <p:txBody>
+          <a:bodyPr/>
+          <a:lstStyle/>
+          <a:p>
+            <a:endParaRPr lang="en-US"/>
+          </a:p>
+        </p:txBody>
+      </p:sp>
+      <p:sp>
+        <p:nvSpPr>
+          <p:cNvPr id="3" name="Content Placeholder 2">
+            <a:extLst>
+              <a:ext uri="{FF2B5EF4-FFF2-40B4-BE49-F238E27FC236}">
+                <a16:creationId xmlns:a16="http://schemas.microsoft.com/office/drawing/2014/main" id="{7A5E93B2-D65D-C25C-63A0-1F9A66C8FF5C}"/>
+              </a:ext>
+            </a:extLst>
+          </p:cNvPr>
+          <p:cNvSpPr>
+            <a:spLocks noGrp="1"/>
+          </p:cNvSpPr>
+          <p:nvPr>
+            <p:ph idx="1"/>
+          </p:nvPr>
+        </p:nvSpPr>
+        <p:spPr/>
+        <p:txBody>
+          <a:bodyPr/>
+          <a:lstStyle/>
+          <a:p>
+            <a:endParaRPr lang="en-US"/>
+          </a:p>
+        </p:txBody>
+      </p:sp>
+      <p:pic>
+        <p:nvPicPr>
+          <p:cNvPr id="4" name="Picture 3">
+            <a:extLst>
+              <a:ext uri="{FF2B5EF4-FFF2-40B4-BE49-F238E27FC236}">
+                <a16:creationId xmlns:a16="http://schemas.microsoft.com/office/drawing/2014/main" id="{C253E29A-D905-85AC-CD78-003CC72970D5}"/>
+              </a:ext>
+            </a:extLst>
+          </p:cNvPr>
+          <p:cNvPicPr>
+            <a:picLocks noChangeAspect="1"/>
+          </p:cNvPicPr>
+          <p:nvPr/>
+        </p:nvPicPr>
+        <p:blipFill>
+          <a:blip r:embed="rId2"/>
+          <a:stretch>
+            <a:fillRect/>
+          </a:stretch>
+        </p:blipFill>
+        <p:spPr>
+          <a:xfrm>
+            <a:off x="-15711" y="0"/>
+            <a:ext cx="18288000" cy="10287000"/>
+          </a:xfrm>
+          <a:prstGeom prst="rect">
+            <a:avLst/>
+          </a:prstGeom>
+        </p:spPr>
+      </p:pic>
+    </p:spTree>
+    <p:extLst>
+      <p:ext uri="{BB962C8B-B14F-4D97-AF65-F5344CB8AC3E}">
+        <p14:creationId xmlns:p14="http://schemas.microsoft.com/office/powerpoint/2010/main" val="1414137271"/>
       </p:ext>
     </p:extLst>
   </p:cSld>
@@ -8799,145 +9290,6 @@
         <p:cNvPr id="1" name="">
           <a:extLst>
             <a:ext uri="{FF2B5EF4-FFF2-40B4-BE49-F238E27FC236}">
-              <a16:creationId xmlns:a16="http://schemas.microsoft.com/office/drawing/2014/main" id="{EEC02740-28AD-460F-A211-577657C48845}"/>
-            </a:ext>
-          </a:extLst>
-        </p:cNvPr>
-        <p:cNvGrpSpPr/>
-        <p:nvPr/>
-      </p:nvGrpSpPr>
-      <p:grpSpPr>
-        <a:xfrm>
-          <a:off x="0" y="0"/>
-          <a:ext cx="0" cy="0"/>
-          <a:chOff x="0" y="0"/>
-          <a:chExt cx="0" cy="0"/>
-        </a:xfrm>
-      </p:grpSpPr>
-      <p:sp>
-        <p:nvSpPr>
-          <p:cNvPr id="11" name="TextBox 10">
-            <a:extLst>
-              <a:ext uri="{FF2B5EF4-FFF2-40B4-BE49-F238E27FC236}">
-                <a16:creationId xmlns:a16="http://schemas.microsoft.com/office/drawing/2014/main" id="{2E1E712E-B9C6-FA0C-A9B2-CBE72927C96B}"/>
-              </a:ext>
-            </a:extLst>
-          </p:cNvPr>
-          <p:cNvSpPr txBox="1"/>
-          <p:nvPr/>
-        </p:nvSpPr>
-        <p:spPr>
-          <a:xfrm>
-            <a:off x="520861" y="170082"/>
-            <a:ext cx="17309939" cy="1477328"/>
-          </a:xfrm>
-          <a:prstGeom prst="rect">
-            <a:avLst/>
-          </a:prstGeom>
-          <a:noFill/>
-        </p:spPr>
-        <p:txBody>
-          <a:bodyPr wrap="square" rtlCol="0">
-            <a:spAutoFit/>
-          </a:bodyPr>
-          <a:lstStyle/>
-          <a:p>
-            <a:r>
-              <a:rPr lang="en-US" sz="9000" dirty="0">
-                <a:latin typeface="Aliens &amp; cows" panose="00000500000000000000" pitchFamily="2" charset="0"/>
-              </a:rPr>
-              <a:t>Python in Excel… not enough? </a:t>
-            </a:r>
-          </a:p>
-        </p:txBody>
-      </p:sp>
-      <p:pic>
-        <p:nvPicPr>
-          <p:cNvPr id="15" name="Picture 14" descr="A close up of a sign&#10;&#10;Description automatically generated">
-            <a:extLst>
-              <a:ext uri="{FF2B5EF4-FFF2-40B4-BE49-F238E27FC236}">
-                <a16:creationId xmlns:a16="http://schemas.microsoft.com/office/drawing/2014/main" id="{9B757948-7491-D3F2-54E1-C41EF5F541DD}"/>
-              </a:ext>
-            </a:extLst>
-          </p:cNvPr>
-          <p:cNvPicPr>
-            <a:picLocks noChangeAspect="1"/>
-          </p:cNvPicPr>
-          <p:nvPr/>
-        </p:nvPicPr>
-        <p:blipFill>
-          <a:blip r:embed="rId3">
-            <a:extLst>
-              <a:ext uri="{28A0092B-C50C-407E-A947-70E740481C1C}">
-                <a14:useLocalDpi xmlns:a14="http://schemas.microsoft.com/office/drawing/2010/main" val="0"/>
-              </a:ext>
-            </a:extLst>
-          </a:blip>
-          <a:stretch>
-            <a:fillRect/>
-          </a:stretch>
-        </p:blipFill>
-        <p:spPr>
-          <a:xfrm>
-            <a:off x="16341036" y="8058429"/>
-            <a:ext cx="1942857" cy="2228571"/>
-          </a:xfrm>
-          <a:prstGeom prst="rect">
-            <a:avLst/>
-          </a:prstGeom>
-        </p:spPr>
-      </p:pic>
-      <p:pic>
-        <p:nvPicPr>
-          <p:cNvPr id="9" name="Picture 8">
-            <a:extLst>
-              <a:ext uri="{FF2B5EF4-FFF2-40B4-BE49-F238E27FC236}">
-                <a16:creationId xmlns:a16="http://schemas.microsoft.com/office/drawing/2014/main" id="{4BFF9A4A-56CB-5A9E-6204-498BF4CC30E1}"/>
-              </a:ext>
-            </a:extLst>
-          </p:cNvPr>
-          <p:cNvPicPr>
-            <a:picLocks noChangeAspect="1"/>
-          </p:cNvPicPr>
-          <p:nvPr/>
-        </p:nvPicPr>
-        <p:blipFill>
-          <a:blip r:embed="rId4"/>
-          <a:stretch>
-            <a:fillRect/>
-          </a:stretch>
-        </p:blipFill>
-        <p:spPr>
-          <a:xfrm>
-            <a:off x="1143000" y="1535139"/>
-            <a:ext cx="14685399" cy="8581779"/>
-          </a:xfrm>
-          <a:prstGeom prst="rect">
-            <a:avLst/>
-          </a:prstGeom>
-        </p:spPr>
-      </p:pic>
-    </p:spTree>
-    <p:extLst>
-      <p:ext uri="{BB962C8B-B14F-4D97-AF65-F5344CB8AC3E}">
-        <p14:creationId xmlns:p14="http://schemas.microsoft.com/office/powerpoint/2010/main" val="309856791"/>
-      </p:ext>
-    </p:extLst>
-  </p:cSld>
-  <p:clrMapOvr>
-    <a:masterClrMapping/>
-  </p:clrMapOvr>
-</p:sld>
-</file>
-
-<file path=ppt/slides/slide6.xml><?xml version="1.0" encoding="utf-8"?>
-<p:sld xmlns:a="http://schemas.openxmlformats.org/drawingml/2006/main" xmlns:r="http://schemas.openxmlformats.org/officeDocument/2006/relationships" xmlns:p="http://schemas.openxmlformats.org/presentationml/2006/main">
-  <p:cSld>
-    <p:spTree>
-      <p:nvGrpSpPr>
-        <p:cNvPr id="1" name="">
-          <a:extLst>
-            <a:ext uri="{FF2B5EF4-FFF2-40B4-BE49-F238E27FC236}">
               <a16:creationId xmlns:a16="http://schemas.microsoft.com/office/drawing/2014/main" id="{091CEEB3-2C34-A0F9-1ABF-D9CB59C6521E}"/>
             </a:ext>
           </a:extLst>
@@ -9074,7 +9426,7 @@
 </p:sld>
 </file>
 
-<file path=ppt/slides/slide7.xml><?xml version="1.0" encoding="utf-8"?>
+<file path=ppt/slides/slide6.xml><?xml version="1.0" encoding="utf-8"?>
 <p:sld xmlns:a="http://schemas.openxmlformats.org/drawingml/2006/main" xmlns:r="http://schemas.openxmlformats.org/officeDocument/2006/relationships" xmlns:p="http://schemas.openxmlformats.org/presentationml/2006/main">
   <p:cSld>
     <p:spTree>
@@ -9287,7 +9639,7 @@
 </p:sld>
 </file>
 
-<file path=ppt/slides/slide8.xml><?xml version="1.0" encoding="utf-8"?>
+<file path=ppt/slides/slide7.xml><?xml version="1.0" encoding="utf-8"?>
 <p:sld xmlns:a="http://schemas.openxmlformats.org/drawingml/2006/main" xmlns:r="http://schemas.openxmlformats.org/officeDocument/2006/relationships" xmlns:p="http://schemas.openxmlformats.org/presentationml/2006/main">
   <p:cSld>
     <p:spTree>
@@ -9576,7 +9928,7 @@
 </p:sld>
 </file>
 
-<file path=ppt/slides/slide9.xml><?xml version="1.0" encoding="utf-8"?>
+<file path=ppt/slides/slide8.xml><?xml version="1.0" encoding="utf-8"?>
 <p:sld xmlns:a="http://schemas.openxmlformats.org/drawingml/2006/main" xmlns:r="http://schemas.openxmlformats.org/officeDocument/2006/relationships" xmlns:p="http://schemas.openxmlformats.org/presentationml/2006/main">
   <p:cSld>
     <p:spTree>
@@ -9711,6 +10063,295 @@
     <p:extLst>
       <p:ext uri="{BB962C8B-B14F-4D97-AF65-F5344CB8AC3E}">
         <p14:creationId xmlns:p14="http://schemas.microsoft.com/office/powerpoint/2010/main" val="363398084"/>
+      </p:ext>
+    </p:extLst>
+  </p:cSld>
+  <p:clrMapOvr>
+    <a:masterClrMapping/>
+  </p:clrMapOvr>
+</p:sld>
+</file>
+
+<file path=ppt/slides/slide9.xml><?xml version="1.0" encoding="utf-8"?>
+<p:sld xmlns:a="http://schemas.openxmlformats.org/drawingml/2006/main" xmlns:r="http://schemas.openxmlformats.org/officeDocument/2006/relationships" xmlns:p="http://schemas.openxmlformats.org/presentationml/2006/main">
+  <p:cSld>
+    <p:spTree>
+      <p:nvGrpSpPr>
+        <p:cNvPr id="1" name="">
+          <a:extLst>
+            <a:ext uri="{FF2B5EF4-FFF2-40B4-BE49-F238E27FC236}">
+              <a16:creationId xmlns:a16="http://schemas.microsoft.com/office/drawing/2014/main" id="{2873BA01-E420-EE6D-4CC4-16C13000F659}"/>
+            </a:ext>
+          </a:extLst>
+        </p:cNvPr>
+        <p:cNvGrpSpPr/>
+        <p:nvPr/>
+      </p:nvGrpSpPr>
+      <p:grpSpPr>
+        <a:xfrm>
+          <a:off x="0" y="0"/>
+          <a:ext cx="0" cy="0"/>
+          <a:chOff x="0" y="0"/>
+          <a:chExt cx="0" cy="0"/>
+        </a:xfrm>
+      </p:grpSpPr>
+      <p:sp>
+        <p:nvSpPr>
+          <p:cNvPr id="11" name="TextBox 10">
+            <a:extLst>
+              <a:ext uri="{FF2B5EF4-FFF2-40B4-BE49-F238E27FC236}">
+                <a16:creationId xmlns:a16="http://schemas.microsoft.com/office/drawing/2014/main" id="{CA54BF7A-F039-9B3E-AAD5-C4E5D73E1F68}"/>
+              </a:ext>
+            </a:extLst>
+          </p:cNvPr>
+          <p:cNvSpPr txBox="1"/>
+          <p:nvPr/>
+        </p:nvSpPr>
+        <p:spPr>
+          <a:xfrm>
+            <a:off x="520861" y="170082"/>
+            <a:ext cx="17309939" cy="1477328"/>
+          </a:xfrm>
+          <a:prstGeom prst="rect">
+            <a:avLst/>
+          </a:prstGeom>
+          <a:noFill/>
+        </p:spPr>
+        <p:txBody>
+          <a:bodyPr wrap="square" rtlCol="0">
+            <a:spAutoFit/>
+          </a:bodyPr>
+          <a:lstStyle/>
+          <a:p>
+            <a:r>
+              <a:rPr lang="en-US" sz="9000" dirty="0">
+                <a:latin typeface="Aliens &amp; cows" panose="00000500000000000000" pitchFamily="2" charset="0"/>
+              </a:rPr>
+              <a:t>Copilot in Excel… not enough? </a:t>
+            </a:r>
+          </a:p>
+        </p:txBody>
+      </p:sp>
+      <p:pic>
+        <p:nvPicPr>
+          <p:cNvPr id="15" name="Picture 14" descr="A close up of a sign&#10;&#10;Description automatically generated">
+            <a:extLst>
+              <a:ext uri="{FF2B5EF4-FFF2-40B4-BE49-F238E27FC236}">
+                <a16:creationId xmlns:a16="http://schemas.microsoft.com/office/drawing/2014/main" id="{3DEB4C2E-B2C1-C94C-AD83-9DEC6C38FA9C}"/>
+              </a:ext>
+            </a:extLst>
+          </p:cNvPr>
+          <p:cNvPicPr>
+            <a:picLocks noChangeAspect="1"/>
+          </p:cNvPicPr>
+          <p:nvPr/>
+        </p:nvPicPr>
+        <p:blipFill>
+          <a:blip r:embed="rId3">
+            <a:extLst>
+              <a:ext uri="{28A0092B-C50C-407E-A947-70E740481C1C}">
+                <a14:useLocalDpi xmlns:a14="http://schemas.microsoft.com/office/drawing/2010/main" val="0"/>
+              </a:ext>
+            </a:extLst>
+          </a:blip>
+          <a:stretch>
+            <a:fillRect/>
+          </a:stretch>
+        </p:blipFill>
+        <p:spPr>
+          <a:xfrm>
+            <a:off x="16341036" y="8058429"/>
+            <a:ext cx="1942857" cy="2228571"/>
+          </a:xfrm>
+          <a:prstGeom prst="rect">
+            <a:avLst/>
+          </a:prstGeom>
+        </p:spPr>
+      </p:pic>
+      <p:pic>
+        <p:nvPicPr>
+          <p:cNvPr id="6" name="Picture 5">
+            <a:extLst>
+              <a:ext uri="{FF2B5EF4-FFF2-40B4-BE49-F238E27FC236}">
+                <a16:creationId xmlns:a16="http://schemas.microsoft.com/office/drawing/2014/main" id="{0D55C19C-DEE9-3CDC-3928-99A92BC233BC}"/>
+              </a:ext>
+            </a:extLst>
+          </p:cNvPr>
+          <p:cNvPicPr>
+            <a:picLocks noChangeAspect="1"/>
+          </p:cNvPicPr>
+          <p:nvPr/>
+        </p:nvPicPr>
+        <p:blipFill>
+          <a:blip r:embed="rId4"/>
+          <a:stretch>
+            <a:fillRect/>
+          </a:stretch>
+        </p:blipFill>
+        <p:spPr>
+          <a:xfrm>
+            <a:off x="914400" y="1624026"/>
+            <a:ext cx="14282800" cy="8483769"/>
+          </a:xfrm>
+          <a:prstGeom prst="rect">
+            <a:avLst/>
+          </a:prstGeom>
+        </p:spPr>
+      </p:pic>
+      <p:sp>
+        <p:nvSpPr>
+          <p:cNvPr id="2" name="TextBox 1">
+            <a:extLst>
+              <a:ext uri="{FF2B5EF4-FFF2-40B4-BE49-F238E27FC236}">
+                <a16:creationId xmlns:a16="http://schemas.microsoft.com/office/drawing/2014/main" id="{0AAEBBDD-2DB8-E423-0257-2C26EE4EBCC7}"/>
+              </a:ext>
+            </a:extLst>
+          </p:cNvPr>
+          <p:cNvSpPr txBox="1"/>
+          <p:nvPr/>
+        </p:nvSpPr>
+        <p:spPr>
+          <a:xfrm>
+            <a:off x="10287000" y="5520898"/>
+            <a:ext cx="2400837" cy="646331"/>
+          </a:xfrm>
+          <a:prstGeom prst="rect">
+            <a:avLst/>
+          </a:prstGeom>
+          <a:noFill/>
+        </p:spPr>
+        <p:txBody>
+          <a:bodyPr wrap="square" rtlCol="0">
+            <a:spAutoFit/>
+          </a:bodyPr>
+          <a:lstStyle/>
+          <a:p>
+            <a:r>
+              <a:rPr lang="en-US" b="1" dirty="0"/>
+              <a:t>Python in Excel announcement</a:t>
+            </a:r>
+          </a:p>
+        </p:txBody>
+      </p:sp>
+      <p:cxnSp>
+        <p:nvCxnSpPr>
+          <p:cNvPr id="4" name="Straight Arrow Connector 3">
+            <a:extLst>
+              <a:ext uri="{FF2B5EF4-FFF2-40B4-BE49-F238E27FC236}">
+                <a16:creationId xmlns:a16="http://schemas.microsoft.com/office/drawing/2014/main" id="{FB673B21-36D0-FE8A-F2A2-52B589D98DA1}"/>
+              </a:ext>
+            </a:extLst>
+          </p:cNvPr>
+          <p:cNvCxnSpPr/>
+          <p:nvPr/>
+        </p:nvCxnSpPr>
+        <p:spPr>
+          <a:xfrm>
+            <a:off x="10896600" y="6134100"/>
+            <a:ext cx="304800" cy="457200"/>
+          </a:xfrm>
+          <a:prstGeom prst="straightConnector1">
+            <a:avLst/>
+          </a:prstGeom>
+          <a:ln>
+            <a:tailEnd type="triangle"/>
+          </a:ln>
+        </p:spPr>
+        <p:style>
+          <a:lnRef idx="1">
+            <a:schemeClr val="accent1"/>
+          </a:lnRef>
+          <a:fillRef idx="0">
+            <a:schemeClr val="accent1"/>
+          </a:fillRef>
+          <a:effectRef idx="0">
+            <a:schemeClr val="accent1"/>
+          </a:effectRef>
+          <a:fontRef idx="minor">
+            <a:schemeClr val="tx1"/>
+          </a:fontRef>
+        </p:style>
+      </p:cxnSp>
+      <p:sp>
+        <p:nvSpPr>
+          <p:cNvPr id="3" name="TextBox 2">
+            <a:extLst>
+              <a:ext uri="{FF2B5EF4-FFF2-40B4-BE49-F238E27FC236}">
+                <a16:creationId xmlns:a16="http://schemas.microsoft.com/office/drawing/2014/main" id="{AEC4F492-0FF8-F3A6-74A9-E497AB29CDF0}"/>
+              </a:ext>
+            </a:extLst>
+          </p:cNvPr>
+          <p:cNvSpPr txBox="1"/>
+          <p:nvPr/>
+        </p:nvSpPr>
+        <p:spPr>
+          <a:xfrm>
+            <a:off x="11823539" y="6580031"/>
+            <a:ext cx="2400837" cy="646331"/>
+          </a:xfrm>
+          <a:prstGeom prst="rect">
+            <a:avLst/>
+          </a:prstGeom>
+          <a:noFill/>
+        </p:spPr>
+        <p:txBody>
+          <a:bodyPr wrap="square" rtlCol="0">
+            <a:spAutoFit/>
+          </a:bodyPr>
+          <a:lstStyle/>
+          <a:p>
+            <a:r>
+              <a:rPr lang="en-US" b="1" dirty="0"/>
+              <a:t>Copilot in Excel announcement</a:t>
+            </a:r>
+          </a:p>
+        </p:txBody>
+      </p:sp>
+      <p:cxnSp>
+        <p:nvCxnSpPr>
+          <p:cNvPr id="7" name="Straight Arrow Connector 6">
+            <a:extLst>
+              <a:ext uri="{FF2B5EF4-FFF2-40B4-BE49-F238E27FC236}">
+                <a16:creationId xmlns:a16="http://schemas.microsoft.com/office/drawing/2014/main" id="{A2107CB3-8BE7-DF12-AC98-FF886271F1A9}"/>
+              </a:ext>
+            </a:extLst>
+          </p:cNvPr>
+          <p:cNvCxnSpPr>
+            <a:cxnSpLocks/>
+          </p:cNvCxnSpPr>
+          <p:nvPr/>
+        </p:nvCxnSpPr>
+        <p:spPr>
+          <a:xfrm>
+            <a:off x="12535437" y="7155307"/>
+            <a:ext cx="266163" cy="376979"/>
+          </a:xfrm>
+          <a:prstGeom prst="straightConnector1">
+            <a:avLst/>
+          </a:prstGeom>
+          <a:ln>
+            <a:tailEnd type="triangle"/>
+          </a:ln>
+        </p:spPr>
+        <p:style>
+          <a:lnRef idx="1">
+            <a:schemeClr val="accent1"/>
+          </a:lnRef>
+          <a:fillRef idx="0">
+            <a:schemeClr val="accent1"/>
+          </a:fillRef>
+          <a:effectRef idx="0">
+            <a:schemeClr val="accent1"/>
+          </a:effectRef>
+          <a:fontRef idx="minor">
+            <a:schemeClr val="tx1"/>
+          </a:fontRef>
+        </p:style>
+      </p:cxnSp>
+    </p:spTree>
+    <p:extLst>
+      <p:ext uri="{BB962C8B-B14F-4D97-AF65-F5344CB8AC3E}">
+        <p14:creationId xmlns:p14="http://schemas.microsoft.com/office/powerpoint/2010/main" val="3123897086"/>
       </p:ext>
     </p:extLst>
   </p:cSld>

--- a/xlgs-python-excel-copilot-slides.pptx
+++ b/xlgs-python-excel-copilot-slides.pptx
@@ -5,29 +5,41 @@
     <p:sldMasterId id="2147483648" r:id="rId1"/>
   </p:sldMasterIdLst>
   <p:notesMasterIdLst>
-    <p:notesMasterId r:id="rId22"/>
+    <p:notesMasterId r:id="rId34"/>
   </p:notesMasterIdLst>
   <p:sldIdLst>
     <p:sldId id="256" r:id="rId2"/>
     <p:sldId id="358" r:id="rId3"/>
-    <p:sldId id="258" r:id="rId4"/>
-    <p:sldId id="426" r:id="rId5"/>
-    <p:sldId id="439" r:id="rId6"/>
-    <p:sldId id="434" r:id="rId7"/>
-    <p:sldId id="436" r:id="rId8"/>
-    <p:sldId id="442" r:id="rId9"/>
-    <p:sldId id="437" r:id="rId10"/>
-    <p:sldId id="443" r:id="rId11"/>
-    <p:sldId id="444" r:id="rId12"/>
-    <p:sldId id="425" r:id="rId13"/>
-    <p:sldId id="394" r:id="rId14"/>
-    <p:sldId id="364" r:id="rId15"/>
-    <p:sldId id="429" r:id="rId16"/>
-    <p:sldId id="430" r:id="rId17"/>
-    <p:sldId id="432" r:id="rId18"/>
-    <p:sldId id="431" r:id="rId19"/>
-    <p:sldId id="372" r:id="rId20"/>
-    <p:sldId id="427" r:id="rId21"/>
+    <p:sldId id="426" r:id="rId4"/>
+    <p:sldId id="447" r:id="rId5"/>
+    <p:sldId id="448" r:id="rId6"/>
+    <p:sldId id="449" r:id="rId7"/>
+    <p:sldId id="450" r:id="rId8"/>
+    <p:sldId id="451" r:id="rId9"/>
+    <p:sldId id="452" r:id="rId10"/>
+    <p:sldId id="453" r:id="rId11"/>
+    <p:sldId id="454" r:id="rId12"/>
+    <p:sldId id="455" r:id="rId13"/>
+    <p:sldId id="456" r:id="rId14"/>
+    <p:sldId id="457" r:id="rId15"/>
+    <p:sldId id="458" r:id="rId16"/>
+    <p:sldId id="459" r:id="rId17"/>
+    <p:sldId id="439" r:id="rId18"/>
+    <p:sldId id="434" r:id="rId19"/>
+    <p:sldId id="436" r:id="rId20"/>
+    <p:sldId id="442" r:id="rId21"/>
+    <p:sldId id="437" r:id="rId22"/>
+    <p:sldId id="443" r:id="rId23"/>
+    <p:sldId id="444" r:id="rId24"/>
+    <p:sldId id="425" r:id="rId25"/>
+    <p:sldId id="394" r:id="rId26"/>
+    <p:sldId id="364" r:id="rId27"/>
+    <p:sldId id="429" r:id="rId28"/>
+    <p:sldId id="430" r:id="rId29"/>
+    <p:sldId id="432" r:id="rId30"/>
+    <p:sldId id="431" r:id="rId31"/>
+    <p:sldId id="372" r:id="rId32"/>
+    <p:sldId id="427" r:id="rId33"/>
   </p:sldIdLst>
   <p:sldSz cx="18288000" cy="10287000"/>
   <p:notesSz cx="6858000" cy="9144000"/>
@@ -245,7 +257,7 @@
           <a:p>
             <a:fld id="{17A98A70-FA8C-4354-959C-C70678AC9BCF}" type="datetimeFigureOut">
               <a:rPr lang="en-US" smtClean="0"/>
-              <a:t>1/27/2025</a:t>
+              <a:t>1/30/2025</a:t>
             </a:fld>
             <a:endParaRPr lang="en-US"/>
           </a:p>
@@ -640,15 +652,6 @@
           <a:bodyPr/>
           <a:lstStyle/>
           <a:p>
-            <a:r>
-              <a:rPr lang="en-US" dirty="0"/>
-              <a:t>https://stringfestanalytics.com/the-end-of-dax-and-m-how-ai-and-python-are-transforming-excel/</a:t>
-            </a:r>
-          </a:p>
-          <a:p>
-            <a:endParaRPr lang="en-US" dirty="0"/>
-          </a:p>
-          <a:p>
             <a:pPr algn="l" rtl="0">
               <a:lnSpc>
                 <a:spcPts val="1500"/>
@@ -671,393 +674,6 @@
                 <a:effectLst/>
                 <a:latin typeface="Arial" panose="020B0604020202020204" pitchFamily="34" charset="0"/>
               </a:rPr>
-              <a:t>To get started, I want to discuss why the combination of Python, Copilot, and Excel creates such a powerful synergy in data analysis and automation. Python is renowned for its simplicity and readability, making it an excellent 'glue' language. Unlike Excel's complex architecture, Python offers a smooth, snag-free experience for developers. Its syntax is clean and intuitive, which reduces errors and makes code maintenance easier. This simplicity is crucial when integrating different tools and workflows.</a:t>
-            </a:r>
-          </a:p>
-          <a:p>
-            <a:pPr algn="l" rtl="0">
-              <a:lnSpc>
-                <a:spcPts val="1500"/>
-              </a:lnSpc>
-            </a:pPr>
-            <a:br>
-              <a:rPr lang="en-US" dirty="0"/>
-            </a:br>
-            <a:r>
-              <a:rPr lang="en-US" b="0" u="none" strike="noStrike" dirty="0">
-                <a:solidFill>
-                  <a:srgbClr val="000000"/>
-                </a:solidFill>
-                <a:effectLst/>
-                <a:latin typeface="Arial" panose="020B0604020202020204" pitchFamily="34" charset="0"/>
-              </a:rPr>
-              <a:t>Copilot excels at working with Python code because of Python's extensive and well-documented codebase. This vast repository provides a rich learning ground for Copilot's machine learning model. As an AI pair programmer, Copilot leverages this knowledge to suggest code completions, write entire functions, and even help debug Python scripts in real-time, enhancing productivity significantly.</a:t>
-            </a:r>
-          </a:p>
-          <a:p>
-            <a:pPr algn="l" rtl="0">
-              <a:lnSpc>
-                <a:spcPts val="1500"/>
-              </a:lnSpc>
-            </a:pPr>
-            <a:br>
-              <a:rPr lang="en-US" dirty="0"/>
-            </a:br>
-            <a:r>
-              <a:rPr lang="en-US" b="0" u="none" strike="noStrike" dirty="0">
-                <a:solidFill>
-                  <a:srgbClr val="000000"/>
-                </a:solidFill>
-                <a:effectLst/>
-                <a:latin typeface="Arial" panose="020B0604020202020204" pitchFamily="34" charset="0"/>
-              </a:rPr>
-              <a:t>Excel, while powerful, has been the subject of many jokes regarding its data integrity issues. The humor in the slide points out Excel's tendency to misinterpret data, like turning dates into numbers or mixing up different data types. Additionally, Excel's architecture with separate components like Power Query for data transformation, Power Pivot for data modeling, and VBA for automation, creates silos which can be challenging to integrate seamlessly.</a:t>
-            </a:r>
-          </a:p>
-          <a:p>
-            <a:pPr algn="l" rtl="0">
-              <a:lnSpc>
-                <a:spcPts val="1500"/>
-              </a:lnSpc>
-            </a:pPr>
-            <a:br>
-              <a:rPr lang="en-US" dirty="0"/>
-            </a:br>
-            <a:r>
-              <a:rPr lang="en-US" b="0" u="none" strike="noStrike" dirty="0">
-                <a:solidFill>
-                  <a:srgbClr val="000000"/>
-                </a:solidFill>
-                <a:effectLst/>
-                <a:latin typeface="Arial" panose="020B0604020202020204" pitchFamily="34" charset="0"/>
-              </a:rPr>
-              <a:t>Integrating Python with Excel through tools like Python's </a:t>
-            </a:r>
-            <a:r>
-              <a:rPr lang="en-US" sz="1800" b="0" u="none" strike="noStrike" dirty="0">
-                <a:solidFill>
-                  <a:srgbClr val="000000"/>
-                </a:solidFill>
-                <a:effectLst/>
-                <a:latin typeface="Courier New" panose="02070309020205020404" pitchFamily="49" charset="0"/>
-              </a:rPr>
-              <a:t>pandas</a:t>
-            </a:r>
-            <a:r>
-              <a:rPr lang="en-US" b="0" u="none" strike="noStrike" dirty="0">
-                <a:solidFill>
-                  <a:srgbClr val="000000"/>
-                </a:solidFill>
-                <a:effectLst/>
-                <a:latin typeface="Arial" panose="020B0604020202020204" pitchFamily="34" charset="0"/>
-              </a:rPr>
-              <a:t> library or Excel's Python add-ins allows us to leverage Excel's user-friendly interface while overcoming its limitations with Python's robust data handling capabilities. Copilot acts as the bridge, providing intelligent coding assistance in Python, which can then interact with Excel data, making data manipulation, analysis, and visualization more efficient and less error-prone.</a:t>
-            </a:r>
-          </a:p>
-          <a:p>
-            <a:pPr algn="l" rtl="0">
-              <a:lnSpc>
-                <a:spcPts val="1500"/>
-              </a:lnSpc>
-            </a:pPr>
-            <a:br>
-              <a:rPr lang="en-US" dirty="0"/>
-            </a:br>
-            <a:r>
-              <a:rPr lang="en-US" b="0" u="none" strike="noStrike" dirty="0">
-                <a:solidFill>
-                  <a:srgbClr val="000000"/>
-                </a:solidFill>
-                <a:effectLst/>
-                <a:latin typeface="Arial" panose="020B0604020202020204" pitchFamily="34" charset="0"/>
-              </a:rPr>
-              <a:t>Given the trend towards more open, flexible, and integrated tools, the future seems less promising for proprietary languages like Excel's VBA. Python's open-source nature, coupled with AI assistance from tools like Copilot, offers a scalable and future-proof solution. This crossover not only enhances current workflows but also prepares us for future advancements in AI and data science, where Python will likely continue to play a leading role.</a:t>
-            </a:r>
-          </a:p>
-          <a:p>
-            <a:pPr algn="l" rtl="0">
-              <a:lnSpc>
-                <a:spcPts val="1500"/>
-              </a:lnSpc>
-            </a:pPr>
-            <a:br>
-              <a:rPr lang="en-US" dirty="0"/>
-            </a:br>
-            <a:r>
-              <a:rPr lang="en-US" b="0" u="none" strike="noStrike" dirty="0">
-                <a:solidFill>
-                  <a:srgbClr val="000000"/>
-                </a:solidFill>
-                <a:effectLst/>
-                <a:latin typeface="Arial" panose="020B0604020202020204" pitchFamily="34" charset="0"/>
-              </a:rPr>
-              <a:t>In summary, the combination of Python's simplicity, Copilot's AI-driven assistance, and Excel's widespread use creates a dynamic ecosystem. It addresses Excel's weaknesses while capitalizing on Python's strengths, making this trio a formidable force in data-driven environments.</a:t>
-            </a:r>
-          </a:p>
-          <a:p>
-            <a:endParaRPr lang="en-US" dirty="0"/>
-          </a:p>
-        </p:txBody>
-      </p:sp>
-      <p:sp>
-        <p:nvSpPr>
-          <p:cNvPr id="4" name="Slide Number Placeholder 3"/>
-          <p:cNvSpPr>
-            <a:spLocks noGrp="1"/>
-          </p:cNvSpPr>
-          <p:nvPr>
-            <p:ph type="sldNum" sz="quarter" idx="5"/>
-          </p:nvPr>
-        </p:nvSpPr>
-        <p:spPr/>
-        <p:txBody>
-          <a:bodyPr/>
-          <a:lstStyle/>
-          <a:p>
-            <a:fld id="{FFB500C5-13F7-48FC-8160-C29AECF6C602}" type="slidenum">
-              <a:rPr lang="en-US" smtClean="0"/>
-              <a:t>13</a:t>
-            </a:fld>
-            <a:endParaRPr lang="en-US"/>
-          </a:p>
-        </p:txBody>
-      </p:sp>
-    </p:spTree>
-    <p:extLst>
-      <p:ext uri="{BB962C8B-B14F-4D97-AF65-F5344CB8AC3E}">
-        <p14:creationId xmlns:p14="http://schemas.microsoft.com/office/powerpoint/2010/main" val="2469045808"/>
-      </p:ext>
-    </p:extLst>
-  </p:cSld>
-  <p:clrMapOvr>
-    <a:masterClrMapping/>
-  </p:clrMapOvr>
-</p:notes>
-</file>
-
-<file path=ppt/notesSlides/notesSlide11.xml><?xml version="1.0" encoding="utf-8"?>
-<p:notes xmlns:a="http://schemas.openxmlformats.org/drawingml/2006/main" xmlns:r="http://schemas.openxmlformats.org/officeDocument/2006/relationships" xmlns:p="http://schemas.openxmlformats.org/presentationml/2006/main">
-  <p:cSld>
-    <p:spTree>
-      <p:nvGrpSpPr>
-        <p:cNvPr id="1" name=""/>
-        <p:cNvGrpSpPr/>
-        <p:nvPr/>
-      </p:nvGrpSpPr>
-      <p:grpSpPr>
-        <a:xfrm>
-          <a:off x="0" y="0"/>
-          <a:ext cx="0" cy="0"/>
-          <a:chOff x="0" y="0"/>
-          <a:chExt cx="0" cy="0"/>
-        </a:xfrm>
-      </p:grpSpPr>
-      <p:sp>
-        <p:nvSpPr>
-          <p:cNvPr id="2" name="Slide Image Placeholder 1"/>
-          <p:cNvSpPr>
-            <a:spLocks noGrp="1" noRot="1" noChangeAspect="1"/>
-          </p:cNvSpPr>
-          <p:nvPr>
-            <p:ph type="sldImg"/>
-          </p:nvPr>
-        </p:nvSpPr>
-        <p:spPr/>
-      </p:sp>
-      <p:sp>
-        <p:nvSpPr>
-          <p:cNvPr id="3" name="Notes Placeholder 2"/>
-          <p:cNvSpPr>
-            <a:spLocks noGrp="1"/>
-          </p:cNvSpPr>
-          <p:nvPr>
-            <p:ph type="body" idx="1"/>
-          </p:nvPr>
-        </p:nvSpPr>
-        <p:spPr/>
-        <p:txBody>
-          <a:bodyPr/>
-          <a:lstStyle/>
-          <a:p>
-            <a:r>
-              <a:rPr lang="en-US" b="0" i="0" dirty="0">
-                <a:solidFill>
-                  <a:srgbClr val="000000"/>
-                </a:solidFill>
-                <a:effectLst/>
-                <a:latin typeface="Arial" panose="020B0604020202020204" pitchFamily="34" charset="0"/>
-              </a:rPr>
-              <a:t>In our discussion today about the future of Excel, we've focused on the integration of Python for backend data analysis, advanced charting, and machine learning, which offers powerful data manipulation capabilities through libraries like pandas and extensive visualization options with libraries like matplotlib and seaborn. </a:t>
-            </a:r>
-          </a:p>
-          <a:p>
-            <a:endParaRPr lang="en-US" b="0" i="0" dirty="0">
-              <a:solidFill>
-                <a:srgbClr val="000000"/>
-              </a:solidFill>
-              <a:effectLst/>
-              <a:latin typeface="Arial" panose="020B0604020202020204" pitchFamily="34" charset="0"/>
-            </a:endParaRPr>
-          </a:p>
-          <a:p>
-            <a:r>
-              <a:rPr lang="en-US" b="0" i="0" dirty="0">
-                <a:solidFill>
-                  <a:srgbClr val="000000"/>
-                </a:solidFill>
-                <a:effectLst/>
-                <a:latin typeface="Arial" panose="020B0604020202020204" pitchFamily="34" charset="0"/>
-              </a:rPr>
-              <a:t>Excel itself continues to shine with its frontend formatting, usability, and interactive dashboards, providing a user-friendly interface that's well-suited for widespread usage, formatting, and presentation. </a:t>
-            </a:r>
-          </a:p>
-          <a:p>
-            <a:endParaRPr lang="en-US" b="0" i="0" dirty="0">
-              <a:solidFill>
-                <a:srgbClr val="000000"/>
-              </a:solidFill>
-              <a:effectLst/>
-              <a:latin typeface="Arial" panose="020B0604020202020204" pitchFamily="34" charset="0"/>
-            </a:endParaRPr>
-          </a:p>
-          <a:p>
-            <a:r>
-              <a:rPr lang="en-US" b="0" i="0" dirty="0">
-                <a:solidFill>
-                  <a:srgbClr val="000000"/>
-                </a:solidFill>
-                <a:effectLst/>
-                <a:latin typeface="Arial" panose="020B0604020202020204" pitchFamily="34" charset="0"/>
-              </a:rPr>
-              <a:t>Now, although we haven't delved into JavaScript today, it's important to note that JavaScript, along with TypeScript, shares similar advantages to Python but in the realm of building applications, add-ins, and more for Excel. JavaScript and TypeScript enable additional add-ins, enhance interactivity, and facilitate web integration, allowing for the building and integration of more complex functionalities. This expands Excel's capabilities into web and app development, making it a versatile tool not just for data analysis but also for creating sophisticated user experiences within Excel's ecosystem. </a:t>
-            </a:r>
-          </a:p>
-          <a:p>
-            <a:endParaRPr lang="en-US" b="0" i="0" dirty="0">
-              <a:solidFill>
-                <a:srgbClr val="000000"/>
-              </a:solidFill>
-              <a:effectLst/>
-              <a:latin typeface="Arial" panose="020B0604020202020204" pitchFamily="34" charset="0"/>
-            </a:endParaRPr>
-          </a:p>
-          <a:p>
-            <a:r>
-              <a:rPr lang="en-US" b="0" i="0" dirty="0">
-                <a:solidFill>
-                  <a:srgbClr val="000000"/>
-                </a:solidFill>
-                <a:effectLst/>
-                <a:latin typeface="Arial" panose="020B0604020202020204" pitchFamily="34" charset="0"/>
-              </a:rPr>
-              <a:t>This synergy between Python, Excel, and JavaScript/TypeScript paints a promising picture for Excel's future, where it can evolve into a more comprehensive platform for both data professionals and developers.</a:t>
-            </a:r>
-            <a:endParaRPr lang="en-US" dirty="0"/>
-          </a:p>
-        </p:txBody>
-      </p:sp>
-      <p:sp>
-        <p:nvSpPr>
-          <p:cNvPr id="4" name="Slide Number Placeholder 3"/>
-          <p:cNvSpPr>
-            <a:spLocks noGrp="1"/>
-          </p:cNvSpPr>
-          <p:nvPr>
-            <p:ph type="sldNum" sz="quarter" idx="5"/>
-          </p:nvPr>
-        </p:nvSpPr>
-        <p:spPr/>
-        <p:txBody>
-          <a:bodyPr/>
-          <a:lstStyle/>
-          <a:p>
-            <a:fld id="{FFB500C5-13F7-48FC-8160-C29AECF6C602}" type="slidenum">
-              <a:rPr lang="en-US" smtClean="0"/>
-              <a:t>17</a:t>
-            </a:fld>
-            <a:endParaRPr lang="en-US"/>
-          </a:p>
-        </p:txBody>
-      </p:sp>
-    </p:spTree>
-    <p:extLst>
-      <p:ext uri="{BB962C8B-B14F-4D97-AF65-F5344CB8AC3E}">
-        <p14:creationId xmlns:p14="http://schemas.microsoft.com/office/powerpoint/2010/main" val="857960786"/>
-      </p:ext>
-    </p:extLst>
-  </p:cSld>
-  <p:clrMapOvr>
-    <a:masterClrMapping/>
-  </p:clrMapOvr>
-</p:notes>
-</file>
-
-<file path=ppt/notesSlides/notesSlide12.xml><?xml version="1.0" encoding="utf-8"?>
-<p:notes xmlns:a="http://schemas.openxmlformats.org/drawingml/2006/main" xmlns:r="http://schemas.openxmlformats.org/officeDocument/2006/relationships" xmlns:p="http://schemas.openxmlformats.org/presentationml/2006/main">
-  <p:cSld>
-    <p:spTree>
-      <p:nvGrpSpPr>
-        <p:cNvPr id="1" name=""/>
-        <p:cNvGrpSpPr/>
-        <p:nvPr/>
-      </p:nvGrpSpPr>
-      <p:grpSpPr>
-        <a:xfrm>
-          <a:off x="0" y="0"/>
-          <a:ext cx="0" cy="0"/>
-          <a:chOff x="0" y="0"/>
-          <a:chExt cx="0" cy="0"/>
-        </a:xfrm>
-      </p:grpSpPr>
-      <p:sp>
-        <p:nvSpPr>
-          <p:cNvPr id="2" name="Slide Image Placeholder 1"/>
-          <p:cNvSpPr>
-            <a:spLocks noGrp="1" noRot="1" noChangeAspect="1"/>
-          </p:cNvSpPr>
-          <p:nvPr>
-            <p:ph type="sldImg"/>
-          </p:nvPr>
-        </p:nvSpPr>
-        <p:spPr/>
-      </p:sp>
-      <p:sp>
-        <p:nvSpPr>
-          <p:cNvPr id="3" name="Notes Placeholder 2"/>
-          <p:cNvSpPr>
-            <a:spLocks noGrp="1"/>
-          </p:cNvSpPr>
-          <p:nvPr>
-            <p:ph type="body" idx="1"/>
-          </p:nvPr>
-        </p:nvSpPr>
-        <p:spPr/>
-        <p:txBody>
-          <a:bodyPr/>
-          <a:lstStyle/>
-          <a:p>
-            <a:pPr algn="l" rtl="0">
-              <a:lnSpc>
-                <a:spcPts val="1500"/>
-              </a:lnSpc>
-            </a:pPr>
-            <a:br>
-              <a:rPr lang="en-US" b="0" u="none" strike="noStrike" dirty="0">
-                <a:solidFill>
-                  <a:srgbClr val="000000"/>
-                </a:solidFill>
-                <a:effectLst/>
-                <a:latin typeface="Arial" panose="020B0604020202020204" pitchFamily="34" charset="0"/>
-              </a:rPr>
-            </a:br>
-            <a:r>
-              <a:rPr lang="en-US" b="0" u="none" strike="noStrike" dirty="0">
-                <a:solidFill>
-                  <a:srgbClr val="000000"/>
-                </a:solidFill>
-                <a:effectLst/>
-                <a:latin typeface="Arial" panose="020B0604020202020204" pitchFamily="34" charset="0"/>
-              </a:rPr>
               <a:t>Good afternoon, everyone. Today, we're exploring how Excel has become a powerful tool for transforming everyday professionals into citizen data analysts, scientists, and engineers, especially in the era of AI. Despite concerns about AI potentially rendering Excel skills obsolete, the reality is quite the opposite. Excel, with AI integration, serves as a gateway to advanced analytics, automated workflows, and machine learning, making it more relevant than ever.</a:t>
             </a:r>
           </a:p>
@@ -1328,7 +944,7 @@
           <a:p>
             <a:fld id="{FFB500C5-13F7-48FC-8160-C29AECF6C602}" type="slidenum">
               <a:rPr lang="en-US" smtClean="0"/>
-              <a:t>18</a:t>
+              <a:t>16</a:t>
             </a:fld>
             <a:endParaRPr lang="en-US"/>
           </a:p>
@@ -1347,7 +963,7 @@
 </p:notes>
 </file>
 
-<file path=ppt/notesSlides/notesSlide2.xml><?xml version="1.0" encoding="utf-8"?>
+<file path=ppt/notesSlides/notesSlide11.xml><?xml version="1.0" encoding="utf-8"?>
 <p:notes xmlns:a="http://schemas.openxmlformats.org/drawingml/2006/main" xmlns:r="http://schemas.openxmlformats.org/officeDocument/2006/relationships" xmlns:p="http://schemas.openxmlformats.org/presentationml/2006/main">
   <p:cSld>
     <p:spTree>
@@ -1439,7 +1055,7 @@
           <a:p>
             <a:fld id="{FFB500C5-13F7-48FC-8160-C29AECF6C602}" type="slidenum">
               <a:rPr lang="en-US" smtClean="0"/>
-              <a:t>5</a:t>
+              <a:t>17</a:t>
             </a:fld>
             <a:endParaRPr lang="en-US"/>
           </a:p>
@@ -1458,7 +1074,7 @@
 </p:notes>
 </file>
 
-<file path=ppt/notesSlides/notesSlide3.xml><?xml version="1.0" encoding="utf-8"?>
+<file path=ppt/notesSlides/notesSlide12.xml><?xml version="1.0" encoding="utf-8"?>
 <p:notes xmlns:a="http://schemas.openxmlformats.org/drawingml/2006/main" xmlns:r="http://schemas.openxmlformats.org/officeDocument/2006/relationships" xmlns:p="http://schemas.openxmlformats.org/presentationml/2006/main">
   <p:cSld>
     <p:spTree>
@@ -1558,7 +1174,7 @@
           <a:p>
             <a:fld id="{FFB500C5-13F7-48FC-8160-C29AECF6C602}" type="slidenum">
               <a:rPr lang="en-US" smtClean="0"/>
-              <a:t>6</a:t>
+              <a:t>18</a:t>
             </a:fld>
             <a:endParaRPr lang="en-US"/>
           </a:p>
@@ -1568,6 +1184,1695 @@
     <p:extLst>
       <p:ext uri="{BB962C8B-B14F-4D97-AF65-F5344CB8AC3E}">
         <p14:creationId xmlns:p14="http://schemas.microsoft.com/office/powerpoint/2010/main" val="2749568745"/>
+      </p:ext>
+    </p:extLst>
+  </p:cSld>
+  <p:clrMapOvr>
+    <a:masterClrMapping/>
+  </p:clrMapOvr>
+</p:notes>
+</file>
+
+<file path=ppt/notesSlides/notesSlide13.xml><?xml version="1.0" encoding="utf-8"?>
+<p:notes xmlns:a="http://schemas.openxmlformats.org/drawingml/2006/main" xmlns:r="http://schemas.openxmlformats.org/officeDocument/2006/relationships" xmlns:p="http://schemas.openxmlformats.org/presentationml/2006/main">
+  <p:cSld>
+    <p:spTree>
+      <p:nvGrpSpPr>
+        <p:cNvPr id="1" name="">
+          <a:extLst>
+            <a:ext uri="{FF2B5EF4-FFF2-40B4-BE49-F238E27FC236}">
+              <a16:creationId xmlns:a16="http://schemas.microsoft.com/office/drawing/2014/main" id="{8F475349-AC08-97E4-F710-BE9CD2605907}"/>
+            </a:ext>
+          </a:extLst>
+        </p:cNvPr>
+        <p:cNvGrpSpPr/>
+        <p:nvPr/>
+      </p:nvGrpSpPr>
+      <p:grpSpPr>
+        <a:xfrm>
+          <a:off x="0" y="0"/>
+          <a:ext cx="0" cy="0"/>
+          <a:chOff x="0" y="0"/>
+          <a:chExt cx="0" cy="0"/>
+        </a:xfrm>
+      </p:grpSpPr>
+      <p:sp>
+        <p:nvSpPr>
+          <p:cNvPr id="2" name="Slide Image Placeholder 1">
+            <a:extLst>
+              <a:ext uri="{FF2B5EF4-FFF2-40B4-BE49-F238E27FC236}">
+                <a16:creationId xmlns:a16="http://schemas.microsoft.com/office/drawing/2014/main" id="{28F36B26-E188-4126-69F0-296D7297F34C}"/>
+              </a:ext>
+            </a:extLst>
+          </p:cNvPr>
+          <p:cNvSpPr>
+            <a:spLocks noGrp="1" noRot="1" noChangeAspect="1"/>
+          </p:cNvSpPr>
+          <p:nvPr>
+            <p:ph type="sldImg"/>
+          </p:nvPr>
+        </p:nvSpPr>
+        <p:spPr/>
+      </p:sp>
+      <p:sp>
+        <p:nvSpPr>
+          <p:cNvPr id="3" name="Notes Placeholder 2">
+            <a:extLst>
+              <a:ext uri="{FF2B5EF4-FFF2-40B4-BE49-F238E27FC236}">
+                <a16:creationId xmlns:a16="http://schemas.microsoft.com/office/drawing/2014/main" id="{A6AA7AC3-C9CF-27BD-C7EC-39881DE97C9A}"/>
+              </a:ext>
+            </a:extLst>
+          </p:cNvPr>
+          <p:cNvSpPr>
+            <a:spLocks noGrp="1"/>
+          </p:cNvSpPr>
+          <p:nvPr>
+            <p:ph type="body" idx="1"/>
+          </p:nvPr>
+        </p:nvSpPr>
+        <p:spPr/>
+        <p:txBody>
+          <a:bodyPr/>
+          <a:lstStyle/>
+          <a:p>
+            <a:r>
+              <a:rPr lang="en-US" sz="1200" dirty="0"/>
+              <a:t>Was it AI? I don’t know. Most people hated Copilot in Excel </a:t>
+            </a:r>
+          </a:p>
+        </p:txBody>
+      </p:sp>
+      <p:sp>
+        <p:nvSpPr>
+          <p:cNvPr id="4" name="Slide Number Placeholder 3">
+            <a:extLst>
+              <a:ext uri="{FF2B5EF4-FFF2-40B4-BE49-F238E27FC236}">
+                <a16:creationId xmlns:a16="http://schemas.microsoft.com/office/drawing/2014/main" id="{DA06E20B-3916-2836-A9EE-1EB610EA2927}"/>
+              </a:ext>
+            </a:extLst>
+          </p:cNvPr>
+          <p:cNvSpPr>
+            <a:spLocks noGrp="1"/>
+          </p:cNvSpPr>
+          <p:nvPr>
+            <p:ph type="sldNum" sz="quarter" idx="5"/>
+          </p:nvPr>
+        </p:nvSpPr>
+        <p:spPr/>
+        <p:txBody>
+          <a:bodyPr/>
+          <a:lstStyle/>
+          <a:p>
+            <a:fld id="{FFB500C5-13F7-48FC-8160-C29AECF6C602}" type="slidenum">
+              <a:rPr lang="en-US" smtClean="0"/>
+              <a:t>19</a:t>
+            </a:fld>
+            <a:endParaRPr lang="en-US"/>
+          </a:p>
+        </p:txBody>
+      </p:sp>
+    </p:spTree>
+    <p:extLst>
+      <p:ext uri="{BB962C8B-B14F-4D97-AF65-F5344CB8AC3E}">
+        <p14:creationId xmlns:p14="http://schemas.microsoft.com/office/powerpoint/2010/main" val="4235046938"/>
+      </p:ext>
+    </p:extLst>
+  </p:cSld>
+  <p:clrMapOvr>
+    <a:masterClrMapping/>
+  </p:clrMapOvr>
+</p:notes>
+</file>
+
+<file path=ppt/notesSlides/notesSlide14.xml><?xml version="1.0" encoding="utf-8"?>
+<p:notes xmlns:a="http://schemas.openxmlformats.org/drawingml/2006/main" xmlns:r="http://schemas.openxmlformats.org/officeDocument/2006/relationships" xmlns:p="http://schemas.openxmlformats.org/presentationml/2006/main">
+  <p:cSld>
+    <p:spTree>
+      <p:nvGrpSpPr>
+        <p:cNvPr id="1" name="">
+          <a:extLst>
+            <a:ext uri="{FF2B5EF4-FFF2-40B4-BE49-F238E27FC236}">
+              <a16:creationId xmlns:a16="http://schemas.microsoft.com/office/drawing/2014/main" id="{3C7FE384-ED9D-F099-2625-F249B7322ECA}"/>
+            </a:ext>
+          </a:extLst>
+        </p:cNvPr>
+        <p:cNvGrpSpPr/>
+        <p:nvPr/>
+      </p:nvGrpSpPr>
+      <p:grpSpPr>
+        <a:xfrm>
+          <a:off x="0" y="0"/>
+          <a:ext cx="0" cy="0"/>
+          <a:chOff x="0" y="0"/>
+          <a:chExt cx="0" cy="0"/>
+        </a:xfrm>
+      </p:grpSpPr>
+      <p:sp>
+        <p:nvSpPr>
+          <p:cNvPr id="2" name="Slide Image Placeholder 1">
+            <a:extLst>
+              <a:ext uri="{FF2B5EF4-FFF2-40B4-BE49-F238E27FC236}">
+                <a16:creationId xmlns:a16="http://schemas.microsoft.com/office/drawing/2014/main" id="{6318BEA4-9348-DC99-91C1-4432ECB0667F}"/>
+              </a:ext>
+            </a:extLst>
+          </p:cNvPr>
+          <p:cNvSpPr>
+            <a:spLocks noGrp="1" noRot="1" noChangeAspect="1"/>
+          </p:cNvSpPr>
+          <p:nvPr>
+            <p:ph type="sldImg"/>
+          </p:nvPr>
+        </p:nvSpPr>
+        <p:spPr/>
+      </p:sp>
+      <p:sp>
+        <p:nvSpPr>
+          <p:cNvPr id="3" name="Notes Placeholder 2">
+            <a:extLst>
+              <a:ext uri="{FF2B5EF4-FFF2-40B4-BE49-F238E27FC236}">
+                <a16:creationId xmlns:a16="http://schemas.microsoft.com/office/drawing/2014/main" id="{AABFB7A9-B2FB-1134-EFEC-83457A12CFB6}"/>
+              </a:ext>
+            </a:extLst>
+          </p:cNvPr>
+          <p:cNvSpPr>
+            <a:spLocks noGrp="1"/>
+          </p:cNvSpPr>
+          <p:nvPr>
+            <p:ph type="body" idx="1"/>
+          </p:nvPr>
+        </p:nvSpPr>
+        <p:spPr/>
+        <p:txBody>
+          <a:bodyPr/>
+          <a:lstStyle/>
+          <a:p>
+            <a:r>
+              <a:rPr lang="en-US" sz="1200" dirty="0"/>
+              <a:t>Not singling Wyn out, I think most people thought that! </a:t>
+            </a:r>
+          </a:p>
+        </p:txBody>
+      </p:sp>
+      <p:sp>
+        <p:nvSpPr>
+          <p:cNvPr id="4" name="Slide Number Placeholder 3">
+            <a:extLst>
+              <a:ext uri="{FF2B5EF4-FFF2-40B4-BE49-F238E27FC236}">
+                <a16:creationId xmlns:a16="http://schemas.microsoft.com/office/drawing/2014/main" id="{CE75A1F4-14C1-8D20-2EC2-E00087F09518}"/>
+              </a:ext>
+            </a:extLst>
+          </p:cNvPr>
+          <p:cNvSpPr>
+            <a:spLocks noGrp="1"/>
+          </p:cNvSpPr>
+          <p:nvPr>
+            <p:ph type="sldNum" sz="quarter" idx="5"/>
+          </p:nvPr>
+        </p:nvSpPr>
+        <p:spPr/>
+        <p:txBody>
+          <a:bodyPr/>
+          <a:lstStyle/>
+          <a:p>
+            <a:fld id="{FFB500C5-13F7-48FC-8160-C29AECF6C602}" type="slidenum">
+              <a:rPr lang="en-US" smtClean="0"/>
+              <a:t>20</a:t>
+            </a:fld>
+            <a:endParaRPr lang="en-US"/>
+          </a:p>
+        </p:txBody>
+      </p:sp>
+    </p:spTree>
+    <p:extLst>
+      <p:ext uri="{BB962C8B-B14F-4D97-AF65-F5344CB8AC3E}">
+        <p14:creationId xmlns:p14="http://schemas.microsoft.com/office/powerpoint/2010/main" val="3579210169"/>
+      </p:ext>
+    </p:extLst>
+  </p:cSld>
+  <p:clrMapOvr>
+    <a:masterClrMapping/>
+  </p:clrMapOvr>
+</p:notes>
+</file>
+
+<file path=ppt/notesSlides/notesSlide15.xml><?xml version="1.0" encoding="utf-8"?>
+<p:notes xmlns:a="http://schemas.openxmlformats.org/drawingml/2006/main" xmlns:r="http://schemas.openxmlformats.org/officeDocument/2006/relationships" xmlns:p="http://schemas.openxmlformats.org/presentationml/2006/main">
+  <p:cSld>
+    <p:spTree>
+      <p:nvGrpSpPr>
+        <p:cNvPr id="1" name="">
+          <a:extLst>
+            <a:ext uri="{FF2B5EF4-FFF2-40B4-BE49-F238E27FC236}">
+              <a16:creationId xmlns:a16="http://schemas.microsoft.com/office/drawing/2014/main" id="{31B50553-01DF-6603-C71C-6763C69F12CF}"/>
+            </a:ext>
+          </a:extLst>
+        </p:cNvPr>
+        <p:cNvGrpSpPr/>
+        <p:nvPr/>
+      </p:nvGrpSpPr>
+      <p:grpSpPr>
+        <a:xfrm>
+          <a:off x="0" y="0"/>
+          <a:ext cx="0" cy="0"/>
+          <a:chOff x="0" y="0"/>
+          <a:chExt cx="0" cy="0"/>
+        </a:xfrm>
+      </p:grpSpPr>
+      <p:sp>
+        <p:nvSpPr>
+          <p:cNvPr id="2" name="Slide Image Placeholder 1">
+            <a:extLst>
+              <a:ext uri="{FF2B5EF4-FFF2-40B4-BE49-F238E27FC236}">
+                <a16:creationId xmlns:a16="http://schemas.microsoft.com/office/drawing/2014/main" id="{30CDEF0F-C78E-B7DE-A27A-E63201464A34}"/>
+              </a:ext>
+            </a:extLst>
+          </p:cNvPr>
+          <p:cNvSpPr>
+            <a:spLocks noGrp="1" noRot="1" noChangeAspect="1"/>
+          </p:cNvSpPr>
+          <p:nvPr>
+            <p:ph type="sldImg"/>
+          </p:nvPr>
+        </p:nvSpPr>
+        <p:spPr/>
+      </p:sp>
+      <p:sp>
+        <p:nvSpPr>
+          <p:cNvPr id="3" name="Notes Placeholder 2">
+            <a:extLst>
+              <a:ext uri="{FF2B5EF4-FFF2-40B4-BE49-F238E27FC236}">
+                <a16:creationId xmlns:a16="http://schemas.microsoft.com/office/drawing/2014/main" id="{FC3EF3B0-ABEE-7591-CF4F-69DE9BDA5779}"/>
+              </a:ext>
+            </a:extLst>
+          </p:cNvPr>
+          <p:cNvSpPr>
+            <a:spLocks noGrp="1"/>
+          </p:cNvSpPr>
+          <p:nvPr>
+            <p:ph type="body" idx="1"/>
+          </p:nvPr>
+        </p:nvSpPr>
+        <p:spPr/>
+        <p:txBody>
+          <a:bodyPr/>
+          <a:lstStyle/>
+          <a:p>
+            <a:r>
+              <a:rPr lang="en-US" sz="1200" dirty="0"/>
+              <a:t>So Copilot is slowly growing in interest</a:t>
+            </a:r>
+          </a:p>
+        </p:txBody>
+      </p:sp>
+      <p:sp>
+        <p:nvSpPr>
+          <p:cNvPr id="4" name="Slide Number Placeholder 3">
+            <a:extLst>
+              <a:ext uri="{FF2B5EF4-FFF2-40B4-BE49-F238E27FC236}">
+                <a16:creationId xmlns:a16="http://schemas.microsoft.com/office/drawing/2014/main" id="{7F12B534-4385-DC2A-43F8-AE7ADBDAF196}"/>
+              </a:ext>
+            </a:extLst>
+          </p:cNvPr>
+          <p:cNvSpPr>
+            <a:spLocks noGrp="1"/>
+          </p:cNvSpPr>
+          <p:nvPr>
+            <p:ph type="sldNum" sz="quarter" idx="5"/>
+          </p:nvPr>
+        </p:nvSpPr>
+        <p:spPr/>
+        <p:txBody>
+          <a:bodyPr/>
+          <a:lstStyle/>
+          <a:p>
+            <a:fld id="{FFB500C5-13F7-48FC-8160-C29AECF6C602}" type="slidenum">
+              <a:rPr lang="en-US" smtClean="0"/>
+              <a:t>21</a:t>
+            </a:fld>
+            <a:endParaRPr lang="en-US"/>
+          </a:p>
+        </p:txBody>
+      </p:sp>
+    </p:spTree>
+    <p:extLst>
+      <p:ext uri="{BB962C8B-B14F-4D97-AF65-F5344CB8AC3E}">
+        <p14:creationId xmlns:p14="http://schemas.microsoft.com/office/powerpoint/2010/main" val="4200641320"/>
+      </p:ext>
+    </p:extLst>
+  </p:cSld>
+  <p:clrMapOvr>
+    <a:masterClrMapping/>
+  </p:clrMapOvr>
+</p:notes>
+</file>
+
+<file path=ppt/notesSlides/notesSlide16.xml><?xml version="1.0" encoding="utf-8"?>
+<p:notes xmlns:a="http://schemas.openxmlformats.org/drawingml/2006/main" xmlns:r="http://schemas.openxmlformats.org/officeDocument/2006/relationships" xmlns:p="http://schemas.openxmlformats.org/presentationml/2006/main">
+  <p:cSld>
+    <p:spTree>
+      <p:nvGrpSpPr>
+        <p:cNvPr id="1" name="">
+          <a:extLst>
+            <a:ext uri="{FF2B5EF4-FFF2-40B4-BE49-F238E27FC236}">
+              <a16:creationId xmlns:a16="http://schemas.microsoft.com/office/drawing/2014/main" id="{26FD1329-B53D-B527-77B1-E7FE0A8EF827}"/>
+            </a:ext>
+          </a:extLst>
+        </p:cNvPr>
+        <p:cNvGrpSpPr/>
+        <p:nvPr/>
+      </p:nvGrpSpPr>
+      <p:grpSpPr>
+        <a:xfrm>
+          <a:off x="0" y="0"/>
+          <a:ext cx="0" cy="0"/>
+          <a:chOff x="0" y="0"/>
+          <a:chExt cx="0" cy="0"/>
+        </a:xfrm>
+      </p:grpSpPr>
+      <p:sp>
+        <p:nvSpPr>
+          <p:cNvPr id="2" name="Slide Image Placeholder 1">
+            <a:extLst>
+              <a:ext uri="{FF2B5EF4-FFF2-40B4-BE49-F238E27FC236}">
+                <a16:creationId xmlns:a16="http://schemas.microsoft.com/office/drawing/2014/main" id="{CDE82CC2-E04D-E180-C96B-636027D28D74}"/>
+              </a:ext>
+            </a:extLst>
+          </p:cNvPr>
+          <p:cNvSpPr>
+            <a:spLocks noGrp="1" noRot="1" noChangeAspect="1"/>
+          </p:cNvSpPr>
+          <p:nvPr>
+            <p:ph type="sldImg"/>
+          </p:nvPr>
+        </p:nvSpPr>
+        <p:spPr/>
+      </p:sp>
+      <p:sp>
+        <p:nvSpPr>
+          <p:cNvPr id="3" name="Notes Placeholder 2">
+            <a:extLst>
+              <a:ext uri="{FF2B5EF4-FFF2-40B4-BE49-F238E27FC236}">
+                <a16:creationId xmlns:a16="http://schemas.microsoft.com/office/drawing/2014/main" id="{8124481D-2901-7ABF-4A56-E1D6FBDEC716}"/>
+              </a:ext>
+            </a:extLst>
+          </p:cNvPr>
+          <p:cNvSpPr>
+            <a:spLocks noGrp="1"/>
+          </p:cNvSpPr>
+          <p:nvPr>
+            <p:ph type="body" idx="1"/>
+          </p:nvPr>
+        </p:nvSpPr>
+        <p:spPr/>
+        <p:txBody>
+          <a:bodyPr/>
+          <a:lstStyle/>
+          <a:p>
+            <a:r>
+              <a:rPr lang="en-US" sz="1200" dirty="0"/>
+              <a:t>So Copilot is slowly growing in interest</a:t>
+            </a:r>
+          </a:p>
+        </p:txBody>
+      </p:sp>
+      <p:sp>
+        <p:nvSpPr>
+          <p:cNvPr id="4" name="Slide Number Placeholder 3">
+            <a:extLst>
+              <a:ext uri="{FF2B5EF4-FFF2-40B4-BE49-F238E27FC236}">
+                <a16:creationId xmlns:a16="http://schemas.microsoft.com/office/drawing/2014/main" id="{405C8E6C-9A8D-AFE6-CDC9-C6CA84CA59F7}"/>
+              </a:ext>
+            </a:extLst>
+          </p:cNvPr>
+          <p:cNvSpPr>
+            <a:spLocks noGrp="1"/>
+          </p:cNvSpPr>
+          <p:nvPr>
+            <p:ph type="sldNum" sz="quarter" idx="5"/>
+          </p:nvPr>
+        </p:nvSpPr>
+        <p:spPr/>
+        <p:txBody>
+          <a:bodyPr/>
+          <a:lstStyle/>
+          <a:p>
+            <a:fld id="{FFB500C5-13F7-48FC-8160-C29AECF6C602}" type="slidenum">
+              <a:rPr lang="en-US" smtClean="0"/>
+              <a:t>22</a:t>
+            </a:fld>
+            <a:endParaRPr lang="en-US"/>
+          </a:p>
+        </p:txBody>
+      </p:sp>
+    </p:spTree>
+    <p:extLst>
+      <p:ext uri="{BB962C8B-B14F-4D97-AF65-F5344CB8AC3E}">
+        <p14:creationId xmlns:p14="http://schemas.microsoft.com/office/powerpoint/2010/main" val="314935284"/>
+      </p:ext>
+    </p:extLst>
+  </p:cSld>
+  <p:clrMapOvr>
+    <a:masterClrMapping/>
+  </p:clrMapOvr>
+</p:notes>
+</file>
+
+<file path=ppt/notesSlides/notesSlide17.xml><?xml version="1.0" encoding="utf-8"?>
+<p:notes xmlns:a="http://schemas.openxmlformats.org/drawingml/2006/main" xmlns:r="http://schemas.openxmlformats.org/officeDocument/2006/relationships" xmlns:p="http://schemas.openxmlformats.org/presentationml/2006/main">
+  <p:cSld>
+    <p:spTree>
+      <p:nvGrpSpPr>
+        <p:cNvPr id="1" name="">
+          <a:extLst>
+            <a:ext uri="{FF2B5EF4-FFF2-40B4-BE49-F238E27FC236}">
+              <a16:creationId xmlns:a16="http://schemas.microsoft.com/office/drawing/2014/main" id="{96809ADF-BA39-B6EE-ACDA-68EA88A7A5F6}"/>
+            </a:ext>
+          </a:extLst>
+        </p:cNvPr>
+        <p:cNvGrpSpPr/>
+        <p:nvPr/>
+      </p:nvGrpSpPr>
+      <p:grpSpPr>
+        <a:xfrm>
+          <a:off x="0" y="0"/>
+          <a:ext cx="0" cy="0"/>
+          <a:chOff x="0" y="0"/>
+          <a:chExt cx="0" cy="0"/>
+        </a:xfrm>
+      </p:grpSpPr>
+      <p:sp>
+        <p:nvSpPr>
+          <p:cNvPr id="2" name="Slide Image Placeholder 1">
+            <a:extLst>
+              <a:ext uri="{FF2B5EF4-FFF2-40B4-BE49-F238E27FC236}">
+                <a16:creationId xmlns:a16="http://schemas.microsoft.com/office/drawing/2014/main" id="{2607418B-A48D-262A-E402-89F35E091FA8}"/>
+              </a:ext>
+            </a:extLst>
+          </p:cNvPr>
+          <p:cNvSpPr>
+            <a:spLocks noGrp="1" noRot="1" noChangeAspect="1"/>
+          </p:cNvSpPr>
+          <p:nvPr>
+            <p:ph type="sldImg"/>
+          </p:nvPr>
+        </p:nvSpPr>
+        <p:spPr/>
+      </p:sp>
+      <p:sp>
+        <p:nvSpPr>
+          <p:cNvPr id="3" name="Notes Placeholder 2">
+            <a:extLst>
+              <a:ext uri="{FF2B5EF4-FFF2-40B4-BE49-F238E27FC236}">
+                <a16:creationId xmlns:a16="http://schemas.microsoft.com/office/drawing/2014/main" id="{472658AE-D81C-FC4E-C8FF-C1C81EF1CCDC}"/>
+              </a:ext>
+            </a:extLst>
+          </p:cNvPr>
+          <p:cNvSpPr>
+            <a:spLocks noGrp="1"/>
+          </p:cNvSpPr>
+          <p:nvPr>
+            <p:ph type="body" idx="1"/>
+          </p:nvPr>
+        </p:nvSpPr>
+        <p:spPr/>
+        <p:txBody>
+          <a:bodyPr/>
+          <a:lstStyle/>
+          <a:p>
+            <a:r>
+              <a:rPr lang="en-US" sz="1200" dirty="0"/>
+              <a:t>So Copilot is slowly growing in interest</a:t>
+            </a:r>
+          </a:p>
+        </p:txBody>
+      </p:sp>
+      <p:sp>
+        <p:nvSpPr>
+          <p:cNvPr id="4" name="Slide Number Placeholder 3">
+            <a:extLst>
+              <a:ext uri="{FF2B5EF4-FFF2-40B4-BE49-F238E27FC236}">
+                <a16:creationId xmlns:a16="http://schemas.microsoft.com/office/drawing/2014/main" id="{2C833359-47DE-FB07-B43C-98FBA5A4B9F6}"/>
+              </a:ext>
+            </a:extLst>
+          </p:cNvPr>
+          <p:cNvSpPr>
+            <a:spLocks noGrp="1"/>
+          </p:cNvSpPr>
+          <p:nvPr>
+            <p:ph type="sldNum" sz="quarter" idx="5"/>
+          </p:nvPr>
+        </p:nvSpPr>
+        <p:spPr/>
+        <p:txBody>
+          <a:bodyPr/>
+          <a:lstStyle/>
+          <a:p>
+            <a:fld id="{FFB500C5-13F7-48FC-8160-C29AECF6C602}" type="slidenum">
+              <a:rPr lang="en-US" smtClean="0"/>
+              <a:t>23</a:t>
+            </a:fld>
+            <a:endParaRPr lang="en-US"/>
+          </a:p>
+        </p:txBody>
+      </p:sp>
+    </p:spTree>
+    <p:extLst>
+      <p:ext uri="{BB962C8B-B14F-4D97-AF65-F5344CB8AC3E}">
+        <p14:creationId xmlns:p14="http://schemas.microsoft.com/office/powerpoint/2010/main" val="4039744354"/>
+      </p:ext>
+    </p:extLst>
+  </p:cSld>
+  <p:clrMapOvr>
+    <a:masterClrMapping/>
+  </p:clrMapOvr>
+</p:notes>
+</file>
+
+<file path=ppt/notesSlides/notesSlide18.xml><?xml version="1.0" encoding="utf-8"?>
+<p:notes xmlns:a="http://schemas.openxmlformats.org/drawingml/2006/main" xmlns:r="http://schemas.openxmlformats.org/officeDocument/2006/relationships" xmlns:p="http://schemas.openxmlformats.org/presentationml/2006/main">
+  <p:cSld>
+    <p:spTree>
+      <p:nvGrpSpPr>
+        <p:cNvPr id="1" name=""/>
+        <p:cNvGrpSpPr/>
+        <p:nvPr/>
+      </p:nvGrpSpPr>
+      <p:grpSpPr>
+        <a:xfrm>
+          <a:off x="0" y="0"/>
+          <a:ext cx="0" cy="0"/>
+          <a:chOff x="0" y="0"/>
+          <a:chExt cx="0" cy="0"/>
+        </a:xfrm>
+      </p:grpSpPr>
+      <p:sp>
+        <p:nvSpPr>
+          <p:cNvPr id="2" name="Slide Image Placeholder 1"/>
+          <p:cNvSpPr>
+            <a:spLocks noGrp="1" noRot="1" noChangeAspect="1"/>
+          </p:cNvSpPr>
+          <p:nvPr>
+            <p:ph type="sldImg"/>
+          </p:nvPr>
+        </p:nvSpPr>
+        <p:spPr/>
+      </p:sp>
+      <p:sp>
+        <p:nvSpPr>
+          <p:cNvPr id="3" name="Notes Placeholder 2"/>
+          <p:cNvSpPr>
+            <a:spLocks noGrp="1"/>
+          </p:cNvSpPr>
+          <p:nvPr>
+            <p:ph type="body" idx="1"/>
+          </p:nvPr>
+        </p:nvSpPr>
+        <p:spPr/>
+        <p:txBody>
+          <a:bodyPr/>
+          <a:lstStyle/>
+          <a:p>
+            <a:endParaRPr lang="en-US" dirty="0"/>
+          </a:p>
+        </p:txBody>
+      </p:sp>
+      <p:sp>
+        <p:nvSpPr>
+          <p:cNvPr id="4" name="Slide Number Placeholder 3"/>
+          <p:cNvSpPr>
+            <a:spLocks noGrp="1"/>
+          </p:cNvSpPr>
+          <p:nvPr>
+            <p:ph type="sldNum" sz="quarter" idx="5"/>
+          </p:nvPr>
+        </p:nvSpPr>
+        <p:spPr/>
+        <p:txBody>
+          <a:bodyPr/>
+          <a:lstStyle/>
+          <a:p>
+            <a:fld id="{FFB500C5-13F7-48FC-8160-C29AECF6C602}" type="slidenum">
+              <a:rPr lang="en-US" smtClean="0"/>
+              <a:t>24</a:t>
+            </a:fld>
+            <a:endParaRPr lang="en-US"/>
+          </a:p>
+        </p:txBody>
+      </p:sp>
+    </p:spTree>
+    <p:extLst>
+      <p:ext uri="{BB962C8B-B14F-4D97-AF65-F5344CB8AC3E}">
+        <p14:creationId xmlns:p14="http://schemas.microsoft.com/office/powerpoint/2010/main" val="981337392"/>
+      </p:ext>
+    </p:extLst>
+  </p:cSld>
+  <p:clrMapOvr>
+    <a:masterClrMapping/>
+  </p:clrMapOvr>
+</p:notes>
+</file>
+
+<file path=ppt/notesSlides/notesSlide19.xml><?xml version="1.0" encoding="utf-8"?>
+<p:notes xmlns:a="http://schemas.openxmlformats.org/drawingml/2006/main" xmlns:r="http://schemas.openxmlformats.org/officeDocument/2006/relationships" xmlns:p="http://schemas.openxmlformats.org/presentationml/2006/main">
+  <p:cSld>
+    <p:spTree>
+      <p:nvGrpSpPr>
+        <p:cNvPr id="1" name=""/>
+        <p:cNvGrpSpPr/>
+        <p:nvPr/>
+      </p:nvGrpSpPr>
+      <p:grpSpPr>
+        <a:xfrm>
+          <a:off x="0" y="0"/>
+          <a:ext cx="0" cy="0"/>
+          <a:chOff x="0" y="0"/>
+          <a:chExt cx="0" cy="0"/>
+        </a:xfrm>
+      </p:grpSpPr>
+      <p:sp>
+        <p:nvSpPr>
+          <p:cNvPr id="2" name="Slide Image Placeholder 1"/>
+          <p:cNvSpPr>
+            <a:spLocks noGrp="1" noRot="1" noChangeAspect="1"/>
+          </p:cNvSpPr>
+          <p:nvPr>
+            <p:ph type="sldImg"/>
+          </p:nvPr>
+        </p:nvSpPr>
+        <p:spPr/>
+      </p:sp>
+      <p:sp>
+        <p:nvSpPr>
+          <p:cNvPr id="3" name="Notes Placeholder 2"/>
+          <p:cNvSpPr>
+            <a:spLocks noGrp="1"/>
+          </p:cNvSpPr>
+          <p:nvPr>
+            <p:ph type="body" idx="1"/>
+          </p:nvPr>
+        </p:nvSpPr>
+        <p:spPr/>
+        <p:txBody>
+          <a:bodyPr/>
+          <a:lstStyle/>
+          <a:p>
+            <a:r>
+              <a:rPr lang="en-US" dirty="0"/>
+              <a:t>https://stringfestanalytics.com/the-end-of-dax-and-m-how-ai-and-python-are-transforming-excel/</a:t>
+            </a:r>
+          </a:p>
+          <a:p>
+            <a:endParaRPr lang="en-US" dirty="0"/>
+          </a:p>
+          <a:p>
+            <a:pPr algn="l" rtl="0">
+              <a:lnSpc>
+                <a:spcPts val="1500"/>
+              </a:lnSpc>
+            </a:pPr>
+            <a:br>
+              <a:rPr lang="en-US" b="0" u="none" strike="noStrike" dirty="0">
+                <a:solidFill>
+                  <a:srgbClr val="000000"/>
+                </a:solidFill>
+                <a:effectLst/>
+                <a:latin typeface="Arial" panose="020B0604020202020204" pitchFamily="34" charset="0"/>
+              </a:rPr>
+            </a:br>
+            <a:r>
+              <a:rPr lang="en-US" b="0" u="none" strike="noStrike" dirty="0">
+                <a:solidFill>
+                  <a:srgbClr val="000000"/>
+                </a:solidFill>
+                <a:effectLst/>
+                <a:latin typeface="Arial" panose="020B0604020202020204" pitchFamily="34" charset="0"/>
+              </a:rPr>
+              <a:t>To get started, I want to discuss why the combination of Python, Copilot, and Excel creates such a powerful synergy in data analysis and automation. Python is renowned for its simplicity and readability, making it an excellent 'glue' language. Unlike Excel's complex architecture, Python offers a smooth, snag-free experience for developers. Its syntax is clean and intuitive, which reduces errors and makes code maintenance easier. This simplicity is crucial when integrating different tools and workflows.</a:t>
+            </a:r>
+          </a:p>
+          <a:p>
+            <a:pPr algn="l" rtl="0">
+              <a:lnSpc>
+                <a:spcPts val="1500"/>
+              </a:lnSpc>
+            </a:pPr>
+            <a:br>
+              <a:rPr lang="en-US" dirty="0"/>
+            </a:br>
+            <a:r>
+              <a:rPr lang="en-US" b="0" u="none" strike="noStrike" dirty="0">
+                <a:solidFill>
+                  <a:srgbClr val="000000"/>
+                </a:solidFill>
+                <a:effectLst/>
+                <a:latin typeface="Arial" panose="020B0604020202020204" pitchFamily="34" charset="0"/>
+              </a:rPr>
+              <a:t>Copilot excels at working with Python code because of Python's extensive and well-documented codebase. This vast repository provides a rich learning ground for Copilot's machine learning model. As an AI pair programmer, Copilot leverages this knowledge to suggest code completions, write entire functions, and even help debug Python scripts in real-time, enhancing productivity significantly.</a:t>
+            </a:r>
+          </a:p>
+          <a:p>
+            <a:pPr algn="l" rtl="0">
+              <a:lnSpc>
+                <a:spcPts val="1500"/>
+              </a:lnSpc>
+            </a:pPr>
+            <a:br>
+              <a:rPr lang="en-US" dirty="0"/>
+            </a:br>
+            <a:r>
+              <a:rPr lang="en-US" b="0" u="none" strike="noStrike" dirty="0">
+                <a:solidFill>
+                  <a:srgbClr val="000000"/>
+                </a:solidFill>
+                <a:effectLst/>
+                <a:latin typeface="Arial" panose="020B0604020202020204" pitchFamily="34" charset="0"/>
+              </a:rPr>
+              <a:t>Excel, while powerful, has been the subject of many jokes regarding its data integrity issues. The humor in the slide points out Excel's tendency to misinterpret data, like turning dates into numbers or mixing up different data types. Additionally, Excel's architecture with separate components like Power Query for data transformation, Power Pivot for data modeling, and VBA for automation, creates silos which can be challenging to integrate seamlessly.</a:t>
+            </a:r>
+          </a:p>
+          <a:p>
+            <a:pPr algn="l" rtl="0">
+              <a:lnSpc>
+                <a:spcPts val="1500"/>
+              </a:lnSpc>
+            </a:pPr>
+            <a:br>
+              <a:rPr lang="en-US" dirty="0"/>
+            </a:br>
+            <a:r>
+              <a:rPr lang="en-US" b="0" u="none" strike="noStrike" dirty="0">
+                <a:solidFill>
+                  <a:srgbClr val="000000"/>
+                </a:solidFill>
+                <a:effectLst/>
+                <a:latin typeface="Arial" panose="020B0604020202020204" pitchFamily="34" charset="0"/>
+              </a:rPr>
+              <a:t>Integrating Python with Excel through tools like Python's </a:t>
+            </a:r>
+            <a:r>
+              <a:rPr lang="en-US" sz="1800" b="0" u="none" strike="noStrike" dirty="0">
+                <a:solidFill>
+                  <a:srgbClr val="000000"/>
+                </a:solidFill>
+                <a:effectLst/>
+                <a:latin typeface="Courier New" panose="02070309020205020404" pitchFamily="49" charset="0"/>
+              </a:rPr>
+              <a:t>pandas</a:t>
+            </a:r>
+            <a:r>
+              <a:rPr lang="en-US" b="0" u="none" strike="noStrike" dirty="0">
+                <a:solidFill>
+                  <a:srgbClr val="000000"/>
+                </a:solidFill>
+                <a:effectLst/>
+                <a:latin typeface="Arial" panose="020B0604020202020204" pitchFamily="34" charset="0"/>
+              </a:rPr>
+              <a:t> library or Excel's Python add-ins allows us to leverage Excel's user-friendly interface while overcoming its limitations with Python's robust data handling capabilities. Copilot acts as the bridge, providing intelligent coding assistance in Python, which can then interact with Excel data, making data manipulation, analysis, and visualization more efficient and less error-prone.</a:t>
+            </a:r>
+          </a:p>
+          <a:p>
+            <a:pPr algn="l" rtl="0">
+              <a:lnSpc>
+                <a:spcPts val="1500"/>
+              </a:lnSpc>
+            </a:pPr>
+            <a:br>
+              <a:rPr lang="en-US" dirty="0"/>
+            </a:br>
+            <a:r>
+              <a:rPr lang="en-US" b="0" u="none" strike="noStrike" dirty="0">
+                <a:solidFill>
+                  <a:srgbClr val="000000"/>
+                </a:solidFill>
+                <a:effectLst/>
+                <a:latin typeface="Arial" panose="020B0604020202020204" pitchFamily="34" charset="0"/>
+              </a:rPr>
+              <a:t>Given the trend towards more open, flexible, and integrated tools, the future seems less promising for proprietary languages like Excel's VBA. Python's open-source nature, coupled with AI assistance from tools like Copilot, offers a scalable and future-proof solution. This crossover not only enhances current workflows but also prepares us for future advancements in AI and data science, where Python will likely continue to play a leading role.</a:t>
+            </a:r>
+          </a:p>
+          <a:p>
+            <a:pPr algn="l" rtl="0">
+              <a:lnSpc>
+                <a:spcPts val="1500"/>
+              </a:lnSpc>
+            </a:pPr>
+            <a:br>
+              <a:rPr lang="en-US" dirty="0"/>
+            </a:br>
+            <a:r>
+              <a:rPr lang="en-US" b="0" u="none" strike="noStrike" dirty="0">
+                <a:solidFill>
+                  <a:srgbClr val="000000"/>
+                </a:solidFill>
+                <a:effectLst/>
+                <a:latin typeface="Arial" panose="020B0604020202020204" pitchFamily="34" charset="0"/>
+              </a:rPr>
+              <a:t>In summary, the combination of Python's simplicity, Copilot's AI-driven assistance, and Excel's widespread use creates a dynamic ecosystem. It addresses Excel's weaknesses while capitalizing on Python's strengths, making this trio a formidable force in data-driven environments.</a:t>
+            </a:r>
+          </a:p>
+          <a:p>
+            <a:endParaRPr lang="en-US" dirty="0"/>
+          </a:p>
+        </p:txBody>
+      </p:sp>
+      <p:sp>
+        <p:nvSpPr>
+          <p:cNvPr id="4" name="Slide Number Placeholder 3"/>
+          <p:cNvSpPr>
+            <a:spLocks noGrp="1"/>
+          </p:cNvSpPr>
+          <p:nvPr>
+            <p:ph type="sldNum" sz="quarter" idx="5"/>
+          </p:nvPr>
+        </p:nvSpPr>
+        <p:spPr/>
+        <p:txBody>
+          <a:bodyPr/>
+          <a:lstStyle/>
+          <a:p>
+            <a:fld id="{FFB500C5-13F7-48FC-8160-C29AECF6C602}" type="slidenum">
+              <a:rPr lang="en-US" smtClean="0"/>
+              <a:t>25</a:t>
+            </a:fld>
+            <a:endParaRPr lang="en-US"/>
+          </a:p>
+        </p:txBody>
+      </p:sp>
+    </p:spTree>
+    <p:extLst>
+      <p:ext uri="{BB962C8B-B14F-4D97-AF65-F5344CB8AC3E}">
+        <p14:creationId xmlns:p14="http://schemas.microsoft.com/office/powerpoint/2010/main" val="2469045808"/>
+      </p:ext>
+    </p:extLst>
+  </p:cSld>
+  <p:clrMapOvr>
+    <a:masterClrMapping/>
+  </p:clrMapOvr>
+</p:notes>
+</file>
+
+<file path=ppt/notesSlides/notesSlide2.xml><?xml version="1.0" encoding="utf-8"?>
+<p:notes xmlns:a="http://schemas.openxmlformats.org/drawingml/2006/main" xmlns:r="http://schemas.openxmlformats.org/officeDocument/2006/relationships" xmlns:p="http://schemas.openxmlformats.org/presentationml/2006/main">
+  <p:cSld>
+    <p:spTree>
+      <p:nvGrpSpPr>
+        <p:cNvPr id="1" name="">
+          <a:extLst>
+            <a:ext uri="{FF2B5EF4-FFF2-40B4-BE49-F238E27FC236}">
+              <a16:creationId xmlns:a16="http://schemas.microsoft.com/office/drawing/2014/main" id="{CFBEE56D-9F07-2C97-FB09-1261DC4313A3}"/>
+            </a:ext>
+          </a:extLst>
+        </p:cNvPr>
+        <p:cNvGrpSpPr/>
+        <p:nvPr/>
+      </p:nvGrpSpPr>
+      <p:grpSpPr>
+        <a:xfrm>
+          <a:off x="0" y="0"/>
+          <a:ext cx="0" cy="0"/>
+          <a:chOff x="0" y="0"/>
+          <a:chExt cx="0" cy="0"/>
+        </a:xfrm>
+      </p:grpSpPr>
+      <p:sp>
+        <p:nvSpPr>
+          <p:cNvPr id="2" name="Slide Image Placeholder 1">
+            <a:extLst>
+              <a:ext uri="{FF2B5EF4-FFF2-40B4-BE49-F238E27FC236}">
+                <a16:creationId xmlns:a16="http://schemas.microsoft.com/office/drawing/2014/main" id="{8B5EF0E8-0A46-5B4D-D99F-2A8DBEFC2117}"/>
+              </a:ext>
+            </a:extLst>
+          </p:cNvPr>
+          <p:cNvSpPr>
+            <a:spLocks noGrp="1" noRot="1" noChangeAspect="1"/>
+          </p:cNvSpPr>
+          <p:nvPr>
+            <p:ph type="sldImg"/>
+          </p:nvPr>
+        </p:nvSpPr>
+        <p:spPr/>
+      </p:sp>
+      <p:sp>
+        <p:nvSpPr>
+          <p:cNvPr id="3" name="Notes Placeholder 2">
+            <a:extLst>
+              <a:ext uri="{FF2B5EF4-FFF2-40B4-BE49-F238E27FC236}">
+                <a16:creationId xmlns:a16="http://schemas.microsoft.com/office/drawing/2014/main" id="{E81327C7-1735-B7C1-D8F5-F2D50E586073}"/>
+              </a:ext>
+            </a:extLst>
+          </p:cNvPr>
+          <p:cNvSpPr>
+            <a:spLocks noGrp="1"/>
+          </p:cNvSpPr>
+          <p:nvPr>
+            <p:ph type="body" idx="1"/>
+          </p:nvPr>
+        </p:nvSpPr>
+        <p:spPr/>
+        <p:txBody>
+          <a:bodyPr/>
+          <a:lstStyle/>
+          <a:p>
+            <a:r>
+              <a:rPr lang="en-US" b="0" i="0" dirty="0">
+                <a:solidFill>
+                  <a:srgbClr val="1D9BF0"/>
+                </a:solidFill>
+                <a:effectLst/>
+                <a:latin typeface="TwitterChirp"/>
+              </a:rPr>
+              <a:t>Google Trends since beginning of 2022 through end of 2024</a:t>
+            </a:r>
+          </a:p>
+          <a:p>
+            <a:r>
+              <a:rPr lang="en-US" b="0" i="0" dirty="0">
+                <a:solidFill>
+                  <a:srgbClr val="1D9BF0"/>
+                </a:solidFill>
+                <a:effectLst/>
+                <a:latin typeface="TwitterChirp"/>
+              </a:rPr>
+              <a:t>https://trends.google.com/trends/explore/TIMESERIES/1738242600?hl=en-US&amp;tz=300&amp;date=2022-01-01+2024-12-31&amp;hl=en&amp;q=python+excel,copilot+excel&amp;sni=3</a:t>
+            </a:r>
+            <a:r>
+              <a:rPr lang="en-US" b="0" i="0" dirty="0">
+                <a:solidFill>
+                  <a:srgbClr val="0F1419"/>
+                </a:solidFill>
+                <a:effectLst/>
+                <a:latin typeface="TwitterChirp"/>
+              </a:rPr>
+              <a:t> </a:t>
+            </a:r>
+          </a:p>
+          <a:p>
+            <a:endParaRPr lang="en-US" sz="1200" b="0" i="0" dirty="0">
+              <a:solidFill>
+                <a:srgbClr val="0F1419"/>
+              </a:solidFill>
+              <a:effectLst/>
+              <a:latin typeface="TwitterChirp"/>
+            </a:endParaRPr>
+          </a:p>
+          <a:p>
+            <a:r>
+              <a:rPr lang="en-US" sz="1200" b="0" i="0" dirty="0">
+                <a:solidFill>
+                  <a:srgbClr val="0F1419"/>
+                </a:solidFill>
+                <a:effectLst/>
+                <a:latin typeface="TwitterChirp"/>
+              </a:rPr>
+              <a:t>Date sources</a:t>
+            </a:r>
+          </a:p>
+          <a:p>
+            <a:r>
+              <a:rPr lang="en-US" sz="1200" b="0" i="0" dirty="0">
+                <a:solidFill>
+                  <a:srgbClr val="0F1419"/>
+                </a:solidFill>
+                <a:effectLst/>
+                <a:latin typeface="TwitterChirp"/>
+              </a:rPr>
+              <a:t>Python in Excel: https://techcommunity.microsoft.com/blog/excelblog/announcing-python-in-excel-combining-the-power-of-python-and-the-flexibility-of-/3893439/replies/3906074</a:t>
+            </a:r>
+          </a:p>
+          <a:p>
+            <a:r>
+              <a:rPr lang="en-US" sz="1200" dirty="0"/>
+              <a:t>Copilot: https://www.microsoft.com/en-us/microsoft-365/blog/2024/09/16/microsoft-365-copilot-wave-2-pages-python-in-excel-and-agents/</a:t>
+            </a:r>
+            <a:endParaRPr lang="en-US" sz="1200" b="0" i="0" dirty="0">
+              <a:solidFill>
+                <a:srgbClr val="0F1419"/>
+              </a:solidFill>
+              <a:effectLst/>
+              <a:latin typeface="TwitterChirp"/>
+            </a:endParaRPr>
+          </a:p>
+          <a:p>
+            <a:endParaRPr lang="en-US" sz="1200" dirty="0"/>
+          </a:p>
+        </p:txBody>
+      </p:sp>
+      <p:sp>
+        <p:nvSpPr>
+          <p:cNvPr id="4" name="Slide Number Placeholder 3">
+            <a:extLst>
+              <a:ext uri="{FF2B5EF4-FFF2-40B4-BE49-F238E27FC236}">
+                <a16:creationId xmlns:a16="http://schemas.microsoft.com/office/drawing/2014/main" id="{2BB854A2-D544-8B70-F126-16379C5C205F}"/>
+              </a:ext>
+            </a:extLst>
+          </p:cNvPr>
+          <p:cNvSpPr>
+            <a:spLocks noGrp="1"/>
+          </p:cNvSpPr>
+          <p:nvPr>
+            <p:ph type="sldNum" sz="quarter" idx="5"/>
+          </p:nvPr>
+        </p:nvSpPr>
+        <p:spPr/>
+        <p:txBody>
+          <a:bodyPr/>
+          <a:lstStyle/>
+          <a:p>
+            <a:fld id="{FFB500C5-13F7-48FC-8160-C29AECF6C602}" type="slidenum">
+              <a:rPr lang="en-US" smtClean="0"/>
+              <a:t>5</a:t>
+            </a:fld>
+            <a:endParaRPr lang="en-US"/>
+          </a:p>
+        </p:txBody>
+      </p:sp>
+    </p:spTree>
+    <p:extLst>
+      <p:ext uri="{BB962C8B-B14F-4D97-AF65-F5344CB8AC3E}">
+        <p14:creationId xmlns:p14="http://schemas.microsoft.com/office/powerpoint/2010/main" val="2749568745"/>
+      </p:ext>
+    </p:extLst>
+  </p:cSld>
+  <p:clrMapOvr>
+    <a:masterClrMapping/>
+  </p:clrMapOvr>
+</p:notes>
+</file>
+
+<file path=ppt/notesSlides/notesSlide20.xml><?xml version="1.0" encoding="utf-8"?>
+<p:notes xmlns:a="http://schemas.openxmlformats.org/drawingml/2006/main" xmlns:r="http://schemas.openxmlformats.org/officeDocument/2006/relationships" xmlns:p="http://schemas.openxmlformats.org/presentationml/2006/main">
+  <p:cSld>
+    <p:spTree>
+      <p:nvGrpSpPr>
+        <p:cNvPr id="1" name=""/>
+        <p:cNvGrpSpPr/>
+        <p:nvPr/>
+      </p:nvGrpSpPr>
+      <p:grpSpPr>
+        <a:xfrm>
+          <a:off x="0" y="0"/>
+          <a:ext cx="0" cy="0"/>
+          <a:chOff x="0" y="0"/>
+          <a:chExt cx="0" cy="0"/>
+        </a:xfrm>
+      </p:grpSpPr>
+      <p:sp>
+        <p:nvSpPr>
+          <p:cNvPr id="2" name="Slide Image Placeholder 1"/>
+          <p:cNvSpPr>
+            <a:spLocks noGrp="1" noRot="1" noChangeAspect="1"/>
+          </p:cNvSpPr>
+          <p:nvPr>
+            <p:ph type="sldImg"/>
+          </p:nvPr>
+        </p:nvSpPr>
+        <p:spPr/>
+      </p:sp>
+      <p:sp>
+        <p:nvSpPr>
+          <p:cNvPr id="3" name="Notes Placeholder 2"/>
+          <p:cNvSpPr>
+            <a:spLocks noGrp="1"/>
+          </p:cNvSpPr>
+          <p:nvPr>
+            <p:ph type="body" idx="1"/>
+          </p:nvPr>
+        </p:nvSpPr>
+        <p:spPr/>
+        <p:txBody>
+          <a:bodyPr/>
+          <a:lstStyle/>
+          <a:p>
+            <a:r>
+              <a:rPr lang="en-US" b="0" i="0" dirty="0">
+                <a:solidFill>
+                  <a:srgbClr val="000000"/>
+                </a:solidFill>
+                <a:effectLst/>
+                <a:latin typeface="Arial" panose="020B0604020202020204" pitchFamily="34" charset="0"/>
+              </a:rPr>
+              <a:t>In our discussion today about the future of Excel, we've focused on the integration of Python for backend data analysis, advanced charting, and machine learning, which offers powerful data manipulation capabilities through libraries like pandas and extensive visualization options with libraries like matplotlib and seaborn. </a:t>
+            </a:r>
+          </a:p>
+          <a:p>
+            <a:endParaRPr lang="en-US" b="0" i="0" dirty="0">
+              <a:solidFill>
+                <a:srgbClr val="000000"/>
+              </a:solidFill>
+              <a:effectLst/>
+              <a:latin typeface="Arial" panose="020B0604020202020204" pitchFamily="34" charset="0"/>
+            </a:endParaRPr>
+          </a:p>
+          <a:p>
+            <a:r>
+              <a:rPr lang="en-US" b="0" i="0" dirty="0">
+                <a:solidFill>
+                  <a:srgbClr val="000000"/>
+                </a:solidFill>
+                <a:effectLst/>
+                <a:latin typeface="Arial" panose="020B0604020202020204" pitchFamily="34" charset="0"/>
+              </a:rPr>
+              <a:t>Excel itself continues to shine with its frontend formatting, usability, and interactive dashboards, providing a user-friendly interface that's well-suited for widespread usage, formatting, and presentation. </a:t>
+            </a:r>
+          </a:p>
+          <a:p>
+            <a:endParaRPr lang="en-US" b="0" i="0" dirty="0">
+              <a:solidFill>
+                <a:srgbClr val="000000"/>
+              </a:solidFill>
+              <a:effectLst/>
+              <a:latin typeface="Arial" panose="020B0604020202020204" pitchFamily="34" charset="0"/>
+            </a:endParaRPr>
+          </a:p>
+          <a:p>
+            <a:r>
+              <a:rPr lang="en-US" b="0" i="0" dirty="0">
+                <a:solidFill>
+                  <a:srgbClr val="000000"/>
+                </a:solidFill>
+                <a:effectLst/>
+                <a:latin typeface="Arial" panose="020B0604020202020204" pitchFamily="34" charset="0"/>
+              </a:rPr>
+              <a:t>Now, although we haven't delved into JavaScript today, it's important to note that JavaScript, along with TypeScript, shares similar advantages to Python but in the realm of building applications, add-ins, and more for Excel. JavaScript and TypeScript enable additional add-ins, enhance interactivity, and facilitate web integration, allowing for the building and integration of more complex functionalities. This expands Excel's capabilities into web and app development, making it a versatile tool not just for data analysis but also for creating sophisticated user experiences within Excel's ecosystem. </a:t>
+            </a:r>
+          </a:p>
+          <a:p>
+            <a:endParaRPr lang="en-US" b="0" i="0" dirty="0">
+              <a:solidFill>
+                <a:srgbClr val="000000"/>
+              </a:solidFill>
+              <a:effectLst/>
+              <a:latin typeface="Arial" panose="020B0604020202020204" pitchFamily="34" charset="0"/>
+            </a:endParaRPr>
+          </a:p>
+          <a:p>
+            <a:r>
+              <a:rPr lang="en-US" b="0" i="0" dirty="0">
+                <a:solidFill>
+                  <a:srgbClr val="000000"/>
+                </a:solidFill>
+                <a:effectLst/>
+                <a:latin typeface="Arial" panose="020B0604020202020204" pitchFamily="34" charset="0"/>
+              </a:rPr>
+              <a:t>This synergy between Python, Excel, and JavaScript/TypeScript paints a promising picture for Excel's future, where it can evolve into a more comprehensive platform for both data professionals and developers.</a:t>
+            </a:r>
+            <a:endParaRPr lang="en-US" dirty="0"/>
+          </a:p>
+        </p:txBody>
+      </p:sp>
+      <p:sp>
+        <p:nvSpPr>
+          <p:cNvPr id="4" name="Slide Number Placeholder 3"/>
+          <p:cNvSpPr>
+            <a:spLocks noGrp="1"/>
+          </p:cNvSpPr>
+          <p:nvPr>
+            <p:ph type="sldNum" sz="quarter" idx="5"/>
+          </p:nvPr>
+        </p:nvSpPr>
+        <p:spPr/>
+        <p:txBody>
+          <a:bodyPr/>
+          <a:lstStyle/>
+          <a:p>
+            <a:fld id="{FFB500C5-13F7-48FC-8160-C29AECF6C602}" type="slidenum">
+              <a:rPr lang="en-US" smtClean="0"/>
+              <a:t>29</a:t>
+            </a:fld>
+            <a:endParaRPr lang="en-US"/>
+          </a:p>
+        </p:txBody>
+      </p:sp>
+    </p:spTree>
+    <p:extLst>
+      <p:ext uri="{BB962C8B-B14F-4D97-AF65-F5344CB8AC3E}">
+        <p14:creationId xmlns:p14="http://schemas.microsoft.com/office/powerpoint/2010/main" val="857960786"/>
+      </p:ext>
+    </p:extLst>
+  </p:cSld>
+  <p:clrMapOvr>
+    <a:masterClrMapping/>
+  </p:clrMapOvr>
+</p:notes>
+</file>
+
+<file path=ppt/notesSlides/notesSlide21.xml><?xml version="1.0" encoding="utf-8"?>
+<p:notes xmlns:a="http://schemas.openxmlformats.org/drawingml/2006/main" xmlns:r="http://schemas.openxmlformats.org/officeDocument/2006/relationships" xmlns:p="http://schemas.openxmlformats.org/presentationml/2006/main">
+  <p:cSld>
+    <p:spTree>
+      <p:nvGrpSpPr>
+        <p:cNvPr id="1" name=""/>
+        <p:cNvGrpSpPr/>
+        <p:nvPr/>
+      </p:nvGrpSpPr>
+      <p:grpSpPr>
+        <a:xfrm>
+          <a:off x="0" y="0"/>
+          <a:ext cx="0" cy="0"/>
+          <a:chOff x="0" y="0"/>
+          <a:chExt cx="0" cy="0"/>
+        </a:xfrm>
+      </p:grpSpPr>
+      <p:sp>
+        <p:nvSpPr>
+          <p:cNvPr id="2" name="Slide Image Placeholder 1"/>
+          <p:cNvSpPr>
+            <a:spLocks noGrp="1" noRot="1" noChangeAspect="1"/>
+          </p:cNvSpPr>
+          <p:nvPr>
+            <p:ph type="sldImg"/>
+          </p:nvPr>
+        </p:nvSpPr>
+        <p:spPr/>
+      </p:sp>
+      <p:sp>
+        <p:nvSpPr>
+          <p:cNvPr id="3" name="Notes Placeholder 2"/>
+          <p:cNvSpPr>
+            <a:spLocks noGrp="1"/>
+          </p:cNvSpPr>
+          <p:nvPr>
+            <p:ph type="body" idx="1"/>
+          </p:nvPr>
+        </p:nvSpPr>
+        <p:spPr/>
+        <p:txBody>
+          <a:bodyPr/>
+          <a:lstStyle/>
+          <a:p>
+            <a:pPr algn="l" rtl="0">
+              <a:lnSpc>
+                <a:spcPts val="1500"/>
+              </a:lnSpc>
+            </a:pPr>
+            <a:br>
+              <a:rPr lang="en-US" b="0" u="none" strike="noStrike" dirty="0">
+                <a:solidFill>
+                  <a:srgbClr val="000000"/>
+                </a:solidFill>
+                <a:effectLst/>
+                <a:latin typeface="Arial" panose="020B0604020202020204" pitchFamily="34" charset="0"/>
+              </a:rPr>
+            </a:br>
+            <a:r>
+              <a:rPr lang="en-US" b="0" u="none" strike="noStrike" dirty="0">
+                <a:solidFill>
+                  <a:srgbClr val="000000"/>
+                </a:solidFill>
+                <a:effectLst/>
+                <a:latin typeface="Arial" panose="020B0604020202020204" pitchFamily="34" charset="0"/>
+              </a:rPr>
+              <a:t>Good afternoon, everyone. Today, we're exploring how Excel has become a powerful tool for transforming everyday professionals into citizen data analysts, scientists, and engineers, especially in the era of AI. Despite concerns about AI potentially rendering Excel skills obsolete, the reality is quite the opposite. Excel, with AI integration, serves as a gateway to advanced analytics, automated workflows, and machine learning, making it more relevant than ever.</a:t>
+            </a:r>
+          </a:p>
+          <a:p>
+            <a:pPr algn="l" rtl="0">
+              <a:lnSpc>
+                <a:spcPts val="1500"/>
+              </a:lnSpc>
+            </a:pPr>
+            <a:br>
+              <a:rPr lang="en-US" dirty="0"/>
+            </a:br>
+            <a:r>
+              <a:rPr lang="en-US" b="0" u="none" strike="noStrike" dirty="0">
+                <a:solidFill>
+                  <a:srgbClr val="000000"/>
+                </a:solidFill>
+                <a:effectLst/>
+                <a:latin typeface="Arial" panose="020B0604020202020204" pitchFamily="34" charset="0"/>
+              </a:rPr>
+              <a:t>First, let's define what a "citizen" data professional is. These are individuals who, without formal data roles, leverage Excel to build analytical models, automate processes, and even engage in predictive modeling from their own PCs. This democratization of data work allows them to bypass traditional IT bottlenecks, enhancing their productivity and agility.</a:t>
+            </a:r>
+          </a:p>
+          <a:p>
+            <a:pPr algn="l" rtl="0">
+              <a:lnSpc>
+                <a:spcPts val="1500"/>
+              </a:lnSpc>
+            </a:pPr>
+            <a:br>
+              <a:rPr lang="en-US" dirty="0"/>
+            </a:br>
+            <a:r>
+              <a:rPr lang="en-US" b="0" u="none" strike="noStrike" dirty="0">
+                <a:solidFill>
+                  <a:srgbClr val="000000"/>
+                </a:solidFill>
+                <a:effectLst/>
+                <a:latin typeface="Arial" panose="020B0604020202020204" pitchFamily="34" charset="0"/>
+              </a:rPr>
+              <a:t>For </a:t>
+            </a:r>
+            <a:r>
+              <a:rPr lang="en-US" b="1" u="none" strike="noStrike" dirty="0">
+                <a:solidFill>
+                  <a:srgbClr val="000000"/>
+                </a:solidFill>
+                <a:effectLst/>
+                <a:latin typeface="Arial" panose="020B0604020202020204" pitchFamily="34" charset="0"/>
+              </a:rPr>
+              <a:t>citizen data analysts</a:t>
+            </a:r>
+            <a:r>
+              <a:rPr lang="en-US" b="0" u="none" strike="noStrike" dirty="0">
+                <a:solidFill>
+                  <a:srgbClr val="000000"/>
+                </a:solidFill>
+                <a:effectLst/>
+                <a:latin typeface="Arial" panose="020B0604020202020204" pitchFamily="34" charset="0"/>
+              </a:rPr>
+              <a:t>, Excel has become a BI powerhouse through tools like Power Query, which automates data transformation from various sources, and Power Pivot, which enables complex data modeling and dynamic dashboard creation. Imagine receiving multiple CSV files each month; with Power Query, you can clean and transform these files effortlessly, then use Power Pivot to model the data, creating relationships and measures that power your interactive reports. This means decisions can be made instantly, without waiting for IT support or expensive BI tools.</a:t>
+            </a:r>
+          </a:p>
+          <a:p>
+            <a:pPr algn="l" rtl="0">
+              <a:lnSpc>
+                <a:spcPts val="1500"/>
+              </a:lnSpc>
+            </a:pPr>
+            <a:br>
+              <a:rPr lang="en-US" dirty="0"/>
+            </a:br>
+            <a:r>
+              <a:rPr lang="en-US" b="0" u="none" strike="noStrike" dirty="0">
+                <a:solidFill>
+                  <a:srgbClr val="000000"/>
+                </a:solidFill>
+                <a:effectLst/>
+                <a:latin typeface="Arial" panose="020B0604020202020204" pitchFamily="34" charset="0"/>
+              </a:rPr>
+              <a:t>Moving to </a:t>
+            </a:r>
+            <a:r>
+              <a:rPr lang="en-US" b="1" u="none" strike="noStrike" dirty="0">
+                <a:solidFill>
+                  <a:srgbClr val="000000"/>
+                </a:solidFill>
+                <a:effectLst/>
+                <a:latin typeface="Arial" panose="020B0604020202020204" pitchFamily="34" charset="0"/>
+              </a:rPr>
+              <a:t>citizen data scientists</a:t>
+            </a:r>
+            <a:r>
+              <a:rPr lang="en-US" b="0" u="none" strike="noStrike" dirty="0">
+                <a:solidFill>
+                  <a:srgbClr val="000000"/>
+                </a:solidFill>
+                <a:effectLst/>
+                <a:latin typeface="Arial" panose="020B0604020202020204" pitchFamily="34" charset="0"/>
+              </a:rPr>
+              <a:t>, Excel's integration with Python, facilitated by tools like LAMBDA(), transforms it into a robust platform for data science. Users can now perform tasks like setting random seeds, exploring statistical distributions, and splitting data for machine learning within Excel. This integration allows for advanced visualizations beyond Excel's native capabilities, making data analysis more intuitive. LAMBDA() further enhances this by allowing the creation of custom, complex formulas, essentially making Excel Turing complete for advanced calculations.</a:t>
+            </a:r>
+          </a:p>
+          <a:p>
+            <a:pPr algn="l" rtl="0">
+              <a:lnSpc>
+                <a:spcPts val="1500"/>
+              </a:lnSpc>
+            </a:pPr>
+            <a:br>
+              <a:rPr lang="en-US" dirty="0"/>
+            </a:br>
+            <a:r>
+              <a:rPr lang="en-US" b="0" u="none" strike="noStrike" dirty="0">
+                <a:solidFill>
+                  <a:srgbClr val="000000"/>
+                </a:solidFill>
+                <a:effectLst/>
+                <a:latin typeface="Arial" panose="020B0604020202020204" pitchFamily="34" charset="0"/>
+              </a:rPr>
+              <a:t>Finally, for </a:t>
+            </a:r>
+            <a:r>
+              <a:rPr lang="en-US" b="1" u="none" strike="noStrike" dirty="0">
+                <a:solidFill>
+                  <a:srgbClr val="000000"/>
+                </a:solidFill>
+                <a:effectLst/>
+                <a:latin typeface="Arial" panose="020B0604020202020204" pitchFamily="34" charset="0"/>
+              </a:rPr>
+              <a:t>citizen data engineers</a:t>
+            </a:r>
+            <a:r>
+              <a:rPr lang="en-US" b="0" u="none" strike="noStrike" dirty="0">
+                <a:solidFill>
+                  <a:srgbClr val="000000"/>
+                </a:solidFill>
+                <a:effectLst/>
+                <a:latin typeface="Arial" panose="020B0604020202020204" pitchFamily="34" charset="0"/>
+              </a:rPr>
+              <a:t>, Excel's capabilities are expanded through Power Automate and Office Scripts. Power Automate connects Excel with various workflows, automating data pipelines and ensuring data flows where it's needed, when it's needed. Office Scripts, a modern alternative to VBA, automates repetitive tasks like data formatting and report generation. For instance, a workflow might involve Power Automate detecting new CSV files in a SharePoint folder, appending them to an Excel workbook, with an Office Script then standardizing the data and updating dashboards, all without manual intervention.</a:t>
+            </a:r>
+          </a:p>
+          <a:p>
+            <a:pPr algn="l" rtl="0">
+              <a:lnSpc>
+                <a:spcPts val="1500"/>
+              </a:lnSpc>
+            </a:pPr>
+            <a:br>
+              <a:rPr lang="en-US" dirty="0"/>
+            </a:br>
+            <a:r>
+              <a:rPr lang="en-US" b="0" u="none" strike="noStrike" dirty="0">
+                <a:solidFill>
+                  <a:srgbClr val="000000"/>
+                </a:solidFill>
+                <a:effectLst/>
+                <a:latin typeface="Arial" panose="020B0604020202020204" pitchFamily="34" charset="0"/>
+              </a:rPr>
+              <a:t>The bridge that ties all these roles together is </a:t>
+            </a:r>
+            <a:r>
+              <a:rPr lang="en-US" b="1" u="none" strike="noStrike" dirty="0">
+                <a:solidFill>
+                  <a:srgbClr val="000000"/>
+                </a:solidFill>
+                <a:effectLst/>
+                <a:latin typeface="Arial" panose="020B0604020202020204" pitchFamily="34" charset="0"/>
+              </a:rPr>
+              <a:t>AI</a:t>
+            </a:r>
+            <a:r>
+              <a:rPr lang="en-US" b="0" u="none" strike="noStrike" dirty="0">
+                <a:solidFill>
+                  <a:srgbClr val="000000"/>
+                </a:solidFill>
+                <a:effectLst/>
+                <a:latin typeface="Arial" panose="020B0604020202020204" pitchFamily="34" charset="0"/>
+              </a:rPr>
+              <a:t>, particularly through Microsoft’s Copilot. For analysts, Copilot can construct complex PivotTables or dashboards from natural language commands, streamlining data interpretation. Data scientists can use Copilot for real-time Python code assistance within Excel, from model training to debugging. For engineers, Copilot simplifies setting up data workflows, making sophisticated automation accessible through simple descriptions.</a:t>
+            </a:r>
+          </a:p>
+          <a:p>
+            <a:pPr algn="l" rtl="0">
+              <a:lnSpc>
+                <a:spcPts val="1500"/>
+              </a:lnSpc>
+            </a:pPr>
+            <a:br>
+              <a:rPr lang="en-US" dirty="0"/>
+            </a:br>
+            <a:r>
+              <a:rPr lang="en-US" b="0" u="none" strike="noStrike" dirty="0">
+                <a:solidFill>
+                  <a:srgbClr val="000000"/>
+                </a:solidFill>
+                <a:effectLst/>
+                <a:latin typeface="Arial" panose="020B0604020202020204" pitchFamily="34" charset="0"/>
+              </a:rPr>
+              <a:t>In summary, Excel, powered by AI, enables a wide range of professionals to engage in data roles traditionally requiring specialized skills. This not only boosts productivity but also fosters a data-driven culture across organizations. As we conclude, I encourage you to think about which of these roles excites you the most, how AI integration can enhance your workflow, and what new skills you're eager to develop with Excel's evolving capabilities. Please share your thoughts and questions below.</a:t>
+            </a:r>
+          </a:p>
+          <a:p>
+            <a:pPr algn="l" rtl="0">
+              <a:lnSpc>
+                <a:spcPts val="1500"/>
+              </a:lnSpc>
+            </a:pPr>
+            <a:endParaRPr lang="en-US" b="0" u="none" strike="noStrike" dirty="0">
+              <a:solidFill>
+                <a:srgbClr val="000000"/>
+              </a:solidFill>
+              <a:effectLst/>
+              <a:latin typeface="Arial" panose="020B0604020202020204" pitchFamily="34" charset="0"/>
+            </a:endParaRPr>
+          </a:p>
+          <a:p>
+            <a:pPr algn="l" rtl="0">
+              <a:lnSpc>
+                <a:spcPts val="1500"/>
+              </a:lnSpc>
+            </a:pPr>
+            <a:endParaRPr lang="en-US" b="0" u="none" strike="noStrike" dirty="0">
+              <a:solidFill>
+                <a:srgbClr val="000000"/>
+              </a:solidFill>
+              <a:effectLst/>
+              <a:latin typeface="Arial" panose="020B0604020202020204" pitchFamily="34" charset="0"/>
+            </a:endParaRPr>
+          </a:p>
+          <a:p>
+            <a:pPr algn="l" rtl="0">
+              <a:lnSpc>
+                <a:spcPts val="1500"/>
+              </a:lnSpc>
+            </a:pPr>
+            <a:r>
+              <a:rPr lang="en-US" b="0" u="none" strike="noStrike" dirty="0">
+                <a:solidFill>
+                  <a:srgbClr val="000000"/>
+                </a:solidFill>
+                <a:effectLst/>
+                <a:latin typeface="Arial" panose="020B0604020202020204" pitchFamily="34" charset="0"/>
+              </a:rPr>
+              <a:t>https://gist.github.com/summerofgeorge/c8fff44d39519c56daf31a6176005034#file-citizen-da-ds-de-md</a:t>
+            </a:r>
+          </a:p>
+          <a:p>
+            <a:endParaRPr lang="en-US" dirty="0"/>
+          </a:p>
+        </p:txBody>
+      </p:sp>
+      <p:sp>
+        <p:nvSpPr>
+          <p:cNvPr id="4" name="Slide Number Placeholder 3"/>
+          <p:cNvSpPr>
+            <a:spLocks noGrp="1"/>
+          </p:cNvSpPr>
+          <p:nvPr>
+            <p:ph type="sldNum" sz="quarter" idx="5"/>
+          </p:nvPr>
+        </p:nvSpPr>
+        <p:spPr/>
+        <p:txBody>
+          <a:bodyPr/>
+          <a:lstStyle/>
+          <a:p>
+            <a:fld id="{FFB500C5-13F7-48FC-8160-C29AECF6C602}" type="slidenum">
+              <a:rPr lang="en-US" smtClean="0"/>
+              <a:t>30</a:t>
+            </a:fld>
+            <a:endParaRPr lang="en-US"/>
+          </a:p>
+        </p:txBody>
+      </p:sp>
+    </p:spTree>
+    <p:extLst>
+      <p:ext uri="{BB962C8B-B14F-4D97-AF65-F5344CB8AC3E}">
+        <p14:creationId xmlns:p14="http://schemas.microsoft.com/office/powerpoint/2010/main" val="2016499028"/>
+      </p:ext>
+    </p:extLst>
+  </p:cSld>
+  <p:clrMapOvr>
+    <a:masterClrMapping/>
+  </p:clrMapOvr>
+</p:notes>
+</file>
+
+<file path=ppt/notesSlides/notesSlide3.xml><?xml version="1.0" encoding="utf-8"?>
+<p:notes xmlns:a="http://schemas.openxmlformats.org/drawingml/2006/main" xmlns:r="http://schemas.openxmlformats.org/officeDocument/2006/relationships" xmlns:p="http://schemas.openxmlformats.org/presentationml/2006/main">
+  <p:cSld>
+    <p:spTree>
+      <p:nvGrpSpPr>
+        <p:cNvPr id="1" name="">
+          <a:extLst>
+            <a:ext uri="{FF2B5EF4-FFF2-40B4-BE49-F238E27FC236}">
+              <a16:creationId xmlns:a16="http://schemas.microsoft.com/office/drawing/2014/main" id="{5E61782F-E789-FD67-66AA-208C18823DD8}"/>
+            </a:ext>
+          </a:extLst>
+        </p:cNvPr>
+        <p:cNvGrpSpPr/>
+        <p:nvPr/>
+      </p:nvGrpSpPr>
+      <p:grpSpPr>
+        <a:xfrm>
+          <a:off x="0" y="0"/>
+          <a:ext cx="0" cy="0"/>
+          <a:chOff x="0" y="0"/>
+          <a:chExt cx="0" cy="0"/>
+        </a:xfrm>
+      </p:grpSpPr>
+      <p:sp>
+        <p:nvSpPr>
+          <p:cNvPr id="2" name="Slide Image Placeholder 1">
+            <a:extLst>
+              <a:ext uri="{FF2B5EF4-FFF2-40B4-BE49-F238E27FC236}">
+                <a16:creationId xmlns:a16="http://schemas.microsoft.com/office/drawing/2014/main" id="{07945024-7F88-4DFB-E198-AFA2968C8317}"/>
+              </a:ext>
+            </a:extLst>
+          </p:cNvPr>
+          <p:cNvSpPr>
+            <a:spLocks noGrp="1" noRot="1" noChangeAspect="1"/>
+          </p:cNvSpPr>
+          <p:nvPr>
+            <p:ph type="sldImg"/>
+          </p:nvPr>
+        </p:nvSpPr>
+        <p:spPr/>
+      </p:sp>
+      <p:sp>
+        <p:nvSpPr>
+          <p:cNvPr id="3" name="Notes Placeholder 2">
+            <a:extLst>
+              <a:ext uri="{FF2B5EF4-FFF2-40B4-BE49-F238E27FC236}">
+                <a16:creationId xmlns:a16="http://schemas.microsoft.com/office/drawing/2014/main" id="{185206D0-587F-189D-6080-627072CF91E3}"/>
+              </a:ext>
+            </a:extLst>
+          </p:cNvPr>
+          <p:cNvSpPr>
+            <a:spLocks noGrp="1"/>
+          </p:cNvSpPr>
+          <p:nvPr>
+            <p:ph type="body" idx="1"/>
+          </p:nvPr>
+        </p:nvSpPr>
+        <p:spPr/>
+        <p:txBody>
+          <a:bodyPr/>
+          <a:lstStyle/>
+          <a:p>
+            <a:r>
+              <a:rPr lang="en-US" sz="1200" dirty="0"/>
+              <a:t>A lot of hostility, but some interest… </a:t>
+            </a:r>
+          </a:p>
+        </p:txBody>
+      </p:sp>
+      <p:sp>
+        <p:nvSpPr>
+          <p:cNvPr id="4" name="Slide Number Placeholder 3">
+            <a:extLst>
+              <a:ext uri="{FF2B5EF4-FFF2-40B4-BE49-F238E27FC236}">
+                <a16:creationId xmlns:a16="http://schemas.microsoft.com/office/drawing/2014/main" id="{FF83B263-179A-2D8A-629B-E25FB52F65DB}"/>
+              </a:ext>
+            </a:extLst>
+          </p:cNvPr>
+          <p:cNvSpPr>
+            <a:spLocks noGrp="1"/>
+          </p:cNvSpPr>
+          <p:nvPr>
+            <p:ph type="sldNum" sz="quarter" idx="5"/>
+          </p:nvPr>
+        </p:nvSpPr>
+        <p:spPr/>
+        <p:txBody>
+          <a:bodyPr/>
+          <a:lstStyle/>
+          <a:p>
+            <a:fld id="{FFB500C5-13F7-48FC-8160-C29AECF6C602}" type="slidenum">
+              <a:rPr lang="en-US" smtClean="0"/>
+              <a:t>6</a:t>
+            </a:fld>
+            <a:endParaRPr lang="en-US"/>
+          </a:p>
+        </p:txBody>
+      </p:sp>
+    </p:spTree>
+    <p:extLst>
+      <p:ext uri="{BB962C8B-B14F-4D97-AF65-F5344CB8AC3E}">
+        <p14:creationId xmlns:p14="http://schemas.microsoft.com/office/powerpoint/2010/main" val="3908729631"/>
       </p:ext>
     </p:extLst>
   </p:cSld>
@@ -1641,8 +2946,97 @@
           <a:p>
             <a:r>
               <a:rPr lang="en-US" sz="1200" dirty="0"/>
-              <a:t>Was it AI? I don’t know. Most people hated Copilot in Excel </a:t>
-            </a:r>
+              <a:t>Was it AI that made people lose even more interest? I don’t know. Most people hated Copilot in Excel BUT there was a prevailing narrative that AI meant you didn’t need to learn how to code anymore. But again , did I mention that people REALLY hated Copilot?!</a:t>
+            </a:r>
+          </a:p>
+          <a:p>
+            <a:endParaRPr lang="en-US" sz="1200" dirty="0"/>
+          </a:p>
+          <a:p>
+            <a:r>
+              <a:rPr lang="en-US" b="0" i="0" dirty="0">
+                <a:solidFill>
+                  <a:srgbClr val="1D9BF0"/>
+                </a:solidFill>
+                <a:effectLst/>
+                <a:latin typeface="TwitterChirp"/>
+              </a:rPr>
+              <a:t>Google Trends since beginning of 2022 through end of 2024</a:t>
+            </a:r>
+          </a:p>
+          <a:p>
+            <a:r>
+              <a:rPr lang="en-US" b="0" i="0" dirty="0">
+                <a:solidFill>
+                  <a:srgbClr val="1D9BF0"/>
+                </a:solidFill>
+                <a:effectLst/>
+                <a:latin typeface="TwitterChirp"/>
+              </a:rPr>
+              <a:t>https://trends.google.com/trends/explore/TIMESERIES/1738242600?hl=en-US&amp;tz=300&amp;date=2022-01-01+2024-12-31&amp;hl=en&amp;q=python+excel,copilot+excel&amp;sni=3</a:t>
+            </a:r>
+            <a:r>
+              <a:rPr lang="en-US" b="0" i="0" dirty="0">
+                <a:solidFill>
+                  <a:srgbClr val="0F1419"/>
+                </a:solidFill>
+                <a:effectLst/>
+                <a:latin typeface="TwitterChirp"/>
+              </a:rPr>
+              <a:t> </a:t>
+            </a:r>
+          </a:p>
+          <a:p>
+            <a:endParaRPr lang="en-US" sz="1200" b="0" i="0" dirty="0">
+              <a:solidFill>
+                <a:srgbClr val="0F1419"/>
+              </a:solidFill>
+              <a:effectLst/>
+              <a:latin typeface="TwitterChirp"/>
+            </a:endParaRPr>
+          </a:p>
+          <a:p>
+            <a:r>
+              <a:rPr lang="en-US" sz="1200" b="0" i="0" dirty="0">
+                <a:solidFill>
+                  <a:srgbClr val="0F1419"/>
+                </a:solidFill>
+                <a:effectLst/>
+                <a:latin typeface="TwitterChirp"/>
+              </a:rPr>
+              <a:t>Date sources</a:t>
+            </a:r>
+          </a:p>
+          <a:p>
+            <a:r>
+              <a:rPr lang="en-US" sz="1200" b="0" i="0" dirty="0">
+                <a:solidFill>
+                  <a:srgbClr val="0F1419"/>
+                </a:solidFill>
+                <a:effectLst/>
+                <a:latin typeface="TwitterChirp"/>
+              </a:rPr>
+              <a:t>Python in Excel: https://techcommunity.microsoft.com/blog/excelblog/announcing-python-in-excel-combining-the-power-of-python-and-the-flexibility-of-/3893439/replies/3906074</a:t>
+            </a:r>
+          </a:p>
+          <a:p>
+            <a:r>
+              <a:rPr lang="en-US" sz="1200" dirty="0"/>
+              <a:t>Copilot: https://www.microsoft.com/en-us/microsoft-365/blog/2024/09/16/microsoft-365-copilot-wave-2-pages-python-in-excel-and-agents/</a:t>
+            </a:r>
+            <a:endParaRPr lang="en-US" sz="1200" b="0" i="0" dirty="0">
+              <a:solidFill>
+                <a:srgbClr val="0F1419"/>
+              </a:solidFill>
+              <a:effectLst/>
+              <a:latin typeface="TwitterChirp"/>
+            </a:endParaRPr>
+          </a:p>
+          <a:p>
+            <a:endParaRPr lang="en-US" sz="1200" dirty="0"/>
+          </a:p>
+          <a:p>
+            <a:endParaRPr lang="en-US" sz="1200" dirty="0"/>
           </a:p>
         </p:txBody>
       </p:sp>
@@ -1807,228 +3201,6 @@
         <p:cNvPr id="1" name="">
           <a:extLst>
             <a:ext uri="{FF2B5EF4-FFF2-40B4-BE49-F238E27FC236}">
-              <a16:creationId xmlns:a16="http://schemas.microsoft.com/office/drawing/2014/main" id="{31B50553-01DF-6603-C71C-6763C69F12CF}"/>
-            </a:ext>
-          </a:extLst>
-        </p:cNvPr>
-        <p:cNvGrpSpPr/>
-        <p:nvPr/>
-      </p:nvGrpSpPr>
-      <p:grpSpPr>
-        <a:xfrm>
-          <a:off x="0" y="0"/>
-          <a:ext cx="0" cy="0"/>
-          <a:chOff x="0" y="0"/>
-          <a:chExt cx="0" cy="0"/>
-        </a:xfrm>
-      </p:grpSpPr>
-      <p:sp>
-        <p:nvSpPr>
-          <p:cNvPr id="2" name="Slide Image Placeholder 1">
-            <a:extLst>
-              <a:ext uri="{FF2B5EF4-FFF2-40B4-BE49-F238E27FC236}">
-                <a16:creationId xmlns:a16="http://schemas.microsoft.com/office/drawing/2014/main" id="{30CDEF0F-C78E-B7DE-A27A-E63201464A34}"/>
-              </a:ext>
-            </a:extLst>
-          </p:cNvPr>
-          <p:cNvSpPr>
-            <a:spLocks noGrp="1" noRot="1" noChangeAspect="1"/>
-          </p:cNvSpPr>
-          <p:nvPr>
-            <p:ph type="sldImg"/>
-          </p:nvPr>
-        </p:nvSpPr>
-        <p:spPr/>
-      </p:sp>
-      <p:sp>
-        <p:nvSpPr>
-          <p:cNvPr id="3" name="Notes Placeholder 2">
-            <a:extLst>
-              <a:ext uri="{FF2B5EF4-FFF2-40B4-BE49-F238E27FC236}">
-                <a16:creationId xmlns:a16="http://schemas.microsoft.com/office/drawing/2014/main" id="{FC3EF3B0-ABEE-7591-CF4F-69DE9BDA5779}"/>
-              </a:ext>
-            </a:extLst>
-          </p:cNvPr>
-          <p:cNvSpPr>
-            <a:spLocks noGrp="1"/>
-          </p:cNvSpPr>
-          <p:nvPr>
-            <p:ph type="body" idx="1"/>
-          </p:nvPr>
-        </p:nvSpPr>
-        <p:spPr/>
-        <p:txBody>
-          <a:bodyPr/>
-          <a:lstStyle/>
-          <a:p>
-            <a:r>
-              <a:rPr lang="en-US" sz="1200" dirty="0"/>
-              <a:t>So Copilot is slowly growing in interest</a:t>
-            </a:r>
-          </a:p>
-        </p:txBody>
-      </p:sp>
-      <p:sp>
-        <p:nvSpPr>
-          <p:cNvPr id="4" name="Slide Number Placeholder 3">
-            <a:extLst>
-              <a:ext uri="{FF2B5EF4-FFF2-40B4-BE49-F238E27FC236}">
-                <a16:creationId xmlns:a16="http://schemas.microsoft.com/office/drawing/2014/main" id="{7F12B534-4385-DC2A-43F8-AE7ADBDAF196}"/>
-              </a:ext>
-            </a:extLst>
-          </p:cNvPr>
-          <p:cNvSpPr>
-            <a:spLocks noGrp="1"/>
-          </p:cNvSpPr>
-          <p:nvPr>
-            <p:ph type="sldNum" sz="quarter" idx="5"/>
-          </p:nvPr>
-        </p:nvSpPr>
-        <p:spPr/>
-        <p:txBody>
-          <a:bodyPr/>
-          <a:lstStyle/>
-          <a:p>
-            <a:fld id="{FFB500C5-13F7-48FC-8160-C29AECF6C602}" type="slidenum">
-              <a:rPr lang="en-US" smtClean="0"/>
-              <a:t>9</a:t>
-            </a:fld>
-            <a:endParaRPr lang="en-US"/>
-          </a:p>
-        </p:txBody>
-      </p:sp>
-    </p:spTree>
-    <p:extLst>
-      <p:ext uri="{BB962C8B-B14F-4D97-AF65-F5344CB8AC3E}">
-        <p14:creationId xmlns:p14="http://schemas.microsoft.com/office/powerpoint/2010/main" val="4200641320"/>
-      </p:ext>
-    </p:extLst>
-  </p:cSld>
-  <p:clrMapOvr>
-    <a:masterClrMapping/>
-  </p:clrMapOvr>
-</p:notes>
-</file>
-
-<file path=ppt/notesSlides/notesSlide7.xml><?xml version="1.0" encoding="utf-8"?>
-<p:notes xmlns:a="http://schemas.openxmlformats.org/drawingml/2006/main" xmlns:r="http://schemas.openxmlformats.org/officeDocument/2006/relationships" xmlns:p="http://schemas.openxmlformats.org/presentationml/2006/main">
-  <p:cSld>
-    <p:spTree>
-      <p:nvGrpSpPr>
-        <p:cNvPr id="1" name="">
-          <a:extLst>
-            <a:ext uri="{FF2B5EF4-FFF2-40B4-BE49-F238E27FC236}">
-              <a16:creationId xmlns:a16="http://schemas.microsoft.com/office/drawing/2014/main" id="{26FD1329-B53D-B527-77B1-E7FE0A8EF827}"/>
-            </a:ext>
-          </a:extLst>
-        </p:cNvPr>
-        <p:cNvGrpSpPr/>
-        <p:nvPr/>
-      </p:nvGrpSpPr>
-      <p:grpSpPr>
-        <a:xfrm>
-          <a:off x="0" y="0"/>
-          <a:ext cx="0" cy="0"/>
-          <a:chOff x="0" y="0"/>
-          <a:chExt cx="0" cy="0"/>
-        </a:xfrm>
-      </p:grpSpPr>
-      <p:sp>
-        <p:nvSpPr>
-          <p:cNvPr id="2" name="Slide Image Placeholder 1">
-            <a:extLst>
-              <a:ext uri="{FF2B5EF4-FFF2-40B4-BE49-F238E27FC236}">
-                <a16:creationId xmlns:a16="http://schemas.microsoft.com/office/drawing/2014/main" id="{CDE82CC2-E04D-E180-C96B-636027D28D74}"/>
-              </a:ext>
-            </a:extLst>
-          </p:cNvPr>
-          <p:cNvSpPr>
-            <a:spLocks noGrp="1" noRot="1" noChangeAspect="1"/>
-          </p:cNvSpPr>
-          <p:nvPr>
-            <p:ph type="sldImg"/>
-          </p:nvPr>
-        </p:nvSpPr>
-        <p:spPr/>
-      </p:sp>
-      <p:sp>
-        <p:nvSpPr>
-          <p:cNvPr id="3" name="Notes Placeholder 2">
-            <a:extLst>
-              <a:ext uri="{FF2B5EF4-FFF2-40B4-BE49-F238E27FC236}">
-                <a16:creationId xmlns:a16="http://schemas.microsoft.com/office/drawing/2014/main" id="{8124481D-2901-7ABF-4A56-E1D6FBDEC716}"/>
-              </a:ext>
-            </a:extLst>
-          </p:cNvPr>
-          <p:cNvSpPr>
-            <a:spLocks noGrp="1"/>
-          </p:cNvSpPr>
-          <p:nvPr>
-            <p:ph type="body" idx="1"/>
-          </p:nvPr>
-        </p:nvSpPr>
-        <p:spPr/>
-        <p:txBody>
-          <a:bodyPr/>
-          <a:lstStyle/>
-          <a:p>
-            <a:r>
-              <a:rPr lang="en-US" sz="1200" dirty="0"/>
-              <a:t>So Copilot is slowly growing in interest</a:t>
-            </a:r>
-          </a:p>
-        </p:txBody>
-      </p:sp>
-      <p:sp>
-        <p:nvSpPr>
-          <p:cNvPr id="4" name="Slide Number Placeholder 3">
-            <a:extLst>
-              <a:ext uri="{FF2B5EF4-FFF2-40B4-BE49-F238E27FC236}">
-                <a16:creationId xmlns:a16="http://schemas.microsoft.com/office/drawing/2014/main" id="{405C8E6C-9A8D-AFE6-CDC9-C6CA84CA59F7}"/>
-              </a:ext>
-            </a:extLst>
-          </p:cNvPr>
-          <p:cNvSpPr>
-            <a:spLocks noGrp="1"/>
-          </p:cNvSpPr>
-          <p:nvPr>
-            <p:ph type="sldNum" sz="quarter" idx="5"/>
-          </p:nvPr>
-        </p:nvSpPr>
-        <p:spPr/>
-        <p:txBody>
-          <a:bodyPr/>
-          <a:lstStyle/>
-          <a:p>
-            <a:fld id="{FFB500C5-13F7-48FC-8160-C29AECF6C602}" type="slidenum">
-              <a:rPr lang="en-US" smtClean="0"/>
-              <a:t>10</a:t>
-            </a:fld>
-            <a:endParaRPr lang="en-US"/>
-          </a:p>
-        </p:txBody>
-      </p:sp>
-    </p:spTree>
-    <p:extLst>
-      <p:ext uri="{BB962C8B-B14F-4D97-AF65-F5344CB8AC3E}">
-        <p14:creationId xmlns:p14="http://schemas.microsoft.com/office/powerpoint/2010/main" val="314935284"/>
-      </p:ext>
-    </p:extLst>
-  </p:cSld>
-  <p:clrMapOvr>
-    <a:masterClrMapping/>
-  </p:clrMapOvr>
-</p:notes>
-</file>
-
-<file path=ppt/notesSlides/notesSlide8.xml><?xml version="1.0" encoding="utf-8"?>
-<p:notes xmlns:a="http://schemas.openxmlformats.org/drawingml/2006/main" xmlns:r="http://schemas.openxmlformats.org/officeDocument/2006/relationships" xmlns:p="http://schemas.openxmlformats.org/presentationml/2006/main">
-  <p:cSld>
-    <p:spTree>
-      <p:nvGrpSpPr>
-        <p:cNvPr id="1" name="">
-          <a:extLst>
-            <a:ext uri="{FF2B5EF4-FFF2-40B4-BE49-F238E27FC236}">
               <a16:creationId xmlns:a16="http://schemas.microsoft.com/office/drawing/2014/main" id="{96809ADF-BA39-B6EE-ACDA-68EA88A7A5F6}"/>
             </a:ext>
           </a:extLst>
@@ -2084,9 +3256,86 @@
           <a:lstStyle/>
           <a:p>
             <a:r>
+              <a:rPr lang="en-US" b="0" i="0" dirty="0">
+                <a:solidFill>
+                  <a:srgbClr val="1D9BF0"/>
+                </a:solidFill>
+                <a:effectLst/>
+                <a:latin typeface="TwitterChirp"/>
+              </a:rPr>
+              <a:t>Google Trends since beginning of 2022 through end of 2024</a:t>
+            </a:r>
+          </a:p>
+          <a:p>
+            <a:r>
+              <a:rPr lang="en-US" b="0" i="0" dirty="0">
+                <a:solidFill>
+                  <a:srgbClr val="1D9BF0"/>
+                </a:solidFill>
+                <a:effectLst/>
+                <a:latin typeface="TwitterChirp"/>
+              </a:rPr>
+              <a:t>https://trends.google.com/trends/explore/TIMESERIES/1738242600?hl=en-US&amp;tz=300&amp;date=2022-01-01+2024-12-31&amp;hl=en&amp;q=python+excel,copilot+excel&amp;sni=3</a:t>
+            </a:r>
+            <a:r>
+              <a:rPr lang="en-US" b="0" i="0" dirty="0">
+                <a:solidFill>
+                  <a:srgbClr val="0F1419"/>
+                </a:solidFill>
+                <a:effectLst/>
+                <a:latin typeface="TwitterChirp"/>
+              </a:rPr>
+              <a:t> </a:t>
+            </a:r>
+          </a:p>
+          <a:p>
+            <a:endParaRPr lang="en-US" sz="1200" b="0" i="0" dirty="0">
+              <a:solidFill>
+                <a:srgbClr val="0F1419"/>
+              </a:solidFill>
+              <a:effectLst/>
+              <a:latin typeface="TwitterChirp"/>
+            </a:endParaRPr>
+          </a:p>
+          <a:p>
+            <a:r>
+              <a:rPr lang="en-US" sz="1200" b="0" i="0" dirty="0">
+                <a:solidFill>
+                  <a:srgbClr val="0F1419"/>
+                </a:solidFill>
+                <a:effectLst/>
+                <a:latin typeface="TwitterChirp"/>
+              </a:rPr>
+              <a:t>Date sources</a:t>
+            </a:r>
+          </a:p>
+          <a:p>
+            <a:r>
+              <a:rPr lang="en-US" sz="1200" b="0" i="0" dirty="0">
+                <a:solidFill>
+                  <a:srgbClr val="0F1419"/>
+                </a:solidFill>
+                <a:effectLst/>
+                <a:latin typeface="TwitterChirp"/>
+              </a:rPr>
+              <a:t>Python in Excel: https://techcommunity.microsoft.com/blog/excelblog/announcing-python-in-excel-combining-the-power-of-python-and-the-flexibility-of-/3893439/replies/3906074</a:t>
+            </a:r>
+          </a:p>
+          <a:p>
+            <a:r>
               <a:rPr lang="en-US" sz="1200" dirty="0"/>
-              <a:t>So Copilot is slowly growing in interest</a:t>
-            </a:r>
+              <a:t>Copilot: https://www.microsoft.com/en-us/microsoft-365/blog/2024/09/16/microsoft-365-copilot-wave-2-pages-python-in-excel-and-agents/</a:t>
+            </a:r>
+            <a:endParaRPr lang="en-US" sz="1200" b="0" i="0" dirty="0">
+              <a:solidFill>
+                <a:srgbClr val="0F1419"/>
+              </a:solidFill>
+              <a:effectLst/>
+              <a:latin typeface="TwitterChirp"/>
+            </a:endParaRPr>
+          </a:p>
+          <a:p>
+            <a:endParaRPr lang="en-US" sz="1200" dirty="0"/>
           </a:p>
         </p:txBody>
       </p:sp>
@@ -2113,7 +3362,7 @@
           <a:p>
             <a:fld id="{FFB500C5-13F7-48FC-8160-C29AECF6C602}" type="slidenum">
               <a:rPr lang="en-US" smtClean="0"/>
-              <a:t>11</a:t>
+              <a:t>9</a:t>
             </a:fld>
             <a:endParaRPr lang="en-US"/>
           </a:p>
@@ -2123,6 +3372,329 @@
     <p:extLst>
       <p:ext uri="{BB962C8B-B14F-4D97-AF65-F5344CB8AC3E}">
         <p14:creationId xmlns:p14="http://schemas.microsoft.com/office/powerpoint/2010/main" val="4039744354"/>
+      </p:ext>
+    </p:extLst>
+  </p:cSld>
+  <p:clrMapOvr>
+    <a:masterClrMapping/>
+  </p:clrMapOvr>
+</p:notes>
+</file>
+
+<file path=ppt/notesSlides/notesSlide7.xml><?xml version="1.0" encoding="utf-8"?>
+<p:notes xmlns:a="http://schemas.openxmlformats.org/drawingml/2006/main" xmlns:r="http://schemas.openxmlformats.org/officeDocument/2006/relationships" xmlns:p="http://schemas.openxmlformats.org/presentationml/2006/main">
+  <p:cSld>
+    <p:spTree>
+      <p:nvGrpSpPr>
+        <p:cNvPr id="1" name=""/>
+        <p:cNvGrpSpPr/>
+        <p:nvPr/>
+      </p:nvGrpSpPr>
+      <p:grpSpPr>
+        <a:xfrm>
+          <a:off x="0" y="0"/>
+          <a:ext cx="0" cy="0"/>
+          <a:chOff x="0" y="0"/>
+          <a:chExt cx="0" cy="0"/>
+        </a:xfrm>
+      </p:grpSpPr>
+      <p:sp>
+        <p:nvSpPr>
+          <p:cNvPr id="2" name="Slide Image Placeholder 1"/>
+          <p:cNvSpPr>
+            <a:spLocks noGrp="1" noRot="1" noChangeAspect="1"/>
+          </p:cNvSpPr>
+          <p:nvPr>
+            <p:ph type="sldImg"/>
+          </p:nvPr>
+        </p:nvSpPr>
+        <p:spPr/>
+      </p:sp>
+      <p:sp>
+        <p:nvSpPr>
+          <p:cNvPr id="3" name="Notes Placeholder 2"/>
+          <p:cNvSpPr>
+            <a:spLocks noGrp="1"/>
+          </p:cNvSpPr>
+          <p:nvPr>
+            <p:ph type="body" idx="1"/>
+          </p:nvPr>
+        </p:nvSpPr>
+        <p:spPr/>
+        <p:txBody>
+          <a:bodyPr/>
+          <a:lstStyle/>
+          <a:p>
+            <a:endParaRPr lang="en-US" dirty="0"/>
+          </a:p>
+        </p:txBody>
+      </p:sp>
+      <p:sp>
+        <p:nvSpPr>
+          <p:cNvPr id="4" name="Slide Number Placeholder 3"/>
+          <p:cNvSpPr>
+            <a:spLocks noGrp="1"/>
+          </p:cNvSpPr>
+          <p:nvPr>
+            <p:ph type="sldNum" sz="quarter" idx="5"/>
+          </p:nvPr>
+        </p:nvSpPr>
+        <p:spPr/>
+        <p:txBody>
+          <a:bodyPr/>
+          <a:lstStyle/>
+          <a:p>
+            <a:fld id="{FFB500C5-13F7-48FC-8160-C29AECF6C602}" type="slidenum">
+              <a:rPr lang="en-US" smtClean="0"/>
+              <a:t>10</a:t>
+            </a:fld>
+            <a:endParaRPr lang="en-US"/>
+          </a:p>
+        </p:txBody>
+      </p:sp>
+    </p:spTree>
+    <p:extLst>
+      <p:ext uri="{BB962C8B-B14F-4D97-AF65-F5344CB8AC3E}">
+        <p14:creationId xmlns:p14="http://schemas.microsoft.com/office/powerpoint/2010/main" val="981337392"/>
+      </p:ext>
+    </p:extLst>
+  </p:cSld>
+  <p:clrMapOvr>
+    <a:masterClrMapping/>
+  </p:clrMapOvr>
+</p:notes>
+</file>
+
+<file path=ppt/notesSlides/notesSlide8.xml><?xml version="1.0" encoding="utf-8"?>
+<p:notes xmlns:a="http://schemas.openxmlformats.org/drawingml/2006/main" xmlns:r="http://schemas.openxmlformats.org/officeDocument/2006/relationships" xmlns:p="http://schemas.openxmlformats.org/presentationml/2006/main">
+  <p:cSld>
+    <p:spTree>
+      <p:nvGrpSpPr>
+        <p:cNvPr id="1" name=""/>
+        <p:cNvGrpSpPr/>
+        <p:nvPr/>
+      </p:nvGrpSpPr>
+      <p:grpSpPr>
+        <a:xfrm>
+          <a:off x="0" y="0"/>
+          <a:ext cx="0" cy="0"/>
+          <a:chOff x="0" y="0"/>
+          <a:chExt cx="0" cy="0"/>
+        </a:xfrm>
+      </p:grpSpPr>
+      <p:sp>
+        <p:nvSpPr>
+          <p:cNvPr id="2" name="Slide Image Placeholder 1"/>
+          <p:cNvSpPr>
+            <a:spLocks noGrp="1" noRot="1" noChangeAspect="1"/>
+          </p:cNvSpPr>
+          <p:nvPr>
+            <p:ph type="sldImg"/>
+          </p:nvPr>
+        </p:nvSpPr>
+        <p:spPr/>
+      </p:sp>
+      <p:sp>
+        <p:nvSpPr>
+          <p:cNvPr id="3" name="Notes Placeholder 2"/>
+          <p:cNvSpPr>
+            <a:spLocks noGrp="1"/>
+          </p:cNvSpPr>
+          <p:nvPr>
+            <p:ph type="body" idx="1"/>
+          </p:nvPr>
+        </p:nvSpPr>
+        <p:spPr/>
+        <p:txBody>
+          <a:bodyPr/>
+          <a:lstStyle/>
+          <a:p>
+            <a:r>
+              <a:rPr lang="en-US" dirty="0"/>
+              <a:t>https://stringfestanalytics.com/the-end-of-dax-and-m-how-ai-and-python-are-transforming-excel/</a:t>
+            </a:r>
+          </a:p>
+          <a:p>
+            <a:endParaRPr lang="en-US" dirty="0"/>
+          </a:p>
+          <a:p>
+            <a:pPr algn="l" rtl="0">
+              <a:lnSpc>
+                <a:spcPts val="1500"/>
+              </a:lnSpc>
+            </a:pPr>
+            <a:br>
+              <a:rPr lang="en-US" b="0" u="none" strike="noStrike" dirty="0">
+                <a:solidFill>
+                  <a:srgbClr val="000000"/>
+                </a:solidFill>
+                <a:effectLst/>
+                <a:latin typeface="Arial" panose="020B0604020202020204" pitchFamily="34" charset="0"/>
+              </a:rPr>
+            </a:br>
+            <a:r>
+              <a:rPr lang="en-US" b="0" u="none" strike="noStrike" dirty="0">
+                <a:solidFill>
+                  <a:srgbClr val="000000"/>
+                </a:solidFill>
+                <a:effectLst/>
+                <a:latin typeface="Arial" panose="020B0604020202020204" pitchFamily="34" charset="0"/>
+              </a:rPr>
+              <a:t>To get started, I want to discuss why the combination of Python, Copilot, and Excel creates such a powerful synergy in data analysis and automation. Python is renowned for its simplicity and readability, making it an excellent 'glue' language. Unlike Excel's complex architecture, Python offers a smooth, snag-free experience for developers. Its syntax is clean and intuitive, which reduces errors and makes code maintenance easier. This simplicity is crucial when integrating different tools and workflows.</a:t>
+            </a:r>
+          </a:p>
+          <a:p>
+            <a:pPr algn="l" rtl="0">
+              <a:lnSpc>
+                <a:spcPts val="1500"/>
+              </a:lnSpc>
+            </a:pPr>
+            <a:br>
+              <a:rPr lang="en-US" dirty="0"/>
+            </a:br>
+            <a:r>
+              <a:rPr lang="en-US" b="0" u="none" strike="noStrike" dirty="0">
+                <a:solidFill>
+                  <a:srgbClr val="000000"/>
+                </a:solidFill>
+                <a:effectLst/>
+                <a:latin typeface="Arial" panose="020B0604020202020204" pitchFamily="34" charset="0"/>
+              </a:rPr>
+              <a:t>Copilot excels at working with Python code because of Python's extensive and well-documented codebase. This vast repository provides a rich learning ground for Copilot's machine learning model. As an AI pair programmer, Copilot leverages this knowledge to suggest code completions, write entire functions, and even help debug Python scripts in real-time, enhancing productivity significantly.</a:t>
+            </a:r>
+          </a:p>
+          <a:p>
+            <a:pPr algn="l" rtl="0">
+              <a:lnSpc>
+                <a:spcPts val="1500"/>
+              </a:lnSpc>
+            </a:pPr>
+            <a:br>
+              <a:rPr lang="en-US" dirty="0"/>
+            </a:br>
+            <a:r>
+              <a:rPr lang="en-US" b="0" u="none" strike="noStrike" dirty="0">
+                <a:solidFill>
+                  <a:srgbClr val="000000"/>
+                </a:solidFill>
+                <a:effectLst/>
+                <a:latin typeface="Arial" panose="020B0604020202020204" pitchFamily="34" charset="0"/>
+              </a:rPr>
+              <a:t>Excel, while powerful, has been the subject of many jokes regarding its data integrity issues. The humor in the slide points out Excel's tendency to misinterpret data, like turning dates into numbers or mixing up different data types. Additionally, Excel's architecture with separate components like Power Query for data transformation, Power Pivot for data modeling, and VBA for automation, creates silos which can be challenging to integrate seamlessly.</a:t>
+            </a:r>
+          </a:p>
+          <a:p>
+            <a:pPr algn="l" rtl="0">
+              <a:lnSpc>
+                <a:spcPts val="1500"/>
+              </a:lnSpc>
+            </a:pPr>
+            <a:br>
+              <a:rPr lang="en-US" dirty="0"/>
+            </a:br>
+            <a:r>
+              <a:rPr lang="en-US" b="0" u="none" strike="noStrike" dirty="0">
+                <a:solidFill>
+                  <a:srgbClr val="000000"/>
+                </a:solidFill>
+                <a:effectLst/>
+                <a:latin typeface="Arial" panose="020B0604020202020204" pitchFamily="34" charset="0"/>
+              </a:rPr>
+              <a:t>Integrating Python with Excel through tools like Python's </a:t>
+            </a:r>
+            <a:r>
+              <a:rPr lang="en-US" sz="1800" b="0" u="none" strike="noStrike" dirty="0">
+                <a:solidFill>
+                  <a:srgbClr val="000000"/>
+                </a:solidFill>
+                <a:effectLst/>
+                <a:latin typeface="Courier New" panose="02070309020205020404" pitchFamily="49" charset="0"/>
+              </a:rPr>
+              <a:t>pandas</a:t>
+            </a:r>
+            <a:r>
+              <a:rPr lang="en-US" b="0" u="none" strike="noStrike" dirty="0">
+                <a:solidFill>
+                  <a:srgbClr val="000000"/>
+                </a:solidFill>
+                <a:effectLst/>
+                <a:latin typeface="Arial" panose="020B0604020202020204" pitchFamily="34" charset="0"/>
+              </a:rPr>
+              <a:t> library or Excel's Python add-ins allows us to leverage Excel's user-friendly interface while overcoming its limitations with Python's robust data handling capabilities. Copilot acts as the bridge, providing intelligent coding assistance in Python, which can then interact with Excel data, making data manipulation, analysis, and visualization more efficient and less error-prone.</a:t>
+            </a:r>
+          </a:p>
+          <a:p>
+            <a:pPr algn="l" rtl="0">
+              <a:lnSpc>
+                <a:spcPts val="1500"/>
+              </a:lnSpc>
+            </a:pPr>
+            <a:br>
+              <a:rPr lang="en-US" dirty="0"/>
+            </a:br>
+            <a:r>
+              <a:rPr lang="en-US" b="0" u="none" strike="noStrike" dirty="0">
+                <a:solidFill>
+                  <a:srgbClr val="000000"/>
+                </a:solidFill>
+                <a:effectLst/>
+                <a:latin typeface="Arial" panose="020B0604020202020204" pitchFamily="34" charset="0"/>
+              </a:rPr>
+              <a:t>Given the trend towards more open, flexible, and integrated tools, the future seems less promising for proprietary languages like Excel's VBA. Python's open-source nature, coupled with AI assistance from tools like Copilot, offers a scalable and future-proof solution. This crossover not only enhances current workflows but also prepares us for future advancements in AI and data science, where Python will likely continue to play a leading role.</a:t>
+            </a:r>
+          </a:p>
+          <a:p>
+            <a:pPr algn="l" rtl="0">
+              <a:lnSpc>
+                <a:spcPts val="1500"/>
+              </a:lnSpc>
+            </a:pPr>
+            <a:br>
+              <a:rPr lang="en-US" dirty="0"/>
+            </a:br>
+            <a:r>
+              <a:rPr lang="en-US" b="0" u="none" strike="noStrike" dirty="0">
+                <a:solidFill>
+                  <a:srgbClr val="000000"/>
+                </a:solidFill>
+                <a:effectLst/>
+                <a:latin typeface="Arial" panose="020B0604020202020204" pitchFamily="34" charset="0"/>
+              </a:rPr>
+              <a:t>In summary, the combination of Python's simplicity, Copilot's AI-driven assistance, and Excel's widespread use creates a dynamic ecosystem. It addresses Excel's weaknesses while capitalizing on Python's strengths, making this trio a formidable force in data-driven environments.</a:t>
+            </a:r>
+          </a:p>
+          <a:p>
+            <a:endParaRPr lang="en-US" dirty="0"/>
+          </a:p>
+        </p:txBody>
+      </p:sp>
+      <p:sp>
+        <p:nvSpPr>
+          <p:cNvPr id="4" name="Slide Number Placeholder 3"/>
+          <p:cNvSpPr>
+            <a:spLocks noGrp="1"/>
+          </p:cNvSpPr>
+          <p:nvPr>
+            <p:ph type="sldNum" sz="quarter" idx="5"/>
+          </p:nvPr>
+        </p:nvSpPr>
+        <p:spPr/>
+        <p:txBody>
+          <a:bodyPr/>
+          <a:lstStyle/>
+          <a:p>
+            <a:fld id="{FFB500C5-13F7-48FC-8160-C29AECF6C602}" type="slidenum">
+              <a:rPr lang="en-US" smtClean="0"/>
+              <a:t>11</a:t>
+            </a:fld>
+            <a:endParaRPr lang="en-US"/>
+          </a:p>
+        </p:txBody>
+      </p:sp>
+    </p:spTree>
+    <p:extLst>
+      <p:ext uri="{BB962C8B-B14F-4D97-AF65-F5344CB8AC3E}">
+        <p14:creationId xmlns:p14="http://schemas.microsoft.com/office/powerpoint/2010/main" val="2469045808"/>
       </p:ext>
     </p:extLst>
   </p:cSld>
@@ -2176,6 +3748,79 @@
           <a:bodyPr/>
           <a:lstStyle/>
           <a:p>
+            <a:r>
+              <a:rPr lang="en-US" b="0" i="0" dirty="0">
+                <a:solidFill>
+                  <a:srgbClr val="000000"/>
+                </a:solidFill>
+                <a:effectLst/>
+                <a:latin typeface="Arial" panose="020B0604020202020204" pitchFamily="34" charset="0"/>
+              </a:rPr>
+              <a:t>In our discussion today about the future of Excel, we've focused on the integration of Python for backend data analysis, advanced charting, and machine learning, which offers powerful data manipulation capabilities through libraries like pandas and extensive visualization options with libraries like matplotlib and seaborn. </a:t>
+            </a:r>
+          </a:p>
+          <a:p>
+            <a:endParaRPr lang="en-US" b="0" i="0" dirty="0">
+              <a:solidFill>
+                <a:srgbClr val="000000"/>
+              </a:solidFill>
+              <a:effectLst/>
+              <a:latin typeface="Arial" panose="020B0604020202020204" pitchFamily="34" charset="0"/>
+            </a:endParaRPr>
+          </a:p>
+          <a:p>
+            <a:r>
+              <a:rPr lang="en-US" b="0" i="0" dirty="0">
+                <a:solidFill>
+                  <a:srgbClr val="000000"/>
+                </a:solidFill>
+                <a:effectLst/>
+                <a:latin typeface="Arial" panose="020B0604020202020204" pitchFamily="34" charset="0"/>
+              </a:rPr>
+              <a:t>Excel itself continues to shine with its frontend formatting, usability, and interactive dashboards, providing a user-friendly interface that's well-suited for widespread usage, formatting, and presentation. </a:t>
+            </a:r>
+          </a:p>
+          <a:p>
+            <a:endParaRPr lang="en-US" b="0" i="0" dirty="0">
+              <a:solidFill>
+                <a:srgbClr val="000000"/>
+              </a:solidFill>
+              <a:effectLst/>
+              <a:latin typeface="Arial" panose="020B0604020202020204" pitchFamily="34" charset="0"/>
+            </a:endParaRPr>
+          </a:p>
+          <a:p>
+            <a:r>
+              <a:rPr lang="en-US" b="0" i="0" dirty="0">
+                <a:solidFill>
+                  <a:srgbClr val="000000"/>
+                </a:solidFill>
+                <a:effectLst/>
+                <a:latin typeface="Arial" panose="020B0604020202020204" pitchFamily="34" charset="0"/>
+              </a:rPr>
+              <a:t>Now, although we haven't delved into JavaScript today, it's important to note that JavaScript, along with TypeScript, shares similar advantages to Python but in the realm of building applications, add-ins, and more for Excel. JavaScript and TypeScript enable additional add-ins, enhance interactivity, and facilitate web integration, allowing for the building and integration of more complex functionalities. This expands Excel's capabilities into web and app development, making it a versatile tool not just for data analysis but also for creating sophisticated user experiences within Excel's ecosystem. </a:t>
+            </a:r>
+          </a:p>
+          <a:p>
+            <a:endParaRPr lang="en-US" b="0" i="0" dirty="0">
+              <a:solidFill>
+                <a:srgbClr val="000000"/>
+              </a:solidFill>
+              <a:effectLst/>
+              <a:latin typeface="Arial" panose="020B0604020202020204" pitchFamily="34" charset="0"/>
+            </a:endParaRPr>
+          </a:p>
+          <a:p>
+            <a:r>
+              <a:rPr lang="en-US" b="0" i="0" dirty="0">
+                <a:solidFill>
+                  <a:srgbClr val="000000"/>
+                </a:solidFill>
+                <a:effectLst/>
+                <a:latin typeface="Arial" panose="020B0604020202020204" pitchFamily="34" charset="0"/>
+              </a:rPr>
+              <a:t>This synergy between Python, Excel, and JavaScript/TypeScript paints a promising picture for Excel's future, where it can evolve into a more comprehensive platform for both data professionals and developers.</a:t>
+            </a:r>
             <a:endParaRPr lang="en-US" dirty="0"/>
           </a:p>
         </p:txBody>
@@ -2197,7 +3842,7 @@
           <a:p>
             <a:fld id="{FFB500C5-13F7-48FC-8160-C29AECF6C602}" type="slidenum">
               <a:rPr lang="en-US" smtClean="0"/>
-              <a:t>12</a:t>
+              <a:t>15</a:t>
             </a:fld>
             <a:endParaRPr lang="en-US"/>
           </a:p>
@@ -2206,7 +3851,7 @@
     </p:spTree>
     <p:extLst>
       <p:ext uri="{BB962C8B-B14F-4D97-AF65-F5344CB8AC3E}">
-        <p14:creationId xmlns:p14="http://schemas.microsoft.com/office/powerpoint/2010/main" val="981337392"/>
+        <p14:creationId xmlns:p14="http://schemas.microsoft.com/office/powerpoint/2010/main" val="857960786"/>
       </p:ext>
     </p:extLst>
   </p:cSld>
@@ -2396,7 +4041,7 @@
             <a:fld id="{1D8BD707-D9CF-40AE-B4C6-C98DA3205C09}" type="datetimeFigureOut">
               <a:rPr lang="en-US" smtClean="0"/>
               <a:pPr/>
-              <a:t>1/27/2025</a:t>
+              <a:t>1/30/2025</a:t>
             </a:fld>
             <a:endParaRPr lang="en-US"/>
           </a:p>
@@ -2561,7 +4206,7 @@
             <a:fld id="{1D8BD707-D9CF-40AE-B4C6-C98DA3205C09}" type="datetimeFigureOut">
               <a:rPr lang="en-US" smtClean="0"/>
               <a:pPr/>
-              <a:t>1/27/2025</a:t>
+              <a:t>1/30/2025</a:t>
             </a:fld>
             <a:endParaRPr lang="en-US"/>
           </a:p>
@@ -2736,7 +4381,7 @@
             <a:fld id="{1D8BD707-D9CF-40AE-B4C6-C98DA3205C09}" type="datetimeFigureOut">
               <a:rPr lang="en-US" smtClean="0"/>
               <a:pPr/>
-              <a:t>1/27/2025</a:t>
+              <a:t>1/30/2025</a:t>
             </a:fld>
             <a:endParaRPr lang="en-US"/>
           </a:p>
@@ -2901,7 +4546,7 @@
             <a:fld id="{1D8BD707-D9CF-40AE-B4C6-C98DA3205C09}" type="datetimeFigureOut">
               <a:rPr lang="en-US" smtClean="0"/>
               <a:pPr/>
-              <a:t>1/27/2025</a:t>
+              <a:t>1/30/2025</a:t>
             </a:fld>
             <a:endParaRPr lang="en-US"/>
           </a:p>
@@ -3143,7 +4788,7 @@
             <a:fld id="{1D8BD707-D9CF-40AE-B4C6-C98DA3205C09}" type="datetimeFigureOut">
               <a:rPr lang="en-US" smtClean="0"/>
               <a:pPr/>
-              <a:t>1/27/2025</a:t>
+              <a:t>1/30/2025</a:t>
             </a:fld>
             <a:endParaRPr lang="en-US"/>
           </a:p>
@@ -3425,7 +5070,7 @@
             <a:fld id="{1D8BD707-D9CF-40AE-B4C6-C98DA3205C09}" type="datetimeFigureOut">
               <a:rPr lang="en-US" smtClean="0"/>
               <a:pPr/>
-              <a:t>1/27/2025</a:t>
+              <a:t>1/30/2025</a:t>
             </a:fld>
             <a:endParaRPr lang="en-US"/>
           </a:p>
@@ -3841,7 +5486,7 @@
             <a:fld id="{1D8BD707-D9CF-40AE-B4C6-C98DA3205C09}" type="datetimeFigureOut">
               <a:rPr lang="en-US" smtClean="0"/>
               <a:pPr/>
-              <a:t>1/27/2025</a:t>
+              <a:t>1/30/2025</a:t>
             </a:fld>
             <a:endParaRPr lang="en-US"/>
           </a:p>
@@ -3955,7 +5600,7 @@
             <a:fld id="{1D8BD707-D9CF-40AE-B4C6-C98DA3205C09}" type="datetimeFigureOut">
               <a:rPr lang="en-US" smtClean="0"/>
               <a:pPr/>
-              <a:t>1/27/2025</a:t>
+              <a:t>1/30/2025</a:t>
             </a:fld>
             <a:endParaRPr lang="en-US"/>
           </a:p>
@@ -4047,7 +5692,7 @@
             <a:fld id="{1D8BD707-D9CF-40AE-B4C6-C98DA3205C09}" type="datetimeFigureOut">
               <a:rPr lang="en-US" smtClean="0"/>
               <a:pPr/>
-              <a:t>1/27/2025</a:t>
+              <a:t>1/30/2025</a:t>
             </a:fld>
             <a:endParaRPr lang="en-US"/>
           </a:p>
@@ -4319,7 +5964,7 @@
             <a:fld id="{1D8BD707-D9CF-40AE-B4C6-C98DA3205C09}" type="datetimeFigureOut">
               <a:rPr lang="en-US" smtClean="0"/>
               <a:pPr/>
-              <a:t>1/27/2025</a:t>
+              <a:t>1/30/2025</a:t>
             </a:fld>
             <a:endParaRPr lang="en-US"/>
           </a:p>
@@ -4568,7 +6213,7 @@
             <a:fld id="{1D8BD707-D9CF-40AE-B4C6-C98DA3205C09}" type="datetimeFigureOut">
               <a:rPr lang="en-US" smtClean="0"/>
               <a:pPr/>
-              <a:t>1/27/2025</a:t>
+              <a:t>1/30/2025</a:t>
             </a:fld>
             <a:endParaRPr lang="en-US"/>
           </a:p>
@@ -4781,7 +6426,7 @@
             <a:fld id="{1D8BD707-D9CF-40AE-B4C6-C98DA3205C09}" type="datetimeFigureOut">
               <a:rPr lang="en-US" smtClean="0"/>
               <a:pPr/>
-              <a:t>1/27/2025</a:t>
+              <a:t>1/30/2025</a:t>
             </a:fld>
             <a:endParaRPr lang="en-US"/>
           </a:p>
@@ -5369,6 +7014,3690 @@
   <p:cSld>
     <p:spTree>
       <p:nvGrpSpPr>
+        <p:cNvPr id="1" name=""/>
+        <p:cNvGrpSpPr/>
+        <p:nvPr/>
+      </p:nvGrpSpPr>
+      <p:grpSpPr>
+        <a:xfrm>
+          <a:off x="0" y="0"/>
+          <a:ext cx="0" cy="0"/>
+          <a:chOff x="0" y="0"/>
+          <a:chExt cx="0" cy="0"/>
+        </a:xfrm>
+      </p:grpSpPr>
+      <p:sp>
+        <p:nvSpPr>
+          <p:cNvPr id="11" name="TextBox 10"/>
+          <p:cNvSpPr txBox="1"/>
+          <p:nvPr/>
+        </p:nvSpPr>
+        <p:spPr>
+          <a:xfrm>
+            <a:off x="520861" y="170082"/>
+            <a:ext cx="16166939" cy="1107996"/>
+          </a:xfrm>
+          <a:prstGeom prst="rect">
+            <a:avLst/>
+          </a:prstGeom>
+          <a:noFill/>
+        </p:spPr>
+        <p:txBody>
+          <a:bodyPr wrap="square" rtlCol="0">
+            <a:spAutoFit/>
+          </a:bodyPr>
+          <a:lstStyle/>
+          <a:p>
+            <a:r>
+              <a:rPr lang="en-US" sz="6600" dirty="0">
+                <a:latin typeface="Aliens &amp; cows" panose="00000500000000000000" pitchFamily="2" charset="0"/>
+              </a:rPr>
+              <a:t>The most ambitious crossover event in history</a:t>
+            </a:r>
+          </a:p>
+        </p:txBody>
+      </p:sp>
+      <p:pic>
+        <p:nvPicPr>
+          <p:cNvPr id="15" name="Picture 14" descr="A close up of a sign&#10;&#10;Description automatically generated">
+            <a:extLst>
+              <a:ext uri="{FF2B5EF4-FFF2-40B4-BE49-F238E27FC236}">
+                <a16:creationId xmlns:a16="http://schemas.microsoft.com/office/drawing/2014/main" id="{29761B90-A7DE-4A60-A915-F085BD87CAB4}"/>
+              </a:ext>
+            </a:extLst>
+          </p:cNvPr>
+          <p:cNvPicPr>
+            <a:picLocks noChangeAspect="1"/>
+          </p:cNvPicPr>
+          <p:nvPr/>
+        </p:nvPicPr>
+        <p:blipFill>
+          <a:blip r:embed="rId3">
+            <a:extLst>
+              <a:ext uri="{28A0092B-C50C-407E-A947-70E740481C1C}">
+                <a14:useLocalDpi xmlns:a14="http://schemas.microsoft.com/office/drawing/2010/main" val="0"/>
+              </a:ext>
+            </a:extLst>
+          </a:blip>
+          <a:stretch>
+            <a:fillRect/>
+          </a:stretch>
+        </p:blipFill>
+        <p:spPr>
+          <a:xfrm>
+            <a:off x="16341036" y="8058429"/>
+            <a:ext cx="1942857" cy="2228571"/>
+          </a:xfrm>
+          <a:prstGeom prst="rect">
+            <a:avLst/>
+          </a:prstGeom>
+        </p:spPr>
+      </p:pic>
+      <p:pic>
+        <p:nvPicPr>
+          <p:cNvPr id="6" name="Picture 5" descr="A rainbow colored logo on a black background&#10;&#10;Description automatically generated">
+            <a:extLst>
+              <a:ext uri="{FF2B5EF4-FFF2-40B4-BE49-F238E27FC236}">
+                <a16:creationId xmlns:a16="http://schemas.microsoft.com/office/drawing/2014/main" id="{C2866380-30B4-458B-7A21-7BE3C090840D}"/>
+              </a:ext>
+            </a:extLst>
+          </p:cNvPr>
+          <p:cNvPicPr>
+            <a:picLocks noChangeAspect="1"/>
+          </p:cNvPicPr>
+          <p:nvPr/>
+        </p:nvPicPr>
+        <p:blipFill>
+          <a:blip r:embed="rId4" cstate="print">
+            <a:extLst>
+              <a:ext uri="{28A0092B-C50C-407E-A947-70E740481C1C}">
+                <a14:useLocalDpi xmlns:a14="http://schemas.microsoft.com/office/drawing/2010/main" val="0"/>
+              </a:ext>
+            </a:extLst>
+          </a:blip>
+          <a:stretch>
+            <a:fillRect/>
+          </a:stretch>
+        </p:blipFill>
+        <p:spPr>
+          <a:xfrm>
+            <a:off x="12053054" y="2754978"/>
+            <a:ext cx="5948960" cy="5948960"/>
+          </a:xfrm>
+          <a:prstGeom prst="rect">
+            <a:avLst/>
+          </a:prstGeom>
+        </p:spPr>
+      </p:pic>
+      <p:pic>
+        <p:nvPicPr>
+          <p:cNvPr id="8" name="Picture 7" descr="A green square with a white x on it&#10;&#10;Description automatically generated">
+            <a:extLst>
+              <a:ext uri="{FF2B5EF4-FFF2-40B4-BE49-F238E27FC236}">
+                <a16:creationId xmlns:a16="http://schemas.microsoft.com/office/drawing/2014/main" id="{49A2EDE9-1F8F-3D98-5D90-A473AB91A6F6}"/>
+              </a:ext>
+            </a:extLst>
+          </p:cNvPr>
+          <p:cNvPicPr>
+            <a:picLocks noChangeAspect="1"/>
+          </p:cNvPicPr>
+          <p:nvPr/>
+        </p:nvPicPr>
+        <p:blipFill>
+          <a:blip r:embed="rId5" cstate="print">
+            <a:extLst>
+              <a:ext uri="{28A0092B-C50C-407E-A947-70E740481C1C}">
+                <a14:useLocalDpi xmlns:a14="http://schemas.microsoft.com/office/drawing/2010/main" val="0"/>
+              </a:ext>
+            </a:extLst>
+          </a:blip>
+          <a:stretch>
+            <a:fillRect/>
+          </a:stretch>
+        </p:blipFill>
+        <p:spPr>
+          <a:xfrm>
+            <a:off x="5786322" y="2967993"/>
+            <a:ext cx="5932299" cy="5522929"/>
+          </a:xfrm>
+          <a:prstGeom prst="rect">
+            <a:avLst/>
+          </a:prstGeom>
+        </p:spPr>
+      </p:pic>
+      <p:pic>
+        <p:nvPicPr>
+          <p:cNvPr id="10" name="Picture 9" descr="A blue and yellow snake logo&#10;&#10;Description automatically generated">
+            <a:extLst>
+              <a:ext uri="{FF2B5EF4-FFF2-40B4-BE49-F238E27FC236}">
+                <a16:creationId xmlns:a16="http://schemas.microsoft.com/office/drawing/2014/main" id="{8543FE77-32A7-251C-01A1-46ACB62A469C}"/>
+              </a:ext>
+            </a:extLst>
+          </p:cNvPr>
+          <p:cNvPicPr>
+            <a:picLocks noChangeAspect="1"/>
+          </p:cNvPicPr>
+          <p:nvPr/>
+        </p:nvPicPr>
+        <p:blipFill>
+          <a:blip r:embed="rId6">
+            <a:extLst>
+              <a:ext uri="{28A0092B-C50C-407E-A947-70E740481C1C}">
+                <a14:useLocalDpi xmlns:a14="http://schemas.microsoft.com/office/drawing/2010/main" val="0"/>
+              </a:ext>
+            </a:extLst>
+          </a:blip>
+          <a:stretch>
+            <a:fillRect/>
+          </a:stretch>
+        </p:blipFill>
+        <p:spPr>
+          <a:xfrm>
+            <a:off x="293499" y="3390900"/>
+            <a:ext cx="5105400" cy="5603177"/>
+          </a:xfrm>
+          <a:prstGeom prst="rect">
+            <a:avLst/>
+          </a:prstGeom>
+        </p:spPr>
+      </p:pic>
+    </p:spTree>
+    <p:extLst>
+      <p:ext uri="{BB962C8B-B14F-4D97-AF65-F5344CB8AC3E}">
+        <p14:creationId xmlns:p14="http://schemas.microsoft.com/office/powerpoint/2010/main" val="782634362"/>
+      </p:ext>
+    </p:extLst>
+  </p:cSld>
+  <p:clrMapOvr>
+    <a:masterClrMapping/>
+  </p:clrMapOvr>
+</p:sld>
+</file>
+
+<file path=ppt/slides/slide11.xml><?xml version="1.0" encoding="utf-8"?>
+<p:sld xmlns:a="http://schemas.openxmlformats.org/drawingml/2006/main" xmlns:r="http://schemas.openxmlformats.org/officeDocument/2006/relationships" xmlns:p="http://schemas.openxmlformats.org/presentationml/2006/main">
+  <p:cSld>
+    <p:spTree>
+      <p:nvGrpSpPr>
+        <p:cNvPr id="1" name=""/>
+        <p:cNvGrpSpPr/>
+        <p:nvPr/>
+      </p:nvGrpSpPr>
+      <p:grpSpPr>
+        <a:xfrm>
+          <a:off x="0" y="0"/>
+          <a:ext cx="0" cy="0"/>
+          <a:chOff x="0" y="0"/>
+          <a:chExt cx="0" cy="0"/>
+        </a:xfrm>
+      </p:grpSpPr>
+      <p:sp>
+        <p:nvSpPr>
+          <p:cNvPr id="4" name="Rectangle 3"/>
+          <p:cNvSpPr/>
+          <p:nvPr/>
+        </p:nvSpPr>
+        <p:spPr>
+          <a:xfrm>
+            <a:off x="0" y="0"/>
+            <a:ext cx="18288000" cy="10287000"/>
+          </a:xfrm>
+          <a:prstGeom prst="rect">
+            <a:avLst/>
+          </a:prstGeom>
+          <a:solidFill>
+            <a:schemeClr val="bg1">
+              <a:lumMod val="50000"/>
+            </a:schemeClr>
+          </a:solidFill>
+          <a:ln>
+            <a:noFill/>
+          </a:ln>
+        </p:spPr>
+        <p:style>
+          <a:lnRef idx="2">
+            <a:schemeClr val="accent1">
+              <a:shade val="50000"/>
+            </a:schemeClr>
+          </a:lnRef>
+          <a:fillRef idx="1">
+            <a:schemeClr val="accent1"/>
+          </a:fillRef>
+          <a:effectRef idx="0">
+            <a:schemeClr val="accent1"/>
+          </a:effectRef>
+          <a:fontRef idx="minor">
+            <a:schemeClr val="lt1"/>
+          </a:fontRef>
+        </p:style>
+        <p:txBody>
+          <a:bodyPr rtlCol="0" anchor="ctr"/>
+          <a:lstStyle/>
+          <a:p>
+            <a:pPr algn="ctr"/>
+            <a:endParaRPr lang="en-US" sz="2700"/>
+          </a:p>
+        </p:txBody>
+      </p:sp>
+      <p:sp>
+        <p:nvSpPr>
+          <p:cNvPr id="5" name="TextBox 4"/>
+          <p:cNvSpPr txBox="1"/>
+          <p:nvPr/>
+        </p:nvSpPr>
+        <p:spPr>
+          <a:xfrm>
+            <a:off x="781292" y="590309"/>
+            <a:ext cx="15486926" cy="3139321"/>
+          </a:xfrm>
+          <a:prstGeom prst="rect">
+            <a:avLst/>
+          </a:prstGeom>
+          <a:noFill/>
+        </p:spPr>
+        <p:txBody>
+          <a:bodyPr wrap="square" rtlCol="0">
+            <a:spAutoFit/>
+          </a:bodyPr>
+          <a:lstStyle/>
+          <a:p>
+            <a:r>
+              <a:rPr lang="en-US" sz="9900" b="1" dirty="0">
+                <a:solidFill>
+                  <a:schemeClr val="bg1"/>
+                </a:solidFill>
+                <a:latin typeface="Normafixed Tryout" panose="00000409000000000000"/>
+              </a:rPr>
+              <a:t>Why Python + Copilot + Excel? </a:t>
+            </a:r>
+          </a:p>
+        </p:txBody>
+      </p:sp>
+      <p:pic>
+        <p:nvPicPr>
+          <p:cNvPr id="3" name="Picture 2" descr="A screenshot of a social media post&#10;&#10;AI-generated content may be incorrect.">
+            <a:extLst>
+              <a:ext uri="{FF2B5EF4-FFF2-40B4-BE49-F238E27FC236}">
+                <a16:creationId xmlns:a16="http://schemas.microsoft.com/office/drawing/2014/main" id="{C7653CFE-9F92-7113-BF61-7DAB94F9A586}"/>
+              </a:ext>
+            </a:extLst>
+          </p:cNvPr>
+          <p:cNvPicPr>
+            <a:picLocks noChangeAspect="1"/>
+          </p:cNvPicPr>
+          <p:nvPr/>
+        </p:nvPicPr>
+        <p:blipFill>
+          <a:blip r:embed="rId3">
+            <a:extLst>
+              <a:ext uri="{28A0092B-C50C-407E-A947-70E740481C1C}">
+                <a14:useLocalDpi xmlns:a14="http://schemas.microsoft.com/office/drawing/2010/main" val="0"/>
+              </a:ext>
+            </a:extLst>
+          </a:blip>
+          <a:srcRect l="11316" t="36253" r="22676" b="33992"/>
+          <a:stretch/>
+        </p:blipFill>
+        <p:spPr>
+          <a:xfrm>
+            <a:off x="12496800" y="6057900"/>
+            <a:ext cx="5449802" cy="2456672"/>
+          </a:xfrm>
+          <a:prstGeom prst="rect">
+            <a:avLst/>
+          </a:prstGeom>
+        </p:spPr>
+      </p:pic>
+      <p:pic>
+        <p:nvPicPr>
+          <p:cNvPr id="7" name="Picture 6">
+            <a:extLst>
+              <a:ext uri="{FF2B5EF4-FFF2-40B4-BE49-F238E27FC236}">
+                <a16:creationId xmlns:a16="http://schemas.microsoft.com/office/drawing/2014/main" id="{80C68F4E-3752-F903-C6B1-76A097DDBBEA}"/>
+              </a:ext>
+            </a:extLst>
+          </p:cNvPr>
+          <p:cNvPicPr>
+            <a:picLocks noChangeAspect="1"/>
+          </p:cNvPicPr>
+          <p:nvPr/>
+        </p:nvPicPr>
+        <p:blipFill>
+          <a:blip r:embed="rId4"/>
+          <a:stretch>
+            <a:fillRect/>
+          </a:stretch>
+        </p:blipFill>
+        <p:spPr>
+          <a:xfrm>
+            <a:off x="990600" y="4076700"/>
+            <a:ext cx="9982200" cy="5708539"/>
+          </a:xfrm>
+          <a:prstGeom prst="rect">
+            <a:avLst/>
+          </a:prstGeom>
+        </p:spPr>
+      </p:pic>
+    </p:spTree>
+    <p:extLst>
+      <p:ext uri="{BB962C8B-B14F-4D97-AF65-F5344CB8AC3E}">
+        <p14:creationId xmlns:p14="http://schemas.microsoft.com/office/powerpoint/2010/main" val="4031530297"/>
+      </p:ext>
+    </p:extLst>
+  </p:cSld>
+  <p:clrMapOvr>
+    <a:masterClrMapping/>
+  </p:clrMapOvr>
+</p:sld>
+</file>
+
+<file path=ppt/slides/slide12.xml><?xml version="1.0" encoding="utf-8"?>
+<p:sld xmlns:a="http://schemas.openxmlformats.org/drawingml/2006/main" xmlns:r="http://schemas.openxmlformats.org/officeDocument/2006/relationships" xmlns:p="http://schemas.openxmlformats.org/presentationml/2006/main">
+  <p:cSld>
+    <p:spTree>
+      <p:nvGrpSpPr>
+        <p:cNvPr id="1" name=""/>
+        <p:cNvGrpSpPr/>
+        <p:nvPr/>
+      </p:nvGrpSpPr>
+      <p:grpSpPr>
+        <a:xfrm>
+          <a:off x="0" y="0"/>
+          <a:ext cx="0" cy="0"/>
+          <a:chOff x="0" y="0"/>
+          <a:chExt cx="0" cy="0"/>
+        </a:xfrm>
+      </p:grpSpPr>
+      <p:sp>
+        <p:nvSpPr>
+          <p:cNvPr id="4" name="Rectangle 3"/>
+          <p:cNvSpPr/>
+          <p:nvPr/>
+        </p:nvSpPr>
+        <p:spPr>
+          <a:xfrm>
+            <a:off x="0" y="0"/>
+            <a:ext cx="18288000" cy="10287000"/>
+          </a:xfrm>
+          <a:prstGeom prst="rect">
+            <a:avLst/>
+          </a:prstGeom>
+          <a:solidFill>
+            <a:srgbClr val="CF3338"/>
+          </a:solidFill>
+          <a:ln>
+            <a:noFill/>
+          </a:ln>
+        </p:spPr>
+        <p:style>
+          <a:lnRef idx="2">
+            <a:schemeClr val="accent1">
+              <a:shade val="50000"/>
+            </a:schemeClr>
+          </a:lnRef>
+          <a:fillRef idx="1">
+            <a:schemeClr val="accent1"/>
+          </a:fillRef>
+          <a:effectRef idx="0">
+            <a:schemeClr val="accent1"/>
+          </a:effectRef>
+          <a:fontRef idx="minor">
+            <a:schemeClr val="lt1"/>
+          </a:fontRef>
+        </p:style>
+        <p:txBody>
+          <a:bodyPr rtlCol="0" anchor="ctr"/>
+          <a:lstStyle/>
+          <a:p>
+            <a:pPr algn="ctr"/>
+            <a:endParaRPr lang="en-US" sz="2700"/>
+          </a:p>
+        </p:txBody>
+      </p:sp>
+      <p:sp>
+        <p:nvSpPr>
+          <p:cNvPr id="5" name="TextBox 4"/>
+          <p:cNvSpPr txBox="1"/>
+          <p:nvPr/>
+        </p:nvSpPr>
+        <p:spPr>
+          <a:xfrm>
+            <a:off x="781292" y="590309"/>
+            <a:ext cx="15486926" cy="1615827"/>
+          </a:xfrm>
+          <a:prstGeom prst="rect">
+            <a:avLst/>
+          </a:prstGeom>
+          <a:noFill/>
+        </p:spPr>
+        <p:txBody>
+          <a:bodyPr wrap="square" rtlCol="0">
+            <a:spAutoFit/>
+          </a:bodyPr>
+          <a:lstStyle/>
+          <a:p>
+            <a:r>
+              <a:rPr lang="en-US" sz="9900" b="1" dirty="0">
+                <a:solidFill>
+                  <a:schemeClr val="bg1"/>
+                </a:solidFill>
+                <a:latin typeface="Normafixed Tryout" panose="00000409000000000000" pitchFamily="49" charset="0"/>
+              </a:rPr>
+              <a:t>Time for a demo….</a:t>
+            </a:r>
+          </a:p>
+        </p:txBody>
+      </p:sp>
+    </p:spTree>
+    <p:extLst>
+      <p:ext uri="{BB962C8B-B14F-4D97-AF65-F5344CB8AC3E}">
+        <p14:creationId xmlns:p14="http://schemas.microsoft.com/office/powerpoint/2010/main" val="3578967105"/>
+      </p:ext>
+    </p:extLst>
+  </p:cSld>
+  <p:clrMapOvr>
+    <a:masterClrMapping/>
+  </p:clrMapOvr>
+</p:sld>
+</file>
+
+<file path=ppt/slides/slide13.xml><?xml version="1.0" encoding="utf-8"?>
+<p:sld xmlns:a="http://schemas.openxmlformats.org/drawingml/2006/main" xmlns:r="http://schemas.openxmlformats.org/officeDocument/2006/relationships" xmlns:p="http://schemas.openxmlformats.org/presentationml/2006/main">
+  <p:cSld>
+    <p:spTree>
+      <p:nvGrpSpPr>
+        <p:cNvPr id="1" name=""/>
+        <p:cNvGrpSpPr/>
+        <p:nvPr/>
+      </p:nvGrpSpPr>
+      <p:grpSpPr>
+        <a:xfrm>
+          <a:off x="0" y="0"/>
+          <a:ext cx="0" cy="0"/>
+          <a:chOff x="0" y="0"/>
+          <a:chExt cx="0" cy="0"/>
+        </a:xfrm>
+      </p:grpSpPr>
+      <p:sp>
+        <p:nvSpPr>
+          <p:cNvPr id="2" name="Title 1">
+            <a:extLst>
+              <a:ext uri="{FF2B5EF4-FFF2-40B4-BE49-F238E27FC236}">
+                <a16:creationId xmlns:a16="http://schemas.microsoft.com/office/drawing/2014/main" id="{43942A2F-0236-3C90-83A5-C98ADCC50CAC}"/>
+              </a:ext>
+            </a:extLst>
+          </p:cNvPr>
+          <p:cNvSpPr>
+            <a:spLocks noGrp="1"/>
+          </p:cNvSpPr>
+          <p:nvPr>
+            <p:ph type="title"/>
+          </p:nvPr>
+        </p:nvSpPr>
+        <p:spPr/>
+        <p:txBody>
+          <a:bodyPr/>
+          <a:lstStyle/>
+          <a:p>
+            <a:endParaRPr lang="en-US"/>
+          </a:p>
+        </p:txBody>
+      </p:sp>
+      <p:sp>
+        <p:nvSpPr>
+          <p:cNvPr id="3" name="Content Placeholder 2">
+            <a:extLst>
+              <a:ext uri="{FF2B5EF4-FFF2-40B4-BE49-F238E27FC236}">
+                <a16:creationId xmlns:a16="http://schemas.microsoft.com/office/drawing/2014/main" id="{35443616-125B-1B32-E7C0-F8CA62EE404C}"/>
+              </a:ext>
+            </a:extLst>
+          </p:cNvPr>
+          <p:cNvSpPr>
+            <a:spLocks noGrp="1"/>
+          </p:cNvSpPr>
+          <p:nvPr>
+            <p:ph idx="1"/>
+          </p:nvPr>
+        </p:nvSpPr>
+        <p:spPr/>
+        <p:txBody>
+          <a:bodyPr/>
+          <a:lstStyle/>
+          <a:p>
+            <a:endParaRPr lang="en-US"/>
+          </a:p>
+        </p:txBody>
+      </p:sp>
+      <mc:AlternateContent xmlns:mc="http://schemas.openxmlformats.org/markup-compatibility/2006">
+        <mc:Choice xmlns:we="http://schemas.microsoft.com/office/webextensions/webextension/2010/11" xmlns:pca="http://schemas.microsoft.com/office/powerpoint/2013/contentapp" Requires="we pca">
+          <p:graphicFrame>
+            <p:nvGraphicFramePr>
+              <p:cNvPr id="5" name="Add-in 4">
+                <a:extLst>
+                  <a:ext uri="{FF2B5EF4-FFF2-40B4-BE49-F238E27FC236}">
+                    <a16:creationId xmlns:a16="http://schemas.microsoft.com/office/drawing/2014/main" id="{A19D7729-92C7-221C-14EA-F69CCB5E64E0}"/>
+                  </a:ext>
+                </a:extLst>
+              </p:cNvPr>
+              <p:cNvGraphicFramePr>
+                <a:graphicFrameLocks noGrp="1"/>
+              </p:cNvGraphicFramePr>
+              <p:nvPr/>
+            </p:nvGraphicFramePr>
+            <p:xfrm>
+              <a:off x="0" y="0"/>
+              <a:ext cx="18288000" cy="10287000"/>
+            </p:xfrm>
+            <a:graphic>
+              <a:graphicData uri="http://schemas.microsoft.com/office/webextensions/webextension/2010/11">
+                <we:webextensionref xmlns:we="http://schemas.microsoft.com/office/webextensions/webextension/2010/11" xmlns:r="http://schemas.openxmlformats.org/officeDocument/2006/relationships" r:id="rId2"/>
+              </a:graphicData>
+            </a:graphic>
+          </p:graphicFrame>
+        </mc:Choice>
+        <mc:Fallback>
+          <p:pic>
+            <p:nvPicPr>
+              <p:cNvPr id="5" name="Add-in 4">
+                <a:extLst>
+                  <a:ext uri="{FF2B5EF4-FFF2-40B4-BE49-F238E27FC236}">
+                    <a16:creationId xmlns:a16="http://schemas.microsoft.com/office/drawing/2014/main" id="{A19D7729-92C7-221C-14EA-F69CCB5E64E0}"/>
+                  </a:ext>
+                </a:extLst>
+              </p:cNvPr>
+              <p:cNvPicPr>
+                <a:picLocks noGrp="1" noRot="1" noChangeAspect="1" noMove="1" noResize="1" noEditPoints="1" noAdjustHandles="1" noChangeArrowheads="1" noChangeShapeType="1"/>
+              </p:cNvPicPr>
+              <p:nvPr/>
+            </p:nvPicPr>
+            <p:blipFill>
+              <a:blip r:embed="rId3"/>
+              <a:stretch>
+                <a:fillRect/>
+              </a:stretch>
+            </p:blipFill>
+            <p:spPr>
+              <a:xfrm>
+                <a:off x="0" y="0"/>
+                <a:ext cx="18288000" cy="10287000"/>
+              </a:xfrm>
+              <a:prstGeom prst="rect">
+                <a:avLst/>
+              </a:prstGeom>
+            </p:spPr>
+          </p:pic>
+        </mc:Fallback>
+      </mc:AlternateContent>
+    </p:spTree>
+    <p:extLst>
+      <p:ext uri="{BB962C8B-B14F-4D97-AF65-F5344CB8AC3E}">
+        <p14:creationId xmlns:p14="http://schemas.microsoft.com/office/powerpoint/2010/main" val="3211105347"/>
+      </p:ext>
+    </p:extLst>
+  </p:cSld>
+  <p:clrMapOvr>
+    <a:masterClrMapping/>
+  </p:clrMapOvr>
+</p:sld>
+</file>
+
+<file path=ppt/slides/slide14.xml><?xml version="1.0" encoding="utf-8"?>
+<p:sld xmlns:a="http://schemas.openxmlformats.org/drawingml/2006/main" xmlns:r="http://schemas.openxmlformats.org/officeDocument/2006/relationships" xmlns:p="http://schemas.openxmlformats.org/presentationml/2006/main">
+  <p:cSld>
+    <p:spTree>
+      <p:nvGrpSpPr>
+        <p:cNvPr id="1" name="">
+          <a:extLst>
+            <a:ext uri="{FF2B5EF4-FFF2-40B4-BE49-F238E27FC236}">
+              <a16:creationId xmlns:a16="http://schemas.microsoft.com/office/drawing/2014/main" id="{0440A484-D799-E7C5-746B-5D4186690A7C}"/>
+            </a:ext>
+          </a:extLst>
+        </p:cNvPr>
+        <p:cNvGrpSpPr/>
+        <p:nvPr/>
+      </p:nvGrpSpPr>
+      <p:grpSpPr>
+        <a:xfrm>
+          <a:off x="0" y="0"/>
+          <a:ext cx="0" cy="0"/>
+          <a:chOff x="0" y="0"/>
+          <a:chExt cx="0" cy="0"/>
+        </a:xfrm>
+      </p:grpSpPr>
+      <p:sp>
+        <p:nvSpPr>
+          <p:cNvPr id="11" name="TextBox 10">
+            <a:extLst>
+              <a:ext uri="{FF2B5EF4-FFF2-40B4-BE49-F238E27FC236}">
+                <a16:creationId xmlns:a16="http://schemas.microsoft.com/office/drawing/2014/main" id="{90FB1869-0BB6-A5E1-C306-E3FCC05D0AF0}"/>
+              </a:ext>
+            </a:extLst>
+          </p:cNvPr>
+          <p:cNvSpPr txBox="1"/>
+          <p:nvPr/>
+        </p:nvSpPr>
+        <p:spPr>
+          <a:xfrm>
+            <a:off x="520861" y="170082"/>
+            <a:ext cx="11979797" cy="1477328"/>
+          </a:xfrm>
+          <a:prstGeom prst="rect">
+            <a:avLst/>
+          </a:prstGeom>
+          <a:noFill/>
+        </p:spPr>
+        <p:txBody>
+          <a:bodyPr wrap="square" rtlCol="0">
+            <a:spAutoFit/>
+          </a:bodyPr>
+          <a:lstStyle/>
+          <a:p>
+            <a:r>
+              <a:rPr lang="en-US" sz="9000" dirty="0">
+                <a:latin typeface="Aliens &amp; cows" panose="00000500000000000000" pitchFamily="2" charset="0"/>
+              </a:rPr>
+              <a:t>The future of Excel?</a:t>
+            </a:r>
+          </a:p>
+        </p:txBody>
+      </p:sp>
+      <p:pic>
+        <p:nvPicPr>
+          <p:cNvPr id="15" name="Picture 14" descr="A close up of a sign&#10;&#10;Description automatically generated">
+            <a:extLst>
+              <a:ext uri="{FF2B5EF4-FFF2-40B4-BE49-F238E27FC236}">
+                <a16:creationId xmlns:a16="http://schemas.microsoft.com/office/drawing/2014/main" id="{5C3FC969-6967-08A2-5253-5B1B6302B7F5}"/>
+              </a:ext>
+            </a:extLst>
+          </p:cNvPr>
+          <p:cNvPicPr>
+            <a:picLocks noChangeAspect="1"/>
+          </p:cNvPicPr>
+          <p:nvPr/>
+        </p:nvPicPr>
+        <p:blipFill>
+          <a:blip r:embed="rId2">
+            <a:extLst>
+              <a:ext uri="{28A0092B-C50C-407E-A947-70E740481C1C}">
+                <a14:useLocalDpi xmlns:a14="http://schemas.microsoft.com/office/drawing/2010/main" val="0"/>
+              </a:ext>
+            </a:extLst>
+          </a:blip>
+          <a:stretch>
+            <a:fillRect/>
+          </a:stretch>
+        </p:blipFill>
+        <p:spPr>
+          <a:xfrm>
+            <a:off x="16341036" y="8058429"/>
+            <a:ext cx="1942857" cy="2228571"/>
+          </a:xfrm>
+          <a:prstGeom prst="rect">
+            <a:avLst/>
+          </a:prstGeom>
+        </p:spPr>
+      </p:pic>
+      <p:graphicFrame>
+        <p:nvGraphicFramePr>
+          <p:cNvPr id="5" name="Table 4">
+            <a:extLst>
+              <a:ext uri="{FF2B5EF4-FFF2-40B4-BE49-F238E27FC236}">
+                <a16:creationId xmlns:a16="http://schemas.microsoft.com/office/drawing/2014/main" id="{92345F00-ADBC-88B3-7317-DF9E88D416ED}"/>
+              </a:ext>
+            </a:extLst>
+          </p:cNvPr>
+          <p:cNvGraphicFramePr>
+            <a:graphicFrameLocks noGrp="1"/>
+          </p:cNvGraphicFramePr>
+          <p:nvPr/>
+        </p:nvGraphicFramePr>
+        <p:xfrm>
+          <a:off x="228600" y="2139278"/>
+          <a:ext cx="16112436" cy="4968405"/>
+        </p:xfrm>
+        <a:graphic>
+          <a:graphicData uri="http://schemas.openxmlformats.org/drawingml/2006/table">
+            <a:tbl>
+              <a:tblPr>
+                <a:tableStyleId>{2D5ABB26-0587-4C30-8999-92F81FD0307C}</a:tableStyleId>
+              </a:tblPr>
+              <a:tblGrid>
+                <a:gridCol w="2829502">
+                  <a:extLst>
+                    <a:ext uri="{9D8B030D-6E8A-4147-A177-3AD203B41FA5}">
+                      <a16:colId xmlns:a16="http://schemas.microsoft.com/office/drawing/2014/main" val="1525359229"/>
+                    </a:ext>
+                  </a:extLst>
+                </a:gridCol>
+                <a:gridCol w="7912122">
+                  <a:extLst>
+                    <a:ext uri="{9D8B030D-6E8A-4147-A177-3AD203B41FA5}">
+                      <a16:colId xmlns:a16="http://schemas.microsoft.com/office/drawing/2014/main" val="2538730899"/>
+                    </a:ext>
+                  </a:extLst>
+                </a:gridCol>
+                <a:gridCol w="5370812">
+                  <a:extLst>
+                    <a:ext uri="{9D8B030D-6E8A-4147-A177-3AD203B41FA5}">
+                      <a16:colId xmlns:a16="http://schemas.microsoft.com/office/drawing/2014/main" val="3469586132"/>
+                    </a:ext>
+                  </a:extLst>
+                </a:gridCol>
+              </a:tblGrid>
+              <a:tr h="410762">
+                <a:tc>
+                  <a:txBody>
+                    <a:bodyPr/>
+                    <a:lstStyle/>
+                    <a:p>
+                      <a:r>
+                        <a:rPr lang="en-US" sz="2800" b="1"/>
+                        <a:t>Tool</a:t>
+                      </a:r>
+                      <a:endParaRPr lang="en-US" sz="2800"/>
+                    </a:p>
+                  </a:txBody>
+                  <a:tcPr marL="59552" marR="59552" marT="29776" marB="29776" anchor="ctr">
+                    <a:lnL w="12700" cap="flat" cmpd="sng" algn="ctr">
+                      <a:solidFill>
+                        <a:schemeClr val="tx1"/>
+                      </a:solidFill>
+                      <a:prstDash val="solid"/>
+                      <a:round/>
+                      <a:headEnd type="none" w="med" len="med"/>
+                      <a:tailEnd type="none" w="med" len="med"/>
+                    </a:lnL>
+                    <a:lnR w="12700" cap="flat" cmpd="sng" algn="ctr">
+                      <a:solidFill>
+                        <a:schemeClr val="tx1"/>
+                      </a:solidFill>
+                      <a:prstDash val="solid"/>
+                      <a:round/>
+                      <a:headEnd type="none" w="med" len="med"/>
+                      <a:tailEnd type="none" w="med" len="med"/>
+                    </a:lnR>
+                    <a:lnT w="12700" cap="flat" cmpd="sng" algn="ctr">
+                      <a:solidFill>
+                        <a:schemeClr val="tx1"/>
+                      </a:solidFill>
+                      <a:prstDash val="solid"/>
+                      <a:round/>
+                      <a:headEnd type="none" w="med" len="med"/>
+                      <a:tailEnd type="none" w="med" len="med"/>
+                    </a:lnT>
+                    <a:lnB w="12700" cap="flat" cmpd="sng" algn="ctr">
+                      <a:solidFill>
+                        <a:schemeClr val="tx1"/>
+                      </a:solidFill>
+                      <a:prstDash val="solid"/>
+                      <a:round/>
+                      <a:headEnd type="none" w="med" len="med"/>
+                      <a:tailEnd type="none" w="med" len="med"/>
+                    </a:lnB>
+                  </a:tcPr>
+                </a:tc>
+                <a:tc>
+                  <a:txBody>
+                    <a:bodyPr/>
+                    <a:lstStyle/>
+                    <a:p>
+                      <a:r>
+                        <a:rPr lang="en-US" sz="2800" b="1"/>
+                        <a:t>Primary Functions</a:t>
+                      </a:r>
+                      <a:endParaRPr lang="en-US" sz="2800"/>
+                    </a:p>
+                  </a:txBody>
+                  <a:tcPr marL="59552" marR="59552" marT="29776" marB="29776" anchor="ctr">
+                    <a:lnL w="12700" cap="flat" cmpd="sng" algn="ctr">
+                      <a:solidFill>
+                        <a:schemeClr val="tx1"/>
+                      </a:solidFill>
+                      <a:prstDash val="solid"/>
+                      <a:round/>
+                      <a:headEnd type="none" w="med" len="med"/>
+                      <a:tailEnd type="none" w="med" len="med"/>
+                    </a:lnL>
+                    <a:lnR w="12700" cap="flat" cmpd="sng" algn="ctr">
+                      <a:solidFill>
+                        <a:schemeClr val="tx1"/>
+                      </a:solidFill>
+                      <a:prstDash val="solid"/>
+                      <a:round/>
+                      <a:headEnd type="none" w="med" len="med"/>
+                      <a:tailEnd type="none" w="med" len="med"/>
+                    </a:lnR>
+                    <a:lnT w="12700" cap="flat" cmpd="sng" algn="ctr">
+                      <a:solidFill>
+                        <a:schemeClr val="tx1"/>
+                      </a:solidFill>
+                      <a:prstDash val="solid"/>
+                      <a:round/>
+                      <a:headEnd type="none" w="med" len="med"/>
+                      <a:tailEnd type="none" w="med" len="med"/>
+                    </a:lnT>
+                    <a:lnB w="12700" cap="flat" cmpd="sng" algn="ctr">
+                      <a:solidFill>
+                        <a:schemeClr val="tx1"/>
+                      </a:solidFill>
+                      <a:prstDash val="solid"/>
+                      <a:round/>
+                      <a:headEnd type="none" w="med" len="med"/>
+                      <a:tailEnd type="none" w="med" len="med"/>
+                    </a:lnB>
+                  </a:tcPr>
+                </a:tc>
+                <a:tc>
+                  <a:txBody>
+                    <a:bodyPr/>
+                    <a:lstStyle/>
+                    <a:p>
+                      <a:r>
+                        <a:rPr lang="en-US" sz="2800" b="1"/>
+                        <a:t>Strengths</a:t>
+                      </a:r>
+                      <a:endParaRPr lang="en-US" sz="2800"/>
+                    </a:p>
+                  </a:txBody>
+                  <a:tcPr marL="59552" marR="59552" marT="29776" marB="29776" anchor="ctr">
+                    <a:lnL w="12700" cap="flat" cmpd="sng" algn="ctr">
+                      <a:solidFill>
+                        <a:schemeClr val="tx1"/>
+                      </a:solidFill>
+                      <a:prstDash val="solid"/>
+                      <a:round/>
+                      <a:headEnd type="none" w="med" len="med"/>
+                      <a:tailEnd type="none" w="med" len="med"/>
+                    </a:lnL>
+                    <a:lnR w="12700" cap="flat" cmpd="sng" algn="ctr">
+                      <a:solidFill>
+                        <a:schemeClr val="tx1"/>
+                      </a:solidFill>
+                      <a:prstDash val="solid"/>
+                      <a:round/>
+                      <a:headEnd type="none" w="med" len="med"/>
+                      <a:tailEnd type="none" w="med" len="med"/>
+                    </a:lnR>
+                    <a:lnT w="12700" cap="flat" cmpd="sng" algn="ctr">
+                      <a:solidFill>
+                        <a:schemeClr val="tx1"/>
+                      </a:solidFill>
+                      <a:prstDash val="solid"/>
+                      <a:round/>
+                      <a:headEnd type="none" w="med" len="med"/>
+                      <a:tailEnd type="none" w="med" len="med"/>
+                    </a:lnT>
+                    <a:lnB w="12700" cap="flat" cmpd="sng" algn="ctr">
+                      <a:solidFill>
+                        <a:schemeClr val="tx1"/>
+                      </a:solidFill>
+                      <a:prstDash val="solid"/>
+                      <a:round/>
+                      <a:headEnd type="none" w="med" len="med"/>
+                      <a:tailEnd type="none" w="med" len="med"/>
+                    </a:lnB>
+                  </a:tcPr>
+                </a:tc>
+                <a:extLst>
+                  <a:ext uri="{0D108BD9-81ED-4DB2-BD59-A6C34878D82A}">
+                    <a16:rowId xmlns:a16="http://schemas.microsoft.com/office/drawing/2014/main" val="2831305640"/>
+                  </a:ext>
+                </a:extLst>
+              </a:tr>
+              <a:tr h="2607127">
+                <a:tc>
+                  <a:txBody>
+                    <a:bodyPr/>
+                    <a:lstStyle/>
+                    <a:p>
+                      <a:r>
+                        <a:rPr lang="en-US" sz="2800" b="1" dirty="0"/>
+                        <a:t>Python</a:t>
+                      </a:r>
+                      <a:endParaRPr lang="en-US" sz="2800" dirty="0"/>
+                    </a:p>
+                  </a:txBody>
+                  <a:tcPr marL="59552" marR="59552" marT="29776" marB="29776" anchor="ctr">
+                    <a:lnL w="12700" cap="flat" cmpd="sng" algn="ctr">
+                      <a:solidFill>
+                        <a:schemeClr val="tx1"/>
+                      </a:solidFill>
+                      <a:prstDash val="solid"/>
+                      <a:round/>
+                      <a:headEnd type="none" w="med" len="med"/>
+                      <a:tailEnd type="none" w="med" len="med"/>
+                    </a:lnL>
+                    <a:lnR w="12700" cap="flat" cmpd="sng" algn="ctr">
+                      <a:solidFill>
+                        <a:schemeClr val="tx1"/>
+                      </a:solidFill>
+                      <a:prstDash val="solid"/>
+                      <a:round/>
+                      <a:headEnd type="none" w="med" len="med"/>
+                      <a:tailEnd type="none" w="med" len="med"/>
+                    </a:lnR>
+                    <a:lnT w="12700" cap="flat" cmpd="sng" algn="ctr">
+                      <a:solidFill>
+                        <a:schemeClr val="tx1"/>
+                      </a:solidFill>
+                      <a:prstDash val="solid"/>
+                      <a:round/>
+                      <a:headEnd type="none" w="med" len="med"/>
+                      <a:tailEnd type="none" w="med" len="med"/>
+                    </a:lnT>
+                    <a:lnB w="12700" cap="flat" cmpd="sng" algn="ctr">
+                      <a:solidFill>
+                        <a:schemeClr val="tx1"/>
+                      </a:solidFill>
+                      <a:prstDash val="solid"/>
+                      <a:round/>
+                      <a:headEnd type="none" w="med" len="med"/>
+                      <a:tailEnd type="none" w="med" len="med"/>
+                    </a:lnB>
+                  </a:tcPr>
+                </a:tc>
+                <a:tc>
+                  <a:txBody>
+                    <a:bodyPr/>
+                    <a:lstStyle/>
+                    <a:p>
+                      <a:r>
+                        <a:rPr lang="en-US" sz="2800" dirty="0"/>
+                        <a:t>Backend data analysis, advanced charting, machine learning</a:t>
+                      </a:r>
+                    </a:p>
+                  </a:txBody>
+                  <a:tcPr marL="59552" marR="59552" marT="29776" marB="29776" anchor="ctr">
+                    <a:lnL w="12700" cap="flat" cmpd="sng" algn="ctr">
+                      <a:solidFill>
+                        <a:schemeClr val="tx1"/>
+                      </a:solidFill>
+                      <a:prstDash val="solid"/>
+                      <a:round/>
+                      <a:headEnd type="none" w="med" len="med"/>
+                      <a:tailEnd type="none" w="med" len="med"/>
+                    </a:lnL>
+                    <a:lnR w="12700" cap="flat" cmpd="sng" algn="ctr">
+                      <a:solidFill>
+                        <a:schemeClr val="tx1"/>
+                      </a:solidFill>
+                      <a:prstDash val="solid"/>
+                      <a:round/>
+                      <a:headEnd type="none" w="med" len="med"/>
+                      <a:tailEnd type="none" w="med" len="med"/>
+                    </a:lnR>
+                    <a:lnT w="12700" cap="flat" cmpd="sng" algn="ctr">
+                      <a:solidFill>
+                        <a:schemeClr val="tx1"/>
+                      </a:solidFill>
+                      <a:prstDash val="solid"/>
+                      <a:round/>
+                      <a:headEnd type="none" w="med" len="med"/>
+                      <a:tailEnd type="none" w="med" len="med"/>
+                    </a:lnT>
+                    <a:lnB w="12700" cap="flat" cmpd="sng" algn="ctr">
+                      <a:solidFill>
+                        <a:schemeClr val="tx1"/>
+                      </a:solidFill>
+                      <a:prstDash val="solid"/>
+                      <a:round/>
+                      <a:headEnd type="none" w="med" len="med"/>
+                      <a:tailEnd type="none" w="med" len="med"/>
+                    </a:lnB>
+                  </a:tcPr>
+                </a:tc>
+                <a:tc>
+                  <a:txBody>
+                    <a:bodyPr/>
+                    <a:lstStyle/>
+                    <a:p>
+                      <a:r>
+                        <a:rPr lang="en-US" sz="2800" dirty="0"/>
+                        <a:t>Powerful data manipulation with libraries like pandas, extensive visualization options with libraries like matplotlib and seaborn</a:t>
+                      </a:r>
+                    </a:p>
+                  </a:txBody>
+                  <a:tcPr marL="59552" marR="59552" marT="29776" marB="29776" anchor="ctr">
+                    <a:lnL w="12700" cap="flat" cmpd="sng" algn="ctr">
+                      <a:solidFill>
+                        <a:schemeClr val="tx1"/>
+                      </a:solidFill>
+                      <a:prstDash val="solid"/>
+                      <a:round/>
+                      <a:headEnd type="none" w="med" len="med"/>
+                      <a:tailEnd type="none" w="med" len="med"/>
+                    </a:lnL>
+                    <a:lnR w="12700" cap="flat" cmpd="sng" algn="ctr">
+                      <a:solidFill>
+                        <a:schemeClr val="tx1"/>
+                      </a:solidFill>
+                      <a:prstDash val="solid"/>
+                      <a:round/>
+                      <a:headEnd type="none" w="med" len="med"/>
+                      <a:tailEnd type="none" w="med" len="med"/>
+                    </a:lnR>
+                    <a:lnT w="12700" cap="flat" cmpd="sng" algn="ctr">
+                      <a:solidFill>
+                        <a:schemeClr val="tx1"/>
+                      </a:solidFill>
+                      <a:prstDash val="solid"/>
+                      <a:round/>
+                      <a:headEnd type="none" w="med" len="med"/>
+                      <a:tailEnd type="none" w="med" len="med"/>
+                    </a:lnT>
+                    <a:lnB w="12700" cap="flat" cmpd="sng" algn="ctr">
+                      <a:solidFill>
+                        <a:schemeClr val="tx1"/>
+                      </a:solidFill>
+                      <a:prstDash val="solid"/>
+                      <a:round/>
+                      <a:headEnd type="none" w="med" len="med"/>
+                      <a:tailEnd type="none" w="med" len="med"/>
+                    </a:lnB>
+                  </a:tcPr>
+                </a:tc>
+                <a:extLst>
+                  <a:ext uri="{0D108BD9-81ED-4DB2-BD59-A6C34878D82A}">
+                    <a16:rowId xmlns:a16="http://schemas.microsoft.com/office/drawing/2014/main" val="47735761"/>
+                  </a:ext>
+                </a:extLst>
+              </a:tr>
+              <a:tr h="1875006">
+                <a:tc>
+                  <a:txBody>
+                    <a:bodyPr/>
+                    <a:lstStyle/>
+                    <a:p>
+                      <a:r>
+                        <a:rPr lang="en-US" sz="2800" b="1"/>
+                        <a:t>Excel</a:t>
+                      </a:r>
+                      <a:endParaRPr lang="en-US" sz="2800"/>
+                    </a:p>
+                  </a:txBody>
+                  <a:tcPr marL="59552" marR="59552" marT="29776" marB="29776" anchor="ctr">
+                    <a:lnL w="12700" cap="flat" cmpd="sng" algn="ctr">
+                      <a:solidFill>
+                        <a:schemeClr val="tx1"/>
+                      </a:solidFill>
+                      <a:prstDash val="solid"/>
+                      <a:round/>
+                      <a:headEnd type="none" w="med" len="med"/>
+                      <a:tailEnd type="none" w="med" len="med"/>
+                    </a:lnL>
+                    <a:lnR w="12700" cap="flat" cmpd="sng" algn="ctr">
+                      <a:solidFill>
+                        <a:schemeClr val="tx1"/>
+                      </a:solidFill>
+                      <a:prstDash val="solid"/>
+                      <a:round/>
+                      <a:headEnd type="none" w="med" len="med"/>
+                      <a:tailEnd type="none" w="med" len="med"/>
+                    </a:lnR>
+                    <a:lnT w="12700" cap="flat" cmpd="sng" algn="ctr">
+                      <a:solidFill>
+                        <a:schemeClr val="tx1"/>
+                      </a:solidFill>
+                      <a:prstDash val="solid"/>
+                      <a:round/>
+                      <a:headEnd type="none" w="med" len="med"/>
+                      <a:tailEnd type="none" w="med" len="med"/>
+                    </a:lnT>
+                    <a:lnB w="12700" cap="flat" cmpd="sng" algn="ctr">
+                      <a:solidFill>
+                        <a:schemeClr val="tx1"/>
+                      </a:solidFill>
+                      <a:prstDash val="solid"/>
+                      <a:round/>
+                      <a:headEnd type="none" w="med" len="med"/>
+                      <a:tailEnd type="none" w="med" len="med"/>
+                    </a:lnB>
+                  </a:tcPr>
+                </a:tc>
+                <a:tc>
+                  <a:txBody>
+                    <a:bodyPr/>
+                    <a:lstStyle/>
+                    <a:p>
+                      <a:r>
+                        <a:rPr lang="en-US" sz="2800" dirty="0"/>
+                        <a:t>Frontend formatting, usability, interactive dashboards</a:t>
+                      </a:r>
+                    </a:p>
+                  </a:txBody>
+                  <a:tcPr marL="59552" marR="59552" marT="29776" marB="29776" anchor="ctr">
+                    <a:lnL w="12700" cap="flat" cmpd="sng" algn="ctr">
+                      <a:solidFill>
+                        <a:schemeClr val="tx1"/>
+                      </a:solidFill>
+                      <a:prstDash val="solid"/>
+                      <a:round/>
+                      <a:headEnd type="none" w="med" len="med"/>
+                      <a:tailEnd type="none" w="med" len="med"/>
+                    </a:lnL>
+                    <a:lnR w="12700" cap="flat" cmpd="sng" algn="ctr">
+                      <a:solidFill>
+                        <a:schemeClr val="tx1"/>
+                      </a:solidFill>
+                      <a:prstDash val="solid"/>
+                      <a:round/>
+                      <a:headEnd type="none" w="med" len="med"/>
+                      <a:tailEnd type="none" w="med" len="med"/>
+                    </a:lnR>
+                    <a:lnT w="12700" cap="flat" cmpd="sng" algn="ctr">
+                      <a:solidFill>
+                        <a:schemeClr val="tx1"/>
+                      </a:solidFill>
+                      <a:prstDash val="solid"/>
+                      <a:round/>
+                      <a:headEnd type="none" w="med" len="med"/>
+                      <a:tailEnd type="none" w="med" len="med"/>
+                    </a:lnT>
+                    <a:lnB w="12700" cap="flat" cmpd="sng" algn="ctr">
+                      <a:solidFill>
+                        <a:schemeClr val="tx1"/>
+                      </a:solidFill>
+                      <a:prstDash val="solid"/>
+                      <a:round/>
+                      <a:headEnd type="none" w="med" len="med"/>
+                      <a:tailEnd type="none" w="med" len="med"/>
+                    </a:lnB>
+                  </a:tcPr>
+                </a:tc>
+                <a:tc>
+                  <a:txBody>
+                    <a:bodyPr/>
+                    <a:lstStyle/>
+                    <a:p>
+                      <a:r>
+                        <a:rPr lang="en-US" sz="2800" dirty="0"/>
+                        <a:t>User-friendly interface, widespread usage, well-suited for formatting and presentation</a:t>
+                      </a:r>
+                    </a:p>
+                  </a:txBody>
+                  <a:tcPr marL="59552" marR="59552" marT="29776" marB="29776" anchor="ctr">
+                    <a:lnL w="12700" cap="flat" cmpd="sng" algn="ctr">
+                      <a:solidFill>
+                        <a:schemeClr val="tx1"/>
+                      </a:solidFill>
+                      <a:prstDash val="solid"/>
+                      <a:round/>
+                      <a:headEnd type="none" w="med" len="med"/>
+                      <a:tailEnd type="none" w="med" len="med"/>
+                    </a:lnL>
+                    <a:lnR w="12700" cap="flat" cmpd="sng" algn="ctr">
+                      <a:solidFill>
+                        <a:schemeClr val="tx1"/>
+                      </a:solidFill>
+                      <a:prstDash val="solid"/>
+                      <a:round/>
+                      <a:headEnd type="none" w="med" len="med"/>
+                      <a:tailEnd type="none" w="med" len="med"/>
+                    </a:lnR>
+                    <a:lnT w="12700" cap="flat" cmpd="sng" algn="ctr">
+                      <a:solidFill>
+                        <a:schemeClr val="tx1"/>
+                      </a:solidFill>
+                      <a:prstDash val="solid"/>
+                      <a:round/>
+                      <a:headEnd type="none" w="med" len="med"/>
+                      <a:tailEnd type="none" w="med" len="med"/>
+                    </a:lnT>
+                    <a:lnB w="12700" cap="flat" cmpd="sng" algn="ctr">
+                      <a:solidFill>
+                        <a:schemeClr val="tx1"/>
+                      </a:solidFill>
+                      <a:prstDash val="solid"/>
+                      <a:round/>
+                      <a:headEnd type="none" w="med" len="med"/>
+                      <a:tailEnd type="none" w="med" len="med"/>
+                    </a:lnB>
+                  </a:tcPr>
+                </a:tc>
+                <a:extLst>
+                  <a:ext uri="{0D108BD9-81ED-4DB2-BD59-A6C34878D82A}">
+                    <a16:rowId xmlns:a16="http://schemas.microsoft.com/office/drawing/2014/main" val="715534459"/>
+                  </a:ext>
+                </a:extLst>
+              </a:tr>
+            </a:tbl>
+          </a:graphicData>
+        </a:graphic>
+      </p:graphicFrame>
+    </p:spTree>
+    <p:extLst>
+      <p:ext uri="{BB962C8B-B14F-4D97-AF65-F5344CB8AC3E}">
+        <p14:creationId xmlns:p14="http://schemas.microsoft.com/office/powerpoint/2010/main" val="2060280099"/>
+      </p:ext>
+    </p:extLst>
+  </p:cSld>
+  <p:clrMapOvr>
+    <a:masterClrMapping/>
+  </p:clrMapOvr>
+</p:sld>
+</file>
+
+<file path=ppt/slides/slide15.xml><?xml version="1.0" encoding="utf-8"?>
+<p:sld xmlns:a="http://schemas.openxmlformats.org/drawingml/2006/main" xmlns:r="http://schemas.openxmlformats.org/officeDocument/2006/relationships" xmlns:p="http://schemas.openxmlformats.org/presentationml/2006/main">
+  <p:cSld>
+    <p:spTree>
+      <p:nvGrpSpPr>
+        <p:cNvPr id="1" name="">
+          <a:extLst>
+            <a:ext uri="{FF2B5EF4-FFF2-40B4-BE49-F238E27FC236}">
+              <a16:creationId xmlns:a16="http://schemas.microsoft.com/office/drawing/2014/main" id="{450D0DC3-67D5-0E3D-5709-F59B076E05E9}"/>
+            </a:ext>
+          </a:extLst>
+        </p:cNvPr>
+        <p:cNvGrpSpPr/>
+        <p:nvPr/>
+      </p:nvGrpSpPr>
+      <p:grpSpPr>
+        <a:xfrm>
+          <a:off x="0" y="0"/>
+          <a:ext cx="0" cy="0"/>
+          <a:chOff x="0" y="0"/>
+          <a:chExt cx="0" cy="0"/>
+        </a:xfrm>
+      </p:grpSpPr>
+      <p:sp>
+        <p:nvSpPr>
+          <p:cNvPr id="11" name="TextBox 10">
+            <a:extLst>
+              <a:ext uri="{FF2B5EF4-FFF2-40B4-BE49-F238E27FC236}">
+                <a16:creationId xmlns:a16="http://schemas.microsoft.com/office/drawing/2014/main" id="{3E21CB5F-34C3-B88E-0647-36BB6FDBA426}"/>
+              </a:ext>
+            </a:extLst>
+          </p:cNvPr>
+          <p:cNvSpPr txBox="1"/>
+          <p:nvPr/>
+        </p:nvSpPr>
+        <p:spPr>
+          <a:xfrm>
+            <a:off x="520861" y="170082"/>
+            <a:ext cx="11979797" cy="1477328"/>
+          </a:xfrm>
+          <a:prstGeom prst="rect">
+            <a:avLst/>
+          </a:prstGeom>
+          <a:noFill/>
+        </p:spPr>
+        <p:txBody>
+          <a:bodyPr wrap="square" rtlCol="0">
+            <a:spAutoFit/>
+          </a:bodyPr>
+          <a:lstStyle/>
+          <a:p>
+            <a:r>
+              <a:rPr lang="en-US" sz="9000" dirty="0">
+                <a:latin typeface="Aliens &amp; cows" panose="00000500000000000000" pitchFamily="2" charset="0"/>
+              </a:rPr>
+              <a:t>The future of Excel?</a:t>
+            </a:r>
+          </a:p>
+        </p:txBody>
+      </p:sp>
+      <p:pic>
+        <p:nvPicPr>
+          <p:cNvPr id="15" name="Picture 14" descr="A close up of a sign&#10;&#10;Description automatically generated">
+            <a:extLst>
+              <a:ext uri="{FF2B5EF4-FFF2-40B4-BE49-F238E27FC236}">
+                <a16:creationId xmlns:a16="http://schemas.microsoft.com/office/drawing/2014/main" id="{8F74ECB3-0458-4F14-03F9-31874FA4E2D4}"/>
+              </a:ext>
+            </a:extLst>
+          </p:cNvPr>
+          <p:cNvPicPr>
+            <a:picLocks noChangeAspect="1"/>
+          </p:cNvPicPr>
+          <p:nvPr/>
+        </p:nvPicPr>
+        <p:blipFill>
+          <a:blip r:embed="rId3">
+            <a:extLst>
+              <a:ext uri="{28A0092B-C50C-407E-A947-70E740481C1C}">
+                <a14:useLocalDpi xmlns:a14="http://schemas.microsoft.com/office/drawing/2010/main" val="0"/>
+              </a:ext>
+            </a:extLst>
+          </a:blip>
+          <a:stretch>
+            <a:fillRect/>
+          </a:stretch>
+        </p:blipFill>
+        <p:spPr>
+          <a:xfrm>
+            <a:off x="16341036" y="8058429"/>
+            <a:ext cx="1942857" cy="2228571"/>
+          </a:xfrm>
+          <a:prstGeom prst="rect">
+            <a:avLst/>
+          </a:prstGeom>
+        </p:spPr>
+      </p:pic>
+      <p:graphicFrame>
+        <p:nvGraphicFramePr>
+          <p:cNvPr id="5" name="Table 4">
+            <a:extLst>
+              <a:ext uri="{FF2B5EF4-FFF2-40B4-BE49-F238E27FC236}">
+                <a16:creationId xmlns:a16="http://schemas.microsoft.com/office/drawing/2014/main" id="{37944882-63E8-6A27-758D-04FD57EC3761}"/>
+              </a:ext>
+            </a:extLst>
+          </p:cNvPr>
+          <p:cNvGraphicFramePr>
+            <a:graphicFrameLocks noGrp="1"/>
+          </p:cNvGraphicFramePr>
+          <p:nvPr/>
+        </p:nvGraphicFramePr>
+        <p:xfrm>
+          <a:off x="228600" y="2139278"/>
+          <a:ext cx="16112436" cy="7575532"/>
+        </p:xfrm>
+        <a:graphic>
+          <a:graphicData uri="http://schemas.openxmlformats.org/drawingml/2006/table">
+            <a:tbl>
+              <a:tblPr>
+                <a:tableStyleId>{2D5ABB26-0587-4C30-8999-92F81FD0307C}</a:tableStyleId>
+              </a:tblPr>
+              <a:tblGrid>
+                <a:gridCol w="2829502">
+                  <a:extLst>
+                    <a:ext uri="{9D8B030D-6E8A-4147-A177-3AD203B41FA5}">
+                      <a16:colId xmlns:a16="http://schemas.microsoft.com/office/drawing/2014/main" val="1525359229"/>
+                    </a:ext>
+                  </a:extLst>
+                </a:gridCol>
+                <a:gridCol w="7912122">
+                  <a:extLst>
+                    <a:ext uri="{9D8B030D-6E8A-4147-A177-3AD203B41FA5}">
+                      <a16:colId xmlns:a16="http://schemas.microsoft.com/office/drawing/2014/main" val="2538730899"/>
+                    </a:ext>
+                  </a:extLst>
+                </a:gridCol>
+                <a:gridCol w="5370812">
+                  <a:extLst>
+                    <a:ext uri="{9D8B030D-6E8A-4147-A177-3AD203B41FA5}">
+                      <a16:colId xmlns:a16="http://schemas.microsoft.com/office/drawing/2014/main" val="3469586132"/>
+                    </a:ext>
+                  </a:extLst>
+                </a:gridCol>
+              </a:tblGrid>
+              <a:tr h="410762">
+                <a:tc>
+                  <a:txBody>
+                    <a:bodyPr/>
+                    <a:lstStyle/>
+                    <a:p>
+                      <a:r>
+                        <a:rPr lang="en-US" sz="2800" b="1"/>
+                        <a:t>Tool</a:t>
+                      </a:r>
+                      <a:endParaRPr lang="en-US" sz="2800"/>
+                    </a:p>
+                  </a:txBody>
+                  <a:tcPr marL="59552" marR="59552" marT="29776" marB="29776" anchor="ctr">
+                    <a:lnL w="12700" cap="flat" cmpd="sng" algn="ctr">
+                      <a:solidFill>
+                        <a:schemeClr val="tx1"/>
+                      </a:solidFill>
+                      <a:prstDash val="solid"/>
+                      <a:round/>
+                      <a:headEnd type="none" w="med" len="med"/>
+                      <a:tailEnd type="none" w="med" len="med"/>
+                    </a:lnL>
+                    <a:lnR w="12700" cap="flat" cmpd="sng" algn="ctr">
+                      <a:solidFill>
+                        <a:schemeClr val="tx1"/>
+                      </a:solidFill>
+                      <a:prstDash val="solid"/>
+                      <a:round/>
+                      <a:headEnd type="none" w="med" len="med"/>
+                      <a:tailEnd type="none" w="med" len="med"/>
+                    </a:lnR>
+                    <a:lnT w="12700" cap="flat" cmpd="sng" algn="ctr">
+                      <a:solidFill>
+                        <a:schemeClr val="tx1"/>
+                      </a:solidFill>
+                      <a:prstDash val="solid"/>
+                      <a:round/>
+                      <a:headEnd type="none" w="med" len="med"/>
+                      <a:tailEnd type="none" w="med" len="med"/>
+                    </a:lnT>
+                    <a:lnB w="12700" cap="flat" cmpd="sng" algn="ctr">
+                      <a:solidFill>
+                        <a:schemeClr val="tx1"/>
+                      </a:solidFill>
+                      <a:prstDash val="solid"/>
+                      <a:round/>
+                      <a:headEnd type="none" w="med" len="med"/>
+                      <a:tailEnd type="none" w="med" len="med"/>
+                    </a:lnB>
+                  </a:tcPr>
+                </a:tc>
+                <a:tc>
+                  <a:txBody>
+                    <a:bodyPr/>
+                    <a:lstStyle/>
+                    <a:p>
+                      <a:r>
+                        <a:rPr lang="en-US" sz="2800" b="1"/>
+                        <a:t>Primary Functions</a:t>
+                      </a:r>
+                      <a:endParaRPr lang="en-US" sz="2800"/>
+                    </a:p>
+                  </a:txBody>
+                  <a:tcPr marL="59552" marR="59552" marT="29776" marB="29776" anchor="ctr">
+                    <a:lnL w="12700" cap="flat" cmpd="sng" algn="ctr">
+                      <a:solidFill>
+                        <a:schemeClr val="tx1"/>
+                      </a:solidFill>
+                      <a:prstDash val="solid"/>
+                      <a:round/>
+                      <a:headEnd type="none" w="med" len="med"/>
+                      <a:tailEnd type="none" w="med" len="med"/>
+                    </a:lnL>
+                    <a:lnR w="12700" cap="flat" cmpd="sng" algn="ctr">
+                      <a:solidFill>
+                        <a:schemeClr val="tx1"/>
+                      </a:solidFill>
+                      <a:prstDash val="solid"/>
+                      <a:round/>
+                      <a:headEnd type="none" w="med" len="med"/>
+                      <a:tailEnd type="none" w="med" len="med"/>
+                    </a:lnR>
+                    <a:lnT w="12700" cap="flat" cmpd="sng" algn="ctr">
+                      <a:solidFill>
+                        <a:schemeClr val="tx1"/>
+                      </a:solidFill>
+                      <a:prstDash val="solid"/>
+                      <a:round/>
+                      <a:headEnd type="none" w="med" len="med"/>
+                      <a:tailEnd type="none" w="med" len="med"/>
+                    </a:lnT>
+                    <a:lnB w="12700" cap="flat" cmpd="sng" algn="ctr">
+                      <a:solidFill>
+                        <a:schemeClr val="tx1"/>
+                      </a:solidFill>
+                      <a:prstDash val="solid"/>
+                      <a:round/>
+                      <a:headEnd type="none" w="med" len="med"/>
+                      <a:tailEnd type="none" w="med" len="med"/>
+                    </a:lnB>
+                  </a:tcPr>
+                </a:tc>
+                <a:tc>
+                  <a:txBody>
+                    <a:bodyPr/>
+                    <a:lstStyle/>
+                    <a:p>
+                      <a:r>
+                        <a:rPr lang="en-US" sz="2800" b="1"/>
+                        <a:t>Strengths</a:t>
+                      </a:r>
+                      <a:endParaRPr lang="en-US" sz="2800"/>
+                    </a:p>
+                  </a:txBody>
+                  <a:tcPr marL="59552" marR="59552" marT="29776" marB="29776" anchor="ctr">
+                    <a:lnL w="12700" cap="flat" cmpd="sng" algn="ctr">
+                      <a:solidFill>
+                        <a:schemeClr val="tx1"/>
+                      </a:solidFill>
+                      <a:prstDash val="solid"/>
+                      <a:round/>
+                      <a:headEnd type="none" w="med" len="med"/>
+                      <a:tailEnd type="none" w="med" len="med"/>
+                    </a:lnL>
+                    <a:lnR w="12700" cap="flat" cmpd="sng" algn="ctr">
+                      <a:solidFill>
+                        <a:schemeClr val="tx1"/>
+                      </a:solidFill>
+                      <a:prstDash val="solid"/>
+                      <a:round/>
+                      <a:headEnd type="none" w="med" len="med"/>
+                      <a:tailEnd type="none" w="med" len="med"/>
+                    </a:lnR>
+                    <a:lnT w="12700" cap="flat" cmpd="sng" algn="ctr">
+                      <a:solidFill>
+                        <a:schemeClr val="tx1"/>
+                      </a:solidFill>
+                      <a:prstDash val="solid"/>
+                      <a:round/>
+                      <a:headEnd type="none" w="med" len="med"/>
+                      <a:tailEnd type="none" w="med" len="med"/>
+                    </a:lnT>
+                    <a:lnB w="12700" cap="flat" cmpd="sng" algn="ctr">
+                      <a:solidFill>
+                        <a:schemeClr val="tx1"/>
+                      </a:solidFill>
+                      <a:prstDash val="solid"/>
+                      <a:round/>
+                      <a:headEnd type="none" w="med" len="med"/>
+                      <a:tailEnd type="none" w="med" len="med"/>
+                    </a:lnB>
+                  </a:tcPr>
+                </a:tc>
+                <a:extLst>
+                  <a:ext uri="{0D108BD9-81ED-4DB2-BD59-A6C34878D82A}">
+                    <a16:rowId xmlns:a16="http://schemas.microsoft.com/office/drawing/2014/main" val="2831305640"/>
+                  </a:ext>
+                </a:extLst>
+              </a:tr>
+              <a:tr h="2607127">
+                <a:tc>
+                  <a:txBody>
+                    <a:bodyPr/>
+                    <a:lstStyle/>
+                    <a:p>
+                      <a:r>
+                        <a:rPr lang="en-US" sz="2800" b="1" dirty="0"/>
+                        <a:t>Python</a:t>
+                      </a:r>
+                      <a:endParaRPr lang="en-US" sz="2800" dirty="0"/>
+                    </a:p>
+                  </a:txBody>
+                  <a:tcPr marL="59552" marR="59552" marT="29776" marB="29776" anchor="ctr">
+                    <a:lnL w="12700" cap="flat" cmpd="sng" algn="ctr">
+                      <a:solidFill>
+                        <a:schemeClr val="tx1"/>
+                      </a:solidFill>
+                      <a:prstDash val="solid"/>
+                      <a:round/>
+                      <a:headEnd type="none" w="med" len="med"/>
+                      <a:tailEnd type="none" w="med" len="med"/>
+                    </a:lnL>
+                    <a:lnR w="12700" cap="flat" cmpd="sng" algn="ctr">
+                      <a:solidFill>
+                        <a:schemeClr val="tx1"/>
+                      </a:solidFill>
+                      <a:prstDash val="solid"/>
+                      <a:round/>
+                      <a:headEnd type="none" w="med" len="med"/>
+                      <a:tailEnd type="none" w="med" len="med"/>
+                    </a:lnR>
+                    <a:lnT w="12700" cap="flat" cmpd="sng" algn="ctr">
+                      <a:solidFill>
+                        <a:schemeClr val="tx1"/>
+                      </a:solidFill>
+                      <a:prstDash val="solid"/>
+                      <a:round/>
+                      <a:headEnd type="none" w="med" len="med"/>
+                      <a:tailEnd type="none" w="med" len="med"/>
+                    </a:lnT>
+                    <a:lnB w="12700" cap="flat" cmpd="sng" algn="ctr">
+                      <a:solidFill>
+                        <a:schemeClr val="tx1"/>
+                      </a:solidFill>
+                      <a:prstDash val="solid"/>
+                      <a:round/>
+                      <a:headEnd type="none" w="med" len="med"/>
+                      <a:tailEnd type="none" w="med" len="med"/>
+                    </a:lnB>
+                  </a:tcPr>
+                </a:tc>
+                <a:tc>
+                  <a:txBody>
+                    <a:bodyPr/>
+                    <a:lstStyle/>
+                    <a:p>
+                      <a:r>
+                        <a:rPr lang="en-US" sz="2800" dirty="0"/>
+                        <a:t>Backend data analysis, advanced charting, machine learning</a:t>
+                      </a:r>
+                    </a:p>
+                  </a:txBody>
+                  <a:tcPr marL="59552" marR="59552" marT="29776" marB="29776" anchor="ctr">
+                    <a:lnL w="12700" cap="flat" cmpd="sng" algn="ctr">
+                      <a:solidFill>
+                        <a:schemeClr val="tx1"/>
+                      </a:solidFill>
+                      <a:prstDash val="solid"/>
+                      <a:round/>
+                      <a:headEnd type="none" w="med" len="med"/>
+                      <a:tailEnd type="none" w="med" len="med"/>
+                    </a:lnL>
+                    <a:lnR w="12700" cap="flat" cmpd="sng" algn="ctr">
+                      <a:solidFill>
+                        <a:schemeClr val="tx1"/>
+                      </a:solidFill>
+                      <a:prstDash val="solid"/>
+                      <a:round/>
+                      <a:headEnd type="none" w="med" len="med"/>
+                      <a:tailEnd type="none" w="med" len="med"/>
+                    </a:lnR>
+                    <a:lnT w="12700" cap="flat" cmpd="sng" algn="ctr">
+                      <a:solidFill>
+                        <a:schemeClr val="tx1"/>
+                      </a:solidFill>
+                      <a:prstDash val="solid"/>
+                      <a:round/>
+                      <a:headEnd type="none" w="med" len="med"/>
+                      <a:tailEnd type="none" w="med" len="med"/>
+                    </a:lnT>
+                    <a:lnB w="12700" cap="flat" cmpd="sng" algn="ctr">
+                      <a:solidFill>
+                        <a:schemeClr val="tx1"/>
+                      </a:solidFill>
+                      <a:prstDash val="solid"/>
+                      <a:round/>
+                      <a:headEnd type="none" w="med" len="med"/>
+                      <a:tailEnd type="none" w="med" len="med"/>
+                    </a:lnB>
+                  </a:tcPr>
+                </a:tc>
+                <a:tc>
+                  <a:txBody>
+                    <a:bodyPr/>
+                    <a:lstStyle/>
+                    <a:p>
+                      <a:r>
+                        <a:rPr lang="en-US" sz="2800" dirty="0"/>
+                        <a:t>Powerful data manipulation with libraries like pandas, extensive visualization options with libraries like matplotlib and seaborn</a:t>
+                      </a:r>
+                    </a:p>
+                  </a:txBody>
+                  <a:tcPr marL="59552" marR="59552" marT="29776" marB="29776" anchor="ctr">
+                    <a:lnL w="12700" cap="flat" cmpd="sng" algn="ctr">
+                      <a:solidFill>
+                        <a:schemeClr val="tx1"/>
+                      </a:solidFill>
+                      <a:prstDash val="solid"/>
+                      <a:round/>
+                      <a:headEnd type="none" w="med" len="med"/>
+                      <a:tailEnd type="none" w="med" len="med"/>
+                    </a:lnL>
+                    <a:lnR w="12700" cap="flat" cmpd="sng" algn="ctr">
+                      <a:solidFill>
+                        <a:schemeClr val="tx1"/>
+                      </a:solidFill>
+                      <a:prstDash val="solid"/>
+                      <a:round/>
+                      <a:headEnd type="none" w="med" len="med"/>
+                      <a:tailEnd type="none" w="med" len="med"/>
+                    </a:lnR>
+                    <a:lnT w="12700" cap="flat" cmpd="sng" algn="ctr">
+                      <a:solidFill>
+                        <a:schemeClr val="tx1"/>
+                      </a:solidFill>
+                      <a:prstDash val="solid"/>
+                      <a:round/>
+                      <a:headEnd type="none" w="med" len="med"/>
+                      <a:tailEnd type="none" w="med" len="med"/>
+                    </a:lnT>
+                    <a:lnB w="12700" cap="flat" cmpd="sng" algn="ctr">
+                      <a:solidFill>
+                        <a:schemeClr val="tx1"/>
+                      </a:solidFill>
+                      <a:prstDash val="solid"/>
+                      <a:round/>
+                      <a:headEnd type="none" w="med" len="med"/>
+                      <a:tailEnd type="none" w="med" len="med"/>
+                    </a:lnB>
+                  </a:tcPr>
+                </a:tc>
+                <a:extLst>
+                  <a:ext uri="{0D108BD9-81ED-4DB2-BD59-A6C34878D82A}">
+                    <a16:rowId xmlns:a16="http://schemas.microsoft.com/office/drawing/2014/main" val="47735761"/>
+                  </a:ext>
+                </a:extLst>
+              </a:tr>
+              <a:tr h="1875006">
+                <a:tc>
+                  <a:txBody>
+                    <a:bodyPr/>
+                    <a:lstStyle/>
+                    <a:p>
+                      <a:r>
+                        <a:rPr lang="en-US" sz="2800" b="1"/>
+                        <a:t>Excel</a:t>
+                      </a:r>
+                      <a:endParaRPr lang="en-US" sz="2800"/>
+                    </a:p>
+                  </a:txBody>
+                  <a:tcPr marL="59552" marR="59552" marT="29776" marB="29776" anchor="ctr">
+                    <a:lnL w="12700" cap="flat" cmpd="sng" algn="ctr">
+                      <a:solidFill>
+                        <a:schemeClr val="tx1"/>
+                      </a:solidFill>
+                      <a:prstDash val="solid"/>
+                      <a:round/>
+                      <a:headEnd type="none" w="med" len="med"/>
+                      <a:tailEnd type="none" w="med" len="med"/>
+                    </a:lnL>
+                    <a:lnR w="12700" cap="flat" cmpd="sng" algn="ctr">
+                      <a:solidFill>
+                        <a:schemeClr val="tx1"/>
+                      </a:solidFill>
+                      <a:prstDash val="solid"/>
+                      <a:round/>
+                      <a:headEnd type="none" w="med" len="med"/>
+                      <a:tailEnd type="none" w="med" len="med"/>
+                    </a:lnR>
+                    <a:lnT w="12700" cap="flat" cmpd="sng" algn="ctr">
+                      <a:solidFill>
+                        <a:schemeClr val="tx1"/>
+                      </a:solidFill>
+                      <a:prstDash val="solid"/>
+                      <a:round/>
+                      <a:headEnd type="none" w="med" len="med"/>
+                      <a:tailEnd type="none" w="med" len="med"/>
+                    </a:lnT>
+                    <a:lnB w="12700" cap="flat" cmpd="sng" algn="ctr">
+                      <a:solidFill>
+                        <a:schemeClr val="tx1"/>
+                      </a:solidFill>
+                      <a:prstDash val="solid"/>
+                      <a:round/>
+                      <a:headEnd type="none" w="med" len="med"/>
+                      <a:tailEnd type="none" w="med" len="med"/>
+                    </a:lnB>
+                  </a:tcPr>
+                </a:tc>
+                <a:tc>
+                  <a:txBody>
+                    <a:bodyPr/>
+                    <a:lstStyle/>
+                    <a:p>
+                      <a:r>
+                        <a:rPr lang="en-US" sz="2800" dirty="0"/>
+                        <a:t>Frontend formatting, usability, interactive dashboards</a:t>
+                      </a:r>
+                    </a:p>
+                  </a:txBody>
+                  <a:tcPr marL="59552" marR="59552" marT="29776" marB="29776" anchor="ctr">
+                    <a:lnL w="12700" cap="flat" cmpd="sng" algn="ctr">
+                      <a:solidFill>
+                        <a:schemeClr val="tx1"/>
+                      </a:solidFill>
+                      <a:prstDash val="solid"/>
+                      <a:round/>
+                      <a:headEnd type="none" w="med" len="med"/>
+                      <a:tailEnd type="none" w="med" len="med"/>
+                    </a:lnL>
+                    <a:lnR w="12700" cap="flat" cmpd="sng" algn="ctr">
+                      <a:solidFill>
+                        <a:schemeClr val="tx1"/>
+                      </a:solidFill>
+                      <a:prstDash val="solid"/>
+                      <a:round/>
+                      <a:headEnd type="none" w="med" len="med"/>
+                      <a:tailEnd type="none" w="med" len="med"/>
+                    </a:lnR>
+                    <a:lnT w="12700" cap="flat" cmpd="sng" algn="ctr">
+                      <a:solidFill>
+                        <a:schemeClr val="tx1"/>
+                      </a:solidFill>
+                      <a:prstDash val="solid"/>
+                      <a:round/>
+                      <a:headEnd type="none" w="med" len="med"/>
+                      <a:tailEnd type="none" w="med" len="med"/>
+                    </a:lnT>
+                    <a:lnB w="12700" cap="flat" cmpd="sng" algn="ctr">
+                      <a:solidFill>
+                        <a:schemeClr val="tx1"/>
+                      </a:solidFill>
+                      <a:prstDash val="solid"/>
+                      <a:round/>
+                      <a:headEnd type="none" w="med" len="med"/>
+                      <a:tailEnd type="none" w="med" len="med"/>
+                    </a:lnB>
+                  </a:tcPr>
+                </a:tc>
+                <a:tc>
+                  <a:txBody>
+                    <a:bodyPr/>
+                    <a:lstStyle/>
+                    <a:p>
+                      <a:r>
+                        <a:rPr lang="en-US" sz="2800" dirty="0"/>
+                        <a:t>User-friendly interface, widespread usage, well-suited for formatting and presentation</a:t>
+                      </a:r>
+                    </a:p>
+                  </a:txBody>
+                  <a:tcPr marL="59552" marR="59552" marT="29776" marB="29776" anchor="ctr">
+                    <a:lnL w="12700" cap="flat" cmpd="sng" algn="ctr">
+                      <a:solidFill>
+                        <a:schemeClr val="tx1"/>
+                      </a:solidFill>
+                      <a:prstDash val="solid"/>
+                      <a:round/>
+                      <a:headEnd type="none" w="med" len="med"/>
+                      <a:tailEnd type="none" w="med" len="med"/>
+                    </a:lnL>
+                    <a:lnR w="12700" cap="flat" cmpd="sng" algn="ctr">
+                      <a:solidFill>
+                        <a:schemeClr val="tx1"/>
+                      </a:solidFill>
+                      <a:prstDash val="solid"/>
+                      <a:round/>
+                      <a:headEnd type="none" w="med" len="med"/>
+                      <a:tailEnd type="none" w="med" len="med"/>
+                    </a:lnR>
+                    <a:lnT w="12700" cap="flat" cmpd="sng" algn="ctr">
+                      <a:solidFill>
+                        <a:schemeClr val="tx1"/>
+                      </a:solidFill>
+                      <a:prstDash val="solid"/>
+                      <a:round/>
+                      <a:headEnd type="none" w="med" len="med"/>
+                      <a:tailEnd type="none" w="med" len="med"/>
+                    </a:lnT>
+                    <a:lnB w="12700" cap="flat" cmpd="sng" algn="ctr">
+                      <a:solidFill>
+                        <a:schemeClr val="tx1"/>
+                      </a:solidFill>
+                      <a:prstDash val="solid"/>
+                      <a:round/>
+                      <a:headEnd type="none" w="med" len="med"/>
+                      <a:tailEnd type="none" w="med" len="med"/>
+                    </a:lnB>
+                  </a:tcPr>
+                </a:tc>
+                <a:extLst>
+                  <a:ext uri="{0D108BD9-81ED-4DB2-BD59-A6C34878D82A}">
+                    <a16:rowId xmlns:a16="http://schemas.microsoft.com/office/drawing/2014/main" val="715534459"/>
+                  </a:ext>
+                </a:extLst>
+              </a:tr>
+              <a:tr h="2607127">
+                <a:tc>
+                  <a:txBody>
+                    <a:bodyPr/>
+                    <a:lstStyle/>
+                    <a:p>
+                      <a:r>
+                        <a:rPr lang="en-US" sz="2800" b="1"/>
+                        <a:t>JavaScript/TypeScript</a:t>
+                      </a:r>
+                      <a:endParaRPr lang="en-US" sz="2800"/>
+                    </a:p>
+                  </a:txBody>
+                  <a:tcPr marL="59552" marR="59552" marT="29776" marB="29776" anchor="ctr">
+                    <a:lnL w="12700" cap="flat" cmpd="sng" algn="ctr">
+                      <a:solidFill>
+                        <a:schemeClr val="tx1"/>
+                      </a:solidFill>
+                      <a:prstDash val="solid"/>
+                      <a:round/>
+                      <a:headEnd type="none" w="med" len="med"/>
+                      <a:tailEnd type="none" w="med" len="med"/>
+                    </a:lnL>
+                    <a:lnR w="12700" cap="flat" cmpd="sng" algn="ctr">
+                      <a:solidFill>
+                        <a:schemeClr val="tx1"/>
+                      </a:solidFill>
+                      <a:prstDash val="solid"/>
+                      <a:round/>
+                      <a:headEnd type="none" w="med" len="med"/>
+                      <a:tailEnd type="none" w="med" len="med"/>
+                    </a:lnR>
+                    <a:lnT w="12700" cap="flat" cmpd="sng" algn="ctr">
+                      <a:solidFill>
+                        <a:schemeClr val="tx1"/>
+                      </a:solidFill>
+                      <a:prstDash val="solid"/>
+                      <a:round/>
+                      <a:headEnd type="none" w="med" len="med"/>
+                      <a:tailEnd type="none" w="med" len="med"/>
+                    </a:lnT>
+                    <a:lnB w="12700" cap="flat" cmpd="sng" algn="ctr">
+                      <a:solidFill>
+                        <a:schemeClr val="tx1"/>
+                      </a:solidFill>
+                      <a:prstDash val="solid"/>
+                      <a:round/>
+                      <a:headEnd type="none" w="med" len="med"/>
+                      <a:tailEnd type="none" w="med" len="med"/>
+                    </a:lnB>
+                  </a:tcPr>
+                </a:tc>
+                <a:tc>
+                  <a:txBody>
+                    <a:bodyPr/>
+                    <a:lstStyle/>
+                    <a:p>
+                      <a:r>
+                        <a:rPr lang="en-US" sz="2800"/>
+                        <a:t>Additional add-ins, enhanced interactivity, web integration</a:t>
+                      </a:r>
+                    </a:p>
+                  </a:txBody>
+                  <a:tcPr marL="59552" marR="59552" marT="29776" marB="29776" anchor="ctr">
+                    <a:lnL w="12700" cap="flat" cmpd="sng" algn="ctr">
+                      <a:solidFill>
+                        <a:schemeClr val="tx1"/>
+                      </a:solidFill>
+                      <a:prstDash val="solid"/>
+                      <a:round/>
+                      <a:headEnd type="none" w="med" len="med"/>
+                      <a:tailEnd type="none" w="med" len="med"/>
+                    </a:lnL>
+                    <a:lnR w="12700" cap="flat" cmpd="sng" algn="ctr">
+                      <a:solidFill>
+                        <a:schemeClr val="tx1"/>
+                      </a:solidFill>
+                      <a:prstDash val="solid"/>
+                      <a:round/>
+                      <a:headEnd type="none" w="med" len="med"/>
+                      <a:tailEnd type="none" w="med" len="med"/>
+                    </a:lnR>
+                    <a:lnT w="12700" cap="flat" cmpd="sng" algn="ctr">
+                      <a:solidFill>
+                        <a:schemeClr val="tx1"/>
+                      </a:solidFill>
+                      <a:prstDash val="solid"/>
+                      <a:round/>
+                      <a:headEnd type="none" w="med" len="med"/>
+                      <a:tailEnd type="none" w="med" len="med"/>
+                    </a:lnT>
+                    <a:lnB w="12700" cap="flat" cmpd="sng" algn="ctr">
+                      <a:solidFill>
+                        <a:schemeClr val="tx1"/>
+                      </a:solidFill>
+                      <a:prstDash val="solid"/>
+                      <a:round/>
+                      <a:headEnd type="none" w="med" len="med"/>
+                      <a:tailEnd type="none" w="med" len="med"/>
+                    </a:lnB>
+                  </a:tcPr>
+                </a:tc>
+                <a:tc>
+                  <a:txBody>
+                    <a:bodyPr/>
+                    <a:lstStyle/>
+                    <a:p>
+                      <a:r>
+                        <a:rPr lang="en-US" sz="2800" dirty="0"/>
+                        <a:t>Building and integrating more complex functionalities, expanding Excel’s capabilities into web and app development</a:t>
+                      </a:r>
+                    </a:p>
+                  </a:txBody>
+                  <a:tcPr marL="59552" marR="59552" marT="29776" marB="29776" anchor="ctr">
+                    <a:lnL w="12700" cap="flat" cmpd="sng" algn="ctr">
+                      <a:solidFill>
+                        <a:schemeClr val="tx1"/>
+                      </a:solidFill>
+                      <a:prstDash val="solid"/>
+                      <a:round/>
+                      <a:headEnd type="none" w="med" len="med"/>
+                      <a:tailEnd type="none" w="med" len="med"/>
+                    </a:lnL>
+                    <a:lnR w="12700" cap="flat" cmpd="sng" algn="ctr">
+                      <a:solidFill>
+                        <a:schemeClr val="tx1"/>
+                      </a:solidFill>
+                      <a:prstDash val="solid"/>
+                      <a:round/>
+                      <a:headEnd type="none" w="med" len="med"/>
+                      <a:tailEnd type="none" w="med" len="med"/>
+                    </a:lnR>
+                    <a:lnT w="12700" cap="flat" cmpd="sng" algn="ctr">
+                      <a:solidFill>
+                        <a:schemeClr val="tx1"/>
+                      </a:solidFill>
+                      <a:prstDash val="solid"/>
+                      <a:round/>
+                      <a:headEnd type="none" w="med" len="med"/>
+                      <a:tailEnd type="none" w="med" len="med"/>
+                    </a:lnT>
+                    <a:lnB w="12700" cap="flat" cmpd="sng" algn="ctr">
+                      <a:solidFill>
+                        <a:schemeClr val="tx1"/>
+                      </a:solidFill>
+                      <a:prstDash val="solid"/>
+                      <a:round/>
+                      <a:headEnd type="none" w="med" len="med"/>
+                      <a:tailEnd type="none" w="med" len="med"/>
+                    </a:lnB>
+                  </a:tcPr>
+                </a:tc>
+                <a:extLst>
+                  <a:ext uri="{0D108BD9-81ED-4DB2-BD59-A6C34878D82A}">
+                    <a16:rowId xmlns:a16="http://schemas.microsoft.com/office/drawing/2014/main" val="1932398644"/>
+                  </a:ext>
+                </a:extLst>
+              </a:tr>
+            </a:tbl>
+          </a:graphicData>
+        </a:graphic>
+      </p:graphicFrame>
+    </p:spTree>
+    <p:extLst>
+      <p:ext uri="{BB962C8B-B14F-4D97-AF65-F5344CB8AC3E}">
+        <p14:creationId xmlns:p14="http://schemas.microsoft.com/office/powerpoint/2010/main" val="2177561384"/>
+      </p:ext>
+    </p:extLst>
+  </p:cSld>
+  <p:clrMapOvr>
+    <a:masterClrMapping/>
+  </p:clrMapOvr>
+</p:sld>
+</file>
+
+<file path=ppt/slides/slide16.xml><?xml version="1.0" encoding="utf-8"?>
+<p:sld xmlns:a="http://schemas.openxmlformats.org/drawingml/2006/main" xmlns:r="http://schemas.openxmlformats.org/officeDocument/2006/relationships" xmlns:p="http://schemas.openxmlformats.org/presentationml/2006/main">
+  <p:cSld>
+    <p:spTree>
+      <p:nvGrpSpPr>
+        <p:cNvPr id="1" name="">
+          <a:extLst>
+            <a:ext uri="{FF2B5EF4-FFF2-40B4-BE49-F238E27FC236}">
+              <a16:creationId xmlns:a16="http://schemas.microsoft.com/office/drawing/2014/main" id="{69526C44-A988-C289-0AA2-D18B29233910}"/>
+            </a:ext>
+          </a:extLst>
+        </p:cNvPr>
+        <p:cNvGrpSpPr/>
+        <p:nvPr/>
+      </p:nvGrpSpPr>
+      <p:grpSpPr>
+        <a:xfrm>
+          <a:off x="0" y="0"/>
+          <a:ext cx="0" cy="0"/>
+          <a:chOff x="0" y="0"/>
+          <a:chExt cx="0" cy="0"/>
+        </a:xfrm>
+      </p:grpSpPr>
+      <p:sp>
+        <p:nvSpPr>
+          <p:cNvPr id="11" name="TextBox 10">
+            <a:extLst>
+              <a:ext uri="{FF2B5EF4-FFF2-40B4-BE49-F238E27FC236}">
+                <a16:creationId xmlns:a16="http://schemas.microsoft.com/office/drawing/2014/main" id="{6E5D1B74-14ED-D7BA-E868-A91178778D0B}"/>
+              </a:ext>
+            </a:extLst>
+          </p:cNvPr>
+          <p:cNvSpPr txBox="1"/>
+          <p:nvPr/>
+        </p:nvSpPr>
+        <p:spPr>
+          <a:xfrm>
+            <a:off x="520861" y="170082"/>
+            <a:ext cx="11979797" cy="1477328"/>
+          </a:xfrm>
+          <a:prstGeom prst="rect">
+            <a:avLst/>
+          </a:prstGeom>
+          <a:noFill/>
+        </p:spPr>
+        <p:txBody>
+          <a:bodyPr wrap="square" rtlCol="0">
+            <a:spAutoFit/>
+          </a:bodyPr>
+          <a:lstStyle/>
+          <a:p>
+            <a:r>
+              <a:rPr lang="en-US" sz="9000" dirty="0">
+                <a:latin typeface="Aliens &amp; cows" panose="00000500000000000000" pitchFamily="2" charset="0"/>
+              </a:rPr>
+              <a:t>The future of Excel?</a:t>
+            </a:r>
+          </a:p>
+        </p:txBody>
+      </p:sp>
+      <p:pic>
+        <p:nvPicPr>
+          <p:cNvPr id="15" name="Picture 14" descr="A close up of a sign&#10;&#10;Description automatically generated">
+            <a:extLst>
+              <a:ext uri="{FF2B5EF4-FFF2-40B4-BE49-F238E27FC236}">
+                <a16:creationId xmlns:a16="http://schemas.microsoft.com/office/drawing/2014/main" id="{BB4809D3-73AB-602B-1011-3EFB4EA3E307}"/>
+              </a:ext>
+            </a:extLst>
+          </p:cNvPr>
+          <p:cNvPicPr>
+            <a:picLocks noChangeAspect="1"/>
+          </p:cNvPicPr>
+          <p:nvPr/>
+        </p:nvPicPr>
+        <p:blipFill>
+          <a:blip r:embed="rId3">
+            <a:extLst>
+              <a:ext uri="{28A0092B-C50C-407E-A947-70E740481C1C}">
+                <a14:useLocalDpi xmlns:a14="http://schemas.microsoft.com/office/drawing/2010/main" val="0"/>
+              </a:ext>
+            </a:extLst>
+          </a:blip>
+          <a:stretch>
+            <a:fillRect/>
+          </a:stretch>
+        </p:blipFill>
+        <p:spPr>
+          <a:xfrm>
+            <a:off x="16341036" y="8058429"/>
+            <a:ext cx="1942857" cy="2228571"/>
+          </a:xfrm>
+          <a:prstGeom prst="rect">
+            <a:avLst/>
+          </a:prstGeom>
+        </p:spPr>
+      </p:pic>
+      <p:pic>
+        <p:nvPicPr>
+          <p:cNvPr id="3" name="Picture 2" descr="A screenshot of a social media post&#10;&#10;AI-generated content may be incorrect.">
+            <a:extLst>
+              <a:ext uri="{FF2B5EF4-FFF2-40B4-BE49-F238E27FC236}">
+                <a16:creationId xmlns:a16="http://schemas.microsoft.com/office/drawing/2014/main" id="{3D32C24E-4688-6683-7551-EE6AB33896BA}"/>
+              </a:ext>
+            </a:extLst>
+          </p:cNvPr>
+          <p:cNvPicPr>
+            <a:picLocks noChangeAspect="1"/>
+          </p:cNvPicPr>
+          <p:nvPr/>
+        </p:nvPicPr>
+        <p:blipFill>
+          <a:blip r:embed="rId4">
+            <a:extLst>
+              <a:ext uri="{28A0092B-C50C-407E-A947-70E740481C1C}">
+                <a14:useLocalDpi xmlns:a14="http://schemas.microsoft.com/office/drawing/2010/main" val="0"/>
+              </a:ext>
+            </a:extLst>
+          </a:blip>
+          <a:srcRect t="15527" b="15980"/>
+          <a:stretch/>
+        </p:blipFill>
+        <p:spPr>
+          <a:xfrm>
+            <a:off x="8465561" y="1998907"/>
+            <a:ext cx="8846903" cy="6059522"/>
+          </a:xfrm>
+          <a:prstGeom prst="rect">
+            <a:avLst/>
+          </a:prstGeom>
+        </p:spPr>
+      </p:pic>
+      <p:pic>
+        <p:nvPicPr>
+          <p:cNvPr id="4" name="Picture 3" descr="A screenshot of a social media post&#10;&#10;AI-generated content may be incorrect.">
+            <a:extLst>
+              <a:ext uri="{FF2B5EF4-FFF2-40B4-BE49-F238E27FC236}">
+                <a16:creationId xmlns:a16="http://schemas.microsoft.com/office/drawing/2014/main" id="{C5251441-C26D-F630-CD1A-6EC223323C9D}"/>
+              </a:ext>
+            </a:extLst>
+          </p:cNvPr>
+          <p:cNvPicPr>
+            <a:picLocks noChangeAspect="1"/>
+          </p:cNvPicPr>
+          <p:nvPr/>
+        </p:nvPicPr>
+        <p:blipFill>
+          <a:blip r:embed="rId5">
+            <a:extLst>
+              <a:ext uri="{28A0092B-C50C-407E-A947-70E740481C1C}">
+                <a14:useLocalDpi xmlns:a14="http://schemas.microsoft.com/office/drawing/2010/main" val="0"/>
+              </a:ext>
+            </a:extLst>
+          </a:blip>
+          <a:srcRect t="21852" b="21664"/>
+          <a:stretch/>
+        </p:blipFill>
+        <p:spPr>
+          <a:xfrm>
+            <a:off x="314269" y="5154769"/>
+            <a:ext cx="7672968" cy="4334014"/>
+          </a:xfrm>
+          <a:prstGeom prst="rect">
+            <a:avLst/>
+          </a:prstGeom>
+        </p:spPr>
+      </p:pic>
+    </p:spTree>
+    <p:extLst>
+      <p:ext uri="{BB962C8B-B14F-4D97-AF65-F5344CB8AC3E}">
+        <p14:creationId xmlns:p14="http://schemas.microsoft.com/office/powerpoint/2010/main" val="2877425305"/>
+      </p:ext>
+    </p:extLst>
+  </p:cSld>
+  <p:clrMapOvr>
+    <a:masterClrMapping/>
+  </p:clrMapOvr>
+</p:sld>
+</file>
+
+<file path=ppt/slides/slide17.xml><?xml version="1.0" encoding="utf-8"?>
+<p:sld xmlns:a="http://schemas.openxmlformats.org/drawingml/2006/main" xmlns:r="http://schemas.openxmlformats.org/officeDocument/2006/relationships" xmlns:p="http://schemas.openxmlformats.org/presentationml/2006/main">
+  <p:cSld>
+    <p:spTree>
+      <p:nvGrpSpPr>
+        <p:cNvPr id="1" name="">
+          <a:extLst>
+            <a:ext uri="{FF2B5EF4-FFF2-40B4-BE49-F238E27FC236}">
+              <a16:creationId xmlns:a16="http://schemas.microsoft.com/office/drawing/2014/main" id="{091CEEB3-2C34-A0F9-1ABF-D9CB59C6521E}"/>
+            </a:ext>
+          </a:extLst>
+        </p:cNvPr>
+        <p:cNvGrpSpPr/>
+        <p:nvPr/>
+      </p:nvGrpSpPr>
+      <p:grpSpPr>
+        <a:xfrm>
+          <a:off x="0" y="0"/>
+          <a:ext cx="0" cy="0"/>
+          <a:chOff x="0" y="0"/>
+          <a:chExt cx="0" cy="0"/>
+        </a:xfrm>
+      </p:grpSpPr>
+      <p:sp>
+        <p:nvSpPr>
+          <p:cNvPr id="11" name="TextBox 10">
+            <a:extLst>
+              <a:ext uri="{FF2B5EF4-FFF2-40B4-BE49-F238E27FC236}">
+                <a16:creationId xmlns:a16="http://schemas.microsoft.com/office/drawing/2014/main" id="{9D45D45D-6A62-2FCB-690F-9458780F61D9}"/>
+              </a:ext>
+            </a:extLst>
+          </p:cNvPr>
+          <p:cNvSpPr txBox="1"/>
+          <p:nvPr/>
+        </p:nvSpPr>
+        <p:spPr>
+          <a:xfrm>
+            <a:off x="520861" y="170082"/>
+            <a:ext cx="17309939" cy="1477328"/>
+          </a:xfrm>
+          <a:prstGeom prst="rect">
+            <a:avLst/>
+          </a:prstGeom>
+          <a:noFill/>
+        </p:spPr>
+        <p:txBody>
+          <a:bodyPr wrap="square" rtlCol="0">
+            <a:spAutoFit/>
+          </a:bodyPr>
+          <a:lstStyle/>
+          <a:p>
+            <a:r>
+              <a:rPr lang="en-US" sz="9000" dirty="0">
+                <a:latin typeface="Aliens &amp; cows" panose="00000500000000000000" pitchFamily="2" charset="0"/>
+              </a:rPr>
+              <a:t>Python in Excel… not enough? </a:t>
+            </a:r>
+          </a:p>
+        </p:txBody>
+      </p:sp>
+      <p:pic>
+        <p:nvPicPr>
+          <p:cNvPr id="15" name="Picture 14" descr="A close up of a sign&#10;&#10;Description automatically generated">
+            <a:extLst>
+              <a:ext uri="{FF2B5EF4-FFF2-40B4-BE49-F238E27FC236}">
+                <a16:creationId xmlns:a16="http://schemas.microsoft.com/office/drawing/2014/main" id="{B35A100B-4E0B-69D0-8339-1C212377B0EA}"/>
+              </a:ext>
+            </a:extLst>
+          </p:cNvPr>
+          <p:cNvPicPr>
+            <a:picLocks noChangeAspect="1"/>
+          </p:cNvPicPr>
+          <p:nvPr/>
+        </p:nvPicPr>
+        <p:blipFill>
+          <a:blip r:embed="rId3">
+            <a:extLst>
+              <a:ext uri="{28A0092B-C50C-407E-A947-70E740481C1C}">
+                <a14:useLocalDpi xmlns:a14="http://schemas.microsoft.com/office/drawing/2010/main" val="0"/>
+              </a:ext>
+            </a:extLst>
+          </a:blip>
+          <a:stretch>
+            <a:fillRect/>
+          </a:stretch>
+        </p:blipFill>
+        <p:spPr>
+          <a:xfrm>
+            <a:off x="16341036" y="8058429"/>
+            <a:ext cx="1942857" cy="2228571"/>
+          </a:xfrm>
+          <a:prstGeom prst="rect">
+            <a:avLst/>
+          </a:prstGeom>
+        </p:spPr>
+      </p:pic>
+      <p:pic>
+        <p:nvPicPr>
+          <p:cNvPr id="5" name="Content Placeholder 4" descr="A screenshot of a computer&#10;&#10;AI-generated content may be incorrect.">
+            <a:extLst>
+              <a:ext uri="{FF2B5EF4-FFF2-40B4-BE49-F238E27FC236}">
+                <a16:creationId xmlns:a16="http://schemas.microsoft.com/office/drawing/2014/main" id="{9B083A41-822E-24E2-B244-F70D3EA0F905}"/>
+              </a:ext>
+            </a:extLst>
+          </p:cNvPr>
+          <p:cNvPicPr>
+            <a:picLocks noChangeAspect="1"/>
+          </p:cNvPicPr>
+          <p:nvPr/>
+        </p:nvPicPr>
+        <p:blipFill>
+          <a:blip r:embed="rId4">
+            <a:extLst>
+              <a:ext uri="{28A0092B-C50C-407E-A947-70E740481C1C}">
+                <a14:useLocalDpi xmlns:a14="http://schemas.microsoft.com/office/drawing/2010/main" val="0"/>
+              </a:ext>
+            </a:extLst>
+          </a:blip>
+          <a:srcRect t="20604" b="21301"/>
+          <a:stretch/>
+        </p:blipFill>
+        <p:spPr>
+          <a:xfrm>
+            <a:off x="2743200" y="2095500"/>
+            <a:ext cx="12115800" cy="7038703"/>
+          </a:xfrm>
+          <a:prstGeom prst="rect">
+            <a:avLst/>
+          </a:prstGeom>
+        </p:spPr>
+      </p:pic>
+    </p:spTree>
+    <p:extLst>
+      <p:ext uri="{BB962C8B-B14F-4D97-AF65-F5344CB8AC3E}">
+        <p14:creationId xmlns:p14="http://schemas.microsoft.com/office/powerpoint/2010/main" val="2446553207"/>
+      </p:ext>
+    </p:extLst>
+  </p:cSld>
+  <p:clrMapOvr>
+    <a:masterClrMapping/>
+  </p:clrMapOvr>
+</p:sld>
+</file>
+
+<file path=ppt/slides/slide18.xml><?xml version="1.0" encoding="utf-8"?>
+<p:sld xmlns:a="http://schemas.openxmlformats.org/drawingml/2006/main" xmlns:r="http://schemas.openxmlformats.org/officeDocument/2006/relationships" xmlns:p="http://schemas.openxmlformats.org/presentationml/2006/main">
+  <p:cSld>
+    <p:spTree>
+      <p:nvGrpSpPr>
+        <p:cNvPr id="1" name="">
+          <a:extLst>
+            <a:ext uri="{FF2B5EF4-FFF2-40B4-BE49-F238E27FC236}">
+              <a16:creationId xmlns:a16="http://schemas.microsoft.com/office/drawing/2014/main" id="{4C3292F4-83A3-1C6F-5664-DBAAF91DE021}"/>
+            </a:ext>
+          </a:extLst>
+        </p:cNvPr>
+        <p:cNvGrpSpPr/>
+        <p:nvPr/>
+      </p:nvGrpSpPr>
+      <p:grpSpPr>
+        <a:xfrm>
+          <a:off x="0" y="0"/>
+          <a:ext cx="0" cy="0"/>
+          <a:chOff x="0" y="0"/>
+          <a:chExt cx="0" cy="0"/>
+        </a:xfrm>
+      </p:grpSpPr>
+      <p:sp>
+        <p:nvSpPr>
+          <p:cNvPr id="11" name="TextBox 10">
+            <a:extLst>
+              <a:ext uri="{FF2B5EF4-FFF2-40B4-BE49-F238E27FC236}">
+                <a16:creationId xmlns:a16="http://schemas.microsoft.com/office/drawing/2014/main" id="{9D5F29C7-0C01-750E-23AF-E6AB785C720B}"/>
+              </a:ext>
+            </a:extLst>
+          </p:cNvPr>
+          <p:cNvSpPr txBox="1"/>
+          <p:nvPr/>
+        </p:nvSpPr>
+        <p:spPr>
+          <a:xfrm>
+            <a:off x="520861" y="170082"/>
+            <a:ext cx="17309939" cy="1477328"/>
+          </a:xfrm>
+          <a:prstGeom prst="rect">
+            <a:avLst/>
+          </a:prstGeom>
+          <a:noFill/>
+        </p:spPr>
+        <p:txBody>
+          <a:bodyPr wrap="square" rtlCol="0">
+            <a:spAutoFit/>
+          </a:bodyPr>
+          <a:lstStyle/>
+          <a:p>
+            <a:r>
+              <a:rPr lang="en-US" sz="9000" dirty="0">
+                <a:latin typeface="Aliens &amp; cows" panose="00000500000000000000" pitchFamily="2" charset="0"/>
+              </a:rPr>
+              <a:t>Python in Excel… not enough? </a:t>
+            </a:r>
+          </a:p>
+        </p:txBody>
+      </p:sp>
+      <p:pic>
+        <p:nvPicPr>
+          <p:cNvPr id="15" name="Picture 14" descr="A close up of a sign&#10;&#10;Description automatically generated">
+            <a:extLst>
+              <a:ext uri="{FF2B5EF4-FFF2-40B4-BE49-F238E27FC236}">
+                <a16:creationId xmlns:a16="http://schemas.microsoft.com/office/drawing/2014/main" id="{1A6AE21C-E781-26C7-550B-6295B1F44958}"/>
+              </a:ext>
+            </a:extLst>
+          </p:cNvPr>
+          <p:cNvPicPr>
+            <a:picLocks noChangeAspect="1"/>
+          </p:cNvPicPr>
+          <p:nvPr/>
+        </p:nvPicPr>
+        <p:blipFill>
+          <a:blip r:embed="rId3">
+            <a:extLst>
+              <a:ext uri="{28A0092B-C50C-407E-A947-70E740481C1C}">
+                <a14:useLocalDpi xmlns:a14="http://schemas.microsoft.com/office/drawing/2010/main" val="0"/>
+              </a:ext>
+            </a:extLst>
+          </a:blip>
+          <a:stretch>
+            <a:fillRect/>
+          </a:stretch>
+        </p:blipFill>
+        <p:spPr>
+          <a:xfrm>
+            <a:off x="16341036" y="8058429"/>
+            <a:ext cx="1942857" cy="2228571"/>
+          </a:xfrm>
+          <a:prstGeom prst="rect">
+            <a:avLst/>
+          </a:prstGeom>
+        </p:spPr>
+      </p:pic>
+      <p:pic>
+        <p:nvPicPr>
+          <p:cNvPr id="9" name="Picture 8">
+            <a:extLst>
+              <a:ext uri="{FF2B5EF4-FFF2-40B4-BE49-F238E27FC236}">
+                <a16:creationId xmlns:a16="http://schemas.microsoft.com/office/drawing/2014/main" id="{1525273F-47DE-8F83-6D97-844CA34B1589}"/>
+              </a:ext>
+            </a:extLst>
+          </p:cNvPr>
+          <p:cNvPicPr>
+            <a:picLocks noChangeAspect="1"/>
+          </p:cNvPicPr>
+          <p:nvPr/>
+        </p:nvPicPr>
+        <p:blipFill>
+          <a:blip r:embed="rId4"/>
+          <a:stretch>
+            <a:fillRect/>
+          </a:stretch>
+        </p:blipFill>
+        <p:spPr>
+          <a:xfrm>
+            <a:off x="1143000" y="1535139"/>
+            <a:ext cx="14685399" cy="8581779"/>
+          </a:xfrm>
+          <a:prstGeom prst="rect">
+            <a:avLst/>
+          </a:prstGeom>
+        </p:spPr>
+      </p:pic>
+      <p:sp>
+        <p:nvSpPr>
+          <p:cNvPr id="2" name="TextBox 1">
+            <a:extLst>
+              <a:ext uri="{FF2B5EF4-FFF2-40B4-BE49-F238E27FC236}">
+                <a16:creationId xmlns:a16="http://schemas.microsoft.com/office/drawing/2014/main" id="{8F3ABE0A-8844-18DC-2637-915FDFA719E9}"/>
+              </a:ext>
+            </a:extLst>
+          </p:cNvPr>
+          <p:cNvSpPr txBox="1"/>
+          <p:nvPr/>
+        </p:nvSpPr>
+        <p:spPr>
+          <a:xfrm>
+            <a:off x="10287000" y="5520898"/>
+            <a:ext cx="2400837" cy="646331"/>
+          </a:xfrm>
+          <a:prstGeom prst="rect">
+            <a:avLst/>
+          </a:prstGeom>
+          <a:noFill/>
+        </p:spPr>
+        <p:txBody>
+          <a:bodyPr wrap="square" rtlCol="0">
+            <a:spAutoFit/>
+          </a:bodyPr>
+          <a:lstStyle/>
+          <a:p>
+            <a:r>
+              <a:rPr lang="en-US" b="1" dirty="0"/>
+              <a:t>Python in Excel announcement</a:t>
+            </a:r>
+          </a:p>
+        </p:txBody>
+      </p:sp>
+      <p:cxnSp>
+        <p:nvCxnSpPr>
+          <p:cNvPr id="4" name="Straight Arrow Connector 3">
+            <a:extLst>
+              <a:ext uri="{FF2B5EF4-FFF2-40B4-BE49-F238E27FC236}">
+                <a16:creationId xmlns:a16="http://schemas.microsoft.com/office/drawing/2014/main" id="{A28A3768-E5BE-DEB2-F0A4-DA385E8201F0}"/>
+              </a:ext>
+            </a:extLst>
+          </p:cNvPr>
+          <p:cNvCxnSpPr/>
+          <p:nvPr/>
+        </p:nvCxnSpPr>
+        <p:spPr>
+          <a:xfrm>
+            <a:off x="10896600" y="6134100"/>
+            <a:ext cx="304800" cy="457200"/>
+          </a:xfrm>
+          <a:prstGeom prst="straightConnector1">
+            <a:avLst/>
+          </a:prstGeom>
+          <a:ln>
+            <a:tailEnd type="triangle"/>
+          </a:ln>
+        </p:spPr>
+        <p:style>
+          <a:lnRef idx="1">
+            <a:schemeClr val="accent1"/>
+          </a:lnRef>
+          <a:fillRef idx="0">
+            <a:schemeClr val="accent1"/>
+          </a:fillRef>
+          <a:effectRef idx="0">
+            <a:schemeClr val="accent1"/>
+          </a:effectRef>
+          <a:fontRef idx="minor">
+            <a:schemeClr val="tx1"/>
+          </a:fontRef>
+        </p:style>
+      </p:cxnSp>
+    </p:spTree>
+    <p:extLst>
+      <p:ext uri="{BB962C8B-B14F-4D97-AF65-F5344CB8AC3E}">
+        <p14:creationId xmlns:p14="http://schemas.microsoft.com/office/powerpoint/2010/main" val="1222409867"/>
+      </p:ext>
+    </p:extLst>
+  </p:cSld>
+  <p:clrMapOvr>
+    <a:masterClrMapping/>
+  </p:clrMapOvr>
+</p:sld>
+</file>
+
+<file path=ppt/slides/slide19.xml><?xml version="1.0" encoding="utf-8"?>
+<p:sld xmlns:a="http://schemas.openxmlformats.org/drawingml/2006/main" xmlns:r="http://schemas.openxmlformats.org/officeDocument/2006/relationships" xmlns:p="http://schemas.openxmlformats.org/presentationml/2006/main">
+  <p:cSld>
+    <p:spTree>
+      <p:nvGrpSpPr>
+        <p:cNvPr id="1" name="">
+          <a:extLst>
+            <a:ext uri="{FF2B5EF4-FFF2-40B4-BE49-F238E27FC236}">
+              <a16:creationId xmlns:a16="http://schemas.microsoft.com/office/drawing/2014/main" id="{7CB57E0C-CD5D-1F66-D78F-85F7AD37178E}"/>
+            </a:ext>
+          </a:extLst>
+        </p:cNvPr>
+        <p:cNvGrpSpPr/>
+        <p:nvPr/>
+      </p:nvGrpSpPr>
+      <p:grpSpPr>
+        <a:xfrm>
+          <a:off x="0" y="0"/>
+          <a:ext cx="0" cy="0"/>
+          <a:chOff x="0" y="0"/>
+          <a:chExt cx="0" cy="0"/>
+        </a:xfrm>
+      </p:grpSpPr>
+      <p:sp>
+        <p:nvSpPr>
+          <p:cNvPr id="11" name="TextBox 10">
+            <a:extLst>
+              <a:ext uri="{FF2B5EF4-FFF2-40B4-BE49-F238E27FC236}">
+                <a16:creationId xmlns:a16="http://schemas.microsoft.com/office/drawing/2014/main" id="{3CBAD0C8-3388-B55E-06C7-A57EAB05E6EE}"/>
+              </a:ext>
+            </a:extLst>
+          </p:cNvPr>
+          <p:cNvSpPr txBox="1"/>
+          <p:nvPr/>
+        </p:nvSpPr>
+        <p:spPr>
+          <a:xfrm>
+            <a:off x="520861" y="170082"/>
+            <a:ext cx="17309939" cy="1477328"/>
+          </a:xfrm>
+          <a:prstGeom prst="rect">
+            <a:avLst/>
+          </a:prstGeom>
+          <a:noFill/>
+        </p:spPr>
+        <p:txBody>
+          <a:bodyPr wrap="square" rtlCol="0">
+            <a:spAutoFit/>
+          </a:bodyPr>
+          <a:lstStyle/>
+          <a:p>
+            <a:r>
+              <a:rPr lang="en-US" sz="9000" dirty="0">
+                <a:latin typeface="Aliens &amp; cows" panose="00000500000000000000" pitchFamily="2" charset="0"/>
+              </a:rPr>
+              <a:t>Copilot in Excel… not enough? </a:t>
+            </a:r>
+          </a:p>
+        </p:txBody>
+      </p:sp>
+      <p:pic>
+        <p:nvPicPr>
+          <p:cNvPr id="15" name="Picture 14" descr="A close up of a sign&#10;&#10;Description automatically generated">
+            <a:extLst>
+              <a:ext uri="{FF2B5EF4-FFF2-40B4-BE49-F238E27FC236}">
+                <a16:creationId xmlns:a16="http://schemas.microsoft.com/office/drawing/2014/main" id="{660E875A-F3EB-CB08-8ABE-3C1C328FC93C}"/>
+              </a:ext>
+            </a:extLst>
+          </p:cNvPr>
+          <p:cNvPicPr>
+            <a:picLocks noChangeAspect="1"/>
+          </p:cNvPicPr>
+          <p:nvPr/>
+        </p:nvPicPr>
+        <p:blipFill>
+          <a:blip r:embed="rId3">
+            <a:extLst>
+              <a:ext uri="{28A0092B-C50C-407E-A947-70E740481C1C}">
+                <a14:useLocalDpi xmlns:a14="http://schemas.microsoft.com/office/drawing/2010/main" val="0"/>
+              </a:ext>
+            </a:extLst>
+          </a:blip>
+          <a:stretch>
+            <a:fillRect/>
+          </a:stretch>
+        </p:blipFill>
+        <p:spPr>
+          <a:xfrm>
+            <a:off x="16341036" y="8058429"/>
+            <a:ext cx="1942857" cy="2228571"/>
+          </a:xfrm>
+          <a:prstGeom prst="rect">
+            <a:avLst/>
+          </a:prstGeom>
+        </p:spPr>
+      </p:pic>
+      <p:pic>
+        <p:nvPicPr>
+          <p:cNvPr id="9" name="Picture 8">
+            <a:extLst>
+              <a:ext uri="{FF2B5EF4-FFF2-40B4-BE49-F238E27FC236}">
+                <a16:creationId xmlns:a16="http://schemas.microsoft.com/office/drawing/2014/main" id="{15E75768-63D2-8089-E93C-2E2FF0B471E0}"/>
+              </a:ext>
+            </a:extLst>
+          </p:cNvPr>
+          <p:cNvPicPr>
+            <a:picLocks noChangeAspect="1"/>
+          </p:cNvPicPr>
+          <p:nvPr/>
+        </p:nvPicPr>
+        <p:blipFill>
+          <a:blip r:embed="rId4"/>
+          <a:stretch>
+            <a:fillRect/>
+          </a:stretch>
+        </p:blipFill>
+        <p:spPr>
+          <a:xfrm>
+            <a:off x="1143000" y="1535139"/>
+            <a:ext cx="14685399" cy="8581779"/>
+          </a:xfrm>
+          <a:prstGeom prst="rect">
+            <a:avLst/>
+          </a:prstGeom>
+        </p:spPr>
+      </p:pic>
+      <p:sp>
+        <p:nvSpPr>
+          <p:cNvPr id="2" name="TextBox 1">
+            <a:extLst>
+              <a:ext uri="{FF2B5EF4-FFF2-40B4-BE49-F238E27FC236}">
+                <a16:creationId xmlns:a16="http://schemas.microsoft.com/office/drawing/2014/main" id="{C9835A31-0C61-2CEC-1717-D5C068DC818A}"/>
+              </a:ext>
+            </a:extLst>
+          </p:cNvPr>
+          <p:cNvSpPr txBox="1"/>
+          <p:nvPr/>
+        </p:nvSpPr>
+        <p:spPr>
+          <a:xfrm>
+            <a:off x="10287000" y="5520898"/>
+            <a:ext cx="2400837" cy="646331"/>
+          </a:xfrm>
+          <a:prstGeom prst="rect">
+            <a:avLst/>
+          </a:prstGeom>
+          <a:noFill/>
+        </p:spPr>
+        <p:txBody>
+          <a:bodyPr wrap="square" rtlCol="0">
+            <a:spAutoFit/>
+          </a:bodyPr>
+          <a:lstStyle/>
+          <a:p>
+            <a:r>
+              <a:rPr lang="en-US" b="1" dirty="0"/>
+              <a:t>Python in Excel announcement</a:t>
+            </a:r>
+          </a:p>
+        </p:txBody>
+      </p:sp>
+      <p:cxnSp>
+        <p:nvCxnSpPr>
+          <p:cNvPr id="4" name="Straight Arrow Connector 3">
+            <a:extLst>
+              <a:ext uri="{FF2B5EF4-FFF2-40B4-BE49-F238E27FC236}">
+                <a16:creationId xmlns:a16="http://schemas.microsoft.com/office/drawing/2014/main" id="{256CF122-B316-E520-902C-0716878356A5}"/>
+              </a:ext>
+            </a:extLst>
+          </p:cNvPr>
+          <p:cNvCxnSpPr/>
+          <p:nvPr/>
+        </p:nvCxnSpPr>
+        <p:spPr>
+          <a:xfrm>
+            <a:off x="10896600" y="6134100"/>
+            <a:ext cx="304800" cy="457200"/>
+          </a:xfrm>
+          <a:prstGeom prst="straightConnector1">
+            <a:avLst/>
+          </a:prstGeom>
+          <a:ln>
+            <a:tailEnd type="triangle"/>
+          </a:ln>
+        </p:spPr>
+        <p:style>
+          <a:lnRef idx="1">
+            <a:schemeClr val="accent1"/>
+          </a:lnRef>
+          <a:fillRef idx="0">
+            <a:schemeClr val="accent1"/>
+          </a:fillRef>
+          <a:effectRef idx="0">
+            <a:schemeClr val="accent1"/>
+          </a:effectRef>
+          <a:fontRef idx="minor">
+            <a:schemeClr val="tx1"/>
+          </a:fontRef>
+        </p:style>
+      </p:cxnSp>
+      <p:sp>
+        <p:nvSpPr>
+          <p:cNvPr id="3" name="TextBox 2">
+            <a:extLst>
+              <a:ext uri="{FF2B5EF4-FFF2-40B4-BE49-F238E27FC236}">
+                <a16:creationId xmlns:a16="http://schemas.microsoft.com/office/drawing/2014/main" id="{8BA6DE4C-BB91-2685-4042-C8BDAFCE9836}"/>
+              </a:ext>
+            </a:extLst>
+          </p:cNvPr>
+          <p:cNvSpPr txBox="1"/>
+          <p:nvPr/>
+        </p:nvSpPr>
+        <p:spPr>
+          <a:xfrm>
+            <a:off x="11823539" y="6580031"/>
+            <a:ext cx="2400837" cy="646331"/>
+          </a:xfrm>
+          <a:prstGeom prst="rect">
+            <a:avLst/>
+          </a:prstGeom>
+          <a:noFill/>
+        </p:spPr>
+        <p:txBody>
+          <a:bodyPr wrap="square" rtlCol="0">
+            <a:spAutoFit/>
+          </a:bodyPr>
+          <a:lstStyle/>
+          <a:p>
+            <a:r>
+              <a:rPr lang="en-US" b="1" dirty="0"/>
+              <a:t>Copilot in Excel announcement</a:t>
+            </a:r>
+          </a:p>
+        </p:txBody>
+      </p:sp>
+      <p:cxnSp>
+        <p:nvCxnSpPr>
+          <p:cNvPr id="7" name="Straight Arrow Connector 6">
+            <a:extLst>
+              <a:ext uri="{FF2B5EF4-FFF2-40B4-BE49-F238E27FC236}">
+                <a16:creationId xmlns:a16="http://schemas.microsoft.com/office/drawing/2014/main" id="{51179C2B-2680-AB00-2288-9DEED8DD48A9}"/>
+              </a:ext>
+            </a:extLst>
+          </p:cNvPr>
+          <p:cNvCxnSpPr>
+            <a:cxnSpLocks/>
+          </p:cNvCxnSpPr>
+          <p:nvPr/>
+        </p:nvCxnSpPr>
+        <p:spPr>
+          <a:xfrm>
+            <a:off x="12535437" y="7155307"/>
+            <a:ext cx="266163" cy="376979"/>
+          </a:xfrm>
+          <a:prstGeom prst="straightConnector1">
+            <a:avLst/>
+          </a:prstGeom>
+          <a:ln>
+            <a:tailEnd type="triangle"/>
+          </a:ln>
+        </p:spPr>
+        <p:style>
+          <a:lnRef idx="1">
+            <a:schemeClr val="accent1"/>
+          </a:lnRef>
+          <a:fillRef idx="0">
+            <a:schemeClr val="accent1"/>
+          </a:fillRef>
+          <a:effectRef idx="0">
+            <a:schemeClr val="accent1"/>
+          </a:effectRef>
+          <a:fontRef idx="minor">
+            <a:schemeClr val="tx1"/>
+          </a:fontRef>
+        </p:style>
+      </p:cxnSp>
+    </p:spTree>
+    <p:extLst>
+      <p:ext uri="{BB962C8B-B14F-4D97-AF65-F5344CB8AC3E}">
+        <p14:creationId xmlns:p14="http://schemas.microsoft.com/office/powerpoint/2010/main" val="1652374029"/>
+      </p:ext>
+    </p:extLst>
+  </p:cSld>
+  <p:clrMapOvr>
+    <a:masterClrMapping/>
+  </p:clrMapOvr>
+</p:sld>
+</file>
+
+<file path=ppt/slides/slide2.xml><?xml version="1.0" encoding="utf-8"?>
+<p:sld xmlns:a="http://schemas.openxmlformats.org/drawingml/2006/main" xmlns:r="http://schemas.openxmlformats.org/officeDocument/2006/relationships" xmlns:p="http://schemas.openxmlformats.org/presentationml/2006/main">
+  <p:cSld>
+    <p:spTree>
+      <p:nvGrpSpPr>
+        <p:cNvPr id="1" name=""/>
+        <p:cNvGrpSpPr/>
+        <p:nvPr/>
+      </p:nvGrpSpPr>
+      <p:grpSpPr>
+        <a:xfrm>
+          <a:off x="0" y="0"/>
+          <a:ext cx="0" cy="0"/>
+          <a:chOff x="0" y="0"/>
+          <a:chExt cx="0" cy="0"/>
+        </a:xfrm>
+      </p:grpSpPr>
+      <p:sp>
+        <p:nvSpPr>
+          <p:cNvPr id="4" name="Rectangle 3"/>
+          <p:cNvSpPr/>
+          <p:nvPr/>
+        </p:nvSpPr>
+        <p:spPr>
+          <a:xfrm>
+            <a:off x="0" y="0"/>
+            <a:ext cx="18288000" cy="10287000"/>
+          </a:xfrm>
+          <a:prstGeom prst="rect">
+            <a:avLst/>
+          </a:prstGeom>
+          <a:solidFill>
+            <a:srgbClr val="CF3338"/>
+          </a:solidFill>
+          <a:ln>
+            <a:noFill/>
+          </a:ln>
+        </p:spPr>
+        <p:style>
+          <a:lnRef idx="2">
+            <a:schemeClr val="accent1">
+              <a:shade val="50000"/>
+            </a:schemeClr>
+          </a:lnRef>
+          <a:fillRef idx="1">
+            <a:schemeClr val="accent1"/>
+          </a:fillRef>
+          <a:effectRef idx="0">
+            <a:schemeClr val="accent1"/>
+          </a:effectRef>
+          <a:fontRef idx="minor">
+            <a:schemeClr val="lt1"/>
+          </a:fontRef>
+        </p:style>
+        <p:txBody>
+          <a:bodyPr rtlCol="0" anchor="ctr"/>
+          <a:lstStyle/>
+          <a:p>
+            <a:pPr algn="ctr"/>
+            <a:endParaRPr lang="en-US" sz="2700"/>
+          </a:p>
+        </p:txBody>
+      </p:sp>
+      <p:sp>
+        <p:nvSpPr>
+          <p:cNvPr id="5" name="TextBox 4"/>
+          <p:cNvSpPr txBox="1"/>
+          <p:nvPr/>
+        </p:nvSpPr>
+        <p:spPr>
+          <a:xfrm>
+            <a:off x="781292" y="590309"/>
+            <a:ext cx="15486926" cy="1615827"/>
+          </a:xfrm>
+          <a:prstGeom prst="rect">
+            <a:avLst/>
+          </a:prstGeom>
+          <a:noFill/>
+        </p:spPr>
+        <p:txBody>
+          <a:bodyPr wrap="square" rtlCol="0">
+            <a:spAutoFit/>
+          </a:bodyPr>
+          <a:lstStyle/>
+          <a:p>
+            <a:r>
+              <a:rPr lang="en-US" sz="9900" b="1" dirty="0">
+                <a:solidFill>
+                  <a:schemeClr val="bg1"/>
+                </a:solidFill>
+                <a:latin typeface="Normafixed Tryout" panose="00000409000000000000" pitchFamily="49" charset="0"/>
+              </a:rPr>
+              <a:t>Hi, I’m George</a:t>
+            </a:r>
+          </a:p>
+        </p:txBody>
+      </p:sp>
+      <p:pic>
+        <p:nvPicPr>
+          <p:cNvPr id="3" name="Picture 4" descr="Advancing into Analytics Cover Image">
+            <a:extLst>
+              <a:ext uri="{FF2B5EF4-FFF2-40B4-BE49-F238E27FC236}">
+                <a16:creationId xmlns:a16="http://schemas.microsoft.com/office/drawing/2014/main" id="{588F684B-18EF-D76C-5F7B-15E4BAD60643}"/>
+              </a:ext>
+            </a:extLst>
+          </p:cNvPr>
+          <p:cNvPicPr>
+            <a:picLocks noChangeAspect="1" noChangeArrowheads="1"/>
+          </p:cNvPicPr>
+          <p:nvPr/>
+        </p:nvPicPr>
+        <p:blipFill>
+          <a:blip r:embed="rId3" cstate="print">
+            <a:extLst>
+              <a:ext uri="{28A0092B-C50C-407E-A947-70E740481C1C}">
+                <a14:useLocalDpi xmlns:a14="http://schemas.microsoft.com/office/drawing/2010/main" val="0"/>
+              </a:ext>
+            </a:extLst>
+          </a:blip>
+          <a:srcRect/>
+          <a:stretch>
+            <a:fillRect/>
+          </a:stretch>
+        </p:blipFill>
+        <p:spPr bwMode="auto">
+          <a:xfrm>
+            <a:off x="14060913" y="456356"/>
+            <a:ext cx="3646936" cy="4763344"/>
+          </a:xfrm>
+          <a:prstGeom prst="rect">
+            <a:avLst/>
+          </a:prstGeom>
+          <a:noFill/>
+          <a:extLst>
+            <a:ext uri="{909E8E84-426E-40DD-AFC4-6F175D3DCCD1}">
+              <a14:hiddenFill xmlns:a14="http://schemas.microsoft.com/office/drawing/2010/main">
+                <a:solidFill>
+                  <a:srgbClr val="FFFFFF"/>
+                </a:solidFill>
+              </a14:hiddenFill>
+            </a:ext>
+          </a:extLst>
+        </p:spPr>
+      </p:pic>
+      <p:pic>
+        <p:nvPicPr>
+          <p:cNvPr id="6" name="Picture 6" descr="Free photos of Cleveland">
+            <a:extLst>
+              <a:ext uri="{FF2B5EF4-FFF2-40B4-BE49-F238E27FC236}">
+                <a16:creationId xmlns:a16="http://schemas.microsoft.com/office/drawing/2014/main" id="{CBA53EEE-E3E1-D99E-A4DC-1C4DD2E6CE4A}"/>
+              </a:ext>
+            </a:extLst>
+          </p:cNvPr>
+          <p:cNvPicPr>
+            <a:picLocks noChangeAspect="1" noChangeArrowheads="1"/>
+          </p:cNvPicPr>
+          <p:nvPr/>
+        </p:nvPicPr>
+        <p:blipFill>
+          <a:blip r:embed="rId4" cstate="print">
+            <a:extLst>
+              <a:ext uri="{28A0092B-C50C-407E-A947-70E740481C1C}">
+                <a14:useLocalDpi xmlns:a14="http://schemas.microsoft.com/office/drawing/2010/main" val="0"/>
+              </a:ext>
+            </a:extLst>
+          </a:blip>
+          <a:srcRect/>
+          <a:stretch>
+            <a:fillRect/>
+          </a:stretch>
+        </p:blipFill>
+        <p:spPr bwMode="auto">
+          <a:xfrm>
+            <a:off x="1719601" y="2636893"/>
+            <a:ext cx="7531585" cy="5013211"/>
+          </a:xfrm>
+          <a:prstGeom prst="rect">
+            <a:avLst/>
+          </a:prstGeom>
+          <a:noFill/>
+          <a:extLst>
+            <a:ext uri="{909E8E84-426E-40DD-AFC4-6F175D3DCCD1}">
+              <a14:hiddenFill xmlns:a14="http://schemas.microsoft.com/office/drawing/2010/main">
+                <a:solidFill>
+                  <a:srgbClr val="FFFFFF"/>
+                </a:solidFill>
+              </a14:hiddenFill>
+            </a:ext>
+          </a:extLst>
+        </p:spPr>
+      </p:pic>
+      <p:pic>
+        <p:nvPicPr>
+          <p:cNvPr id="8" name="Picture 7" descr="Logo&#10;&#10;Description automatically generated">
+            <a:extLst>
+              <a:ext uri="{FF2B5EF4-FFF2-40B4-BE49-F238E27FC236}">
+                <a16:creationId xmlns:a16="http://schemas.microsoft.com/office/drawing/2014/main" id="{97E0F267-87DF-961E-1FAA-47FD4F27A5C6}"/>
+              </a:ext>
+            </a:extLst>
+          </p:cNvPr>
+          <p:cNvPicPr>
+            <a:picLocks noChangeAspect="1"/>
+          </p:cNvPicPr>
+          <p:nvPr/>
+        </p:nvPicPr>
+        <p:blipFill>
+          <a:blip r:embed="rId5" cstate="print">
+            <a:extLst>
+              <a:ext uri="{28A0092B-C50C-407E-A947-70E740481C1C}">
+                <a14:useLocalDpi xmlns:a14="http://schemas.microsoft.com/office/drawing/2010/main" val="0"/>
+              </a:ext>
+            </a:extLst>
+          </a:blip>
+          <a:stretch>
+            <a:fillRect/>
+          </a:stretch>
+        </p:blipFill>
+        <p:spPr>
+          <a:xfrm>
+            <a:off x="10336758" y="6210300"/>
+            <a:ext cx="7448309" cy="5462681"/>
+          </a:xfrm>
+          <a:prstGeom prst="rect">
+            <a:avLst/>
+          </a:prstGeom>
+        </p:spPr>
+      </p:pic>
+      <p:pic>
+        <p:nvPicPr>
+          <p:cNvPr id="1026" name="Picture 2" descr="Excel MVP Led Training - The Best Way to Learn Excel.">
+            <a:extLst>
+              <a:ext uri="{FF2B5EF4-FFF2-40B4-BE49-F238E27FC236}">
+                <a16:creationId xmlns:a16="http://schemas.microsoft.com/office/drawing/2014/main" id="{1541E3A8-702A-355A-01A5-FFB43F9DE736}"/>
+              </a:ext>
+            </a:extLst>
+          </p:cNvPr>
+          <p:cNvPicPr>
+            <a:picLocks noChangeAspect="1" noChangeArrowheads="1"/>
+          </p:cNvPicPr>
+          <p:nvPr/>
+        </p:nvPicPr>
+        <p:blipFill>
+          <a:blip r:embed="rId6">
+            <a:extLst>
+              <a:ext uri="{28A0092B-C50C-407E-A947-70E740481C1C}">
+                <a14:useLocalDpi xmlns:a14="http://schemas.microsoft.com/office/drawing/2010/main" val="0"/>
+              </a:ext>
+            </a:extLst>
+          </a:blip>
+          <a:srcRect/>
+          <a:stretch>
+            <a:fillRect/>
+          </a:stretch>
+        </p:blipFill>
+        <p:spPr bwMode="auto">
+          <a:xfrm>
+            <a:off x="1095268" y="8334375"/>
+            <a:ext cx="4028188" cy="1615827"/>
+          </a:xfrm>
+          <a:prstGeom prst="rect">
+            <a:avLst/>
+          </a:prstGeom>
+          <a:noFill/>
+          <a:extLst>
+            <a:ext uri="{909E8E84-426E-40DD-AFC4-6F175D3DCCD1}">
+              <a14:hiddenFill xmlns:a14="http://schemas.microsoft.com/office/drawing/2010/main">
+                <a:solidFill>
+                  <a:srgbClr val="FFFFFF"/>
+                </a:solidFill>
+              </a14:hiddenFill>
+            </a:ext>
+          </a:extLst>
+        </p:spPr>
+      </p:pic>
+      <p:pic>
+        <p:nvPicPr>
+          <p:cNvPr id="2" name="Picture 1">
+            <a:extLst>
+              <a:ext uri="{FF2B5EF4-FFF2-40B4-BE49-F238E27FC236}">
+                <a16:creationId xmlns:a16="http://schemas.microsoft.com/office/drawing/2014/main" id="{50A242DB-4587-B99F-C771-FCE1A2F66CC2}"/>
+              </a:ext>
+            </a:extLst>
+          </p:cNvPr>
+          <p:cNvPicPr>
+            <a:picLocks noChangeAspect="1"/>
+          </p:cNvPicPr>
+          <p:nvPr/>
+        </p:nvPicPr>
+        <p:blipFill>
+          <a:blip r:embed="rId7"/>
+          <a:stretch>
+            <a:fillRect/>
+          </a:stretch>
+        </p:blipFill>
+        <p:spPr>
+          <a:xfrm>
+            <a:off x="10023998" y="2990000"/>
+            <a:ext cx="3553241" cy="4660104"/>
+          </a:xfrm>
+          <a:prstGeom prst="rect">
+            <a:avLst/>
+          </a:prstGeom>
+        </p:spPr>
+      </p:pic>
+      <p:pic>
+        <p:nvPicPr>
+          <p:cNvPr id="7" name="Picture 2" descr="Thais Cooke on LinkedIn ...">
+            <a:extLst>
+              <a:ext uri="{FF2B5EF4-FFF2-40B4-BE49-F238E27FC236}">
+                <a16:creationId xmlns:a16="http://schemas.microsoft.com/office/drawing/2014/main" id="{E04F7C46-C954-2867-35E4-FB4F6E251CEC}"/>
+              </a:ext>
+            </a:extLst>
+          </p:cNvPr>
+          <p:cNvPicPr>
+            <a:picLocks noChangeAspect="1" noChangeArrowheads="1"/>
+          </p:cNvPicPr>
+          <p:nvPr/>
+        </p:nvPicPr>
+        <p:blipFill>
+          <a:blip r:embed="rId8">
+            <a:extLst>
+              <a:ext uri="{28A0092B-C50C-407E-A947-70E740481C1C}">
+                <a14:useLocalDpi xmlns:a14="http://schemas.microsoft.com/office/drawing/2010/main" val="0"/>
+              </a:ext>
+            </a:extLst>
+          </a:blip>
+          <a:srcRect/>
+          <a:stretch>
+            <a:fillRect/>
+          </a:stretch>
+        </p:blipFill>
+        <p:spPr bwMode="auto">
+          <a:xfrm>
+            <a:off x="14264054" y="6129068"/>
+            <a:ext cx="3333750" cy="1371600"/>
+          </a:xfrm>
+          <a:prstGeom prst="rect">
+            <a:avLst/>
+          </a:prstGeom>
+          <a:noFill/>
+          <a:extLst>
+            <a:ext uri="{909E8E84-426E-40DD-AFC4-6F175D3DCCD1}">
+              <a14:hiddenFill xmlns:a14="http://schemas.microsoft.com/office/drawing/2010/main">
+                <a:solidFill>
+                  <a:srgbClr val="FFFFFF"/>
+                </a:solidFill>
+              </a14:hiddenFill>
+            </a:ext>
+          </a:extLst>
+        </p:spPr>
+      </p:pic>
+    </p:spTree>
+    <p:extLst>
+      <p:ext uri="{BB962C8B-B14F-4D97-AF65-F5344CB8AC3E}">
+        <p14:creationId xmlns:p14="http://schemas.microsoft.com/office/powerpoint/2010/main" val="166785523"/>
+      </p:ext>
+    </p:extLst>
+  </p:cSld>
+  <p:clrMapOvr>
+    <a:masterClrMapping/>
+  </p:clrMapOvr>
+</p:sld>
+</file>
+
+<file path=ppt/slides/slide20.xml><?xml version="1.0" encoding="utf-8"?>
+<p:sld xmlns:a="http://schemas.openxmlformats.org/drawingml/2006/main" xmlns:r="http://schemas.openxmlformats.org/officeDocument/2006/relationships" xmlns:p="http://schemas.openxmlformats.org/presentationml/2006/main">
+  <p:cSld>
+    <p:spTree>
+      <p:nvGrpSpPr>
+        <p:cNvPr id="1" name="">
+          <a:extLst>
+            <a:ext uri="{FF2B5EF4-FFF2-40B4-BE49-F238E27FC236}">
+              <a16:creationId xmlns:a16="http://schemas.microsoft.com/office/drawing/2014/main" id="{EEEF133C-E5BD-541A-B3AA-8182E93A3ACA}"/>
+            </a:ext>
+          </a:extLst>
+        </p:cNvPr>
+        <p:cNvGrpSpPr/>
+        <p:nvPr/>
+      </p:nvGrpSpPr>
+      <p:grpSpPr>
+        <a:xfrm>
+          <a:off x="0" y="0"/>
+          <a:ext cx="0" cy="0"/>
+          <a:chOff x="0" y="0"/>
+          <a:chExt cx="0" cy="0"/>
+        </a:xfrm>
+      </p:grpSpPr>
+      <p:sp>
+        <p:nvSpPr>
+          <p:cNvPr id="11" name="TextBox 10">
+            <a:extLst>
+              <a:ext uri="{FF2B5EF4-FFF2-40B4-BE49-F238E27FC236}">
+                <a16:creationId xmlns:a16="http://schemas.microsoft.com/office/drawing/2014/main" id="{221AF4CF-35CA-4567-25FB-93E0537A6042}"/>
+              </a:ext>
+            </a:extLst>
+          </p:cNvPr>
+          <p:cNvSpPr txBox="1"/>
+          <p:nvPr/>
+        </p:nvSpPr>
+        <p:spPr>
+          <a:xfrm>
+            <a:off x="520861" y="170082"/>
+            <a:ext cx="17309939" cy="1477328"/>
+          </a:xfrm>
+          <a:prstGeom prst="rect">
+            <a:avLst/>
+          </a:prstGeom>
+          <a:noFill/>
+        </p:spPr>
+        <p:txBody>
+          <a:bodyPr wrap="square" rtlCol="0">
+            <a:spAutoFit/>
+          </a:bodyPr>
+          <a:lstStyle/>
+          <a:p>
+            <a:r>
+              <a:rPr lang="en-US" sz="9000" dirty="0">
+                <a:latin typeface="Aliens &amp; cows" panose="00000500000000000000" pitchFamily="2" charset="0"/>
+              </a:rPr>
+              <a:t>Copilot in Excel… not enough? </a:t>
+            </a:r>
+          </a:p>
+        </p:txBody>
+      </p:sp>
+      <p:pic>
+        <p:nvPicPr>
+          <p:cNvPr id="15" name="Picture 14" descr="A close up of a sign&#10;&#10;Description automatically generated">
+            <a:extLst>
+              <a:ext uri="{FF2B5EF4-FFF2-40B4-BE49-F238E27FC236}">
+                <a16:creationId xmlns:a16="http://schemas.microsoft.com/office/drawing/2014/main" id="{FF3A19E3-A606-CAF8-9058-3132CBBE8375}"/>
+              </a:ext>
+            </a:extLst>
+          </p:cNvPr>
+          <p:cNvPicPr>
+            <a:picLocks noChangeAspect="1"/>
+          </p:cNvPicPr>
+          <p:nvPr/>
+        </p:nvPicPr>
+        <p:blipFill>
+          <a:blip r:embed="rId3">
+            <a:extLst>
+              <a:ext uri="{28A0092B-C50C-407E-A947-70E740481C1C}">
+                <a14:useLocalDpi xmlns:a14="http://schemas.microsoft.com/office/drawing/2010/main" val="0"/>
+              </a:ext>
+            </a:extLst>
+          </a:blip>
+          <a:stretch>
+            <a:fillRect/>
+          </a:stretch>
+        </p:blipFill>
+        <p:spPr>
+          <a:xfrm>
+            <a:off x="16341036" y="8058429"/>
+            <a:ext cx="1942857" cy="2228571"/>
+          </a:xfrm>
+          <a:prstGeom prst="rect">
+            <a:avLst/>
+          </a:prstGeom>
+        </p:spPr>
+      </p:pic>
+      <p:pic>
+        <p:nvPicPr>
+          <p:cNvPr id="6" name="Picture 5" descr="A screenshot of a cellphone&#10;&#10;AI-generated content may be incorrect.">
+            <a:extLst>
+              <a:ext uri="{FF2B5EF4-FFF2-40B4-BE49-F238E27FC236}">
+                <a16:creationId xmlns:a16="http://schemas.microsoft.com/office/drawing/2014/main" id="{4531194C-E8C5-5067-6303-257FF9F1948D}"/>
+              </a:ext>
+            </a:extLst>
+          </p:cNvPr>
+          <p:cNvPicPr>
+            <a:picLocks noChangeAspect="1"/>
+          </p:cNvPicPr>
+          <p:nvPr/>
+        </p:nvPicPr>
+        <p:blipFill>
+          <a:blip r:embed="rId4">
+            <a:extLst>
+              <a:ext uri="{28A0092B-C50C-407E-A947-70E740481C1C}">
+                <a14:useLocalDpi xmlns:a14="http://schemas.microsoft.com/office/drawing/2010/main" val="0"/>
+              </a:ext>
+            </a:extLst>
+          </a:blip>
+          <a:srcRect t="6296" b="7037"/>
+          <a:stretch/>
+        </p:blipFill>
+        <p:spPr>
+          <a:xfrm>
+            <a:off x="3810000" y="1866900"/>
+            <a:ext cx="9187342" cy="7962363"/>
+          </a:xfrm>
+          <a:prstGeom prst="rect">
+            <a:avLst/>
+          </a:prstGeom>
+        </p:spPr>
+      </p:pic>
+    </p:spTree>
+    <p:extLst>
+      <p:ext uri="{BB962C8B-B14F-4D97-AF65-F5344CB8AC3E}">
+        <p14:creationId xmlns:p14="http://schemas.microsoft.com/office/powerpoint/2010/main" val="363398084"/>
+      </p:ext>
+    </p:extLst>
+  </p:cSld>
+  <p:clrMapOvr>
+    <a:masterClrMapping/>
+  </p:clrMapOvr>
+</p:sld>
+</file>
+
+<file path=ppt/slides/slide21.xml><?xml version="1.0" encoding="utf-8"?>
+<p:sld xmlns:a="http://schemas.openxmlformats.org/drawingml/2006/main" xmlns:r="http://schemas.openxmlformats.org/officeDocument/2006/relationships" xmlns:p="http://schemas.openxmlformats.org/presentationml/2006/main">
+  <p:cSld>
+    <p:spTree>
+      <p:nvGrpSpPr>
+        <p:cNvPr id="1" name="">
+          <a:extLst>
+            <a:ext uri="{FF2B5EF4-FFF2-40B4-BE49-F238E27FC236}">
+              <a16:creationId xmlns:a16="http://schemas.microsoft.com/office/drawing/2014/main" id="{2873BA01-E420-EE6D-4CC4-16C13000F659}"/>
+            </a:ext>
+          </a:extLst>
+        </p:cNvPr>
+        <p:cNvGrpSpPr/>
+        <p:nvPr/>
+      </p:nvGrpSpPr>
+      <p:grpSpPr>
+        <a:xfrm>
+          <a:off x="0" y="0"/>
+          <a:ext cx="0" cy="0"/>
+          <a:chOff x="0" y="0"/>
+          <a:chExt cx="0" cy="0"/>
+        </a:xfrm>
+      </p:grpSpPr>
+      <p:sp>
+        <p:nvSpPr>
+          <p:cNvPr id="11" name="TextBox 10">
+            <a:extLst>
+              <a:ext uri="{FF2B5EF4-FFF2-40B4-BE49-F238E27FC236}">
+                <a16:creationId xmlns:a16="http://schemas.microsoft.com/office/drawing/2014/main" id="{CA54BF7A-F039-9B3E-AAD5-C4E5D73E1F68}"/>
+              </a:ext>
+            </a:extLst>
+          </p:cNvPr>
+          <p:cNvSpPr txBox="1"/>
+          <p:nvPr/>
+        </p:nvSpPr>
+        <p:spPr>
+          <a:xfrm>
+            <a:off x="520861" y="170082"/>
+            <a:ext cx="17309939" cy="1477328"/>
+          </a:xfrm>
+          <a:prstGeom prst="rect">
+            <a:avLst/>
+          </a:prstGeom>
+          <a:noFill/>
+        </p:spPr>
+        <p:txBody>
+          <a:bodyPr wrap="square" rtlCol="0">
+            <a:spAutoFit/>
+          </a:bodyPr>
+          <a:lstStyle/>
+          <a:p>
+            <a:r>
+              <a:rPr lang="en-US" sz="9000" dirty="0">
+                <a:latin typeface="Aliens &amp; cows" panose="00000500000000000000" pitchFamily="2" charset="0"/>
+              </a:rPr>
+              <a:t>Copilot in Excel… not enough? </a:t>
+            </a:r>
+          </a:p>
+        </p:txBody>
+      </p:sp>
+      <p:pic>
+        <p:nvPicPr>
+          <p:cNvPr id="15" name="Picture 14" descr="A close up of a sign&#10;&#10;Description automatically generated">
+            <a:extLst>
+              <a:ext uri="{FF2B5EF4-FFF2-40B4-BE49-F238E27FC236}">
+                <a16:creationId xmlns:a16="http://schemas.microsoft.com/office/drawing/2014/main" id="{3DEB4C2E-B2C1-C94C-AD83-9DEC6C38FA9C}"/>
+              </a:ext>
+            </a:extLst>
+          </p:cNvPr>
+          <p:cNvPicPr>
+            <a:picLocks noChangeAspect="1"/>
+          </p:cNvPicPr>
+          <p:nvPr/>
+        </p:nvPicPr>
+        <p:blipFill>
+          <a:blip r:embed="rId3">
+            <a:extLst>
+              <a:ext uri="{28A0092B-C50C-407E-A947-70E740481C1C}">
+                <a14:useLocalDpi xmlns:a14="http://schemas.microsoft.com/office/drawing/2010/main" val="0"/>
+              </a:ext>
+            </a:extLst>
+          </a:blip>
+          <a:stretch>
+            <a:fillRect/>
+          </a:stretch>
+        </p:blipFill>
+        <p:spPr>
+          <a:xfrm>
+            <a:off x="16341036" y="8058429"/>
+            <a:ext cx="1942857" cy="2228571"/>
+          </a:xfrm>
+          <a:prstGeom prst="rect">
+            <a:avLst/>
+          </a:prstGeom>
+        </p:spPr>
+      </p:pic>
+      <p:pic>
+        <p:nvPicPr>
+          <p:cNvPr id="6" name="Picture 5">
+            <a:extLst>
+              <a:ext uri="{FF2B5EF4-FFF2-40B4-BE49-F238E27FC236}">
+                <a16:creationId xmlns:a16="http://schemas.microsoft.com/office/drawing/2014/main" id="{0D55C19C-DEE9-3CDC-3928-99A92BC233BC}"/>
+              </a:ext>
+            </a:extLst>
+          </p:cNvPr>
+          <p:cNvPicPr>
+            <a:picLocks noChangeAspect="1"/>
+          </p:cNvPicPr>
+          <p:nvPr/>
+        </p:nvPicPr>
+        <p:blipFill>
+          <a:blip r:embed="rId4"/>
+          <a:stretch>
+            <a:fillRect/>
+          </a:stretch>
+        </p:blipFill>
+        <p:spPr>
+          <a:xfrm>
+            <a:off x="914400" y="1624026"/>
+            <a:ext cx="14282800" cy="8483769"/>
+          </a:xfrm>
+          <a:prstGeom prst="rect">
+            <a:avLst/>
+          </a:prstGeom>
+        </p:spPr>
+      </p:pic>
+      <p:sp>
+        <p:nvSpPr>
+          <p:cNvPr id="2" name="TextBox 1">
+            <a:extLst>
+              <a:ext uri="{FF2B5EF4-FFF2-40B4-BE49-F238E27FC236}">
+                <a16:creationId xmlns:a16="http://schemas.microsoft.com/office/drawing/2014/main" id="{0AAEBBDD-2DB8-E423-0257-2C26EE4EBCC7}"/>
+              </a:ext>
+            </a:extLst>
+          </p:cNvPr>
+          <p:cNvSpPr txBox="1"/>
+          <p:nvPr/>
+        </p:nvSpPr>
+        <p:spPr>
+          <a:xfrm>
+            <a:off x="10287000" y="5520898"/>
+            <a:ext cx="2400837" cy="646331"/>
+          </a:xfrm>
+          <a:prstGeom prst="rect">
+            <a:avLst/>
+          </a:prstGeom>
+          <a:noFill/>
+        </p:spPr>
+        <p:txBody>
+          <a:bodyPr wrap="square" rtlCol="0">
+            <a:spAutoFit/>
+          </a:bodyPr>
+          <a:lstStyle/>
+          <a:p>
+            <a:r>
+              <a:rPr lang="en-US" b="1" dirty="0"/>
+              <a:t>Python in Excel announcement</a:t>
+            </a:r>
+          </a:p>
+        </p:txBody>
+      </p:sp>
+      <p:cxnSp>
+        <p:nvCxnSpPr>
+          <p:cNvPr id="4" name="Straight Arrow Connector 3">
+            <a:extLst>
+              <a:ext uri="{FF2B5EF4-FFF2-40B4-BE49-F238E27FC236}">
+                <a16:creationId xmlns:a16="http://schemas.microsoft.com/office/drawing/2014/main" id="{FB673B21-36D0-FE8A-F2A2-52B589D98DA1}"/>
+              </a:ext>
+            </a:extLst>
+          </p:cNvPr>
+          <p:cNvCxnSpPr/>
+          <p:nvPr/>
+        </p:nvCxnSpPr>
+        <p:spPr>
+          <a:xfrm>
+            <a:off x="10896600" y="6134100"/>
+            <a:ext cx="304800" cy="457200"/>
+          </a:xfrm>
+          <a:prstGeom prst="straightConnector1">
+            <a:avLst/>
+          </a:prstGeom>
+          <a:ln>
+            <a:tailEnd type="triangle"/>
+          </a:ln>
+        </p:spPr>
+        <p:style>
+          <a:lnRef idx="1">
+            <a:schemeClr val="accent1"/>
+          </a:lnRef>
+          <a:fillRef idx="0">
+            <a:schemeClr val="accent1"/>
+          </a:fillRef>
+          <a:effectRef idx="0">
+            <a:schemeClr val="accent1"/>
+          </a:effectRef>
+          <a:fontRef idx="minor">
+            <a:schemeClr val="tx1"/>
+          </a:fontRef>
+        </p:style>
+      </p:cxnSp>
+      <p:sp>
+        <p:nvSpPr>
+          <p:cNvPr id="3" name="TextBox 2">
+            <a:extLst>
+              <a:ext uri="{FF2B5EF4-FFF2-40B4-BE49-F238E27FC236}">
+                <a16:creationId xmlns:a16="http://schemas.microsoft.com/office/drawing/2014/main" id="{AEC4F492-0FF8-F3A6-74A9-E497AB29CDF0}"/>
+              </a:ext>
+            </a:extLst>
+          </p:cNvPr>
+          <p:cNvSpPr txBox="1"/>
+          <p:nvPr/>
+        </p:nvSpPr>
+        <p:spPr>
+          <a:xfrm>
+            <a:off x="11823539" y="6580031"/>
+            <a:ext cx="2400837" cy="646331"/>
+          </a:xfrm>
+          <a:prstGeom prst="rect">
+            <a:avLst/>
+          </a:prstGeom>
+          <a:noFill/>
+        </p:spPr>
+        <p:txBody>
+          <a:bodyPr wrap="square" rtlCol="0">
+            <a:spAutoFit/>
+          </a:bodyPr>
+          <a:lstStyle/>
+          <a:p>
+            <a:r>
+              <a:rPr lang="en-US" b="1" dirty="0"/>
+              <a:t>Copilot in Excel announcement</a:t>
+            </a:r>
+          </a:p>
+        </p:txBody>
+      </p:sp>
+      <p:cxnSp>
+        <p:nvCxnSpPr>
+          <p:cNvPr id="7" name="Straight Arrow Connector 6">
+            <a:extLst>
+              <a:ext uri="{FF2B5EF4-FFF2-40B4-BE49-F238E27FC236}">
+                <a16:creationId xmlns:a16="http://schemas.microsoft.com/office/drawing/2014/main" id="{A2107CB3-8BE7-DF12-AC98-FF886271F1A9}"/>
+              </a:ext>
+            </a:extLst>
+          </p:cNvPr>
+          <p:cNvCxnSpPr>
+            <a:cxnSpLocks/>
+          </p:cNvCxnSpPr>
+          <p:nvPr/>
+        </p:nvCxnSpPr>
+        <p:spPr>
+          <a:xfrm>
+            <a:off x="12535437" y="7155307"/>
+            <a:ext cx="266163" cy="376979"/>
+          </a:xfrm>
+          <a:prstGeom prst="straightConnector1">
+            <a:avLst/>
+          </a:prstGeom>
+          <a:ln>
+            <a:tailEnd type="triangle"/>
+          </a:ln>
+        </p:spPr>
+        <p:style>
+          <a:lnRef idx="1">
+            <a:schemeClr val="accent1"/>
+          </a:lnRef>
+          <a:fillRef idx="0">
+            <a:schemeClr val="accent1"/>
+          </a:fillRef>
+          <a:effectRef idx="0">
+            <a:schemeClr val="accent1"/>
+          </a:effectRef>
+          <a:fontRef idx="minor">
+            <a:schemeClr val="tx1"/>
+          </a:fontRef>
+        </p:style>
+      </p:cxnSp>
+    </p:spTree>
+    <p:extLst>
+      <p:ext uri="{BB962C8B-B14F-4D97-AF65-F5344CB8AC3E}">
+        <p14:creationId xmlns:p14="http://schemas.microsoft.com/office/powerpoint/2010/main" val="3123897086"/>
+      </p:ext>
+    </p:extLst>
+  </p:cSld>
+  <p:clrMapOvr>
+    <a:masterClrMapping/>
+  </p:clrMapOvr>
+</p:sld>
+</file>
+
+<file path=ppt/slides/slide22.xml><?xml version="1.0" encoding="utf-8"?>
+<p:sld xmlns:a="http://schemas.openxmlformats.org/drawingml/2006/main" xmlns:r="http://schemas.openxmlformats.org/officeDocument/2006/relationships" xmlns:p="http://schemas.openxmlformats.org/presentationml/2006/main">
+  <p:cSld>
+    <p:spTree>
+      <p:nvGrpSpPr>
         <p:cNvPr id="1" name="">
           <a:extLst>
             <a:ext uri="{FF2B5EF4-FFF2-40B4-BE49-F238E27FC236}">
@@ -5653,7 +10982,7 @@
 </p:sld>
 </file>
 
-<file path=ppt/slides/slide11.xml><?xml version="1.0" encoding="utf-8"?>
+<file path=ppt/slides/slide23.xml><?xml version="1.0" encoding="utf-8"?>
 <p:sld xmlns:a="http://schemas.openxmlformats.org/drawingml/2006/main" xmlns:r="http://schemas.openxmlformats.org/officeDocument/2006/relationships" xmlns:p="http://schemas.openxmlformats.org/presentationml/2006/main">
   <p:cSld>
     <p:spTree>
@@ -6018,7 +11347,7 @@
 </p:sld>
 </file>
 
-<file path=ppt/slides/slide12.xml><?xml version="1.0" encoding="utf-8"?>
+<file path=ppt/slides/slide24.xml><?xml version="1.0" encoding="utf-8"?>
 <p:sld xmlns:a="http://schemas.openxmlformats.org/drawingml/2006/main" xmlns:r="http://schemas.openxmlformats.org/officeDocument/2006/relationships" xmlns:p="http://schemas.openxmlformats.org/presentationml/2006/main">
   <p:cSld>
     <p:spTree>
@@ -6223,7 +11552,7 @@
 </p:sld>
 </file>
 
-<file path=ppt/slides/slide13.xml><?xml version="1.0" encoding="utf-8"?>
+<file path=ppt/slides/slide25.xml><?xml version="1.0" encoding="utf-8"?>
 <p:sld xmlns:a="http://schemas.openxmlformats.org/drawingml/2006/main" xmlns:r="http://schemas.openxmlformats.org/officeDocument/2006/relationships" xmlns:p="http://schemas.openxmlformats.org/presentationml/2006/main">
   <p:cSld>
     <p:spTree>
@@ -6400,7 +11729,7 @@
 </p:sld>
 </file>
 
-<file path=ppt/slides/slide14.xml><?xml version="1.0" encoding="utf-8"?>
+<file path=ppt/slides/slide26.xml><?xml version="1.0" encoding="utf-8"?>
 <p:sld xmlns:a="http://schemas.openxmlformats.org/drawingml/2006/main" xmlns:r="http://schemas.openxmlformats.org/officeDocument/2006/relationships" xmlns:p="http://schemas.openxmlformats.org/presentationml/2006/main">
   <p:cSld>
     <p:spTree>
@@ -6510,7 +11839,7 @@
 </p:sld>
 </file>
 
-<file path=ppt/slides/slide15.xml><?xml version="1.0" encoding="utf-8"?>
+<file path=ppt/slides/slide27.xml><?xml version="1.0" encoding="utf-8"?>
 <p:sld xmlns:a="http://schemas.openxmlformats.org/drawingml/2006/main" xmlns:r="http://schemas.openxmlformats.org/officeDocument/2006/relationships" xmlns:p="http://schemas.openxmlformats.org/presentationml/2006/main">
   <p:cSld>
     <p:spTree>
@@ -6650,7 +11979,7 @@
 </p:sld>
 </file>
 
-<file path=ppt/slides/slide16.xml><?xml version="1.0" encoding="utf-8"?>
+<file path=ppt/slides/slide28.xml><?xml version="1.0" encoding="utf-8"?>
 <p:sld xmlns:a="http://schemas.openxmlformats.org/drawingml/2006/main" xmlns:r="http://schemas.openxmlformats.org/officeDocument/2006/relationships" xmlns:p="http://schemas.openxmlformats.org/presentationml/2006/main">
   <p:cSld>
     <p:spTree>
@@ -7292,7 +12621,7 @@
 </p:sld>
 </file>
 
-<file path=ppt/slides/slide17.xml><?xml version="1.0" encoding="utf-8"?>
+<file path=ppt/slides/slide29.xml><?xml version="1.0" encoding="utf-8"?>
 <p:sld xmlns:a="http://schemas.openxmlformats.org/drawingml/2006/main" xmlns:r="http://schemas.openxmlformats.org/officeDocument/2006/relationships" xmlns:p="http://schemas.openxmlformats.org/presentationml/2006/main">
   <p:cSld>
     <p:spTree>
@@ -8086,7 +13415,218 @@
 </p:sld>
 </file>
 
-<file path=ppt/slides/slide18.xml><?xml version="1.0" encoding="utf-8"?>
+<file path=ppt/slides/slide3.xml><?xml version="1.0" encoding="utf-8"?>
+<p:sld xmlns:a="http://schemas.openxmlformats.org/drawingml/2006/main" xmlns:r="http://schemas.openxmlformats.org/officeDocument/2006/relationships" xmlns:p="http://schemas.openxmlformats.org/presentationml/2006/main">
+  <p:cSld>
+    <p:spTree>
+      <p:nvGrpSpPr>
+        <p:cNvPr id="1" name="">
+          <a:extLst>
+            <a:ext uri="{FF2B5EF4-FFF2-40B4-BE49-F238E27FC236}">
+              <a16:creationId xmlns:a16="http://schemas.microsoft.com/office/drawing/2014/main" id="{72D4254C-6B9D-608D-E634-413F3EA003EE}"/>
+            </a:ext>
+          </a:extLst>
+        </p:cNvPr>
+        <p:cNvGrpSpPr/>
+        <p:nvPr/>
+      </p:nvGrpSpPr>
+      <p:grpSpPr>
+        <a:xfrm>
+          <a:off x="0" y="0"/>
+          <a:ext cx="0" cy="0"/>
+          <a:chOff x="0" y="0"/>
+          <a:chExt cx="0" cy="0"/>
+        </a:xfrm>
+      </p:grpSpPr>
+      <p:sp>
+        <p:nvSpPr>
+          <p:cNvPr id="11" name="TextBox 10">
+            <a:extLst>
+              <a:ext uri="{FF2B5EF4-FFF2-40B4-BE49-F238E27FC236}">
+                <a16:creationId xmlns:a16="http://schemas.microsoft.com/office/drawing/2014/main" id="{6FCA315D-D94B-9EED-CEC6-CE64C0380740}"/>
+              </a:ext>
+            </a:extLst>
+          </p:cNvPr>
+          <p:cNvSpPr txBox="1"/>
+          <p:nvPr/>
+        </p:nvSpPr>
+        <p:spPr>
+          <a:xfrm>
+            <a:off x="520861" y="170082"/>
+            <a:ext cx="11979797" cy="1477328"/>
+          </a:xfrm>
+          <a:prstGeom prst="rect">
+            <a:avLst/>
+          </a:prstGeom>
+          <a:noFill/>
+        </p:spPr>
+        <p:txBody>
+          <a:bodyPr wrap="square" rtlCol="0">
+            <a:spAutoFit/>
+          </a:bodyPr>
+          <a:lstStyle/>
+          <a:p>
+            <a:r>
+              <a:rPr lang="en-US" sz="9000" dirty="0">
+                <a:latin typeface="Aliens &amp; cows" panose="00000500000000000000" pitchFamily="2" charset="0"/>
+              </a:rPr>
+              <a:t>Following along</a:t>
+            </a:r>
+          </a:p>
+        </p:txBody>
+      </p:sp>
+      <p:sp>
+        <p:nvSpPr>
+          <p:cNvPr id="3" name="TextBox 2">
+            <a:extLst>
+              <a:ext uri="{FF2B5EF4-FFF2-40B4-BE49-F238E27FC236}">
+                <a16:creationId xmlns:a16="http://schemas.microsoft.com/office/drawing/2014/main" id="{4198D969-D329-01AA-E2CD-46095079A146}"/>
+              </a:ext>
+            </a:extLst>
+          </p:cNvPr>
+          <p:cNvSpPr txBox="1"/>
+          <p:nvPr/>
+        </p:nvSpPr>
+        <p:spPr>
+          <a:xfrm>
+            <a:off x="520861" y="3191948"/>
+            <a:ext cx="10909139" cy="2308324"/>
+          </a:xfrm>
+          <a:prstGeom prst="rect">
+            <a:avLst/>
+          </a:prstGeom>
+          <a:noFill/>
+        </p:spPr>
+        <p:txBody>
+          <a:bodyPr wrap="square" rtlCol="0">
+            <a:spAutoFit/>
+          </a:bodyPr>
+          <a:lstStyle/>
+          <a:p>
+            <a:pPr marL="685800" indent="-685800">
+              <a:buClr>
+                <a:srgbClr val="CF3338"/>
+              </a:buClr>
+              <a:buFont typeface="Arial" panose="020B0604020202020204" pitchFamily="34" charset="0"/>
+              <a:buChar char="•"/>
+            </a:pPr>
+            <a:r>
+              <a:rPr lang="en-US" sz="7200" dirty="0">
+                <a:solidFill>
+                  <a:srgbClr val="707070"/>
+                </a:solidFill>
+                <a:latin typeface="Pragmatica" panose="020B0403040502020204" pitchFamily="34" charset="0"/>
+              </a:rPr>
+              <a:t>Download the resources: </a:t>
+            </a:r>
+            <a:r>
+              <a:rPr lang="en-US" sz="7200" dirty="0">
+                <a:solidFill>
+                  <a:srgbClr val="707070"/>
+                </a:solidFill>
+                <a:latin typeface="Pragmatica" panose="020B0403040502020204" pitchFamily="34" charset="0"/>
+                <a:hlinkClick r:id="rId2"/>
+              </a:rPr>
+              <a:t>https://swiy.co/gxls2025</a:t>
+            </a:r>
+            <a:r>
+              <a:rPr lang="en-US" sz="7200" dirty="0">
+                <a:solidFill>
+                  <a:srgbClr val="707070"/>
+                </a:solidFill>
+                <a:latin typeface="Pragmatica" panose="020B0403040502020204" pitchFamily="34" charset="0"/>
+              </a:rPr>
+              <a:t> </a:t>
+            </a:r>
+          </a:p>
+        </p:txBody>
+      </p:sp>
+      <p:pic>
+        <p:nvPicPr>
+          <p:cNvPr id="15" name="Picture 14" descr="A close up of a sign&#10;&#10;Description automatically generated">
+            <a:extLst>
+              <a:ext uri="{FF2B5EF4-FFF2-40B4-BE49-F238E27FC236}">
+                <a16:creationId xmlns:a16="http://schemas.microsoft.com/office/drawing/2014/main" id="{5C8F946F-E552-F110-00DE-C28829A340FA}"/>
+              </a:ext>
+            </a:extLst>
+          </p:cNvPr>
+          <p:cNvPicPr>
+            <a:picLocks noChangeAspect="1"/>
+          </p:cNvPicPr>
+          <p:nvPr/>
+        </p:nvPicPr>
+        <p:blipFill>
+          <a:blip r:embed="rId3">
+            <a:extLst>
+              <a:ext uri="{28A0092B-C50C-407E-A947-70E740481C1C}">
+                <a14:useLocalDpi xmlns:a14="http://schemas.microsoft.com/office/drawing/2010/main" val="0"/>
+              </a:ext>
+            </a:extLst>
+          </a:blip>
+          <a:stretch>
+            <a:fillRect/>
+          </a:stretch>
+        </p:blipFill>
+        <p:spPr>
+          <a:xfrm>
+            <a:off x="16341036" y="8058429"/>
+            <a:ext cx="1942857" cy="2228571"/>
+          </a:xfrm>
+          <a:prstGeom prst="rect">
+            <a:avLst/>
+          </a:prstGeom>
+        </p:spPr>
+      </p:pic>
+      <p:pic>
+        <p:nvPicPr>
+          <p:cNvPr id="4" name="Picture 3" descr="A black background with a black square&#10;&#10;Description automatically generated with medium confidence">
+            <a:extLst>
+              <a:ext uri="{FF2B5EF4-FFF2-40B4-BE49-F238E27FC236}">
+                <a16:creationId xmlns:a16="http://schemas.microsoft.com/office/drawing/2014/main" id="{60BE2C2B-F655-E7BD-B514-9FAD21ED6990}"/>
+              </a:ext>
+            </a:extLst>
+          </p:cNvPr>
+          <p:cNvPicPr>
+            <a:picLocks noChangeAspect="1"/>
+          </p:cNvPicPr>
+          <p:nvPr/>
+        </p:nvPicPr>
+        <p:blipFill>
+          <a:blip r:embed="rId4">
+            <a:extLst>
+              <a:ext uri="{28A0092B-C50C-407E-A947-70E740481C1C}">
+                <a14:useLocalDpi xmlns:a14="http://schemas.microsoft.com/office/drawing/2010/main" val="0"/>
+              </a:ext>
+            </a:extLst>
+          </a:blip>
+          <a:stretch>
+            <a:fillRect/>
+          </a:stretch>
+        </p:blipFill>
+        <p:spPr>
+          <a:xfrm>
+            <a:off x="11734800" y="4229100"/>
+            <a:ext cx="4267200" cy="4267200"/>
+          </a:xfrm>
+          <a:prstGeom prst="rect">
+            <a:avLst/>
+          </a:prstGeom>
+        </p:spPr>
+      </p:pic>
+    </p:spTree>
+    <p:extLst>
+      <p:ext uri="{BB962C8B-B14F-4D97-AF65-F5344CB8AC3E}">
+        <p14:creationId xmlns:p14="http://schemas.microsoft.com/office/powerpoint/2010/main" val="609635893"/>
+      </p:ext>
+    </p:extLst>
+  </p:cSld>
+  <p:clrMapOvr>
+    <a:masterClrMapping/>
+  </p:clrMapOvr>
+</p:sld>
+</file>
+
+<file path=ppt/slides/slide30.xml><?xml version="1.0" encoding="utf-8"?>
 <p:sld xmlns:a="http://schemas.openxmlformats.org/drawingml/2006/main" xmlns:r="http://schemas.openxmlformats.org/officeDocument/2006/relationships" xmlns:p="http://schemas.openxmlformats.org/presentationml/2006/main">
   <p:cSld>
     <p:spTree>
@@ -8265,7 +13805,7 @@
 </p:sld>
 </file>
 
-<file path=ppt/slides/slide19.xml><?xml version="1.0" encoding="utf-8"?>
+<file path=ppt/slides/slide31.xml><?xml version="1.0" encoding="utf-8"?>
 <p:sld xmlns:a="http://schemas.openxmlformats.org/drawingml/2006/main" xmlns:r="http://schemas.openxmlformats.org/officeDocument/2006/relationships" xmlns:p="http://schemas.openxmlformats.org/presentationml/2006/main">
   <p:cSld>
     <p:spTree>
@@ -8423,371 +13963,7 @@
 </p:sld>
 </file>
 
-<file path=ppt/slides/slide2.xml><?xml version="1.0" encoding="utf-8"?>
-<p:sld xmlns:a="http://schemas.openxmlformats.org/drawingml/2006/main" xmlns:r="http://schemas.openxmlformats.org/officeDocument/2006/relationships" xmlns:p="http://schemas.openxmlformats.org/presentationml/2006/main">
-  <p:cSld>
-    <p:spTree>
-      <p:nvGrpSpPr>
-        <p:cNvPr id="1" name=""/>
-        <p:cNvGrpSpPr/>
-        <p:nvPr/>
-      </p:nvGrpSpPr>
-      <p:grpSpPr>
-        <a:xfrm>
-          <a:off x="0" y="0"/>
-          <a:ext cx="0" cy="0"/>
-          <a:chOff x="0" y="0"/>
-          <a:chExt cx="0" cy="0"/>
-        </a:xfrm>
-      </p:grpSpPr>
-      <p:sp>
-        <p:nvSpPr>
-          <p:cNvPr id="4" name="Rectangle 3"/>
-          <p:cNvSpPr/>
-          <p:nvPr/>
-        </p:nvSpPr>
-        <p:spPr>
-          <a:xfrm>
-            <a:off x="0" y="0"/>
-            <a:ext cx="18288000" cy="10287000"/>
-          </a:xfrm>
-          <a:prstGeom prst="rect">
-            <a:avLst/>
-          </a:prstGeom>
-          <a:solidFill>
-            <a:srgbClr val="CF3338"/>
-          </a:solidFill>
-          <a:ln>
-            <a:noFill/>
-          </a:ln>
-        </p:spPr>
-        <p:style>
-          <a:lnRef idx="2">
-            <a:schemeClr val="accent1">
-              <a:shade val="50000"/>
-            </a:schemeClr>
-          </a:lnRef>
-          <a:fillRef idx="1">
-            <a:schemeClr val="accent1"/>
-          </a:fillRef>
-          <a:effectRef idx="0">
-            <a:schemeClr val="accent1"/>
-          </a:effectRef>
-          <a:fontRef idx="minor">
-            <a:schemeClr val="lt1"/>
-          </a:fontRef>
-        </p:style>
-        <p:txBody>
-          <a:bodyPr rtlCol="0" anchor="ctr"/>
-          <a:lstStyle/>
-          <a:p>
-            <a:pPr algn="ctr"/>
-            <a:endParaRPr lang="en-US" sz="2700"/>
-          </a:p>
-        </p:txBody>
-      </p:sp>
-      <p:sp>
-        <p:nvSpPr>
-          <p:cNvPr id="5" name="TextBox 4"/>
-          <p:cNvSpPr txBox="1"/>
-          <p:nvPr/>
-        </p:nvSpPr>
-        <p:spPr>
-          <a:xfrm>
-            <a:off x="781292" y="590309"/>
-            <a:ext cx="15486926" cy="1615827"/>
-          </a:xfrm>
-          <a:prstGeom prst="rect">
-            <a:avLst/>
-          </a:prstGeom>
-          <a:noFill/>
-        </p:spPr>
-        <p:txBody>
-          <a:bodyPr wrap="square" rtlCol="0">
-            <a:spAutoFit/>
-          </a:bodyPr>
-          <a:lstStyle/>
-          <a:p>
-            <a:r>
-              <a:rPr lang="en-US" sz="9900" b="1" dirty="0">
-                <a:solidFill>
-                  <a:schemeClr val="bg1"/>
-                </a:solidFill>
-                <a:latin typeface="Normafixed Tryout" panose="00000409000000000000" pitchFamily="49" charset="0"/>
-              </a:rPr>
-              <a:t>Hi, I’m George</a:t>
-            </a:r>
-          </a:p>
-        </p:txBody>
-      </p:sp>
-      <p:pic>
-        <p:nvPicPr>
-          <p:cNvPr id="3" name="Picture 4" descr="Advancing into Analytics Cover Image">
-            <a:extLst>
-              <a:ext uri="{FF2B5EF4-FFF2-40B4-BE49-F238E27FC236}">
-                <a16:creationId xmlns:a16="http://schemas.microsoft.com/office/drawing/2014/main" id="{588F684B-18EF-D76C-5F7B-15E4BAD60643}"/>
-              </a:ext>
-            </a:extLst>
-          </p:cNvPr>
-          <p:cNvPicPr>
-            <a:picLocks noChangeAspect="1" noChangeArrowheads="1"/>
-          </p:cNvPicPr>
-          <p:nvPr/>
-        </p:nvPicPr>
-        <p:blipFill>
-          <a:blip r:embed="rId3" cstate="print">
-            <a:extLst>
-              <a:ext uri="{28A0092B-C50C-407E-A947-70E740481C1C}">
-                <a14:useLocalDpi xmlns:a14="http://schemas.microsoft.com/office/drawing/2010/main" val="0"/>
-              </a:ext>
-            </a:extLst>
-          </a:blip>
-          <a:srcRect/>
-          <a:stretch>
-            <a:fillRect/>
-          </a:stretch>
-        </p:blipFill>
-        <p:spPr bwMode="auto">
-          <a:xfrm>
-            <a:off x="14060913" y="456356"/>
-            <a:ext cx="3646936" cy="4763344"/>
-          </a:xfrm>
-          <a:prstGeom prst="rect">
-            <a:avLst/>
-          </a:prstGeom>
-          <a:noFill/>
-          <a:extLst>
-            <a:ext uri="{909E8E84-426E-40DD-AFC4-6F175D3DCCD1}">
-              <a14:hiddenFill xmlns:a14="http://schemas.microsoft.com/office/drawing/2010/main">
-                <a:solidFill>
-                  <a:srgbClr val="FFFFFF"/>
-                </a:solidFill>
-              </a14:hiddenFill>
-            </a:ext>
-          </a:extLst>
-        </p:spPr>
-      </p:pic>
-      <p:pic>
-        <p:nvPicPr>
-          <p:cNvPr id="6" name="Picture 6" descr="Free photos of Cleveland">
-            <a:extLst>
-              <a:ext uri="{FF2B5EF4-FFF2-40B4-BE49-F238E27FC236}">
-                <a16:creationId xmlns:a16="http://schemas.microsoft.com/office/drawing/2014/main" id="{CBA53EEE-E3E1-D99E-A4DC-1C4DD2E6CE4A}"/>
-              </a:ext>
-            </a:extLst>
-          </p:cNvPr>
-          <p:cNvPicPr>
-            <a:picLocks noChangeAspect="1" noChangeArrowheads="1"/>
-          </p:cNvPicPr>
-          <p:nvPr/>
-        </p:nvPicPr>
-        <p:blipFill>
-          <a:blip r:embed="rId4" cstate="print">
-            <a:extLst>
-              <a:ext uri="{28A0092B-C50C-407E-A947-70E740481C1C}">
-                <a14:useLocalDpi xmlns:a14="http://schemas.microsoft.com/office/drawing/2010/main" val="0"/>
-              </a:ext>
-            </a:extLst>
-          </a:blip>
-          <a:srcRect/>
-          <a:stretch>
-            <a:fillRect/>
-          </a:stretch>
-        </p:blipFill>
-        <p:spPr bwMode="auto">
-          <a:xfrm>
-            <a:off x="1719601" y="2636893"/>
-            <a:ext cx="7531585" cy="5013211"/>
-          </a:xfrm>
-          <a:prstGeom prst="rect">
-            <a:avLst/>
-          </a:prstGeom>
-          <a:noFill/>
-          <a:extLst>
-            <a:ext uri="{909E8E84-426E-40DD-AFC4-6F175D3DCCD1}">
-              <a14:hiddenFill xmlns:a14="http://schemas.microsoft.com/office/drawing/2010/main">
-                <a:solidFill>
-                  <a:srgbClr val="FFFFFF"/>
-                </a:solidFill>
-              </a14:hiddenFill>
-            </a:ext>
-          </a:extLst>
-        </p:spPr>
-      </p:pic>
-      <p:pic>
-        <p:nvPicPr>
-          <p:cNvPr id="8" name="Picture 7" descr="Logo&#10;&#10;Description automatically generated">
-            <a:extLst>
-              <a:ext uri="{FF2B5EF4-FFF2-40B4-BE49-F238E27FC236}">
-                <a16:creationId xmlns:a16="http://schemas.microsoft.com/office/drawing/2014/main" id="{97E0F267-87DF-961E-1FAA-47FD4F27A5C6}"/>
-              </a:ext>
-            </a:extLst>
-          </p:cNvPr>
-          <p:cNvPicPr>
-            <a:picLocks noChangeAspect="1"/>
-          </p:cNvPicPr>
-          <p:nvPr/>
-        </p:nvPicPr>
-        <p:blipFill>
-          <a:blip r:embed="rId5" cstate="print">
-            <a:extLst>
-              <a:ext uri="{28A0092B-C50C-407E-A947-70E740481C1C}">
-                <a14:useLocalDpi xmlns:a14="http://schemas.microsoft.com/office/drawing/2010/main" val="0"/>
-              </a:ext>
-            </a:extLst>
-          </a:blip>
-          <a:stretch>
-            <a:fillRect/>
-          </a:stretch>
-        </p:blipFill>
-        <p:spPr>
-          <a:xfrm>
-            <a:off x="10336758" y="6210300"/>
-            <a:ext cx="7448309" cy="5462681"/>
-          </a:xfrm>
-          <a:prstGeom prst="rect">
-            <a:avLst/>
-          </a:prstGeom>
-        </p:spPr>
-      </p:pic>
-      <p:pic>
-        <p:nvPicPr>
-          <p:cNvPr id="1026" name="Picture 2" descr="Excel MVP Led Training - The Best Way to Learn Excel.">
-            <a:extLst>
-              <a:ext uri="{FF2B5EF4-FFF2-40B4-BE49-F238E27FC236}">
-                <a16:creationId xmlns:a16="http://schemas.microsoft.com/office/drawing/2014/main" id="{1541E3A8-702A-355A-01A5-FFB43F9DE736}"/>
-              </a:ext>
-            </a:extLst>
-          </p:cNvPr>
-          <p:cNvPicPr>
-            <a:picLocks noChangeAspect="1" noChangeArrowheads="1"/>
-          </p:cNvPicPr>
-          <p:nvPr/>
-        </p:nvPicPr>
-        <p:blipFill>
-          <a:blip r:embed="rId6">
-            <a:extLst>
-              <a:ext uri="{28A0092B-C50C-407E-A947-70E740481C1C}">
-                <a14:useLocalDpi xmlns:a14="http://schemas.microsoft.com/office/drawing/2010/main" val="0"/>
-              </a:ext>
-            </a:extLst>
-          </a:blip>
-          <a:srcRect/>
-          <a:stretch>
-            <a:fillRect/>
-          </a:stretch>
-        </p:blipFill>
-        <p:spPr bwMode="auto">
-          <a:xfrm>
-            <a:off x="1095268" y="8334375"/>
-            <a:ext cx="4028188" cy="1615827"/>
-          </a:xfrm>
-          <a:prstGeom prst="rect">
-            <a:avLst/>
-          </a:prstGeom>
-          <a:noFill/>
-          <a:extLst>
-            <a:ext uri="{909E8E84-426E-40DD-AFC4-6F175D3DCCD1}">
-              <a14:hiddenFill xmlns:a14="http://schemas.microsoft.com/office/drawing/2010/main">
-                <a:solidFill>
-                  <a:srgbClr val="FFFFFF"/>
-                </a:solidFill>
-              </a14:hiddenFill>
-            </a:ext>
-          </a:extLst>
-        </p:spPr>
-      </p:pic>
-      <p:pic>
-        <p:nvPicPr>
-          <p:cNvPr id="2" name="Picture 1">
-            <a:extLst>
-              <a:ext uri="{FF2B5EF4-FFF2-40B4-BE49-F238E27FC236}">
-                <a16:creationId xmlns:a16="http://schemas.microsoft.com/office/drawing/2014/main" id="{50A242DB-4587-B99F-C771-FCE1A2F66CC2}"/>
-              </a:ext>
-            </a:extLst>
-          </p:cNvPr>
-          <p:cNvPicPr>
-            <a:picLocks noChangeAspect="1"/>
-          </p:cNvPicPr>
-          <p:nvPr/>
-        </p:nvPicPr>
-        <p:blipFill>
-          <a:blip r:embed="rId7"/>
-          <a:stretch>
-            <a:fillRect/>
-          </a:stretch>
-        </p:blipFill>
-        <p:spPr>
-          <a:xfrm>
-            <a:off x="10023998" y="2990000"/>
-            <a:ext cx="3553241" cy="4660104"/>
-          </a:xfrm>
-          <a:prstGeom prst="rect">
-            <a:avLst/>
-          </a:prstGeom>
-        </p:spPr>
-      </p:pic>
-      <p:pic>
-        <p:nvPicPr>
-          <p:cNvPr id="7" name="Picture 2" descr="Thais Cooke on LinkedIn ...">
-            <a:extLst>
-              <a:ext uri="{FF2B5EF4-FFF2-40B4-BE49-F238E27FC236}">
-                <a16:creationId xmlns:a16="http://schemas.microsoft.com/office/drawing/2014/main" id="{E04F7C46-C954-2867-35E4-FB4F6E251CEC}"/>
-              </a:ext>
-            </a:extLst>
-          </p:cNvPr>
-          <p:cNvPicPr>
-            <a:picLocks noChangeAspect="1" noChangeArrowheads="1"/>
-          </p:cNvPicPr>
-          <p:nvPr/>
-        </p:nvPicPr>
-        <p:blipFill>
-          <a:blip r:embed="rId8">
-            <a:extLst>
-              <a:ext uri="{28A0092B-C50C-407E-A947-70E740481C1C}">
-                <a14:useLocalDpi xmlns:a14="http://schemas.microsoft.com/office/drawing/2010/main" val="0"/>
-              </a:ext>
-            </a:extLst>
-          </a:blip>
-          <a:srcRect/>
-          <a:stretch>
-            <a:fillRect/>
-          </a:stretch>
-        </p:blipFill>
-        <p:spPr bwMode="auto">
-          <a:xfrm>
-            <a:off x="14264054" y="6129068"/>
-            <a:ext cx="3333750" cy="1371600"/>
-          </a:xfrm>
-          <a:prstGeom prst="rect">
-            <a:avLst/>
-          </a:prstGeom>
-          <a:noFill/>
-          <a:extLst>
-            <a:ext uri="{909E8E84-426E-40DD-AFC4-6F175D3DCCD1}">
-              <a14:hiddenFill xmlns:a14="http://schemas.microsoft.com/office/drawing/2010/main">
-                <a:solidFill>
-                  <a:srgbClr val="FFFFFF"/>
-                </a:solidFill>
-              </a14:hiddenFill>
-            </a:ext>
-          </a:extLst>
-        </p:spPr>
-      </p:pic>
-    </p:spTree>
-    <p:extLst>
-      <p:ext uri="{BB962C8B-B14F-4D97-AF65-F5344CB8AC3E}">
-        <p14:creationId xmlns:p14="http://schemas.microsoft.com/office/powerpoint/2010/main" val="166785523"/>
-      </p:ext>
-    </p:extLst>
-  </p:cSld>
-  <p:clrMapOvr>
-    <a:masterClrMapping/>
-  </p:clrMapOvr>
-</p:sld>
-</file>
-
-<file path=ppt/slides/slide20.xml><?xml version="1.0" encoding="utf-8"?>
+<file path=ppt/slides/slide32.xml><?xml version="1.0" encoding="utf-8"?>
 <p:sld xmlns:a="http://schemas.openxmlformats.org/drawingml/2006/main" xmlns:r="http://schemas.openxmlformats.org/officeDocument/2006/relationships" xmlns:p="http://schemas.openxmlformats.org/presentationml/2006/main">
   <p:cSld>
     <p:spTree>
@@ -8897,7 +14073,7 @@
 </p:sld>
 </file>
 
-<file path=ppt/slides/slide3.xml><?xml version="1.0" encoding="utf-8"?>
+<file path=ppt/slides/slide4.xml><?xml version="1.0" encoding="utf-8"?>
 <p:sld xmlns:a="http://schemas.openxmlformats.org/drawingml/2006/main" xmlns:r="http://schemas.openxmlformats.org/officeDocument/2006/relationships" xmlns:p="http://schemas.openxmlformats.org/presentationml/2006/main">
   <p:cSld>
     <p:spTree>
@@ -9061,218 +14237,7 @@
     </p:spTree>
     <p:extLst>
       <p:ext uri="{BB962C8B-B14F-4D97-AF65-F5344CB8AC3E}">
-        <p14:creationId xmlns:p14="http://schemas.microsoft.com/office/powerpoint/2010/main" val="3830029867"/>
-      </p:ext>
-    </p:extLst>
-  </p:cSld>
-  <p:clrMapOvr>
-    <a:masterClrMapping/>
-  </p:clrMapOvr>
-</p:sld>
-</file>
-
-<file path=ppt/slides/slide4.xml><?xml version="1.0" encoding="utf-8"?>
-<p:sld xmlns:a="http://schemas.openxmlformats.org/drawingml/2006/main" xmlns:r="http://schemas.openxmlformats.org/officeDocument/2006/relationships" xmlns:p="http://schemas.openxmlformats.org/presentationml/2006/main">
-  <p:cSld>
-    <p:spTree>
-      <p:nvGrpSpPr>
-        <p:cNvPr id="1" name="">
-          <a:extLst>
-            <a:ext uri="{FF2B5EF4-FFF2-40B4-BE49-F238E27FC236}">
-              <a16:creationId xmlns:a16="http://schemas.microsoft.com/office/drawing/2014/main" id="{72D4254C-6B9D-608D-E634-413F3EA003EE}"/>
-            </a:ext>
-          </a:extLst>
-        </p:cNvPr>
-        <p:cNvGrpSpPr/>
-        <p:nvPr/>
-      </p:nvGrpSpPr>
-      <p:grpSpPr>
-        <a:xfrm>
-          <a:off x="0" y="0"/>
-          <a:ext cx="0" cy="0"/>
-          <a:chOff x="0" y="0"/>
-          <a:chExt cx="0" cy="0"/>
-        </a:xfrm>
-      </p:grpSpPr>
-      <p:sp>
-        <p:nvSpPr>
-          <p:cNvPr id="11" name="TextBox 10">
-            <a:extLst>
-              <a:ext uri="{FF2B5EF4-FFF2-40B4-BE49-F238E27FC236}">
-                <a16:creationId xmlns:a16="http://schemas.microsoft.com/office/drawing/2014/main" id="{6FCA315D-D94B-9EED-CEC6-CE64C0380740}"/>
-              </a:ext>
-            </a:extLst>
-          </p:cNvPr>
-          <p:cNvSpPr txBox="1"/>
-          <p:nvPr/>
-        </p:nvSpPr>
-        <p:spPr>
-          <a:xfrm>
-            <a:off x="520861" y="170082"/>
-            <a:ext cx="11979797" cy="1477328"/>
-          </a:xfrm>
-          <a:prstGeom prst="rect">
-            <a:avLst/>
-          </a:prstGeom>
-          <a:noFill/>
-        </p:spPr>
-        <p:txBody>
-          <a:bodyPr wrap="square" rtlCol="0">
-            <a:spAutoFit/>
-          </a:bodyPr>
-          <a:lstStyle/>
-          <a:p>
-            <a:r>
-              <a:rPr lang="en-US" sz="9000" dirty="0">
-                <a:latin typeface="Aliens &amp; cows" panose="00000500000000000000" pitchFamily="2" charset="0"/>
-              </a:rPr>
-              <a:t>Following along</a:t>
-            </a:r>
-          </a:p>
-        </p:txBody>
-      </p:sp>
-      <p:sp>
-        <p:nvSpPr>
-          <p:cNvPr id="3" name="TextBox 2">
-            <a:extLst>
-              <a:ext uri="{FF2B5EF4-FFF2-40B4-BE49-F238E27FC236}">
-                <a16:creationId xmlns:a16="http://schemas.microsoft.com/office/drawing/2014/main" id="{4198D969-D329-01AA-E2CD-46095079A146}"/>
-              </a:ext>
-            </a:extLst>
-          </p:cNvPr>
-          <p:cNvSpPr txBox="1"/>
-          <p:nvPr/>
-        </p:nvSpPr>
-        <p:spPr>
-          <a:xfrm>
-            <a:off x="520861" y="3191948"/>
-            <a:ext cx="10909139" cy="2308324"/>
-          </a:xfrm>
-          <a:prstGeom prst="rect">
-            <a:avLst/>
-          </a:prstGeom>
-          <a:noFill/>
-        </p:spPr>
-        <p:txBody>
-          <a:bodyPr wrap="square" rtlCol="0">
-            <a:spAutoFit/>
-          </a:bodyPr>
-          <a:lstStyle/>
-          <a:p>
-            <a:pPr marL="685800" indent="-685800">
-              <a:buClr>
-                <a:srgbClr val="CF3338"/>
-              </a:buClr>
-              <a:buFont typeface="Arial" panose="020B0604020202020204" pitchFamily="34" charset="0"/>
-              <a:buChar char="•"/>
-            </a:pPr>
-            <a:r>
-              <a:rPr lang="en-US" sz="7200" dirty="0">
-                <a:solidFill>
-                  <a:srgbClr val="707070"/>
-                </a:solidFill>
-                <a:latin typeface="Pragmatica" panose="020B0403040502020204" pitchFamily="34" charset="0"/>
-              </a:rPr>
-              <a:t>Download the resources: </a:t>
-            </a:r>
-            <a:r>
-              <a:rPr lang="en-US" sz="7200" dirty="0">
-                <a:solidFill>
-                  <a:srgbClr val="707070"/>
-                </a:solidFill>
-                <a:latin typeface="Pragmatica" panose="020B0403040502020204" pitchFamily="34" charset="0"/>
-                <a:hlinkClick r:id="rId2"/>
-              </a:rPr>
-              <a:t>https://swiy.co/gxls2025</a:t>
-            </a:r>
-            <a:r>
-              <a:rPr lang="en-US" sz="7200" dirty="0">
-                <a:solidFill>
-                  <a:srgbClr val="707070"/>
-                </a:solidFill>
-                <a:latin typeface="Pragmatica" panose="020B0403040502020204" pitchFamily="34" charset="0"/>
-              </a:rPr>
-              <a:t> </a:t>
-            </a:r>
-          </a:p>
-        </p:txBody>
-      </p:sp>
-      <p:pic>
-        <p:nvPicPr>
-          <p:cNvPr id="15" name="Picture 14" descr="A close up of a sign&#10;&#10;Description automatically generated">
-            <a:extLst>
-              <a:ext uri="{FF2B5EF4-FFF2-40B4-BE49-F238E27FC236}">
-                <a16:creationId xmlns:a16="http://schemas.microsoft.com/office/drawing/2014/main" id="{5C8F946F-E552-F110-00DE-C28829A340FA}"/>
-              </a:ext>
-            </a:extLst>
-          </p:cNvPr>
-          <p:cNvPicPr>
-            <a:picLocks noChangeAspect="1"/>
-          </p:cNvPicPr>
-          <p:nvPr/>
-        </p:nvPicPr>
-        <p:blipFill>
-          <a:blip r:embed="rId3">
-            <a:extLst>
-              <a:ext uri="{28A0092B-C50C-407E-A947-70E740481C1C}">
-                <a14:useLocalDpi xmlns:a14="http://schemas.microsoft.com/office/drawing/2010/main" val="0"/>
-              </a:ext>
-            </a:extLst>
-          </a:blip>
-          <a:stretch>
-            <a:fillRect/>
-          </a:stretch>
-        </p:blipFill>
-        <p:spPr>
-          <a:xfrm>
-            <a:off x="16341036" y="8058429"/>
-            <a:ext cx="1942857" cy="2228571"/>
-          </a:xfrm>
-          <a:prstGeom prst="rect">
-            <a:avLst/>
-          </a:prstGeom>
-        </p:spPr>
-      </p:pic>
-      <p:pic>
-        <p:nvPicPr>
-          <p:cNvPr id="4" name="Picture 3" descr="A black background with a black square&#10;&#10;Description automatically generated with medium confidence">
-            <a:extLst>
-              <a:ext uri="{FF2B5EF4-FFF2-40B4-BE49-F238E27FC236}">
-                <a16:creationId xmlns:a16="http://schemas.microsoft.com/office/drawing/2014/main" id="{60BE2C2B-F655-E7BD-B514-9FAD21ED6990}"/>
-              </a:ext>
-            </a:extLst>
-          </p:cNvPr>
-          <p:cNvPicPr>
-            <a:picLocks noChangeAspect="1"/>
-          </p:cNvPicPr>
-          <p:nvPr/>
-        </p:nvPicPr>
-        <p:blipFill>
-          <a:blip r:embed="rId4">
-            <a:extLst>
-              <a:ext uri="{28A0092B-C50C-407E-A947-70E740481C1C}">
-                <a14:useLocalDpi xmlns:a14="http://schemas.microsoft.com/office/drawing/2010/main" val="0"/>
-              </a:ext>
-            </a:extLst>
-          </a:blip>
-          <a:stretch>
-            <a:fillRect/>
-          </a:stretch>
-        </p:blipFill>
-        <p:spPr>
-          <a:xfrm>
-            <a:off x="11734800" y="4229100"/>
-            <a:ext cx="4267200" cy="4267200"/>
-          </a:xfrm>
-          <a:prstGeom prst="rect">
-            <a:avLst/>
-          </a:prstGeom>
-        </p:spPr>
-      </p:pic>
-    </p:spTree>
-    <p:extLst>
-      <p:ext uri="{BB962C8B-B14F-4D97-AF65-F5344CB8AC3E}">
-        <p14:creationId xmlns:p14="http://schemas.microsoft.com/office/powerpoint/2010/main" val="4293474399"/>
+        <p14:creationId xmlns:p14="http://schemas.microsoft.com/office/powerpoint/2010/main" val="2905430697"/>
       </p:ext>
     </p:extLst>
   </p:cSld>
@@ -9283,150 +14248,6 @@
 </file>
 
 <file path=ppt/slides/slide5.xml><?xml version="1.0" encoding="utf-8"?>
-<p:sld xmlns:a="http://schemas.openxmlformats.org/drawingml/2006/main" xmlns:r="http://schemas.openxmlformats.org/officeDocument/2006/relationships" xmlns:p="http://schemas.openxmlformats.org/presentationml/2006/main">
-  <p:cSld>
-    <p:spTree>
-      <p:nvGrpSpPr>
-        <p:cNvPr id="1" name="">
-          <a:extLst>
-            <a:ext uri="{FF2B5EF4-FFF2-40B4-BE49-F238E27FC236}">
-              <a16:creationId xmlns:a16="http://schemas.microsoft.com/office/drawing/2014/main" id="{091CEEB3-2C34-A0F9-1ABF-D9CB59C6521E}"/>
-            </a:ext>
-          </a:extLst>
-        </p:cNvPr>
-        <p:cNvGrpSpPr/>
-        <p:nvPr/>
-      </p:nvGrpSpPr>
-      <p:grpSpPr>
-        <a:xfrm>
-          <a:off x="0" y="0"/>
-          <a:ext cx="0" cy="0"/>
-          <a:chOff x="0" y="0"/>
-          <a:chExt cx="0" cy="0"/>
-        </a:xfrm>
-      </p:grpSpPr>
-      <p:sp>
-        <p:nvSpPr>
-          <p:cNvPr id="11" name="TextBox 10">
-            <a:extLst>
-              <a:ext uri="{FF2B5EF4-FFF2-40B4-BE49-F238E27FC236}">
-                <a16:creationId xmlns:a16="http://schemas.microsoft.com/office/drawing/2014/main" id="{9D45D45D-6A62-2FCB-690F-9458780F61D9}"/>
-              </a:ext>
-            </a:extLst>
-          </p:cNvPr>
-          <p:cNvSpPr txBox="1"/>
-          <p:nvPr/>
-        </p:nvSpPr>
-        <p:spPr>
-          <a:xfrm>
-            <a:off x="520861" y="170082"/>
-            <a:ext cx="17309939" cy="1477328"/>
-          </a:xfrm>
-          <a:prstGeom prst="rect">
-            <a:avLst/>
-          </a:prstGeom>
-          <a:noFill/>
-        </p:spPr>
-        <p:txBody>
-          <a:bodyPr wrap="square" rtlCol="0">
-            <a:spAutoFit/>
-          </a:bodyPr>
-          <a:lstStyle/>
-          <a:p>
-            <a:r>
-              <a:rPr lang="en-US" sz="9000" dirty="0">
-                <a:latin typeface="Aliens &amp; cows" panose="00000500000000000000" pitchFamily="2" charset="0"/>
-              </a:rPr>
-              <a:t>Python in Excel… not enough? </a:t>
-            </a:r>
-          </a:p>
-        </p:txBody>
-      </p:sp>
-      <p:pic>
-        <p:nvPicPr>
-          <p:cNvPr id="15" name="Picture 14" descr="A close up of a sign&#10;&#10;Description automatically generated">
-            <a:extLst>
-              <a:ext uri="{FF2B5EF4-FFF2-40B4-BE49-F238E27FC236}">
-                <a16:creationId xmlns:a16="http://schemas.microsoft.com/office/drawing/2014/main" id="{B35A100B-4E0B-69D0-8339-1C212377B0EA}"/>
-              </a:ext>
-            </a:extLst>
-          </p:cNvPr>
-          <p:cNvPicPr>
-            <a:picLocks noChangeAspect="1"/>
-          </p:cNvPicPr>
-          <p:nvPr/>
-        </p:nvPicPr>
-        <p:blipFill>
-          <a:blip r:embed="rId3">
-            <a:extLst>
-              <a:ext uri="{28A0092B-C50C-407E-A947-70E740481C1C}">
-                <a14:useLocalDpi xmlns:a14="http://schemas.microsoft.com/office/drawing/2010/main" val="0"/>
-              </a:ext>
-            </a:extLst>
-          </a:blip>
-          <a:stretch>
-            <a:fillRect/>
-          </a:stretch>
-        </p:blipFill>
-        <p:spPr>
-          <a:xfrm>
-            <a:off x="16341036" y="8058429"/>
-            <a:ext cx="1942857" cy="2228571"/>
-          </a:xfrm>
-          <a:prstGeom prst="rect">
-            <a:avLst/>
-          </a:prstGeom>
-        </p:spPr>
-      </p:pic>
-      <p:pic>
-        <p:nvPicPr>
-          <p:cNvPr id="5" name="Content Placeholder 4" descr="A screenshot of a computer&#10;&#10;AI-generated content may be incorrect.">
-            <a:extLst>
-              <a:ext uri="{FF2B5EF4-FFF2-40B4-BE49-F238E27FC236}">
-                <a16:creationId xmlns:a16="http://schemas.microsoft.com/office/drawing/2014/main" id="{9B083A41-822E-24E2-B244-F70D3EA0F905}"/>
-              </a:ext>
-            </a:extLst>
-          </p:cNvPr>
-          <p:cNvPicPr>
-            <a:picLocks noChangeAspect="1"/>
-          </p:cNvPicPr>
-          <p:nvPr/>
-        </p:nvPicPr>
-        <p:blipFill>
-          <a:blip r:embed="rId4">
-            <a:extLst>
-              <a:ext uri="{28A0092B-C50C-407E-A947-70E740481C1C}">
-                <a14:useLocalDpi xmlns:a14="http://schemas.microsoft.com/office/drawing/2010/main" val="0"/>
-              </a:ext>
-            </a:extLst>
-          </a:blip>
-          <a:srcRect t="20604" b="21301"/>
-          <a:stretch/>
-        </p:blipFill>
-        <p:spPr>
-          <a:xfrm>
-            <a:off x="2743200" y="2095500"/>
-            <a:ext cx="12115800" cy="7038703"/>
-          </a:xfrm>
-          <a:prstGeom prst="rect">
-            <a:avLst/>
-          </a:prstGeom>
-        </p:spPr>
-      </p:pic>
-    </p:spTree>
-    <p:extLst>
-      <p:ext uri="{BB962C8B-B14F-4D97-AF65-F5344CB8AC3E}">
-        <p14:creationId xmlns:p14="http://schemas.microsoft.com/office/powerpoint/2010/main" val="2446553207"/>
-      </p:ext>
-    </p:extLst>
-  </p:cSld>
-  <p:clrMapOvr>
-    <a:masterClrMapping/>
-  </p:clrMapOvr>
-</p:sld>
-</file>
-
-<file path=ppt/slides/slide6.xml><?xml version="1.0" encoding="utf-8"?>
 <p:sld xmlns:a="http://schemas.openxmlformats.org/drawingml/2006/main" xmlns:r="http://schemas.openxmlformats.org/officeDocument/2006/relationships" xmlns:p="http://schemas.openxmlformats.org/presentationml/2006/main">
   <p:cSld>
     <p:spTree>
@@ -9524,10 +14345,10 @@
       </p:pic>
       <p:pic>
         <p:nvPicPr>
-          <p:cNvPr id="9" name="Picture 8">
+          <p:cNvPr id="7" name="Picture 6">
             <a:extLst>
               <a:ext uri="{FF2B5EF4-FFF2-40B4-BE49-F238E27FC236}">
-                <a16:creationId xmlns:a16="http://schemas.microsoft.com/office/drawing/2014/main" id="{1525273F-47DE-8F83-6D97-844CA34B1589}"/>
+                <a16:creationId xmlns:a16="http://schemas.microsoft.com/office/drawing/2014/main" id="{0CA1B416-D808-AB59-125C-E1F4207AFB1F}"/>
               </a:ext>
             </a:extLst>
           </p:cNvPr>
@@ -9544,8 +14365,8 @@
         </p:blipFill>
         <p:spPr>
           <a:xfrm>
-            <a:off x="1143000" y="1535139"/>
-            <a:ext cx="14685399" cy="8581779"/>
+            <a:off x="1866189" y="1639467"/>
+            <a:ext cx="14555621" cy="8477451"/>
           </a:xfrm>
           <a:prstGeom prst="rect">
             <a:avLst/>
@@ -9566,7 +14387,7 @@
         </p:nvSpPr>
         <p:spPr>
           <a:xfrm>
-            <a:off x="10287000" y="5520898"/>
+            <a:off x="7756800" y="5564652"/>
             <a:ext cx="2400837" cy="646331"/>
           </a:xfrm>
           <a:prstGeom prst="rect">
@@ -9582,7 +14403,7 @@
           <a:p>
             <a:r>
               <a:rPr lang="en-US" b="1" dirty="0"/>
-              <a:t>Python in Excel announcement</a:t>
+              <a:t>Python in Excel public preview 8/22/23</a:t>
             </a:r>
           </a:p>
         </p:txBody>
@@ -9601,7 +14422,7 @@
         </p:nvCxnSpPr>
         <p:spPr>
           <a:xfrm>
-            <a:off x="10896600" y="6134100"/>
+            <a:off x="9296400" y="6210983"/>
             <a:ext cx="304800" cy="457200"/>
           </a:xfrm>
           <a:prstGeom prst="straightConnector1">
@@ -9629,7 +14450,151 @@
     </p:spTree>
     <p:extLst>
       <p:ext uri="{BB962C8B-B14F-4D97-AF65-F5344CB8AC3E}">
-        <p14:creationId xmlns:p14="http://schemas.microsoft.com/office/powerpoint/2010/main" val="1222409867"/>
+        <p14:creationId xmlns:p14="http://schemas.microsoft.com/office/powerpoint/2010/main" val="1086755639"/>
+      </p:ext>
+    </p:extLst>
+  </p:cSld>
+  <p:clrMapOvr>
+    <a:masterClrMapping/>
+  </p:clrMapOvr>
+</p:sld>
+</file>
+
+<file path=ppt/slides/slide6.xml><?xml version="1.0" encoding="utf-8"?>
+<p:sld xmlns:a="http://schemas.openxmlformats.org/drawingml/2006/main" xmlns:r="http://schemas.openxmlformats.org/officeDocument/2006/relationships" xmlns:p="http://schemas.openxmlformats.org/presentationml/2006/main">
+  <p:cSld>
+    <p:spTree>
+      <p:nvGrpSpPr>
+        <p:cNvPr id="1" name="">
+          <a:extLst>
+            <a:ext uri="{FF2B5EF4-FFF2-40B4-BE49-F238E27FC236}">
+              <a16:creationId xmlns:a16="http://schemas.microsoft.com/office/drawing/2014/main" id="{091CEEB3-2C34-A0F9-1ABF-D9CB59C6521E}"/>
+            </a:ext>
+          </a:extLst>
+        </p:cNvPr>
+        <p:cNvGrpSpPr/>
+        <p:nvPr/>
+      </p:nvGrpSpPr>
+      <p:grpSpPr>
+        <a:xfrm>
+          <a:off x="0" y="0"/>
+          <a:ext cx="0" cy="0"/>
+          <a:chOff x="0" y="0"/>
+          <a:chExt cx="0" cy="0"/>
+        </a:xfrm>
+      </p:grpSpPr>
+      <p:sp>
+        <p:nvSpPr>
+          <p:cNvPr id="11" name="TextBox 10">
+            <a:extLst>
+              <a:ext uri="{FF2B5EF4-FFF2-40B4-BE49-F238E27FC236}">
+                <a16:creationId xmlns:a16="http://schemas.microsoft.com/office/drawing/2014/main" id="{9D45D45D-6A62-2FCB-690F-9458780F61D9}"/>
+              </a:ext>
+            </a:extLst>
+          </p:cNvPr>
+          <p:cNvSpPr txBox="1"/>
+          <p:nvPr/>
+        </p:nvSpPr>
+        <p:spPr>
+          <a:xfrm>
+            <a:off x="520861" y="170082"/>
+            <a:ext cx="17309939" cy="1477328"/>
+          </a:xfrm>
+          <a:prstGeom prst="rect">
+            <a:avLst/>
+          </a:prstGeom>
+          <a:noFill/>
+        </p:spPr>
+        <p:txBody>
+          <a:bodyPr wrap="square" rtlCol="0">
+            <a:spAutoFit/>
+          </a:bodyPr>
+          <a:lstStyle/>
+          <a:p>
+            <a:r>
+              <a:rPr lang="en-US" sz="9000" dirty="0">
+                <a:latin typeface="Aliens &amp; cows" panose="00000500000000000000" pitchFamily="2" charset="0"/>
+              </a:rPr>
+              <a:t>Python in Excel… not enough? </a:t>
+            </a:r>
+          </a:p>
+        </p:txBody>
+      </p:sp>
+      <p:pic>
+        <p:nvPicPr>
+          <p:cNvPr id="15" name="Picture 14" descr="A close up of a sign&#10;&#10;Description automatically generated">
+            <a:extLst>
+              <a:ext uri="{FF2B5EF4-FFF2-40B4-BE49-F238E27FC236}">
+                <a16:creationId xmlns:a16="http://schemas.microsoft.com/office/drawing/2014/main" id="{B35A100B-4E0B-69D0-8339-1C212377B0EA}"/>
+              </a:ext>
+            </a:extLst>
+          </p:cNvPr>
+          <p:cNvPicPr>
+            <a:picLocks noChangeAspect="1"/>
+          </p:cNvPicPr>
+          <p:nvPr/>
+        </p:nvPicPr>
+        <p:blipFill>
+          <a:blip r:embed="rId3">
+            <a:extLst>
+              <a:ext uri="{28A0092B-C50C-407E-A947-70E740481C1C}">
+                <a14:useLocalDpi xmlns:a14="http://schemas.microsoft.com/office/drawing/2010/main" val="0"/>
+              </a:ext>
+            </a:extLst>
+          </a:blip>
+          <a:stretch>
+            <a:fillRect/>
+          </a:stretch>
+        </p:blipFill>
+        <p:spPr>
+          <a:xfrm>
+            <a:off x="16341036" y="8058429"/>
+            <a:ext cx="1942857" cy="2228571"/>
+          </a:xfrm>
+          <a:prstGeom prst="rect">
+            <a:avLst/>
+          </a:prstGeom>
+        </p:spPr>
+      </p:pic>
+      <p:pic>
+        <p:nvPicPr>
+          <p:cNvPr id="5" name="Content Placeholder 4" descr="A screenshot of a computer&#10;&#10;AI-generated content may be incorrect.">
+            <a:extLst>
+              <a:ext uri="{FF2B5EF4-FFF2-40B4-BE49-F238E27FC236}">
+                <a16:creationId xmlns:a16="http://schemas.microsoft.com/office/drawing/2014/main" id="{9B083A41-822E-24E2-B244-F70D3EA0F905}"/>
+              </a:ext>
+            </a:extLst>
+          </p:cNvPr>
+          <p:cNvPicPr>
+            <a:picLocks noChangeAspect="1"/>
+          </p:cNvPicPr>
+          <p:nvPr/>
+        </p:nvPicPr>
+        <p:blipFill>
+          <a:blip r:embed="rId4">
+            <a:extLst>
+              <a:ext uri="{28A0092B-C50C-407E-A947-70E740481C1C}">
+                <a14:useLocalDpi xmlns:a14="http://schemas.microsoft.com/office/drawing/2010/main" val="0"/>
+              </a:ext>
+            </a:extLst>
+          </a:blip>
+          <a:srcRect t="20604" b="21301"/>
+          <a:stretch/>
+        </p:blipFill>
+        <p:spPr>
+          <a:xfrm>
+            <a:off x="2743200" y="2095500"/>
+            <a:ext cx="12115800" cy="7038703"/>
+          </a:xfrm>
+          <a:prstGeom prst="rect">
+            <a:avLst/>
+          </a:prstGeom>
+        </p:spPr>
+      </p:pic>
+    </p:spTree>
+    <p:extLst>
+      <p:ext uri="{BB962C8B-B14F-4D97-AF65-F5344CB8AC3E}">
+        <p14:creationId xmlns:p14="http://schemas.microsoft.com/office/powerpoint/2010/main" val="13997148"/>
       </p:ext>
     </p:extLst>
   </p:cSld>
@@ -9662,6 +14627,36 @@
           <a:chExt cx="0" cy="0"/>
         </a:xfrm>
       </p:grpSpPr>
+      <p:pic>
+        <p:nvPicPr>
+          <p:cNvPr id="8" name="Picture 7">
+            <a:extLst>
+              <a:ext uri="{FF2B5EF4-FFF2-40B4-BE49-F238E27FC236}">
+                <a16:creationId xmlns:a16="http://schemas.microsoft.com/office/drawing/2014/main" id="{D3DECE79-47C5-364F-914C-88B96C7AABD2}"/>
+              </a:ext>
+            </a:extLst>
+          </p:cNvPr>
+          <p:cNvPicPr>
+            <a:picLocks noChangeAspect="1"/>
+          </p:cNvPicPr>
+          <p:nvPr/>
+        </p:nvPicPr>
+        <p:blipFill>
+          <a:blip r:embed="rId3"/>
+          <a:stretch>
+            <a:fillRect/>
+          </a:stretch>
+        </p:blipFill>
+        <p:spPr>
+          <a:xfrm>
+            <a:off x="1898019" y="1647410"/>
+            <a:ext cx="14555621" cy="8477451"/>
+          </a:xfrm>
+          <a:prstGeom prst="rect">
+            <a:avLst/>
+          </a:prstGeom>
+        </p:spPr>
+      </p:pic>
       <p:sp>
         <p:nvSpPr>
           <p:cNvPr id="11" name="TextBox 10">
@@ -9714,7 +14709,7 @@
           <p:nvPr/>
         </p:nvPicPr>
         <p:blipFill>
-          <a:blip r:embed="rId3">
+          <a:blip r:embed="rId4">
             <a:extLst>
               <a:ext uri="{28A0092B-C50C-407E-A947-70E740481C1C}">
                 <a14:useLocalDpi xmlns:a14="http://schemas.microsoft.com/office/drawing/2010/main" val="0"/>
@@ -9735,36 +14730,6 @@
           </a:prstGeom>
         </p:spPr>
       </p:pic>
-      <p:pic>
-        <p:nvPicPr>
-          <p:cNvPr id="9" name="Picture 8">
-            <a:extLst>
-              <a:ext uri="{FF2B5EF4-FFF2-40B4-BE49-F238E27FC236}">
-                <a16:creationId xmlns:a16="http://schemas.microsoft.com/office/drawing/2014/main" id="{15E75768-63D2-8089-E93C-2E2FF0B471E0}"/>
-              </a:ext>
-            </a:extLst>
-          </p:cNvPr>
-          <p:cNvPicPr>
-            <a:picLocks noChangeAspect="1"/>
-          </p:cNvPicPr>
-          <p:nvPr/>
-        </p:nvPicPr>
-        <p:blipFill>
-          <a:blip r:embed="rId4"/>
-          <a:stretch>
-            <a:fillRect/>
-          </a:stretch>
-        </p:blipFill>
-        <p:spPr>
-          <a:xfrm>
-            <a:off x="1143000" y="1535139"/>
-            <a:ext cx="14685399" cy="8581779"/>
-          </a:xfrm>
-          <a:prstGeom prst="rect">
-            <a:avLst/>
-          </a:prstGeom>
-        </p:spPr>
-      </p:pic>
       <p:sp>
         <p:nvSpPr>
           <p:cNvPr id="2" name="TextBox 1">
@@ -9779,7 +14744,7 @@
         </p:nvSpPr>
         <p:spPr>
           <a:xfrm>
-            <a:off x="10287000" y="5520898"/>
+            <a:off x="7772400" y="5524500"/>
             <a:ext cx="2400837" cy="646331"/>
           </a:xfrm>
           <a:prstGeom prst="rect">
@@ -9795,7 +14760,7 @@
           <a:p>
             <a:r>
               <a:rPr lang="en-US" b="1" dirty="0"/>
-              <a:t>Python in Excel announcement</a:t>
+              <a:t>Python in Excel public preview 8/22/23</a:t>
             </a:r>
           </a:p>
         </p:txBody>
@@ -9809,12 +14774,14 @@
               </a:ext>
             </a:extLst>
           </p:cNvPr>
-          <p:cNvCxnSpPr/>
+          <p:cNvCxnSpPr>
+            <a:cxnSpLocks/>
+          </p:cNvCxnSpPr>
           <p:nvPr/>
         </p:nvCxnSpPr>
         <p:spPr>
           <a:xfrm>
-            <a:off x="10896600" y="6134100"/>
+            <a:off x="9473677" y="6155738"/>
             <a:ext cx="304800" cy="457200"/>
           </a:xfrm>
           <a:prstGeom prst="straightConnector1">
@@ -9853,8 +14820,8 @@
         </p:nvSpPr>
         <p:spPr>
           <a:xfrm>
-            <a:off x="11823539" y="6580031"/>
-            <a:ext cx="2400837" cy="646331"/>
+            <a:off x="10515600" y="6315121"/>
+            <a:ext cx="2400837" cy="923330"/>
           </a:xfrm>
           <a:prstGeom prst="rect">
             <a:avLst/>
@@ -9869,7 +14836,7 @@
           <a:p>
             <a:r>
               <a:rPr lang="en-US" b="1" dirty="0"/>
-              <a:t>Copilot in Excel announcement</a:t>
+              <a:t>Microsoft 365 Copilot commercially available 11/01/23</a:t>
             </a:r>
           </a:p>
         </p:txBody>
@@ -9889,9 +14856,9 @@
           <p:nvPr/>
         </p:nvCxnSpPr>
         <p:spPr>
-          <a:xfrm>
-            <a:off x="12535437" y="7155307"/>
-            <a:ext cx="266163" cy="376979"/>
+          <a:xfrm flipH="1">
+            <a:off x="10668000" y="7277100"/>
+            <a:ext cx="76200" cy="341946"/>
           </a:xfrm>
           <a:prstGeom prst="straightConnector1">
             <a:avLst/>
@@ -9918,7 +14885,7 @@
     </p:spTree>
     <p:extLst>
       <p:ext uri="{BB962C8B-B14F-4D97-AF65-F5344CB8AC3E}">
-        <p14:creationId xmlns:p14="http://schemas.microsoft.com/office/powerpoint/2010/main" val="1652374029"/>
+        <p14:creationId xmlns:p14="http://schemas.microsoft.com/office/powerpoint/2010/main" val="4087574303"/>
       </p:ext>
     </p:extLst>
   </p:cSld>
@@ -10062,7 +15029,7 @@
     </p:spTree>
     <p:extLst>
       <p:ext uri="{BB962C8B-B14F-4D97-AF65-F5344CB8AC3E}">
-        <p14:creationId xmlns:p14="http://schemas.microsoft.com/office/powerpoint/2010/main" val="363398084"/>
+        <p14:creationId xmlns:p14="http://schemas.microsoft.com/office/powerpoint/2010/main" val="1866522939"/>
       </p:ext>
     </p:extLst>
   </p:cSld>
@@ -10080,7 +15047,7 @@
         <p:cNvPr id="1" name="">
           <a:extLst>
             <a:ext uri="{FF2B5EF4-FFF2-40B4-BE49-F238E27FC236}">
-              <a16:creationId xmlns:a16="http://schemas.microsoft.com/office/drawing/2014/main" id="{2873BA01-E420-EE6D-4CC4-16C13000F659}"/>
+              <a16:creationId xmlns:a16="http://schemas.microsoft.com/office/drawing/2014/main" id="{77B78123-507D-6B5F-0800-E1DC90528AEB}"/>
             </a:ext>
           </a:extLst>
         </p:cNvPr>
@@ -10100,7 +15067,7 @@
           <p:cNvPr id="11" name="TextBox 10">
             <a:extLst>
               <a:ext uri="{FF2B5EF4-FFF2-40B4-BE49-F238E27FC236}">
-                <a16:creationId xmlns:a16="http://schemas.microsoft.com/office/drawing/2014/main" id="{CA54BF7A-F039-9B3E-AAD5-C4E5D73E1F68}"/>
+                <a16:creationId xmlns:a16="http://schemas.microsoft.com/office/drawing/2014/main" id="{E61B5300-DEB6-F0C9-2121-EF9147664403}"/>
               </a:ext>
             </a:extLst>
           </p:cNvPr>
@@ -10110,7 +15077,7 @@
         <p:spPr>
           <a:xfrm>
             <a:off x="520861" y="170082"/>
-            <a:ext cx="17309939" cy="1477328"/>
+            <a:ext cx="17309939" cy="1200329"/>
           </a:xfrm>
           <a:prstGeom prst="rect">
             <a:avLst/>
@@ -10124,10 +15091,10 @@
           <a:lstStyle/>
           <a:p>
             <a:r>
-              <a:rPr lang="en-US" sz="9000" dirty="0">
+              <a:rPr lang="en-US" sz="7200" dirty="0">
                 <a:latin typeface="Aliens &amp; cows" panose="00000500000000000000" pitchFamily="2" charset="0"/>
               </a:rPr>
-              <a:t>Copilot in Excel… not enough? </a:t>
+              <a:t>Copilot + Python + Excel… maybe enough?</a:t>
             </a:r>
           </a:p>
         </p:txBody>
@@ -10137,7 +15104,7 @@
           <p:cNvPr id="15" name="Picture 14" descr="A close up of a sign&#10;&#10;Description automatically generated">
             <a:extLst>
               <a:ext uri="{FF2B5EF4-FFF2-40B4-BE49-F238E27FC236}">
-                <a16:creationId xmlns:a16="http://schemas.microsoft.com/office/drawing/2014/main" id="{3DEB4C2E-B2C1-C94C-AD83-9DEC6C38FA9C}"/>
+                <a16:creationId xmlns:a16="http://schemas.microsoft.com/office/drawing/2014/main" id="{2260B8B6-C693-019A-1480-F10AF61F07DC}"/>
               </a:ext>
             </a:extLst>
           </p:cNvPr>
@@ -10170,10 +15137,10 @@
       </p:pic>
       <p:pic>
         <p:nvPicPr>
-          <p:cNvPr id="6" name="Picture 5">
+          <p:cNvPr id="10" name="Picture 9">
             <a:extLst>
               <a:ext uri="{FF2B5EF4-FFF2-40B4-BE49-F238E27FC236}">
-                <a16:creationId xmlns:a16="http://schemas.microsoft.com/office/drawing/2014/main" id="{0D55C19C-DEE9-3CDC-3928-99A92BC233BC}"/>
+                <a16:creationId xmlns:a16="http://schemas.microsoft.com/office/drawing/2014/main" id="{59CCEC15-D88C-9C97-67DE-8958D84BFDE8}"/>
               </a:ext>
             </a:extLst>
           </p:cNvPr>
@@ -10190,8 +15157,8 @@
         </p:blipFill>
         <p:spPr>
           <a:xfrm>
-            <a:off x="914400" y="1624026"/>
-            <a:ext cx="14282800" cy="8483769"/>
+            <a:off x="1676400" y="1714500"/>
+            <a:ext cx="14020800" cy="8206866"/>
           </a:xfrm>
           <a:prstGeom prst="rect">
             <a:avLst/>
@@ -10200,10 +15167,10 @@
       </p:pic>
       <p:sp>
         <p:nvSpPr>
-          <p:cNvPr id="2" name="TextBox 1">
+          <p:cNvPr id="12" name="TextBox 11">
             <a:extLst>
               <a:ext uri="{FF2B5EF4-FFF2-40B4-BE49-F238E27FC236}">
-                <a16:creationId xmlns:a16="http://schemas.microsoft.com/office/drawing/2014/main" id="{0AAEBBDD-2DB8-E423-0257-2C26EE4EBCC7}"/>
+                <a16:creationId xmlns:a16="http://schemas.microsoft.com/office/drawing/2014/main" id="{24ED2F5C-9EEE-64F2-C84B-F416BEF6F4DA}"/>
               </a:ext>
             </a:extLst>
           </p:cNvPr>
@@ -10212,7 +15179,7 @@
         </p:nvSpPr>
         <p:spPr>
           <a:xfrm>
-            <a:off x="10287000" y="5520898"/>
+            <a:off x="7848600" y="5343479"/>
             <a:ext cx="2400837" cy="646331"/>
           </a:xfrm>
           <a:prstGeom prst="rect">
@@ -10228,26 +15195,28 @@
           <a:p>
             <a:r>
               <a:rPr lang="en-US" b="1" dirty="0"/>
-              <a:t>Python in Excel announcement</a:t>
+              <a:t>Python in Excel public preview 8/22/23</a:t>
             </a:r>
           </a:p>
         </p:txBody>
       </p:sp>
       <p:cxnSp>
         <p:nvCxnSpPr>
-          <p:cNvPr id="4" name="Straight Arrow Connector 3">
+          <p:cNvPr id="13" name="Straight Arrow Connector 12">
             <a:extLst>
               <a:ext uri="{FF2B5EF4-FFF2-40B4-BE49-F238E27FC236}">
-                <a16:creationId xmlns:a16="http://schemas.microsoft.com/office/drawing/2014/main" id="{FB673B21-36D0-FE8A-F2A2-52B589D98DA1}"/>
+                <a16:creationId xmlns:a16="http://schemas.microsoft.com/office/drawing/2014/main" id="{A53EFC30-7FFC-0CF7-19AA-B68B355698D3}"/>
               </a:ext>
             </a:extLst>
           </p:cNvPr>
-          <p:cNvCxnSpPr/>
+          <p:cNvCxnSpPr>
+            <a:cxnSpLocks/>
+          </p:cNvCxnSpPr>
           <p:nvPr/>
         </p:nvCxnSpPr>
         <p:spPr>
           <a:xfrm>
-            <a:off x="10896600" y="6134100"/>
+            <a:off x="9549877" y="5974717"/>
             <a:ext cx="304800" cy="457200"/>
           </a:xfrm>
           <a:prstGeom prst="straightConnector1">
@@ -10274,10 +15243,10 @@
       </p:cxnSp>
       <p:sp>
         <p:nvSpPr>
-          <p:cNvPr id="3" name="TextBox 2">
+          <p:cNvPr id="14" name="TextBox 13">
             <a:extLst>
               <a:ext uri="{FF2B5EF4-FFF2-40B4-BE49-F238E27FC236}">
-                <a16:creationId xmlns:a16="http://schemas.microsoft.com/office/drawing/2014/main" id="{AEC4F492-0FF8-F3A6-74A9-E497AB29CDF0}"/>
+                <a16:creationId xmlns:a16="http://schemas.microsoft.com/office/drawing/2014/main" id="{D4658393-3D2B-CCAA-F70E-EBF9DB85969C}"/>
               </a:ext>
             </a:extLst>
           </p:cNvPr>
@@ -10286,8 +15255,8 @@
         </p:nvSpPr>
         <p:spPr>
           <a:xfrm>
-            <a:off x="11823539" y="6580031"/>
-            <a:ext cx="2400837" cy="646331"/>
+            <a:off x="10591800" y="6134100"/>
+            <a:ext cx="2400837" cy="923330"/>
           </a:xfrm>
           <a:prstGeom prst="rect">
             <a:avLst/>
@@ -10302,17 +15271,17 @@
           <a:p>
             <a:r>
               <a:rPr lang="en-US" b="1" dirty="0"/>
-              <a:t>Copilot in Excel announcement</a:t>
+              <a:t>Microsoft 365 Copilot commercially available 11/1/23</a:t>
             </a:r>
           </a:p>
         </p:txBody>
       </p:sp>
       <p:cxnSp>
         <p:nvCxnSpPr>
-          <p:cNvPr id="7" name="Straight Arrow Connector 6">
+          <p:cNvPr id="16" name="Straight Arrow Connector 15">
             <a:extLst>
               <a:ext uri="{FF2B5EF4-FFF2-40B4-BE49-F238E27FC236}">
-                <a16:creationId xmlns:a16="http://schemas.microsoft.com/office/drawing/2014/main" id="{A2107CB3-8BE7-DF12-AC98-FF886271F1A9}"/>
+                <a16:creationId xmlns:a16="http://schemas.microsoft.com/office/drawing/2014/main" id="{064FB940-64EB-0057-D1D5-ED08D918E553}"/>
               </a:ext>
             </a:extLst>
           </p:cNvPr>
@@ -10322,9 +15291,9 @@
           <p:nvPr/>
         </p:nvCxnSpPr>
         <p:spPr>
-          <a:xfrm>
-            <a:off x="12535437" y="7155307"/>
-            <a:ext cx="266163" cy="376979"/>
+          <a:xfrm flipH="1">
+            <a:off x="10744200" y="7096079"/>
+            <a:ext cx="76200" cy="341946"/>
           </a:xfrm>
           <a:prstGeom prst="straightConnector1">
             <a:avLst/>
@@ -10348,10 +15317,86 @@
           </a:fontRef>
         </p:style>
       </p:cxnSp>
+      <p:cxnSp>
+        <p:nvCxnSpPr>
+          <p:cNvPr id="17" name="Straight Arrow Connector 16">
+            <a:extLst>
+              <a:ext uri="{FF2B5EF4-FFF2-40B4-BE49-F238E27FC236}">
+                <a16:creationId xmlns:a16="http://schemas.microsoft.com/office/drawing/2014/main" id="{64CFEF3E-2B55-2DD3-A2D7-9105B5B7CA94}"/>
+              </a:ext>
+            </a:extLst>
+          </p:cNvPr>
+          <p:cNvCxnSpPr>
+            <a:cxnSpLocks/>
+          </p:cNvCxnSpPr>
+          <p:nvPr/>
+        </p:nvCxnSpPr>
+        <p:spPr>
+          <a:xfrm flipH="1" flipV="1">
+            <a:off x="13792200" y="8648700"/>
+            <a:ext cx="76200" cy="381000"/>
+          </a:xfrm>
+          <a:prstGeom prst="straightConnector1">
+            <a:avLst/>
+          </a:prstGeom>
+          <a:ln>
+            <a:tailEnd type="triangle"/>
+          </a:ln>
+        </p:spPr>
+        <p:style>
+          <a:lnRef idx="1">
+            <a:schemeClr val="accent1"/>
+          </a:lnRef>
+          <a:fillRef idx="0">
+            <a:schemeClr val="accent1"/>
+          </a:fillRef>
+          <a:effectRef idx="0">
+            <a:schemeClr val="accent1"/>
+          </a:effectRef>
+          <a:fontRef idx="minor">
+            <a:schemeClr val="tx1"/>
+          </a:fontRef>
+        </p:style>
+      </p:cxnSp>
+      <p:sp>
+        <p:nvSpPr>
+          <p:cNvPr id="21" name="TextBox 20">
+            <a:extLst>
+              <a:ext uri="{FF2B5EF4-FFF2-40B4-BE49-F238E27FC236}">
+                <a16:creationId xmlns:a16="http://schemas.microsoft.com/office/drawing/2014/main" id="{58A37B35-38BE-8CD9-43C3-085CB6AA3D97}"/>
+              </a:ext>
+            </a:extLst>
+          </p:cNvPr>
+          <p:cNvSpPr txBox="1"/>
+          <p:nvPr/>
+        </p:nvSpPr>
+        <p:spPr>
+          <a:xfrm>
+            <a:off x="11963400" y="9050623"/>
+            <a:ext cx="3200400" cy="646331"/>
+          </a:xfrm>
+          <a:prstGeom prst="rect">
+            <a:avLst/>
+          </a:prstGeom>
+          <a:noFill/>
+        </p:spPr>
+        <p:txBody>
+          <a:bodyPr wrap="square" rtlCol="0">
+            <a:spAutoFit/>
+          </a:bodyPr>
+          <a:lstStyle/>
+          <a:p>
+            <a:r>
+              <a:rPr lang="en-US" b="1" dirty="0"/>
+              <a:t>Advanced Analysis in Copilot public preview 9/16/24</a:t>
+            </a:r>
+          </a:p>
+        </p:txBody>
+      </p:sp>
     </p:spTree>
     <p:extLst>
       <p:ext uri="{BB962C8B-B14F-4D97-AF65-F5344CB8AC3E}">
-        <p14:creationId xmlns:p14="http://schemas.microsoft.com/office/powerpoint/2010/main" val="3123897086"/>
+        <p14:creationId xmlns:p14="http://schemas.microsoft.com/office/powerpoint/2010/main" val="1841665291"/>
       </p:ext>
     </p:extLst>
   </p:cSld>
@@ -10940,6 +15985,21 @@
 </file>
 
 <file path=ppt/webextensions/webextension1.xml><?xml version="1.0" encoding="utf-8"?>
+<we:webextension xmlns:we="http://schemas.microsoft.com/office/webextensions/webextension/2010/11" id="{28F15569-1D43-412A-B7A9-8B6A35DD186C}">
+  <we:reference id="wa104381526" version="1.0.0.2" store="en-US" storeType="OMEX"/>
+  <we:alternateReferences>
+    <we:reference id="WA104381526" version="1.0.0.2" store="WA104381526" storeType="OMEX"/>
+  </we:alternateReferences>
+  <we:properties>
+    <we:property name="FormID" value="&quot;cPpWkUv2F0C9kbrTzRR0VwK40CLGr49Luld6hV2Wkn9UODJXWFg1NzFYU0I5QjdFNllNTFZSWDlDUy4u&quot;"/>
+    <we:property name="FormMode" value="&quot;DesignTime&quot;"/>
+  </we:properties>
+  <we:bindings/>
+  <we:snapshot xmlns:r="http://schemas.openxmlformats.org/officeDocument/2006/relationships"/>
+</we:webextension>
+</file>
+
+<file path=ppt/webextensions/webextension2.xml><?xml version="1.0" encoding="utf-8"?>
 <we:webextension xmlns:we="http://schemas.microsoft.com/office/webextensions/webextension/2010/11" id="{3F45ED20-C10C-4155-A425-FF0BFD6984EF}">
   <we:reference id="wa104381526" version="1.0.0.2" store="en-US" storeType="OMEX"/>
   <we:alternateReferences>

--- a/xlgs-python-excel-copilot-slides.pptx
+++ b/xlgs-python-excel-copilot-slides.pptx
@@ -5,7 +5,7 @@
     <p:sldMasterId id="2147483648" r:id="rId1"/>
   </p:sldMasterIdLst>
   <p:notesMasterIdLst>
-    <p:notesMasterId r:id="rId34"/>
+    <p:notesMasterId r:id="rId20"/>
   </p:notesMasterIdLst>
   <p:sldIdLst>
     <p:sldId id="256" r:id="rId2"/>
@@ -24,22 +24,8 @@
     <p:sldId id="457" r:id="rId15"/>
     <p:sldId id="458" r:id="rId16"/>
     <p:sldId id="459" r:id="rId17"/>
-    <p:sldId id="439" r:id="rId18"/>
-    <p:sldId id="434" r:id="rId19"/>
-    <p:sldId id="436" r:id="rId20"/>
-    <p:sldId id="442" r:id="rId21"/>
-    <p:sldId id="437" r:id="rId22"/>
-    <p:sldId id="443" r:id="rId23"/>
-    <p:sldId id="444" r:id="rId24"/>
-    <p:sldId id="425" r:id="rId25"/>
-    <p:sldId id="394" r:id="rId26"/>
-    <p:sldId id="364" r:id="rId27"/>
-    <p:sldId id="429" r:id="rId28"/>
-    <p:sldId id="430" r:id="rId29"/>
-    <p:sldId id="432" r:id="rId30"/>
-    <p:sldId id="431" r:id="rId31"/>
-    <p:sldId id="372" r:id="rId32"/>
-    <p:sldId id="427" r:id="rId33"/>
+    <p:sldId id="372" r:id="rId18"/>
+    <p:sldId id="427" r:id="rId19"/>
   </p:sldIdLst>
   <p:sldSz cx="18288000" cy="10287000"/>
   <p:notesSz cx="6858000" cy="9144000"/>
@@ -257,7 +243,7 @@
           <a:p>
             <a:fld id="{17A98A70-FA8C-4354-959C-C70678AC9BCF}" type="datetimeFigureOut">
               <a:rPr lang="en-US" smtClean="0"/>
-              <a:t>1/30/2025</a:t>
+              <a:t>2/4/2025</a:t>
             </a:fld>
             <a:endParaRPr lang="en-US"/>
           </a:p>
@@ -963,1114 +949,6 @@
 </p:notes>
 </file>
 
-<file path=ppt/notesSlides/notesSlide11.xml><?xml version="1.0" encoding="utf-8"?>
-<p:notes xmlns:a="http://schemas.openxmlformats.org/drawingml/2006/main" xmlns:r="http://schemas.openxmlformats.org/officeDocument/2006/relationships" xmlns:p="http://schemas.openxmlformats.org/presentationml/2006/main">
-  <p:cSld>
-    <p:spTree>
-      <p:nvGrpSpPr>
-        <p:cNvPr id="1" name="">
-          <a:extLst>
-            <a:ext uri="{FF2B5EF4-FFF2-40B4-BE49-F238E27FC236}">
-              <a16:creationId xmlns:a16="http://schemas.microsoft.com/office/drawing/2014/main" id="{5E61782F-E789-FD67-66AA-208C18823DD8}"/>
-            </a:ext>
-          </a:extLst>
-        </p:cNvPr>
-        <p:cNvGrpSpPr/>
-        <p:nvPr/>
-      </p:nvGrpSpPr>
-      <p:grpSpPr>
-        <a:xfrm>
-          <a:off x="0" y="0"/>
-          <a:ext cx="0" cy="0"/>
-          <a:chOff x="0" y="0"/>
-          <a:chExt cx="0" cy="0"/>
-        </a:xfrm>
-      </p:grpSpPr>
-      <p:sp>
-        <p:nvSpPr>
-          <p:cNvPr id="2" name="Slide Image Placeholder 1">
-            <a:extLst>
-              <a:ext uri="{FF2B5EF4-FFF2-40B4-BE49-F238E27FC236}">
-                <a16:creationId xmlns:a16="http://schemas.microsoft.com/office/drawing/2014/main" id="{07945024-7F88-4DFB-E198-AFA2968C8317}"/>
-              </a:ext>
-            </a:extLst>
-          </p:cNvPr>
-          <p:cNvSpPr>
-            <a:spLocks noGrp="1" noRot="1" noChangeAspect="1"/>
-          </p:cNvSpPr>
-          <p:nvPr>
-            <p:ph type="sldImg"/>
-          </p:nvPr>
-        </p:nvSpPr>
-        <p:spPr/>
-      </p:sp>
-      <p:sp>
-        <p:nvSpPr>
-          <p:cNvPr id="3" name="Notes Placeholder 2">
-            <a:extLst>
-              <a:ext uri="{FF2B5EF4-FFF2-40B4-BE49-F238E27FC236}">
-                <a16:creationId xmlns:a16="http://schemas.microsoft.com/office/drawing/2014/main" id="{185206D0-587F-189D-6080-627072CF91E3}"/>
-              </a:ext>
-            </a:extLst>
-          </p:cNvPr>
-          <p:cNvSpPr>
-            <a:spLocks noGrp="1"/>
-          </p:cNvSpPr>
-          <p:nvPr>
-            <p:ph type="body" idx="1"/>
-          </p:nvPr>
-        </p:nvSpPr>
-        <p:spPr/>
-        <p:txBody>
-          <a:bodyPr/>
-          <a:lstStyle/>
-          <a:p>
-            <a:r>
-              <a:rPr lang="en-US" sz="1200" dirty="0"/>
-              <a:t>A lot of hostility, but some interest… </a:t>
-            </a:r>
-          </a:p>
-        </p:txBody>
-      </p:sp>
-      <p:sp>
-        <p:nvSpPr>
-          <p:cNvPr id="4" name="Slide Number Placeholder 3">
-            <a:extLst>
-              <a:ext uri="{FF2B5EF4-FFF2-40B4-BE49-F238E27FC236}">
-                <a16:creationId xmlns:a16="http://schemas.microsoft.com/office/drawing/2014/main" id="{FF83B263-179A-2D8A-629B-E25FB52F65DB}"/>
-              </a:ext>
-            </a:extLst>
-          </p:cNvPr>
-          <p:cNvSpPr>
-            <a:spLocks noGrp="1"/>
-          </p:cNvSpPr>
-          <p:nvPr>
-            <p:ph type="sldNum" sz="quarter" idx="5"/>
-          </p:nvPr>
-        </p:nvSpPr>
-        <p:spPr/>
-        <p:txBody>
-          <a:bodyPr/>
-          <a:lstStyle/>
-          <a:p>
-            <a:fld id="{FFB500C5-13F7-48FC-8160-C29AECF6C602}" type="slidenum">
-              <a:rPr lang="en-US" smtClean="0"/>
-              <a:t>17</a:t>
-            </a:fld>
-            <a:endParaRPr lang="en-US"/>
-          </a:p>
-        </p:txBody>
-      </p:sp>
-    </p:spTree>
-    <p:extLst>
-      <p:ext uri="{BB962C8B-B14F-4D97-AF65-F5344CB8AC3E}">
-        <p14:creationId xmlns:p14="http://schemas.microsoft.com/office/powerpoint/2010/main" val="3908729631"/>
-      </p:ext>
-    </p:extLst>
-  </p:cSld>
-  <p:clrMapOvr>
-    <a:masterClrMapping/>
-  </p:clrMapOvr>
-</p:notes>
-</file>
-
-<file path=ppt/notesSlides/notesSlide12.xml><?xml version="1.0" encoding="utf-8"?>
-<p:notes xmlns:a="http://schemas.openxmlformats.org/drawingml/2006/main" xmlns:r="http://schemas.openxmlformats.org/officeDocument/2006/relationships" xmlns:p="http://schemas.openxmlformats.org/presentationml/2006/main">
-  <p:cSld>
-    <p:spTree>
-      <p:nvGrpSpPr>
-        <p:cNvPr id="1" name="">
-          <a:extLst>
-            <a:ext uri="{FF2B5EF4-FFF2-40B4-BE49-F238E27FC236}">
-              <a16:creationId xmlns:a16="http://schemas.microsoft.com/office/drawing/2014/main" id="{CFBEE56D-9F07-2C97-FB09-1261DC4313A3}"/>
-            </a:ext>
-          </a:extLst>
-        </p:cNvPr>
-        <p:cNvGrpSpPr/>
-        <p:nvPr/>
-      </p:nvGrpSpPr>
-      <p:grpSpPr>
-        <a:xfrm>
-          <a:off x="0" y="0"/>
-          <a:ext cx="0" cy="0"/>
-          <a:chOff x="0" y="0"/>
-          <a:chExt cx="0" cy="0"/>
-        </a:xfrm>
-      </p:grpSpPr>
-      <p:sp>
-        <p:nvSpPr>
-          <p:cNvPr id="2" name="Slide Image Placeholder 1">
-            <a:extLst>
-              <a:ext uri="{FF2B5EF4-FFF2-40B4-BE49-F238E27FC236}">
-                <a16:creationId xmlns:a16="http://schemas.microsoft.com/office/drawing/2014/main" id="{8B5EF0E8-0A46-5B4D-D99F-2A8DBEFC2117}"/>
-              </a:ext>
-            </a:extLst>
-          </p:cNvPr>
-          <p:cNvSpPr>
-            <a:spLocks noGrp="1" noRot="1" noChangeAspect="1"/>
-          </p:cNvSpPr>
-          <p:nvPr>
-            <p:ph type="sldImg"/>
-          </p:nvPr>
-        </p:nvSpPr>
-        <p:spPr/>
-      </p:sp>
-      <p:sp>
-        <p:nvSpPr>
-          <p:cNvPr id="3" name="Notes Placeholder 2">
-            <a:extLst>
-              <a:ext uri="{FF2B5EF4-FFF2-40B4-BE49-F238E27FC236}">
-                <a16:creationId xmlns:a16="http://schemas.microsoft.com/office/drawing/2014/main" id="{E81327C7-1735-B7C1-D8F5-F2D50E586073}"/>
-              </a:ext>
-            </a:extLst>
-          </p:cNvPr>
-          <p:cNvSpPr>
-            <a:spLocks noGrp="1"/>
-          </p:cNvSpPr>
-          <p:nvPr>
-            <p:ph type="body" idx="1"/>
-          </p:nvPr>
-        </p:nvSpPr>
-        <p:spPr/>
-        <p:txBody>
-          <a:bodyPr/>
-          <a:lstStyle/>
-          <a:p>
-            <a:r>
-              <a:rPr lang="en-US" sz="1200" dirty="0"/>
-              <a:t>A quick honeymoon period for </a:t>
-            </a:r>
-            <a:r>
-              <a:rPr lang="en-US" sz="1200" dirty="0" err="1"/>
-              <a:t>Pytohn</a:t>
-            </a:r>
-            <a:r>
-              <a:rPr lang="en-US" sz="1200" dirty="0"/>
-              <a:t> in Excel, what happened? </a:t>
-            </a:r>
-          </a:p>
-        </p:txBody>
-      </p:sp>
-      <p:sp>
-        <p:nvSpPr>
-          <p:cNvPr id="4" name="Slide Number Placeholder 3">
-            <a:extLst>
-              <a:ext uri="{FF2B5EF4-FFF2-40B4-BE49-F238E27FC236}">
-                <a16:creationId xmlns:a16="http://schemas.microsoft.com/office/drawing/2014/main" id="{2BB854A2-D544-8B70-F126-16379C5C205F}"/>
-              </a:ext>
-            </a:extLst>
-          </p:cNvPr>
-          <p:cNvSpPr>
-            <a:spLocks noGrp="1"/>
-          </p:cNvSpPr>
-          <p:nvPr>
-            <p:ph type="sldNum" sz="quarter" idx="5"/>
-          </p:nvPr>
-        </p:nvSpPr>
-        <p:spPr/>
-        <p:txBody>
-          <a:bodyPr/>
-          <a:lstStyle/>
-          <a:p>
-            <a:fld id="{FFB500C5-13F7-48FC-8160-C29AECF6C602}" type="slidenum">
-              <a:rPr lang="en-US" smtClean="0"/>
-              <a:t>18</a:t>
-            </a:fld>
-            <a:endParaRPr lang="en-US"/>
-          </a:p>
-        </p:txBody>
-      </p:sp>
-    </p:spTree>
-    <p:extLst>
-      <p:ext uri="{BB962C8B-B14F-4D97-AF65-F5344CB8AC3E}">
-        <p14:creationId xmlns:p14="http://schemas.microsoft.com/office/powerpoint/2010/main" val="2749568745"/>
-      </p:ext>
-    </p:extLst>
-  </p:cSld>
-  <p:clrMapOvr>
-    <a:masterClrMapping/>
-  </p:clrMapOvr>
-</p:notes>
-</file>
-
-<file path=ppt/notesSlides/notesSlide13.xml><?xml version="1.0" encoding="utf-8"?>
-<p:notes xmlns:a="http://schemas.openxmlformats.org/drawingml/2006/main" xmlns:r="http://schemas.openxmlformats.org/officeDocument/2006/relationships" xmlns:p="http://schemas.openxmlformats.org/presentationml/2006/main">
-  <p:cSld>
-    <p:spTree>
-      <p:nvGrpSpPr>
-        <p:cNvPr id="1" name="">
-          <a:extLst>
-            <a:ext uri="{FF2B5EF4-FFF2-40B4-BE49-F238E27FC236}">
-              <a16:creationId xmlns:a16="http://schemas.microsoft.com/office/drawing/2014/main" id="{8F475349-AC08-97E4-F710-BE9CD2605907}"/>
-            </a:ext>
-          </a:extLst>
-        </p:cNvPr>
-        <p:cNvGrpSpPr/>
-        <p:nvPr/>
-      </p:nvGrpSpPr>
-      <p:grpSpPr>
-        <a:xfrm>
-          <a:off x="0" y="0"/>
-          <a:ext cx="0" cy="0"/>
-          <a:chOff x="0" y="0"/>
-          <a:chExt cx="0" cy="0"/>
-        </a:xfrm>
-      </p:grpSpPr>
-      <p:sp>
-        <p:nvSpPr>
-          <p:cNvPr id="2" name="Slide Image Placeholder 1">
-            <a:extLst>
-              <a:ext uri="{FF2B5EF4-FFF2-40B4-BE49-F238E27FC236}">
-                <a16:creationId xmlns:a16="http://schemas.microsoft.com/office/drawing/2014/main" id="{28F36B26-E188-4126-69F0-296D7297F34C}"/>
-              </a:ext>
-            </a:extLst>
-          </p:cNvPr>
-          <p:cNvSpPr>
-            <a:spLocks noGrp="1" noRot="1" noChangeAspect="1"/>
-          </p:cNvSpPr>
-          <p:nvPr>
-            <p:ph type="sldImg"/>
-          </p:nvPr>
-        </p:nvSpPr>
-        <p:spPr/>
-      </p:sp>
-      <p:sp>
-        <p:nvSpPr>
-          <p:cNvPr id="3" name="Notes Placeholder 2">
-            <a:extLst>
-              <a:ext uri="{FF2B5EF4-FFF2-40B4-BE49-F238E27FC236}">
-                <a16:creationId xmlns:a16="http://schemas.microsoft.com/office/drawing/2014/main" id="{A6AA7AC3-C9CF-27BD-C7EC-39881DE97C9A}"/>
-              </a:ext>
-            </a:extLst>
-          </p:cNvPr>
-          <p:cNvSpPr>
-            <a:spLocks noGrp="1"/>
-          </p:cNvSpPr>
-          <p:nvPr>
-            <p:ph type="body" idx="1"/>
-          </p:nvPr>
-        </p:nvSpPr>
-        <p:spPr/>
-        <p:txBody>
-          <a:bodyPr/>
-          <a:lstStyle/>
-          <a:p>
-            <a:r>
-              <a:rPr lang="en-US" sz="1200" dirty="0"/>
-              <a:t>Was it AI? I don’t know. Most people hated Copilot in Excel </a:t>
-            </a:r>
-          </a:p>
-        </p:txBody>
-      </p:sp>
-      <p:sp>
-        <p:nvSpPr>
-          <p:cNvPr id="4" name="Slide Number Placeholder 3">
-            <a:extLst>
-              <a:ext uri="{FF2B5EF4-FFF2-40B4-BE49-F238E27FC236}">
-                <a16:creationId xmlns:a16="http://schemas.microsoft.com/office/drawing/2014/main" id="{DA06E20B-3916-2836-A9EE-1EB610EA2927}"/>
-              </a:ext>
-            </a:extLst>
-          </p:cNvPr>
-          <p:cNvSpPr>
-            <a:spLocks noGrp="1"/>
-          </p:cNvSpPr>
-          <p:nvPr>
-            <p:ph type="sldNum" sz="quarter" idx="5"/>
-          </p:nvPr>
-        </p:nvSpPr>
-        <p:spPr/>
-        <p:txBody>
-          <a:bodyPr/>
-          <a:lstStyle/>
-          <a:p>
-            <a:fld id="{FFB500C5-13F7-48FC-8160-C29AECF6C602}" type="slidenum">
-              <a:rPr lang="en-US" smtClean="0"/>
-              <a:t>19</a:t>
-            </a:fld>
-            <a:endParaRPr lang="en-US"/>
-          </a:p>
-        </p:txBody>
-      </p:sp>
-    </p:spTree>
-    <p:extLst>
-      <p:ext uri="{BB962C8B-B14F-4D97-AF65-F5344CB8AC3E}">
-        <p14:creationId xmlns:p14="http://schemas.microsoft.com/office/powerpoint/2010/main" val="4235046938"/>
-      </p:ext>
-    </p:extLst>
-  </p:cSld>
-  <p:clrMapOvr>
-    <a:masterClrMapping/>
-  </p:clrMapOvr>
-</p:notes>
-</file>
-
-<file path=ppt/notesSlides/notesSlide14.xml><?xml version="1.0" encoding="utf-8"?>
-<p:notes xmlns:a="http://schemas.openxmlformats.org/drawingml/2006/main" xmlns:r="http://schemas.openxmlformats.org/officeDocument/2006/relationships" xmlns:p="http://schemas.openxmlformats.org/presentationml/2006/main">
-  <p:cSld>
-    <p:spTree>
-      <p:nvGrpSpPr>
-        <p:cNvPr id="1" name="">
-          <a:extLst>
-            <a:ext uri="{FF2B5EF4-FFF2-40B4-BE49-F238E27FC236}">
-              <a16:creationId xmlns:a16="http://schemas.microsoft.com/office/drawing/2014/main" id="{3C7FE384-ED9D-F099-2625-F249B7322ECA}"/>
-            </a:ext>
-          </a:extLst>
-        </p:cNvPr>
-        <p:cNvGrpSpPr/>
-        <p:nvPr/>
-      </p:nvGrpSpPr>
-      <p:grpSpPr>
-        <a:xfrm>
-          <a:off x="0" y="0"/>
-          <a:ext cx="0" cy="0"/>
-          <a:chOff x="0" y="0"/>
-          <a:chExt cx="0" cy="0"/>
-        </a:xfrm>
-      </p:grpSpPr>
-      <p:sp>
-        <p:nvSpPr>
-          <p:cNvPr id="2" name="Slide Image Placeholder 1">
-            <a:extLst>
-              <a:ext uri="{FF2B5EF4-FFF2-40B4-BE49-F238E27FC236}">
-                <a16:creationId xmlns:a16="http://schemas.microsoft.com/office/drawing/2014/main" id="{6318BEA4-9348-DC99-91C1-4432ECB0667F}"/>
-              </a:ext>
-            </a:extLst>
-          </p:cNvPr>
-          <p:cNvSpPr>
-            <a:spLocks noGrp="1" noRot="1" noChangeAspect="1"/>
-          </p:cNvSpPr>
-          <p:nvPr>
-            <p:ph type="sldImg"/>
-          </p:nvPr>
-        </p:nvSpPr>
-        <p:spPr/>
-      </p:sp>
-      <p:sp>
-        <p:nvSpPr>
-          <p:cNvPr id="3" name="Notes Placeholder 2">
-            <a:extLst>
-              <a:ext uri="{FF2B5EF4-FFF2-40B4-BE49-F238E27FC236}">
-                <a16:creationId xmlns:a16="http://schemas.microsoft.com/office/drawing/2014/main" id="{AABFB7A9-B2FB-1134-EFEC-83457A12CFB6}"/>
-              </a:ext>
-            </a:extLst>
-          </p:cNvPr>
-          <p:cNvSpPr>
-            <a:spLocks noGrp="1"/>
-          </p:cNvSpPr>
-          <p:nvPr>
-            <p:ph type="body" idx="1"/>
-          </p:nvPr>
-        </p:nvSpPr>
-        <p:spPr/>
-        <p:txBody>
-          <a:bodyPr/>
-          <a:lstStyle/>
-          <a:p>
-            <a:r>
-              <a:rPr lang="en-US" sz="1200" dirty="0"/>
-              <a:t>Not singling Wyn out, I think most people thought that! </a:t>
-            </a:r>
-          </a:p>
-        </p:txBody>
-      </p:sp>
-      <p:sp>
-        <p:nvSpPr>
-          <p:cNvPr id="4" name="Slide Number Placeholder 3">
-            <a:extLst>
-              <a:ext uri="{FF2B5EF4-FFF2-40B4-BE49-F238E27FC236}">
-                <a16:creationId xmlns:a16="http://schemas.microsoft.com/office/drawing/2014/main" id="{CE75A1F4-14C1-8D20-2EC2-E00087F09518}"/>
-              </a:ext>
-            </a:extLst>
-          </p:cNvPr>
-          <p:cNvSpPr>
-            <a:spLocks noGrp="1"/>
-          </p:cNvSpPr>
-          <p:nvPr>
-            <p:ph type="sldNum" sz="quarter" idx="5"/>
-          </p:nvPr>
-        </p:nvSpPr>
-        <p:spPr/>
-        <p:txBody>
-          <a:bodyPr/>
-          <a:lstStyle/>
-          <a:p>
-            <a:fld id="{FFB500C5-13F7-48FC-8160-C29AECF6C602}" type="slidenum">
-              <a:rPr lang="en-US" smtClean="0"/>
-              <a:t>20</a:t>
-            </a:fld>
-            <a:endParaRPr lang="en-US"/>
-          </a:p>
-        </p:txBody>
-      </p:sp>
-    </p:spTree>
-    <p:extLst>
-      <p:ext uri="{BB962C8B-B14F-4D97-AF65-F5344CB8AC3E}">
-        <p14:creationId xmlns:p14="http://schemas.microsoft.com/office/powerpoint/2010/main" val="3579210169"/>
-      </p:ext>
-    </p:extLst>
-  </p:cSld>
-  <p:clrMapOvr>
-    <a:masterClrMapping/>
-  </p:clrMapOvr>
-</p:notes>
-</file>
-
-<file path=ppt/notesSlides/notesSlide15.xml><?xml version="1.0" encoding="utf-8"?>
-<p:notes xmlns:a="http://schemas.openxmlformats.org/drawingml/2006/main" xmlns:r="http://schemas.openxmlformats.org/officeDocument/2006/relationships" xmlns:p="http://schemas.openxmlformats.org/presentationml/2006/main">
-  <p:cSld>
-    <p:spTree>
-      <p:nvGrpSpPr>
-        <p:cNvPr id="1" name="">
-          <a:extLst>
-            <a:ext uri="{FF2B5EF4-FFF2-40B4-BE49-F238E27FC236}">
-              <a16:creationId xmlns:a16="http://schemas.microsoft.com/office/drawing/2014/main" id="{31B50553-01DF-6603-C71C-6763C69F12CF}"/>
-            </a:ext>
-          </a:extLst>
-        </p:cNvPr>
-        <p:cNvGrpSpPr/>
-        <p:nvPr/>
-      </p:nvGrpSpPr>
-      <p:grpSpPr>
-        <a:xfrm>
-          <a:off x="0" y="0"/>
-          <a:ext cx="0" cy="0"/>
-          <a:chOff x="0" y="0"/>
-          <a:chExt cx="0" cy="0"/>
-        </a:xfrm>
-      </p:grpSpPr>
-      <p:sp>
-        <p:nvSpPr>
-          <p:cNvPr id="2" name="Slide Image Placeholder 1">
-            <a:extLst>
-              <a:ext uri="{FF2B5EF4-FFF2-40B4-BE49-F238E27FC236}">
-                <a16:creationId xmlns:a16="http://schemas.microsoft.com/office/drawing/2014/main" id="{30CDEF0F-C78E-B7DE-A27A-E63201464A34}"/>
-              </a:ext>
-            </a:extLst>
-          </p:cNvPr>
-          <p:cNvSpPr>
-            <a:spLocks noGrp="1" noRot="1" noChangeAspect="1"/>
-          </p:cNvSpPr>
-          <p:nvPr>
-            <p:ph type="sldImg"/>
-          </p:nvPr>
-        </p:nvSpPr>
-        <p:spPr/>
-      </p:sp>
-      <p:sp>
-        <p:nvSpPr>
-          <p:cNvPr id="3" name="Notes Placeholder 2">
-            <a:extLst>
-              <a:ext uri="{FF2B5EF4-FFF2-40B4-BE49-F238E27FC236}">
-                <a16:creationId xmlns:a16="http://schemas.microsoft.com/office/drawing/2014/main" id="{FC3EF3B0-ABEE-7591-CF4F-69DE9BDA5779}"/>
-              </a:ext>
-            </a:extLst>
-          </p:cNvPr>
-          <p:cNvSpPr>
-            <a:spLocks noGrp="1"/>
-          </p:cNvSpPr>
-          <p:nvPr>
-            <p:ph type="body" idx="1"/>
-          </p:nvPr>
-        </p:nvSpPr>
-        <p:spPr/>
-        <p:txBody>
-          <a:bodyPr/>
-          <a:lstStyle/>
-          <a:p>
-            <a:r>
-              <a:rPr lang="en-US" sz="1200" dirty="0"/>
-              <a:t>So Copilot is slowly growing in interest</a:t>
-            </a:r>
-          </a:p>
-        </p:txBody>
-      </p:sp>
-      <p:sp>
-        <p:nvSpPr>
-          <p:cNvPr id="4" name="Slide Number Placeholder 3">
-            <a:extLst>
-              <a:ext uri="{FF2B5EF4-FFF2-40B4-BE49-F238E27FC236}">
-                <a16:creationId xmlns:a16="http://schemas.microsoft.com/office/drawing/2014/main" id="{7F12B534-4385-DC2A-43F8-AE7ADBDAF196}"/>
-              </a:ext>
-            </a:extLst>
-          </p:cNvPr>
-          <p:cNvSpPr>
-            <a:spLocks noGrp="1"/>
-          </p:cNvSpPr>
-          <p:nvPr>
-            <p:ph type="sldNum" sz="quarter" idx="5"/>
-          </p:nvPr>
-        </p:nvSpPr>
-        <p:spPr/>
-        <p:txBody>
-          <a:bodyPr/>
-          <a:lstStyle/>
-          <a:p>
-            <a:fld id="{FFB500C5-13F7-48FC-8160-C29AECF6C602}" type="slidenum">
-              <a:rPr lang="en-US" smtClean="0"/>
-              <a:t>21</a:t>
-            </a:fld>
-            <a:endParaRPr lang="en-US"/>
-          </a:p>
-        </p:txBody>
-      </p:sp>
-    </p:spTree>
-    <p:extLst>
-      <p:ext uri="{BB962C8B-B14F-4D97-AF65-F5344CB8AC3E}">
-        <p14:creationId xmlns:p14="http://schemas.microsoft.com/office/powerpoint/2010/main" val="4200641320"/>
-      </p:ext>
-    </p:extLst>
-  </p:cSld>
-  <p:clrMapOvr>
-    <a:masterClrMapping/>
-  </p:clrMapOvr>
-</p:notes>
-</file>
-
-<file path=ppt/notesSlides/notesSlide16.xml><?xml version="1.0" encoding="utf-8"?>
-<p:notes xmlns:a="http://schemas.openxmlformats.org/drawingml/2006/main" xmlns:r="http://schemas.openxmlformats.org/officeDocument/2006/relationships" xmlns:p="http://schemas.openxmlformats.org/presentationml/2006/main">
-  <p:cSld>
-    <p:spTree>
-      <p:nvGrpSpPr>
-        <p:cNvPr id="1" name="">
-          <a:extLst>
-            <a:ext uri="{FF2B5EF4-FFF2-40B4-BE49-F238E27FC236}">
-              <a16:creationId xmlns:a16="http://schemas.microsoft.com/office/drawing/2014/main" id="{26FD1329-B53D-B527-77B1-E7FE0A8EF827}"/>
-            </a:ext>
-          </a:extLst>
-        </p:cNvPr>
-        <p:cNvGrpSpPr/>
-        <p:nvPr/>
-      </p:nvGrpSpPr>
-      <p:grpSpPr>
-        <a:xfrm>
-          <a:off x="0" y="0"/>
-          <a:ext cx="0" cy="0"/>
-          <a:chOff x="0" y="0"/>
-          <a:chExt cx="0" cy="0"/>
-        </a:xfrm>
-      </p:grpSpPr>
-      <p:sp>
-        <p:nvSpPr>
-          <p:cNvPr id="2" name="Slide Image Placeholder 1">
-            <a:extLst>
-              <a:ext uri="{FF2B5EF4-FFF2-40B4-BE49-F238E27FC236}">
-                <a16:creationId xmlns:a16="http://schemas.microsoft.com/office/drawing/2014/main" id="{CDE82CC2-E04D-E180-C96B-636027D28D74}"/>
-              </a:ext>
-            </a:extLst>
-          </p:cNvPr>
-          <p:cNvSpPr>
-            <a:spLocks noGrp="1" noRot="1" noChangeAspect="1"/>
-          </p:cNvSpPr>
-          <p:nvPr>
-            <p:ph type="sldImg"/>
-          </p:nvPr>
-        </p:nvSpPr>
-        <p:spPr/>
-      </p:sp>
-      <p:sp>
-        <p:nvSpPr>
-          <p:cNvPr id="3" name="Notes Placeholder 2">
-            <a:extLst>
-              <a:ext uri="{FF2B5EF4-FFF2-40B4-BE49-F238E27FC236}">
-                <a16:creationId xmlns:a16="http://schemas.microsoft.com/office/drawing/2014/main" id="{8124481D-2901-7ABF-4A56-E1D6FBDEC716}"/>
-              </a:ext>
-            </a:extLst>
-          </p:cNvPr>
-          <p:cNvSpPr>
-            <a:spLocks noGrp="1"/>
-          </p:cNvSpPr>
-          <p:nvPr>
-            <p:ph type="body" idx="1"/>
-          </p:nvPr>
-        </p:nvSpPr>
-        <p:spPr/>
-        <p:txBody>
-          <a:bodyPr/>
-          <a:lstStyle/>
-          <a:p>
-            <a:r>
-              <a:rPr lang="en-US" sz="1200" dirty="0"/>
-              <a:t>So Copilot is slowly growing in interest</a:t>
-            </a:r>
-          </a:p>
-        </p:txBody>
-      </p:sp>
-      <p:sp>
-        <p:nvSpPr>
-          <p:cNvPr id="4" name="Slide Number Placeholder 3">
-            <a:extLst>
-              <a:ext uri="{FF2B5EF4-FFF2-40B4-BE49-F238E27FC236}">
-                <a16:creationId xmlns:a16="http://schemas.microsoft.com/office/drawing/2014/main" id="{405C8E6C-9A8D-AFE6-CDC9-C6CA84CA59F7}"/>
-              </a:ext>
-            </a:extLst>
-          </p:cNvPr>
-          <p:cNvSpPr>
-            <a:spLocks noGrp="1"/>
-          </p:cNvSpPr>
-          <p:nvPr>
-            <p:ph type="sldNum" sz="quarter" idx="5"/>
-          </p:nvPr>
-        </p:nvSpPr>
-        <p:spPr/>
-        <p:txBody>
-          <a:bodyPr/>
-          <a:lstStyle/>
-          <a:p>
-            <a:fld id="{FFB500C5-13F7-48FC-8160-C29AECF6C602}" type="slidenum">
-              <a:rPr lang="en-US" smtClean="0"/>
-              <a:t>22</a:t>
-            </a:fld>
-            <a:endParaRPr lang="en-US"/>
-          </a:p>
-        </p:txBody>
-      </p:sp>
-    </p:spTree>
-    <p:extLst>
-      <p:ext uri="{BB962C8B-B14F-4D97-AF65-F5344CB8AC3E}">
-        <p14:creationId xmlns:p14="http://schemas.microsoft.com/office/powerpoint/2010/main" val="314935284"/>
-      </p:ext>
-    </p:extLst>
-  </p:cSld>
-  <p:clrMapOvr>
-    <a:masterClrMapping/>
-  </p:clrMapOvr>
-</p:notes>
-</file>
-
-<file path=ppt/notesSlides/notesSlide17.xml><?xml version="1.0" encoding="utf-8"?>
-<p:notes xmlns:a="http://schemas.openxmlformats.org/drawingml/2006/main" xmlns:r="http://schemas.openxmlformats.org/officeDocument/2006/relationships" xmlns:p="http://schemas.openxmlformats.org/presentationml/2006/main">
-  <p:cSld>
-    <p:spTree>
-      <p:nvGrpSpPr>
-        <p:cNvPr id="1" name="">
-          <a:extLst>
-            <a:ext uri="{FF2B5EF4-FFF2-40B4-BE49-F238E27FC236}">
-              <a16:creationId xmlns:a16="http://schemas.microsoft.com/office/drawing/2014/main" id="{96809ADF-BA39-B6EE-ACDA-68EA88A7A5F6}"/>
-            </a:ext>
-          </a:extLst>
-        </p:cNvPr>
-        <p:cNvGrpSpPr/>
-        <p:nvPr/>
-      </p:nvGrpSpPr>
-      <p:grpSpPr>
-        <a:xfrm>
-          <a:off x="0" y="0"/>
-          <a:ext cx="0" cy="0"/>
-          <a:chOff x="0" y="0"/>
-          <a:chExt cx="0" cy="0"/>
-        </a:xfrm>
-      </p:grpSpPr>
-      <p:sp>
-        <p:nvSpPr>
-          <p:cNvPr id="2" name="Slide Image Placeholder 1">
-            <a:extLst>
-              <a:ext uri="{FF2B5EF4-FFF2-40B4-BE49-F238E27FC236}">
-                <a16:creationId xmlns:a16="http://schemas.microsoft.com/office/drawing/2014/main" id="{2607418B-A48D-262A-E402-89F35E091FA8}"/>
-              </a:ext>
-            </a:extLst>
-          </p:cNvPr>
-          <p:cNvSpPr>
-            <a:spLocks noGrp="1" noRot="1" noChangeAspect="1"/>
-          </p:cNvSpPr>
-          <p:nvPr>
-            <p:ph type="sldImg"/>
-          </p:nvPr>
-        </p:nvSpPr>
-        <p:spPr/>
-      </p:sp>
-      <p:sp>
-        <p:nvSpPr>
-          <p:cNvPr id="3" name="Notes Placeholder 2">
-            <a:extLst>
-              <a:ext uri="{FF2B5EF4-FFF2-40B4-BE49-F238E27FC236}">
-                <a16:creationId xmlns:a16="http://schemas.microsoft.com/office/drawing/2014/main" id="{472658AE-D81C-FC4E-C8FF-C1C81EF1CCDC}"/>
-              </a:ext>
-            </a:extLst>
-          </p:cNvPr>
-          <p:cNvSpPr>
-            <a:spLocks noGrp="1"/>
-          </p:cNvSpPr>
-          <p:nvPr>
-            <p:ph type="body" idx="1"/>
-          </p:nvPr>
-        </p:nvSpPr>
-        <p:spPr/>
-        <p:txBody>
-          <a:bodyPr/>
-          <a:lstStyle/>
-          <a:p>
-            <a:r>
-              <a:rPr lang="en-US" sz="1200" dirty="0"/>
-              <a:t>So Copilot is slowly growing in interest</a:t>
-            </a:r>
-          </a:p>
-        </p:txBody>
-      </p:sp>
-      <p:sp>
-        <p:nvSpPr>
-          <p:cNvPr id="4" name="Slide Number Placeholder 3">
-            <a:extLst>
-              <a:ext uri="{FF2B5EF4-FFF2-40B4-BE49-F238E27FC236}">
-                <a16:creationId xmlns:a16="http://schemas.microsoft.com/office/drawing/2014/main" id="{2C833359-47DE-FB07-B43C-98FBA5A4B9F6}"/>
-              </a:ext>
-            </a:extLst>
-          </p:cNvPr>
-          <p:cNvSpPr>
-            <a:spLocks noGrp="1"/>
-          </p:cNvSpPr>
-          <p:nvPr>
-            <p:ph type="sldNum" sz="quarter" idx="5"/>
-          </p:nvPr>
-        </p:nvSpPr>
-        <p:spPr/>
-        <p:txBody>
-          <a:bodyPr/>
-          <a:lstStyle/>
-          <a:p>
-            <a:fld id="{FFB500C5-13F7-48FC-8160-C29AECF6C602}" type="slidenum">
-              <a:rPr lang="en-US" smtClean="0"/>
-              <a:t>23</a:t>
-            </a:fld>
-            <a:endParaRPr lang="en-US"/>
-          </a:p>
-        </p:txBody>
-      </p:sp>
-    </p:spTree>
-    <p:extLst>
-      <p:ext uri="{BB962C8B-B14F-4D97-AF65-F5344CB8AC3E}">
-        <p14:creationId xmlns:p14="http://schemas.microsoft.com/office/powerpoint/2010/main" val="4039744354"/>
-      </p:ext>
-    </p:extLst>
-  </p:cSld>
-  <p:clrMapOvr>
-    <a:masterClrMapping/>
-  </p:clrMapOvr>
-</p:notes>
-</file>
-
-<file path=ppt/notesSlides/notesSlide18.xml><?xml version="1.0" encoding="utf-8"?>
-<p:notes xmlns:a="http://schemas.openxmlformats.org/drawingml/2006/main" xmlns:r="http://schemas.openxmlformats.org/officeDocument/2006/relationships" xmlns:p="http://schemas.openxmlformats.org/presentationml/2006/main">
-  <p:cSld>
-    <p:spTree>
-      <p:nvGrpSpPr>
-        <p:cNvPr id="1" name=""/>
-        <p:cNvGrpSpPr/>
-        <p:nvPr/>
-      </p:nvGrpSpPr>
-      <p:grpSpPr>
-        <a:xfrm>
-          <a:off x="0" y="0"/>
-          <a:ext cx="0" cy="0"/>
-          <a:chOff x="0" y="0"/>
-          <a:chExt cx="0" cy="0"/>
-        </a:xfrm>
-      </p:grpSpPr>
-      <p:sp>
-        <p:nvSpPr>
-          <p:cNvPr id="2" name="Slide Image Placeholder 1"/>
-          <p:cNvSpPr>
-            <a:spLocks noGrp="1" noRot="1" noChangeAspect="1"/>
-          </p:cNvSpPr>
-          <p:nvPr>
-            <p:ph type="sldImg"/>
-          </p:nvPr>
-        </p:nvSpPr>
-        <p:spPr/>
-      </p:sp>
-      <p:sp>
-        <p:nvSpPr>
-          <p:cNvPr id="3" name="Notes Placeholder 2"/>
-          <p:cNvSpPr>
-            <a:spLocks noGrp="1"/>
-          </p:cNvSpPr>
-          <p:nvPr>
-            <p:ph type="body" idx="1"/>
-          </p:nvPr>
-        </p:nvSpPr>
-        <p:spPr/>
-        <p:txBody>
-          <a:bodyPr/>
-          <a:lstStyle/>
-          <a:p>
-            <a:endParaRPr lang="en-US" dirty="0"/>
-          </a:p>
-        </p:txBody>
-      </p:sp>
-      <p:sp>
-        <p:nvSpPr>
-          <p:cNvPr id="4" name="Slide Number Placeholder 3"/>
-          <p:cNvSpPr>
-            <a:spLocks noGrp="1"/>
-          </p:cNvSpPr>
-          <p:nvPr>
-            <p:ph type="sldNum" sz="quarter" idx="5"/>
-          </p:nvPr>
-        </p:nvSpPr>
-        <p:spPr/>
-        <p:txBody>
-          <a:bodyPr/>
-          <a:lstStyle/>
-          <a:p>
-            <a:fld id="{FFB500C5-13F7-48FC-8160-C29AECF6C602}" type="slidenum">
-              <a:rPr lang="en-US" smtClean="0"/>
-              <a:t>24</a:t>
-            </a:fld>
-            <a:endParaRPr lang="en-US"/>
-          </a:p>
-        </p:txBody>
-      </p:sp>
-    </p:spTree>
-    <p:extLst>
-      <p:ext uri="{BB962C8B-B14F-4D97-AF65-F5344CB8AC3E}">
-        <p14:creationId xmlns:p14="http://schemas.microsoft.com/office/powerpoint/2010/main" val="981337392"/>
-      </p:ext>
-    </p:extLst>
-  </p:cSld>
-  <p:clrMapOvr>
-    <a:masterClrMapping/>
-  </p:clrMapOvr>
-</p:notes>
-</file>
-
-<file path=ppt/notesSlides/notesSlide19.xml><?xml version="1.0" encoding="utf-8"?>
-<p:notes xmlns:a="http://schemas.openxmlformats.org/drawingml/2006/main" xmlns:r="http://schemas.openxmlformats.org/officeDocument/2006/relationships" xmlns:p="http://schemas.openxmlformats.org/presentationml/2006/main">
-  <p:cSld>
-    <p:spTree>
-      <p:nvGrpSpPr>
-        <p:cNvPr id="1" name=""/>
-        <p:cNvGrpSpPr/>
-        <p:nvPr/>
-      </p:nvGrpSpPr>
-      <p:grpSpPr>
-        <a:xfrm>
-          <a:off x="0" y="0"/>
-          <a:ext cx="0" cy="0"/>
-          <a:chOff x="0" y="0"/>
-          <a:chExt cx="0" cy="0"/>
-        </a:xfrm>
-      </p:grpSpPr>
-      <p:sp>
-        <p:nvSpPr>
-          <p:cNvPr id="2" name="Slide Image Placeholder 1"/>
-          <p:cNvSpPr>
-            <a:spLocks noGrp="1" noRot="1" noChangeAspect="1"/>
-          </p:cNvSpPr>
-          <p:nvPr>
-            <p:ph type="sldImg"/>
-          </p:nvPr>
-        </p:nvSpPr>
-        <p:spPr/>
-      </p:sp>
-      <p:sp>
-        <p:nvSpPr>
-          <p:cNvPr id="3" name="Notes Placeholder 2"/>
-          <p:cNvSpPr>
-            <a:spLocks noGrp="1"/>
-          </p:cNvSpPr>
-          <p:nvPr>
-            <p:ph type="body" idx="1"/>
-          </p:nvPr>
-        </p:nvSpPr>
-        <p:spPr/>
-        <p:txBody>
-          <a:bodyPr/>
-          <a:lstStyle/>
-          <a:p>
-            <a:r>
-              <a:rPr lang="en-US" dirty="0"/>
-              <a:t>https://stringfestanalytics.com/the-end-of-dax-and-m-how-ai-and-python-are-transforming-excel/</a:t>
-            </a:r>
-          </a:p>
-          <a:p>
-            <a:endParaRPr lang="en-US" dirty="0"/>
-          </a:p>
-          <a:p>
-            <a:pPr algn="l" rtl="0">
-              <a:lnSpc>
-                <a:spcPts val="1500"/>
-              </a:lnSpc>
-            </a:pPr>
-            <a:br>
-              <a:rPr lang="en-US" b="0" u="none" strike="noStrike" dirty="0">
-                <a:solidFill>
-                  <a:srgbClr val="000000"/>
-                </a:solidFill>
-                <a:effectLst/>
-                <a:latin typeface="Arial" panose="020B0604020202020204" pitchFamily="34" charset="0"/>
-              </a:rPr>
-            </a:br>
-            <a:r>
-              <a:rPr lang="en-US" b="0" u="none" strike="noStrike" dirty="0">
-                <a:solidFill>
-                  <a:srgbClr val="000000"/>
-                </a:solidFill>
-                <a:effectLst/>
-                <a:latin typeface="Arial" panose="020B0604020202020204" pitchFamily="34" charset="0"/>
-              </a:rPr>
-              <a:t>To get started, I want to discuss why the combination of Python, Copilot, and Excel creates such a powerful synergy in data analysis and automation. Python is renowned for its simplicity and readability, making it an excellent 'glue' language. Unlike Excel's complex architecture, Python offers a smooth, snag-free experience for developers. Its syntax is clean and intuitive, which reduces errors and makes code maintenance easier. This simplicity is crucial when integrating different tools and workflows.</a:t>
-            </a:r>
-          </a:p>
-          <a:p>
-            <a:pPr algn="l" rtl="0">
-              <a:lnSpc>
-                <a:spcPts val="1500"/>
-              </a:lnSpc>
-            </a:pPr>
-            <a:br>
-              <a:rPr lang="en-US" dirty="0"/>
-            </a:br>
-            <a:r>
-              <a:rPr lang="en-US" b="0" u="none" strike="noStrike" dirty="0">
-                <a:solidFill>
-                  <a:srgbClr val="000000"/>
-                </a:solidFill>
-                <a:effectLst/>
-                <a:latin typeface="Arial" panose="020B0604020202020204" pitchFamily="34" charset="0"/>
-              </a:rPr>
-              <a:t>Copilot excels at working with Python code because of Python's extensive and well-documented codebase. This vast repository provides a rich learning ground for Copilot's machine learning model. As an AI pair programmer, Copilot leverages this knowledge to suggest code completions, write entire functions, and even help debug Python scripts in real-time, enhancing productivity significantly.</a:t>
-            </a:r>
-          </a:p>
-          <a:p>
-            <a:pPr algn="l" rtl="0">
-              <a:lnSpc>
-                <a:spcPts val="1500"/>
-              </a:lnSpc>
-            </a:pPr>
-            <a:br>
-              <a:rPr lang="en-US" dirty="0"/>
-            </a:br>
-            <a:r>
-              <a:rPr lang="en-US" b="0" u="none" strike="noStrike" dirty="0">
-                <a:solidFill>
-                  <a:srgbClr val="000000"/>
-                </a:solidFill>
-                <a:effectLst/>
-                <a:latin typeface="Arial" panose="020B0604020202020204" pitchFamily="34" charset="0"/>
-              </a:rPr>
-              <a:t>Excel, while powerful, has been the subject of many jokes regarding its data integrity issues. The humor in the slide points out Excel's tendency to misinterpret data, like turning dates into numbers or mixing up different data types. Additionally, Excel's architecture with separate components like Power Query for data transformation, Power Pivot for data modeling, and VBA for automation, creates silos which can be challenging to integrate seamlessly.</a:t>
-            </a:r>
-          </a:p>
-          <a:p>
-            <a:pPr algn="l" rtl="0">
-              <a:lnSpc>
-                <a:spcPts val="1500"/>
-              </a:lnSpc>
-            </a:pPr>
-            <a:br>
-              <a:rPr lang="en-US" dirty="0"/>
-            </a:br>
-            <a:r>
-              <a:rPr lang="en-US" b="0" u="none" strike="noStrike" dirty="0">
-                <a:solidFill>
-                  <a:srgbClr val="000000"/>
-                </a:solidFill>
-                <a:effectLst/>
-                <a:latin typeface="Arial" panose="020B0604020202020204" pitchFamily="34" charset="0"/>
-              </a:rPr>
-              <a:t>Integrating Python with Excel through tools like Python's </a:t>
-            </a:r>
-            <a:r>
-              <a:rPr lang="en-US" sz="1800" b="0" u="none" strike="noStrike" dirty="0">
-                <a:solidFill>
-                  <a:srgbClr val="000000"/>
-                </a:solidFill>
-                <a:effectLst/>
-                <a:latin typeface="Courier New" panose="02070309020205020404" pitchFamily="49" charset="0"/>
-              </a:rPr>
-              <a:t>pandas</a:t>
-            </a:r>
-            <a:r>
-              <a:rPr lang="en-US" b="0" u="none" strike="noStrike" dirty="0">
-                <a:solidFill>
-                  <a:srgbClr val="000000"/>
-                </a:solidFill>
-                <a:effectLst/>
-                <a:latin typeface="Arial" panose="020B0604020202020204" pitchFamily="34" charset="0"/>
-              </a:rPr>
-              <a:t> library or Excel's Python add-ins allows us to leverage Excel's user-friendly interface while overcoming its limitations with Python's robust data handling capabilities. Copilot acts as the bridge, providing intelligent coding assistance in Python, which can then interact with Excel data, making data manipulation, analysis, and visualization more efficient and less error-prone.</a:t>
-            </a:r>
-          </a:p>
-          <a:p>
-            <a:pPr algn="l" rtl="0">
-              <a:lnSpc>
-                <a:spcPts val="1500"/>
-              </a:lnSpc>
-            </a:pPr>
-            <a:br>
-              <a:rPr lang="en-US" dirty="0"/>
-            </a:br>
-            <a:r>
-              <a:rPr lang="en-US" b="0" u="none" strike="noStrike" dirty="0">
-                <a:solidFill>
-                  <a:srgbClr val="000000"/>
-                </a:solidFill>
-                <a:effectLst/>
-                <a:latin typeface="Arial" panose="020B0604020202020204" pitchFamily="34" charset="0"/>
-              </a:rPr>
-              <a:t>Given the trend towards more open, flexible, and integrated tools, the future seems less promising for proprietary languages like Excel's VBA. Python's open-source nature, coupled with AI assistance from tools like Copilot, offers a scalable and future-proof solution. This crossover not only enhances current workflows but also prepares us for future advancements in AI and data science, where Python will likely continue to play a leading role.</a:t>
-            </a:r>
-          </a:p>
-          <a:p>
-            <a:pPr algn="l" rtl="0">
-              <a:lnSpc>
-                <a:spcPts val="1500"/>
-              </a:lnSpc>
-            </a:pPr>
-            <a:br>
-              <a:rPr lang="en-US" dirty="0"/>
-            </a:br>
-            <a:r>
-              <a:rPr lang="en-US" b="0" u="none" strike="noStrike" dirty="0">
-                <a:solidFill>
-                  <a:srgbClr val="000000"/>
-                </a:solidFill>
-                <a:effectLst/>
-                <a:latin typeface="Arial" panose="020B0604020202020204" pitchFamily="34" charset="0"/>
-              </a:rPr>
-              <a:t>In summary, the combination of Python's simplicity, Copilot's AI-driven assistance, and Excel's widespread use creates a dynamic ecosystem. It addresses Excel's weaknesses while capitalizing on Python's strengths, making this trio a formidable force in data-driven environments.</a:t>
-            </a:r>
-          </a:p>
-          <a:p>
-            <a:endParaRPr lang="en-US" dirty="0"/>
-          </a:p>
-        </p:txBody>
-      </p:sp>
-      <p:sp>
-        <p:nvSpPr>
-          <p:cNvPr id="4" name="Slide Number Placeholder 3"/>
-          <p:cNvSpPr>
-            <a:spLocks noGrp="1"/>
-          </p:cNvSpPr>
-          <p:nvPr>
-            <p:ph type="sldNum" sz="quarter" idx="5"/>
-          </p:nvPr>
-        </p:nvSpPr>
-        <p:spPr/>
-        <p:txBody>
-          <a:bodyPr/>
-          <a:lstStyle/>
-          <a:p>
-            <a:fld id="{FFB500C5-13F7-48FC-8160-C29AECF6C602}" type="slidenum">
-              <a:rPr lang="en-US" smtClean="0"/>
-              <a:t>25</a:t>
-            </a:fld>
-            <a:endParaRPr lang="en-US"/>
-          </a:p>
-        </p:txBody>
-      </p:sp>
-    </p:spTree>
-    <p:extLst>
-      <p:ext uri="{BB962C8B-B14F-4D97-AF65-F5344CB8AC3E}">
-        <p14:creationId xmlns:p14="http://schemas.microsoft.com/office/powerpoint/2010/main" val="2469045808"/>
-      </p:ext>
-    </p:extLst>
-  </p:cSld>
-  <p:clrMapOvr>
-    <a:masterClrMapping/>
-  </p:clrMapOvr>
-</p:notes>
-</file>
-
 <file path=ppt/notesSlides/notesSlide2.xml><?xml version="1.0" encoding="utf-8"?>
 <p:notes xmlns:a="http://schemas.openxmlformats.org/drawingml/2006/main" xmlns:r="http://schemas.openxmlformats.org/officeDocument/2006/relationships" xmlns:p="http://schemas.openxmlformats.org/presentationml/2006/main">
   <p:cSld>
@@ -2250,518 +1128,6 @@
     <p:extLst>
       <p:ext uri="{BB962C8B-B14F-4D97-AF65-F5344CB8AC3E}">
         <p14:creationId xmlns:p14="http://schemas.microsoft.com/office/powerpoint/2010/main" val="2749568745"/>
-      </p:ext>
-    </p:extLst>
-  </p:cSld>
-  <p:clrMapOvr>
-    <a:masterClrMapping/>
-  </p:clrMapOvr>
-</p:notes>
-</file>
-
-<file path=ppt/notesSlides/notesSlide20.xml><?xml version="1.0" encoding="utf-8"?>
-<p:notes xmlns:a="http://schemas.openxmlformats.org/drawingml/2006/main" xmlns:r="http://schemas.openxmlformats.org/officeDocument/2006/relationships" xmlns:p="http://schemas.openxmlformats.org/presentationml/2006/main">
-  <p:cSld>
-    <p:spTree>
-      <p:nvGrpSpPr>
-        <p:cNvPr id="1" name=""/>
-        <p:cNvGrpSpPr/>
-        <p:nvPr/>
-      </p:nvGrpSpPr>
-      <p:grpSpPr>
-        <a:xfrm>
-          <a:off x="0" y="0"/>
-          <a:ext cx="0" cy="0"/>
-          <a:chOff x="0" y="0"/>
-          <a:chExt cx="0" cy="0"/>
-        </a:xfrm>
-      </p:grpSpPr>
-      <p:sp>
-        <p:nvSpPr>
-          <p:cNvPr id="2" name="Slide Image Placeholder 1"/>
-          <p:cNvSpPr>
-            <a:spLocks noGrp="1" noRot="1" noChangeAspect="1"/>
-          </p:cNvSpPr>
-          <p:nvPr>
-            <p:ph type="sldImg"/>
-          </p:nvPr>
-        </p:nvSpPr>
-        <p:spPr/>
-      </p:sp>
-      <p:sp>
-        <p:nvSpPr>
-          <p:cNvPr id="3" name="Notes Placeholder 2"/>
-          <p:cNvSpPr>
-            <a:spLocks noGrp="1"/>
-          </p:cNvSpPr>
-          <p:nvPr>
-            <p:ph type="body" idx="1"/>
-          </p:nvPr>
-        </p:nvSpPr>
-        <p:spPr/>
-        <p:txBody>
-          <a:bodyPr/>
-          <a:lstStyle/>
-          <a:p>
-            <a:r>
-              <a:rPr lang="en-US" b="0" i="0" dirty="0">
-                <a:solidFill>
-                  <a:srgbClr val="000000"/>
-                </a:solidFill>
-                <a:effectLst/>
-                <a:latin typeface="Arial" panose="020B0604020202020204" pitchFamily="34" charset="0"/>
-              </a:rPr>
-              <a:t>In our discussion today about the future of Excel, we've focused on the integration of Python for backend data analysis, advanced charting, and machine learning, which offers powerful data manipulation capabilities through libraries like pandas and extensive visualization options with libraries like matplotlib and seaborn. </a:t>
-            </a:r>
-          </a:p>
-          <a:p>
-            <a:endParaRPr lang="en-US" b="0" i="0" dirty="0">
-              <a:solidFill>
-                <a:srgbClr val="000000"/>
-              </a:solidFill>
-              <a:effectLst/>
-              <a:latin typeface="Arial" panose="020B0604020202020204" pitchFamily="34" charset="0"/>
-            </a:endParaRPr>
-          </a:p>
-          <a:p>
-            <a:r>
-              <a:rPr lang="en-US" b="0" i="0" dirty="0">
-                <a:solidFill>
-                  <a:srgbClr val="000000"/>
-                </a:solidFill>
-                <a:effectLst/>
-                <a:latin typeface="Arial" panose="020B0604020202020204" pitchFamily="34" charset="0"/>
-              </a:rPr>
-              <a:t>Excel itself continues to shine with its frontend formatting, usability, and interactive dashboards, providing a user-friendly interface that's well-suited for widespread usage, formatting, and presentation. </a:t>
-            </a:r>
-          </a:p>
-          <a:p>
-            <a:endParaRPr lang="en-US" b="0" i="0" dirty="0">
-              <a:solidFill>
-                <a:srgbClr val="000000"/>
-              </a:solidFill>
-              <a:effectLst/>
-              <a:latin typeface="Arial" panose="020B0604020202020204" pitchFamily="34" charset="0"/>
-            </a:endParaRPr>
-          </a:p>
-          <a:p>
-            <a:r>
-              <a:rPr lang="en-US" b="0" i="0" dirty="0">
-                <a:solidFill>
-                  <a:srgbClr val="000000"/>
-                </a:solidFill>
-                <a:effectLst/>
-                <a:latin typeface="Arial" panose="020B0604020202020204" pitchFamily="34" charset="0"/>
-              </a:rPr>
-              <a:t>Now, although we haven't delved into JavaScript today, it's important to note that JavaScript, along with TypeScript, shares similar advantages to Python but in the realm of building applications, add-ins, and more for Excel. JavaScript and TypeScript enable additional add-ins, enhance interactivity, and facilitate web integration, allowing for the building and integration of more complex functionalities. This expands Excel's capabilities into web and app development, making it a versatile tool not just for data analysis but also for creating sophisticated user experiences within Excel's ecosystem. </a:t>
-            </a:r>
-          </a:p>
-          <a:p>
-            <a:endParaRPr lang="en-US" b="0" i="0" dirty="0">
-              <a:solidFill>
-                <a:srgbClr val="000000"/>
-              </a:solidFill>
-              <a:effectLst/>
-              <a:latin typeface="Arial" panose="020B0604020202020204" pitchFamily="34" charset="0"/>
-            </a:endParaRPr>
-          </a:p>
-          <a:p>
-            <a:r>
-              <a:rPr lang="en-US" b="0" i="0" dirty="0">
-                <a:solidFill>
-                  <a:srgbClr val="000000"/>
-                </a:solidFill>
-                <a:effectLst/>
-                <a:latin typeface="Arial" panose="020B0604020202020204" pitchFamily="34" charset="0"/>
-              </a:rPr>
-              <a:t>This synergy between Python, Excel, and JavaScript/TypeScript paints a promising picture for Excel's future, where it can evolve into a more comprehensive platform for both data professionals and developers.</a:t>
-            </a:r>
-            <a:endParaRPr lang="en-US" dirty="0"/>
-          </a:p>
-        </p:txBody>
-      </p:sp>
-      <p:sp>
-        <p:nvSpPr>
-          <p:cNvPr id="4" name="Slide Number Placeholder 3"/>
-          <p:cNvSpPr>
-            <a:spLocks noGrp="1"/>
-          </p:cNvSpPr>
-          <p:nvPr>
-            <p:ph type="sldNum" sz="quarter" idx="5"/>
-          </p:nvPr>
-        </p:nvSpPr>
-        <p:spPr/>
-        <p:txBody>
-          <a:bodyPr/>
-          <a:lstStyle/>
-          <a:p>
-            <a:fld id="{FFB500C5-13F7-48FC-8160-C29AECF6C602}" type="slidenum">
-              <a:rPr lang="en-US" smtClean="0"/>
-              <a:t>29</a:t>
-            </a:fld>
-            <a:endParaRPr lang="en-US"/>
-          </a:p>
-        </p:txBody>
-      </p:sp>
-    </p:spTree>
-    <p:extLst>
-      <p:ext uri="{BB962C8B-B14F-4D97-AF65-F5344CB8AC3E}">
-        <p14:creationId xmlns:p14="http://schemas.microsoft.com/office/powerpoint/2010/main" val="857960786"/>
-      </p:ext>
-    </p:extLst>
-  </p:cSld>
-  <p:clrMapOvr>
-    <a:masterClrMapping/>
-  </p:clrMapOvr>
-</p:notes>
-</file>
-
-<file path=ppt/notesSlides/notesSlide21.xml><?xml version="1.0" encoding="utf-8"?>
-<p:notes xmlns:a="http://schemas.openxmlformats.org/drawingml/2006/main" xmlns:r="http://schemas.openxmlformats.org/officeDocument/2006/relationships" xmlns:p="http://schemas.openxmlformats.org/presentationml/2006/main">
-  <p:cSld>
-    <p:spTree>
-      <p:nvGrpSpPr>
-        <p:cNvPr id="1" name=""/>
-        <p:cNvGrpSpPr/>
-        <p:nvPr/>
-      </p:nvGrpSpPr>
-      <p:grpSpPr>
-        <a:xfrm>
-          <a:off x="0" y="0"/>
-          <a:ext cx="0" cy="0"/>
-          <a:chOff x="0" y="0"/>
-          <a:chExt cx="0" cy="0"/>
-        </a:xfrm>
-      </p:grpSpPr>
-      <p:sp>
-        <p:nvSpPr>
-          <p:cNvPr id="2" name="Slide Image Placeholder 1"/>
-          <p:cNvSpPr>
-            <a:spLocks noGrp="1" noRot="1" noChangeAspect="1"/>
-          </p:cNvSpPr>
-          <p:nvPr>
-            <p:ph type="sldImg"/>
-          </p:nvPr>
-        </p:nvSpPr>
-        <p:spPr/>
-      </p:sp>
-      <p:sp>
-        <p:nvSpPr>
-          <p:cNvPr id="3" name="Notes Placeholder 2"/>
-          <p:cNvSpPr>
-            <a:spLocks noGrp="1"/>
-          </p:cNvSpPr>
-          <p:nvPr>
-            <p:ph type="body" idx="1"/>
-          </p:nvPr>
-        </p:nvSpPr>
-        <p:spPr/>
-        <p:txBody>
-          <a:bodyPr/>
-          <a:lstStyle/>
-          <a:p>
-            <a:pPr algn="l" rtl="0">
-              <a:lnSpc>
-                <a:spcPts val="1500"/>
-              </a:lnSpc>
-            </a:pPr>
-            <a:br>
-              <a:rPr lang="en-US" b="0" u="none" strike="noStrike" dirty="0">
-                <a:solidFill>
-                  <a:srgbClr val="000000"/>
-                </a:solidFill>
-                <a:effectLst/>
-                <a:latin typeface="Arial" panose="020B0604020202020204" pitchFamily="34" charset="0"/>
-              </a:rPr>
-            </a:br>
-            <a:r>
-              <a:rPr lang="en-US" b="0" u="none" strike="noStrike" dirty="0">
-                <a:solidFill>
-                  <a:srgbClr val="000000"/>
-                </a:solidFill>
-                <a:effectLst/>
-                <a:latin typeface="Arial" panose="020B0604020202020204" pitchFamily="34" charset="0"/>
-              </a:rPr>
-              <a:t>Good afternoon, everyone. Today, we're exploring how Excel has become a powerful tool for transforming everyday professionals into citizen data analysts, scientists, and engineers, especially in the era of AI. Despite concerns about AI potentially rendering Excel skills obsolete, the reality is quite the opposite. Excel, with AI integration, serves as a gateway to advanced analytics, automated workflows, and machine learning, making it more relevant than ever.</a:t>
-            </a:r>
-          </a:p>
-          <a:p>
-            <a:pPr algn="l" rtl="0">
-              <a:lnSpc>
-                <a:spcPts val="1500"/>
-              </a:lnSpc>
-            </a:pPr>
-            <a:br>
-              <a:rPr lang="en-US" dirty="0"/>
-            </a:br>
-            <a:r>
-              <a:rPr lang="en-US" b="0" u="none" strike="noStrike" dirty="0">
-                <a:solidFill>
-                  <a:srgbClr val="000000"/>
-                </a:solidFill>
-                <a:effectLst/>
-                <a:latin typeface="Arial" panose="020B0604020202020204" pitchFamily="34" charset="0"/>
-              </a:rPr>
-              <a:t>First, let's define what a "citizen" data professional is. These are individuals who, without formal data roles, leverage Excel to build analytical models, automate processes, and even engage in predictive modeling from their own PCs. This democratization of data work allows them to bypass traditional IT bottlenecks, enhancing their productivity and agility.</a:t>
-            </a:r>
-          </a:p>
-          <a:p>
-            <a:pPr algn="l" rtl="0">
-              <a:lnSpc>
-                <a:spcPts val="1500"/>
-              </a:lnSpc>
-            </a:pPr>
-            <a:br>
-              <a:rPr lang="en-US" dirty="0"/>
-            </a:br>
-            <a:r>
-              <a:rPr lang="en-US" b="0" u="none" strike="noStrike" dirty="0">
-                <a:solidFill>
-                  <a:srgbClr val="000000"/>
-                </a:solidFill>
-                <a:effectLst/>
-                <a:latin typeface="Arial" panose="020B0604020202020204" pitchFamily="34" charset="0"/>
-              </a:rPr>
-              <a:t>For </a:t>
-            </a:r>
-            <a:r>
-              <a:rPr lang="en-US" b="1" u="none" strike="noStrike" dirty="0">
-                <a:solidFill>
-                  <a:srgbClr val="000000"/>
-                </a:solidFill>
-                <a:effectLst/>
-                <a:latin typeface="Arial" panose="020B0604020202020204" pitchFamily="34" charset="0"/>
-              </a:rPr>
-              <a:t>citizen data analysts</a:t>
-            </a:r>
-            <a:r>
-              <a:rPr lang="en-US" b="0" u="none" strike="noStrike" dirty="0">
-                <a:solidFill>
-                  <a:srgbClr val="000000"/>
-                </a:solidFill>
-                <a:effectLst/>
-                <a:latin typeface="Arial" panose="020B0604020202020204" pitchFamily="34" charset="0"/>
-              </a:rPr>
-              <a:t>, Excel has become a BI powerhouse through tools like Power Query, which automates data transformation from various sources, and Power Pivot, which enables complex data modeling and dynamic dashboard creation. Imagine receiving multiple CSV files each month; with Power Query, you can clean and transform these files effortlessly, then use Power Pivot to model the data, creating relationships and measures that power your interactive reports. This means decisions can be made instantly, without waiting for IT support or expensive BI tools.</a:t>
-            </a:r>
-          </a:p>
-          <a:p>
-            <a:pPr algn="l" rtl="0">
-              <a:lnSpc>
-                <a:spcPts val="1500"/>
-              </a:lnSpc>
-            </a:pPr>
-            <a:br>
-              <a:rPr lang="en-US" dirty="0"/>
-            </a:br>
-            <a:r>
-              <a:rPr lang="en-US" b="0" u="none" strike="noStrike" dirty="0">
-                <a:solidFill>
-                  <a:srgbClr val="000000"/>
-                </a:solidFill>
-                <a:effectLst/>
-                <a:latin typeface="Arial" panose="020B0604020202020204" pitchFamily="34" charset="0"/>
-              </a:rPr>
-              <a:t>Moving to </a:t>
-            </a:r>
-            <a:r>
-              <a:rPr lang="en-US" b="1" u="none" strike="noStrike" dirty="0">
-                <a:solidFill>
-                  <a:srgbClr val="000000"/>
-                </a:solidFill>
-                <a:effectLst/>
-                <a:latin typeface="Arial" panose="020B0604020202020204" pitchFamily="34" charset="0"/>
-              </a:rPr>
-              <a:t>citizen data scientists</a:t>
-            </a:r>
-            <a:r>
-              <a:rPr lang="en-US" b="0" u="none" strike="noStrike" dirty="0">
-                <a:solidFill>
-                  <a:srgbClr val="000000"/>
-                </a:solidFill>
-                <a:effectLst/>
-                <a:latin typeface="Arial" panose="020B0604020202020204" pitchFamily="34" charset="0"/>
-              </a:rPr>
-              <a:t>, Excel's integration with Python, facilitated by tools like LAMBDA(), transforms it into a robust platform for data science. Users can now perform tasks like setting random seeds, exploring statistical distributions, and splitting data for machine learning within Excel. This integration allows for advanced visualizations beyond Excel's native capabilities, making data analysis more intuitive. LAMBDA() further enhances this by allowing the creation of custom, complex formulas, essentially making Excel Turing complete for advanced calculations.</a:t>
-            </a:r>
-          </a:p>
-          <a:p>
-            <a:pPr algn="l" rtl="0">
-              <a:lnSpc>
-                <a:spcPts val="1500"/>
-              </a:lnSpc>
-            </a:pPr>
-            <a:br>
-              <a:rPr lang="en-US" dirty="0"/>
-            </a:br>
-            <a:r>
-              <a:rPr lang="en-US" b="0" u="none" strike="noStrike" dirty="0">
-                <a:solidFill>
-                  <a:srgbClr val="000000"/>
-                </a:solidFill>
-                <a:effectLst/>
-                <a:latin typeface="Arial" panose="020B0604020202020204" pitchFamily="34" charset="0"/>
-              </a:rPr>
-              <a:t>Finally, for </a:t>
-            </a:r>
-            <a:r>
-              <a:rPr lang="en-US" b="1" u="none" strike="noStrike" dirty="0">
-                <a:solidFill>
-                  <a:srgbClr val="000000"/>
-                </a:solidFill>
-                <a:effectLst/>
-                <a:latin typeface="Arial" panose="020B0604020202020204" pitchFamily="34" charset="0"/>
-              </a:rPr>
-              <a:t>citizen data engineers</a:t>
-            </a:r>
-            <a:r>
-              <a:rPr lang="en-US" b="0" u="none" strike="noStrike" dirty="0">
-                <a:solidFill>
-                  <a:srgbClr val="000000"/>
-                </a:solidFill>
-                <a:effectLst/>
-                <a:latin typeface="Arial" panose="020B0604020202020204" pitchFamily="34" charset="0"/>
-              </a:rPr>
-              <a:t>, Excel's capabilities are expanded through Power Automate and Office Scripts. Power Automate connects Excel with various workflows, automating data pipelines and ensuring data flows where it's needed, when it's needed. Office Scripts, a modern alternative to VBA, automates repetitive tasks like data formatting and report generation. For instance, a workflow might involve Power Automate detecting new CSV files in a SharePoint folder, appending them to an Excel workbook, with an Office Script then standardizing the data and updating dashboards, all without manual intervention.</a:t>
-            </a:r>
-          </a:p>
-          <a:p>
-            <a:pPr algn="l" rtl="0">
-              <a:lnSpc>
-                <a:spcPts val="1500"/>
-              </a:lnSpc>
-            </a:pPr>
-            <a:br>
-              <a:rPr lang="en-US" dirty="0"/>
-            </a:br>
-            <a:r>
-              <a:rPr lang="en-US" b="0" u="none" strike="noStrike" dirty="0">
-                <a:solidFill>
-                  <a:srgbClr val="000000"/>
-                </a:solidFill>
-                <a:effectLst/>
-                <a:latin typeface="Arial" panose="020B0604020202020204" pitchFamily="34" charset="0"/>
-              </a:rPr>
-              <a:t>The bridge that ties all these roles together is </a:t>
-            </a:r>
-            <a:r>
-              <a:rPr lang="en-US" b="1" u="none" strike="noStrike" dirty="0">
-                <a:solidFill>
-                  <a:srgbClr val="000000"/>
-                </a:solidFill>
-                <a:effectLst/>
-                <a:latin typeface="Arial" panose="020B0604020202020204" pitchFamily="34" charset="0"/>
-              </a:rPr>
-              <a:t>AI</a:t>
-            </a:r>
-            <a:r>
-              <a:rPr lang="en-US" b="0" u="none" strike="noStrike" dirty="0">
-                <a:solidFill>
-                  <a:srgbClr val="000000"/>
-                </a:solidFill>
-                <a:effectLst/>
-                <a:latin typeface="Arial" panose="020B0604020202020204" pitchFamily="34" charset="0"/>
-              </a:rPr>
-              <a:t>, particularly through Microsoft’s Copilot. For analysts, Copilot can construct complex PivotTables or dashboards from natural language commands, streamlining data interpretation. Data scientists can use Copilot for real-time Python code assistance within Excel, from model training to debugging. For engineers, Copilot simplifies setting up data workflows, making sophisticated automation accessible through simple descriptions.</a:t>
-            </a:r>
-          </a:p>
-          <a:p>
-            <a:pPr algn="l" rtl="0">
-              <a:lnSpc>
-                <a:spcPts val="1500"/>
-              </a:lnSpc>
-            </a:pPr>
-            <a:br>
-              <a:rPr lang="en-US" dirty="0"/>
-            </a:br>
-            <a:r>
-              <a:rPr lang="en-US" b="0" u="none" strike="noStrike" dirty="0">
-                <a:solidFill>
-                  <a:srgbClr val="000000"/>
-                </a:solidFill>
-                <a:effectLst/>
-                <a:latin typeface="Arial" panose="020B0604020202020204" pitchFamily="34" charset="0"/>
-              </a:rPr>
-              <a:t>In summary, Excel, powered by AI, enables a wide range of professionals to engage in data roles traditionally requiring specialized skills. This not only boosts productivity but also fosters a data-driven culture across organizations. As we conclude, I encourage you to think about which of these roles excites you the most, how AI integration can enhance your workflow, and what new skills you're eager to develop with Excel's evolving capabilities. Please share your thoughts and questions below.</a:t>
-            </a:r>
-          </a:p>
-          <a:p>
-            <a:pPr algn="l" rtl="0">
-              <a:lnSpc>
-                <a:spcPts val="1500"/>
-              </a:lnSpc>
-            </a:pPr>
-            <a:endParaRPr lang="en-US" b="0" u="none" strike="noStrike" dirty="0">
-              <a:solidFill>
-                <a:srgbClr val="000000"/>
-              </a:solidFill>
-              <a:effectLst/>
-              <a:latin typeface="Arial" panose="020B0604020202020204" pitchFamily="34" charset="0"/>
-            </a:endParaRPr>
-          </a:p>
-          <a:p>
-            <a:pPr algn="l" rtl="0">
-              <a:lnSpc>
-                <a:spcPts val="1500"/>
-              </a:lnSpc>
-            </a:pPr>
-            <a:endParaRPr lang="en-US" b="0" u="none" strike="noStrike" dirty="0">
-              <a:solidFill>
-                <a:srgbClr val="000000"/>
-              </a:solidFill>
-              <a:effectLst/>
-              <a:latin typeface="Arial" panose="020B0604020202020204" pitchFamily="34" charset="0"/>
-            </a:endParaRPr>
-          </a:p>
-          <a:p>
-            <a:pPr algn="l" rtl="0">
-              <a:lnSpc>
-                <a:spcPts val="1500"/>
-              </a:lnSpc>
-            </a:pPr>
-            <a:r>
-              <a:rPr lang="en-US" b="0" u="none" strike="noStrike" dirty="0">
-                <a:solidFill>
-                  <a:srgbClr val="000000"/>
-                </a:solidFill>
-                <a:effectLst/>
-                <a:latin typeface="Arial" panose="020B0604020202020204" pitchFamily="34" charset="0"/>
-              </a:rPr>
-              <a:t>https://gist.github.com/summerofgeorge/c8fff44d39519c56daf31a6176005034#file-citizen-da-ds-de-md</a:t>
-            </a:r>
-          </a:p>
-          <a:p>
-            <a:endParaRPr lang="en-US" dirty="0"/>
-          </a:p>
-        </p:txBody>
-      </p:sp>
-      <p:sp>
-        <p:nvSpPr>
-          <p:cNvPr id="4" name="Slide Number Placeholder 3"/>
-          <p:cNvSpPr>
-            <a:spLocks noGrp="1"/>
-          </p:cNvSpPr>
-          <p:nvPr>
-            <p:ph type="sldNum" sz="quarter" idx="5"/>
-          </p:nvPr>
-        </p:nvSpPr>
-        <p:spPr/>
-        <p:txBody>
-          <a:bodyPr/>
-          <a:lstStyle/>
-          <a:p>
-            <a:fld id="{FFB500C5-13F7-48FC-8160-C29AECF6C602}" type="slidenum">
-              <a:rPr lang="en-US" smtClean="0"/>
-              <a:t>30</a:t>
-            </a:fld>
-            <a:endParaRPr lang="en-US"/>
-          </a:p>
-        </p:txBody>
-      </p:sp>
-    </p:spTree>
-    <p:extLst>
-      <p:ext uri="{BB962C8B-B14F-4D97-AF65-F5344CB8AC3E}">
-        <p14:creationId xmlns:p14="http://schemas.microsoft.com/office/powerpoint/2010/main" val="2016499028"/>
       </p:ext>
     </p:extLst>
   </p:cSld>
@@ -4041,7 +2407,7 @@
             <a:fld id="{1D8BD707-D9CF-40AE-B4C6-C98DA3205C09}" type="datetimeFigureOut">
               <a:rPr lang="en-US" smtClean="0"/>
               <a:pPr/>
-              <a:t>1/30/2025</a:t>
+              <a:t>2/4/2025</a:t>
             </a:fld>
             <a:endParaRPr lang="en-US"/>
           </a:p>
@@ -4206,7 +2572,7 @@
             <a:fld id="{1D8BD707-D9CF-40AE-B4C6-C98DA3205C09}" type="datetimeFigureOut">
               <a:rPr lang="en-US" smtClean="0"/>
               <a:pPr/>
-              <a:t>1/30/2025</a:t>
+              <a:t>2/4/2025</a:t>
             </a:fld>
             <a:endParaRPr lang="en-US"/>
           </a:p>
@@ -4381,7 +2747,7 @@
             <a:fld id="{1D8BD707-D9CF-40AE-B4C6-C98DA3205C09}" type="datetimeFigureOut">
               <a:rPr lang="en-US" smtClean="0"/>
               <a:pPr/>
-              <a:t>1/30/2025</a:t>
+              <a:t>2/4/2025</a:t>
             </a:fld>
             <a:endParaRPr lang="en-US"/>
           </a:p>
@@ -4546,7 +2912,7 @@
             <a:fld id="{1D8BD707-D9CF-40AE-B4C6-C98DA3205C09}" type="datetimeFigureOut">
               <a:rPr lang="en-US" smtClean="0"/>
               <a:pPr/>
-              <a:t>1/30/2025</a:t>
+              <a:t>2/4/2025</a:t>
             </a:fld>
             <a:endParaRPr lang="en-US"/>
           </a:p>
@@ -4788,7 +3154,7 @@
             <a:fld id="{1D8BD707-D9CF-40AE-B4C6-C98DA3205C09}" type="datetimeFigureOut">
               <a:rPr lang="en-US" smtClean="0"/>
               <a:pPr/>
-              <a:t>1/30/2025</a:t>
+              <a:t>2/4/2025</a:t>
             </a:fld>
             <a:endParaRPr lang="en-US"/>
           </a:p>
@@ -5070,7 +3436,7 @@
             <a:fld id="{1D8BD707-D9CF-40AE-B4C6-C98DA3205C09}" type="datetimeFigureOut">
               <a:rPr lang="en-US" smtClean="0"/>
               <a:pPr/>
-              <a:t>1/30/2025</a:t>
+              <a:t>2/4/2025</a:t>
             </a:fld>
             <a:endParaRPr lang="en-US"/>
           </a:p>
@@ -5486,7 +3852,7 @@
             <a:fld id="{1D8BD707-D9CF-40AE-B4C6-C98DA3205C09}" type="datetimeFigureOut">
               <a:rPr lang="en-US" smtClean="0"/>
               <a:pPr/>
-              <a:t>1/30/2025</a:t>
+              <a:t>2/4/2025</a:t>
             </a:fld>
             <a:endParaRPr lang="en-US"/>
           </a:p>
@@ -5600,7 +3966,7 @@
             <a:fld id="{1D8BD707-D9CF-40AE-B4C6-C98DA3205C09}" type="datetimeFigureOut">
               <a:rPr lang="en-US" smtClean="0"/>
               <a:pPr/>
-              <a:t>1/30/2025</a:t>
+              <a:t>2/4/2025</a:t>
             </a:fld>
             <a:endParaRPr lang="en-US"/>
           </a:p>
@@ -5692,7 +4058,7 @@
             <a:fld id="{1D8BD707-D9CF-40AE-B4C6-C98DA3205C09}" type="datetimeFigureOut">
               <a:rPr lang="en-US" smtClean="0"/>
               <a:pPr/>
-              <a:t>1/30/2025</a:t>
+              <a:t>2/4/2025</a:t>
             </a:fld>
             <a:endParaRPr lang="en-US"/>
           </a:p>
@@ -5964,7 +4330,7 @@
             <a:fld id="{1D8BD707-D9CF-40AE-B4C6-C98DA3205C09}" type="datetimeFigureOut">
               <a:rPr lang="en-US" smtClean="0"/>
               <a:pPr/>
-              <a:t>1/30/2025</a:t>
+              <a:t>2/4/2025</a:t>
             </a:fld>
             <a:endParaRPr lang="en-US"/>
           </a:p>
@@ -6213,7 +4579,7 @@
             <a:fld id="{1D8BD707-D9CF-40AE-B4C6-C98DA3205C09}" type="datetimeFigureOut">
               <a:rPr lang="en-US" smtClean="0"/>
               <a:pPr/>
-              <a:t>1/30/2025</a:t>
+              <a:t>2/4/2025</a:t>
             </a:fld>
             <a:endParaRPr lang="en-US"/>
           </a:p>
@@ -6426,7 +4792,7 @@
             <a:fld id="{1D8BD707-D9CF-40AE-B4C6-C98DA3205C09}" type="datetimeFigureOut">
               <a:rPr lang="en-US" smtClean="0"/>
               <a:pPr/>
-              <a:t>1/30/2025</a:t>
+              <a:t>2/4/2025</a:t>
             </a:fld>
             <a:endParaRPr lang="en-US"/>
           </a:p>
@@ -9255,13 +7621,7 @@
   <p:cSld>
     <p:spTree>
       <p:nvGrpSpPr>
-        <p:cNvPr id="1" name="">
-          <a:extLst>
-            <a:ext uri="{FF2B5EF4-FFF2-40B4-BE49-F238E27FC236}">
-              <a16:creationId xmlns:a16="http://schemas.microsoft.com/office/drawing/2014/main" id="{091CEEB3-2C34-A0F9-1ABF-D9CB59C6521E}"/>
-            </a:ext>
-          </a:extLst>
-        </p:cNvPr>
+        <p:cNvPr id="1" name=""/>
         <p:cNvGrpSpPr/>
         <p:nvPr/>
       </p:nvGrpSpPr>
@@ -9273,73 +7633,29 @@
           <a:chExt cx="0" cy="0"/>
         </a:xfrm>
       </p:grpSpPr>
-      <p:sp>
-        <p:nvSpPr>
-          <p:cNvPr id="11" name="TextBox 10">
-            <a:extLst>
-              <a:ext uri="{FF2B5EF4-FFF2-40B4-BE49-F238E27FC236}">
-                <a16:creationId xmlns:a16="http://schemas.microsoft.com/office/drawing/2014/main" id="{9D45D45D-6A62-2FCB-690F-9458780F61D9}"/>
-              </a:ext>
-            </a:extLst>
-          </p:cNvPr>
-          <p:cNvSpPr txBox="1"/>
-          <p:nvPr/>
-        </p:nvSpPr>
-        <p:spPr>
-          <a:xfrm>
-            <a:off x="520861" y="170082"/>
-            <a:ext cx="17309939" cy="1477328"/>
-          </a:xfrm>
-          <a:prstGeom prst="rect">
-            <a:avLst/>
-          </a:prstGeom>
-          <a:noFill/>
-        </p:spPr>
-        <p:txBody>
-          <a:bodyPr wrap="square" rtlCol="0">
-            <a:spAutoFit/>
-          </a:bodyPr>
-          <a:lstStyle/>
-          <a:p>
-            <a:r>
-              <a:rPr lang="en-US" sz="9000" dirty="0">
-                <a:latin typeface="Aliens &amp; cows" panose="00000500000000000000" pitchFamily="2" charset="0"/>
-              </a:rPr>
-              <a:t>Python in Excel… not enough? </a:t>
-            </a:r>
-          </a:p>
-        </p:txBody>
-      </p:sp>
       <p:pic>
         <p:nvPicPr>
-          <p:cNvPr id="15" name="Picture 14" descr="A close up of a sign&#10;&#10;Description automatically generated">
-            <a:extLst>
-              <a:ext uri="{FF2B5EF4-FFF2-40B4-BE49-F238E27FC236}">
-                <a16:creationId xmlns:a16="http://schemas.microsoft.com/office/drawing/2014/main" id="{B35A100B-4E0B-69D0-8339-1C212377B0EA}"/>
-              </a:ext>
-            </a:extLst>
-          </p:cNvPr>
+          <p:cNvPr id="10" name="Picture 9"/>
           <p:cNvPicPr>
             <a:picLocks noChangeAspect="1"/>
           </p:cNvPicPr>
           <p:nvPr/>
         </p:nvPicPr>
-        <p:blipFill>
-          <a:blip r:embed="rId3">
+        <p:blipFill rotWithShape="1">
+          <a:blip r:embed="rId2">
             <a:extLst>
               <a:ext uri="{28A0092B-C50C-407E-A947-70E740481C1C}">
                 <a14:useLocalDpi xmlns:a14="http://schemas.microsoft.com/office/drawing/2010/main" val="0"/>
               </a:ext>
             </a:extLst>
           </a:blip>
-          <a:stretch>
-            <a:fillRect/>
-          </a:stretch>
+          <a:srcRect l="50728" t="56371"/>
+          <a:stretch/>
         </p:blipFill>
         <p:spPr>
           <a:xfrm>
-            <a:off x="16341036" y="8058429"/>
-            <a:ext cx="1942857" cy="2228571"/>
+            <a:off x="12204691" y="3316148"/>
+            <a:ext cx="6083309" cy="6970854"/>
           </a:xfrm>
           <a:prstGeom prst="rect">
             <a:avLst/>
@@ -9348,10 +7664,74 @@
       </p:pic>
       <p:pic>
         <p:nvPicPr>
-          <p:cNvPr id="5" name="Content Placeholder 4" descr="A screenshot of a computer&#10;&#10;AI-generated content may be incorrect.">
+          <p:cNvPr id="4" name="Picture 3"/>
+          <p:cNvPicPr>
+            <a:picLocks noChangeAspect="1"/>
+          </p:cNvPicPr>
+          <p:nvPr/>
+        </p:nvPicPr>
+        <p:blipFill>
+          <a:blip r:embed="rId3">
+            <a:extLst>
+              <a:ext uri="{28A0092B-C50C-407E-A947-70E740481C1C}">
+                <a14:useLocalDpi xmlns:a14="http://schemas.microsoft.com/office/drawing/2010/main" val="0"/>
+              </a:ext>
+            </a:extLst>
+          </a:blip>
+          <a:stretch>
+            <a:fillRect/>
+          </a:stretch>
+        </p:blipFill>
+        <p:spPr>
+          <a:xfrm>
+            <a:off x="-807744" y="-3724155"/>
+            <a:ext cx="15257208" cy="11189825"/>
+          </a:xfrm>
+          <a:prstGeom prst="rect">
+            <a:avLst/>
+          </a:prstGeom>
+        </p:spPr>
+      </p:pic>
+      <p:sp>
+        <p:nvSpPr>
+          <p:cNvPr id="11" name="TextBox 10"/>
+          <p:cNvSpPr txBox="1"/>
+          <p:nvPr/>
+        </p:nvSpPr>
+        <p:spPr>
+          <a:xfrm>
+            <a:off x="486137" y="2531318"/>
+            <a:ext cx="11979797" cy="923330"/>
+          </a:xfrm>
+          <a:prstGeom prst="rect">
+            <a:avLst/>
+          </a:prstGeom>
+          <a:noFill/>
+        </p:spPr>
+        <p:txBody>
+          <a:bodyPr wrap="square" rtlCol="0">
+            <a:spAutoFit/>
+          </a:bodyPr>
+          <a:lstStyle/>
+          <a:p>
+            <a:r>
+              <a:rPr lang="en-US" sz="5400" b="1" dirty="0">
+                <a:solidFill>
+                  <a:srgbClr val="CF3338"/>
+                </a:solidFill>
+                <a:latin typeface="Pragmatica" panose="020B0403040502020204" pitchFamily="34" charset="0"/>
+              </a:rPr>
+              <a:t>Questions?</a:t>
+            </a:r>
+          </a:p>
+        </p:txBody>
+      </p:sp>
+      <p:pic>
+        <p:nvPicPr>
+          <p:cNvPr id="5" name="Picture 4">
             <a:extLst>
               <a:ext uri="{FF2B5EF4-FFF2-40B4-BE49-F238E27FC236}">
-                <a16:creationId xmlns:a16="http://schemas.microsoft.com/office/drawing/2014/main" id="{9B083A41-822E-24E2-B244-F70D3EA0F905}"/>
+                <a16:creationId xmlns:a16="http://schemas.microsoft.com/office/drawing/2014/main" id="{54A06221-5316-4BCF-9FDA-BDB95FF4A778}"/>
               </a:ext>
             </a:extLst>
           </p:cNvPr>
@@ -9368,13 +7748,13 @@
               </a:ext>
             </a:extLst>
           </a:blip>
-          <a:srcRect t="20604" b="21301"/>
+          <a:srcRect/>
           <a:stretch/>
         </p:blipFill>
         <p:spPr>
           <a:xfrm>
-            <a:off x="2743200" y="2095500"/>
-            <a:ext cx="12115800" cy="7038703"/>
+            <a:off x="12204691" y="3317239"/>
+            <a:ext cx="6083309" cy="6968672"/>
           </a:xfrm>
           <a:prstGeom prst="rect">
             <a:avLst/>
@@ -9384,7 +7764,7 @@
     </p:spTree>
     <p:extLst>
       <p:ext uri="{BB962C8B-B14F-4D97-AF65-F5344CB8AC3E}">
-        <p14:creationId xmlns:p14="http://schemas.microsoft.com/office/powerpoint/2010/main" val="2446553207"/>
+        <p14:creationId xmlns:p14="http://schemas.microsoft.com/office/powerpoint/2010/main" val="2683774385"/>
       </p:ext>
     </p:extLst>
   </p:cSld>
@@ -9399,13 +7779,7 @@
   <p:cSld>
     <p:spTree>
       <p:nvGrpSpPr>
-        <p:cNvPr id="1" name="">
-          <a:extLst>
-            <a:ext uri="{FF2B5EF4-FFF2-40B4-BE49-F238E27FC236}">
-              <a16:creationId xmlns:a16="http://schemas.microsoft.com/office/drawing/2014/main" id="{4C3292F4-83A3-1C6F-5664-DBAAF91DE021}"/>
-            </a:ext>
-          </a:extLst>
-        </p:cNvPr>
+        <p:cNvPr id="1" name=""/>
         <p:cNvGrpSpPr/>
         <p:nvPr/>
       </p:nvGrpSpPr>
@@ -9419,47 +7793,60 @@
       </p:grpSpPr>
       <p:sp>
         <p:nvSpPr>
-          <p:cNvPr id="11" name="TextBox 10">
+          <p:cNvPr id="2" name="Title 1">
             <a:extLst>
               <a:ext uri="{FF2B5EF4-FFF2-40B4-BE49-F238E27FC236}">
-                <a16:creationId xmlns:a16="http://schemas.microsoft.com/office/drawing/2014/main" id="{9D5F29C7-0C01-750E-23AF-E6AB785C720B}"/>
+                <a16:creationId xmlns:a16="http://schemas.microsoft.com/office/drawing/2014/main" id="{02002795-C3F5-78FD-1BD4-D60FAAEE1BEB}"/>
               </a:ext>
             </a:extLst>
           </p:cNvPr>
-          <p:cNvSpPr txBox="1"/>
-          <p:nvPr/>
-        </p:nvSpPr>
-        <p:spPr>
-          <a:xfrm>
-            <a:off x="520861" y="170082"/>
-            <a:ext cx="17309939" cy="1477328"/>
-          </a:xfrm>
-          <a:prstGeom prst="rect">
-            <a:avLst/>
-          </a:prstGeom>
-          <a:noFill/>
-        </p:spPr>
-        <p:txBody>
-          <a:bodyPr wrap="square" rtlCol="0">
-            <a:spAutoFit/>
-          </a:bodyPr>
+          <p:cNvSpPr>
+            <a:spLocks noGrp="1"/>
+          </p:cNvSpPr>
+          <p:nvPr>
+            <p:ph type="title"/>
+          </p:nvPr>
+        </p:nvSpPr>
+        <p:spPr/>
+        <p:txBody>
+          <a:bodyPr/>
           <a:lstStyle/>
           <a:p>
-            <a:r>
-              <a:rPr lang="en-US" sz="9000" dirty="0">
-                <a:latin typeface="Aliens &amp; cows" panose="00000500000000000000" pitchFamily="2" charset="0"/>
-              </a:rPr>
-              <a:t>Python in Excel… not enough? </a:t>
-            </a:r>
+            <a:endParaRPr lang="en-US"/>
+          </a:p>
+        </p:txBody>
+      </p:sp>
+      <p:sp>
+        <p:nvSpPr>
+          <p:cNvPr id="3" name="Content Placeholder 2">
+            <a:extLst>
+              <a:ext uri="{FF2B5EF4-FFF2-40B4-BE49-F238E27FC236}">
+                <a16:creationId xmlns:a16="http://schemas.microsoft.com/office/drawing/2014/main" id="{7A5E93B2-D65D-C25C-63A0-1F9A66C8FF5C}"/>
+              </a:ext>
+            </a:extLst>
+          </p:cNvPr>
+          <p:cNvSpPr>
+            <a:spLocks noGrp="1"/>
+          </p:cNvSpPr>
+          <p:nvPr>
+            <p:ph idx="1"/>
+          </p:nvPr>
+        </p:nvSpPr>
+        <p:spPr/>
+        <p:txBody>
+          <a:bodyPr/>
+          <a:lstStyle/>
+          <a:p>
+            <a:endParaRPr lang="en-US"/>
           </a:p>
         </p:txBody>
       </p:sp>
       <p:pic>
         <p:nvPicPr>
-          <p:cNvPr id="15" name="Picture 14" descr="A close up of a sign&#10;&#10;Description automatically generated">
+          <p:cNvPr id="4" name="Picture 3">
             <a:extLst>
               <a:ext uri="{FF2B5EF4-FFF2-40B4-BE49-F238E27FC236}">
-                <a16:creationId xmlns:a16="http://schemas.microsoft.com/office/drawing/2014/main" id="{1A6AE21C-E781-26C7-550B-6295B1F44958}"/>
+                <a16:creationId xmlns:a16="http://schemas.microsoft.com/office/drawing/2014/main" id="{C253E29A-D905-85AC-CD78-003CC72970D5}"/>
               </a:ext>
             </a:extLst>
           </p:cNvPr>
@@ -9469,424 +7856,25 @@
           <p:nvPr/>
         </p:nvPicPr>
         <p:blipFill>
-          <a:blip r:embed="rId3">
-            <a:extLst>
-              <a:ext uri="{28A0092B-C50C-407E-A947-70E740481C1C}">
-                <a14:useLocalDpi xmlns:a14="http://schemas.microsoft.com/office/drawing/2010/main" val="0"/>
-              </a:ext>
-            </a:extLst>
-          </a:blip>
+          <a:blip r:embed="rId2"/>
           <a:stretch>
             <a:fillRect/>
           </a:stretch>
         </p:blipFill>
         <p:spPr>
           <a:xfrm>
-            <a:off x="16341036" y="8058429"/>
-            <a:ext cx="1942857" cy="2228571"/>
+            <a:off x="-15711" y="0"/>
+            <a:ext cx="18288000" cy="10287000"/>
           </a:xfrm>
           <a:prstGeom prst="rect">
             <a:avLst/>
           </a:prstGeom>
         </p:spPr>
       </p:pic>
-      <p:pic>
-        <p:nvPicPr>
-          <p:cNvPr id="9" name="Picture 8">
-            <a:extLst>
-              <a:ext uri="{FF2B5EF4-FFF2-40B4-BE49-F238E27FC236}">
-                <a16:creationId xmlns:a16="http://schemas.microsoft.com/office/drawing/2014/main" id="{1525273F-47DE-8F83-6D97-844CA34B1589}"/>
-              </a:ext>
-            </a:extLst>
-          </p:cNvPr>
-          <p:cNvPicPr>
-            <a:picLocks noChangeAspect="1"/>
-          </p:cNvPicPr>
-          <p:nvPr/>
-        </p:nvPicPr>
-        <p:blipFill>
-          <a:blip r:embed="rId4"/>
-          <a:stretch>
-            <a:fillRect/>
-          </a:stretch>
-        </p:blipFill>
-        <p:spPr>
-          <a:xfrm>
-            <a:off x="1143000" y="1535139"/>
-            <a:ext cx="14685399" cy="8581779"/>
-          </a:xfrm>
-          <a:prstGeom prst="rect">
-            <a:avLst/>
-          </a:prstGeom>
-        </p:spPr>
-      </p:pic>
-      <p:sp>
-        <p:nvSpPr>
-          <p:cNvPr id="2" name="TextBox 1">
-            <a:extLst>
-              <a:ext uri="{FF2B5EF4-FFF2-40B4-BE49-F238E27FC236}">
-                <a16:creationId xmlns:a16="http://schemas.microsoft.com/office/drawing/2014/main" id="{8F3ABE0A-8844-18DC-2637-915FDFA719E9}"/>
-              </a:ext>
-            </a:extLst>
-          </p:cNvPr>
-          <p:cNvSpPr txBox="1"/>
-          <p:nvPr/>
-        </p:nvSpPr>
-        <p:spPr>
-          <a:xfrm>
-            <a:off x="10287000" y="5520898"/>
-            <a:ext cx="2400837" cy="646331"/>
-          </a:xfrm>
-          <a:prstGeom prst="rect">
-            <a:avLst/>
-          </a:prstGeom>
-          <a:noFill/>
-        </p:spPr>
-        <p:txBody>
-          <a:bodyPr wrap="square" rtlCol="0">
-            <a:spAutoFit/>
-          </a:bodyPr>
-          <a:lstStyle/>
-          <a:p>
-            <a:r>
-              <a:rPr lang="en-US" b="1" dirty="0"/>
-              <a:t>Python in Excel announcement</a:t>
-            </a:r>
-          </a:p>
-        </p:txBody>
-      </p:sp>
-      <p:cxnSp>
-        <p:nvCxnSpPr>
-          <p:cNvPr id="4" name="Straight Arrow Connector 3">
-            <a:extLst>
-              <a:ext uri="{FF2B5EF4-FFF2-40B4-BE49-F238E27FC236}">
-                <a16:creationId xmlns:a16="http://schemas.microsoft.com/office/drawing/2014/main" id="{A28A3768-E5BE-DEB2-F0A4-DA385E8201F0}"/>
-              </a:ext>
-            </a:extLst>
-          </p:cNvPr>
-          <p:cNvCxnSpPr/>
-          <p:nvPr/>
-        </p:nvCxnSpPr>
-        <p:spPr>
-          <a:xfrm>
-            <a:off x="10896600" y="6134100"/>
-            <a:ext cx="304800" cy="457200"/>
-          </a:xfrm>
-          <a:prstGeom prst="straightConnector1">
-            <a:avLst/>
-          </a:prstGeom>
-          <a:ln>
-            <a:tailEnd type="triangle"/>
-          </a:ln>
-        </p:spPr>
-        <p:style>
-          <a:lnRef idx="1">
-            <a:schemeClr val="accent1"/>
-          </a:lnRef>
-          <a:fillRef idx="0">
-            <a:schemeClr val="accent1"/>
-          </a:fillRef>
-          <a:effectRef idx="0">
-            <a:schemeClr val="accent1"/>
-          </a:effectRef>
-          <a:fontRef idx="minor">
-            <a:schemeClr val="tx1"/>
-          </a:fontRef>
-        </p:style>
-      </p:cxnSp>
     </p:spTree>
     <p:extLst>
       <p:ext uri="{BB962C8B-B14F-4D97-AF65-F5344CB8AC3E}">
-        <p14:creationId xmlns:p14="http://schemas.microsoft.com/office/powerpoint/2010/main" val="1222409867"/>
-      </p:ext>
-    </p:extLst>
-  </p:cSld>
-  <p:clrMapOvr>
-    <a:masterClrMapping/>
-  </p:clrMapOvr>
-</p:sld>
-</file>
-
-<file path=ppt/slides/slide19.xml><?xml version="1.0" encoding="utf-8"?>
-<p:sld xmlns:a="http://schemas.openxmlformats.org/drawingml/2006/main" xmlns:r="http://schemas.openxmlformats.org/officeDocument/2006/relationships" xmlns:p="http://schemas.openxmlformats.org/presentationml/2006/main">
-  <p:cSld>
-    <p:spTree>
-      <p:nvGrpSpPr>
-        <p:cNvPr id="1" name="">
-          <a:extLst>
-            <a:ext uri="{FF2B5EF4-FFF2-40B4-BE49-F238E27FC236}">
-              <a16:creationId xmlns:a16="http://schemas.microsoft.com/office/drawing/2014/main" id="{7CB57E0C-CD5D-1F66-D78F-85F7AD37178E}"/>
-            </a:ext>
-          </a:extLst>
-        </p:cNvPr>
-        <p:cNvGrpSpPr/>
-        <p:nvPr/>
-      </p:nvGrpSpPr>
-      <p:grpSpPr>
-        <a:xfrm>
-          <a:off x="0" y="0"/>
-          <a:ext cx="0" cy="0"/>
-          <a:chOff x="0" y="0"/>
-          <a:chExt cx="0" cy="0"/>
-        </a:xfrm>
-      </p:grpSpPr>
-      <p:sp>
-        <p:nvSpPr>
-          <p:cNvPr id="11" name="TextBox 10">
-            <a:extLst>
-              <a:ext uri="{FF2B5EF4-FFF2-40B4-BE49-F238E27FC236}">
-                <a16:creationId xmlns:a16="http://schemas.microsoft.com/office/drawing/2014/main" id="{3CBAD0C8-3388-B55E-06C7-A57EAB05E6EE}"/>
-              </a:ext>
-            </a:extLst>
-          </p:cNvPr>
-          <p:cNvSpPr txBox="1"/>
-          <p:nvPr/>
-        </p:nvSpPr>
-        <p:spPr>
-          <a:xfrm>
-            <a:off x="520861" y="170082"/>
-            <a:ext cx="17309939" cy="1477328"/>
-          </a:xfrm>
-          <a:prstGeom prst="rect">
-            <a:avLst/>
-          </a:prstGeom>
-          <a:noFill/>
-        </p:spPr>
-        <p:txBody>
-          <a:bodyPr wrap="square" rtlCol="0">
-            <a:spAutoFit/>
-          </a:bodyPr>
-          <a:lstStyle/>
-          <a:p>
-            <a:r>
-              <a:rPr lang="en-US" sz="9000" dirty="0">
-                <a:latin typeface="Aliens &amp; cows" panose="00000500000000000000" pitchFamily="2" charset="0"/>
-              </a:rPr>
-              <a:t>Copilot in Excel… not enough? </a:t>
-            </a:r>
-          </a:p>
-        </p:txBody>
-      </p:sp>
-      <p:pic>
-        <p:nvPicPr>
-          <p:cNvPr id="15" name="Picture 14" descr="A close up of a sign&#10;&#10;Description automatically generated">
-            <a:extLst>
-              <a:ext uri="{FF2B5EF4-FFF2-40B4-BE49-F238E27FC236}">
-                <a16:creationId xmlns:a16="http://schemas.microsoft.com/office/drawing/2014/main" id="{660E875A-F3EB-CB08-8ABE-3C1C328FC93C}"/>
-              </a:ext>
-            </a:extLst>
-          </p:cNvPr>
-          <p:cNvPicPr>
-            <a:picLocks noChangeAspect="1"/>
-          </p:cNvPicPr>
-          <p:nvPr/>
-        </p:nvPicPr>
-        <p:blipFill>
-          <a:blip r:embed="rId3">
-            <a:extLst>
-              <a:ext uri="{28A0092B-C50C-407E-A947-70E740481C1C}">
-                <a14:useLocalDpi xmlns:a14="http://schemas.microsoft.com/office/drawing/2010/main" val="0"/>
-              </a:ext>
-            </a:extLst>
-          </a:blip>
-          <a:stretch>
-            <a:fillRect/>
-          </a:stretch>
-        </p:blipFill>
-        <p:spPr>
-          <a:xfrm>
-            <a:off x="16341036" y="8058429"/>
-            <a:ext cx="1942857" cy="2228571"/>
-          </a:xfrm>
-          <a:prstGeom prst="rect">
-            <a:avLst/>
-          </a:prstGeom>
-        </p:spPr>
-      </p:pic>
-      <p:pic>
-        <p:nvPicPr>
-          <p:cNvPr id="9" name="Picture 8">
-            <a:extLst>
-              <a:ext uri="{FF2B5EF4-FFF2-40B4-BE49-F238E27FC236}">
-                <a16:creationId xmlns:a16="http://schemas.microsoft.com/office/drawing/2014/main" id="{15E75768-63D2-8089-E93C-2E2FF0B471E0}"/>
-              </a:ext>
-            </a:extLst>
-          </p:cNvPr>
-          <p:cNvPicPr>
-            <a:picLocks noChangeAspect="1"/>
-          </p:cNvPicPr>
-          <p:nvPr/>
-        </p:nvPicPr>
-        <p:blipFill>
-          <a:blip r:embed="rId4"/>
-          <a:stretch>
-            <a:fillRect/>
-          </a:stretch>
-        </p:blipFill>
-        <p:spPr>
-          <a:xfrm>
-            <a:off x="1143000" y="1535139"/>
-            <a:ext cx="14685399" cy="8581779"/>
-          </a:xfrm>
-          <a:prstGeom prst="rect">
-            <a:avLst/>
-          </a:prstGeom>
-        </p:spPr>
-      </p:pic>
-      <p:sp>
-        <p:nvSpPr>
-          <p:cNvPr id="2" name="TextBox 1">
-            <a:extLst>
-              <a:ext uri="{FF2B5EF4-FFF2-40B4-BE49-F238E27FC236}">
-                <a16:creationId xmlns:a16="http://schemas.microsoft.com/office/drawing/2014/main" id="{C9835A31-0C61-2CEC-1717-D5C068DC818A}"/>
-              </a:ext>
-            </a:extLst>
-          </p:cNvPr>
-          <p:cNvSpPr txBox="1"/>
-          <p:nvPr/>
-        </p:nvSpPr>
-        <p:spPr>
-          <a:xfrm>
-            <a:off x="10287000" y="5520898"/>
-            <a:ext cx="2400837" cy="646331"/>
-          </a:xfrm>
-          <a:prstGeom prst="rect">
-            <a:avLst/>
-          </a:prstGeom>
-          <a:noFill/>
-        </p:spPr>
-        <p:txBody>
-          <a:bodyPr wrap="square" rtlCol="0">
-            <a:spAutoFit/>
-          </a:bodyPr>
-          <a:lstStyle/>
-          <a:p>
-            <a:r>
-              <a:rPr lang="en-US" b="1" dirty="0"/>
-              <a:t>Python in Excel announcement</a:t>
-            </a:r>
-          </a:p>
-        </p:txBody>
-      </p:sp>
-      <p:cxnSp>
-        <p:nvCxnSpPr>
-          <p:cNvPr id="4" name="Straight Arrow Connector 3">
-            <a:extLst>
-              <a:ext uri="{FF2B5EF4-FFF2-40B4-BE49-F238E27FC236}">
-                <a16:creationId xmlns:a16="http://schemas.microsoft.com/office/drawing/2014/main" id="{256CF122-B316-E520-902C-0716878356A5}"/>
-              </a:ext>
-            </a:extLst>
-          </p:cNvPr>
-          <p:cNvCxnSpPr/>
-          <p:nvPr/>
-        </p:nvCxnSpPr>
-        <p:spPr>
-          <a:xfrm>
-            <a:off x="10896600" y="6134100"/>
-            <a:ext cx="304800" cy="457200"/>
-          </a:xfrm>
-          <a:prstGeom prst="straightConnector1">
-            <a:avLst/>
-          </a:prstGeom>
-          <a:ln>
-            <a:tailEnd type="triangle"/>
-          </a:ln>
-        </p:spPr>
-        <p:style>
-          <a:lnRef idx="1">
-            <a:schemeClr val="accent1"/>
-          </a:lnRef>
-          <a:fillRef idx="0">
-            <a:schemeClr val="accent1"/>
-          </a:fillRef>
-          <a:effectRef idx="0">
-            <a:schemeClr val="accent1"/>
-          </a:effectRef>
-          <a:fontRef idx="minor">
-            <a:schemeClr val="tx1"/>
-          </a:fontRef>
-        </p:style>
-      </p:cxnSp>
-      <p:sp>
-        <p:nvSpPr>
-          <p:cNvPr id="3" name="TextBox 2">
-            <a:extLst>
-              <a:ext uri="{FF2B5EF4-FFF2-40B4-BE49-F238E27FC236}">
-                <a16:creationId xmlns:a16="http://schemas.microsoft.com/office/drawing/2014/main" id="{8BA6DE4C-BB91-2685-4042-C8BDAFCE9836}"/>
-              </a:ext>
-            </a:extLst>
-          </p:cNvPr>
-          <p:cNvSpPr txBox="1"/>
-          <p:nvPr/>
-        </p:nvSpPr>
-        <p:spPr>
-          <a:xfrm>
-            <a:off x="11823539" y="6580031"/>
-            <a:ext cx="2400837" cy="646331"/>
-          </a:xfrm>
-          <a:prstGeom prst="rect">
-            <a:avLst/>
-          </a:prstGeom>
-          <a:noFill/>
-        </p:spPr>
-        <p:txBody>
-          <a:bodyPr wrap="square" rtlCol="0">
-            <a:spAutoFit/>
-          </a:bodyPr>
-          <a:lstStyle/>
-          <a:p>
-            <a:r>
-              <a:rPr lang="en-US" b="1" dirty="0"/>
-              <a:t>Copilot in Excel announcement</a:t>
-            </a:r>
-          </a:p>
-        </p:txBody>
-      </p:sp>
-      <p:cxnSp>
-        <p:nvCxnSpPr>
-          <p:cNvPr id="7" name="Straight Arrow Connector 6">
-            <a:extLst>
-              <a:ext uri="{FF2B5EF4-FFF2-40B4-BE49-F238E27FC236}">
-                <a16:creationId xmlns:a16="http://schemas.microsoft.com/office/drawing/2014/main" id="{51179C2B-2680-AB00-2288-9DEED8DD48A9}"/>
-              </a:ext>
-            </a:extLst>
-          </p:cNvPr>
-          <p:cNvCxnSpPr>
-            <a:cxnSpLocks/>
-          </p:cNvCxnSpPr>
-          <p:nvPr/>
-        </p:nvCxnSpPr>
-        <p:spPr>
-          <a:xfrm>
-            <a:off x="12535437" y="7155307"/>
-            <a:ext cx="266163" cy="376979"/>
-          </a:xfrm>
-          <a:prstGeom prst="straightConnector1">
-            <a:avLst/>
-          </a:prstGeom>
-          <a:ln>
-            <a:tailEnd type="triangle"/>
-          </a:ln>
-        </p:spPr>
-        <p:style>
-          <a:lnRef idx="1">
-            <a:schemeClr val="accent1"/>
-          </a:lnRef>
-          <a:fillRef idx="0">
-            <a:schemeClr val="accent1"/>
-          </a:fillRef>
-          <a:effectRef idx="0">
-            <a:schemeClr val="accent1"/>
-          </a:effectRef>
-          <a:fontRef idx="minor">
-            <a:schemeClr val="tx1"/>
-          </a:fontRef>
-        </p:style>
-      </p:cxnSp>
-    </p:spTree>
-    <p:extLst>
-      <p:ext uri="{BB962C8B-B14F-4D97-AF65-F5344CB8AC3E}">
-        <p14:creationId xmlns:p14="http://schemas.microsoft.com/office/powerpoint/2010/main" val="1652374029"/>
+        <p14:creationId xmlns:p14="http://schemas.microsoft.com/office/powerpoint/2010/main" val="1414137271"/>
       </p:ext>
     </p:extLst>
   </p:cSld>
@@ -10260,3161 +8248,6 @@
 </p:sld>
 </file>
 
-<file path=ppt/slides/slide20.xml><?xml version="1.0" encoding="utf-8"?>
-<p:sld xmlns:a="http://schemas.openxmlformats.org/drawingml/2006/main" xmlns:r="http://schemas.openxmlformats.org/officeDocument/2006/relationships" xmlns:p="http://schemas.openxmlformats.org/presentationml/2006/main">
-  <p:cSld>
-    <p:spTree>
-      <p:nvGrpSpPr>
-        <p:cNvPr id="1" name="">
-          <a:extLst>
-            <a:ext uri="{FF2B5EF4-FFF2-40B4-BE49-F238E27FC236}">
-              <a16:creationId xmlns:a16="http://schemas.microsoft.com/office/drawing/2014/main" id="{EEEF133C-E5BD-541A-B3AA-8182E93A3ACA}"/>
-            </a:ext>
-          </a:extLst>
-        </p:cNvPr>
-        <p:cNvGrpSpPr/>
-        <p:nvPr/>
-      </p:nvGrpSpPr>
-      <p:grpSpPr>
-        <a:xfrm>
-          <a:off x="0" y="0"/>
-          <a:ext cx="0" cy="0"/>
-          <a:chOff x="0" y="0"/>
-          <a:chExt cx="0" cy="0"/>
-        </a:xfrm>
-      </p:grpSpPr>
-      <p:sp>
-        <p:nvSpPr>
-          <p:cNvPr id="11" name="TextBox 10">
-            <a:extLst>
-              <a:ext uri="{FF2B5EF4-FFF2-40B4-BE49-F238E27FC236}">
-                <a16:creationId xmlns:a16="http://schemas.microsoft.com/office/drawing/2014/main" id="{221AF4CF-35CA-4567-25FB-93E0537A6042}"/>
-              </a:ext>
-            </a:extLst>
-          </p:cNvPr>
-          <p:cNvSpPr txBox="1"/>
-          <p:nvPr/>
-        </p:nvSpPr>
-        <p:spPr>
-          <a:xfrm>
-            <a:off x="520861" y="170082"/>
-            <a:ext cx="17309939" cy="1477328"/>
-          </a:xfrm>
-          <a:prstGeom prst="rect">
-            <a:avLst/>
-          </a:prstGeom>
-          <a:noFill/>
-        </p:spPr>
-        <p:txBody>
-          <a:bodyPr wrap="square" rtlCol="0">
-            <a:spAutoFit/>
-          </a:bodyPr>
-          <a:lstStyle/>
-          <a:p>
-            <a:r>
-              <a:rPr lang="en-US" sz="9000" dirty="0">
-                <a:latin typeface="Aliens &amp; cows" panose="00000500000000000000" pitchFamily="2" charset="0"/>
-              </a:rPr>
-              <a:t>Copilot in Excel… not enough? </a:t>
-            </a:r>
-          </a:p>
-        </p:txBody>
-      </p:sp>
-      <p:pic>
-        <p:nvPicPr>
-          <p:cNvPr id="15" name="Picture 14" descr="A close up of a sign&#10;&#10;Description automatically generated">
-            <a:extLst>
-              <a:ext uri="{FF2B5EF4-FFF2-40B4-BE49-F238E27FC236}">
-                <a16:creationId xmlns:a16="http://schemas.microsoft.com/office/drawing/2014/main" id="{FF3A19E3-A606-CAF8-9058-3132CBBE8375}"/>
-              </a:ext>
-            </a:extLst>
-          </p:cNvPr>
-          <p:cNvPicPr>
-            <a:picLocks noChangeAspect="1"/>
-          </p:cNvPicPr>
-          <p:nvPr/>
-        </p:nvPicPr>
-        <p:blipFill>
-          <a:blip r:embed="rId3">
-            <a:extLst>
-              <a:ext uri="{28A0092B-C50C-407E-A947-70E740481C1C}">
-                <a14:useLocalDpi xmlns:a14="http://schemas.microsoft.com/office/drawing/2010/main" val="0"/>
-              </a:ext>
-            </a:extLst>
-          </a:blip>
-          <a:stretch>
-            <a:fillRect/>
-          </a:stretch>
-        </p:blipFill>
-        <p:spPr>
-          <a:xfrm>
-            <a:off x="16341036" y="8058429"/>
-            <a:ext cx="1942857" cy="2228571"/>
-          </a:xfrm>
-          <a:prstGeom prst="rect">
-            <a:avLst/>
-          </a:prstGeom>
-        </p:spPr>
-      </p:pic>
-      <p:pic>
-        <p:nvPicPr>
-          <p:cNvPr id="6" name="Picture 5" descr="A screenshot of a cellphone&#10;&#10;AI-generated content may be incorrect.">
-            <a:extLst>
-              <a:ext uri="{FF2B5EF4-FFF2-40B4-BE49-F238E27FC236}">
-                <a16:creationId xmlns:a16="http://schemas.microsoft.com/office/drawing/2014/main" id="{4531194C-E8C5-5067-6303-257FF9F1948D}"/>
-              </a:ext>
-            </a:extLst>
-          </p:cNvPr>
-          <p:cNvPicPr>
-            <a:picLocks noChangeAspect="1"/>
-          </p:cNvPicPr>
-          <p:nvPr/>
-        </p:nvPicPr>
-        <p:blipFill>
-          <a:blip r:embed="rId4">
-            <a:extLst>
-              <a:ext uri="{28A0092B-C50C-407E-A947-70E740481C1C}">
-                <a14:useLocalDpi xmlns:a14="http://schemas.microsoft.com/office/drawing/2010/main" val="0"/>
-              </a:ext>
-            </a:extLst>
-          </a:blip>
-          <a:srcRect t="6296" b="7037"/>
-          <a:stretch/>
-        </p:blipFill>
-        <p:spPr>
-          <a:xfrm>
-            <a:off x="3810000" y="1866900"/>
-            <a:ext cx="9187342" cy="7962363"/>
-          </a:xfrm>
-          <a:prstGeom prst="rect">
-            <a:avLst/>
-          </a:prstGeom>
-        </p:spPr>
-      </p:pic>
-    </p:spTree>
-    <p:extLst>
-      <p:ext uri="{BB962C8B-B14F-4D97-AF65-F5344CB8AC3E}">
-        <p14:creationId xmlns:p14="http://schemas.microsoft.com/office/powerpoint/2010/main" val="363398084"/>
-      </p:ext>
-    </p:extLst>
-  </p:cSld>
-  <p:clrMapOvr>
-    <a:masterClrMapping/>
-  </p:clrMapOvr>
-</p:sld>
-</file>
-
-<file path=ppt/slides/slide21.xml><?xml version="1.0" encoding="utf-8"?>
-<p:sld xmlns:a="http://schemas.openxmlformats.org/drawingml/2006/main" xmlns:r="http://schemas.openxmlformats.org/officeDocument/2006/relationships" xmlns:p="http://schemas.openxmlformats.org/presentationml/2006/main">
-  <p:cSld>
-    <p:spTree>
-      <p:nvGrpSpPr>
-        <p:cNvPr id="1" name="">
-          <a:extLst>
-            <a:ext uri="{FF2B5EF4-FFF2-40B4-BE49-F238E27FC236}">
-              <a16:creationId xmlns:a16="http://schemas.microsoft.com/office/drawing/2014/main" id="{2873BA01-E420-EE6D-4CC4-16C13000F659}"/>
-            </a:ext>
-          </a:extLst>
-        </p:cNvPr>
-        <p:cNvGrpSpPr/>
-        <p:nvPr/>
-      </p:nvGrpSpPr>
-      <p:grpSpPr>
-        <a:xfrm>
-          <a:off x="0" y="0"/>
-          <a:ext cx="0" cy="0"/>
-          <a:chOff x="0" y="0"/>
-          <a:chExt cx="0" cy="0"/>
-        </a:xfrm>
-      </p:grpSpPr>
-      <p:sp>
-        <p:nvSpPr>
-          <p:cNvPr id="11" name="TextBox 10">
-            <a:extLst>
-              <a:ext uri="{FF2B5EF4-FFF2-40B4-BE49-F238E27FC236}">
-                <a16:creationId xmlns:a16="http://schemas.microsoft.com/office/drawing/2014/main" id="{CA54BF7A-F039-9B3E-AAD5-C4E5D73E1F68}"/>
-              </a:ext>
-            </a:extLst>
-          </p:cNvPr>
-          <p:cNvSpPr txBox="1"/>
-          <p:nvPr/>
-        </p:nvSpPr>
-        <p:spPr>
-          <a:xfrm>
-            <a:off x="520861" y="170082"/>
-            <a:ext cx="17309939" cy="1477328"/>
-          </a:xfrm>
-          <a:prstGeom prst="rect">
-            <a:avLst/>
-          </a:prstGeom>
-          <a:noFill/>
-        </p:spPr>
-        <p:txBody>
-          <a:bodyPr wrap="square" rtlCol="0">
-            <a:spAutoFit/>
-          </a:bodyPr>
-          <a:lstStyle/>
-          <a:p>
-            <a:r>
-              <a:rPr lang="en-US" sz="9000" dirty="0">
-                <a:latin typeface="Aliens &amp; cows" panose="00000500000000000000" pitchFamily="2" charset="0"/>
-              </a:rPr>
-              <a:t>Copilot in Excel… not enough? </a:t>
-            </a:r>
-          </a:p>
-        </p:txBody>
-      </p:sp>
-      <p:pic>
-        <p:nvPicPr>
-          <p:cNvPr id="15" name="Picture 14" descr="A close up of a sign&#10;&#10;Description automatically generated">
-            <a:extLst>
-              <a:ext uri="{FF2B5EF4-FFF2-40B4-BE49-F238E27FC236}">
-                <a16:creationId xmlns:a16="http://schemas.microsoft.com/office/drawing/2014/main" id="{3DEB4C2E-B2C1-C94C-AD83-9DEC6C38FA9C}"/>
-              </a:ext>
-            </a:extLst>
-          </p:cNvPr>
-          <p:cNvPicPr>
-            <a:picLocks noChangeAspect="1"/>
-          </p:cNvPicPr>
-          <p:nvPr/>
-        </p:nvPicPr>
-        <p:blipFill>
-          <a:blip r:embed="rId3">
-            <a:extLst>
-              <a:ext uri="{28A0092B-C50C-407E-A947-70E740481C1C}">
-                <a14:useLocalDpi xmlns:a14="http://schemas.microsoft.com/office/drawing/2010/main" val="0"/>
-              </a:ext>
-            </a:extLst>
-          </a:blip>
-          <a:stretch>
-            <a:fillRect/>
-          </a:stretch>
-        </p:blipFill>
-        <p:spPr>
-          <a:xfrm>
-            <a:off x="16341036" y="8058429"/>
-            <a:ext cx="1942857" cy="2228571"/>
-          </a:xfrm>
-          <a:prstGeom prst="rect">
-            <a:avLst/>
-          </a:prstGeom>
-        </p:spPr>
-      </p:pic>
-      <p:pic>
-        <p:nvPicPr>
-          <p:cNvPr id="6" name="Picture 5">
-            <a:extLst>
-              <a:ext uri="{FF2B5EF4-FFF2-40B4-BE49-F238E27FC236}">
-                <a16:creationId xmlns:a16="http://schemas.microsoft.com/office/drawing/2014/main" id="{0D55C19C-DEE9-3CDC-3928-99A92BC233BC}"/>
-              </a:ext>
-            </a:extLst>
-          </p:cNvPr>
-          <p:cNvPicPr>
-            <a:picLocks noChangeAspect="1"/>
-          </p:cNvPicPr>
-          <p:nvPr/>
-        </p:nvPicPr>
-        <p:blipFill>
-          <a:blip r:embed="rId4"/>
-          <a:stretch>
-            <a:fillRect/>
-          </a:stretch>
-        </p:blipFill>
-        <p:spPr>
-          <a:xfrm>
-            <a:off x="914400" y="1624026"/>
-            <a:ext cx="14282800" cy="8483769"/>
-          </a:xfrm>
-          <a:prstGeom prst="rect">
-            <a:avLst/>
-          </a:prstGeom>
-        </p:spPr>
-      </p:pic>
-      <p:sp>
-        <p:nvSpPr>
-          <p:cNvPr id="2" name="TextBox 1">
-            <a:extLst>
-              <a:ext uri="{FF2B5EF4-FFF2-40B4-BE49-F238E27FC236}">
-                <a16:creationId xmlns:a16="http://schemas.microsoft.com/office/drawing/2014/main" id="{0AAEBBDD-2DB8-E423-0257-2C26EE4EBCC7}"/>
-              </a:ext>
-            </a:extLst>
-          </p:cNvPr>
-          <p:cNvSpPr txBox="1"/>
-          <p:nvPr/>
-        </p:nvSpPr>
-        <p:spPr>
-          <a:xfrm>
-            <a:off x="10287000" y="5520898"/>
-            <a:ext cx="2400837" cy="646331"/>
-          </a:xfrm>
-          <a:prstGeom prst="rect">
-            <a:avLst/>
-          </a:prstGeom>
-          <a:noFill/>
-        </p:spPr>
-        <p:txBody>
-          <a:bodyPr wrap="square" rtlCol="0">
-            <a:spAutoFit/>
-          </a:bodyPr>
-          <a:lstStyle/>
-          <a:p>
-            <a:r>
-              <a:rPr lang="en-US" b="1" dirty="0"/>
-              <a:t>Python in Excel announcement</a:t>
-            </a:r>
-          </a:p>
-        </p:txBody>
-      </p:sp>
-      <p:cxnSp>
-        <p:nvCxnSpPr>
-          <p:cNvPr id="4" name="Straight Arrow Connector 3">
-            <a:extLst>
-              <a:ext uri="{FF2B5EF4-FFF2-40B4-BE49-F238E27FC236}">
-                <a16:creationId xmlns:a16="http://schemas.microsoft.com/office/drawing/2014/main" id="{FB673B21-36D0-FE8A-F2A2-52B589D98DA1}"/>
-              </a:ext>
-            </a:extLst>
-          </p:cNvPr>
-          <p:cNvCxnSpPr/>
-          <p:nvPr/>
-        </p:nvCxnSpPr>
-        <p:spPr>
-          <a:xfrm>
-            <a:off x="10896600" y="6134100"/>
-            <a:ext cx="304800" cy="457200"/>
-          </a:xfrm>
-          <a:prstGeom prst="straightConnector1">
-            <a:avLst/>
-          </a:prstGeom>
-          <a:ln>
-            <a:tailEnd type="triangle"/>
-          </a:ln>
-        </p:spPr>
-        <p:style>
-          <a:lnRef idx="1">
-            <a:schemeClr val="accent1"/>
-          </a:lnRef>
-          <a:fillRef idx="0">
-            <a:schemeClr val="accent1"/>
-          </a:fillRef>
-          <a:effectRef idx="0">
-            <a:schemeClr val="accent1"/>
-          </a:effectRef>
-          <a:fontRef idx="minor">
-            <a:schemeClr val="tx1"/>
-          </a:fontRef>
-        </p:style>
-      </p:cxnSp>
-      <p:sp>
-        <p:nvSpPr>
-          <p:cNvPr id="3" name="TextBox 2">
-            <a:extLst>
-              <a:ext uri="{FF2B5EF4-FFF2-40B4-BE49-F238E27FC236}">
-                <a16:creationId xmlns:a16="http://schemas.microsoft.com/office/drawing/2014/main" id="{AEC4F492-0FF8-F3A6-74A9-E497AB29CDF0}"/>
-              </a:ext>
-            </a:extLst>
-          </p:cNvPr>
-          <p:cNvSpPr txBox="1"/>
-          <p:nvPr/>
-        </p:nvSpPr>
-        <p:spPr>
-          <a:xfrm>
-            <a:off x="11823539" y="6580031"/>
-            <a:ext cx="2400837" cy="646331"/>
-          </a:xfrm>
-          <a:prstGeom prst="rect">
-            <a:avLst/>
-          </a:prstGeom>
-          <a:noFill/>
-        </p:spPr>
-        <p:txBody>
-          <a:bodyPr wrap="square" rtlCol="0">
-            <a:spAutoFit/>
-          </a:bodyPr>
-          <a:lstStyle/>
-          <a:p>
-            <a:r>
-              <a:rPr lang="en-US" b="1" dirty="0"/>
-              <a:t>Copilot in Excel announcement</a:t>
-            </a:r>
-          </a:p>
-        </p:txBody>
-      </p:sp>
-      <p:cxnSp>
-        <p:nvCxnSpPr>
-          <p:cNvPr id="7" name="Straight Arrow Connector 6">
-            <a:extLst>
-              <a:ext uri="{FF2B5EF4-FFF2-40B4-BE49-F238E27FC236}">
-                <a16:creationId xmlns:a16="http://schemas.microsoft.com/office/drawing/2014/main" id="{A2107CB3-8BE7-DF12-AC98-FF886271F1A9}"/>
-              </a:ext>
-            </a:extLst>
-          </p:cNvPr>
-          <p:cNvCxnSpPr>
-            <a:cxnSpLocks/>
-          </p:cNvCxnSpPr>
-          <p:nvPr/>
-        </p:nvCxnSpPr>
-        <p:spPr>
-          <a:xfrm>
-            <a:off x="12535437" y="7155307"/>
-            <a:ext cx="266163" cy="376979"/>
-          </a:xfrm>
-          <a:prstGeom prst="straightConnector1">
-            <a:avLst/>
-          </a:prstGeom>
-          <a:ln>
-            <a:tailEnd type="triangle"/>
-          </a:ln>
-        </p:spPr>
-        <p:style>
-          <a:lnRef idx="1">
-            <a:schemeClr val="accent1"/>
-          </a:lnRef>
-          <a:fillRef idx="0">
-            <a:schemeClr val="accent1"/>
-          </a:fillRef>
-          <a:effectRef idx="0">
-            <a:schemeClr val="accent1"/>
-          </a:effectRef>
-          <a:fontRef idx="minor">
-            <a:schemeClr val="tx1"/>
-          </a:fontRef>
-        </p:style>
-      </p:cxnSp>
-    </p:spTree>
-    <p:extLst>
-      <p:ext uri="{BB962C8B-B14F-4D97-AF65-F5344CB8AC3E}">
-        <p14:creationId xmlns:p14="http://schemas.microsoft.com/office/powerpoint/2010/main" val="3123897086"/>
-      </p:ext>
-    </p:extLst>
-  </p:cSld>
-  <p:clrMapOvr>
-    <a:masterClrMapping/>
-  </p:clrMapOvr>
-</p:sld>
-</file>
-
-<file path=ppt/slides/slide22.xml><?xml version="1.0" encoding="utf-8"?>
-<p:sld xmlns:a="http://schemas.openxmlformats.org/drawingml/2006/main" xmlns:r="http://schemas.openxmlformats.org/officeDocument/2006/relationships" xmlns:p="http://schemas.openxmlformats.org/presentationml/2006/main">
-  <p:cSld>
-    <p:spTree>
-      <p:nvGrpSpPr>
-        <p:cNvPr id="1" name="">
-          <a:extLst>
-            <a:ext uri="{FF2B5EF4-FFF2-40B4-BE49-F238E27FC236}">
-              <a16:creationId xmlns:a16="http://schemas.microsoft.com/office/drawing/2014/main" id="{42253E35-051A-680A-90BC-C14A09843006}"/>
-            </a:ext>
-          </a:extLst>
-        </p:cNvPr>
-        <p:cNvGrpSpPr/>
-        <p:nvPr/>
-      </p:nvGrpSpPr>
-      <p:grpSpPr>
-        <a:xfrm>
-          <a:off x="0" y="0"/>
-          <a:ext cx="0" cy="0"/>
-          <a:chOff x="0" y="0"/>
-          <a:chExt cx="0" cy="0"/>
-        </a:xfrm>
-      </p:grpSpPr>
-      <p:sp>
-        <p:nvSpPr>
-          <p:cNvPr id="11" name="TextBox 10">
-            <a:extLst>
-              <a:ext uri="{FF2B5EF4-FFF2-40B4-BE49-F238E27FC236}">
-                <a16:creationId xmlns:a16="http://schemas.microsoft.com/office/drawing/2014/main" id="{E318004C-0D8C-1626-E347-267A099E271A}"/>
-              </a:ext>
-            </a:extLst>
-          </p:cNvPr>
-          <p:cNvSpPr txBox="1"/>
-          <p:nvPr/>
-        </p:nvSpPr>
-        <p:spPr>
-          <a:xfrm>
-            <a:off x="520861" y="170082"/>
-            <a:ext cx="17309939" cy="1477328"/>
-          </a:xfrm>
-          <a:prstGeom prst="rect">
-            <a:avLst/>
-          </a:prstGeom>
-          <a:noFill/>
-        </p:spPr>
-        <p:txBody>
-          <a:bodyPr wrap="square" rtlCol="0">
-            <a:spAutoFit/>
-          </a:bodyPr>
-          <a:lstStyle/>
-          <a:p>
-            <a:r>
-              <a:rPr lang="en-US" sz="9000" dirty="0">
-                <a:latin typeface="Aliens &amp; cows" panose="00000500000000000000" pitchFamily="2" charset="0"/>
-              </a:rPr>
-              <a:t>Copilot in Excel… not enough? </a:t>
-            </a:r>
-          </a:p>
-        </p:txBody>
-      </p:sp>
-      <p:pic>
-        <p:nvPicPr>
-          <p:cNvPr id="15" name="Picture 14" descr="A close up of a sign&#10;&#10;Description automatically generated">
-            <a:extLst>
-              <a:ext uri="{FF2B5EF4-FFF2-40B4-BE49-F238E27FC236}">
-                <a16:creationId xmlns:a16="http://schemas.microsoft.com/office/drawing/2014/main" id="{8C115F9F-74F5-B7D5-FE05-F06B7FE6F57B}"/>
-              </a:ext>
-            </a:extLst>
-          </p:cNvPr>
-          <p:cNvPicPr>
-            <a:picLocks noChangeAspect="1"/>
-          </p:cNvPicPr>
-          <p:nvPr/>
-        </p:nvPicPr>
-        <p:blipFill>
-          <a:blip r:embed="rId3">
-            <a:extLst>
-              <a:ext uri="{28A0092B-C50C-407E-A947-70E740481C1C}">
-                <a14:useLocalDpi xmlns:a14="http://schemas.microsoft.com/office/drawing/2010/main" val="0"/>
-              </a:ext>
-            </a:extLst>
-          </a:blip>
-          <a:stretch>
-            <a:fillRect/>
-          </a:stretch>
-        </p:blipFill>
-        <p:spPr>
-          <a:xfrm>
-            <a:off x="16341036" y="8058429"/>
-            <a:ext cx="1942857" cy="2228571"/>
-          </a:xfrm>
-          <a:prstGeom prst="rect">
-            <a:avLst/>
-          </a:prstGeom>
-        </p:spPr>
-      </p:pic>
-      <p:pic>
-        <p:nvPicPr>
-          <p:cNvPr id="6" name="Picture 5">
-            <a:extLst>
-              <a:ext uri="{FF2B5EF4-FFF2-40B4-BE49-F238E27FC236}">
-                <a16:creationId xmlns:a16="http://schemas.microsoft.com/office/drawing/2014/main" id="{7F575523-0676-7198-86C8-C6D3F1D50049}"/>
-              </a:ext>
-            </a:extLst>
-          </p:cNvPr>
-          <p:cNvPicPr>
-            <a:picLocks noChangeAspect="1"/>
-          </p:cNvPicPr>
-          <p:nvPr/>
-        </p:nvPicPr>
-        <p:blipFill>
-          <a:blip r:embed="rId4"/>
-          <a:stretch>
-            <a:fillRect/>
-          </a:stretch>
-        </p:blipFill>
-        <p:spPr>
-          <a:xfrm>
-            <a:off x="914400" y="1624026"/>
-            <a:ext cx="14282800" cy="8483769"/>
-          </a:xfrm>
-          <a:prstGeom prst="rect">
-            <a:avLst/>
-          </a:prstGeom>
-        </p:spPr>
-      </p:pic>
-      <p:sp>
-        <p:nvSpPr>
-          <p:cNvPr id="2" name="TextBox 1">
-            <a:extLst>
-              <a:ext uri="{FF2B5EF4-FFF2-40B4-BE49-F238E27FC236}">
-                <a16:creationId xmlns:a16="http://schemas.microsoft.com/office/drawing/2014/main" id="{BB00A7B5-1E76-E25C-F9F9-59C6F2E5A72B}"/>
-              </a:ext>
-            </a:extLst>
-          </p:cNvPr>
-          <p:cNvSpPr txBox="1"/>
-          <p:nvPr/>
-        </p:nvSpPr>
-        <p:spPr>
-          <a:xfrm>
-            <a:off x="10287000" y="5520898"/>
-            <a:ext cx="2400837" cy="646331"/>
-          </a:xfrm>
-          <a:prstGeom prst="rect">
-            <a:avLst/>
-          </a:prstGeom>
-          <a:noFill/>
-        </p:spPr>
-        <p:txBody>
-          <a:bodyPr wrap="square" rtlCol="0">
-            <a:spAutoFit/>
-          </a:bodyPr>
-          <a:lstStyle/>
-          <a:p>
-            <a:r>
-              <a:rPr lang="en-US" b="1" dirty="0"/>
-              <a:t>Python in Excel announcement</a:t>
-            </a:r>
-          </a:p>
-        </p:txBody>
-      </p:sp>
-      <p:cxnSp>
-        <p:nvCxnSpPr>
-          <p:cNvPr id="4" name="Straight Arrow Connector 3">
-            <a:extLst>
-              <a:ext uri="{FF2B5EF4-FFF2-40B4-BE49-F238E27FC236}">
-                <a16:creationId xmlns:a16="http://schemas.microsoft.com/office/drawing/2014/main" id="{DD440242-641B-7A7F-EC49-5B7CA3A17167}"/>
-              </a:ext>
-            </a:extLst>
-          </p:cNvPr>
-          <p:cNvCxnSpPr/>
-          <p:nvPr/>
-        </p:nvCxnSpPr>
-        <p:spPr>
-          <a:xfrm>
-            <a:off x="10896600" y="6134100"/>
-            <a:ext cx="304800" cy="457200"/>
-          </a:xfrm>
-          <a:prstGeom prst="straightConnector1">
-            <a:avLst/>
-          </a:prstGeom>
-          <a:ln>
-            <a:tailEnd type="triangle"/>
-          </a:ln>
-        </p:spPr>
-        <p:style>
-          <a:lnRef idx="1">
-            <a:schemeClr val="accent1"/>
-          </a:lnRef>
-          <a:fillRef idx="0">
-            <a:schemeClr val="accent1"/>
-          </a:fillRef>
-          <a:effectRef idx="0">
-            <a:schemeClr val="accent1"/>
-          </a:effectRef>
-          <a:fontRef idx="minor">
-            <a:schemeClr val="tx1"/>
-          </a:fontRef>
-        </p:style>
-      </p:cxnSp>
-      <p:sp>
-        <p:nvSpPr>
-          <p:cNvPr id="3" name="TextBox 2">
-            <a:extLst>
-              <a:ext uri="{FF2B5EF4-FFF2-40B4-BE49-F238E27FC236}">
-                <a16:creationId xmlns:a16="http://schemas.microsoft.com/office/drawing/2014/main" id="{784C1E97-5743-C667-632B-E1EAA980DAE8}"/>
-              </a:ext>
-            </a:extLst>
-          </p:cNvPr>
-          <p:cNvSpPr txBox="1"/>
-          <p:nvPr/>
-        </p:nvSpPr>
-        <p:spPr>
-          <a:xfrm>
-            <a:off x="11823539" y="6580031"/>
-            <a:ext cx="2400837" cy="646331"/>
-          </a:xfrm>
-          <a:prstGeom prst="rect">
-            <a:avLst/>
-          </a:prstGeom>
-          <a:noFill/>
-        </p:spPr>
-        <p:txBody>
-          <a:bodyPr wrap="square" rtlCol="0">
-            <a:spAutoFit/>
-          </a:bodyPr>
-          <a:lstStyle/>
-          <a:p>
-            <a:r>
-              <a:rPr lang="en-US" b="1" dirty="0"/>
-              <a:t>Copilot in Excel announcement</a:t>
-            </a:r>
-          </a:p>
-        </p:txBody>
-      </p:sp>
-      <p:cxnSp>
-        <p:nvCxnSpPr>
-          <p:cNvPr id="7" name="Straight Arrow Connector 6">
-            <a:extLst>
-              <a:ext uri="{FF2B5EF4-FFF2-40B4-BE49-F238E27FC236}">
-                <a16:creationId xmlns:a16="http://schemas.microsoft.com/office/drawing/2014/main" id="{5A67BACA-6DDA-92DA-9F1B-E150A8A11372}"/>
-              </a:ext>
-            </a:extLst>
-          </p:cNvPr>
-          <p:cNvCxnSpPr>
-            <a:cxnSpLocks/>
-          </p:cNvCxnSpPr>
-          <p:nvPr/>
-        </p:nvCxnSpPr>
-        <p:spPr>
-          <a:xfrm>
-            <a:off x="12535437" y="7155307"/>
-            <a:ext cx="266163" cy="376979"/>
-          </a:xfrm>
-          <a:prstGeom prst="straightConnector1">
-            <a:avLst/>
-          </a:prstGeom>
-          <a:ln>
-            <a:tailEnd type="triangle"/>
-          </a:ln>
-        </p:spPr>
-        <p:style>
-          <a:lnRef idx="1">
-            <a:schemeClr val="accent1"/>
-          </a:lnRef>
-          <a:fillRef idx="0">
-            <a:schemeClr val="accent1"/>
-          </a:fillRef>
-          <a:effectRef idx="0">
-            <a:schemeClr val="accent1"/>
-          </a:effectRef>
-          <a:fontRef idx="minor">
-            <a:schemeClr val="tx1"/>
-          </a:fontRef>
-        </p:style>
-      </p:cxnSp>
-    </p:spTree>
-    <p:extLst>
-      <p:ext uri="{BB962C8B-B14F-4D97-AF65-F5344CB8AC3E}">
-        <p14:creationId xmlns:p14="http://schemas.microsoft.com/office/powerpoint/2010/main" val="393743864"/>
-      </p:ext>
-    </p:extLst>
-  </p:cSld>
-  <p:clrMapOvr>
-    <a:masterClrMapping/>
-  </p:clrMapOvr>
-</p:sld>
-</file>
-
-<file path=ppt/slides/slide23.xml><?xml version="1.0" encoding="utf-8"?>
-<p:sld xmlns:a="http://schemas.openxmlformats.org/drawingml/2006/main" xmlns:r="http://schemas.openxmlformats.org/officeDocument/2006/relationships" xmlns:p="http://schemas.openxmlformats.org/presentationml/2006/main">
-  <p:cSld>
-    <p:spTree>
-      <p:nvGrpSpPr>
-        <p:cNvPr id="1" name="">
-          <a:extLst>
-            <a:ext uri="{FF2B5EF4-FFF2-40B4-BE49-F238E27FC236}">
-              <a16:creationId xmlns:a16="http://schemas.microsoft.com/office/drawing/2014/main" id="{77B78123-507D-6B5F-0800-E1DC90528AEB}"/>
-            </a:ext>
-          </a:extLst>
-        </p:cNvPr>
-        <p:cNvGrpSpPr/>
-        <p:nvPr/>
-      </p:nvGrpSpPr>
-      <p:grpSpPr>
-        <a:xfrm>
-          <a:off x="0" y="0"/>
-          <a:ext cx="0" cy="0"/>
-          <a:chOff x="0" y="0"/>
-          <a:chExt cx="0" cy="0"/>
-        </a:xfrm>
-      </p:grpSpPr>
-      <p:sp>
-        <p:nvSpPr>
-          <p:cNvPr id="11" name="TextBox 10">
-            <a:extLst>
-              <a:ext uri="{FF2B5EF4-FFF2-40B4-BE49-F238E27FC236}">
-                <a16:creationId xmlns:a16="http://schemas.microsoft.com/office/drawing/2014/main" id="{E61B5300-DEB6-F0C9-2121-EF9147664403}"/>
-              </a:ext>
-            </a:extLst>
-          </p:cNvPr>
-          <p:cNvSpPr txBox="1"/>
-          <p:nvPr/>
-        </p:nvSpPr>
-        <p:spPr>
-          <a:xfrm>
-            <a:off x="520861" y="170082"/>
-            <a:ext cx="17309939" cy="1200329"/>
-          </a:xfrm>
-          <a:prstGeom prst="rect">
-            <a:avLst/>
-          </a:prstGeom>
-          <a:noFill/>
-        </p:spPr>
-        <p:txBody>
-          <a:bodyPr wrap="square" rtlCol="0">
-            <a:spAutoFit/>
-          </a:bodyPr>
-          <a:lstStyle/>
-          <a:p>
-            <a:r>
-              <a:rPr lang="en-US" sz="7200" dirty="0">
-                <a:latin typeface="Aliens &amp; cows" panose="00000500000000000000" pitchFamily="2" charset="0"/>
-              </a:rPr>
-              <a:t>Copilot + Python + Excel… maybe enough?</a:t>
-            </a:r>
-          </a:p>
-        </p:txBody>
-      </p:sp>
-      <p:pic>
-        <p:nvPicPr>
-          <p:cNvPr id="15" name="Picture 14" descr="A close up of a sign&#10;&#10;Description automatically generated">
-            <a:extLst>
-              <a:ext uri="{FF2B5EF4-FFF2-40B4-BE49-F238E27FC236}">
-                <a16:creationId xmlns:a16="http://schemas.microsoft.com/office/drawing/2014/main" id="{2260B8B6-C693-019A-1480-F10AF61F07DC}"/>
-              </a:ext>
-            </a:extLst>
-          </p:cNvPr>
-          <p:cNvPicPr>
-            <a:picLocks noChangeAspect="1"/>
-          </p:cNvPicPr>
-          <p:nvPr/>
-        </p:nvPicPr>
-        <p:blipFill>
-          <a:blip r:embed="rId3">
-            <a:extLst>
-              <a:ext uri="{28A0092B-C50C-407E-A947-70E740481C1C}">
-                <a14:useLocalDpi xmlns:a14="http://schemas.microsoft.com/office/drawing/2010/main" val="0"/>
-              </a:ext>
-            </a:extLst>
-          </a:blip>
-          <a:stretch>
-            <a:fillRect/>
-          </a:stretch>
-        </p:blipFill>
-        <p:spPr>
-          <a:xfrm>
-            <a:off x="16341036" y="8058429"/>
-            <a:ext cx="1942857" cy="2228571"/>
-          </a:xfrm>
-          <a:prstGeom prst="rect">
-            <a:avLst/>
-          </a:prstGeom>
-        </p:spPr>
-      </p:pic>
-      <p:pic>
-        <p:nvPicPr>
-          <p:cNvPr id="6" name="Picture 5">
-            <a:extLst>
-              <a:ext uri="{FF2B5EF4-FFF2-40B4-BE49-F238E27FC236}">
-                <a16:creationId xmlns:a16="http://schemas.microsoft.com/office/drawing/2014/main" id="{EA7714DD-E083-9DEB-B7B9-BA5DAD276560}"/>
-              </a:ext>
-            </a:extLst>
-          </p:cNvPr>
-          <p:cNvPicPr>
-            <a:picLocks noChangeAspect="1"/>
-          </p:cNvPicPr>
-          <p:nvPr/>
-        </p:nvPicPr>
-        <p:blipFill>
-          <a:blip r:embed="rId4"/>
-          <a:stretch>
-            <a:fillRect/>
-          </a:stretch>
-        </p:blipFill>
-        <p:spPr>
-          <a:xfrm>
-            <a:off x="914400" y="1624026"/>
-            <a:ext cx="14282800" cy="8483769"/>
-          </a:xfrm>
-          <a:prstGeom prst="rect">
-            <a:avLst/>
-          </a:prstGeom>
-        </p:spPr>
-      </p:pic>
-      <p:sp>
-        <p:nvSpPr>
-          <p:cNvPr id="2" name="TextBox 1">
-            <a:extLst>
-              <a:ext uri="{FF2B5EF4-FFF2-40B4-BE49-F238E27FC236}">
-                <a16:creationId xmlns:a16="http://schemas.microsoft.com/office/drawing/2014/main" id="{2BFEC1D7-5AC9-47C4-5B80-8A58473EF02B}"/>
-              </a:ext>
-            </a:extLst>
-          </p:cNvPr>
-          <p:cNvSpPr txBox="1"/>
-          <p:nvPr/>
-        </p:nvSpPr>
-        <p:spPr>
-          <a:xfrm>
-            <a:off x="10287000" y="5520898"/>
-            <a:ext cx="2400837" cy="646331"/>
-          </a:xfrm>
-          <a:prstGeom prst="rect">
-            <a:avLst/>
-          </a:prstGeom>
-          <a:noFill/>
-        </p:spPr>
-        <p:txBody>
-          <a:bodyPr wrap="square" rtlCol="0">
-            <a:spAutoFit/>
-          </a:bodyPr>
-          <a:lstStyle/>
-          <a:p>
-            <a:r>
-              <a:rPr lang="en-US" b="1" dirty="0"/>
-              <a:t>Python in Excel announcement</a:t>
-            </a:r>
-          </a:p>
-        </p:txBody>
-      </p:sp>
-      <p:cxnSp>
-        <p:nvCxnSpPr>
-          <p:cNvPr id="4" name="Straight Arrow Connector 3">
-            <a:extLst>
-              <a:ext uri="{FF2B5EF4-FFF2-40B4-BE49-F238E27FC236}">
-                <a16:creationId xmlns:a16="http://schemas.microsoft.com/office/drawing/2014/main" id="{5F3D1EAD-B0C0-5704-2220-9D0AF0AE3C08}"/>
-              </a:ext>
-            </a:extLst>
-          </p:cNvPr>
-          <p:cNvCxnSpPr/>
-          <p:nvPr/>
-        </p:nvCxnSpPr>
-        <p:spPr>
-          <a:xfrm>
-            <a:off x="10896600" y="6134100"/>
-            <a:ext cx="304800" cy="457200"/>
-          </a:xfrm>
-          <a:prstGeom prst="straightConnector1">
-            <a:avLst/>
-          </a:prstGeom>
-          <a:ln>
-            <a:tailEnd type="triangle"/>
-          </a:ln>
-        </p:spPr>
-        <p:style>
-          <a:lnRef idx="1">
-            <a:schemeClr val="accent1"/>
-          </a:lnRef>
-          <a:fillRef idx="0">
-            <a:schemeClr val="accent1"/>
-          </a:fillRef>
-          <a:effectRef idx="0">
-            <a:schemeClr val="accent1"/>
-          </a:effectRef>
-          <a:fontRef idx="minor">
-            <a:schemeClr val="tx1"/>
-          </a:fontRef>
-        </p:style>
-      </p:cxnSp>
-      <p:sp>
-        <p:nvSpPr>
-          <p:cNvPr id="3" name="TextBox 2">
-            <a:extLst>
-              <a:ext uri="{FF2B5EF4-FFF2-40B4-BE49-F238E27FC236}">
-                <a16:creationId xmlns:a16="http://schemas.microsoft.com/office/drawing/2014/main" id="{7B76556A-FF82-2D94-3CFE-AB0EB0649797}"/>
-              </a:ext>
-            </a:extLst>
-          </p:cNvPr>
-          <p:cNvSpPr txBox="1"/>
-          <p:nvPr/>
-        </p:nvSpPr>
-        <p:spPr>
-          <a:xfrm>
-            <a:off x="11823539" y="6580031"/>
-            <a:ext cx="2400837" cy="646331"/>
-          </a:xfrm>
-          <a:prstGeom prst="rect">
-            <a:avLst/>
-          </a:prstGeom>
-          <a:noFill/>
-        </p:spPr>
-        <p:txBody>
-          <a:bodyPr wrap="square" rtlCol="0">
-            <a:spAutoFit/>
-          </a:bodyPr>
-          <a:lstStyle/>
-          <a:p>
-            <a:r>
-              <a:rPr lang="en-US" b="1" dirty="0"/>
-              <a:t>Copilot in Excel announcement</a:t>
-            </a:r>
-          </a:p>
-        </p:txBody>
-      </p:sp>
-      <p:cxnSp>
-        <p:nvCxnSpPr>
-          <p:cNvPr id="7" name="Straight Arrow Connector 6">
-            <a:extLst>
-              <a:ext uri="{FF2B5EF4-FFF2-40B4-BE49-F238E27FC236}">
-                <a16:creationId xmlns:a16="http://schemas.microsoft.com/office/drawing/2014/main" id="{EFB3075B-E8F6-C4F4-481E-7E4EF41B935E}"/>
-              </a:ext>
-            </a:extLst>
-          </p:cNvPr>
-          <p:cNvCxnSpPr>
-            <a:cxnSpLocks/>
-          </p:cNvCxnSpPr>
-          <p:nvPr/>
-        </p:nvCxnSpPr>
-        <p:spPr>
-          <a:xfrm>
-            <a:off x="12535437" y="7155307"/>
-            <a:ext cx="266163" cy="376979"/>
-          </a:xfrm>
-          <a:prstGeom prst="straightConnector1">
-            <a:avLst/>
-          </a:prstGeom>
-          <a:ln>
-            <a:tailEnd type="triangle"/>
-          </a:ln>
-        </p:spPr>
-        <p:style>
-          <a:lnRef idx="1">
-            <a:schemeClr val="accent1"/>
-          </a:lnRef>
-          <a:fillRef idx="0">
-            <a:schemeClr val="accent1"/>
-          </a:fillRef>
-          <a:effectRef idx="0">
-            <a:schemeClr val="accent1"/>
-          </a:effectRef>
-          <a:fontRef idx="minor">
-            <a:schemeClr val="tx1"/>
-          </a:fontRef>
-        </p:style>
-      </p:cxnSp>
-      <p:sp>
-        <p:nvSpPr>
-          <p:cNvPr id="5" name="TextBox 4">
-            <a:extLst>
-              <a:ext uri="{FF2B5EF4-FFF2-40B4-BE49-F238E27FC236}">
-                <a16:creationId xmlns:a16="http://schemas.microsoft.com/office/drawing/2014/main" id="{BF6BA304-2BA1-CB82-5ADB-3AD0D9A80AEB}"/>
-              </a:ext>
-            </a:extLst>
-          </p:cNvPr>
-          <p:cNvSpPr txBox="1"/>
-          <p:nvPr/>
-        </p:nvSpPr>
-        <p:spPr>
-          <a:xfrm>
-            <a:off x="12439381" y="9029700"/>
-            <a:ext cx="2400837" cy="923330"/>
-          </a:xfrm>
-          <a:prstGeom prst="rect">
-            <a:avLst/>
-          </a:prstGeom>
-          <a:noFill/>
-        </p:spPr>
-        <p:txBody>
-          <a:bodyPr wrap="square" rtlCol="0">
-            <a:spAutoFit/>
-          </a:bodyPr>
-          <a:lstStyle/>
-          <a:p>
-            <a:r>
-              <a:rPr lang="en-US" b="1" dirty="0"/>
-              <a:t>Advanced Analysis with Copilot announcement</a:t>
-            </a:r>
-          </a:p>
-        </p:txBody>
-      </p:sp>
-      <p:cxnSp>
-        <p:nvCxnSpPr>
-          <p:cNvPr id="8" name="Straight Arrow Connector 7">
-            <a:extLst>
-              <a:ext uri="{FF2B5EF4-FFF2-40B4-BE49-F238E27FC236}">
-                <a16:creationId xmlns:a16="http://schemas.microsoft.com/office/drawing/2014/main" id="{DB26DA8E-0D29-D68C-CB02-24333E19BDA1}"/>
-              </a:ext>
-            </a:extLst>
-          </p:cNvPr>
-          <p:cNvCxnSpPr>
-            <a:cxnSpLocks/>
-          </p:cNvCxnSpPr>
-          <p:nvPr/>
-        </p:nvCxnSpPr>
-        <p:spPr>
-          <a:xfrm flipV="1">
-            <a:off x="13639800" y="8805565"/>
-            <a:ext cx="202502" cy="270476"/>
-          </a:xfrm>
-          <a:prstGeom prst="straightConnector1">
-            <a:avLst/>
-          </a:prstGeom>
-          <a:ln>
-            <a:tailEnd type="triangle"/>
-          </a:ln>
-        </p:spPr>
-        <p:style>
-          <a:lnRef idx="1">
-            <a:schemeClr val="accent1"/>
-          </a:lnRef>
-          <a:fillRef idx="0">
-            <a:schemeClr val="accent1"/>
-          </a:fillRef>
-          <a:effectRef idx="0">
-            <a:schemeClr val="accent1"/>
-          </a:effectRef>
-          <a:fontRef idx="minor">
-            <a:schemeClr val="tx1"/>
-          </a:fontRef>
-        </p:style>
-      </p:cxnSp>
-    </p:spTree>
-    <p:extLst>
-      <p:ext uri="{BB962C8B-B14F-4D97-AF65-F5344CB8AC3E}">
-        <p14:creationId xmlns:p14="http://schemas.microsoft.com/office/powerpoint/2010/main" val="3016591975"/>
-      </p:ext>
-    </p:extLst>
-  </p:cSld>
-  <p:clrMapOvr>
-    <a:masterClrMapping/>
-  </p:clrMapOvr>
-</p:sld>
-</file>
-
-<file path=ppt/slides/slide24.xml><?xml version="1.0" encoding="utf-8"?>
-<p:sld xmlns:a="http://schemas.openxmlformats.org/drawingml/2006/main" xmlns:r="http://schemas.openxmlformats.org/officeDocument/2006/relationships" xmlns:p="http://schemas.openxmlformats.org/presentationml/2006/main">
-  <p:cSld>
-    <p:spTree>
-      <p:nvGrpSpPr>
-        <p:cNvPr id="1" name=""/>
-        <p:cNvGrpSpPr/>
-        <p:nvPr/>
-      </p:nvGrpSpPr>
-      <p:grpSpPr>
-        <a:xfrm>
-          <a:off x="0" y="0"/>
-          <a:ext cx="0" cy="0"/>
-          <a:chOff x="0" y="0"/>
-          <a:chExt cx="0" cy="0"/>
-        </a:xfrm>
-      </p:grpSpPr>
-      <p:sp>
-        <p:nvSpPr>
-          <p:cNvPr id="11" name="TextBox 10"/>
-          <p:cNvSpPr txBox="1"/>
-          <p:nvPr/>
-        </p:nvSpPr>
-        <p:spPr>
-          <a:xfrm>
-            <a:off x="520861" y="170082"/>
-            <a:ext cx="16166939" cy="1107996"/>
-          </a:xfrm>
-          <a:prstGeom prst="rect">
-            <a:avLst/>
-          </a:prstGeom>
-          <a:noFill/>
-        </p:spPr>
-        <p:txBody>
-          <a:bodyPr wrap="square" rtlCol="0">
-            <a:spAutoFit/>
-          </a:bodyPr>
-          <a:lstStyle/>
-          <a:p>
-            <a:r>
-              <a:rPr lang="en-US" sz="6600" dirty="0">
-                <a:latin typeface="Aliens &amp; cows" panose="00000500000000000000" pitchFamily="2" charset="0"/>
-              </a:rPr>
-              <a:t>The most ambitious crossover event in history</a:t>
-            </a:r>
-          </a:p>
-        </p:txBody>
-      </p:sp>
-      <p:pic>
-        <p:nvPicPr>
-          <p:cNvPr id="15" name="Picture 14" descr="A close up of a sign&#10;&#10;Description automatically generated">
-            <a:extLst>
-              <a:ext uri="{FF2B5EF4-FFF2-40B4-BE49-F238E27FC236}">
-                <a16:creationId xmlns:a16="http://schemas.microsoft.com/office/drawing/2014/main" id="{29761B90-A7DE-4A60-A915-F085BD87CAB4}"/>
-              </a:ext>
-            </a:extLst>
-          </p:cNvPr>
-          <p:cNvPicPr>
-            <a:picLocks noChangeAspect="1"/>
-          </p:cNvPicPr>
-          <p:nvPr/>
-        </p:nvPicPr>
-        <p:blipFill>
-          <a:blip r:embed="rId3">
-            <a:extLst>
-              <a:ext uri="{28A0092B-C50C-407E-A947-70E740481C1C}">
-                <a14:useLocalDpi xmlns:a14="http://schemas.microsoft.com/office/drawing/2010/main" val="0"/>
-              </a:ext>
-            </a:extLst>
-          </a:blip>
-          <a:stretch>
-            <a:fillRect/>
-          </a:stretch>
-        </p:blipFill>
-        <p:spPr>
-          <a:xfrm>
-            <a:off x="16341036" y="8058429"/>
-            <a:ext cx="1942857" cy="2228571"/>
-          </a:xfrm>
-          <a:prstGeom prst="rect">
-            <a:avLst/>
-          </a:prstGeom>
-        </p:spPr>
-      </p:pic>
-      <p:pic>
-        <p:nvPicPr>
-          <p:cNvPr id="6" name="Picture 5" descr="A rainbow colored logo on a black background&#10;&#10;Description automatically generated">
-            <a:extLst>
-              <a:ext uri="{FF2B5EF4-FFF2-40B4-BE49-F238E27FC236}">
-                <a16:creationId xmlns:a16="http://schemas.microsoft.com/office/drawing/2014/main" id="{C2866380-30B4-458B-7A21-7BE3C090840D}"/>
-              </a:ext>
-            </a:extLst>
-          </p:cNvPr>
-          <p:cNvPicPr>
-            <a:picLocks noChangeAspect="1"/>
-          </p:cNvPicPr>
-          <p:nvPr/>
-        </p:nvPicPr>
-        <p:blipFill>
-          <a:blip r:embed="rId4" cstate="print">
-            <a:extLst>
-              <a:ext uri="{28A0092B-C50C-407E-A947-70E740481C1C}">
-                <a14:useLocalDpi xmlns:a14="http://schemas.microsoft.com/office/drawing/2010/main" val="0"/>
-              </a:ext>
-            </a:extLst>
-          </a:blip>
-          <a:stretch>
-            <a:fillRect/>
-          </a:stretch>
-        </p:blipFill>
-        <p:spPr>
-          <a:xfrm>
-            <a:off x="12053054" y="2754978"/>
-            <a:ext cx="5948960" cy="5948960"/>
-          </a:xfrm>
-          <a:prstGeom prst="rect">
-            <a:avLst/>
-          </a:prstGeom>
-        </p:spPr>
-      </p:pic>
-      <p:pic>
-        <p:nvPicPr>
-          <p:cNvPr id="8" name="Picture 7" descr="A green square with a white x on it&#10;&#10;Description automatically generated">
-            <a:extLst>
-              <a:ext uri="{FF2B5EF4-FFF2-40B4-BE49-F238E27FC236}">
-                <a16:creationId xmlns:a16="http://schemas.microsoft.com/office/drawing/2014/main" id="{49A2EDE9-1F8F-3D98-5D90-A473AB91A6F6}"/>
-              </a:ext>
-            </a:extLst>
-          </p:cNvPr>
-          <p:cNvPicPr>
-            <a:picLocks noChangeAspect="1"/>
-          </p:cNvPicPr>
-          <p:nvPr/>
-        </p:nvPicPr>
-        <p:blipFill>
-          <a:blip r:embed="rId5" cstate="print">
-            <a:extLst>
-              <a:ext uri="{28A0092B-C50C-407E-A947-70E740481C1C}">
-                <a14:useLocalDpi xmlns:a14="http://schemas.microsoft.com/office/drawing/2010/main" val="0"/>
-              </a:ext>
-            </a:extLst>
-          </a:blip>
-          <a:stretch>
-            <a:fillRect/>
-          </a:stretch>
-        </p:blipFill>
-        <p:spPr>
-          <a:xfrm>
-            <a:off x="5786322" y="2967993"/>
-            <a:ext cx="5932299" cy="5522929"/>
-          </a:xfrm>
-          <a:prstGeom prst="rect">
-            <a:avLst/>
-          </a:prstGeom>
-        </p:spPr>
-      </p:pic>
-      <p:pic>
-        <p:nvPicPr>
-          <p:cNvPr id="10" name="Picture 9" descr="A blue and yellow snake logo&#10;&#10;Description automatically generated">
-            <a:extLst>
-              <a:ext uri="{FF2B5EF4-FFF2-40B4-BE49-F238E27FC236}">
-                <a16:creationId xmlns:a16="http://schemas.microsoft.com/office/drawing/2014/main" id="{8543FE77-32A7-251C-01A1-46ACB62A469C}"/>
-              </a:ext>
-            </a:extLst>
-          </p:cNvPr>
-          <p:cNvPicPr>
-            <a:picLocks noChangeAspect="1"/>
-          </p:cNvPicPr>
-          <p:nvPr/>
-        </p:nvPicPr>
-        <p:blipFill>
-          <a:blip r:embed="rId6">
-            <a:extLst>
-              <a:ext uri="{28A0092B-C50C-407E-A947-70E740481C1C}">
-                <a14:useLocalDpi xmlns:a14="http://schemas.microsoft.com/office/drawing/2010/main" val="0"/>
-              </a:ext>
-            </a:extLst>
-          </a:blip>
-          <a:stretch>
-            <a:fillRect/>
-          </a:stretch>
-        </p:blipFill>
-        <p:spPr>
-          <a:xfrm>
-            <a:off x="293499" y="3390900"/>
-            <a:ext cx="5105400" cy="5603177"/>
-          </a:xfrm>
-          <a:prstGeom prst="rect">
-            <a:avLst/>
-          </a:prstGeom>
-        </p:spPr>
-      </p:pic>
-    </p:spTree>
-    <p:extLst>
-      <p:ext uri="{BB962C8B-B14F-4D97-AF65-F5344CB8AC3E}">
-        <p14:creationId xmlns:p14="http://schemas.microsoft.com/office/powerpoint/2010/main" val="4278852698"/>
-      </p:ext>
-    </p:extLst>
-  </p:cSld>
-  <p:clrMapOvr>
-    <a:masterClrMapping/>
-  </p:clrMapOvr>
-</p:sld>
-</file>
-
-<file path=ppt/slides/slide25.xml><?xml version="1.0" encoding="utf-8"?>
-<p:sld xmlns:a="http://schemas.openxmlformats.org/drawingml/2006/main" xmlns:r="http://schemas.openxmlformats.org/officeDocument/2006/relationships" xmlns:p="http://schemas.openxmlformats.org/presentationml/2006/main">
-  <p:cSld>
-    <p:spTree>
-      <p:nvGrpSpPr>
-        <p:cNvPr id="1" name=""/>
-        <p:cNvGrpSpPr/>
-        <p:nvPr/>
-      </p:nvGrpSpPr>
-      <p:grpSpPr>
-        <a:xfrm>
-          <a:off x="0" y="0"/>
-          <a:ext cx="0" cy="0"/>
-          <a:chOff x="0" y="0"/>
-          <a:chExt cx="0" cy="0"/>
-        </a:xfrm>
-      </p:grpSpPr>
-      <p:sp>
-        <p:nvSpPr>
-          <p:cNvPr id="4" name="Rectangle 3"/>
-          <p:cNvSpPr/>
-          <p:nvPr/>
-        </p:nvSpPr>
-        <p:spPr>
-          <a:xfrm>
-            <a:off x="0" y="0"/>
-            <a:ext cx="18288000" cy="10287000"/>
-          </a:xfrm>
-          <a:prstGeom prst="rect">
-            <a:avLst/>
-          </a:prstGeom>
-          <a:solidFill>
-            <a:schemeClr val="bg1">
-              <a:lumMod val="50000"/>
-            </a:schemeClr>
-          </a:solidFill>
-          <a:ln>
-            <a:noFill/>
-          </a:ln>
-        </p:spPr>
-        <p:style>
-          <a:lnRef idx="2">
-            <a:schemeClr val="accent1">
-              <a:shade val="50000"/>
-            </a:schemeClr>
-          </a:lnRef>
-          <a:fillRef idx="1">
-            <a:schemeClr val="accent1"/>
-          </a:fillRef>
-          <a:effectRef idx="0">
-            <a:schemeClr val="accent1"/>
-          </a:effectRef>
-          <a:fontRef idx="minor">
-            <a:schemeClr val="lt1"/>
-          </a:fontRef>
-        </p:style>
-        <p:txBody>
-          <a:bodyPr rtlCol="0" anchor="ctr"/>
-          <a:lstStyle/>
-          <a:p>
-            <a:pPr algn="ctr"/>
-            <a:endParaRPr lang="en-US" sz="2700"/>
-          </a:p>
-        </p:txBody>
-      </p:sp>
-      <p:sp>
-        <p:nvSpPr>
-          <p:cNvPr id="5" name="TextBox 4"/>
-          <p:cNvSpPr txBox="1"/>
-          <p:nvPr/>
-        </p:nvSpPr>
-        <p:spPr>
-          <a:xfrm>
-            <a:off x="781292" y="590309"/>
-            <a:ext cx="15486926" cy="3139321"/>
-          </a:xfrm>
-          <a:prstGeom prst="rect">
-            <a:avLst/>
-          </a:prstGeom>
-          <a:noFill/>
-        </p:spPr>
-        <p:txBody>
-          <a:bodyPr wrap="square" rtlCol="0">
-            <a:spAutoFit/>
-          </a:bodyPr>
-          <a:lstStyle/>
-          <a:p>
-            <a:r>
-              <a:rPr lang="en-US" sz="9900" b="1" dirty="0">
-                <a:solidFill>
-                  <a:schemeClr val="bg1"/>
-                </a:solidFill>
-                <a:latin typeface="Normafixed Tryout" panose="00000409000000000000"/>
-              </a:rPr>
-              <a:t>Why Python + Copilot + Excel? </a:t>
-            </a:r>
-          </a:p>
-        </p:txBody>
-      </p:sp>
-      <p:pic>
-        <p:nvPicPr>
-          <p:cNvPr id="3" name="Picture 2" descr="A screenshot of a social media post&#10;&#10;AI-generated content may be incorrect.">
-            <a:extLst>
-              <a:ext uri="{FF2B5EF4-FFF2-40B4-BE49-F238E27FC236}">
-                <a16:creationId xmlns:a16="http://schemas.microsoft.com/office/drawing/2014/main" id="{C7653CFE-9F92-7113-BF61-7DAB94F9A586}"/>
-              </a:ext>
-            </a:extLst>
-          </p:cNvPr>
-          <p:cNvPicPr>
-            <a:picLocks noChangeAspect="1"/>
-          </p:cNvPicPr>
-          <p:nvPr/>
-        </p:nvPicPr>
-        <p:blipFill>
-          <a:blip r:embed="rId3">
-            <a:extLst>
-              <a:ext uri="{28A0092B-C50C-407E-A947-70E740481C1C}">
-                <a14:useLocalDpi xmlns:a14="http://schemas.microsoft.com/office/drawing/2010/main" val="0"/>
-              </a:ext>
-            </a:extLst>
-          </a:blip>
-          <a:srcRect l="11316" t="36253" r="22676" b="33992"/>
-          <a:stretch/>
-        </p:blipFill>
-        <p:spPr>
-          <a:xfrm>
-            <a:off x="12496800" y="6057900"/>
-            <a:ext cx="5449802" cy="2456672"/>
-          </a:xfrm>
-          <a:prstGeom prst="rect">
-            <a:avLst/>
-          </a:prstGeom>
-        </p:spPr>
-      </p:pic>
-      <p:pic>
-        <p:nvPicPr>
-          <p:cNvPr id="7" name="Picture 6">
-            <a:extLst>
-              <a:ext uri="{FF2B5EF4-FFF2-40B4-BE49-F238E27FC236}">
-                <a16:creationId xmlns:a16="http://schemas.microsoft.com/office/drawing/2014/main" id="{80C68F4E-3752-F903-C6B1-76A097DDBBEA}"/>
-              </a:ext>
-            </a:extLst>
-          </p:cNvPr>
-          <p:cNvPicPr>
-            <a:picLocks noChangeAspect="1"/>
-          </p:cNvPicPr>
-          <p:nvPr/>
-        </p:nvPicPr>
-        <p:blipFill>
-          <a:blip r:embed="rId4"/>
-          <a:stretch>
-            <a:fillRect/>
-          </a:stretch>
-        </p:blipFill>
-        <p:spPr>
-          <a:xfrm>
-            <a:off x="990600" y="4076700"/>
-            <a:ext cx="9982200" cy="5708539"/>
-          </a:xfrm>
-          <a:prstGeom prst="rect">
-            <a:avLst/>
-          </a:prstGeom>
-        </p:spPr>
-      </p:pic>
-    </p:spTree>
-    <p:extLst>
-      <p:ext uri="{BB962C8B-B14F-4D97-AF65-F5344CB8AC3E}">
-        <p14:creationId xmlns:p14="http://schemas.microsoft.com/office/powerpoint/2010/main" val="4027644425"/>
-      </p:ext>
-    </p:extLst>
-  </p:cSld>
-  <p:clrMapOvr>
-    <a:masterClrMapping/>
-  </p:clrMapOvr>
-</p:sld>
-</file>
-
-<file path=ppt/slides/slide26.xml><?xml version="1.0" encoding="utf-8"?>
-<p:sld xmlns:a="http://schemas.openxmlformats.org/drawingml/2006/main" xmlns:r="http://schemas.openxmlformats.org/officeDocument/2006/relationships" xmlns:p="http://schemas.openxmlformats.org/presentationml/2006/main">
-  <p:cSld>
-    <p:spTree>
-      <p:nvGrpSpPr>
-        <p:cNvPr id="1" name=""/>
-        <p:cNvGrpSpPr/>
-        <p:nvPr/>
-      </p:nvGrpSpPr>
-      <p:grpSpPr>
-        <a:xfrm>
-          <a:off x="0" y="0"/>
-          <a:ext cx="0" cy="0"/>
-          <a:chOff x="0" y="0"/>
-          <a:chExt cx="0" cy="0"/>
-        </a:xfrm>
-      </p:grpSpPr>
-      <p:sp>
-        <p:nvSpPr>
-          <p:cNvPr id="4" name="Rectangle 3"/>
-          <p:cNvSpPr/>
-          <p:nvPr/>
-        </p:nvSpPr>
-        <p:spPr>
-          <a:xfrm>
-            <a:off x="0" y="0"/>
-            <a:ext cx="18288000" cy="10287000"/>
-          </a:xfrm>
-          <a:prstGeom prst="rect">
-            <a:avLst/>
-          </a:prstGeom>
-          <a:solidFill>
-            <a:srgbClr val="CF3338"/>
-          </a:solidFill>
-          <a:ln>
-            <a:noFill/>
-          </a:ln>
-        </p:spPr>
-        <p:style>
-          <a:lnRef idx="2">
-            <a:schemeClr val="accent1">
-              <a:shade val="50000"/>
-            </a:schemeClr>
-          </a:lnRef>
-          <a:fillRef idx="1">
-            <a:schemeClr val="accent1"/>
-          </a:fillRef>
-          <a:effectRef idx="0">
-            <a:schemeClr val="accent1"/>
-          </a:effectRef>
-          <a:fontRef idx="minor">
-            <a:schemeClr val="lt1"/>
-          </a:fontRef>
-        </p:style>
-        <p:txBody>
-          <a:bodyPr rtlCol="0" anchor="ctr"/>
-          <a:lstStyle/>
-          <a:p>
-            <a:pPr algn="ctr"/>
-            <a:endParaRPr lang="en-US" sz="2700"/>
-          </a:p>
-        </p:txBody>
-      </p:sp>
-      <p:sp>
-        <p:nvSpPr>
-          <p:cNvPr id="5" name="TextBox 4"/>
-          <p:cNvSpPr txBox="1"/>
-          <p:nvPr/>
-        </p:nvSpPr>
-        <p:spPr>
-          <a:xfrm>
-            <a:off x="781292" y="590309"/>
-            <a:ext cx="15486926" cy="1615827"/>
-          </a:xfrm>
-          <a:prstGeom prst="rect">
-            <a:avLst/>
-          </a:prstGeom>
-          <a:noFill/>
-        </p:spPr>
-        <p:txBody>
-          <a:bodyPr wrap="square" rtlCol="0">
-            <a:spAutoFit/>
-          </a:bodyPr>
-          <a:lstStyle/>
-          <a:p>
-            <a:r>
-              <a:rPr lang="en-US" sz="9900" b="1" dirty="0">
-                <a:solidFill>
-                  <a:schemeClr val="bg1"/>
-                </a:solidFill>
-                <a:latin typeface="Normafixed Tryout" panose="00000409000000000000" pitchFamily="49" charset="0"/>
-              </a:rPr>
-              <a:t>Time for a demo….</a:t>
-            </a:r>
-          </a:p>
-        </p:txBody>
-      </p:sp>
-    </p:spTree>
-    <p:extLst>
-      <p:ext uri="{BB962C8B-B14F-4D97-AF65-F5344CB8AC3E}">
-        <p14:creationId xmlns:p14="http://schemas.microsoft.com/office/powerpoint/2010/main" val="499476257"/>
-      </p:ext>
-    </p:extLst>
-  </p:cSld>
-  <p:clrMapOvr>
-    <a:masterClrMapping/>
-  </p:clrMapOvr>
-</p:sld>
-</file>
-
-<file path=ppt/slides/slide27.xml><?xml version="1.0" encoding="utf-8"?>
-<p:sld xmlns:a="http://schemas.openxmlformats.org/drawingml/2006/main" xmlns:r="http://schemas.openxmlformats.org/officeDocument/2006/relationships" xmlns:p="http://schemas.openxmlformats.org/presentationml/2006/main">
-  <p:cSld>
-    <p:spTree>
-      <p:nvGrpSpPr>
-        <p:cNvPr id="1" name=""/>
-        <p:cNvGrpSpPr/>
-        <p:nvPr/>
-      </p:nvGrpSpPr>
-      <p:grpSpPr>
-        <a:xfrm>
-          <a:off x="0" y="0"/>
-          <a:ext cx="0" cy="0"/>
-          <a:chOff x="0" y="0"/>
-          <a:chExt cx="0" cy="0"/>
-        </a:xfrm>
-      </p:grpSpPr>
-      <p:sp>
-        <p:nvSpPr>
-          <p:cNvPr id="2" name="Title 1">
-            <a:extLst>
-              <a:ext uri="{FF2B5EF4-FFF2-40B4-BE49-F238E27FC236}">
-                <a16:creationId xmlns:a16="http://schemas.microsoft.com/office/drawing/2014/main" id="{43942A2F-0236-3C90-83A5-C98ADCC50CAC}"/>
-              </a:ext>
-            </a:extLst>
-          </p:cNvPr>
-          <p:cNvSpPr>
-            <a:spLocks noGrp="1"/>
-          </p:cNvSpPr>
-          <p:nvPr>
-            <p:ph type="title"/>
-          </p:nvPr>
-        </p:nvSpPr>
-        <p:spPr/>
-        <p:txBody>
-          <a:bodyPr/>
-          <a:lstStyle/>
-          <a:p>
-            <a:endParaRPr lang="en-US"/>
-          </a:p>
-        </p:txBody>
-      </p:sp>
-      <p:sp>
-        <p:nvSpPr>
-          <p:cNvPr id="3" name="Content Placeholder 2">
-            <a:extLst>
-              <a:ext uri="{FF2B5EF4-FFF2-40B4-BE49-F238E27FC236}">
-                <a16:creationId xmlns:a16="http://schemas.microsoft.com/office/drawing/2014/main" id="{35443616-125B-1B32-E7C0-F8CA62EE404C}"/>
-              </a:ext>
-            </a:extLst>
-          </p:cNvPr>
-          <p:cNvSpPr>
-            <a:spLocks noGrp="1"/>
-          </p:cNvSpPr>
-          <p:nvPr>
-            <p:ph idx="1"/>
-          </p:nvPr>
-        </p:nvSpPr>
-        <p:spPr/>
-        <p:txBody>
-          <a:bodyPr/>
-          <a:lstStyle/>
-          <a:p>
-            <a:endParaRPr lang="en-US"/>
-          </a:p>
-        </p:txBody>
-      </p:sp>
-      <mc:AlternateContent xmlns:mc="http://schemas.openxmlformats.org/markup-compatibility/2006">
-        <mc:Choice xmlns:we="http://schemas.microsoft.com/office/webextensions/webextension/2010/11" xmlns:pca="http://schemas.microsoft.com/office/powerpoint/2013/contentapp" Requires="we pca">
-          <p:graphicFrame>
-            <p:nvGraphicFramePr>
-              <p:cNvPr id="4" name="Add-in 3">
-                <a:extLst>
-                  <a:ext uri="{FF2B5EF4-FFF2-40B4-BE49-F238E27FC236}">
-                    <a16:creationId xmlns:a16="http://schemas.microsoft.com/office/drawing/2014/main" id="{3EA4D709-E8B6-D503-769E-C2259A61B4C2}"/>
-                  </a:ext>
-                </a:extLst>
-              </p:cNvPr>
-              <p:cNvGraphicFramePr>
-                <a:graphicFrameLocks noGrp="1"/>
-              </p:cNvGraphicFramePr>
-              <p:nvPr/>
-            </p:nvGraphicFramePr>
-            <p:xfrm>
-              <a:off x="0" y="0"/>
-              <a:ext cx="18288000" cy="10287000"/>
-            </p:xfrm>
-            <a:graphic>
-              <a:graphicData uri="http://schemas.microsoft.com/office/webextensions/webextension/2010/11">
-                <we:webextensionref xmlns:we="http://schemas.microsoft.com/office/webextensions/webextension/2010/11" xmlns:r="http://schemas.openxmlformats.org/officeDocument/2006/relationships" r:id="rId2"/>
-              </a:graphicData>
-            </a:graphic>
-          </p:graphicFrame>
-        </mc:Choice>
-        <mc:Fallback>
-          <p:pic>
-            <p:nvPicPr>
-              <p:cNvPr id="4" name="Add-in 3">
-                <a:extLst>
-                  <a:ext uri="{FF2B5EF4-FFF2-40B4-BE49-F238E27FC236}">
-                    <a16:creationId xmlns:a16="http://schemas.microsoft.com/office/drawing/2014/main" id="{3EA4D709-E8B6-D503-769E-C2259A61B4C2}"/>
-                  </a:ext>
-                </a:extLst>
-              </p:cNvPr>
-              <p:cNvPicPr>
-                <a:picLocks noGrp="1" noRot="1" noChangeAspect="1" noMove="1" noResize="1" noEditPoints="1" noAdjustHandles="1" noChangeArrowheads="1" noChangeShapeType="1"/>
-              </p:cNvPicPr>
-              <p:nvPr/>
-            </p:nvPicPr>
-            <p:blipFill>
-              <a:blip r:embed="rId3"/>
-              <a:stretch>
-                <a:fillRect/>
-              </a:stretch>
-            </p:blipFill>
-            <p:spPr>
-              <a:xfrm>
-                <a:off x="0" y="0"/>
-                <a:ext cx="18288000" cy="10287000"/>
-              </a:xfrm>
-              <a:prstGeom prst="rect">
-                <a:avLst/>
-              </a:prstGeom>
-            </p:spPr>
-          </p:pic>
-        </mc:Fallback>
-      </mc:AlternateContent>
-    </p:spTree>
-    <p:extLst>
-      <p:ext uri="{BB962C8B-B14F-4D97-AF65-F5344CB8AC3E}">
-        <p14:creationId xmlns:p14="http://schemas.microsoft.com/office/powerpoint/2010/main" val="2267041405"/>
-      </p:ext>
-    </p:extLst>
-  </p:cSld>
-  <p:clrMapOvr>
-    <a:masterClrMapping/>
-  </p:clrMapOvr>
-</p:sld>
-</file>
-
-<file path=ppt/slides/slide28.xml><?xml version="1.0" encoding="utf-8"?>
-<p:sld xmlns:a="http://schemas.openxmlformats.org/drawingml/2006/main" xmlns:r="http://schemas.openxmlformats.org/officeDocument/2006/relationships" xmlns:p="http://schemas.openxmlformats.org/presentationml/2006/main">
-  <p:cSld>
-    <p:spTree>
-      <p:nvGrpSpPr>
-        <p:cNvPr id="1" name="">
-          <a:extLst>
-            <a:ext uri="{FF2B5EF4-FFF2-40B4-BE49-F238E27FC236}">
-              <a16:creationId xmlns:a16="http://schemas.microsoft.com/office/drawing/2014/main" id="{0440A484-D799-E7C5-746B-5D4186690A7C}"/>
-            </a:ext>
-          </a:extLst>
-        </p:cNvPr>
-        <p:cNvGrpSpPr/>
-        <p:nvPr/>
-      </p:nvGrpSpPr>
-      <p:grpSpPr>
-        <a:xfrm>
-          <a:off x="0" y="0"/>
-          <a:ext cx="0" cy="0"/>
-          <a:chOff x="0" y="0"/>
-          <a:chExt cx="0" cy="0"/>
-        </a:xfrm>
-      </p:grpSpPr>
-      <p:sp>
-        <p:nvSpPr>
-          <p:cNvPr id="11" name="TextBox 10">
-            <a:extLst>
-              <a:ext uri="{FF2B5EF4-FFF2-40B4-BE49-F238E27FC236}">
-                <a16:creationId xmlns:a16="http://schemas.microsoft.com/office/drawing/2014/main" id="{90FB1869-0BB6-A5E1-C306-E3FCC05D0AF0}"/>
-              </a:ext>
-            </a:extLst>
-          </p:cNvPr>
-          <p:cNvSpPr txBox="1"/>
-          <p:nvPr/>
-        </p:nvSpPr>
-        <p:spPr>
-          <a:xfrm>
-            <a:off x="520861" y="170082"/>
-            <a:ext cx="11979797" cy="1477328"/>
-          </a:xfrm>
-          <a:prstGeom prst="rect">
-            <a:avLst/>
-          </a:prstGeom>
-          <a:noFill/>
-        </p:spPr>
-        <p:txBody>
-          <a:bodyPr wrap="square" rtlCol="0">
-            <a:spAutoFit/>
-          </a:bodyPr>
-          <a:lstStyle/>
-          <a:p>
-            <a:r>
-              <a:rPr lang="en-US" sz="9000" dirty="0">
-                <a:latin typeface="Aliens &amp; cows" panose="00000500000000000000" pitchFamily="2" charset="0"/>
-              </a:rPr>
-              <a:t>The future of Excel?</a:t>
-            </a:r>
-          </a:p>
-        </p:txBody>
-      </p:sp>
-      <p:pic>
-        <p:nvPicPr>
-          <p:cNvPr id="15" name="Picture 14" descr="A close up of a sign&#10;&#10;Description automatically generated">
-            <a:extLst>
-              <a:ext uri="{FF2B5EF4-FFF2-40B4-BE49-F238E27FC236}">
-                <a16:creationId xmlns:a16="http://schemas.microsoft.com/office/drawing/2014/main" id="{5C3FC969-6967-08A2-5253-5B1B6302B7F5}"/>
-              </a:ext>
-            </a:extLst>
-          </p:cNvPr>
-          <p:cNvPicPr>
-            <a:picLocks noChangeAspect="1"/>
-          </p:cNvPicPr>
-          <p:nvPr/>
-        </p:nvPicPr>
-        <p:blipFill>
-          <a:blip r:embed="rId2">
-            <a:extLst>
-              <a:ext uri="{28A0092B-C50C-407E-A947-70E740481C1C}">
-                <a14:useLocalDpi xmlns:a14="http://schemas.microsoft.com/office/drawing/2010/main" val="0"/>
-              </a:ext>
-            </a:extLst>
-          </a:blip>
-          <a:stretch>
-            <a:fillRect/>
-          </a:stretch>
-        </p:blipFill>
-        <p:spPr>
-          <a:xfrm>
-            <a:off x="16341036" y="8058429"/>
-            <a:ext cx="1942857" cy="2228571"/>
-          </a:xfrm>
-          <a:prstGeom prst="rect">
-            <a:avLst/>
-          </a:prstGeom>
-        </p:spPr>
-      </p:pic>
-      <p:graphicFrame>
-        <p:nvGraphicFramePr>
-          <p:cNvPr id="5" name="Table 4">
-            <a:extLst>
-              <a:ext uri="{FF2B5EF4-FFF2-40B4-BE49-F238E27FC236}">
-                <a16:creationId xmlns:a16="http://schemas.microsoft.com/office/drawing/2014/main" id="{92345F00-ADBC-88B3-7317-DF9E88D416ED}"/>
-              </a:ext>
-            </a:extLst>
-          </p:cNvPr>
-          <p:cNvGraphicFramePr>
-            <a:graphicFrameLocks noGrp="1"/>
-          </p:cNvGraphicFramePr>
-          <p:nvPr>
-            <p:extLst>
-              <p:ext uri="{D42A27DB-BD31-4B8C-83A1-F6EECF244321}">
-                <p14:modId xmlns:p14="http://schemas.microsoft.com/office/powerpoint/2010/main" val="2513387097"/>
-              </p:ext>
-            </p:extLst>
-          </p:nvPr>
-        </p:nvGraphicFramePr>
-        <p:xfrm>
-          <a:off x="228600" y="2139278"/>
-          <a:ext cx="16112436" cy="4968405"/>
-        </p:xfrm>
-        <a:graphic>
-          <a:graphicData uri="http://schemas.openxmlformats.org/drawingml/2006/table">
-            <a:tbl>
-              <a:tblPr>
-                <a:tableStyleId>{2D5ABB26-0587-4C30-8999-92F81FD0307C}</a:tableStyleId>
-              </a:tblPr>
-              <a:tblGrid>
-                <a:gridCol w="2829502">
-                  <a:extLst>
-                    <a:ext uri="{9D8B030D-6E8A-4147-A177-3AD203B41FA5}">
-                      <a16:colId xmlns:a16="http://schemas.microsoft.com/office/drawing/2014/main" val="1525359229"/>
-                    </a:ext>
-                  </a:extLst>
-                </a:gridCol>
-                <a:gridCol w="7912122">
-                  <a:extLst>
-                    <a:ext uri="{9D8B030D-6E8A-4147-A177-3AD203B41FA5}">
-                      <a16:colId xmlns:a16="http://schemas.microsoft.com/office/drawing/2014/main" val="2538730899"/>
-                    </a:ext>
-                  </a:extLst>
-                </a:gridCol>
-                <a:gridCol w="5370812">
-                  <a:extLst>
-                    <a:ext uri="{9D8B030D-6E8A-4147-A177-3AD203B41FA5}">
-                      <a16:colId xmlns:a16="http://schemas.microsoft.com/office/drawing/2014/main" val="3469586132"/>
-                    </a:ext>
-                  </a:extLst>
-                </a:gridCol>
-              </a:tblGrid>
-              <a:tr h="410762">
-                <a:tc>
-                  <a:txBody>
-                    <a:bodyPr/>
-                    <a:lstStyle/>
-                    <a:p>
-                      <a:r>
-                        <a:rPr lang="en-US" sz="2800" b="1"/>
-                        <a:t>Tool</a:t>
-                      </a:r>
-                      <a:endParaRPr lang="en-US" sz="2800"/>
-                    </a:p>
-                  </a:txBody>
-                  <a:tcPr marL="59552" marR="59552" marT="29776" marB="29776" anchor="ctr">
-                    <a:lnL w="12700" cap="flat" cmpd="sng" algn="ctr">
-                      <a:solidFill>
-                        <a:schemeClr val="tx1"/>
-                      </a:solidFill>
-                      <a:prstDash val="solid"/>
-                      <a:round/>
-                      <a:headEnd type="none" w="med" len="med"/>
-                      <a:tailEnd type="none" w="med" len="med"/>
-                    </a:lnL>
-                    <a:lnR w="12700" cap="flat" cmpd="sng" algn="ctr">
-                      <a:solidFill>
-                        <a:schemeClr val="tx1"/>
-                      </a:solidFill>
-                      <a:prstDash val="solid"/>
-                      <a:round/>
-                      <a:headEnd type="none" w="med" len="med"/>
-                      <a:tailEnd type="none" w="med" len="med"/>
-                    </a:lnR>
-                    <a:lnT w="12700" cap="flat" cmpd="sng" algn="ctr">
-                      <a:solidFill>
-                        <a:schemeClr val="tx1"/>
-                      </a:solidFill>
-                      <a:prstDash val="solid"/>
-                      <a:round/>
-                      <a:headEnd type="none" w="med" len="med"/>
-                      <a:tailEnd type="none" w="med" len="med"/>
-                    </a:lnT>
-                    <a:lnB w="12700" cap="flat" cmpd="sng" algn="ctr">
-                      <a:solidFill>
-                        <a:schemeClr val="tx1"/>
-                      </a:solidFill>
-                      <a:prstDash val="solid"/>
-                      <a:round/>
-                      <a:headEnd type="none" w="med" len="med"/>
-                      <a:tailEnd type="none" w="med" len="med"/>
-                    </a:lnB>
-                  </a:tcPr>
-                </a:tc>
-                <a:tc>
-                  <a:txBody>
-                    <a:bodyPr/>
-                    <a:lstStyle/>
-                    <a:p>
-                      <a:r>
-                        <a:rPr lang="en-US" sz="2800" b="1"/>
-                        <a:t>Primary Functions</a:t>
-                      </a:r>
-                      <a:endParaRPr lang="en-US" sz="2800"/>
-                    </a:p>
-                  </a:txBody>
-                  <a:tcPr marL="59552" marR="59552" marT="29776" marB="29776" anchor="ctr">
-                    <a:lnL w="12700" cap="flat" cmpd="sng" algn="ctr">
-                      <a:solidFill>
-                        <a:schemeClr val="tx1"/>
-                      </a:solidFill>
-                      <a:prstDash val="solid"/>
-                      <a:round/>
-                      <a:headEnd type="none" w="med" len="med"/>
-                      <a:tailEnd type="none" w="med" len="med"/>
-                    </a:lnL>
-                    <a:lnR w="12700" cap="flat" cmpd="sng" algn="ctr">
-                      <a:solidFill>
-                        <a:schemeClr val="tx1"/>
-                      </a:solidFill>
-                      <a:prstDash val="solid"/>
-                      <a:round/>
-                      <a:headEnd type="none" w="med" len="med"/>
-                      <a:tailEnd type="none" w="med" len="med"/>
-                    </a:lnR>
-                    <a:lnT w="12700" cap="flat" cmpd="sng" algn="ctr">
-                      <a:solidFill>
-                        <a:schemeClr val="tx1"/>
-                      </a:solidFill>
-                      <a:prstDash val="solid"/>
-                      <a:round/>
-                      <a:headEnd type="none" w="med" len="med"/>
-                      <a:tailEnd type="none" w="med" len="med"/>
-                    </a:lnT>
-                    <a:lnB w="12700" cap="flat" cmpd="sng" algn="ctr">
-                      <a:solidFill>
-                        <a:schemeClr val="tx1"/>
-                      </a:solidFill>
-                      <a:prstDash val="solid"/>
-                      <a:round/>
-                      <a:headEnd type="none" w="med" len="med"/>
-                      <a:tailEnd type="none" w="med" len="med"/>
-                    </a:lnB>
-                  </a:tcPr>
-                </a:tc>
-                <a:tc>
-                  <a:txBody>
-                    <a:bodyPr/>
-                    <a:lstStyle/>
-                    <a:p>
-                      <a:r>
-                        <a:rPr lang="en-US" sz="2800" b="1"/>
-                        <a:t>Strengths</a:t>
-                      </a:r>
-                      <a:endParaRPr lang="en-US" sz="2800"/>
-                    </a:p>
-                  </a:txBody>
-                  <a:tcPr marL="59552" marR="59552" marT="29776" marB="29776" anchor="ctr">
-                    <a:lnL w="12700" cap="flat" cmpd="sng" algn="ctr">
-                      <a:solidFill>
-                        <a:schemeClr val="tx1"/>
-                      </a:solidFill>
-                      <a:prstDash val="solid"/>
-                      <a:round/>
-                      <a:headEnd type="none" w="med" len="med"/>
-                      <a:tailEnd type="none" w="med" len="med"/>
-                    </a:lnL>
-                    <a:lnR w="12700" cap="flat" cmpd="sng" algn="ctr">
-                      <a:solidFill>
-                        <a:schemeClr val="tx1"/>
-                      </a:solidFill>
-                      <a:prstDash val="solid"/>
-                      <a:round/>
-                      <a:headEnd type="none" w="med" len="med"/>
-                      <a:tailEnd type="none" w="med" len="med"/>
-                    </a:lnR>
-                    <a:lnT w="12700" cap="flat" cmpd="sng" algn="ctr">
-                      <a:solidFill>
-                        <a:schemeClr val="tx1"/>
-                      </a:solidFill>
-                      <a:prstDash val="solid"/>
-                      <a:round/>
-                      <a:headEnd type="none" w="med" len="med"/>
-                      <a:tailEnd type="none" w="med" len="med"/>
-                    </a:lnT>
-                    <a:lnB w="12700" cap="flat" cmpd="sng" algn="ctr">
-                      <a:solidFill>
-                        <a:schemeClr val="tx1"/>
-                      </a:solidFill>
-                      <a:prstDash val="solid"/>
-                      <a:round/>
-                      <a:headEnd type="none" w="med" len="med"/>
-                      <a:tailEnd type="none" w="med" len="med"/>
-                    </a:lnB>
-                  </a:tcPr>
-                </a:tc>
-                <a:extLst>
-                  <a:ext uri="{0D108BD9-81ED-4DB2-BD59-A6C34878D82A}">
-                    <a16:rowId xmlns:a16="http://schemas.microsoft.com/office/drawing/2014/main" val="2831305640"/>
-                  </a:ext>
-                </a:extLst>
-              </a:tr>
-              <a:tr h="2607127">
-                <a:tc>
-                  <a:txBody>
-                    <a:bodyPr/>
-                    <a:lstStyle/>
-                    <a:p>
-                      <a:r>
-                        <a:rPr lang="en-US" sz="2800" b="1" dirty="0"/>
-                        <a:t>Python</a:t>
-                      </a:r>
-                      <a:endParaRPr lang="en-US" sz="2800" dirty="0"/>
-                    </a:p>
-                  </a:txBody>
-                  <a:tcPr marL="59552" marR="59552" marT="29776" marB="29776" anchor="ctr">
-                    <a:lnL w="12700" cap="flat" cmpd="sng" algn="ctr">
-                      <a:solidFill>
-                        <a:schemeClr val="tx1"/>
-                      </a:solidFill>
-                      <a:prstDash val="solid"/>
-                      <a:round/>
-                      <a:headEnd type="none" w="med" len="med"/>
-                      <a:tailEnd type="none" w="med" len="med"/>
-                    </a:lnL>
-                    <a:lnR w="12700" cap="flat" cmpd="sng" algn="ctr">
-                      <a:solidFill>
-                        <a:schemeClr val="tx1"/>
-                      </a:solidFill>
-                      <a:prstDash val="solid"/>
-                      <a:round/>
-                      <a:headEnd type="none" w="med" len="med"/>
-                      <a:tailEnd type="none" w="med" len="med"/>
-                    </a:lnR>
-                    <a:lnT w="12700" cap="flat" cmpd="sng" algn="ctr">
-                      <a:solidFill>
-                        <a:schemeClr val="tx1"/>
-                      </a:solidFill>
-                      <a:prstDash val="solid"/>
-                      <a:round/>
-                      <a:headEnd type="none" w="med" len="med"/>
-                      <a:tailEnd type="none" w="med" len="med"/>
-                    </a:lnT>
-                    <a:lnB w="12700" cap="flat" cmpd="sng" algn="ctr">
-                      <a:solidFill>
-                        <a:schemeClr val="tx1"/>
-                      </a:solidFill>
-                      <a:prstDash val="solid"/>
-                      <a:round/>
-                      <a:headEnd type="none" w="med" len="med"/>
-                      <a:tailEnd type="none" w="med" len="med"/>
-                    </a:lnB>
-                  </a:tcPr>
-                </a:tc>
-                <a:tc>
-                  <a:txBody>
-                    <a:bodyPr/>
-                    <a:lstStyle/>
-                    <a:p>
-                      <a:r>
-                        <a:rPr lang="en-US" sz="2800" dirty="0"/>
-                        <a:t>Backend data analysis, advanced charting, machine learning</a:t>
-                      </a:r>
-                    </a:p>
-                  </a:txBody>
-                  <a:tcPr marL="59552" marR="59552" marT="29776" marB="29776" anchor="ctr">
-                    <a:lnL w="12700" cap="flat" cmpd="sng" algn="ctr">
-                      <a:solidFill>
-                        <a:schemeClr val="tx1"/>
-                      </a:solidFill>
-                      <a:prstDash val="solid"/>
-                      <a:round/>
-                      <a:headEnd type="none" w="med" len="med"/>
-                      <a:tailEnd type="none" w="med" len="med"/>
-                    </a:lnL>
-                    <a:lnR w="12700" cap="flat" cmpd="sng" algn="ctr">
-                      <a:solidFill>
-                        <a:schemeClr val="tx1"/>
-                      </a:solidFill>
-                      <a:prstDash val="solid"/>
-                      <a:round/>
-                      <a:headEnd type="none" w="med" len="med"/>
-                      <a:tailEnd type="none" w="med" len="med"/>
-                    </a:lnR>
-                    <a:lnT w="12700" cap="flat" cmpd="sng" algn="ctr">
-                      <a:solidFill>
-                        <a:schemeClr val="tx1"/>
-                      </a:solidFill>
-                      <a:prstDash val="solid"/>
-                      <a:round/>
-                      <a:headEnd type="none" w="med" len="med"/>
-                      <a:tailEnd type="none" w="med" len="med"/>
-                    </a:lnT>
-                    <a:lnB w="12700" cap="flat" cmpd="sng" algn="ctr">
-                      <a:solidFill>
-                        <a:schemeClr val="tx1"/>
-                      </a:solidFill>
-                      <a:prstDash val="solid"/>
-                      <a:round/>
-                      <a:headEnd type="none" w="med" len="med"/>
-                      <a:tailEnd type="none" w="med" len="med"/>
-                    </a:lnB>
-                  </a:tcPr>
-                </a:tc>
-                <a:tc>
-                  <a:txBody>
-                    <a:bodyPr/>
-                    <a:lstStyle/>
-                    <a:p>
-                      <a:r>
-                        <a:rPr lang="en-US" sz="2800" dirty="0"/>
-                        <a:t>Powerful data manipulation with libraries like pandas, extensive visualization options with libraries like matplotlib and seaborn</a:t>
-                      </a:r>
-                    </a:p>
-                  </a:txBody>
-                  <a:tcPr marL="59552" marR="59552" marT="29776" marB="29776" anchor="ctr">
-                    <a:lnL w="12700" cap="flat" cmpd="sng" algn="ctr">
-                      <a:solidFill>
-                        <a:schemeClr val="tx1"/>
-                      </a:solidFill>
-                      <a:prstDash val="solid"/>
-                      <a:round/>
-                      <a:headEnd type="none" w="med" len="med"/>
-                      <a:tailEnd type="none" w="med" len="med"/>
-                    </a:lnL>
-                    <a:lnR w="12700" cap="flat" cmpd="sng" algn="ctr">
-                      <a:solidFill>
-                        <a:schemeClr val="tx1"/>
-                      </a:solidFill>
-                      <a:prstDash val="solid"/>
-                      <a:round/>
-                      <a:headEnd type="none" w="med" len="med"/>
-                      <a:tailEnd type="none" w="med" len="med"/>
-                    </a:lnR>
-                    <a:lnT w="12700" cap="flat" cmpd="sng" algn="ctr">
-                      <a:solidFill>
-                        <a:schemeClr val="tx1"/>
-                      </a:solidFill>
-                      <a:prstDash val="solid"/>
-                      <a:round/>
-                      <a:headEnd type="none" w="med" len="med"/>
-                      <a:tailEnd type="none" w="med" len="med"/>
-                    </a:lnT>
-                    <a:lnB w="12700" cap="flat" cmpd="sng" algn="ctr">
-                      <a:solidFill>
-                        <a:schemeClr val="tx1"/>
-                      </a:solidFill>
-                      <a:prstDash val="solid"/>
-                      <a:round/>
-                      <a:headEnd type="none" w="med" len="med"/>
-                      <a:tailEnd type="none" w="med" len="med"/>
-                    </a:lnB>
-                  </a:tcPr>
-                </a:tc>
-                <a:extLst>
-                  <a:ext uri="{0D108BD9-81ED-4DB2-BD59-A6C34878D82A}">
-                    <a16:rowId xmlns:a16="http://schemas.microsoft.com/office/drawing/2014/main" val="47735761"/>
-                  </a:ext>
-                </a:extLst>
-              </a:tr>
-              <a:tr h="1875006">
-                <a:tc>
-                  <a:txBody>
-                    <a:bodyPr/>
-                    <a:lstStyle/>
-                    <a:p>
-                      <a:r>
-                        <a:rPr lang="en-US" sz="2800" b="1"/>
-                        <a:t>Excel</a:t>
-                      </a:r>
-                      <a:endParaRPr lang="en-US" sz="2800"/>
-                    </a:p>
-                  </a:txBody>
-                  <a:tcPr marL="59552" marR="59552" marT="29776" marB="29776" anchor="ctr">
-                    <a:lnL w="12700" cap="flat" cmpd="sng" algn="ctr">
-                      <a:solidFill>
-                        <a:schemeClr val="tx1"/>
-                      </a:solidFill>
-                      <a:prstDash val="solid"/>
-                      <a:round/>
-                      <a:headEnd type="none" w="med" len="med"/>
-                      <a:tailEnd type="none" w="med" len="med"/>
-                    </a:lnL>
-                    <a:lnR w="12700" cap="flat" cmpd="sng" algn="ctr">
-                      <a:solidFill>
-                        <a:schemeClr val="tx1"/>
-                      </a:solidFill>
-                      <a:prstDash val="solid"/>
-                      <a:round/>
-                      <a:headEnd type="none" w="med" len="med"/>
-                      <a:tailEnd type="none" w="med" len="med"/>
-                    </a:lnR>
-                    <a:lnT w="12700" cap="flat" cmpd="sng" algn="ctr">
-                      <a:solidFill>
-                        <a:schemeClr val="tx1"/>
-                      </a:solidFill>
-                      <a:prstDash val="solid"/>
-                      <a:round/>
-                      <a:headEnd type="none" w="med" len="med"/>
-                      <a:tailEnd type="none" w="med" len="med"/>
-                    </a:lnT>
-                    <a:lnB w="12700" cap="flat" cmpd="sng" algn="ctr">
-                      <a:solidFill>
-                        <a:schemeClr val="tx1"/>
-                      </a:solidFill>
-                      <a:prstDash val="solid"/>
-                      <a:round/>
-                      <a:headEnd type="none" w="med" len="med"/>
-                      <a:tailEnd type="none" w="med" len="med"/>
-                    </a:lnB>
-                  </a:tcPr>
-                </a:tc>
-                <a:tc>
-                  <a:txBody>
-                    <a:bodyPr/>
-                    <a:lstStyle/>
-                    <a:p>
-                      <a:r>
-                        <a:rPr lang="en-US" sz="2800" dirty="0"/>
-                        <a:t>Frontend formatting, usability, interactive dashboards</a:t>
-                      </a:r>
-                    </a:p>
-                  </a:txBody>
-                  <a:tcPr marL="59552" marR="59552" marT="29776" marB="29776" anchor="ctr">
-                    <a:lnL w="12700" cap="flat" cmpd="sng" algn="ctr">
-                      <a:solidFill>
-                        <a:schemeClr val="tx1"/>
-                      </a:solidFill>
-                      <a:prstDash val="solid"/>
-                      <a:round/>
-                      <a:headEnd type="none" w="med" len="med"/>
-                      <a:tailEnd type="none" w="med" len="med"/>
-                    </a:lnL>
-                    <a:lnR w="12700" cap="flat" cmpd="sng" algn="ctr">
-                      <a:solidFill>
-                        <a:schemeClr val="tx1"/>
-                      </a:solidFill>
-                      <a:prstDash val="solid"/>
-                      <a:round/>
-                      <a:headEnd type="none" w="med" len="med"/>
-                      <a:tailEnd type="none" w="med" len="med"/>
-                    </a:lnR>
-                    <a:lnT w="12700" cap="flat" cmpd="sng" algn="ctr">
-                      <a:solidFill>
-                        <a:schemeClr val="tx1"/>
-                      </a:solidFill>
-                      <a:prstDash val="solid"/>
-                      <a:round/>
-                      <a:headEnd type="none" w="med" len="med"/>
-                      <a:tailEnd type="none" w="med" len="med"/>
-                    </a:lnT>
-                    <a:lnB w="12700" cap="flat" cmpd="sng" algn="ctr">
-                      <a:solidFill>
-                        <a:schemeClr val="tx1"/>
-                      </a:solidFill>
-                      <a:prstDash val="solid"/>
-                      <a:round/>
-                      <a:headEnd type="none" w="med" len="med"/>
-                      <a:tailEnd type="none" w="med" len="med"/>
-                    </a:lnB>
-                  </a:tcPr>
-                </a:tc>
-                <a:tc>
-                  <a:txBody>
-                    <a:bodyPr/>
-                    <a:lstStyle/>
-                    <a:p>
-                      <a:r>
-                        <a:rPr lang="en-US" sz="2800" dirty="0"/>
-                        <a:t>User-friendly interface, widespread usage, well-suited for formatting and presentation</a:t>
-                      </a:r>
-                    </a:p>
-                  </a:txBody>
-                  <a:tcPr marL="59552" marR="59552" marT="29776" marB="29776" anchor="ctr">
-                    <a:lnL w="12700" cap="flat" cmpd="sng" algn="ctr">
-                      <a:solidFill>
-                        <a:schemeClr val="tx1"/>
-                      </a:solidFill>
-                      <a:prstDash val="solid"/>
-                      <a:round/>
-                      <a:headEnd type="none" w="med" len="med"/>
-                      <a:tailEnd type="none" w="med" len="med"/>
-                    </a:lnL>
-                    <a:lnR w="12700" cap="flat" cmpd="sng" algn="ctr">
-                      <a:solidFill>
-                        <a:schemeClr val="tx1"/>
-                      </a:solidFill>
-                      <a:prstDash val="solid"/>
-                      <a:round/>
-                      <a:headEnd type="none" w="med" len="med"/>
-                      <a:tailEnd type="none" w="med" len="med"/>
-                    </a:lnR>
-                    <a:lnT w="12700" cap="flat" cmpd="sng" algn="ctr">
-                      <a:solidFill>
-                        <a:schemeClr val="tx1"/>
-                      </a:solidFill>
-                      <a:prstDash val="solid"/>
-                      <a:round/>
-                      <a:headEnd type="none" w="med" len="med"/>
-                      <a:tailEnd type="none" w="med" len="med"/>
-                    </a:lnT>
-                    <a:lnB w="12700" cap="flat" cmpd="sng" algn="ctr">
-                      <a:solidFill>
-                        <a:schemeClr val="tx1"/>
-                      </a:solidFill>
-                      <a:prstDash val="solid"/>
-                      <a:round/>
-                      <a:headEnd type="none" w="med" len="med"/>
-                      <a:tailEnd type="none" w="med" len="med"/>
-                    </a:lnB>
-                  </a:tcPr>
-                </a:tc>
-                <a:extLst>
-                  <a:ext uri="{0D108BD9-81ED-4DB2-BD59-A6C34878D82A}">
-                    <a16:rowId xmlns:a16="http://schemas.microsoft.com/office/drawing/2014/main" val="715534459"/>
-                  </a:ext>
-                </a:extLst>
-              </a:tr>
-            </a:tbl>
-          </a:graphicData>
-        </a:graphic>
-      </p:graphicFrame>
-    </p:spTree>
-    <p:extLst>
-      <p:ext uri="{BB962C8B-B14F-4D97-AF65-F5344CB8AC3E}">
-        <p14:creationId xmlns:p14="http://schemas.microsoft.com/office/powerpoint/2010/main" val="401551492"/>
-      </p:ext>
-    </p:extLst>
-  </p:cSld>
-  <p:clrMapOvr>
-    <a:masterClrMapping/>
-  </p:clrMapOvr>
-</p:sld>
-</file>
-
-<file path=ppt/slides/slide29.xml><?xml version="1.0" encoding="utf-8"?>
-<p:sld xmlns:a="http://schemas.openxmlformats.org/drawingml/2006/main" xmlns:r="http://schemas.openxmlformats.org/officeDocument/2006/relationships" xmlns:p="http://schemas.openxmlformats.org/presentationml/2006/main">
-  <p:cSld>
-    <p:spTree>
-      <p:nvGrpSpPr>
-        <p:cNvPr id="1" name="">
-          <a:extLst>
-            <a:ext uri="{FF2B5EF4-FFF2-40B4-BE49-F238E27FC236}">
-              <a16:creationId xmlns:a16="http://schemas.microsoft.com/office/drawing/2014/main" id="{450D0DC3-67D5-0E3D-5709-F59B076E05E9}"/>
-            </a:ext>
-          </a:extLst>
-        </p:cNvPr>
-        <p:cNvGrpSpPr/>
-        <p:nvPr/>
-      </p:nvGrpSpPr>
-      <p:grpSpPr>
-        <a:xfrm>
-          <a:off x="0" y="0"/>
-          <a:ext cx="0" cy="0"/>
-          <a:chOff x="0" y="0"/>
-          <a:chExt cx="0" cy="0"/>
-        </a:xfrm>
-      </p:grpSpPr>
-      <p:sp>
-        <p:nvSpPr>
-          <p:cNvPr id="11" name="TextBox 10">
-            <a:extLst>
-              <a:ext uri="{FF2B5EF4-FFF2-40B4-BE49-F238E27FC236}">
-                <a16:creationId xmlns:a16="http://schemas.microsoft.com/office/drawing/2014/main" id="{3E21CB5F-34C3-B88E-0647-36BB6FDBA426}"/>
-              </a:ext>
-            </a:extLst>
-          </p:cNvPr>
-          <p:cNvSpPr txBox="1"/>
-          <p:nvPr/>
-        </p:nvSpPr>
-        <p:spPr>
-          <a:xfrm>
-            <a:off x="520861" y="170082"/>
-            <a:ext cx="11979797" cy="1477328"/>
-          </a:xfrm>
-          <a:prstGeom prst="rect">
-            <a:avLst/>
-          </a:prstGeom>
-          <a:noFill/>
-        </p:spPr>
-        <p:txBody>
-          <a:bodyPr wrap="square" rtlCol="0">
-            <a:spAutoFit/>
-          </a:bodyPr>
-          <a:lstStyle/>
-          <a:p>
-            <a:r>
-              <a:rPr lang="en-US" sz="9000" dirty="0">
-                <a:latin typeface="Aliens &amp; cows" panose="00000500000000000000" pitchFamily="2" charset="0"/>
-              </a:rPr>
-              <a:t>The future of Excel?</a:t>
-            </a:r>
-          </a:p>
-        </p:txBody>
-      </p:sp>
-      <p:pic>
-        <p:nvPicPr>
-          <p:cNvPr id="15" name="Picture 14" descr="A close up of a sign&#10;&#10;Description automatically generated">
-            <a:extLst>
-              <a:ext uri="{FF2B5EF4-FFF2-40B4-BE49-F238E27FC236}">
-                <a16:creationId xmlns:a16="http://schemas.microsoft.com/office/drawing/2014/main" id="{8F74ECB3-0458-4F14-03F9-31874FA4E2D4}"/>
-              </a:ext>
-            </a:extLst>
-          </p:cNvPr>
-          <p:cNvPicPr>
-            <a:picLocks noChangeAspect="1"/>
-          </p:cNvPicPr>
-          <p:nvPr/>
-        </p:nvPicPr>
-        <p:blipFill>
-          <a:blip r:embed="rId3">
-            <a:extLst>
-              <a:ext uri="{28A0092B-C50C-407E-A947-70E740481C1C}">
-                <a14:useLocalDpi xmlns:a14="http://schemas.microsoft.com/office/drawing/2010/main" val="0"/>
-              </a:ext>
-            </a:extLst>
-          </a:blip>
-          <a:stretch>
-            <a:fillRect/>
-          </a:stretch>
-        </p:blipFill>
-        <p:spPr>
-          <a:xfrm>
-            <a:off x="16341036" y="8058429"/>
-            <a:ext cx="1942857" cy="2228571"/>
-          </a:xfrm>
-          <a:prstGeom prst="rect">
-            <a:avLst/>
-          </a:prstGeom>
-        </p:spPr>
-      </p:pic>
-      <p:graphicFrame>
-        <p:nvGraphicFramePr>
-          <p:cNvPr id="5" name="Table 4">
-            <a:extLst>
-              <a:ext uri="{FF2B5EF4-FFF2-40B4-BE49-F238E27FC236}">
-                <a16:creationId xmlns:a16="http://schemas.microsoft.com/office/drawing/2014/main" id="{37944882-63E8-6A27-758D-04FD57EC3761}"/>
-              </a:ext>
-            </a:extLst>
-          </p:cNvPr>
-          <p:cNvGraphicFramePr>
-            <a:graphicFrameLocks noGrp="1"/>
-          </p:cNvGraphicFramePr>
-          <p:nvPr/>
-        </p:nvGraphicFramePr>
-        <p:xfrm>
-          <a:off x="228600" y="2139278"/>
-          <a:ext cx="16112436" cy="7575532"/>
-        </p:xfrm>
-        <a:graphic>
-          <a:graphicData uri="http://schemas.openxmlformats.org/drawingml/2006/table">
-            <a:tbl>
-              <a:tblPr>
-                <a:tableStyleId>{2D5ABB26-0587-4C30-8999-92F81FD0307C}</a:tableStyleId>
-              </a:tblPr>
-              <a:tblGrid>
-                <a:gridCol w="2829502">
-                  <a:extLst>
-                    <a:ext uri="{9D8B030D-6E8A-4147-A177-3AD203B41FA5}">
-                      <a16:colId xmlns:a16="http://schemas.microsoft.com/office/drawing/2014/main" val="1525359229"/>
-                    </a:ext>
-                  </a:extLst>
-                </a:gridCol>
-                <a:gridCol w="7912122">
-                  <a:extLst>
-                    <a:ext uri="{9D8B030D-6E8A-4147-A177-3AD203B41FA5}">
-                      <a16:colId xmlns:a16="http://schemas.microsoft.com/office/drawing/2014/main" val="2538730899"/>
-                    </a:ext>
-                  </a:extLst>
-                </a:gridCol>
-                <a:gridCol w="5370812">
-                  <a:extLst>
-                    <a:ext uri="{9D8B030D-6E8A-4147-A177-3AD203B41FA5}">
-                      <a16:colId xmlns:a16="http://schemas.microsoft.com/office/drawing/2014/main" val="3469586132"/>
-                    </a:ext>
-                  </a:extLst>
-                </a:gridCol>
-              </a:tblGrid>
-              <a:tr h="410762">
-                <a:tc>
-                  <a:txBody>
-                    <a:bodyPr/>
-                    <a:lstStyle/>
-                    <a:p>
-                      <a:r>
-                        <a:rPr lang="en-US" sz="2800" b="1"/>
-                        <a:t>Tool</a:t>
-                      </a:r>
-                      <a:endParaRPr lang="en-US" sz="2800"/>
-                    </a:p>
-                  </a:txBody>
-                  <a:tcPr marL="59552" marR="59552" marT="29776" marB="29776" anchor="ctr">
-                    <a:lnL w="12700" cap="flat" cmpd="sng" algn="ctr">
-                      <a:solidFill>
-                        <a:schemeClr val="tx1"/>
-                      </a:solidFill>
-                      <a:prstDash val="solid"/>
-                      <a:round/>
-                      <a:headEnd type="none" w="med" len="med"/>
-                      <a:tailEnd type="none" w="med" len="med"/>
-                    </a:lnL>
-                    <a:lnR w="12700" cap="flat" cmpd="sng" algn="ctr">
-                      <a:solidFill>
-                        <a:schemeClr val="tx1"/>
-                      </a:solidFill>
-                      <a:prstDash val="solid"/>
-                      <a:round/>
-                      <a:headEnd type="none" w="med" len="med"/>
-                      <a:tailEnd type="none" w="med" len="med"/>
-                    </a:lnR>
-                    <a:lnT w="12700" cap="flat" cmpd="sng" algn="ctr">
-                      <a:solidFill>
-                        <a:schemeClr val="tx1"/>
-                      </a:solidFill>
-                      <a:prstDash val="solid"/>
-                      <a:round/>
-                      <a:headEnd type="none" w="med" len="med"/>
-                      <a:tailEnd type="none" w="med" len="med"/>
-                    </a:lnT>
-                    <a:lnB w="12700" cap="flat" cmpd="sng" algn="ctr">
-                      <a:solidFill>
-                        <a:schemeClr val="tx1"/>
-                      </a:solidFill>
-                      <a:prstDash val="solid"/>
-                      <a:round/>
-                      <a:headEnd type="none" w="med" len="med"/>
-                      <a:tailEnd type="none" w="med" len="med"/>
-                    </a:lnB>
-                  </a:tcPr>
-                </a:tc>
-                <a:tc>
-                  <a:txBody>
-                    <a:bodyPr/>
-                    <a:lstStyle/>
-                    <a:p>
-                      <a:r>
-                        <a:rPr lang="en-US" sz="2800" b="1"/>
-                        <a:t>Primary Functions</a:t>
-                      </a:r>
-                      <a:endParaRPr lang="en-US" sz="2800"/>
-                    </a:p>
-                  </a:txBody>
-                  <a:tcPr marL="59552" marR="59552" marT="29776" marB="29776" anchor="ctr">
-                    <a:lnL w="12700" cap="flat" cmpd="sng" algn="ctr">
-                      <a:solidFill>
-                        <a:schemeClr val="tx1"/>
-                      </a:solidFill>
-                      <a:prstDash val="solid"/>
-                      <a:round/>
-                      <a:headEnd type="none" w="med" len="med"/>
-                      <a:tailEnd type="none" w="med" len="med"/>
-                    </a:lnL>
-                    <a:lnR w="12700" cap="flat" cmpd="sng" algn="ctr">
-                      <a:solidFill>
-                        <a:schemeClr val="tx1"/>
-                      </a:solidFill>
-                      <a:prstDash val="solid"/>
-                      <a:round/>
-                      <a:headEnd type="none" w="med" len="med"/>
-                      <a:tailEnd type="none" w="med" len="med"/>
-                    </a:lnR>
-                    <a:lnT w="12700" cap="flat" cmpd="sng" algn="ctr">
-                      <a:solidFill>
-                        <a:schemeClr val="tx1"/>
-                      </a:solidFill>
-                      <a:prstDash val="solid"/>
-                      <a:round/>
-                      <a:headEnd type="none" w="med" len="med"/>
-                      <a:tailEnd type="none" w="med" len="med"/>
-                    </a:lnT>
-                    <a:lnB w="12700" cap="flat" cmpd="sng" algn="ctr">
-                      <a:solidFill>
-                        <a:schemeClr val="tx1"/>
-                      </a:solidFill>
-                      <a:prstDash val="solid"/>
-                      <a:round/>
-                      <a:headEnd type="none" w="med" len="med"/>
-                      <a:tailEnd type="none" w="med" len="med"/>
-                    </a:lnB>
-                  </a:tcPr>
-                </a:tc>
-                <a:tc>
-                  <a:txBody>
-                    <a:bodyPr/>
-                    <a:lstStyle/>
-                    <a:p>
-                      <a:r>
-                        <a:rPr lang="en-US" sz="2800" b="1"/>
-                        <a:t>Strengths</a:t>
-                      </a:r>
-                      <a:endParaRPr lang="en-US" sz="2800"/>
-                    </a:p>
-                  </a:txBody>
-                  <a:tcPr marL="59552" marR="59552" marT="29776" marB="29776" anchor="ctr">
-                    <a:lnL w="12700" cap="flat" cmpd="sng" algn="ctr">
-                      <a:solidFill>
-                        <a:schemeClr val="tx1"/>
-                      </a:solidFill>
-                      <a:prstDash val="solid"/>
-                      <a:round/>
-                      <a:headEnd type="none" w="med" len="med"/>
-                      <a:tailEnd type="none" w="med" len="med"/>
-                    </a:lnL>
-                    <a:lnR w="12700" cap="flat" cmpd="sng" algn="ctr">
-                      <a:solidFill>
-                        <a:schemeClr val="tx1"/>
-                      </a:solidFill>
-                      <a:prstDash val="solid"/>
-                      <a:round/>
-                      <a:headEnd type="none" w="med" len="med"/>
-                      <a:tailEnd type="none" w="med" len="med"/>
-                    </a:lnR>
-                    <a:lnT w="12700" cap="flat" cmpd="sng" algn="ctr">
-                      <a:solidFill>
-                        <a:schemeClr val="tx1"/>
-                      </a:solidFill>
-                      <a:prstDash val="solid"/>
-                      <a:round/>
-                      <a:headEnd type="none" w="med" len="med"/>
-                      <a:tailEnd type="none" w="med" len="med"/>
-                    </a:lnT>
-                    <a:lnB w="12700" cap="flat" cmpd="sng" algn="ctr">
-                      <a:solidFill>
-                        <a:schemeClr val="tx1"/>
-                      </a:solidFill>
-                      <a:prstDash val="solid"/>
-                      <a:round/>
-                      <a:headEnd type="none" w="med" len="med"/>
-                      <a:tailEnd type="none" w="med" len="med"/>
-                    </a:lnB>
-                  </a:tcPr>
-                </a:tc>
-                <a:extLst>
-                  <a:ext uri="{0D108BD9-81ED-4DB2-BD59-A6C34878D82A}">
-                    <a16:rowId xmlns:a16="http://schemas.microsoft.com/office/drawing/2014/main" val="2831305640"/>
-                  </a:ext>
-                </a:extLst>
-              </a:tr>
-              <a:tr h="2607127">
-                <a:tc>
-                  <a:txBody>
-                    <a:bodyPr/>
-                    <a:lstStyle/>
-                    <a:p>
-                      <a:r>
-                        <a:rPr lang="en-US" sz="2800" b="1" dirty="0"/>
-                        <a:t>Python</a:t>
-                      </a:r>
-                      <a:endParaRPr lang="en-US" sz="2800" dirty="0"/>
-                    </a:p>
-                  </a:txBody>
-                  <a:tcPr marL="59552" marR="59552" marT="29776" marB="29776" anchor="ctr">
-                    <a:lnL w="12700" cap="flat" cmpd="sng" algn="ctr">
-                      <a:solidFill>
-                        <a:schemeClr val="tx1"/>
-                      </a:solidFill>
-                      <a:prstDash val="solid"/>
-                      <a:round/>
-                      <a:headEnd type="none" w="med" len="med"/>
-                      <a:tailEnd type="none" w="med" len="med"/>
-                    </a:lnL>
-                    <a:lnR w="12700" cap="flat" cmpd="sng" algn="ctr">
-                      <a:solidFill>
-                        <a:schemeClr val="tx1"/>
-                      </a:solidFill>
-                      <a:prstDash val="solid"/>
-                      <a:round/>
-                      <a:headEnd type="none" w="med" len="med"/>
-                      <a:tailEnd type="none" w="med" len="med"/>
-                    </a:lnR>
-                    <a:lnT w="12700" cap="flat" cmpd="sng" algn="ctr">
-                      <a:solidFill>
-                        <a:schemeClr val="tx1"/>
-                      </a:solidFill>
-                      <a:prstDash val="solid"/>
-                      <a:round/>
-                      <a:headEnd type="none" w="med" len="med"/>
-                      <a:tailEnd type="none" w="med" len="med"/>
-                    </a:lnT>
-                    <a:lnB w="12700" cap="flat" cmpd="sng" algn="ctr">
-                      <a:solidFill>
-                        <a:schemeClr val="tx1"/>
-                      </a:solidFill>
-                      <a:prstDash val="solid"/>
-                      <a:round/>
-                      <a:headEnd type="none" w="med" len="med"/>
-                      <a:tailEnd type="none" w="med" len="med"/>
-                    </a:lnB>
-                  </a:tcPr>
-                </a:tc>
-                <a:tc>
-                  <a:txBody>
-                    <a:bodyPr/>
-                    <a:lstStyle/>
-                    <a:p>
-                      <a:r>
-                        <a:rPr lang="en-US" sz="2800" dirty="0"/>
-                        <a:t>Backend data analysis, advanced charting, machine learning</a:t>
-                      </a:r>
-                    </a:p>
-                  </a:txBody>
-                  <a:tcPr marL="59552" marR="59552" marT="29776" marB="29776" anchor="ctr">
-                    <a:lnL w="12700" cap="flat" cmpd="sng" algn="ctr">
-                      <a:solidFill>
-                        <a:schemeClr val="tx1"/>
-                      </a:solidFill>
-                      <a:prstDash val="solid"/>
-                      <a:round/>
-                      <a:headEnd type="none" w="med" len="med"/>
-                      <a:tailEnd type="none" w="med" len="med"/>
-                    </a:lnL>
-                    <a:lnR w="12700" cap="flat" cmpd="sng" algn="ctr">
-                      <a:solidFill>
-                        <a:schemeClr val="tx1"/>
-                      </a:solidFill>
-                      <a:prstDash val="solid"/>
-                      <a:round/>
-                      <a:headEnd type="none" w="med" len="med"/>
-                      <a:tailEnd type="none" w="med" len="med"/>
-                    </a:lnR>
-                    <a:lnT w="12700" cap="flat" cmpd="sng" algn="ctr">
-                      <a:solidFill>
-                        <a:schemeClr val="tx1"/>
-                      </a:solidFill>
-                      <a:prstDash val="solid"/>
-                      <a:round/>
-                      <a:headEnd type="none" w="med" len="med"/>
-                      <a:tailEnd type="none" w="med" len="med"/>
-                    </a:lnT>
-                    <a:lnB w="12700" cap="flat" cmpd="sng" algn="ctr">
-                      <a:solidFill>
-                        <a:schemeClr val="tx1"/>
-                      </a:solidFill>
-                      <a:prstDash val="solid"/>
-                      <a:round/>
-                      <a:headEnd type="none" w="med" len="med"/>
-                      <a:tailEnd type="none" w="med" len="med"/>
-                    </a:lnB>
-                  </a:tcPr>
-                </a:tc>
-                <a:tc>
-                  <a:txBody>
-                    <a:bodyPr/>
-                    <a:lstStyle/>
-                    <a:p>
-                      <a:r>
-                        <a:rPr lang="en-US" sz="2800" dirty="0"/>
-                        <a:t>Powerful data manipulation with libraries like pandas, extensive visualization options with libraries like matplotlib and seaborn</a:t>
-                      </a:r>
-                    </a:p>
-                  </a:txBody>
-                  <a:tcPr marL="59552" marR="59552" marT="29776" marB="29776" anchor="ctr">
-                    <a:lnL w="12700" cap="flat" cmpd="sng" algn="ctr">
-                      <a:solidFill>
-                        <a:schemeClr val="tx1"/>
-                      </a:solidFill>
-                      <a:prstDash val="solid"/>
-                      <a:round/>
-                      <a:headEnd type="none" w="med" len="med"/>
-                      <a:tailEnd type="none" w="med" len="med"/>
-                    </a:lnL>
-                    <a:lnR w="12700" cap="flat" cmpd="sng" algn="ctr">
-                      <a:solidFill>
-                        <a:schemeClr val="tx1"/>
-                      </a:solidFill>
-                      <a:prstDash val="solid"/>
-                      <a:round/>
-                      <a:headEnd type="none" w="med" len="med"/>
-                      <a:tailEnd type="none" w="med" len="med"/>
-                    </a:lnR>
-                    <a:lnT w="12700" cap="flat" cmpd="sng" algn="ctr">
-                      <a:solidFill>
-                        <a:schemeClr val="tx1"/>
-                      </a:solidFill>
-                      <a:prstDash val="solid"/>
-                      <a:round/>
-                      <a:headEnd type="none" w="med" len="med"/>
-                      <a:tailEnd type="none" w="med" len="med"/>
-                    </a:lnT>
-                    <a:lnB w="12700" cap="flat" cmpd="sng" algn="ctr">
-                      <a:solidFill>
-                        <a:schemeClr val="tx1"/>
-                      </a:solidFill>
-                      <a:prstDash val="solid"/>
-                      <a:round/>
-                      <a:headEnd type="none" w="med" len="med"/>
-                      <a:tailEnd type="none" w="med" len="med"/>
-                    </a:lnB>
-                  </a:tcPr>
-                </a:tc>
-                <a:extLst>
-                  <a:ext uri="{0D108BD9-81ED-4DB2-BD59-A6C34878D82A}">
-                    <a16:rowId xmlns:a16="http://schemas.microsoft.com/office/drawing/2014/main" val="47735761"/>
-                  </a:ext>
-                </a:extLst>
-              </a:tr>
-              <a:tr h="1875006">
-                <a:tc>
-                  <a:txBody>
-                    <a:bodyPr/>
-                    <a:lstStyle/>
-                    <a:p>
-                      <a:r>
-                        <a:rPr lang="en-US" sz="2800" b="1"/>
-                        <a:t>Excel</a:t>
-                      </a:r>
-                      <a:endParaRPr lang="en-US" sz="2800"/>
-                    </a:p>
-                  </a:txBody>
-                  <a:tcPr marL="59552" marR="59552" marT="29776" marB="29776" anchor="ctr">
-                    <a:lnL w="12700" cap="flat" cmpd="sng" algn="ctr">
-                      <a:solidFill>
-                        <a:schemeClr val="tx1"/>
-                      </a:solidFill>
-                      <a:prstDash val="solid"/>
-                      <a:round/>
-                      <a:headEnd type="none" w="med" len="med"/>
-                      <a:tailEnd type="none" w="med" len="med"/>
-                    </a:lnL>
-                    <a:lnR w="12700" cap="flat" cmpd="sng" algn="ctr">
-                      <a:solidFill>
-                        <a:schemeClr val="tx1"/>
-                      </a:solidFill>
-                      <a:prstDash val="solid"/>
-                      <a:round/>
-                      <a:headEnd type="none" w="med" len="med"/>
-                      <a:tailEnd type="none" w="med" len="med"/>
-                    </a:lnR>
-                    <a:lnT w="12700" cap="flat" cmpd="sng" algn="ctr">
-                      <a:solidFill>
-                        <a:schemeClr val="tx1"/>
-                      </a:solidFill>
-                      <a:prstDash val="solid"/>
-                      <a:round/>
-                      <a:headEnd type="none" w="med" len="med"/>
-                      <a:tailEnd type="none" w="med" len="med"/>
-                    </a:lnT>
-                    <a:lnB w="12700" cap="flat" cmpd="sng" algn="ctr">
-                      <a:solidFill>
-                        <a:schemeClr val="tx1"/>
-                      </a:solidFill>
-                      <a:prstDash val="solid"/>
-                      <a:round/>
-                      <a:headEnd type="none" w="med" len="med"/>
-                      <a:tailEnd type="none" w="med" len="med"/>
-                    </a:lnB>
-                  </a:tcPr>
-                </a:tc>
-                <a:tc>
-                  <a:txBody>
-                    <a:bodyPr/>
-                    <a:lstStyle/>
-                    <a:p>
-                      <a:r>
-                        <a:rPr lang="en-US" sz="2800" dirty="0"/>
-                        <a:t>Frontend formatting, usability, interactive dashboards</a:t>
-                      </a:r>
-                    </a:p>
-                  </a:txBody>
-                  <a:tcPr marL="59552" marR="59552" marT="29776" marB="29776" anchor="ctr">
-                    <a:lnL w="12700" cap="flat" cmpd="sng" algn="ctr">
-                      <a:solidFill>
-                        <a:schemeClr val="tx1"/>
-                      </a:solidFill>
-                      <a:prstDash val="solid"/>
-                      <a:round/>
-                      <a:headEnd type="none" w="med" len="med"/>
-                      <a:tailEnd type="none" w="med" len="med"/>
-                    </a:lnL>
-                    <a:lnR w="12700" cap="flat" cmpd="sng" algn="ctr">
-                      <a:solidFill>
-                        <a:schemeClr val="tx1"/>
-                      </a:solidFill>
-                      <a:prstDash val="solid"/>
-                      <a:round/>
-                      <a:headEnd type="none" w="med" len="med"/>
-                      <a:tailEnd type="none" w="med" len="med"/>
-                    </a:lnR>
-                    <a:lnT w="12700" cap="flat" cmpd="sng" algn="ctr">
-                      <a:solidFill>
-                        <a:schemeClr val="tx1"/>
-                      </a:solidFill>
-                      <a:prstDash val="solid"/>
-                      <a:round/>
-                      <a:headEnd type="none" w="med" len="med"/>
-                      <a:tailEnd type="none" w="med" len="med"/>
-                    </a:lnT>
-                    <a:lnB w="12700" cap="flat" cmpd="sng" algn="ctr">
-                      <a:solidFill>
-                        <a:schemeClr val="tx1"/>
-                      </a:solidFill>
-                      <a:prstDash val="solid"/>
-                      <a:round/>
-                      <a:headEnd type="none" w="med" len="med"/>
-                      <a:tailEnd type="none" w="med" len="med"/>
-                    </a:lnB>
-                  </a:tcPr>
-                </a:tc>
-                <a:tc>
-                  <a:txBody>
-                    <a:bodyPr/>
-                    <a:lstStyle/>
-                    <a:p>
-                      <a:r>
-                        <a:rPr lang="en-US" sz="2800" dirty="0"/>
-                        <a:t>User-friendly interface, widespread usage, well-suited for formatting and presentation</a:t>
-                      </a:r>
-                    </a:p>
-                  </a:txBody>
-                  <a:tcPr marL="59552" marR="59552" marT="29776" marB="29776" anchor="ctr">
-                    <a:lnL w="12700" cap="flat" cmpd="sng" algn="ctr">
-                      <a:solidFill>
-                        <a:schemeClr val="tx1"/>
-                      </a:solidFill>
-                      <a:prstDash val="solid"/>
-                      <a:round/>
-                      <a:headEnd type="none" w="med" len="med"/>
-                      <a:tailEnd type="none" w="med" len="med"/>
-                    </a:lnL>
-                    <a:lnR w="12700" cap="flat" cmpd="sng" algn="ctr">
-                      <a:solidFill>
-                        <a:schemeClr val="tx1"/>
-                      </a:solidFill>
-                      <a:prstDash val="solid"/>
-                      <a:round/>
-                      <a:headEnd type="none" w="med" len="med"/>
-                      <a:tailEnd type="none" w="med" len="med"/>
-                    </a:lnR>
-                    <a:lnT w="12700" cap="flat" cmpd="sng" algn="ctr">
-                      <a:solidFill>
-                        <a:schemeClr val="tx1"/>
-                      </a:solidFill>
-                      <a:prstDash val="solid"/>
-                      <a:round/>
-                      <a:headEnd type="none" w="med" len="med"/>
-                      <a:tailEnd type="none" w="med" len="med"/>
-                    </a:lnT>
-                    <a:lnB w="12700" cap="flat" cmpd="sng" algn="ctr">
-                      <a:solidFill>
-                        <a:schemeClr val="tx1"/>
-                      </a:solidFill>
-                      <a:prstDash val="solid"/>
-                      <a:round/>
-                      <a:headEnd type="none" w="med" len="med"/>
-                      <a:tailEnd type="none" w="med" len="med"/>
-                    </a:lnB>
-                  </a:tcPr>
-                </a:tc>
-                <a:extLst>
-                  <a:ext uri="{0D108BD9-81ED-4DB2-BD59-A6C34878D82A}">
-                    <a16:rowId xmlns:a16="http://schemas.microsoft.com/office/drawing/2014/main" val="715534459"/>
-                  </a:ext>
-                </a:extLst>
-              </a:tr>
-              <a:tr h="2607127">
-                <a:tc>
-                  <a:txBody>
-                    <a:bodyPr/>
-                    <a:lstStyle/>
-                    <a:p>
-                      <a:r>
-                        <a:rPr lang="en-US" sz="2800" b="1"/>
-                        <a:t>JavaScript/TypeScript</a:t>
-                      </a:r>
-                      <a:endParaRPr lang="en-US" sz="2800"/>
-                    </a:p>
-                  </a:txBody>
-                  <a:tcPr marL="59552" marR="59552" marT="29776" marB="29776" anchor="ctr">
-                    <a:lnL w="12700" cap="flat" cmpd="sng" algn="ctr">
-                      <a:solidFill>
-                        <a:schemeClr val="tx1"/>
-                      </a:solidFill>
-                      <a:prstDash val="solid"/>
-                      <a:round/>
-                      <a:headEnd type="none" w="med" len="med"/>
-                      <a:tailEnd type="none" w="med" len="med"/>
-                    </a:lnL>
-                    <a:lnR w="12700" cap="flat" cmpd="sng" algn="ctr">
-                      <a:solidFill>
-                        <a:schemeClr val="tx1"/>
-                      </a:solidFill>
-                      <a:prstDash val="solid"/>
-                      <a:round/>
-                      <a:headEnd type="none" w="med" len="med"/>
-                      <a:tailEnd type="none" w="med" len="med"/>
-                    </a:lnR>
-                    <a:lnT w="12700" cap="flat" cmpd="sng" algn="ctr">
-                      <a:solidFill>
-                        <a:schemeClr val="tx1"/>
-                      </a:solidFill>
-                      <a:prstDash val="solid"/>
-                      <a:round/>
-                      <a:headEnd type="none" w="med" len="med"/>
-                      <a:tailEnd type="none" w="med" len="med"/>
-                    </a:lnT>
-                    <a:lnB w="12700" cap="flat" cmpd="sng" algn="ctr">
-                      <a:solidFill>
-                        <a:schemeClr val="tx1"/>
-                      </a:solidFill>
-                      <a:prstDash val="solid"/>
-                      <a:round/>
-                      <a:headEnd type="none" w="med" len="med"/>
-                      <a:tailEnd type="none" w="med" len="med"/>
-                    </a:lnB>
-                  </a:tcPr>
-                </a:tc>
-                <a:tc>
-                  <a:txBody>
-                    <a:bodyPr/>
-                    <a:lstStyle/>
-                    <a:p>
-                      <a:r>
-                        <a:rPr lang="en-US" sz="2800"/>
-                        <a:t>Additional add-ins, enhanced interactivity, web integration</a:t>
-                      </a:r>
-                    </a:p>
-                  </a:txBody>
-                  <a:tcPr marL="59552" marR="59552" marT="29776" marB="29776" anchor="ctr">
-                    <a:lnL w="12700" cap="flat" cmpd="sng" algn="ctr">
-                      <a:solidFill>
-                        <a:schemeClr val="tx1"/>
-                      </a:solidFill>
-                      <a:prstDash val="solid"/>
-                      <a:round/>
-                      <a:headEnd type="none" w="med" len="med"/>
-                      <a:tailEnd type="none" w="med" len="med"/>
-                    </a:lnL>
-                    <a:lnR w="12700" cap="flat" cmpd="sng" algn="ctr">
-                      <a:solidFill>
-                        <a:schemeClr val="tx1"/>
-                      </a:solidFill>
-                      <a:prstDash val="solid"/>
-                      <a:round/>
-                      <a:headEnd type="none" w="med" len="med"/>
-                      <a:tailEnd type="none" w="med" len="med"/>
-                    </a:lnR>
-                    <a:lnT w="12700" cap="flat" cmpd="sng" algn="ctr">
-                      <a:solidFill>
-                        <a:schemeClr val="tx1"/>
-                      </a:solidFill>
-                      <a:prstDash val="solid"/>
-                      <a:round/>
-                      <a:headEnd type="none" w="med" len="med"/>
-                      <a:tailEnd type="none" w="med" len="med"/>
-                    </a:lnT>
-                    <a:lnB w="12700" cap="flat" cmpd="sng" algn="ctr">
-                      <a:solidFill>
-                        <a:schemeClr val="tx1"/>
-                      </a:solidFill>
-                      <a:prstDash val="solid"/>
-                      <a:round/>
-                      <a:headEnd type="none" w="med" len="med"/>
-                      <a:tailEnd type="none" w="med" len="med"/>
-                    </a:lnB>
-                  </a:tcPr>
-                </a:tc>
-                <a:tc>
-                  <a:txBody>
-                    <a:bodyPr/>
-                    <a:lstStyle/>
-                    <a:p>
-                      <a:r>
-                        <a:rPr lang="en-US" sz="2800" dirty="0"/>
-                        <a:t>Building and integrating more complex functionalities, expanding Excel’s capabilities into web and app development</a:t>
-                      </a:r>
-                    </a:p>
-                  </a:txBody>
-                  <a:tcPr marL="59552" marR="59552" marT="29776" marB="29776" anchor="ctr">
-                    <a:lnL w="12700" cap="flat" cmpd="sng" algn="ctr">
-                      <a:solidFill>
-                        <a:schemeClr val="tx1"/>
-                      </a:solidFill>
-                      <a:prstDash val="solid"/>
-                      <a:round/>
-                      <a:headEnd type="none" w="med" len="med"/>
-                      <a:tailEnd type="none" w="med" len="med"/>
-                    </a:lnL>
-                    <a:lnR w="12700" cap="flat" cmpd="sng" algn="ctr">
-                      <a:solidFill>
-                        <a:schemeClr val="tx1"/>
-                      </a:solidFill>
-                      <a:prstDash val="solid"/>
-                      <a:round/>
-                      <a:headEnd type="none" w="med" len="med"/>
-                      <a:tailEnd type="none" w="med" len="med"/>
-                    </a:lnR>
-                    <a:lnT w="12700" cap="flat" cmpd="sng" algn="ctr">
-                      <a:solidFill>
-                        <a:schemeClr val="tx1"/>
-                      </a:solidFill>
-                      <a:prstDash val="solid"/>
-                      <a:round/>
-                      <a:headEnd type="none" w="med" len="med"/>
-                      <a:tailEnd type="none" w="med" len="med"/>
-                    </a:lnT>
-                    <a:lnB w="12700" cap="flat" cmpd="sng" algn="ctr">
-                      <a:solidFill>
-                        <a:schemeClr val="tx1"/>
-                      </a:solidFill>
-                      <a:prstDash val="solid"/>
-                      <a:round/>
-                      <a:headEnd type="none" w="med" len="med"/>
-                      <a:tailEnd type="none" w="med" len="med"/>
-                    </a:lnB>
-                  </a:tcPr>
-                </a:tc>
-                <a:extLst>
-                  <a:ext uri="{0D108BD9-81ED-4DB2-BD59-A6C34878D82A}">
-                    <a16:rowId xmlns:a16="http://schemas.microsoft.com/office/drawing/2014/main" val="1932398644"/>
-                  </a:ext>
-                </a:extLst>
-              </a:tr>
-            </a:tbl>
-          </a:graphicData>
-        </a:graphic>
-      </p:graphicFrame>
-    </p:spTree>
-    <p:extLst>
-      <p:ext uri="{BB962C8B-B14F-4D97-AF65-F5344CB8AC3E}">
-        <p14:creationId xmlns:p14="http://schemas.microsoft.com/office/powerpoint/2010/main" val="677845418"/>
-      </p:ext>
-    </p:extLst>
-  </p:cSld>
-  <p:clrMapOvr>
-    <a:masterClrMapping/>
-  </p:clrMapOvr>
-</p:sld>
-</file>
-
 <file path=ppt/slides/slide3.xml><?xml version="1.0" encoding="utf-8"?>
 <p:sld xmlns:a="http://schemas.openxmlformats.org/drawingml/2006/main" xmlns:r="http://schemas.openxmlformats.org/officeDocument/2006/relationships" xmlns:p="http://schemas.openxmlformats.org/presentationml/2006/main">
   <p:cSld>
@@ -13617,453 +8450,6 @@
     <p:extLst>
       <p:ext uri="{BB962C8B-B14F-4D97-AF65-F5344CB8AC3E}">
         <p14:creationId xmlns:p14="http://schemas.microsoft.com/office/powerpoint/2010/main" val="609635893"/>
-      </p:ext>
-    </p:extLst>
-  </p:cSld>
-  <p:clrMapOvr>
-    <a:masterClrMapping/>
-  </p:clrMapOvr>
-</p:sld>
-</file>
-
-<file path=ppt/slides/slide30.xml><?xml version="1.0" encoding="utf-8"?>
-<p:sld xmlns:a="http://schemas.openxmlformats.org/drawingml/2006/main" xmlns:r="http://schemas.openxmlformats.org/officeDocument/2006/relationships" xmlns:p="http://schemas.openxmlformats.org/presentationml/2006/main">
-  <p:cSld>
-    <p:spTree>
-      <p:nvGrpSpPr>
-        <p:cNvPr id="1" name="">
-          <a:extLst>
-            <a:ext uri="{FF2B5EF4-FFF2-40B4-BE49-F238E27FC236}">
-              <a16:creationId xmlns:a16="http://schemas.microsoft.com/office/drawing/2014/main" id="{69526C44-A988-C289-0AA2-D18B29233910}"/>
-            </a:ext>
-          </a:extLst>
-        </p:cNvPr>
-        <p:cNvGrpSpPr/>
-        <p:nvPr/>
-      </p:nvGrpSpPr>
-      <p:grpSpPr>
-        <a:xfrm>
-          <a:off x="0" y="0"/>
-          <a:ext cx="0" cy="0"/>
-          <a:chOff x="0" y="0"/>
-          <a:chExt cx="0" cy="0"/>
-        </a:xfrm>
-      </p:grpSpPr>
-      <p:sp>
-        <p:nvSpPr>
-          <p:cNvPr id="11" name="TextBox 10">
-            <a:extLst>
-              <a:ext uri="{FF2B5EF4-FFF2-40B4-BE49-F238E27FC236}">
-                <a16:creationId xmlns:a16="http://schemas.microsoft.com/office/drawing/2014/main" id="{6E5D1B74-14ED-D7BA-E868-A91178778D0B}"/>
-              </a:ext>
-            </a:extLst>
-          </p:cNvPr>
-          <p:cNvSpPr txBox="1"/>
-          <p:nvPr/>
-        </p:nvSpPr>
-        <p:spPr>
-          <a:xfrm>
-            <a:off x="520861" y="170082"/>
-            <a:ext cx="11979797" cy="1477328"/>
-          </a:xfrm>
-          <a:prstGeom prst="rect">
-            <a:avLst/>
-          </a:prstGeom>
-          <a:noFill/>
-        </p:spPr>
-        <p:txBody>
-          <a:bodyPr wrap="square" rtlCol="0">
-            <a:spAutoFit/>
-          </a:bodyPr>
-          <a:lstStyle/>
-          <a:p>
-            <a:r>
-              <a:rPr lang="en-US" sz="9000" dirty="0">
-                <a:latin typeface="Aliens &amp; cows" panose="00000500000000000000" pitchFamily="2" charset="0"/>
-              </a:rPr>
-              <a:t>The future of Excel?</a:t>
-            </a:r>
-          </a:p>
-        </p:txBody>
-      </p:sp>
-      <p:pic>
-        <p:nvPicPr>
-          <p:cNvPr id="15" name="Picture 14" descr="A close up of a sign&#10;&#10;Description automatically generated">
-            <a:extLst>
-              <a:ext uri="{FF2B5EF4-FFF2-40B4-BE49-F238E27FC236}">
-                <a16:creationId xmlns:a16="http://schemas.microsoft.com/office/drawing/2014/main" id="{BB4809D3-73AB-602B-1011-3EFB4EA3E307}"/>
-              </a:ext>
-            </a:extLst>
-          </p:cNvPr>
-          <p:cNvPicPr>
-            <a:picLocks noChangeAspect="1"/>
-          </p:cNvPicPr>
-          <p:nvPr/>
-        </p:nvPicPr>
-        <p:blipFill>
-          <a:blip r:embed="rId3">
-            <a:extLst>
-              <a:ext uri="{28A0092B-C50C-407E-A947-70E740481C1C}">
-                <a14:useLocalDpi xmlns:a14="http://schemas.microsoft.com/office/drawing/2010/main" val="0"/>
-              </a:ext>
-            </a:extLst>
-          </a:blip>
-          <a:stretch>
-            <a:fillRect/>
-          </a:stretch>
-        </p:blipFill>
-        <p:spPr>
-          <a:xfrm>
-            <a:off x="16341036" y="8058429"/>
-            <a:ext cx="1942857" cy="2228571"/>
-          </a:xfrm>
-          <a:prstGeom prst="rect">
-            <a:avLst/>
-          </a:prstGeom>
-        </p:spPr>
-      </p:pic>
-      <p:pic>
-        <p:nvPicPr>
-          <p:cNvPr id="3" name="Picture 2" descr="A screenshot of a social media post&#10;&#10;AI-generated content may be incorrect.">
-            <a:extLst>
-              <a:ext uri="{FF2B5EF4-FFF2-40B4-BE49-F238E27FC236}">
-                <a16:creationId xmlns:a16="http://schemas.microsoft.com/office/drawing/2014/main" id="{3D32C24E-4688-6683-7551-EE6AB33896BA}"/>
-              </a:ext>
-            </a:extLst>
-          </p:cNvPr>
-          <p:cNvPicPr>
-            <a:picLocks noChangeAspect="1"/>
-          </p:cNvPicPr>
-          <p:nvPr/>
-        </p:nvPicPr>
-        <p:blipFill>
-          <a:blip r:embed="rId4">
-            <a:extLst>
-              <a:ext uri="{28A0092B-C50C-407E-A947-70E740481C1C}">
-                <a14:useLocalDpi xmlns:a14="http://schemas.microsoft.com/office/drawing/2010/main" val="0"/>
-              </a:ext>
-            </a:extLst>
-          </a:blip>
-          <a:srcRect t="15527" b="15980"/>
-          <a:stretch/>
-        </p:blipFill>
-        <p:spPr>
-          <a:xfrm>
-            <a:off x="8465561" y="1998907"/>
-            <a:ext cx="8846903" cy="6059522"/>
-          </a:xfrm>
-          <a:prstGeom prst="rect">
-            <a:avLst/>
-          </a:prstGeom>
-        </p:spPr>
-      </p:pic>
-      <p:pic>
-        <p:nvPicPr>
-          <p:cNvPr id="4" name="Picture 3" descr="A screenshot of a social media post&#10;&#10;AI-generated content may be incorrect.">
-            <a:extLst>
-              <a:ext uri="{FF2B5EF4-FFF2-40B4-BE49-F238E27FC236}">
-                <a16:creationId xmlns:a16="http://schemas.microsoft.com/office/drawing/2014/main" id="{C5251441-C26D-F630-CD1A-6EC223323C9D}"/>
-              </a:ext>
-            </a:extLst>
-          </p:cNvPr>
-          <p:cNvPicPr>
-            <a:picLocks noChangeAspect="1"/>
-          </p:cNvPicPr>
-          <p:nvPr/>
-        </p:nvPicPr>
-        <p:blipFill>
-          <a:blip r:embed="rId5">
-            <a:extLst>
-              <a:ext uri="{28A0092B-C50C-407E-A947-70E740481C1C}">
-                <a14:useLocalDpi xmlns:a14="http://schemas.microsoft.com/office/drawing/2010/main" val="0"/>
-              </a:ext>
-            </a:extLst>
-          </a:blip>
-          <a:srcRect t="21852" b="21664"/>
-          <a:stretch/>
-        </p:blipFill>
-        <p:spPr>
-          <a:xfrm>
-            <a:off x="314269" y="5154769"/>
-            <a:ext cx="7672968" cy="4334014"/>
-          </a:xfrm>
-          <a:prstGeom prst="rect">
-            <a:avLst/>
-          </a:prstGeom>
-        </p:spPr>
-      </p:pic>
-    </p:spTree>
-    <p:extLst>
-      <p:ext uri="{BB962C8B-B14F-4D97-AF65-F5344CB8AC3E}">
-        <p14:creationId xmlns:p14="http://schemas.microsoft.com/office/powerpoint/2010/main" val="2273543048"/>
-      </p:ext>
-    </p:extLst>
-  </p:cSld>
-  <p:clrMapOvr>
-    <a:masterClrMapping/>
-  </p:clrMapOvr>
-</p:sld>
-</file>
-
-<file path=ppt/slides/slide31.xml><?xml version="1.0" encoding="utf-8"?>
-<p:sld xmlns:a="http://schemas.openxmlformats.org/drawingml/2006/main" xmlns:r="http://schemas.openxmlformats.org/officeDocument/2006/relationships" xmlns:p="http://schemas.openxmlformats.org/presentationml/2006/main">
-  <p:cSld>
-    <p:spTree>
-      <p:nvGrpSpPr>
-        <p:cNvPr id="1" name=""/>
-        <p:cNvGrpSpPr/>
-        <p:nvPr/>
-      </p:nvGrpSpPr>
-      <p:grpSpPr>
-        <a:xfrm>
-          <a:off x="0" y="0"/>
-          <a:ext cx="0" cy="0"/>
-          <a:chOff x="0" y="0"/>
-          <a:chExt cx="0" cy="0"/>
-        </a:xfrm>
-      </p:grpSpPr>
-      <p:pic>
-        <p:nvPicPr>
-          <p:cNvPr id="10" name="Picture 9"/>
-          <p:cNvPicPr>
-            <a:picLocks noChangeAspect="1"/>
-          </p:cNvPicPr>
-          <p:nvPr/>
-        </p:nvPicPr>
-        <p:blipFill rotWithShape="1">
-          <a:blip r:embed="rId2">
-            <a:extLst>
-              <a:ext uri="{28A0092B-C50C-407E-A947-70E740481C1C}">
-                <a14:useLocalDpi xmlns:a14="http://schemas.microsoft.com/office/drawing/2010/main" val="0"/>
-              </a:ext>
-            </a:extLst>
-          </a:blip>
-          <a:srcRect l="50728" t="56371"/>
-          <a:stretch/>
-        </p:blipFill>
-        <p:spPr>
-          <a:xfrm>
-            <a:off x="12204691" y="3316148"/>
-            <a:ext cx="6083309" cy="6970854"/>
-          </a:xfrm>
-          <a:prstGeom prst="rect">
-            <a:avLst/>
-          </a:prstGeom>
-        </p:spPr>
-      </p:pic>
-      <p:pic>
-        <p:nvPicPr>
-          <p:cNvPr id="4" name="Picture 3"/>
-          <p:cNvPicPr>
-            <a:picLocks noChangeAspect="1"/>
-          </p:cNvPicPr>
-          <p:nvPr/>
-        </p:nvPicPr>
-        <p:blipFill>
-          <a:blip r:embed="rId3">
-            <a:extLst>
-              <a:ext uri="{28A0092B-C50C-407E-A947-70E740481C1C}">
-                <a14:useLocalDpi xmlns:a14="http://schemas.microsoft.com/office/drawing/2010/main" val="0"/>
-              </a:ext>
-            </a:extLst>
-          </a:blip>
-          <a:stretch>
-            <a:fillRect/>
-          </a:stretch>
-        </p:blipFill>
-        <p:spPr>
-          <a:xfrm>
-            <a:off x="-807744" y="-3724155"/>
-            <a:ext cx="15257208" cy="11189825"/>
-          </a:xfrm>
-          <a:prstGeom prst="rect">
-            <a:avLst/>
-          </a:prstGeom>
-        </p:spPr>
-      </p:pic>
-      <p:sp>
-        <p:nvSpPr>
-          <p:cNvPr id="11" name="TextBox 10"/>
-          <p:cNvSpPr txBox="1"/>
-          <p:nvPr/>
-        </p:nvSpPr>
-        <p:spPr>
-          <a:xfrm>
-            <a:off x="486137" y="2531318"/>
-            <a:ext cx="11979797" cy="923330"/>
-          </a:xfrm>
-          <a:prstGeom prst="rect">
-            <a:avLst/>
-          </a:prstGeom>
-          <a:noFill/>
-        </p:spPr>
-        <p:txBody>
-          <a:bodyPr wrap="square" rtlCol="0">
-            <a:spAutoFit/>
-          </a:bodyPr>
-          <a:lstStyle/>
-          <a:p>
-            <a:r>
-              <a:rPr lang="en-US" sz="5400" b="1" dirty="0">
-                <a:solidFill>
-                  <a:srgbClr val="CF3338"/>
-                </a:solidFill>
-                <a:latin typeface="Pragmatica" panose="020B0403040502020204" pitchFamily="34" charset="0"/>
-              </a:rPr>
-              <a:t>Questions?</a:t>
-            </a:r>
-          </a:p>
-        </p:txBody>
-      </p:sp>
-      <p:pic>
-        <p:nvPicPr>
-          <p:cNvPr id="5" name="Picture 4">
-            <a:extLst>
-              <a:ext uri="{FF2B5EF4-FFF2-40B4-BE49-F238E27FC236}">
-                <a16:creationId xmlns:a16="http://schemas.microsoft.com/office/drawing/2014/main" id="{54A06221-5316-4BCF-9FDA-BDB95FF4A778}"/>
-              </a:ext>
-            </a:extLst>
-          </p:cNvPr>
-          <p:cNvPicPr>
-            <a:picLocks noChangeAspect="1"/>
-          </p:cNvPicPr>
-          <p:nvPr/>
-        </p:nvPicPr>
-        <p:blipFill>
-          <a:blip r:embed="rId4">
-            <a:extLst>
-              <a:ext uri="{28A0092B-C50C-407E-A947-70E740481C1C}">
-                <a14:useLocalDpi xmlns:a14="http://schemas.microsoft.com/office/drawing/2010/main" val="0"/>
-              </a:ext>
-            </a:extLst>
-          </a:blip>
-          <a:srcRect/>
-          <a:stretch/>
-        </p:blipFill>
-        <p:spPr>
-          <a:xfrm>
-            <a:off x="12204691" y="3317239"/>
-            <a:ext cx="6083309" cy="6968672"/>
-          </a:xfrm>
-          <a:prstGeom prst="rect">
-            <a:avLst/>
-          </a:prstGeom>
-        </p:spPr>
-      </p:pic>
-    </p:spTree>
-    <p:extLst>
-      <p:ext uri="{BB962C8B-B14F-4D97-AF65-F5344CB8AC3E}">
-        <p14:creationId xmlns:p14="http://schemas.microsoft.com/office/powerpoint/2010/main" val="2683774385"/>
-      </p:ext>
-    </p:extLst>
-  </p:cSld>
-  <p:clrMapOvr>
-    <a:masterClrMapping/>
-  </p:clrMapOvr>
-</p:sld>
-</file>
-
-<file path=ppt/slides/slide32.xml><?xml version="1.0" encoding="utf-8"?>
-<p:sld xmlns:a="http://schemas.openxmlformats.org/drawingml/2006/main" xmlns:r="http://schemas.openxmlformats.org/officeDocument/2006/relationships" xmlns:p="http://schemas.openxmlformats.org/presentationml/2006/main">
-  <p:cSld>
-    <p:spTree>
-      <p:nvGrpSpPr>
-        <p:cNvPr id="1" name=""/>
-        <p:cNvGrpSpPr/>
-        <p:nvPr/>
-      </p:nvGrpSpPr>
-      <p:grpSpPr>
-        <a:xfrm>
-          <a:off x="0" y="0"/>
-          <a:ext cx="0" cy="0"/>
-          <a:chOff x="0" y="0"/>
-          <a:chExt cx="0" cy="0"/>
-        </a:xfrm>
-      </p:grpSpPr>
-      <p:sp>
-        <p:nvSpPr>
-          <p:cNvPr id="2" name="Title 1">
-            <a:extLst>
-              <a:ext uri="{FF2B5EF4-FFF2-40B4-BE49-F238E27FC236}">
-                <a16:creationId xmlns:a16="http://schemas.microsoft.com/office/drawing/2014/main" id="{02002795-C3F5-78FD-1BD4-D60FAAEE1BEB}"/>
-              </a:ext>
-            </a:extLst>
-          </p:cNvPr>
-          <p:cNvSpPr>
-            <a:spLocks noGrp="1"/>
-          </p:cNvSpPr>
-          <p:nvPr>
-            <p:ph type="title"/>
-          </p:nvPr>
-        </p:nvSpPr>
-        <p:spPr/>
-        <p:txBody>
-          <a:bodyPr/>
-          <a:lstStyle/>
-          <a:p>
-            <a:endParaRPr lang="en-US"/>
-          </a:p>
-        </p:txBody>
-      </p:sp>
-      <p:sp>
-        <p:nvSpPr>
-          <p:cNvPr id="3" name="Content Placeholder 2">
-            <a:extLst>
-              <a:ext uri="{FF2B5EF4-FFF2-40B4-BE49-F238E27FC236}">
-                <a16:creationId xmlns:a16="http://schemas.microsoft.com/office/drawing/2014/main" id="{7A5E93B2-D65D-C25C-63A0-1F9A66C8FF5C}"/>
-              </a:ext>
-            </a:extLst>
-          </p:cNvPr>
-          <p:cNvSpPr>
-            <a:spLocks noGrp="1"/>
-          </p:cNvSpPr>
-          <p:nvPr>
-            <p:ph idx="1"/>
-          </p:nvPr>
-        </p:nvSpPr>
-        <p:spPr/>
-        <p:txBody>
-          <a:bodyPr/>
-          <a:lstStyle/>
-          <a:p>
-            <a:endParaRPr lang="en-US"/>
-          </a:p>
-        </p:txBody>
-      </p:sp>
-      <p:pic>
-        <p:nvPicPr>
-          <p:cNvPr id="4" name="Picture 3">
-            <a:extLst>
-              <a:ext uri="{FF2B5EF4-FFF2-40B4-BE49-F238E27FC236}">
-                <a16:creationId xmlns:a16="http://schemas.microsoft.com/office/drawing/2014/main" id="{C253E29A-D905-85AC-CD78-003CC72970D5}"/>
-              </a:ext>
-            </a:extLst>
-          </p:cNvPr>
-          <p:cNvPicPr>
-            <a:picLocks noChangeAspect="1"/>
-          </p:cNvPicPr>
-          <p:nvPr/>
-        </p:nvPicPr>
-        <p:blipFill>
-          <a:blip r:embed="rId2"/>
-          <a:stretch>
-            <a:fillRect/>
-          </a:stretch>
-        </p:blipFill>
-        <p:spPr>
-          <a:xfrm>
-            <a:off x="-15711" y="0"/>
-            <a:ext cx="18288000" cy="10287000"/>
-          </a:xfrm>
-          <a:prstGeom prst="rect">
-            <a:avLst/>
-          </a:prstGeom>
-        </p:spPr>
-      </p:pic>
-    </p:spTree>
-    <p:extLst>
-      <p:ext uri="{BB962C8B-B14F-4D97-AF65-F5344CB8AC3E}">
-        <p14:creationId xmlns:p14="http://schemas.microsoft.com/office/powerpoint/2010/main" val="1414137271"/>
       </p:ext>
     </p:extLst>
   </p:cSld>
@@ -15997,19 +10383,4 @@
   <we:bindings/>
   <we:snapshot xmlns:r="http://schemas.openxmlformats.org/officeDocument/2006/relationships"/>
 </we:webextension>
-</file>
-
-<file path=ppt/webextensions/webextension2.xml><?xml version="1.0" encoding="utf-8"?>
-<we:webextension xmlns:we="http://schemas.microsoft.com/office/webextensions/webextension/2010/11" id="{3F45ED20-C10C-4155-A425-FF0BFD6984EF}">
-  <we:reference id="wa104381526" version="1.0.0.2" store="en-US" storeType="OMEX"/>
-  <we:alternateReferences>
-    <we:reference id="WA104381526" version="1.0.0.2" store="WA104381526" storeType="OMEX"/>
-  </we:alternateReferences>
-  <we:properties>
-    <we:property name="FormID" value="&quot;cPpWkUv2F0C9kbrTzRR0VwK40CLGr49Luld6hV2Wkn9UNVI0WUgzSUY2S1JDMzBERTE5SDI2NFo5Ty4u&quot;"/>
-    <we:property name="FormMode" value="&quot;DesignTime&quot;"/>
-  </we:properties>
-  <we:bindings/>
-  <we:snapshot xmlns:r="http://schemas.openxmlformats.org/officeDocument/2006/relationships"/>
-</we:webextension>
 </file>